--- a/presentation/kubo_20231129.pptx
+++ b/presentation/kubo_20231129.pptx
@@ -5,19 +5,21 @@
     <p:sldMasterId id="2147483648" r:id="rId1"/>
   </p:sldMasterIdLst>
   <p:notesMasterIdLst>
-    <p:notesMasterId r:id="rId12"/>
+    <p:notesMasterId r:id="rId14"/>
   </p:notesMasterIdLst>
   <p:sldIdLst>
     <p:sldId id="256" r:id="rId2"/>
     <p:sldId id="257" r:id="rId3"/>
     <p:sldId id="258" r:id="rId4"/>
     <p:sldId id="259" r:id="rId5"/>
-    <p:sldId id="260" r:id="rId6"/>
-    <p:sldId id="261" r:id="rId7"/>
-    <p:sldId id="262" r:id="rId8"/>
-    <p:sldId id="263" r:id="rId9"/>
-    <p:sldId id="264" r:id="rId10"/>
-    <p:sldId id="265" r:id="rId11"/>
+    <p:sldId id="267" r:id="rId6"/>
+    <p:sldId id="260" r:id="rId7"/>
+    <p:sldId id="261" r:id="rId8"/>
+    <p:sldId id="262" r:id="rId9"/>
+    <p:sldId id="265" r:id="rId10"/>
+    <p:sldId id="263" r:id="rId11"/>
+    <p:sldId id="264" r:id="rId12"/>
+    <p:sldId id="266" r:id="rId13"/>
   </p:sldIdLst>
   <p:sldSz cx="12192000" cy="6858000"/>
   <p:notesSz cx="6858000" cy="9144000"/>
@@ -206,7 +208,7 @@
           <a:p>
             <a:fld id="{0128771A-185F-4A7E-885F-A6EE97E33B7C}" type="datetimeFigureOut">
               <a:rPr kumimoji="1" lang="ja-JP" altLang="en-US" smtClean="0"/>
-              <a:t>2023/11/25</a:t>
+              <a:t>2023/11/27</a:t>
             </a:fld>
             <a:endParaRPr kumimoji="1" lang="ja-JP" altLang="en-US"/>
           </a:p>
@@ -646,7 +648,7 @@
           <a:p>
             <a:fld id="{6ABE8D4E-7258-417A-B6F3-8EBF468068A5}" type="datetime1">
               <a:rPr lang="ja-JP" altLang="en-US" smtClean="0"/>
-              <a:t>2023/11/25</a:t>
+              <a:t>2023/11/27</a:t>
             </a:fld>
             <a:endParaRPr lang="ja-JP" altLang="en-US"/>
           </a:p>
@@ -865,7 +867,7 @@
           <a:p>
             <a:fld id="{5F54CE4B-3796-4BF5-BB55-BBEBFEF50CBB}" type="datetime1">
               <a:rPr kumimoji="1" lang="ja-JP" altLang="en-US" smtClean="0"/>
-              <a:t>2023/11/25</a:t>
+              <a:t>2023/11/27</a:t>
             </a:fld>
             <a:endParaRPr kumimoji="1" lang="ja-JP" altLang="en-US"/>
           </a:p>
@@ -1077,7 +1079,7 @@
           <a:p>
             <a:fld id="{67F2E5A7-8044-4762-8DA2-4DFDDEB196F2}" type="datetime1">
               <a:rPr kumimoji="1" lang="ja-JP" altLang="en-US" smtClean="0"/>
-              <a:t>2023/11/25</a:t>
+              <a:t>2023/11/27</a:t>
             </a:fld>
             <a:endParaRPr kumimoji="1" lang="ja-JP" altLang="en-US"/>
           </a:p>
@@ -1279,7 +1281,7 @@
           <a:p>
             <a:fld id="{3EE0AC0E-A657-4687-8521-6B37CBE60475}" type="datetime1">
               <a:rPr kumimoji="1" lang="ja-JP" altLang="en-US" smtClean="0"/>
-              <a:t>2023/11/25</a:t>
+              <a:t>2023/11/27</a:t>
             </a:fld>
             <a:endParaRPr kumimoji="1" lang="ja-JP" altLang="en-US"/>
           </a:p>
@@ -1525,7 +1527,7 @@
           <a:p>
             <a:fld id="{FDDDE4F0-8190-451D-B106-3291633B3B9E}" type="datetime1">
               <a:rPr kumimoji="1" lang="ja-JP" altLang="en-US" smtClean="0"/>
-              <a:t>2023/11/25</a:t>
+              <a:t>2023/11/27</a:t>
             </a:fld>
             <a:endParaRPr kumimoji="1" lang="ja-JP" altLang="en-US"/>
           </a:p>
@@ -1821,7 +1823,7 @@
           <a:p>
             <a:fld id="{633E7E3A-4F32-4D59-A392-1389FEFFFB4E}" type="datetime1">
               <a:rPr kumimoji="1" lang="ja-JP" altLang="en-US" smtClean="0"/>
-              <a:t>2023/11/25</a:t>
+              <a:t>2023/11/27</a:t>
             </a:fld>
             <a:endParaRPr kumimoji="1" lang="ja-JP" altLang="en-US"/>
           </a:p>
@@ -2252,7 +2254,7 @@
           <a:p>
             <a:fld id="{1F4C4689-CC93-4812-8E85-C3F2C70F1C07}" type="datetime1">
               <a:rPr kumimoji="1" lang="ja-JP" altLang="en-US" smtClean="0"/>
-              <a:t>2023/11/25</a:t>
+              <a:t>2023/11/27</a:t>
             </a:fld>
             <a:endParaRPr kumimoji="1" lang="ja-JP" altLang="en-US"/>
           </a:p>
@@ -2370,7 +2372,7 @@
           <a:p>
             <a:fld id="{EE594700-5266-4887-89B0-A48040681036}" type="datetime1">
               <a:rPr kumimoji="1" lang="ja-JP" altLang="en-US" smtClean="0"/>
-              <a:t>2023/11/25</a:t>
+              <a:t>2023/11/27</a:t>
             </a:fld>
             <a:endParaRPr kumimoji="1" lang="ja-JP" altLang="en-US"/>
           </a:p>
@@ -2465,7 +2467,7 @@
           <a:p>
             <a:fld id="{DC592BC9-C83A-4375-ABB2-552FE00592CD}" type="datetime1">
               <a:rPr kumimoji="1" lang="ja-JP" altLang="en-US" smtClean="0"/>
-              <a:t>2023/11/25</a:t>
+              <a:t>2023/11/27</a:t>
             </a:fld>
             <a:endParaRPr kumimoji="1" lang="ja-JP" altLang="en-US"/>
           </a:p>
@@ -2774,7 +2776,7 @@
           <a:p>
             <a:fld id="{9D0A598B-3145-4C47-B0CB-C3AB5EF92870}" type="datetime1">
               <a:rPr kumimoji="1" lang="ja-JP" altLang="en-US" smtClean="0"/>
-              <a:t>2023/11/25</a:t>
+              <a:t>2023/11/27</a:t>
             </a:fld>
             <a:endParaRPr kumimoji="1" lang="ja-JP" altLang="en-US"/>
           </a:p>
@@ -3027,7 +3029,7 @@
           <a:p>
             <a:fld id="{AEA00F4C-F03E-45B0-95F1-52FEE227CF33}" type="datetime1">
               <a:rPr kumimoji="1" lang="ja-JP" altLang="en-US" smtClean="0"/>
-              <a:t>2023/11/25</a:t>
+              <a:t>2023/11/27</a:t>
             </a:fld>
             <a:endParaRPr kumimoji="1" lang="ja-JP" altLang="en-US"/>
           </a:p>
@@ -3272,7 +3274,7 @@
           <a:p>
             <a:fld id="{C633444E-248D-4B74-875A-DE7E1D139756}" type="datetime1">
               <a:rPr kumimoji="1" lang="ja-JP" altLang="en-US" smtClean="0"/>
-              <a:t>2023/11/25</a:t>
+              <a:t>2023/11/27</a:t>
             </a:fld>
             <a:endParaRPr kumimoji="1" lang="ja-JP" altLang="en-US"/>
           </a:p>
@@ -3898,14 +3900,620 @@
           <a:bodyPr/>
           <a:lstStyle/>
           <a:p>
+            <a:r>
+              <a:rPr kumimoji="1" lang="en-US" altLang="ja-JP" smtClean="0"/>
+              <a:t>Consider </a:t>
+            </a:r>
+            <a:r>
+              <a:rPr kumimoji="1" lang="en-US" altLang="ja-JP" smtClean="0"/>
+              <a:t>Fermi degeneracy </a:t>
+            </a:r>
+            <a:r>
+              <a:rPr kumimoji="1" lang="en-US" altLang="ja-JP" smtClean="0"/>
+              <a:t>effect</a:t>
+            </a:r>
             <a:endParaRPr kumimoji="1" lang="ja-JP" altLang="en-US"/>
           </a:p>
         </p:txBody>
       </p:sp>
+      <p:sp>
+        <p:nvSpPr>
+          <p:cNvPr id="7" name="テキスト ボックス 6"/>
+          <p:cNvSpPr txBox="1"/>
+          <p:nvPr/>
+        </p:nvSpPr>
+        <p:spPr>
+          <a:xfrm>
+            <a:off x="0" y="1470991"/>
+            <a:ext cx="11604010" cy="461665"/>
+          </a:xfrm>
+          <a:prstGeom prst="rect">
+            <a:avLst/>
+          </a:prstGeom>
+          <a:noFill/>
+        </p:spPr>
+        <p:txBody>
+          <a:bodyPr wrap="none" rtlCol="0">
+            <a:spAutoFit/>
+          </a:bodyPr>
+          <a:lstStyle/>
+          <a:p>
+            <a:pPr marL="285750" indent="-285750">
+              <a:buFont typeface="Arial" panose="020B0604020202020204" pitchFamily="34" charset="0"/>
+              <a:buChar char="•"/>
+            </a:pPr>
+            <a:r>
+              <a:rPr lang="en-US" altLang="ja-JP" sz="2400"/>
+              <a:t>Calculate the distribution function from the number of particles in the grid</a:t>
+            </a:r>
+            <a:endParaRPr kumimoji="1" lang="ja-JP" altLang="en-US" sz="2400"/>
+          </a:p>
+        </p:txBody>
+      </p:sp>
+      <mc:AlternateContent xmlns:mc="http://schemas.openxmlformats.org/markup-compatibility/2006" xmlns:a14="http://schemas.microsoft.com/office/drawing/2010/main">
+        <mc:Choice Requires="a14">
+          <p:sp>
+            <p:nvSpPr>
+              <p:cNvPr id="10" name="テキスト ボックス 9"/>
+              <p:cNvSpPr txBox="1"/>
+              <p:nvPr/>
+            </p:nvSpPr>
+            <p:spPr>
+              <a:xfrm>
+                <a:off x="2569264" y="2018134"/>
+                <a:ext cx="2488309" cy="404919"/>
+              </a:xfrm>
+              <a:prstGeom prst="rect">
+                <a:avLst/>
+              </a:prstGeom>
+              <a:noFill/>
+            </p:spPr>
+            <p:txBody>
+              <a:bodyPr wrap="none" lIns="0" tIns="0" rIns="0" bIns="0" rtlCol="0">
+                <a:spAutoFit/>
+              </a:bodyPr>
+              <a:lstStyle/>
+              <a:p>
+                <a:pPr/>
+                <a14:m>
+                  <m:oMathPara xmlns:m="http://schemas.openxmlformats.org/officeDocument/2006/math">
+                    <m:oMathParaPr>
+                      <m:jc m:val="centerGroup"/>
+                    </m:oMathParaPr>
+                    <m:oMath xmlns:m="http://schemas.openxmlformats.org/officeDocument/2006/math">
+                      <m:r>
+                        <a:rPr kumimoji="1" lang="en-US" altLang="ja-JP" sz="2400" b="0" i="1" smtClean="0">
+                          <a:latin typeface="Cambria Math" panose="02040503050406030204" pitchFamily="18" charset="0"/>
+                        </a:rPr>
+                        <m:t>𝑓</m:t>
+                      </m:r>
+                      <m:d>
+                        <m:dPr>
+                          <m:ctrlPr>
+                            <a:rPr kumimoji="1" lang="en-US" altLang="ja-JP" sz="2400" b="0" i="1" smtClean="0">
+                              <a:latin typeface="Cambria Math" panose="02040503050406030204" pitchFamily="18" charset="0"/>
+                            </a:rPr>
+                          </m:ctrlPr>
+                        </m:dPr>
+                        <m:e>
+                          <m:r>
+                            <a:rPr kumimoji="1" lang="en-US" altLang="ja-JP" sz="2400" b="0" i="1" smtClean="0">
+                              <a:latin typeface="Cambria Math" panose="02040503050406030204" pitchFamily="18" charset="0"/>
+                            </a:rPr>
+                            <m:t>𝑘</m:t>
+                          </m:r>
+                        </m:e>
+                      </m:d>
+                      <m:r>
+                        <a:rPr kumimoji="1" lang="en-US" altLang="ja-JP" sz="2400" b="0" i="1" smtClean="0">
+                          <a:latin typeface="Cambria Math" panose="02040503050406030204" pitchFamily="18" charset="0"/>
+                        </a:rPr>
+                        <m:t>= </m:t>
+                      </m:r>
+                      <m:r>
+                        <a:rPr kumimoji="1" lang="ja-JP" altLang="en-US" sz="2400" b="0" i="1" smtClean="0">
+                          <a:latin typeface="Cambria Math" panose="02040503050406030204" pitchFamily="18" charset="0"/>
+                        </a:rPr>
+                        <m:t>𝛼</m:t>
+                      </m:r>
+                      <m:r>
+                        <a:rPr kumimoji="1" lang="ja-JP" altLang="en-US" sz="2400" b="0" i="1" smtClean="0">
+                          <a:latin typeface="Cambria Math" panose="02040503050406030204" pitchFamily="18" charset="0"/>
+                        </a:rPr>
+                        <m:t>∙</m:t>
+                      </m:r>
+                      <m:sSub>
+                        <m:sSubPr>
+                          <m:ctrlPr>
+                            <a:rPr kumimoji="1" lang="en-US" altLang="ja-JP" sz="2400" b="0" i="1" smtClean="0">
+                              <a:latin typeface="Cambria Math" panose="02040503050406030204" pitchFamily="18" charset="0"/>
+                            </a:rPr>
+                          </m:ctrlPr>
+                        </m:sSubPr>
+                        <m:e>
+                          <m:r>
+                            <a:rPr kumimoji="1" lang="en-US" altLang="ja-JP" sz="2400" b="0" i="1" smtClean="0">
+                              <a:latin typeface="Cambria Math" panose="02040503050406030204" pitchFamily="18" charset="0"/>
+                            </a:rPr>
+                            <m:t>𝑐</m:t>
+                          </m:r>
+                        </m:e>
+                        <m:sub>
+                          <m:r>
+                            <a:rPr kumimoji="1" lang="en-US" altLang="ja-JP" sz="2400" b="0" i="1" smtClean="0">
+                              <a:latin typeface="Cambria Math" panose="02040503050406030204" pitchFamily="18" charset="0"/>
+                            </a:rPr>
+                            <m:t>𝑎𝑑𝑟</m:t>
+                          </m:r>
+                          <m:r>
+                            <a:rPr kumimoji="1" lang="en-US" altLang="ja-JP" sz="2400" b="0" i="1" smtClean="0">
+                              <a:latin typeface="Cambria Math" panose="02040503050406030204" pitchFamily="18" charset="0"/>
+                            </a:rPr>
+                            <m:t>(</m:t>
+                          </m:r>
+                          <m:r>
+                            <a:rPr kumimoji="1" lang="en-US" altLang="ja-JP" sz="2400" b="0" i="1" smtClean="0">
+                              <a:latin typeface="Cambria Math" panose="02040503050406030204" pitchFamily="18" charset="0"/>
+                            </a:rPr>
+                            <m:t>𝑘</m:t>
+                          </m:r>
+                          <m:r>
+                            <a:rPr kumimoji="1" lang="en-US" altLang="ja-JP" sz="2400" b="0" i="1" smtClean="0">
+                              <a:latin typeface="Cambria Math" panose="02040503050406030204" pitchFamily="18" charset="0"/>
+                            </a:rPr>
+                            <m:t>)</m:t>
+                          </m:r>
+                        </m:sub>
+                      </m:sSub>
+                    </m:oMath>
+                  </m:oMathPara>
+                </a14:m>
+                <a:endParaRPr kumimoji="1" lang="ja-JP" altLang="en-US" sz="2400"/>
+              </a:p>
+            </p:txBody>
+          </p:sp>
+        </mc:Choice>
+        <mc:Fallback xmlns="">
+          <p:sp>
+            <p:nvSpPr>
+              <p:cNvPr id="10" name="テキスト ボックス 9"/>
+              <p:cNvSpPr txBox="1">
+                <a:spLocks noRot="1" noChangeAspect="1" noMove="1" noResize="1" noEditPoints="1" noAdjustHandles="1" noChangeArrowheads="1" noChangeShapeType="1" noTextEdit="1"/>
+              </p:cNvSpPr>
+              <p:nvPr/>
+            </p:nvSpPr>
+            <p:spPr>
+              <a:xfrm>
+                <a:off x="2569264" y="2018134"/>
+                <a:ext cx="2488309" cy="404919"/>
+              </a:xfrm>
+              <a:prstGeom prst="rect">
+                <a:avLst/>
+              </a:prstGeom>
+              <a:blipFill>
+                <a:blip r:embed="rId2"/>
+                <a:stretch>
+                  <a:fillRect l="-3178" r="-1222" b="-27273"/>
+                </a:stretch>
+              </a:blipFill>
+            </p:spPr>
+            <p:txBody>
+              <a:bodyPr/>
+              <a:lstStyle/>
+              <a:p>
+                <a:r>
+                  <a:rPr lang="ja-JP" altLang="en-US">
+                    <a:noFill/>
+                  </a:rPr>
+                  <a:t> </a:t>
+                </a:r>
+              </a:p>
+            </p:txBody>
+          </p:sp>
+        </mc:Fallback>
+      </mc:AlternateContent>
+      <mc:AlternateContent xmlns:mc="http://schemas.openxmlformats.org/markup-compatibility/2006" xmlns:a14="http://schemas.microsoft.com/office/drawing/2010/main">
+        <mc:Choice Requires="a14">
+          <p:sp>
+            <p:nvSpPr>
+              <p:cNvPr id="3" name="正方形/長方形 2"/>
+              <p:cNvSpPr/>
+              <p:nvPr/>
+            </p:nvSpPr>
+            <p:spPr>
+              <a:xfrm>
+                <a:off x="5791402" y="2079914"/>
+                <a:ext cx="5333319" cy="369332"/>
+              </a:xfrm>
+              <a:prstGeom prst="rect">
+                <a:avLst/>
+              </a:prstGeom>
+            </p:spPr>
+            <p:txBody>
+              <a:bodyPr wrap="none">
+                <a:spAutoFit/>
+              </a:bodyPr>
+              <a:lstStyle/>
+              <a:p>
+                <a14:m>
+                  <m:oMath xmlns:m="http://schemas.openxmlformats.org/officeDocument/2006/math">
+                    <m:r>
+                      <a:rPr lang="en-US" altLang="ja-JP" i="1">
+                        <a:latin typeface="Cambria Math" panose="02040503050406030204" pitchFamily="18" charset="0"/>
+                      </a:rPr>
+                      <m:t>𝑎𝑑𝑟</m:t>
+                    </m:r>
+                    <m:d>
+                      <m:dPr>
+                        <m:ctrlPr>
+                          <a:rPr lang="en-US" altLang="ja-JP" i="1">
+                            <a:latin typeface="Cambria Math" panose="02040503050406030204" pitchFamily="18" charset="0"/>
+                          </a:rPr>
+                        </m:ctrlPr>
+                      </m:dPr>
+                      <m:e>
+                        <m:r>
+                          <a:rPr lang="en-US" altLang="ja-JP" i="1">
+                            <a:latin typeface="Cambria Math" panose="02040503050406030204" pitchFamily="18" charset="0"/>
+                          </a:rPr>
+                          <m:t>𝑘</m:t>
+                        </m:r>
+                      </m:e>
+                    </m:d>
+                    <m:r>
+                      <a:rPr lang="en-US" altLang="ja-JP">
+                        <a:latin typeface="Cambria Math" panose="02040503050406030204" pitchFamily="18" charset="0"/>
+                      </a:rPr>
+                      <m:t>: </m:t>
+                    </m:r>
+                  </m:oMath>
+                </a14:m>
+                <a:r>
+                  <a:rPr lang="en-US" altLang="ja-JP"/>
+                  <a:t>Address of the grid to which k belongs</a:t>
+                </a:r>
+                <a:endParaRPr lang="ja-JP" altLang="en-US"/>
+              </a:p>
+            </p:txBody>
+          </p:sp>
+        </mc:Choice>
+        <mc:Fallback xmlns="">
+          <p:sp>
+            <p:nvSpPr>
+              <p:cNvPr id="3" name="正方形/長方形 2"/>
+              <p:cNvSpPr>
+                <a:spLocks noRot="1" noChangeAspect="1" noMove="1" noResize="1" noEditPoints="1" noAdjustHandles="1" noChangeArrowheads="1" noChangeShapeType="1" noTextEdit="1"/>
+              </p:cNvSpPr>
+              <p:nvPr/>
+            </p:nvSpPr>
+            <p:spPr>
+              <a:xfrm>
+                <a:off x="5791402" y="2079914"/>
+                <a:ext cx="5333319" cy="369332"/>
+              </a:xfrm>
+              <a:prstGeom prst="rect">
+                <a:avLst/>
+              </a:prstGeom>
+              <a:blipFill>
+                <a:blip r:embed="rId3"/>
+                <a:stretch>
+                  <a:fillRect t="-4918" r="-229" b="-27869"/>
+                </a:stretch>
+              </a:blipFill>
+            </p:spPr>
+            <p:txBody>
+              <a:bodyPr/>
+              <a:lstStyle/>
+              <a:p>
+                <a:r>
+                  <a:rPr lang="ja-JP" altLang="en-US">
+                    <a:noFill/>
+                  </a:rPr>
+                  <a:t> </a:t>
+                </a:r>
+              </a:p>
+            </p:txBody>
+          </p:sp>
+        </mc:Fallback>
+      </mc:AlternateContent>
     </p:spTree>
     <p:extLst>
       <p:ext uri="{BB962C8B-B14F-4D97-AF65-F5344CB8AC3E}">
-        <p14:creationId xmlns:p14="http://schemas.microsoft.com/office/powerpoint/2010/main" val="94205701"/>
+        <p14:creationId xmlns:p14="http://schemas.microsoft.com/office/powerpoint/2010/main" val="3118675949"/>
+      </p:ext>
+    </p:extLst>
+  </p:cSld>
+  <p:clrMapOvr>
+    <a:masterClrMapping/>
+  </p:clrMapOvr>
+  <p:timing>
+    <p:tnLst>
+      <p:par>
+        <p:cTn id="1" dur="indefinite" restart="never" nodeType="tmRoot"/>
+      </p:par>
+    </p:tnLst>
+  </p:timing>
+</p:sld>
+</file>
+
+<file path=ppt/slides/slide11.xml><?xml version="1.0" encoding="utf-8"?>
+<p:sld xmlns:a="http://schemas.openxmlformats.org/drawingml/2006/main" xmlns:r="http://schemas.openxmlformats.org/officeDocument/2006/relationships" xmlns:p="http://schemas.openxmlformats.org/presentationml/2006/main">
+  <p:cSld>
+    <p:spTree>
+      <p:nvGrpSpPr>
+        <p:cNvPr id="1" name=""/>
+        <p:cNvGrpSpPr/>
+        <p:nvPr/>
+      </p:nvGrpSpPr>
+      <p:grpSpPr>
+        <a:xfrm>
+          <a:off x="0" y="0"/>
+          <a:ext cx="0" cy="0"/>
+          <a:chOff x="0" y="0"/>
+          <a:chExt cx="0" cy="0"/>
+        </a:xfrm>
+      </p:grpSpPr>
+      <p:sp>
+        <p:nvSpPr>
+          <p:cNvPr id="4" name="スライド番号プレースホルダー 3"/>
+          <p:cNvSpPr>
+            <a:spLocks noGrp="1"/>
+          </p:cNvSpPr>
+          <p:nvPr>
+            <p:ph type="sldNum" sz="quarter" idx="12"/>
+          </p:nvPr>
+        </p:nvSpPr>
+        <p:spPr/>
+        <p:txBody>
+          <a:bodyPr/>
+          <a:lstStyle/>
+          <a:p>
+            <a:fld id="{7150E25F-B8C9-4ED1-8626-95CB18EC23DC}" type="slidenum">
+              <a:rPr kumimoji="1" lang="ja-JP" altLang="en-US" smtClean="0"/>
+              <a:t>11</a:t>
+            </a:fld>
+            <a:endParaRPr kumimoji="1" lang="ja-JP" altLang="en-US"/>
+          </a:p>
+        </p:txBody>
+      </p:sp>
+      <p:sp>
+        <p:nvSpPr>
+          <p:cNvPr id="5" name="正方形/長方形 4">
+            <a:extLst>
+              <a:ext uri="{FF2B5EF4-FFF2-40B4-BE49-F238E27FC236}">
+                <a16:creationId xmlns:a16="http://schemas.microsoft.com/office/drawing/2014/main" id="{E5FDB2C6-CC73-4C09-BA37-9683A766E164}"/>
+              </a:ext>
+            </a:extLst>
+          </p:cNvPr>
+          <p:cNvSpPr/>
+          <p:nvPr/>
+        </p:nvSpPr>
+        <p:spPr>
+          <a:xfrm>
+            <a:off x="-1" y="-1"/>
+            <a:ext cx="12192001" cy="1242391"/>
+          </a:xfrm>
+          <a:prstGeom prst="rect">
+            <a:avLst/>
+          </a:prstGeom>
+          <a:solidFill>
+            <a:srgbClr val="00B036">
+              <a:alpha val="72000"/>
+            </a:srgbClr>
+          </a:solidFill>
+          <a:ln>
+            <a:solidFill>
+              <a:schemeClr val="accent1">
+                <a:shade val="50000"/>
+                <a:alpha val="0"/>
+              </a:schemeClr>
+            </a:solidFill>
+          </a:ln>
+        </p:spPr>
+        <p:style>
+          <a:lnRef idx="2">
+            <a:schemeClr val="accent1">
+              <a:shade val="50000"/>
+            </a:schemeClr>
+          </a:lnRef>
+          <a:fillRef idx="1">
+            <a:schemeClr val="accent1"/>
+          </a:fillRef>
+          <a:effectRef idx="0">
+            <a:schemeClr val="accent1"/>
+          </a:effectRef>
+          <a:fontRef idx="minor">
+            <a:schemeClr val="lt1"/>
+          </a:fontRef>
+        </p:style>
+        <p:txBody>
+          <a:bodyPr rtlCol="0" anchor="ctr"/>
+          <a:lstStyle/>
+          <a:p>
+            <a:pPr algn="ctr"/>
+            <a:endParaRPr kumimoji="1" lang="ja-JP" altLang="en-US" dirty="0"/>
+          </a:p>
+        </p:txBody>
+      </p:sp>
+      <p:sp>
+        <p:nvSpPr>
+          <p:cNvPr id="6" name="タイトル 1"/>
+          <p:cNvSpPr>
+            <a:spLocks noGrp="1"/>
+          </p:cNvSpPr>
+          <p:nvPr>
+            <p:ph type="title"/>
+          </p:nvPr>
+        </p:nvSpPr>
+        <p:spPr>
+          <a:xfrm>
+            <a:off x="72887" y="0"/>
+            <a:ext cx="10515600" cy="1325563"/>
+          </a:xfrm>
+        </p:spPr>
+        <p:txBody>
+          <a:bodyPr/>
+          <a:lstStyle/>
+          <a:p>
+            <a:r>
+              <a:rPr kumimoji="1" lang="en-US" altLang="ja-JP" smtClean="0"/>
+              <a:t>Fermi degeneracy : Simulation </a:t>
+            </a:r>
+            <a:endParaRPr kumimoji="1" lang="ja-JP" altLang="en-US"/>
+          </a:p>
+        </p:txBody>
+      </p:sp>
+    </p:spTree>
+    <p:extLst>
+      <p:ext uri="{BB962C8B-B14F-4D97-AF65-F5344CB8AC3E}">
+        <p14:creationId xmlns:p14="http://schemas.microsoft.com/office/powerpoint/2010/main" val="3424097131"/>
+      </p:ext>
+    </p:extLst>
+  </p:cSld>
+  <p:clrMapOvr>
+    <a:masterClrMapping/>
+  </p:clrMapOvr>
+  <p:timing>
+    <p:tnLst>
+      <p:par>
+        <p:cTn id="1" dur="indefinite" restart="never" nodeType="tmRoot"/>
+      </p:par>
+    </p:tnLst>
+  </p:timing>
+</p:sld>
+</file>
+
+<file path=ppt/slides/slide12.xml><?xml version="1.0" encoding="utf-8"?>
+<p:sld xmlns:a="http://schemas.openxmlformats.org/drawingml/2006/main" xmlns:r="http://schemas.openxmlformats.org/officeDocument/2006/relationships" xmlns:p="http://schemas.openxmlformats.org/presentationml/2006/main">
+  <p:cSld>
+    <p:spTree>
+      <p:nvGrpSpPr>
+        <p:cNvPr id="1" name=""/>
+        <p:cNvGrpSpPr/>
+        <p:nvPr/>
+      </p:nvGrpSpPr>
+      <p:grpSpPr>
+        <a:xfrm>
+          <a:off x="0" y="0"/>
+          <a:ext cx="0" cy="0"/>
+          <a:chOff x="0" y="0"/>
+          <a:chExt cx="0" cy="0"/>
+        </a:xfrm>
+      </p:grpSpPr>
+      <p:sp>
+        <p:nvSpPr>
+          <p:cNvPr id="4" name="スライド番号プレースホルダー 3"/>
+          <p:cNvSpPr>
+            <a:spLocks noGrp="1"/>
+          </p:cNvSpPr>
+          <p:nvPr>
+            <p:ph type="sldNum" sz="quarter" idx="12"/>
+          </p:nvPr>
+        </p:nvSpPr>
+        <p:spPr/>
+        <p:txBody>
+          <a:bodyPr/>
+          <a:lstStyle/>
+          <a:p>
+            <a:fld id="{7150E25F-B8C9-4ED1-8626-95CB18EC23DC}" type="slidenum">
+              <a:rPr kumimoji="1" lang="ja-JP" altLang="en-US" smtClean="0"/>
+              <a:t>12</a:t>
+            </a:fld>
+            <a:endParaRPr kumimoji="1" lang="ja-JP" altLang="en-US"/>
+          </a:p>
+        </p:txBody>
+      </p:sp>
+      <p:sp>
+        <p:nvSpPr>
+          <p:cNvPr id="5" name="正方形/長方形 4">
+            <a:extLst>
+              <a:ext uri="{FF2B5EF4-FFF2-40B4-BE49-F238E27FC236}">
+                <a16:creationId xmlns:a16="http://schemas.microsoft.com/office/drawing/2014/main" id="{E5FDB2C6-CC73-4C09-BA37-9683A766E164}"/>
+              </a:ext>
+            </a:extLst>
+          </p:cNvPr>
+          <p:cNvSpPr/>
+          <p:nvPr/>
+        </p:nvSpPr>
+        <p:spPr>
+          <a:xfrm>
+            <a:off x="-1" y="-1"/>
+            <a:ext cx="12192001" cy="1242391"/>
+          </a:xfrm>
+          <a:prstGeom prst="rect">
+            <a:avLst/>
+          </a:prstGeom>
+          <a:solidFill>
+            <a:srgbClr val="00B036">
+              <a:alpha val="72000"/>
+            </a:srgbClr>
+          </a:solidFill>
+          <a:ln>
+            <a:solidFill>
+              <a:schemeClr val="accent1">
+                <a:shade val="50000"/>
+                <a:alpha val="0"/>
+              </a:schemeClr>
+            </a:solidFill>
+          </a:ln>
+        </p:spPr>
+        <p:style>
+          <a:lnRef idx="2">
+            <a:schemeClr val="accent1">
+              <a:shade val="50000"/>
+            </a:schemeClr>
+          </a:lnRef>
+          <a:fillRef idx="1">
+            <a:schemeClr val="accent1"/>
+          </a:fillRef>
+          <a:effectRef idx="0">
+            <a:schemeClr val="accent1"/>
+          </a:effectRef>
+          <a:fontRef idx="minor">
+            <a:schemeClr val="lt1"/>
+          </a:fontRef>
+        </p:style>
+        <p:txBody>
+          <a:bodyPr rtlCol="0" anchor="ctr"/>
+          <a:lstStyle/>
+          <a:p>
+            <a:pPr algn="ctr"/>
+            <a:endParaRPr kumimoji="1" lang="ja-JP" altLang="en-US" dirty="0"/>
+          </a:p>
+        </p:txBody>
+      </p:sp>
+      <p:sp>
+        <p:nvSpPr>
+          <p:cNvPr id="6" name="タイトル 1"/>
+          <p:cNvSpPr>
+            <a:spLocks noGrp="1"/>
+          </p:cNvSpPr>
+          <p:nvPr>
+            <p:ph type="title"/>
+          </p:nvPr>
+        </p:nvSpPr>
+        <p:spPr>
+          <a:xfrm>
+            <a:off x="72887" y="0"/>
+            <a:ext cx="10515600" cy="1325563"/>
+          </a:xfrm>
+        </p:spPr>
+        <p:txBody>
+          <a:bodyPr/>
+          <a:lstStyle/>
+          <a:p>
+            <a:r>
+              <a:rPr kumimoji="1" lang="en-US" altLang="ja-JP" smtClean="0"/>
+              <a:t>Future Plans</a:t>
+            </a:r>
+            <a:endParaRPr kumimoji="1" lang="ja-JP" altLang="en-US"/>
+          </a:p>
+        </p:txBody>
+      </p:sp>
+    </p:spTree>
+    <p:extLst>
+      <p:ext uri="{BB962C8B-B14F-4D97-AF65-F5344CB8AC3E}">
+        <p14:creationId xmlns:p14="http://schemas.microsoft.com/office/powerpoint/2010/main" val="162317636"/>
       </p:ext>
     </p:extLst>
   </p:cSld>
@@ -4479,7 +5087,6 @@
               <a:rPr lang="en-US" altLang="ja-JP" sz="2400" smtClean="0"/>
               <a:t>At Fermi degeneracy, the Fermi energy is greater than the bottom of the conduction band</a:t>
             </a:r>
-            <a:endParaRPr lang="en-US" altLang="ja-JP" sz="2400" smtClean="0"/>
           </a:p>
         </p:txBody>
       </p:sp>
@@ -4661,8 +5268,8 @@
           </a:prstGeom>
         </p:spPr>
       </p:pic>
-      <mc:AlternateContent xmlns:mc="http://schemas.openxmlformats.org/markup-compatibility/2006">
-        <mc:Choice xmlns:a14="http://schemas.microsoft.com/office/drawing/2010/main" Requires="a14">
+      <mc:AlternateContent xmlns:mc="http://schemas.openxmlformats.org/markup-compatibility/2006" xmlns:a14="http://schemas.microsoft.com/office/drawing/2010/main">
+        <mc:Choice Requires="a14">
           <p:sp>
             <p:nvSpPr>
               <p:cNvPr id="8" name="テキスト ボックス 7"/>
@@ -4729,7 +5336,7 @@
             </p:txBody>
           </p:sp>
         </mc:Choice>
-        <mc:Fallback>
+        <mc:Fallback xmlns="">
           <p:sp>
             <p:nvSpPr>
               <p:cNvPr id="8" name="テキスト ボックス 7"/>
@@ -4768,8 +5375,8 @@
           </p:sp>
         </mc:Fallback>
       </mc:AlternateContent>
-      <mc:AlternateContent xmlns:mc="http://schemas.openxmlformats.org/markup-compatibility/2006">
-        <mc:Choice xmlns:a14="http://schemas.microsoft.com/office/drawing/2010/main" Requires="a14">
+      <mc:AlternateContent xmlns:mc="http://schemas.openxmlformats.org/markup-compatibility/2006" xmlns:a14="http://schemas.microsoft.com/office/drawing/2010/main">
+        <mc:Choice Requires="a14">
           <p:sp>
             <p:nvSpPr>
               <p:cNvPr id="9" name="正方形/長方形 8"/>
@@ -4875,7 +5482,7 @@
             </p:txBody>
           </p:sp>
         </mc:Choice>
-        <mc:Fallback>
+        <mc:Fallback xmlns="">
           <p:sp>
             <p:nvSpPr>
               <p:cNvPr id="9" name="正方形/長方形 8"/>
@@ -4951,6 +5558,153 @@
           <a:chExt cx="0" cy="0"/>
         </a:xfrm>
       </p:grpSpPr>
+      <p:sp>
+        <p:nvSpPr>
+          <p:cNvPr id="4" name="スライド番号プレースホルダー 3"/>
+          <p:cNvSpPr>
+            <a:spLocks noGrp="1"/>
+          </p:cNvSpPr>
+          <p:nvPr>
+            <p:ph type="sldNum" sz="quarter" idx="12"/>
+          </p:nvPr>
+        </p:nvSpPr>
+        <p:spPr/>
+        <p:txBody>
+          <a:bodyPr/>
+          <a:lstStyle/>
+          <a:p>
+            <a:fld id="{7150E25F-B8C9-4ED1-8626-95CB18EC23DC}" type="slidenum">
+              <a:rPr kumimoji="1" lang="ja-JP" altLang="en-US" smtClean="0"/>
+              <a:t>5</a:t>
+            </a:fld>
+            <a:endParaRPr kumimoji="1" lang="ja-JP" altLang="en-US"/>
+          </a:p>
+        </p:txBody>
+      </p:sp>
+      <p:sp>
+        <p:nvSpPr>
+          <p:cNvPr id="5" name="正方形/長方形 4">
+            <a:extLst>
+              <a:ext uri="{FF2B5EF4-FFF2-40B4-BE49-F238E27FC236}">
+                <a16:creationId xmlns:a16="http://schemas.microsoft.com/office/drawing/2014/main" id="{E5FDB2C6-CC73-4C09-BA37-9683A766E164}"/>
+              </a:ext>
+            </a:extLst>
+          </p:cNvPr>
+          <p:cNvSpPr/>
+          <p:nvPr/>
+        </p:nvSpPr>
+        <p:spPr>
+          <a:xfrm>
+            <a:off x="-1" y="-1"/>
+            <a:ext cx="12192001" cy="1242391"/>
+          </a:xfrm>
+          <a:prstGeom prst="rect">
+            <a:avLst/>
+          </a:prstGeom>
+          <a:solidFill>
+            <a:srgbClr val="00B036">
+              <a:alpha val="72000"/>
+            </a:srgbClr>
+          </a:solidFill>
+          <a:ln>
+            <a:solidFill>
+              <a:schemeClr val="accent1">
+                <a:shade val="50000"/>
+                <a:alpha val="0"/>
+              </a:schemeClr>
+            </a:solidFill>
+          </a:ln>
+        </p:spPr>
+        <p:style>
+          <a:lnRef idx="2">
+            <a:schemeClr val="accent1">
+              <a:shade val="50000"/>
+            </a:schemeClr>
+          </a:lnRef>
+          <a:fillRef idx="1">
+            <a:schemeClr val="accent1"/>
+          </a:fillRef>
+          <a:effectRef idx="0">
+            <a:schemeClr val="accent1"/>
+          </a:effectRef>
+          <a:fontRef idx="minor">
+            <a:schemeClr val="lt1"/>
+          </a:fontRef>
+        </p:style>
+        <p:txBody>
+          <a:bodyPr rtlCol="0" anchor="ctr"/>
+          <a:lstStyle/>
+          <a:p>
+            <a:pPr algn="ctr"/>
+            <a:endParaRPr kumimoji="1" lang="ja-JP" altLang="en-US" dirty="0"/>
+          </a:p>
+        </p:txBody>
+      </p:sp>
+      <p:sp>
+        <p:nvSpPr>
+          <p:cNvPr id="6" name="タイトル 1"/>
+          <p:cNvSpPr>
+            <a:spLocks noGrp="1"/>
+          </p:cNvSpPr>
+          <p:nvPr>
+            <p:ph type="title"/>
+          </p:nvPr>
+        </p:nvSpPr>
+        <p:spPr>
+          <a:xfrm>
+            <a:off x="72887" y="0"/>
+            <a:ext cx="10515600" cy="1325563"/>
+          </a:xfrm>
+        </p:spPr>
+        <p:txBody>
+          <a:bodyPr/>
+          <a:lstStyle/>
+          <a:p>
+            <a:r>
+              <a:rPr kumimoji="1" lang="en-US" altLang="ja-JP" smtClean="0"/>
+              <a:t>Fermi-Dirac : Simulation</a:t>
+            </a:r>
+            <a:endParaRPr kumimoji="1" lang="ja-JP" altLang="en-US"/>
+          </a:p>
+        </p:txBody>
+      </p:sp>
+    </p:spTree>
+    <p:extLst>
+      <p:ext uri="{BB962C8B-B14F-4D97-AF65-F5344CB8AC3E}">
+        <p14:creationId xmlns:p14="http://schemas.microsoft.com/office/powerpoint/2010/main" val="295297662"/>
+      </p:ext>
+    </p:extLst>
+  </p:cSld>
+  <p:clrMapOvr>
+    <a:masterClrMapping/>
+  </p:clrMapOvr>
+  <p:timing>
+    <p:tnLst>
+      <p:par>
+        <p:cTn id="1" dur="indefinite" restart="never" nodeType="tmRoot"/>
+      </p:par>
+    </p:tnLst>
+  </p:timing>
+</p:sld>
+</file>
+
+<file path=ppt/slides/slide6.xml><?xml version="1.0" encoding="utf-8"?>
+<p:sld xmlns:a="http://schemas.openxmlformats.org/drawingml/2006/main" xmlns:r="http://schemas.openxmlformats.org/officeDocument/2006/relationships" xmlns:p="http://schemas.openxmlformats.org/presentationml/2006/main">
+  <p:cSld>
+    <p:spTree>
+      <p:nvGrpSpPr>
+        <p:cNvPr id="1" name=""/>
+        <p:cNvGrpSpPr/>
+        <p:nvPr/>
+      </p:nvGrpSpPr>
+      <p:grpSpPr>
+        <a:xfrm>
+          <a:off x="0" y="0"/>
+          <a:ext cx="0" cy="0"/>
+          <a:chOff x="0" y="0"/>
+          <a:chExt cx="0" cy="0"/>
+        </a:xfrm>
+      </p:grpSpPr>
       <p:pic>
         <p:nvPicPr>
           <p:cNvPr id="10" name="図 9"/>
@@ -5036,7 +5790,7 @@
           <a:p>
             <a:fld id="{7150E25F-B8C9-4ED1-8626-95CB18EC23DC}" type="slidenum">
               <a:rPr kumimoji="1" lang="ja-JP" altLang="en-US" smtClean="0"/>
-              <a:t>5</a:t>
+              <a:t>6</a:t>
             </a:fld>
             <a:endParaRPr kumimoji="1" lang="ja-JP" altLang="en-US"/>
           </a:p>
@@ -5821,8 +6575,8 @@
           </a:p>
         </p:txBody>
       </p:sp>
-      <mc:AlternateContent xmlns:mc="http://schemas.openxmlformats.org/markup-compatibility/2006">
-        <mc:Choice xmlns:a14="http://schemas.microsoft.com/office/drawing/2010/main" Requires="a14">
+      <mc:AlternateContent xmlns:mc="http://schemas.openxmlformats.org/markup-compatibility/2006" xmlns:a14="http://schemas.microsoft.com/office/drawing/2010/main">
+        <mc:Choice Requires="a14">
           <p:sp>
             <p:nvSpPr>
               <p:cNvPr id="11" name="テキスト ボックス 10"/>
@@ -5845,6 +6599,7 @@
               </a:bodyPr>
               <a:lstStyle/>
               <a:p>
+                <a:pPr/>
                 <a14:m>
                   <m:oMathPara xmlns:m="http://schemas.openxmlformats.org/officeDocument/2006/math">
                     <m:oMathParaPr>
@@ -5865,7 +6620,7 @@
             </p:txBody>
           </p:sp>
         </mc:Choice>
-        <mc:Fallback>
+        <mc:Fallback xmlns="">
           <p:sp>
             <p:nvSpPr>
               <p:cNvPr id="11" name="テキスト ボックス 10"/>
@@ -5904,8 +6659,8 @@
           </p:sp>
         </mc:Fallback>
       </mc:AlternateContent>
-      <mc:AlternateContent xmlns:mc="http://schemas.openxmlformats.org/markup-compatibility/2006">
-        <mc:Choice xmlns:a14="http://schemas.microsoft.com/office/drawing/2010/main" Requires="a14">
+      <mc:AlternateContent xmlns:mc="http://schemas.openxmlformats.org/markup-compatibility/2006" xmlns:a14="http://schemas.microsoft.com/office/drawing/2010/main">
+        <mc:Choice Requires="a14">
           <p:sp>
             <p:nvSpPr>
               <p:cNvPr id="12" name="テキスト ボックス 11"/>
@@ -5928,6 +6683,7 @@
               </a:bodyPr>
               <a:lstStyle/>
               <a:p>
+                <a:pPr/>
                 <a14:m>
                   <m:oMathPara xmlns:m="http://schemas.openxmlformats.org/officeDocument/2006/math">
                     <m:oMathParaPr>
@@ -5967,7 +6723,7 @@
             </p:txBody>
           </p:sp>
         </mc:Choice>
-        <mc:Fallback>
+        <mc:Fallback xmlns="">
           <p:sp>
             <p:nvSpPr>
               <p:cNvPr id="12" name="テキスト ボックス 11"/>
@@ -6006,8 +6762,8 @@
           </p:sp>
         </mc:Fallback>
       </mc:AlternateContent>
-      <mc:AlternateContent xmlns:mc="http://schemas.openxmlformats.org/markup-compatibility/2006">
-        <mc:Choice xmlns:a14="http://schemas.microsoft.com/office/drawing/2010/main" Requires="a14">
+      <mc:AlternateContent xmlns:mc="http://schemas.openxmlformats.org/markup-compatibility/2006" xmlns:a14="http://schemas.microsoft.com/office/drawing/2010/main">
+        <mc:Choice Requires="a14">
           <p:sp>
             <p:nvSpPr>
               <p:cNvPr id="13" name="正方形/長方形 12"/>
@@ -6069,7 +6825,7 @@
             </p:txBody>
           </p:sp>
         </mc:Choice>
-        <mc:Fallback>
+        <mc:Fallback xmlns="">
           <p:sp>
             <p:nvSpPr>
               <p:cNvPr id="13" name="正方形/長方形 12"/>
@@ -6108,8 +6864,8 @@
           </p:sp>
         </mc:Fallback>
       </mc:AlternateContent>
-      <mc:AlternateContent xmlns:mc="http://schemas.openxmlformats.org/markup-compatibility/2006">
-        <mc:Choice xmlns:a14="http://schemas.microsoft.com/office/drawing/2010/main" Requires="a14">
+      <mc:AlternateContent xmlns:mc="http://schemas.openxmlformats.org/markup-compatibility/2006" xmlns:a14="http://schemas.microsoft.com/office/drawing/2010/main">
+        <mc:Choice Requires="a14">
           <p:sp>
             <p:nvSpPr>
               <p:cNvPr id="14" name="テキスト ボックス 13"/>
@@ -6132,6 +6888,7 @@
               </a:bodyPr>
               <a:lstStyle/>
               <a:p>
+                <a:pPr/>
                 <a14:m>
                   <m:oMathPara xmlns:m="http://schemas.openxmlformats.org/officeDocument/2006/math">
                     <m:oMathParaPr>
@@ -6152,7 +6909,7 @@
             </p:txBody>
           </p:sp>
         </mc:Choice>
-        <mc:Fallback>
+        <mc:Fallback xmlns="">
           <p:sp>
             <p:nvSpPr>
               <p:cNvPr id="14" name="テキスト ボックス 13"/>
@@ -6191,8 +6948,8 @@
           </p:sp>
         </mc:Fallback>
       </mc:AlternateContent>
-      <mc:AlternateContent xmlns:mc="http://schemas.openxmlformats.org/markup-compatibility/2006">
-        <mc:Choice xmlns:a14="http://schemas.microsoft.com/office/drawing/2010/main" Requires="a14">
+      <mc:AlternateContent xmlns:mc="http://schemas.openxmlformats.org/markup-compatibility/2006" xmlns:a14="http://schemas.microsoft.com/office/drawing/2010/main">
+        <mc:Choice Requires="a14">
           <p:sp>
             <p:nvSpPr>
               <p:cNvPr id="15" name="正方形/長方形 14"/>
@@ -6235,7 +6992,7 @@
             </p:txBody>
           </p:sp>
         </mc:Choice>
-        <mc:Fallback>
+        <mc:Fallback xmlns="">
           <p:sp>
             <p:nvSpPr>
               <p:cNvPr id="15" name="正方形/長方形 14"/>
@@ -6274,8 +7031,8 @@
           </p:sp>
         </mc:Fallback>
       </mc:AlternateContent>
-      <mc:AlternateContent xmlns:mc="http://schemas.openxmlformats.org/markup-compatibility/2006">
-        <mc:Choice xmlns:a14="http://schemas.microsoft.com/office/drawing/2010/main" Requires="a14">
+      <mc:AlternateContent xmlns:mc="http://schemas.openxmlformats.org/markup-compatibility/2006" xmlns:a14="http://schemas.microsoft.com/office/drawing/2010/main">
+        <mc:Choice Requires="a14">
           <p:sp>
             <p:nvSpPr>
               <p:cNvPr id="16" name="テキスト ボックス 15"/>
@@ -6298,6 +7055,7 @@
               </a:bodyPr>
               <a:lstStyle/>
               <a:p>
+                <a:pPr/>
                 <a14:m>
                   <m:oMathPara xmlns:m="http://schemas.openxmlformats.org/officeDocument/2006/math">
                     <m:oMathParaPr>
@@ -6389,7 +7147,7 @@
             </p:txBody>
           </p:sp>
         </mc:Choice>
-        <mc:Fallback>
+        <mc:Fallback xmlns="">
           <p:sp>
             <p:nvSpPr>
               <p:cNvPr id="16" name="テキスト ボックス 15"/>
@@ -6880,7 +7638,7 @@
 </p:sld>
 </file>
 
-<file path=ppt/slides/slide6.xml><?xml version="1.0" encoding="utf-8"?>
+<file path=ppt/slides/slide7.xml><?xml version="1.0" encoding="utf-8"?>
 <p:sld xmlns:a="http://schemas.openxmlformats.org/drawingml/2006/main" xmlns:r="http://schemas.openxmlformats.org/officeDocument/2006/relationships" xmlns:p="http://schemas.openxmlformats.org/presentationml/2006/main">
   <p:cSld>
     <p:spTree>
@@ -6955,8 +7713,8 @@
           </a:prstGeom>
         </p:spPr>
       </p:pic>
-      <mc:AlternateContent xmlns:mc="http://schemas.openxmlformats.org/markup-compatibility/2006">
-        <mc:Choice xmlns:a14="http://schemas.microsoft.com/office/drawing/2010/main" Requires="a14">
+      <mc:AlternateContent xmlns:mc="http://schemas.openxmlformats.org/markup-compatibility/2006" xmlns:a14="http://schemas.microsoft.com/office/drawing/2010/main">
+        <mc:Choice Requires="a14">
           <p:sp>
             <p:nvSpPr>
               <p:cNvPr id="3" name="コンテンツ プレースホルダー 2"/>
@@ -7034,18 +7792,13 @@
                 </a:r>
                 <a:r>
                   <a:rPr kumimoji="1" lang="en-US" altLang="ja-JP" sz="2400" smtClean="0"/>
-                  <a:t>on a side into </a:t>
+                  <a:t>on a side into grids</a:t>
                 </a:r>
-                <a:r>
-                  <a:rPr kumimoji="1" lang="en-US" altLang="ja-JP" sz="2400" smtClean="0"/>
-                  <a:t>grids</a:t>
-                </a:r>
-                <a:endParaRPr kumimoji="1" lang="en-US" altLang="ja-JP" sz="2400" smtClean="0"/>
               </a:p>
             </p:txBody>
           </p:sp>
         </mc:Choice>
-        <mc:Fallback>
+        <mc:Fallback xmlns="">
           <p:sp>
             <p:nvSpPr>
               <p:cNvPr id="3" name="コンテンツ プレースホルダー 2"/>
@@ -7100,7 +7853,7 @@
           <a:p>
             <a:fld id="{7150E25F-B8C9-4ED1-8626-95CB18EC23DC}" type="slidenum">
               <a:rPr kumimoji="1" lang="ja-JP" altLang="en-US" smtClean="0"/>
-              <a:t>6</a:t>
+              <a:t>7</a:t>
             </a:fld>
             <a:endParaRPr kumimoji="1" lang="ja-JP" altLang="en-US"/>
           </a:p>
@@ -7222,6 +7975,204 @@
           </a:prstGeom>
         </p:spPr>
       </p:pic>
+      <p:cxnSp>
+        <p:nvCxnSpPr>
+          <p:cNvPr id="13" name="直線矢印コネクタ 12"/>
+          <p:cNvCxnSpPr/>
+          <p:nvPr/>
+        </p:nvCxnSpPr>
+        <p:spPr>
+          <a:xfrm>
+            <a:off x="838200" y="5044440"/>
+            <a:ext cx="1790700" cy="571969"/>
+          </a:xfrm>
+          <a:prstGeom prst="straightConnector1">
+            <a:avLst/>
+          </a:prstGeom>
+          <a:ln w="38100">
+            <a:solidFill>
+              <a:srgbClr val="00B050"/>
+            </a:solidFill>
+            <a:headEnd type="triangle"/>
+            <a:tailEnd type="triangle"/>
+          </a:ln>
+        </p:spPr>
+        <p:style>
+          <a:lnRef idx="1">
+            <a:schemeClr val="accent1"/>
+          </a:lnRef>
+          <a:fillRef idx="0">
+            <a:schemeClr val="accent1"/>
+          </a:fillRef>
+          <a:effectRef idx="0">
+            <a:schemeClr val="accent1"/>
+          </a:effectRef>
+          <a:fontRef idx="minor">
+            <a:schemeClr val="tx1"/>
+          </a:fontRef>
+        </p:style>
+      </p:cxnSp>
+      <mc:AlternateContent xmlns:mc="http://schemas.openxmlformats.org/markup-compatibility/2006">
+        <mc:Choice xmlns:a14="http://schemas.microsoft.com/office/drawing/2010/main" Requires="a14">
+          <p:sp>
+            <p:nvSpPr>
+              <p:cNvPr id="15" name="テキスト ボックス 14"/>
+              <p:cNvSpPr txBox="1"/>
+              <p:nvPr/>
+            </p:nvSpPr>
+            <p:spPr>
+              <a:xfrm>
+                <a:off x="1787267" y="4911923"/>
+                <a:ext cx="788293" cy="307777"/>
+              </a:xfrm>
+              <a:prstGeom prst="rect">
+                <a:avLst/>
+              </a:prstGeom>
+              <a:noFill/>
+            </p:spPr>
+            <p:txBody>
+              <a:bodyPr wrap="none" lIns="0" tIns="0" rIns="0" bIns="0" rtlCol="0">
+                <a:spAutoFit/>
+              </a:bodyPr>
+              <a:lstStyle/>
+              <a:p>
+                <a14:m>
+                  <m:oMathPara xmlns:m="http://schemas.openxmlformats.org/officeDocument/2006/math">
+                    <m:oMathParaPr>
+                      <m:jc m:val="centerGroup"/>
+                    </m:oMathParaPr>
+                    <m:oMath xmlns:m="http://schemas.openxmlformats.org/officeDocument/2006/math">
+                      <m:r>
+                        <a:rPr kumimoji="1" lang="en-US" altLang="ja-JP" sz="2000" b="0" i="1" smtClean="0">
+                          <a:solidFill>
+                            <a:srgbClr val="00B050"/>
+                          </a:solidFill>
+                          <a:latin typeface="Cambria Math" panose="02040503050406030204" pitchFamily="18" charset="0"/>
+                        </a:rPr>
+                        <m:t>2</m:t>
+                      </m:r>
+                      <m:sSub>
+                        <m:sSubPr>
+                          <m:ctrlPr>
+                            <a:rPr kumimoji="1" lang="en-US" altLang="ja-JP" sz="2000" b="0" i="1" smtClean="0">
+                              <a:solidFill>
+                                <a:srgbClr val="00B050"/>
+                              </a:solidFill>
+                              <a:latin typeface="Cambria Math" panose="02040503050406030204" pitchFamily="18" charset="0"/>
+                            </a:rPr>
+                          </m:ctrlPr>
+                        </m:sSubPr>
+                        <m:e>
+                          <m:r>
+                            <a:rPr kumimoji="1" lang="en-US" altLang="ja-JP" sz="2000" b="0" i="1" smtClean="0">
+                              <a:solidFill>
+                                <a:srgbClr val="00B050"/>
+                              </a:solidFill>
+                              <a:latin typeface="Cambria Math" panose="02040503050406030204" pitchFamily="18" charset="0"/>
+                            </a:rPr>
+                            <m:t>𝑘</m:t>
+                          </m:r>
+                        </m:e>
+                        <m:sub>
+                          <m:r>
+                            <a:rPr kumimoji="1" lang="en-US" altLang="ja-JP" sz="2000" b="0" i="1" smtClean="0">
+                              <a:solidFill>
+                                <a:srgbClr val="00B050"/>
+                              </a:solidFill>
+                              <a:latin typeface="Cambria Math" panose="02040503050406030204" pitchFamily="18" charset="0"/>
+                            </a:rPr>
+                            <m:t>𝑚𝑎𝑥</m:t>
+                          </m:r>
+                        </m:sub>
+                      </m:sSub>
+                    </m:oMath>
+                  </m:oMathPara>
+                </a14:m>
+                <a:endParaRPr kumimoji="1" lang="ja-JP" altLang="en-US" sz="2000">
+                  <a:solidFill>
+                    <a:srgbClr val="00B050"/>
+                  </a:solidFill>
+                </a:endParaRPr>
+              </a:p>
+            </p:txBody>
+          </p:sp>
+        </mc:Choice>
+        <mc:Fallback>
+          <p:sp>
+            <p:nvSpPr>
+              <p:cNvPr id="15" name="テキスト ボックス 14"/>
+              <p:cNvSpPr txBox="1">
+                <a:spLocks noRot="1" noChangeAspect="1" noMove="1" noResize="1" noEditPoints="1" noAdjustHandles="1" noChangeArrowheads="1" noChangeShapeType="1" noTextEdit="1"/>
+              </p:cNvSpPr>
+              <p:nvPr/>
+            </p:nvSpPr>
+            <p:spPr>
+              <a:xfrm>
+                <a:off x="1787267" y="4911923"/>
+                <a:ext cx="788293" cy="307777"/>
+              </a:xfrm>
+              <a:prstGeom prst="rect">
+                <a:avLst/>
+              </a:prstGeom>
+              <a:blipFill>
+                <a:blip r:embed="rId6"/>
+                <a:stretch>
+                  <a:fillRect l="-4615" t="-2000" b="-6000"/>
+                </a:stretch>
+              </a:blipFill>
+            </p:spPr>
+            <p:txBody>
+              <a:bodyPr/>
+              <a:lstStyle/>
+              <a:p>
+                <a:r>
+                  <a:rPr lang="ja-JP" altLang="en-US">
+                    <a:noFill/>
+                  </a:rPr>
+                  <a:t> </a:t>
+                </a:r>
+              </a:p>
+            </p:txBody>
+          </p:sp>
+        </mc:Fallback>
+      </mc:AlternateContent>
+      <p:cxnSp>
+        <p:nvCxnSpPr>
+          <p:cNvPr id="16" name="直線矢印コネクタ 15"/>
+          <p:cNvCxnSpPr/>
+          <p:nvPr/>
+        </p:nvCxnSpPr>
+        <p:spPr>
+          <a:xfrm flipH="1">
+            <a:off x="2087880" y="4739640"/>
+            <a:ext cx="975360" cy="960120"/>
+          </a:xfrm>
+          <a:prstGeom prst="straightConnector1">
+            <a:avLst/>
+          </a:prstGeom>
+          <a:ln w="38100">
+            <a:solidFill>
+              <a:srgbClr val="00B050"/>
+            </a:solidFill>
+            <a:headEnd type="triangle"/>
+            <a:tailEnd type="triangle"/>
+          </a:ln>
+        </p:spPr>
+        <p:style>
+          <a:lnRef idx="1">
+            <a:schemeClr val="accent1"/>
+          </a:lnRef>
+          <a:fillRef idx="0">
+            <a:schemeClr val="accent1"/>
+          </a:fillRef>
+          <a:effectRef idx="0">
+            <a:schemeClr val="accent1"/>
+          </a:effectRef>
+          <a:fontRef idx="minor">
+            <a:schemeClr val="tx1"/>
+          </a:fontRef>
+        </p:style>
+      </p:cxnSp>
     </p:spTree>
     <p:extLst>
       <p:ext uri="{BB962C8B-B14F-4D97-AF65-F5344CB8AC3E}">
@@ -7242,7 +8193,7 @@
 </p:sld>
 </file>
 
-<file path=ppt/slides/slide7.xml><?xml version="1.0" encoding="utf-8"?>
+<file path=ppt/slides/slide8.xml><?xml version="1.0" encoding="utf-8"?>
 <p:sld xmlns:a="http://schemas.openxmlformats.org/drawingml/2006/main" xmlns:r="http://schemas.openxmlformats.org/officeDocument/2006/relationships" xmlns:p="http://schemas.openxmlformats.org/presentationml/2006/main">
   <p:cSld>
     <p:spTree>
@@ -7425,7 +8376,7 @@
           <a:p>
             <a:fld id="{7150E25F-B8C9-4ED1-8626-95CB18EC23DC}" type="slidenum">
               <a:rPr kumimoji="1" lang="ja-JP" altLang="en-US" smtClean="0"/>
-              <a:t>7</a:t>
+              <a:t>8</a:t>
             </a:fld>
             <a:endParaRPr kumimoji="1" lang="ja-JP" altLang="en-US"/>
           </a:p>
@@ -7795,6 +8746,1999 @@
           </a:p>
         </p:txBody>
       </p:sp>
+      <p:sp>
+        <p:nvSpPr>
+          <p:cNvPr id="14" name="フリーフォーム 13"/>
+          <p:cNvSpPr/>
+          <p:nvPr/>
+        </p:nvSpPr>
+        <p:spPr>
+          <a:xfrm>
+            <a:off x="635001" y="2226733"/>
+            <a:ext cx="1752600" cy="486834"/>
+          </a:xfrm>
+          <a:custGeom>
+            <a:avLst/>
+            <a:gdLst>
+              <a:gd name="connsiteX0" fmla="*/ 0 w 4324350"/>
+              <a:gd name="connsiteY0" fmla="*/ 400054 h 774386"/>
+              <a:gd name="connsiteX1" fmla="*/ 349250 w 4324350"/>
+              <a:gd name="connsiteY1" fmla="*/ 44454 h 774386"/>
+              <a:gd name="connsiteX2" fmla="*/ 1085850 w 4324350"/>
+              <a:gd name="connsiteY2" fmla="*/ 736604 h 774386"/>
+              <a:gd name="connsiteX3" fmla="*/ 1828800 w 4324350"/>
+              <a:gd name="connsiteY3" fmla="*/ 6354 h 774386"/>
+              <a:gd name="connsiteX4" fmla="*/ 2501900 w 4324350"/>
+              <a:gd name="connsiteY4" fmla="*/ 749304 h 774386"/>
+              <a:gd name="connsiteX5" fmla="*/ 3206750 w 4324350"/>
+              <a:gd name="connsiteY5" fmla="*/ 4 h 774386"/>
+              <a:gd name="connsiteX6" fmla="*/ 3962400 w 4324350"/>
+              <a:gd name="connsiteY6" fmla="*/ 762004 h 774386"/>
+              <a:gd name="connsiteX7" fmla="*/ 4324350 w 4324350"/>
+              <a:gd name="connsiteY7" fmla="*/ 400054 h 774386"/>
+            </a:gdLst>
+            <a:ahLst/>
+            <a:cxnLst>
+              <a:cxn ang="0">
+                <a:pos x="connsiteX0" y="connsiteY0"/>
+              </a:cxn>
+              <a:cxn ang="0">
+                <a:pos x="connsiteX1" y="connsiteY1"/>
+              </a:cxn>
+              <a:cxn ang="0">
+                <a:pos x="connsiteX2" y="connsiteY2"/>
+              </a:cxn>
+              <a:cxn ang="0">
+                <a:pos x="connsiteX3" y="connsiteY3"/>
+              </a:cxn>
+              <a:cxn ang="0">
+                <a:pos x="connsiteX4" y="connsiteY4"/>
+              </a:cxn>
+              <a:cxn ang="0">
+                <a:pos x="connsiteX5" y="connsiteY5"/>
+              </a:cxn>
+              <a:cxn ang="0">
+                <a:pos x="connsiteX6" y="connsiteY6"/>
+              </a:cxn>
+              <a:cxn ang="0">
+                <a:pos x="connsiteX7" y="connsiteY7"/>
+              </a:cxn>
+            </a:cxnLst>
+            <a:rect l="l" t="t" r="r" b="b"/>
+            <a:pathLst>
+              <a:path w="4324350" h="774386">
+                <a:moveTo>
+                  <a:pt x="0" y="400054"/>
+                </a:moveTo>
+                <a:cubicBezTo>
+                  <a:pt x="84137" y="194208"/>
+                  <a:pt x="168275" y="-11638"/>
+                  <a:pt x="349250" y="44454"/>
+                </a:cubicBezTo>
+                <a:cubicBezTo>
+                  <a:pt x="530225" y="100546"/>
+                  <a:pt x="839258" y="742954"/>
+                  <a:pt x="1085850" y="736604"/>
+                </a:cubicBezTo>
+                <a:cubicBezTo>
+                  <a:pt x="1332442" y="730254"/>
+                  <a:pt x="1592792" y="4237"/>
+                  <a:pt x="1828800" y="6354"/>
+                </a:cubicBezTo>
+                <a:cubicBezTo>
+                  <a:pt x="2064808" y="8471"/>
+                  <a:pt x="2272242" y="750362"/>
+                  <a:pt x="2501900" y="749304"/>
+                </a:cubicBezTo>
+                <a:cubicBezTo>
+                  <a:pt x="2731558" y="748246"/>
+                  <a:pt x="2963333" y="-2113"/>
+                  <a:pt x="3206750" y="4"/>
+                </a:cubicBezTo>
+                <a:cubicBezTo>
+                  <a:pt x="3450167" y="2121"/>
+                  <a:pt x="3776133" y="695329"/>
+                  <a:pt x="3962400" y="762004"/>
+                </a:cubicBezTo>
+                <a:cubicBezTo>
+                  <a:pt x="4148667" y="828679"/>
+                  <a:pt x="4236508" y="614366"/>
+                  <a:pt x="4324350" y="400054"/>
+                </a:cubicBezTo>
+              </a:path>
+            </a:pathLst>
+          </a:custGeom>
+          <a:noFill/>
+        </p:spPr>
+        <p:style>
+          <a:lnRef idx="2">
+            <a:schemeClr val="accent1">
+              <a:shade val="50000"/>
+            </a:schemeClr>
+          </a:lnRef>
+          <a:fillRef idx="1">
+            <a:schemeClr val="accent1"/>
+          </a:fillRef>
+          <a:effectRef idx="0">
+            <a:schemeClr val="accent1"/>
+          </a:effectRef>
+          <a:fontRef idx="minor">
+            <a:schemeClr val="lt1"/>
+          </a:fontRef>
+        </p:style>
+        <p:txBody>
+          <a:bodyPr rtlCol="0" anchor="ctr"/>
+          <a:lstStyle/>
+          <a:p>
+            <a:pPr algn="ctr"/>
+            <a:endParaRPr kumimoji="1" lang="ja-JP" altLang="en-US"/>
+          </a:p>
+        </p:txBody>
+      </p:sp>
+      <p:cxnSp>
+        <p:nvCxnSpPr>
+          <p:cNvPr id="16" name="直線矢印コネクタ 15"/>
+          <p:cNvCxnSpPr/>
+          <p:nvPr/>
+        </p:nvCxnSpPr>
+        <p:spPr>
+          <a:xfrm flipH="1" flipV="1">
+            <a:off x="2506135" y="2565401"/>
+            <a:ext cx="1744132" cy="778932"/>
+          </a:xfrm>
+          <a:prstGeom prst="straightConnector1">
+            <a:avLst/>
+          </a:prstGeom>
+          <a:ln w="19050">
+            <a:prstDash val="sysDash"/>
+            <a:tailEnd type="triangle"/>
+          </a:ln>
+        </p:spPr>
+        <p:style>
+          <a:lnRef idx="1">
+            <a:schemeClr val="accent1"/>
+          </a:lnRef>
+          <a:fillRef idx="0">
+            <a:schemeClr val="accent1"/>
+          </a:fillRef>
+          <a:effectRef idx="0">
+            <a:schemeClr val="accent1"/>
+          </a:effectRef>
+          <a:fontRef idx="minor">
+            <a:schemeClr val="tx1"/>
+          </a:fontRef>
+        </p:style>
+      </p:cxnSp>
+      <p:cxnSp>
+        <p:nvCxnSpPr>
+          <p:cNvPr id="24" name="直線矢印コネクタ 23"/>
+          <p:cNvCxnSpPr/>
+          <p:nvPr/>
+        </p:nvCxnSpPr>
+        <p:spPr>
+          <a:xfrm flipV="1">
+            <a:off x="2540000" y="1794933"/>
+            <a:ext cx="1710267" cy="675218"/>
+          </a:xfrm>
+          <a:prstGeom prst="straightConnector1">
+            <a:avLst/>
+          </a:prstGeom>
+          <a:ln w="28575">
+            <a:tailEnd type="triangle"/>
+          </a:ln>
+        </p:spPr>
+        <p:style>
+          <a:lnRef idx="1">
+            <a:schemeClr val="accent1"/>
+          </a:lnRef>
+          <a:fillRef idx="0">
+            <a:schemeClr val="accent1"/>
+          </a:fillRef>
+          <a:effectRef idx="0">
+            <a:schemeClr val="accent1"/>
+          </a:effectRef>
+          <a:fontRef idx="minor">
+            <a:schemeClr val="tx1"/>
+          </a:fontRef>
+        </p:style>
+      </p:cxnSp>
+      <p:sp>
+        <p:nvSpPr>
+          <p:cNvPr id="27" name="テキスト ボックス 26"/>
+          <p:cNvSpPr txBox="1"/>
+          <p:nvPr/>
+        </p:nvSpPr>
+        <p:spPr>
+          <a:xfrm>
+            <a:off x="5685366" y="2967566"/>
+            <a:ext cx="65" cy="276999"/>
+          </a:xfrm>
+          <a:prstGeom prst="rect">
+            <a:avLst/>
+          </a:prstGeom>
+          <a:noFill/>
+        </p:spPr>
+        <p:txBody>
+          <a:bodyPr wrap="none" lIns="0" tIns="0" rIns="0" bIns="0" rtlCol="0">
+            <a:spAutoFit/>
+          </a:bodyPr>
+          <a:lstStyle/>
+          <a:p>
+            <a:endParaRPr kumimoji="1" lang="ja-JP" altLang="en-US"/>
+          </a:p>
+        </p:txBody>
+      </p:sp>
+      <mc:AlternateContent xmlns:mc="http://schemas.openxmlformats.org/markup-compatibility/2006">
+        <mc:Choice xmlns:a14="http://schemas.microsoft.com/office/drawing/2010/main" Requires="a14">
+          <p:sp>
+            <p:nvSpPr>
+              <p:cNvPr id="28" name="正方形/長方形 27"/>
+              <p:cNvSpPr/>
+              <p:nvPr/>
+            </p:nvSpPr>
+            <p:spPr>
+              <a:xfrm>
+                <a:off x="1147547" y="1826623"/>
+                <a:ext cx="727507" cy="400110"/>
+              </a:xfrm>
+              <a:prstGeom prst="rect">
+                <a:avLst/>
+              </a:prstGeom>
+            </p:spPr>
+            <p:txBody>
+              <a:bodyPr wrap="none">
+                <a:spAutoFit/>
+              </a:bodyPr>
+              <a:lstStyle/>
+              <a:p>
+                <a14:m>
+                  <m:oMathPara xmlns:m="http://schemas.openxmlformats.org/officeDocument/2006/math">
+                    <m:oMathParaPr>
+                      <m:jc m:val="centerGroup"/>
+                    </m:oMathParaPr>
+                    <m:oMath xmlns:m="http://schemas.openxmlformats.org/officeDocument/2006/math">
+                      <m:r>
+                        <a:rPr lang="en-US" altLang="ja-JP" sz="2000" i="1">
+                          <a:latin typeface="Cambria Math" panose="02040503050406030204" pitchFamily="18" charset="0"/>
+                          <a:ea typeface="Cambria Math" panose="02040503050406030204" pitchFamily="18" charset="0"/>
+                        </a:rPr>
+                        <m:t>ℏ</m:t>
+                      </m:r>
+                      <m:sSub>
+                        <m:sSubPr>
+                          <m:ctrlPr>
+                            <a:rPr lang="en-US" altLang="ja-JP" sz="2000" i="1">
+                              <a:latin typeface="Cambria Math" panose="02040503050406030204" pitchFamily="18" charset="0"/>
+                              <a:ea typeface="Cambria Math" panose="02040503050406030204" pitchFamily="18" charset="0"/>
+                            </a:rPr>
+                          </m:ctrlPr>
+                        </m:sSubPr>
+                        <m:e>
+                          <m:r>
+                            <a:rPr lang="ja-JP" altLang="en-US" sz="2000" i="1">
+                              <a:latin typeface="Cambria Math" panose="02040503050406030204" pitchFamily="18" charset="0"/>
+                              <a:ea typeface="Cambria Math" panose="02040503050406030204" pitchFamily="18" charset="0"/>
+                            </a:rPr>
+                            <m:t>𝜔</m:t>
+                          </m:r>
+                        </m:e>
+                        <m:sub>
+                          <m:r>
+                            <a:rPr lang="en-US" altLang="ja-JP" sz="2000" i="1">
+                              <a:latin typeface="Cambria Math" panose="02040503050406030204" pitchFamily="18" charset="0"/>
+                              <a:ea typeface="Cambria Math" panose="02040503050406030204" pitchFamily="18" charset="0"/>
+                            </a:rPr>
+                            <m:t>0</m:t>
+                          </m:r>
+                        </m:sub>
+                      </m:sSub>
+                    </m:oMath>
+                  </m:oMathPara>
+                </a14:m>
+                <a:endParaRPr lang="ja-JP" altLang="en-US" sz="2000"/>
+              </a:p>
+            </p:txBody>
+          </p:sp>
+        </mc:Choice>
+        <mc:Fallback>
+          <p:sp>
+            <p:nvSpPr>
+              <p:cNvPr id="28" name="正方形/長方形 27"/>
+              <p:cNvSpPr>
+                <a:spLocks noRot="1" noChangeAspect="1" noMove="1" noResize="1" noEditPoints="1" noAdjustHandles="1" noChangeArrowheads="1" noChangeShapeType="1" noTextEdit="1"/>
+              </p:cNvSpPr>
+              <p:nvPr/>
+            </p:nvSpPr>
+            <p:spPr>
+              <a:xfrm>
+                <a:off x="1147547" y="1826623"/>
+                <a:ext cx="727507" cy="400110"/>
+              </a:xfrm>
+              <a:prstGeom prst="rect">
+                <a:avLst/>
+              </a:prstGeom>
+              <a:blipFill>
+                <a:blip r:embed="rId4"/>
+                <a:stretch>
+                  <a:fillRect/>
+                </a:stretch>
+              </a:blipFill>
+            </p:spPr>
+            <p:txBody>
+              <a:bodyPr/>
+              <a:lstStyle/>
+              <a:p>
+                <a:r>
+                  <a:rPr lang="ja-JP" altLang="en-US">
+                    <a:noFill/>
+                  </a:rPr>
+                  <a:t> </a:t>
+                </a:r>
+              </a:p>
+            </p:txBody>
+          </p:sp>
+        </mc:Fallback>
+      </mc:AlternateContent>
+      <mc:AlternateContent xmlns:mc="http://schemas.openxmlformats.org/markup-compatibility/2006">
+        <mc:Choice xmlns:a14="http://schemas.microsoft.com/office/drawing/2010/main" Requires="a14">
+          <p:sp>
+            <p:nvSpPr>
+              <p:cNvPr id="29" name="テキスト ボックス 28"/>
+              <p:cNvSpPr txBox="1"/>
+              <p:nvPr/>
+            </p:nvSpPr>
+            <p:spPr>
+              <a:xfrm>
+                <a:off x="3638119" y="2747993"/>
+                <a:ext cx="231858" cy="276999"/>
+              </a:xfrm>
+              <a:prstGeom prst="rect">
+                <a:avLst/>
+              </a:prstGeom>
+              <a:noFill/>
+            </p:spPr>
+            <p:txBody>
+              <a:bodyPr wrap="none" lIns="0" tIns="0" rIns="0" bIns="0" rtlCol="0">
+                <a:spAutoFit/>
+              </a:bodyPr>
+              <a:lstStyle/>
+              <a:p>
+                <a:pPr algn="ctr"/>
+                <a14:m>
+                  <m:oMathPara xmlns:m="http://schemas.openxmlformats.org/officeDocument/2006/math">
+                    <m:oMathParaPr>
+                      <m:jc m:val="centerGroup"/>
+                    </m:oMathParaPr>
+                    <m:oMath xmlns:m="http://schemas.openxmlformats.org/officeDocument/2006/math">
+                      <m:r>
+                        <a:rPr kumimoji="1" lang="en-US" altLang="ja-JP" b="0" i="1" smtClean="0">
+                          <a:latin typeface="Cambria Math" panose="02040503050406030204" pitchFamily="18" charset="0"/>
+                        </a:rPr>
+                        <m:t>𝐸</m:t>
+                      </m:r>
+                    </m:oMath>
+                  </m:oMathPara>
+                </a14:m>
+                <a:endParaRPr kumimoji="1" lang="ja-JP" altLang="en-US"/>
+              </a:p>
+            </p:txBody>
+          </p:sp>
+        </mc:Choice>
+        <mc:Fallback>
+          <p:sp>
+            <p:nvSpPr>
+              <p:cNvPr id="29" name="テキスト ボックス 28"/>
+              <p:cNvSpPr txBox="1">
+                <a:spLocks noRot="1" noChangeAspect="1" noMove="1" noResize="1" noEditPoints="1" noAdjustHandles="1" noChangeArrowheads="1" noChangeShapeType="1" noTextEdit="1"/>
+              </p:cNvSpPr>
+              <p:nvPr/>
+            </p:nvSpPr>
+            <p:spPr>
+              <a:xfrm>
+                <a:off x="3638119" y="2747993"/>
+                <a:ext cx="231858" cy="276999"/>
+              </a:xfrm>
+              <a:prstGeom prst="rect">
+                <a:avLst/>
+              </a:prstGeom>
+              <a:blipFill>
+                <a:blip r:embed="rId5"/>
+                <a:stretch>
+                  <a:fillRect l="-34211" b="-2222"/>
+                </a:stretch>
+              </a:blipFill>
+            </p:spPr>
+            <p:txBody>
+              <a:bodyPr/>
+              <a:lstStyle/>
+              <a:p>
+                <a:r>
+                  <a:rPr lang="ja-JP" altLang="en-US">
+                    <a:noFill/>
+                  </a:rPr>
+                  <a:t> </a:t>
+                </a:r>
+              </a:p>
+            </p:txBody>
+          </p:sp>
+        </mc:Fallback>
+      </mc:AlternateContent>
+      <mc:AlternateContent xmlns:mc="http://schemas.openxmlformats.org/markup-compatibility/2006">
+        <mc:Choice xmlns:a14="http://schemas.microsoft.com/office/drawing/2010/main" Requires="a14">
+          <p:sp>
+            <p:nvSpPr>
+              <p:cNvPr id="31" name="正方形/長方形 30"/>
+              <p:cNvSpPr/>
+              <p:nvPr/>
+            </p:nvSpPr>
+            <p:spPr>
+              <a:xfrm>
+                <a:off x="2776113" y="1594878"/>
+                <a:ext cx="1204176" cy="400110"/>
+              </a:xfrm>
+              <a:prstGeom prst="rect">
+                <a:avLst/>
+              </a:prstGeom>
+            </p:spPr>
+            <p:txBody>
+              <a:bodyPr wrap="none">
+                <a:spAutoFit/>
+              </a:bodyPr>
+              <a:lstStyle/>
+              <a:p>
+                <a:pPr lvl="0"/>
+                <a14:m>
+                  <m:oMathPara xmlns:m="http://schemas.openxmlformats.org/officeDocument/2006/math">
+                    <m:oMathParaPr>
+                      <m:jc m:val="centerGroup"/>
+                    </m:oMathParaPr>
+                    <m:oMath xmlns:m="http://schemas.openxmlformats.org/officeDocument/2006/math">
+                      <m:r>
+                        <a:rPr lang="en-US" altLang="ja-JP" sz="2000" b="0" i="1" smtClean="0">
+                          <a:solidFill>
+                            <a:prstClr val="black"/>
+                          </a:solidFill>
+                          <a:latin typeface="Cambria Math" panose="02040503050406030204" pitchFamily="18" charset="0"/>
+                          <a:ea typeface="Cambria Math" panose="02040503050406030204" pitchFamily="18" charset="0"/>
+                        </a:rPr>
+                        <m:t>𝐸</m:t>
+                      </m:r>
+                      <m:r>
+                        <a:rPr lang="en-US" altLang="ja-JP" sz="2000" b="0" i="1" smtClean="0">
+                          <a:solidFill>
+                            <a:prstClr val="black"/>
+                          </a:solidFill>
+                          <a:latin typeface="Cambria Math" panose="02040503050406030204" pitchFamily="18" charset="0"/>
+                          <a:ea typeface="Cambria Math" panose="02040503050406030204" pitchFamily="18" charset="0"/>
+                        </a:rPr>
+                        <m:t>+ℏ</m:t>
+                      </m:r>
+                      <m:sSub>
+                        <m:sSubPr>
+                          <m:ctrlPr>
+                            <a:rPr lang="en-US" altLang="ja-JP" sz="2000" i="1">
+                              <a:solidFill>
+                                <a:prstClr val="black"/>
+                              </a:solidFill>
+                              <a:latin typeface="Cambria Math" panose="02040503050406030204" pitchFamily="18" charset="0"/>
+                              <a:ea typeface="Cambria Math" panose="02040503050406030204" pitchFamily="18" charset="0"/>
+                            </a:rPr>
+                          </m:ctrlPr>
+                        </m:sSubPr>
+                        <m:e>
+                          <m:r>
+                            <a:rPr lang="ja-JP" altLang="en-US" sz="2000" i="1">
+                              <a:solidFill>
+                                <a:prstClr val="black"/>
+                              </a:solidFill>
+                              <a:latin typeface="Cambria Math" panose="02040503050406030204" pitchFamily="18" charset="0"/>
+                              <a:ea typeface="Cambria Math" panose="02040503050406030204" pitchFamily="18" charset="0"/>
+                            </a:rPr>
+                            <m:t>𝜔</m:t>
+                          </m:r>
+                        </m:e>
+                        <m:sub>
+                          <m:r>
+                            <a:rPr lang="en-US" altLang="ja-JP" sz="2000" i="1">
+                              <a:solidFill>
+                                <a:prstClr val="black"/>
+                              </a:solidFill>
+                              <a:latin typeface="Cambria Math" panose="02040503050406030204" pitchFamily="18" charset="0"/>
+                              <a:ea typeface="Cambria Math" panose="02040503050406030204" pitchFamily="18" charset="0"/>
+                            </a:rPr>
+                            <m:t>0</m:t>
+                          </m:r>
+                        </m:sub>
+                      </m:sSub>
+                    </m:oMath>
+                  </m:oMathPara>
+                </a14:m>
+                <a:endParaRPr lang="ja-JP" altLang="en-US" sz="2000">
+                  <a:solidFill>
+                    <a:prstClr val="black"/>
+                  </a:solidFill>
+                </a:endParaRPr>
+              </a:p>
+            </p:txBody>
+          </p:sp>
+        </mc:Choice>
+        <mc:Fallback>
+          <p:sp>
+            <p:nvSpPr>
+              <p:cNvPr id="31" name="正方形/長方形 30"/>
+              <p:cNvSpPr>
+                <a:spLocks noRot="1" noChangeAspect="1" noMove="1" noResize="1" noEditPoints="1" noAdjustHandles="1" noChangeArrowheads="1" noChangeShapeType="1" noTextEdit="1"/>
+              </p:cNvSpPr>
+              <p:nvPr/>
+            </p:nvSpPr>
+            <p:spPr>
+              <a:xfrm>
+                <a:off x="2776113" y="1594878"/>
+                <a:ext cx="1204176" cy="400110"/>
+              </a:xfrm>
+              <a:prstGeom prst="rect">
+                <a:avLst/>
+              </a:prstGeom>
+              <a:blipFill>
+                <a:blip r:embed="rId6"/>
+                <a:stretch>
+                  <a:fillRect/>
+                </a:stretch>
+              </a:blipFill>
+            </p:spPr>
+            <p:txBody>
+              <a:bodyPr/>
+              <a:lstStyle/>
+              <a:p>
+                <a:r>
+                  <a:rPr lang="ja-JP" altLang="en-US">
+                    <a:noFill/>
+                  </a:rPr>
+                  <a:t> </a:t>
+                </a:r>
+              </a:p>
+            </p:txBody>
+          </p:sp>
+        </mc:Fallback>
+      </mc:AlternateContent>
+      <mc:AlternateContent xmlns:mc="http://schemas.openxmlformats.org/markup-compatibility/2006">
+        <mc:Choice xmlns:a14="http://schemas.microsoft.com/office/drawing/2010/main" Requires="a14">
+          <p:sp>
+            <p:nvSpPr>
+              <p:cNvPr id="32" name="テキスト ボックス 31"/>
+              <p:cNvSpPr txBox="1"/>
+              <p:nvPr/>
+            </p:nvSpPr>
+            <p:spPr>
+              <a:xfrm>
+                <a:off x="206040" y="1375582"/>
+                <a:ext cx="1588063" cy="369332"/>
+              </a:xfrm>
+              <a:prstGeom prst="rect">
+                <a:avLst/>
+              </a:prstGeom>
+              <a:noFill/>
+            </p:spPr>
+            <p:txBody>
+              <a:bodyPr wrap="none" rtlCol="0">
+                <a:spAutoFit/>
+              </a:bodyPr>
+              <a:lstStyle/>
+              <a:p>
+                <a14:m>
+                  <m:oMathPara xmlns:m="http://schemas.openxmlformats.org/officeDocument/2006/math">
+                    <m:oMathParaPr>
+                      <m:jc m:val="centerGroup"/>
+                    </m:oMathParaPr>
+                    <m:oMath xmlns:m="http://schemas.openxmlformats.org/officeDocument/2006/math">
+                      <m:r>
+                        <a:rPr kumimoji="1" lang="en-US" altLang="ja-JP" b="0" i="1" smtClean="0">
+                          <a:latin typeface="Cambria Math" panose="02040503050406030204" pitchFamily="18" charset="0"/>
+                        </a:rPr>
+                        <m:t>[</m:t>
+                      </m:r>
+                      <m:r>
+                        <a:rPr kumimoji="1" lang="en-US" altLang="ja-JP" i="1" smtClean="0">
+                          <a:latin typeface="Cambria Math" panose="02040503050406030204" pitchFamily="18" charset="0"/>
+                        </a:rPr>
+                        <m:t>𝐴𝑏𝑠𝑜𝑟𝑝𝑡𝑖𝑜𝑛</m:t>
+                      </m:r>
+                      <m:r>
+                        <a:rPr kumimoji="1" lang="en-US" altLang="ja-JP" b="0" i="1" smtClean="0">
+                          <a:latin typeface="Cambria Math" panose="02040503050406030204" pitchFamily="18" charset="0"/>
+                        </a:rPr>
+                        <m:t>]</m:t>
+                      </m:r>
+                    </m:oMath>
+                  </m:oMathPara>
+                </a14:m>
+                <a:endParaRPr kumimoji="1" lang="ja-JP" altLang="en-US"/>
+              </a:p>
+            </p:txBody>
+          </p:sp>
+        </mc:Choice>
+        <mc:Fallback>
+          <p:sp>
+            <p:nvSpPr>
+              <p:cNvPr id="32" name="テキスト ボックス 31"/>
+              <p:cNvSpPr txBox="1">
+                <a:spLocks noRot="1" noChangeAspect="1" noMove="1" noResize="1" noEditPoints="1" noAdjustHandles="1" noChangeArrowheads="1" noChangeShapeType="1" noTextEdit="1"/>
+              </p:cNvSpPr>
+              <p:nvPr/>
+            </p:nvSpPr>
+            <p:spPr>
+              <a:xfrm>
+                <a:off x="206040" y="1375582"/>
+                <a:ext cx="1588063" cy="369332"/>
+              </a:xfrm>
+              <a:prstGeom prst="rect">
+                <a:avLst/>
+              </a:prstGeom>
+              <a:blipFill>
+                <a:blip r:embed="rId7"/>
+                <a:stretch>
+                  <a:fillRect b="-13333"/>
+                </a:stretch>
+              </a:blipFill>
+            </p:spPr>
+            <p:txBody>
+              <a:bodyPr/>
+              <a:lstStyle/>
+              <a:p>
+                <a:r>
+                  <a:rPr lang="ja-JP" altLang="en-US">
+                    <a:noFill/>
+                  </a:rPr>
+                  <a:t> </a:t>
+                </a:r>
+              </a:p>
+            </p:txBody>
+          </p:sp>
+        </mc:Fallback>
+      </mc:AlternateContent>
+      <mc:AlternateContent xmlns:mc="http://schemas.openxmlformats.org/markup-compatibility/2006">
+        <mc:Choice xmlns:a14="http://schemas.microsoft.com/office/drawing/2010/main" Requires="a14">
+          <p:sp>
+            <p:nvSpPr>
+              <p:cNvPr id="33" name="テキスト ボックス 32"/>
+              <p:cNvSpPr txBox="1"/>
+              <p:nvPr/>
+            </p:nvSpPr>
+            <p:spPr>
+              <a:xfrm>
+                <a:off x="1063897" y="2778130"/>
+                <a:ext cx="851965" cy="276999"/>
+              </a:xfrm>
+              <a:prstGeom prst="rect">
+                <a:avLst/>
+              </a:prstGeom>
+              <a:noFill/>
+            </p:spPr>
+            <p:txBody>
+              <a:bodyPr wrap="none" lIns="0" tIns="0" rIns="0" bIns="0" rtlCol="0">
+                <a:spAutoFit/>
+              </a:bodyPr>
+              <a:lstStyle/>
+              <a:p>
+                <a14:m>
+                  <m:oMathPara xmlns:m="http://schemas.openxmlformats.org/officeDocument/2006/math">
+                    <m:oMathParaPr>
+                      <m:jc m:val="centerGroup"/>
+                    </m:oMathParaPr>
+                    <m:oMath xmlns:m="http://schemas.openxmlformats.org/officeDocument/2006/math">
+                      <m:r>
+                        <a:rPr kumimoji="1" lang="en-US" altLang="ja-JP" b="0" i="1" smtClean="0">
+                          <a:latin typeface="Cambria Math" panose="02040503050406030204" pitchFamily="18" charset="0"/>
+                        </a:rPr>
+                        <m:t>𝑝h𝑜𝑛𝑜𝑛</m:t>
+                      </m:r>
+                    </m:oMath>
+                  </m:oMathPara>
+                </a14:m>
+                <a:endParaRPr kumimoji="1" lang="ja-JP" altLang="en-US"/>
+              </a:p>
+            </p:txBody>
+          </p:sp>
+        </mc:Choice>
+        <mc:Fallback>
+          <p:sp>
+            <p:nvSpPr>
+              <p:cNvPr id="33" name="テキスト ボックス 32"/>
+              <p:cNvSpPr txBox="1">
+                <a:spLocks noRot="1" noChangeAspect="1" noMove="1" noResize="1" noEditPoints="1" noAdjustHandles="1" noChangeArrowheads="1" noChangeShapeType="1" noTextEdit="1"/>
+              </p:cNvSpPr>
+              <p:nvPr/>
+            </p:nvSpPr>
+            <p:spPr>
+              <a:xfrm>
+                <a:off x="1063897" y="2778130"/>
+                <a:ext cx="851965" cy="276999"/>
+              </a:xfrm>
+              <a:prstGeom prst="rect">
+                <a:avLst/>
+              </a:prstGeom>
+              <a:blipFill>
+                <a:blip r:embed="rId8"/>
+                <a:stretch>
+                  <a:fillRect l="-7914" t="-8889" r="-8633" b="-31111"/>
+                </a:stretch>
+              </a:blipFill>
+            </p:spPr>
+            <p:txBody>
+              <a:bodyPr/>
+              <a:lstStyle/>
+              <a:p>
+                <a:r>
+                  <a:rPr lang="ja-JP" altLang="en-US">
+                    <a:noFill/>
+                  </a:rPr>
+                  <a:t> </a:t>
+                </a:r>
+              </a:p>
+            </p:txBody>
+          </p:sp>
+        </mc:Fallback>
+      </mc:AlternateContent>
+      <p:sp>
+        <p:nvSpPr>
+          <p:cNvPr id="34" name="楕円 33"/>
+          <p:cNvSpPr/>
+          <p:nvPr/>
+        </p:nvSpPr>
+        <p:spPr>
+          <a:xfrm>
+            <a:off x="4289195" y="3332128"/>
+            <a:ext cx="188015" cy="179625"/>
+          </a:xfrm>
+          <a:prstGeom prst="ellipse">
+            <a:avLst/>
+          </a:prstGeom>
+          <a:noFill/>
+        </p:spPr>
+        <p:style>
+          <a:lnRef idx="2">
+            <a:schemeClr val="accent1">
+              <a:shade val="50000"/>
+            </a:schemeClr>
+          </a:lnRef>
+          <a:fillRef idx="1">
+            <a:schemeClr val="accent1"/>
+          </a:fillRef>
+          <a:effectRef idx="0">
+            <a:schemeClr val="accent1"/>
+          </a:effectRef>
+          <a:fontRef idx="minor">
+            <a:schemeClr val="lt1"/>
+          </a:fontRef>
+        </p:style>
+        <p:txBody>
+          <a:bodyPr rtlCol="0" anchor="ctr"/>
+          <a:lstStyle/>
+          <a:p>
+            <a:pPr algn="ctr"/>
+            <a:endParaRPr kumimoji="1" lang="ja-JP" altLang="en-US"/>
+          </a:p>
+        </p:txBody>
+      </p:sp>
+      <p:sp>
+        <p:nvSpPr>
+          <p:cNvPr id="35" name="楕円 34"/>
+          <p:cNvSpPr/>
+          <p:nvPr/>
+        </p:nvSpPr>
+        <p:spPr>
+          <a:xfrm>
+            <a:off x="4289195" y="1676044"/>
+            <a:ext cx="188015" cy="179625"/>
+          </a:xfrm>
+          <a:prstGeom prst="ellipse">
+            <a:avLst/>
+          </a:prstGeom>
+          <a:solidFill>
+            <a:srgbClr val="0070C0"/>
+          </a:solidFill>
+        </p:spPr>
+        <p:style>
+          <a:lnRef idx="2">
+            <a:schemeClr val="accent1">
+              <a:shade val="50000"/>
+            </a:schemeClr>
+          </a:lnRef>
+          <a:fillRef idx="1">
+            <a:schemeClr val="accent1"/>
+          </a:fillRef>
+          <a:effectRef idx="0">
+            <a:schemeClr val="accent1"/>
+          </a:effectRef>
+          <a:fontRef idx="minor">
+            <a:schemeClr val="lt1"/>
+          </a:fontRef>
+        </p:style>
+        <p:txBody>
+          <a:bodyPr rtlCol="0" anchor="ctr"/>
+          <a:lstStyle/>
+          <a:p>
+            <a:pPr algn="ctr"/>
+            <a:endParaRPr kumimoji="1" lang="ja-JP" altLang="en-US"/>
+          </a:p>
+        </p:txBody>
+      </p:sp>
+      <mc:AlternateContent xmlns:mc="http://schemas.openxmlformats.org/markup-compatibility/2006">
+        <mc:Choice xmlns:a14="http://schemas.microsoft.com/office/drawing/2010/main" Requires="a14">
+          <p:sp>
+            <p:nvSpPr>
+              <p:cNvPr id="37" name="テキスト ボックス 36"/>
+              <p:cNvSpPr txBox="1"/>
+              <p:nvPr/>
+            </p:nvSpPr>
+            <p:spPr>
+              <a:xfrm>
+                <a:off x="1653542" y="3244565"/>
+                <a:ext cx="1586652" cy="659796"/>
+              </a:xfrm>
+              <a:prstGeom prst="rect">
+                <a:avLst/>
+              </a:prstGeom>
+              <a:noFill/>
+            </p:spPr>
+            <p:txBody>
+              <a:bodyPr wrap="none" rtlCol="0">
+                <a:spAutoFit/>
+              </a:bodyPr>
+              <a:lstStyle/>
+              <a:p>
+                <a14:m>
+                  <m:oMathPara xmlns:m="http://schemas.openxmlformats.org/officeDocument/2006/math">
+                    <m:oMathParaPr>
+                      <m:jc m:val="centerGroup"/>
+                    </m:oMathParaPr>
+                    <m:oMath xmlns:m="http://schemas.openxmlformats.org/officeDocument/2006/math">
+                      <m:sSub>
+                        <m:sSubPr>
+                          <m:ctrlPr>
+                            <a:rPr kumimoji="1" lang="en-US" altLang="ja-JP" b="0" i="1" smtClean="0">
+                              <a:latin typeface="Cambria Math" panose="02040503050406030204" pitchFamily="18" charset="0"/>
+                            </a:rPr>
+                          </m:ctrlPr>
+                        </m:sSubPr>
+                        <m:e>
+                          <m:r>
+                            <a:rPr kumimoji="1" lang="en-US" altLang="ja-JP" b="0" i="1" smtClean="0">
+                              <a:latin typeface="Cambria Math" panose="02040503050406030204" pitchFamily="18" charset="0"/>
+                            </a:rPr>
+                            <m:t>𝑃</m:t>
+                          </m:r>
+                        </m:e>
+                        <m:sub>
+                          <m:r>
+                            <a:rPr kumimoji="1" lang="en-US" altLang="ja-JP" b="0" i="1" smtClean="0">
+                              <a:latin typeface="Cambria Math" panose="02040503050406030204" pitchFamily="18" charset="0"/>
+                            </a:rPr>
+                            <m:t>𝐴𝑏𝑠𝑜</m:t>
+                          </m:r>
+                        </m:sub>
+                      </m:sSub>
+                      <m:r>
+                        <a:rPr kumimoji="1" lang="en-US" altLang="ja-JP" b="0" i="1" smtClean="0">
+                          <a:latin typeface="Cambria Math" panose="02040503050406030204" pitchFamily="18" charset="0"/>
+                        </a:rPr>
+                        <m:t>=</m:t>
+                      </m:r>
+                      <m:f>
+                        <m:fPr>
+                          <m:ctrlPr>
+                            <a:rPr kumimoji="1" lang="en-US" altLang="ja-JP" b="0" i="1" smtClean="0">
+                              <a:latin typeface="Cambria Math" panose="02040503050406030204" pitchFamily="18" charset="0"/>
+                            </a:rPr>
+                          </m:ctrlPr>
+                        </m:fPr>
+                        <m:num>
+                          <m:r>
+                            <a:rPr kumimoji="1" lang="en-US" altLang="ja-JP" b="0" i="1" smtClean="0">
+                              <a:latin typeface="Cambria Math" panose="02040503050406030204" pitchFamily="18" charset="0"/>
+                            </a:rPr>
+                            <m:t>1</m:t>
+                          </m:r>
+                        </m:num>
+                        <m:den>
+                          <m:sSub>
+                            <m:sSubPr>
+                              <m:ctrlPr>
+                                <a:rPr kumimoji="1" lang="en-US" altLang="ja-JP" b="0" i="1" smtClean="0">
+                                  <a:latin typeface="Cambria Math" panose="02040503050406030204" pitchFamily="18" charset="0"/>
+                                </a:rPr>
+                              </m:ctrlPr>
+                            </m:sSubPr>
+                            <m:e>
+                              <m:r>
+                                <a:rPr kumimoji="1" lang="ja-JP" altLang="en-US" b="0" i="1" smtClean="0">
+                                  <a:latin typeface="Cambria Math" panose="02040503050406030204" pitchFamily="18" charset="0"/>
+                                </a:rPr>
+                                <m:t>𝜏</m:t>
+                              </m:r>
+                            </m:e>
+                            <m:sub>
+                              <m:r>
+                                <a:rPr kumimoji="1" lang="en-US" altLang="ja-JP" b="0" i="1" smtClean="0">
+                                  <a:latin typeface="Cambria Math" panose="02040503050406030204" pitchFamily="18" charset="0"/>
+                                </a:rPr>
+                                <m:t>0</m:t>
+                              </m:r>
+                            </m:sub>
+                          </m:sSub>
+                        </m:den>
+                      </m:f>
+                      <m:sSub>
+                        <m:sSubPr>
+                          <m:ctrlPr>
+                            <a:rPr kumimoji="1" lang="en-US" altLang="ja-JP" b="0" i="1" smtClean="0">
+                              <a:latin typeface="Cambria Math" panose="02040503050406030204" pitchFamily="18" charset="0"/>
+                            </a:rPr>
+                          </m:ctrlPr>
+                        </m:sSubPr>
+                        <m:e>
+                          <m:r>
+                            <a:rPr kumimoji="1" lang="en-US" altLang="ja-JP" b="0" i="1" smtClean="0">
+                              <a:latin typeface="Cambria Math" panose="02040503050406030204" pitchFamily="18" charset="0"/>
+                            </a:rPr>
+                            <m:t>𝑁</m:t>
+                          </m:r>
+                        </m:e>
+                        <m:sub>
+                          <m:r>
+                            <a:rPr kumimoji="1" lang="en-US" altLang="ja-JP" b="0" i="1" smtClean="0">
+                              <a:latin typeface="Cambria Math" panose="02040503050406030204" pitchFamily="18" charset="0"/>
+                            </a:rPr>
+                            <m:t>0</m:t>
+                          </m:r>
+                        </m:sub>
+                      </m:sSub>
+                    </m:oMath>
+                  </m:oMathPara>
+                </a14:m>
+                <a:endParaRPr kumimoji="1" lang="ja-JP" altLang="en-US"/>
+              </a:p>
+            </p:txBody>
+          </p:sp>
+        </mc:Choice>
+        <mc:Fallback>
+          <p:sp>
+            <p:nvSpPr>
+              <p:cNvPr id="37" name="テキスト ボックス 36"/>
+              <p:cNvSpPr txBox="1">
+                <a:spLocks noRot="1" noChangeAspect="1" noMove="1" noResize="1" noEditPoints="1" noAdjustHandles="1" noChangeArrowheads="1" noChangeShapeType="1" noTextEdit="1"/>
+              </p:cNvSpPr>
+              <p:nvPr/>
+            </p:nvSpPr>
+            <p:spPr>
+              <a:xfrm>
+                <a:off x="1653542" y="3244565"/>
+                <a:ext cx="1586652" cy="659796"/>
+              </a:xfrm>
+              <a:prstGeom prst="rect">
+                <a:avLst/>
+              </a:prstGeom>
+              <a:blipFill>
+                <a:blip r:embed="rId9"/>
+                <a:stretch>
+                  <a:fillRect/>
+                </a:stretch>
+              </a:blipFill>
+            </p:spPr>
+            <p:txBody>
+              <a:bodyPr/>
+              <a:lstStyle/>
+              <a:p>
+                <a:r>
+                  <a:rPr lang="ja-JP" altLang="en-US">
+                    <a:noFill/>
+                  </a:rPr>
+                  <a:t> </a:t>
+                </a:r>
+              </a:p>
+            </p:txBody>
+          </p:sp>
+        </mc:Fallback>
+      </mc:AlternateContent>
+      <p:sp>
+        <p:nvSpPr>
+          <p:cNvPr id="48" name="フリーフォーム 47"/>
+          <p:cNvSpPr/>
+          <p:nvPr/>
+        </p:nvSpPr>
+        <p:spPr>
+          <a:xfrm>
+            <a:off x="640706" y="4933251"/>
+            <a:ext cx="1752600" cy="486834"/>
+          </a:xfrm>
+          <a:custGeom>
+            <a:avLst/>
+            <a:gdLst>
+              <a:gd name="connsiteX0" fmla="*/ 0 w 4324350"/>
+              <a:gd name="connsiteY0" fmla="*/ 400054 h 774386"/>
+              <a:gd name="connsiteX1" fmla="*/ 349250 w 4324350"/>
+              <a:gd name="connsiteY1" fmla="*/ 44454 h 774386"/>
+              <a:gd name="connsiteX2" fmla="*/ 1085850 w 4324350"/>
+              <a:gd name="connsiteY2" fmla="*/ 736604 h 774386"/>
+              <a:gd name="connsiteX3" fmla="*/ 1828800 w 4324350"/>
+              <a:gd name="connsiteY3" fmla="*/ 6354 h 774386"/>
+              <a:gd name="connsiteX4" fmla="*/ 2501900 w 4324350"/>
+              <a:gd name="connsiteY4" fmla="*/ 749304 h 774386"/>
+              <a:gd name="connsiteX5" fmla="*/ 3206750 w 4324350"/>
+              <a:gd name="connsiteY5" fmla="*/ 4 h 774386"/>
+              <a:gd name="connsiteX6" fmla="*/ 3962400 w 4324350"/>
+              <a:gd name="connsiteY6" fmla="*/ 762004 h 774386"/>
+              <a:gd name="connsiteX7" fmla="*/ 4324350 w 4324350"/>
+              <a:gd name="connsiteY7" fmla="*/ 400054 h 774386"/>
+            </a:gdLst>
+            <a:ahLst/>
+            <a:cxnLst>
+              <a:cxn ang="0">
+                <a:pos x="connsiteX0" y="connsiteY0"/>
+              </a:cxn>
+              <a:cxn ang="0">
+                <a:pos x="connsiteX1" y="connsiteY1"/>
+              </a:cxn>
+              <a:cxn ang="0">
+                <a:pos x="connsiteX2" y="connsiteY2"/>
+              </a:cxn>
+              <a:cxn ang="0">
+                <a:pos x="connsiteX3" y="connsiteY3"/>
+              </a:cxn>
+              <a:cxn ang="0">
+                <a:pos x="connsiteX4" y="connsiteY4"/>
+              </a:cxn>
+              <a:cxn ang="0">
+                <a:pos x="connsiteX5" y="connsiteY5"/>
+              </a:cxn>
+              <a:cxn ang="0">
+                <a:pos x="connsiteX6" y="connsiteY6"/>
+              </a:cxn>
+              <a:cxn ang="0">
+                <a:pos x="connsiteX7" y="connsiteY7"/>
+              </a:cxn>
+            </a:cxnLst>
+            <a:rect l="l" t="t" r="r" b="b"/>
+            <a:pathLst>
+              <a:path w="4324350" h="774386">
+                <a:moveTo>
+                  <a:pt x="0" y="400054"/>
+                </a:moveTo>
+                <a:cubicBezTo>
+                  <a:pt x="84137" y="194208"/>
+                  <a:pt x="168275" y="-11638"/>
+                  <a:pt x="349250" y="44454"/>
+                </a:cubicBezTo>
+                <a:cubicBezTo>
+                  <a:pt x="530225" y="100546"/>
+                  <a:pt x="839258" y="742954"/>
+                  <a:pt x="1085850" y="736604"/>
+                </a:cubicBezTo>
+                <a:cubicBezTo>
+                  <a:pt x="1332442" y="730254"/>
+                  <a:pt x="1592792" y="4237"/>
+                  <a:pt x="1828800" y="6354"/>
+                </a:cubicBezTo>
+                <a:cubicBezTo>
+                  <a:pt x="2064808" y="8471"/>
+                  <a:pt x="2272242" y="750362"/>
+                  <a:pt x="2501900" y="749304"/>
+                </a:cubicBezTo>
+                <a:cubicBezTo>
+                  <a:pt x="2731558" y="748246"/>
+                  <a:pt x="2963333" y="-2113"/>
+                  <a:pt x="3206750" y="4"/>
+                </a:cubicBezTo>
+                <a:cubicBezTo>
+                  <a:pt x="3450167" y="2121"/>
+                  <a:pt x="3776133" y="695329"/>
+                  <a:pt x="3962400" y="762004"/>
+                </a:cubicBezTo>
+                <a:cubicBezTo>
+                  <a:pt x="4148667" y="828679"/>
+                  <a:pt x="4236508" y="614366"/>
+                  <a:pt x="4324350" y="400054"/>
+                </a:cubicBezTo>
+              </a:path>
+            </a:pathLst>
+          </a:custGeom>
+          <a:noFill/>
+        </p:spPr>
+        <p:style>
+          <a:lnRef idx="2">
+            <a:schemeClr val="accent1">
+              <a:shade val="50000"/>
+            </a:schemeClr>
+          </a:lnRef>
+          <a:fillRef idx="1">
+            <a:schemeClr val="accent1"/>
+          </a:fillRef>
+          <a:effectRef idx="0">
+            <a:schemeClr val="accent1"/>
+          </a:effectRef>
+          <a:fontRef idx="minor">
+            <a:schemeClr val="lt1"/>
+          </a:fontRef>
+        </p:style>
+        <p:txBody>
+          <a:bodyPr rtlCol="0" anchor="ctr"/>
+          <a:lstStyle/>
+          <a:p>
+            <a:pPr algn="ctr"/>
+            <a:endParaRPr kumimoji="1" lang="ja-JP" altLang="en-US"/>
+          </a:p>
+        </p:txBody>
+      </p:sp>
+      <p:cxnSp>
+        <p:nvCxnSpPr>
+          <p:cNvPr id="49" name="直線矢印コネクタ 48"/>
+          <p:cNvCxnSpPr/>
+          <p:nvPr/>
+        </p:nvCxnSpPr>
+        <p:spPr>
+          <a:xfrm rot="10800000" flipH="1" flipV="1">
+            <a:off x="2511840" y="5271919"/>
+            <a:ext cx="1744132" cy="778932"/>
+          </a:xfrm>
+          <a:prstGeom prst="straightConnector1">
+            <a:avLst/>
+          </a:prstGeom>
+          <a:ln w="28575">
+            <a:prstDash val="solid"/>
+            <a:tailEnd type="triangle"/>
+          </a:ln>
+        </p:spPr>
+        <p:style>
+          <a:lnRef idx="1">
+            <a:schemeClr val="accent1"/>
+          </a:lnRef>
+          <a:fillRef idx="0">
+            <a:schemeClr val="accent1"/>
+          </a:fillRef>
+          <a:effectRef idx="0">
+            <a:schemeClr val="accent1"/>
+          </a:effectRef>
+          <a:fontRef idx="minor">
+            <a:schemeClr val="tx1"/>
+          </a:fontRef>
+        </p:style>
+      </p:cxnSp>
+      <p:cxnSp>
+        <p:nvCxnSpPr>
+          <p:cNvPr id="50" name="直線矢印コネクタ 49"/>
+          <p:cNvCxnSpPr/>
+          <p:nvPr/>
+        </p:nvCxnSpPr>
+        <p:spPr>
+          <a:xfrm rot="10800000" flipV="1">
+            <a:off x="2545705" y="4501451"/>
+            <a:ext cx="1710267" cy="675218"/>
+          </a:xfrm>
+          <a:prstGeom prst="straightConnector1">
+            <a:avLst/>
+          </a:prstGeom>
+          <a:ln w="19050">
+            <a:prstDash val="sysDash"/>
+            <a:tailEnd type="triangle"/>
+          </a:ln>
+        </p:spPr>
+        <p:style>
+          <a:lnRef idx="1">
+            <a:schemeClr val="accent1"/>
+          </a:lnRef>
+          <a:fillRef idx="0">
+            <a:schemeClr val="accent1"/>
+          </a:fillRef>
+          <a:effectRef idx="0">
+            <a:schemeClr val="accent1"/>
+          </a:effectRef>
+          <a:fontRef idx="minor">
+            <a:schemeClr val="tx1"/>
+          </a:fontRef>
+        </p:style>
+      </p:cxnSp>
+      <mc:AlternateContent xmlns:mc="http://schemas.openxmlformats.org/markup-compatibility/2006">
+        <mc:Choice xmlns:a14="http://schemas.microsoft.com/office/drawing/2010/main" Requires="a14">
+          <p:sp>
+            <p:nvSpPr>
+              <p:cNvPr id="51" name="正方形/長方形 50"/>
+              <p:cNvSpPr/>
+              <p:nvPr/>
+            </p:nvSpPr>
+            <p:spPr>
+              <a:xfrm>
+                <a:off x="1153252" y="4533141"/>
+                <a:ext cx="727507" cy="400110"/>
+              </a:xfrm>
+              <a:prstGeom prst="rect">
+                <a:avLst/>
+              </a:prstGeom>
+            </p:spPr>
+            <p:txBody>
+              <a:bodyPr wrap="none">
+                <a:spAutoFit/>
+              </a:bodyPr>
+              <a:lstStyle/>
+              <a:p>
+                <a14:m>
+                  <m:oMathPara xmlns:m="http://schemas.openxmlformats.org/officeDocument/2006/math">
+                    <m:oMathParaPr>
+                      <m:jc m:val="centerGroup"/>
+                    </m:oMathParaPr>
+                    <m:oMath xmlns:m="http://schemas.openxmlformats.org/officeDocument/2006/math">
+                      <m:r>
+                        <a:rPr lang="en-US" altLang="ja-JP" sz="2000" i="1">
+                          <a:latin typeface="Cambria Math" panose="02040503050406030204" pitchFamily="18" charset="0"/>
+                          <a:ea typeface="Cambria Math" panose="02040503050406030204" pitchFamily="18" charset="0"/>
+                        </a:rPr>
+                        <m:t>ℏ</m:t>
+                      </m:r>
+                      <m:sSub>
+                        <m:sSubPr>
+                          <m:ctrlPr>
+                            <a:rPr lang="en-US" altLang="ja-JP" sz="2000" i="1">
+                              <a:latin typeface="Cambria Math" panose="02040503050406030204" pitchFamily="18" charset="0"/>
+                              <a:ea typeface="Cambria Math" panose="02040503050406030204" pitchFamily="18" charset="0"/>
+                            </a:rPr>
+                          </m:ctrlPr>
+                        </m:sSubPr>
+                        <m:e>
+                          <m:r>
+                            <a:rPr lang="ja-JP" altLang="en-US" sz="2000" i="1">
+                              <a:latin typeface="Cambria Math" panose="02040503050406030204" pitchFamily="18" charset="0"/>
+                              <a:ea typeface="Cambria Math" panose="02040503050406030204" pitchFamily="18" charset="0"/>
+                            </a:rPr>
+                            <m:t>𝜔</m:t>
+                          </m:r>
+                        </m:e>
+                        <m:sub>
+                          <m:r>
+                            <a:rPr lang="en-US" altLang="ja-JP" sz="2000" i="1">
+                              <a:latin typeface="Cambria Math" panose="02040503050406030204" pitchFamily="18" charset="0"/>
+                              <a:ea typeface="Cambria Math" panose="02040503050406030204" pitchFamily="18" charset="0"/>
+                            </a:rPr>
+                            <m:t>0</m:t>
+                          </m:r>
+                        </m:sub>
+                      </m:sSub>
+                    </m:oMath>
+                  </m:oMathPara>
+                </a14:m>
+                <a:endParaRPr lang="ja-JP" altLang="en-US" sz="2000"/>
+              </a:p>
+            </p:txBody>
+          </p:sp>
+        </mc:Choice>
+        <mc:Fallback>
+          <p:sp>
+            <p:nvSpPr>
+              <p:cNvPr id="51" name="正方形/長方形 50"/>
+              <p:cNvSpPr>
+                <a:spLocks noRot="1" noChangeAspect="1" noMove="1" noResize="1" noEditPoints="1" noAdjustHandles="1" noChangeArrowheads="1" noChangeShapeType="1" noTextEdit="1"/>
+              </p:cNvSpPr>
+              <p:nvPr/>
+            </p:nvSpPr>
+            <p:spPr>
+              <a:xfrm>
+                <a:off x="1153252" y="4533141"/>
+                <a:ext cx="727507" cy="400110"/>
+              </a:xfrm>
+              <a:prstGeom prst="rect">
+                <a:avLst/>
+              </a:prstGeom>
+              <a:blipFill>
+                <a:blip r:embed="rId10"/>
+                <a:stretch>
+                  <a:fillRect/>
+                </a:stretch>
+              </a:blipFill>
+            </p:spPr>
+            <p:txBody>
+              <a:bodyPr/>
+              <a:lstStyle/>
+              <a:p>
+                <a:r>
+                  <a:rPr lang="ja-JP" altLang="en-US">
+                    <a:noFill/>
+                  </a:rPr>
+                  <a:t> </a:t>
+                </a:r>
+              </a:p>
+            </p:txBody>
+          </p:sp>
+        </mc:Fallback>
+      </mc:AlternateContent>
+      <mc:AlternateContent xmlns:mc="http://schemas.openxmlformats.org/markup-compatibility/2006">
+        <mc:Choice xmlns:a14="http://schemas.microsoft.com/office/drawing/2010/main" Requires="a14">
+          <p:sp>
+            <p:nvSpPr>
+              <p:cNvPr id="52" name="テキスト ボックス 51"/>
+              <p:cNvSpPr txBox="1"/>
+              <p:nvPr/>
+            </p:nvSpPr>
+            <p:spPr>
+              <a:xfrm>
+                <a:off x="3433115" y="5369040"/>
+                <a:ext cx="917879" cy="276999"/>
+              </a:xfrm>
+              <a:prstGeom prst="rect">
+                <a:avLst/>
+              </a:prstGeom>
+              <a:noFill/>
+            </p:spPr>
+            <p:txBody>
+              <a:bodyPr wrap="none" lIns="0" tIns="0" rIns="0" bIns="0" rtlCol="0">
+                <a:spAutoFit/>
+              </a:bodyPr>
+              <a:lstStyle/>
+              <a:p>
+                <a:pPr lvl="0" algn="ctr"/>
+                <a14:m>
+                  <m:oMathPara xmlns:m="http://schemas.openxmlformats.org/officeDocument/2006/math">
+                    <m:oMathParaPr>
+                      <m:jc m:val="centerGroup"/>
+                    </m:oMathParaPr>
+                    <m:oMath xmlns:m="http://schemas.openxmlformats.org/officeDocument/2006/math">
+                      <m:r>
+                        <a:rPr lang="en-US" altLang="ja-JP" i="1">
+                          <a:solidFill>
+                            <a:prstClr val="black"/>
+                          </a:solidFill>
+                          <a:latin typeface="Cambria Math" panose="02040503050406030204" pitchFamily="18" charset="0"/>
+                          <a:ea typeface="Cambria Math" panose="02040503050406030204" pitchFamily="18" charset="0"/>
+                        </a:rPr>
+                        <m:t>𝐸</m:t>
+                      </m:r>
+                      <m:r>
+                        <a:rPr lang="en-US" altLang="ja-JP" b="0" i="1" smtClean="0">
+                          <a:solidFill>
+                            <a:prstClr val="black"/>
+                          </a:solidFill>
+                          <a:latin typeface="Cambria Math" panose="02040503050406030204" pitchFamily="18" charset="0"/>
+                          <a:ea typeface="Cambria Math" panose="02040503050406030204" pitchFamily="18" charset="0"/>
+                        </a:rPr>
+                        <m:t>−</m:t>
+                      </m:r>
+                      <m:r>
+                        <a:rPr lang="en-US" altLang="ja-JP" i="1">
+                          <a:solidFill>
+                            <a:prstClr val="black"/>
+                          </a:solidFill>
+                          <a:latin typeface="Cambria Math" panose="02040503050406030204" pitchFamily="18" charset="0"/>
+                          <a:ea typeface="Cambria Math" panose="02040503050406030204" pitchFamily="18" charset="0"/>
+                        </a:rPr>
+                        <m:t>ℏ</m:t>
+                      </m:r>
+                      <m:sSub>
+                        <m:sSubPr>
+                          <m:ctrlPr>
+                            <a:rPr lang="en-US" altLang="ja-JP" i="1">
+                              <a:solidFill>
+                                <a:prstClr val="black"/>
+                              </a:solidFill>
+                              <a:latin typeface="Cambria Math" panose="02040503050406030204" pitchFamily="18" charset="0"/>
+                              <a:ea typeface="Cambria Math" panose="02040503050406030204" pitchFamily="18" charset="0"/>
+                            </a:rPr>
+                          </m:ctrlPr>
+                        </m:sSubPr>
+                        <m:e>
+                          <m:r>
+                            <a:rPr lang="ja-JP" altLang="en-US" i="1">
+                              <a:solidFill>
+                                <a:prstClr val="black"/>
+                              </a:solidFill>
+                              <a:latin typeface="Cambria Math" panose="02040503050406030204" pitchFamily="18" charset="0"/>
+                              <a:ea typeface="Cambria Math" panose="02040503050406030204" pitchFamily="18" charset="0"/>
+                            </a:rPr>
+                            <m:t>𝜔</m:t>
+                          </m:r>
+                        </m:e>
+                        <m:sub>
+                          <m:r>
+                            <a:rPr lang="en-US" altLang="ja-JP" i="1">
+                              <a:solidFill>
+                                <a:prstClr val="black"/>
+                              </a:solidFill>
+                              <a:latin typeface="Cambria Math" panose="02040503050406030204" pitchFamily="18" charset="0"/>
+                              <a:ea typeface="Cambria Math" panose="02040503050406030204" pitchFamily="18" charset="0"/>
+                            </a:rPr>
+                            <m:t>0</m:t>
+                          </m:r>
+                        </m:sub>
+                      </m:sSub>
+                    </m:oMath>
+                  </m:oMathPara>
+                </a14:m>
+                <a:endParaRPr lang="ja-JP" altLang="en-US">
+                  <a:solidFill>
+                    <a:prstClr val="black"/>
+                  </a:solidFill>
+                </a:endParaRPr>
+              </a:p>
+            </p:txBody>
+          </p:sp>
+        </mc:Choice>
+        <mc:Fallback>
+          <p:sp>
+            <p:nvSpPr>
+              <p:cNvPr id="52" name="テキスト ボックス 51"/>
+              <p:cNvSpPr txBox="1">
+                <a:spLocks noRot="1" noChangeAspect="1" noMove="1" noResize="1" noEditPoints="1" noAdjustHandles="1" noChangeArrowheads="1" noChangeShapeType="1" noTextEdit="1"/>
+              </p:cNvSpPr>
+              <p:nvPr/>
+            </p:nvSpPr>
+            <p:spPr>
+              <a:xfrm>
+                <a:off x="3433115" y="5369040"/>
+                <a:ext cx="917879" cy="276999"/>
+              </a:xfrm>
+              <a:prstGeom prst="rect">
+                <a:avLst/>
+              </a:prstGeom>
+              <a:blipFill>
+                <a:blip r:embed="rId11"/>
+                <a:stretch>
+                  <a:fillRect l="-8609" t="-4444" b="-11111"/>
+                </a:stretch>
+              </a:blipFill>
+            </p:spPr>
+            <p:txBody>
+              <a:bodyPr/>
+              <a:lstStyle/>
+              <a:p>
+                <a:r>
+                  <a:rPr lang="ja-JP" altLang="en-US">
+                    <a:noFill/>
+                  </a:rPr>
+                  <a:t> </a:t>
+                </a:r>
+              </a:p>
+            </p:txBody>
+          </p:sp>
+        </mc:Fallback>
+      </mc:AlternateContent>
+      <mc:AlternateContent xmlns:mc="http://schemas.openxmlformats.org/markup-compatibility/2006">
+        <mc:Choice xmlns:a14="http://schemas.microsoft.com/office/drawing/2010/main" Requires="a14">
+          <p:sp>
+            <p:nvSpPr>
+              <p:cNvPr id="53" name="正方形/長方形 52"/>
+              <p:cNvSpPr/>
+              <p:nvPr/>
+            </p:nvSpPr>
+            <p:spPr>
+              <a:xfrm>
+                <a:off x="3405724" y="4384116"/>
+                <a:ext cx="441531" cy="400110"/>
+              </a:xfrm>
+              <a:prstGeom prst="rect">
+                <a:avLst/>
+              </a:prstGeom>
+            </p:spPr>
+            <p:txBody>
+              <a:bodyPr wrap="none">
+                <a:spAutoFit/>
+              </a:bodyPr>
+              <a:lstStyle/>
+              <a:p>
+                <a:pPr lvl="0"/>
+                <a14:m>
+                  <m:oMathPara xmlns:m="http://schemas.openxmlformats.org/officeDocument/2006/math">
+                    <m:oMathParaPr>
+                      <m:jc m:val="centerGroup"/>
+                    </m:oMathParaPr>
+                    <m:oMath xmlns:m="http://schemas.openxmlformats.org/officeDocument/2006/math">
+                      <m:r>
+                        <a:rPr lang="en-US" altLang="ja-JP" sz="2000" b="0" i="1" smtClean="0">
+                          <a:solidFill>
+                            <a:prstClr val="black"/>
+                          </a:solidFill>
+                          <a:latin typeface="Cambria Math" panose="02040503050406030204" pitchFamily="18" charset="0"/>
+                          <a:ea typeface="Cambria Math" panose="02040503050406030204" pitchFamily="18" charset="0"/>
+                        </a:rPr>
+                        <m:t>𝐸</m:t>
+                      </m:r>
+                    </m:oMath>
+                  </m:oMathPara>
+                </a14:m>
+                <a:endParaRPr lang="ja-JP" altLang="en-US" sz="2000">
+                  <a:solidFill>
+                    <a:prstClr val="black"/>
+                  </a:solidFill>
+                </a:endParaRPr>
+              </a:p>
+            </p:txBody>
+          </p:sp>
+        </mc:Choice>
+        <mc:Fallback>
+          <p:sp>
+            <p:nvSpPr>
+              <p:cNvPr id="53" name="正方形/長方形 52"/>
+              <p:cNvSpPr>
+                <a:spLocks noRot="1" noChangeAspect="1" noMove="1" noResize="1" noEditPoints="1" noAdjustHandles="1" noChangeArrowheads="1" noChangeShapeType="1" noTextEdit="1"/>
+              </p:cNvSpPr>
+              <p:nvPr/>
+            </p:nvSpPr>
+            <p:spPr>
+              <a:xfrm>
+                <a:off x="3405724" y="4384116"/>
+                <a:ext cx="441531" cy="400110"/>
+              </a:xfrm>
+              <a:prstGeom prst="rect">
+                <a:avLst/>
+              </a:prstGeom>
+              <a:blipFill>
+                <a:blip r:embed="rId12"/>
+                <a:stretch>
+                  <a:fillRect/>
+                </a:stretch>
+              </a:blipFill>
+            </p:spPr>
+            <p:txBody>
+              <a:bodyPr/>
+              <a:lstStyle/>
+              <a:p>
+                <a:r>
+                  <a:rPr lang="ja-JP" altLang="en-US">
+                    <a:noFill/>
+                  </a:rPr>
+                  <a:t> </a:t>
+                </a:r>
+              </a:p>
+            </p:txBody>
+          </p:sp>
+        </mc:Fallback>
+      </mc:AlternateContent>
+      <mc:AlternateContent xmlns:mc="http://schemas.openxmlformats.org/markup-compatibility/2006">
+        <mc:Choice xmlns:a14="http://schemas.microsoft.com/office/drawing/2010/main" Requires="a14">
+          <p:sp>
+            <p:nvSpPr>
+              <p:cNvPr id="54" name="テキスト ボックス 53"/>
+              <p:cNvSpPr txBox="1"/>
+              <p:nvPr/>
+            </p:nvSpPr>
+            <p:spPr>
+              <a:xfrm>
+                <a:off x="1069602" y="5484648"/>
+                <a:ext cx="851965" cy="276999"/>
+              </a:xfrm>
+              <a:prstGeom prst="rect">
+                <a:avLst/>
+              </a:prstGeom>
+              <a:noFill/>
+            </p:spPr>
+            <p:txBody>
+              <a:bodyPr wrap="none" lIns="0" tIns="0" rIns="0" bIns="0" rtlCol="0">
+                <a:spAutoFit/>
+              </a:bodyPr>
+              <a:lstStyle/>
+              <a:p>
+                <a14:m>
+                  <m:oMathPara xmlns:m="http://schemas.openxmlformats.org/officeDocument/2006/math">
+                    <m:oMathParaPr>
+                      <m:jc m:val="centerGroup"/>
+                    </m:oMathParaPr>
+                    <m:oMath xmlns:m="http://schemas.openxmlformats.org/officeDocument/2006/math">
+                      <m:r>
+                        <a:rPr kumimoji="1" lang="en-US" altLang="ja-JP" b="0" i="1" smtClean="0">
+                          <a:latin typeface="Cambria Math" panose="02040503050406030204" pitchFamily="18" charset="0"/>
+                        </a:rPr>
+                        <m:t>𝑝h𝑜𝑛𝑜𝑛</m:t>
+                      </m:r>
+                    </m:oMath>
+                  </m:oMathPara>
+                </a14:m>
+                <a:endParaRPr kumimoji="1" lang="ja-JP" altLang="en-US"/>
+              </a:p>
+            </p:txBody>
+          </p:sp>
+        </mc:Choice>
+        <mc:Fallback>
+          <p:sp>
+            <p:nvSpPr>
+              <p:cNvPr id="54" name="テキスト ボックス 53"/>
+              <p:cNvSpPr txBox="1">
+                <a:spLocks noRot="1" noChangeAspect="1" noMove="1" noResize="1" noEditPoints="1" noAdjustHandles="1" noChangeArrowheads="1" noChangeShapeType="1" noTextEdit="1"/>
+              </p:cNvSpPr>
+              <p:nvPr/>
+            </p:nvSpPr>
+            <p:spPr>
+              <a:xfrm>
+                <a:off x="1069602" y="5484648"/>
+                <a:ext cx="851965" cy="276999"/>
+              </a:xfrm>
+              <a:prstGeom prst="rect">
+                <a:avLst/>
+              </a:prstGeom>
+              <a:blipFill>
+                <a:blip r:embed="rId13"/>
+                <a:stretch>
+                  <a:fillRect l="-7857" t="-8889" r="-7857" b="-31111"/>
+                </a:stretch>
+              </a:blipFill>
+            </p:spPr>
+            <p:txBody>
+              <a:bodyPr/>
+              <a:lstStyle/>
+              <a:p>
+                <a:r>
+                  <a:rPr lang="ja-JP" altLang="en-US">
+                    <a:noFill/>
+                  </a:rPr>
+                  <a:t> </a:t>
+                </a:r>
+              </a:p>
+            </p:txBody>
+          </p:sp>
+        </mc:Fallback>
+      </mc:AlternateContent>
+      <p:sp>
+        <p:nvSpPr>
+          <p:cNvPr id="55" name="楕円 54"/>
+          <p:cNvSpPr/>
+          <p:nvPr/>
+        </p:nvSpPr>
+        <p:spPr>
+          <a:xfrm>
+            <a:off x="4294900" y="6038646"/>
+            <a:ext cx="188015" cy="179625"/>
+          </a:xfrm>
+          <a:prstGeom prst="ellipse">
+            <a:avLst/>
+          </a:prstGeom>
+          <a:solidFill>
+            <a:srgbClr val="0070C0"/>
+          </a:solidFill>
+        </p:spPr>
+        <p:style>
+          <a:lnRef idx="2">
+            <a:schemeClr val="accent1">
+              <a:shade val="50000"/>
+            </a:schemeClr>
+          </a:lnRef>
+          <a:fillRef idx="1">
+            <a:schemeClr val="accent1"/>
+          </a:fillRef>
+          <a:effectRef idx="0">
+            <a:schemeClr val="accent1"/>
+          </a:effectRef>
+          <a:fontRef idx="minor">
+            <a:schemeClr val="lt1"/>
+          </a:fontRef>
+        </p:style>
+        <p:txBody>
+          <a:bodyPr rtlCol="0" anchor="ctr"/>
+          <a:lstStyle/>
+          <a:p>
+            <a:pPr algn="ctr"/>
+            <a:endParaRPr kumimoji="1" lang="ja-JP" altLang="en-US"/>
+          </a:p>
+        </p:txBody>
+      </p:sp>
+      <p:sp>
+        <p:nvSpPr>
+          <p:cNvPr id="56" name="楕円 55"/>
+          <p:cNvSpPr/>
+          <p:nvPr/>
+        </p:nvSpPr>
+        <p:spPr>
+          <a:xfrm>
+            <a:off x="4294900" y="4382562"/>
+            <a:ext cx="188015" cy="179625"/>
+          </a:xfrm>
+          <a:prstGeom prst="ellipse">
+            <a:avLst/>
+          </a:prstGeom>
+          <a:noFill/>
+        </p:spPr>
+        <p:style>
+          <a:lnRef idx="2">
+            <a:schemeClr val="accent1">
+              <a:shade val="50000"/>
+            </a:schemeClr>
+          </a:lnRef>
+          <a:fillRef idx="1">
+            <a:schemeClr val="accent1"/>
+          </a:fillRef>
+          <a:effectRef idx="0">
+            <a:schemeClr val="accent1"/>
+          </a:effectRef>
+          <a:fontRef idx="minor">
+            <a:schemeClr val="lt1"/>
+          </a:fontRef>
+        </p:style>
+        <p:txBody>
+          <a:bodyPr rtlCol="0" anchor="ctr"/>
+          <a:lstStyle/>
+          <a:p>
+            <a:pPr algn="ctr"/>
+            <a:endParaRPr kumimoji="1" lang="ja-JP" altLang="en-US"/>
+          </a:p>
+        </p:txBody>
+      </p:sp>
+      <mc:AlternateContent xmlns:mc="http://schemas.openxmlformats.org/markup-compatibility/2006">
+        <mc:Choice xmlns:a14="http://schemas.microsoft.com/office/drawing/2010/main" Requires="a14">
+          <p:sp>
+            <p:nvSpPr>
+              <p:cNvPr id="57" name="テキスト ボックス 56"/>
+              <p:cNvSpPr txBox="1"/>
+              <p:nvPr/>
+            </p:nvSpPr>
+            <p:spPr>
+              <a:xfrm>
+                <a:off x="1659247" y="5951083"/>
+                <a:ext cx="2205412" cy="659796"/>
+              </a:xfrm>
+              <a:prstGeom prst="rect">
+                <a:avLst/>
+              </a:prstGeom>
+              <a:noFill/>
+            </p:spPr>
+            <p:txBody>
+              <a:bodyPr wrap="none" rtlCol="0">
+                <a:spAutoFit/>
+              </a:bodyPr>
+              <a:lstStyle/>
+              <a:p>
+                <a14:m>
+                  <m:oMathPara xmlns:m="http://schemas.openxmlformats.org/officeDocument/2006/math">
+                    <m:oMathParaPr>
+                      <m:jc m:val="centerGroup"/>
+                    </m:oMathParaPr>
+                    <m:oMath xmlns:m="http://schemas.openxmlformats.org/officeDocument/2006/math">
+                      <m:sSub>
+                        <m:sSubPr>
+                          <m:ctrlPr>
+                            <a:rPr kumimoji="1" lang="en-US" altLang="ja-JP" b="0" i="1" smtClean="0">
+                              <a:latin typeface="Cambria Math" panose="02040503050406030204" pitchFamily="18" charset="0"/>
+                            </a:rPr>
+                          </m:ctrlPr>
+                        </m:sSubPr>
+                        <m:e>
+                          <m:r>
+                            <a:rPr kumimoji="1" lang="en-US" altLang="ja-JP" b="0" i="1" smtClean="0">
+                              <a:latin typeface="Cambria Math" panose="02040503050406030204" pitchFamily="18" charset="0"/>
+                            </a:rPr>
+                            <m:t>𝑃</m:t>
+                          </m:r>
+                        </m:e>
+                        <m:sub>
+                          <m:r>
+                            <a:rPr kumimoji="1" lang="en-US" altLang="ja-JP" b="0" i="1" smtClean="0">
+                              <a:latin typeface="Cambria Math" panose="02040503050406030204" pitchFamily="18" charset="0"/>
+                            </a:rPr>
+                            <m:t>𝐸𝑚𝑖𝑠</m:t>
+                          </m:r>
+                        </m:sub>
+                      </m:sSub>
+                      <m:r>
+                        <a:rPr kumimoji="1" lang="en-US" altLang="ja-JP" b="0" i="1" smtClean="0">
+                          <a:latin typeface="Cambria Math" panose="02040503050406030204" pitchFamily="18" charset="0"/>
+                        </a:rPr>
+                        <m:t>=</m:t>
+                      </m:r>
+                      <m:f>
+                        <m:fPr>
+                          <m:ctrlPr>
+                            <a:rPr kumimoji="1" lang="en-US" altLang="ja-JP" b="0" i="1" smtClean="0">
+                              <a:latin typeface="Cambria Math" panose="02040503050406030204" pitchFamily="18" charset="0"/>
+                            </a:rPr>
+                          </m:ctrlPr>
+                        </m:fPr>
+                        <m:num>
+                          <m:r>
+                            <a:rPr kumimoji="1" lang="en-US" altLang="ja-JP" b="0" i="1" smtClean="0">
+                              <a:latin typeface="Cambria Math" panose="02040503050406030204" pitchFamily="18" charset="0"/>
+                            </a:rPr>
+                            <m:t>1</m:t>
+                          </m:r>
+                        </m:num>
+                        <m:den>
+                          <m:sSub>
+                            <m:sSubPr>
+                              <m:ctrlPr>
+                                <a:rPr kumimoji="1" lang="en-US" altLang="ja-JP" b="0" i="1" smtClean="0">
+                                  <a:latin typeface="Cambria Math" panose="02040503050406030204" pitchFamily="18" charset="0"/>
+                                </a:rPr>
+                              </m:ctrlPr>
+                            </m:sSubPr>
+                            <m:e>
+                              <m:r>
+                                <a:rPr kumimoji="1" lang="ja-JP" altLang="en-US" b="0" i="1" smtClean="0">
+                                  <a:latin typeface="Cambria Math" panose="02040503050406030204" pitchFamily="18" charset="0"/>
+                                </a:rPr>
+                                <m:t>𝜏</m:t>
+                              </m:r>
+                            </m:e>
+                            <m:sub>
+                              <m:r>
+                                <a:rPr kumimoji="1" lang="en-US" altLang="ja-JP" b="0" i="1" smtClean="0">
+                                  <a:latin typeface="Cambria Math" panose="02040503050406030204" pitchFamily="18" charset="0"/>
+                                </a:rPr>
+                                <m:t>0</m:t>
+                              </m:r>
+                            </m:sub>
+                          </m:sSub>
+                        </m:den>
+                      </m:f>
+                      <m:sSub>
+                        <m:sSubPr>
+                          <m:ctrlPr>
+                            <a:rPr kumimoji="1" lang="en-US" altLang="ja-JP" b="0" i="1" smtClean="0">
+                              <a:latin typeface="Cambria Math" panose="02040503050406030204" pitchFamily="18" charset="0"/>
+                            </a:rPr>
+                          </m:ctrlPr>
+                        </m:sSubPr>
+                        <m:e>
+                          <m:r>
+                            <a:rPr kumimoji="1" lang="en-US" altLang="ja-JP" b="0" i="1" smtClean="0">
+                              <a:latin typeface="Cambria Math" panose="02040503050406030204" pitchFamily="18" charset="0"/>
+                            </a:rPr>
+                            <m:t>(1+</m:t>
+                          </m:r>
+                          <m:r>
+                            <a:rPr kumimoji="1" lang="en-US" altLang="ja-JP" b="0" i="1" smtClean="0">
+                              <a:latin typeface="Cambria Math" panose="02040503050406030204" pitchFamily="18" charset="0"/>
+                            </a:rPr>
+                            <m:t>𝑁</m:t>
+                          </m:r>
+                        </m:e>
+                        <m:sub>
+                          <m:r>
+                            <a:rPr kumimoji="1" lang="en-US" altLang="ja-JP" b="0" i="1" smtClean="0">
+                              <a:latin typeface="Cambria Math" panose="02040503050406030204" pitchFamily="18" charset="0"/>
+                            </a:rPr>
+                            <m:t>0</m:t>
+                          </m:r>
+                        </m:sub>
+                      </m:sSub>
+                      <m:r>
+                        <a:rPr kumimoji="1" lang="en-US" altLang="ja-JP" b="0" i="1" smtClean="0">
+                          <a:latin typeface="Cambria Math" panose="02040503050406030204" pitchFamily="18" charset="0"/>
+                        </a:rPr>
+                        <m:t>)</m:t>
+                      </m:r>
+                    </m:oMath>
+                  </m:oMathPara>
+                </a14:m>
+                <a:endParaRPr kumimoji="1" lang="ja-JP" altLang="en-US"/>
+              </a:p>
+            </p:txBody>
+          </p:sp>
+        </mc:Choice>
+        <mc:Fallback>
+          <p:sp>
+            <p:nvSpPr>
+              <p:cNvPr id="57" name="テキスト ボックス 56"/>
+              <p:cNvSpPr txBox="1">
+                <a:spLocks noRot="1" noChangeAspect="1" noMove="1" noResize="1" noEditPoints="1" noAdjustHandles="1" noChangeArrowheads="1" noChangeShapeType="1" noTextEdit="1"/>
+              </p:cNvSpPr>
+              <p:nvPr/>
+            </p:nvSpPr>
+            <p:spPr>
+              <a:xfrm>
+                <a:off x="1659247" y="5951083"/>
+                <a:ext cx="2205412" cy="659796"/>
+              </a:xfrm>
+              <a:prstGeom prst="rect">
+                <a:avLst/>
+              </a:prstGeom>
+              <a:blipFill>
+                <a:blip r:embed="rId14"/>
+                <a:stretch>
+                  <a:fillRect/>
+                </a:stretch>
+              </a:blipFill>
+            </p:spPr>
+            <p:txBody>
+              <a:bodyPr/>
+              <a:lstStyle/>
+              <a:p>
+                <a:r>
+                  <a:rPr lang="ja-JP" altLang="en-US">
+                    <a:noFill/>
+                  </a:rPr>
+                  <a:t> </a:t>
+                </a:r>
+              </a:p>
+            </p:txBody>
+          </p:sp>
+        </mc:Fallback>
+      </mc:AlternateContent>
+      <mc:AlternateContent xmlns:mc="http://schemas.openxmlformats.org/markup-compatibility/2006">
+        <mc:Choice xmlns:a14="http://schemas.microsoft.com/office/drawing/2010/main" Requires="a14">
+          <p:sp>
+            <p:nvSpPr>
+              <p:cNvPr id="60" name="正方形/長方形 59"/>
+              <p:cNvSpPr/>
+              <p:nvPr/>
+            </p:nvSpPr>
+            <p:spPr>
+              <a:xfrm>
+                <a:off x="224170" y="4142596"/>
+                <a:ext cx="1384482" cy="369332"/>
+              </a:xfrm>
+              <a:prstGeom prst="rect">
+                <a:avLst/>
+              </a:prstGeom>
+            </p:spPr>
+            <p:txBody>
+              <a:bodyPr wrap="none">
+                <a:spAutoFit/>
+              </a:bodyPr>
+              <a:lstStyle/>
+              <a:p>
+                <a:pPr/>
+                <a14:m>
+                  <m:oMathPara xmlns:m="http://schemas.openxmlformats.org/officeDocument/2006/math">
+                    <m:oMathParaPr>
+                      <m:jc m:val="centerGroup"/>
+                    </m:oMathParaPr>
+                    <m:oMath xmlns:m="http://schemas.openxmlformats.org/officeDocument/2006/math">
+                      <m:r>
+                        <a:rPr lang="en-US" altLang="ja-JP" i="1" smtClean="0">
+                          <a:latin typeface="Cambria Math" panose="02040503050406030204" pitchFamily="18" charset="0"/>
+                        </a:rPr>
+                        <m:t>[</m:t>
+                      </m:r>
+                      <m:r>
+                        <a:rPr lang="en-US" altLang="ja-JP" b="0" i="1" smtClean="0">
+                          <a:latin typeface="Cambria Math" panose="02040503050406030204" pitchFamily="18" charset="0"/>
+                        </a:rPr>
+                        <m:t>𝐸𝑚𝑖𝑠𝑠𝑖𝑜𝑛</m:t>
+                      </m:r>
+                      <m:r>
+                        <a:rPr lang="en-US" altLang="ja-JP" i="1">
+                          <a:latin typeface="Cambria Math" panose="02040503050406030204" pitchFamily="18" charset="0"/>
+                        </a:rPr>
+                        <m:t>]</m:t>
+                      </m:r>
+                    </m:oMath>
+                  </m:oMathPara>
+                </a14:m>
+                <a:endParaRPr lang="ja-JP" altLang="en-US"/>
+              </a:p>
+            </p:txBody>
+          </p:sp>
+        </mc:Choice>
+        <mc:Fallback>
+          <p:sp>
+            <p:nvSpPr>
+              <p:cNvPr id="60" name="正方形/長方形 59"/>
+              <p:cNvSpPr>
+                <a:spLocks noRot="1" noChangeAspect="1" noMove="1" noResize="1" noEditPoints="1" noAdjustHandles="1" noChangeArrowheads="1" noChangeShapeType="1" noTextEdit="1"/>
+              </p:cNvSpPr>
+              <p:nvPr/>
+            </p:nvSpPr>
+            <p:spPr>
+              <a:xfrm>
+                <a:off x="224170" y="4142596"/>
+                <a:ext cx="1384482" cy="369332"/>
+              </a:xfrm>
+              <a:prstGeom prst="rect">
+                <a:avLst/>
+              </a:prstGeom>
+              <a:blipFill>
+                <a:blip r:embed="rId15"/>
+                <a:stretch>
+                  <a:fillRect b="-13333"/>
+                </a:stretch>
+              </a:blipFill>
+            </p:spPr>
+            <p:txBody>
+              <a:bodyPr/>
+              <a:lstStyle/>
+              <a:p>
+                <a:r>
+                  <a:rPr lang="ja-JP" altLang="en-US">
+                    <a:noFill/>
+                  </a:rPr>
+                  <a:t> </a:t>
+                </a:r>
+              </a:p>
+            </p:txBody>
+          </p:sp>
+        </mc:Fallback>
+      </mc:AlternateContent>
     </p:spTree>
     <p:extLst>
       <p:ext uri="{BB962C8B-B14F-4D97-AF65-F5344CB8AC3E}">
@@ -7815,7 +10759,7 @@
 </p:sld>
 </file>
 
-<file path=ppt/slides/slide8.xml><?xml version="1.0" encoding="utf-8"?>
+<file path=ppt/slides/slide9.xml><?xml version="1.0" encoding="utf-8"?>
 <p:sld xmlns:a="http://schemas.openxmlformats.org/drawingml/2006/main" xmlns:r="http://schemas.openxmlformats.org/officeDocument/2006/relationships" xmlns:p="http://schemas.openxmlformats.org/presentationml/2006/main">
   <p:cSld>
     <p:spTree>
@@ -7849,7 +10793,7 @@
           <a:p>
             <a:fld id="{7150E25F-B8C9-4ED1-8626-95CB18EC23DC}" type="slidenum">
               <a:rPr kumimoji="1" lang="ja-JP" altLang="en-US" smtClean="0"/>
-              <a:t>8</a:t>
+              <a:t>9</a:t>
             </a:fld>
             <a:endParaRPr kumimoji="1" lang="ja-JP" altLang="en-US"/>
           </a:p>
@@ -7935,464 +10879,21 @@
           <a:lstStyle/>
           <a:p>
             <a:r>
-              <a:rPr kumimoji="1" lang="en-US" altLang="ja-JP" smtClean="0"/>
-              <a:t>Consider degeneracy effect</a:t>
+              <a:rPr lang="en-US" altLang="ja-JP"/>
+              <a:t>Phonon </a:t>
+            </a:r>
+            <a:r>
+              <a:rPr lang="en-US" altLang="ja-JP" smtClean="0"/>
+              <a:t>scattering : Simulation</a:t>
             </a:r>
             <a:endParaRPr kumimoji="1" lang="ja-JP" altLang="en-US"/>
           </a:p>
         </p:txBody>
       </p:sp>
-      <p:sp>
-        <p:nvSpPr>
-          <p:cNvPr id="7" name="テキスト ボックス 6"/>
-          <p:cNvSpPr txBox="1"/>
-          <p:nvPr/>
-        </p:nvSpPr>
-        <p:spPr>
-          <a:xfrm>
-            <a:off x="0" y="1470991"/>
-            <a:ext cx="11604010" cy="461665"/>
-          </a:xfrm>
-          <a:prstGeom prst="rect">
-            <a:avLst/>
-          </a:prstGeom>
-          <a:noFill/>
-        </p:spPr>
-        <p:txBody>
-          <a:bodyPr wrap="none" rtlCol="0">
-            <a:spAutoFit/>
-          </a:bodyPr>
-          <a:lstStyle/>
-          <a:p>
-            <a:pPr marL="285750" indent="-285750">
-              <a:buFont typeface="Arial" panose="020B0604020202020204" pitchFamily="34" charset="0"/>
-              <a:buChar char="•"/>
-            </a:pPr>
-            <a:r>
-              <a:rPr lang="en-US" altLang="ja-JP" sz="2400"/>
-              <a:t>Calculate the distribution function from the number of particles in the grid</a:t>
-            </a:r>
-            <a:endParaRPr kumimoji="1" lang="ja-JP" altLang="en-US" sz="2400"/>
-          </a:p>
-        </p:txBody>
-      </p:sp>
-      <mc:AlternateContent xmlns:mc="http://schemas.openxmlformats.org/markup-compatibility/2006">
-        <mc:Choice xmlns:a14="http://schemas.microsoft.com/office/drawing/2010/main" Requires="a14">
-          <p:sp>
-            <p:nvSpPr>
-              <p:cNvPr id="10" name="テキスト ボックス 9"/>
-              <p:cNvSpPr txBox="1"/>
-              <p:nvPr/>
-            </p:nvSpPr>
-            <p:spPr>
-              <a:xfrm>
-                <a:off x="2569264" y="2018134"/>
-                <a:ext cx="2488309" cy="404919"/>
-              </a:xfrm>
-              <a:prstGeom prst="rect">
-                <a:avLst/>
-              </a:prstGeom>
-              <a:noFill/>
-            </p:spPr>
-            <p:txBody>
-              <a:bodyPr wrap="none" lIns="0" tIns="0" rIns="0" bIns="0" rtlCol="0">
-                <a:spAutoFit/>
-              </a:bodyPr>
-              <a:lstStyle/>
-              <a:p>
-                <a:pPr/>
-                <a14:m>
-                  <m:oMathPara xmlns:m="http://schemas.openxmlformats.org/officeDocument/2006/math">
-                    <m:oMathParaPr>
-                      <m:jc m:val="centerGroup"/>
-                    </m:oMathParaPr>
-                    <m:oMath xmlns:m="http://schemas.openxmlformats.org/officeDocument/2006/math">
-                      <m:r>
-                        <a:rPr kumimoji="1" lang="en-US" altLang="ja-JP" sz="2400" b="0" i="1" smtClean="0">
-                          <a:latin typeface="Cambria Math" panose="02040503050406030204" pitchFamily="18" charset="0"/>
-                        </a:rPr>
-                        <m:t>𝑓</m:t>
-                      </m:r>
-                      <m:d>
-                        <m:dPr>
-                          <m:ctrlPr>
-                            <a:rPr kumimoji="1" lang="en-US" altLang="ja-JP" sz="2400" b="0" i="1" smtClean="0">
-                              <a:latin typeface="Cambria Math" panose="02040503050406030204" pitchFamily="18" charset="0"/>
-                            </a:rPr>
-                          </m:ctrlPr>
-                        </m:dPr>
-                        <m:e>
-                          <m:r>
-                            <a:rPr kumimoji="1" lang="en-US" altLang="ja-JP" sz="2400" b="0" i="1" smtClean="0">
-                              <a:latin typeface="Cambria Math" panose="02040503050406030204" pitchFamily="18" charset="0"/>
-                            </a:rPr>
-                            <m:t>𝑘</m:t>
-                          </m:r>
-                        </m:e>
-                      </m:d>
-                      <m:r>
-                        <a:rPr kumimoji="1" lang="en-US" altLang="ja-JP" sz="2400" b="0" i="1" smtClean="0">
-                          <a:latin typeface="Cambria Math" panose="02040503050406030204" pitchFamily="18" charset="0"/>
-                        </a:rPr>
-                        <m:t>= </m:t>
-                      </m:r>
-                      <m:r>
-                        <a:rPr kumimoji="1" lang="ja-JP" altLang="en-US" sz="2400" b="0" i="1" smtClean="0">
-                          <a:latin typeface="Cambria Math" panose="02040503050406030204" pitchFamily="18" charset="0"/>
-                        </a:rPr>
-                        <m:t>𝛼</m:t>
-                      </m:r>
-                      <m:r>
-                        <a:rPr kumimoji="1" lang="ja-JP" altLang="en-US" sz="2400" b="0" i="1" smtClean="0">
-                          <a:latin typeface="Cambria Math" panose="02040503050406030204" pitchFamily="18" charset="0"/>
-                        </a:rPr>
-                        <m:t>∙</m:t>
-                      </m:r>
-                      <m:sSub>
-                        <m:sSubPr>
-                          <m:ctrlPr>
-                            <a:rPr kumimoji="1" lang="en-US" altLang="ja-JP" sz="2400" b="0" i="1" smtClean="0">
-                              <a:latin typeface="Cambria Math" panose="02040503050406030204" pitchFamily="18" charset="0"/>
-                            </a:rPr>
-                          </m:ctrlPr>
-                        </m:sSubPr>
-                        <m:e>
-                          <m:r>
-                            <a:rPr kumimoji="1" lang="en-US" altLang="ja-JP" sz="2400" b="0" i="1" smtClean="0">
-                              <a:latin typeface="Cambria Math" panose="02040503050406030204" pitchFamily="18" charset="0"/>
-                            </a:rPr>
-                            <m:t>𝑐</m:t>
-                          </m:r>
-                        </m:e>
-                        <m:sub>
-                          <m:r>
-                            <a:rPr kumimoji="1" lang="en-US" altLang="ja-JP" sz="2400" b="0" i="1" smtClean="0">
-                              <a:latin typeface="Cambria Math" panose="02040503050406030204" pitchFamily="18" charset="0"/>
-                            </a:rPr>
-                            <m:t>𝑎𝑑𝑟</m:t>
-                          </m:r>
-                          <m:r>
-                            <a:rPr kumimoji="1" lang="en-US" altLang="ja-JP" sz="2400" b="0" i="1" smtClean="0">
-                              <a:latin typeface="Cambria Math" panose="02040503050406030204" pitchFamily="18" charset="0"/>
-                            </a:rPr>
-                            <m:t>(</m:t>
-                          </m:r>
-                          <m:r>
-                            <a:rPr kumimoji="1" lang="en-US" altLang="ja-JP" sz="2400" b="0" i="1" smtClean="0">
-                              <a:latin typeface="Cambria Math" panose="02040503050406030204" pitchFamily="18" charset="0"/>
-                            </a:rPr>
-                            <m:t>𝑘</m:t>
-                          </m:r>
-                          <m:r>
-                            <a:rPr kumimoji="1" lang="en-US" altLang="ja-JP" sz="2400" b="0" i="1" smtClean="0">
-                              <a:latin typeface="Cambria Math" panose="02040503050406030204" pitchFamily="18" charset="0"/>
-                            </a:rPr>
-                            <m:t>)</m:t>
-                          </m:r>
-                        </m:sub>
-                      </m:sSub>
-                    </m:oMath>
-                  </m:oMathPara>
-                </a14:m>
-                <a:endParaRPr kumimoji="1" lang="ja-JP" altLang="en-US" sz="2400"/>
-              </a:p>
-            </p:txBody>
-          </p:sp>
-        </mc:Choice>
-        <mc:Fallback>
-          <p:sp>
-            <p:nvSpPr>
-              <p:cNvPr id="10" name="テキスト ボックス 9"/>
-              <p:cNvSpPr txBox="1">
-                <a:spLocks noRot="1" noChangeAspect="1" noMove="1" noResize="1" noEditPoints="1" noAdjustHandles="1" noChangeArrowheads="1" noChangeShapeType="1" noTextEdit="1"/>
-              </p:cNvSpPr>
-              <p:nvPr/>
-            </p:nvSpPr>
-            <p:spPr>
-              <a:xfrm>
-                <a:off x="2569264" y="2018134"/>
-                <a:ext cx="2488309" cy="404919"/>
-              </a:xfrm>
-              <a:prstGeom prst="rect">
-                <a:avLst/>
-              </a:prstGeom>
-              <a:blipFill>
-                <a:blip r:embed="rId2"/>
-                <a:stretch>
-                  <a:fillRect l="-3178" r="-1222" b="-27273"/>
-                </a:stretch>
-              </a:blipFill>
-            </p:spPr>
-            <p:txBody>
-              <a:bodyPr/>
-              <a:lstStyle/>
-              <a:p>
-                <a:r>
-                  <a:rPr lang="ja-JP" altLang="en-US">
-                    <a:noFill/>
-                  </a:rPr>
-                  <a:t> </a:t>
-                </a:r>
-              </a:p>
-            </p:txBody>
-          </p:sp>
-        </mc:Fallback>
-      </mc:AlternateContent>
-      <mc:AlternateContent xmlns:mc="http://schemas.openxmlformats.org/markup-compatibility/2006">
-        <mc:Choice xmlns:a14="http://schemas.microsoft.com/office/drawing/2010/main" Requires="a14">
-          <p:sp>
-            <p:nvSpPr>
-              <p:cNvPr id="3" name="正方形/長方形 2"/>
-              <p:cNvSpPr/>
-              <p:nvPr/>
-            </p:nvSpPr>
-            <p:spPr>
-              <a:xfrm>
-                <a:off x="5791402" y="2079914"/>
-                <a:ext cx="5333319" cy="369332"/>
-              </a:xfrm>
-              <a:prstGeom prst="rect">
-                <a:avLst/>
-              </a:prstGeom>
-            </p:spPr>
-            <p:txBody>
-              <a:bodyPr wrap="none">
-                <a:spAutoFit/>
-              </a:bodyPr>
-              <a:lstStyle/>
-              <a:p>
-                <a14:m>
-                  <m:oMath xmlns:m="http://schemas.openxmlformats.org/officeDocument/2006/math">
-                    <m:r>
-                      <a:rPr lang="en-US" altLang="ja-JP" i="1">
-                        <a:latin typeface="Cambria Math" panose="02040503050406030204" pitchFamily="18" charset="0"/>
-                      </a:rPr>
-                      <m:t>𝑎𝑑𝑟</m:t>
-                    </m:r>
-                    <m:d>
-                      <m:dPr>
-                        <m:ctrlPr>
-                          <a:rPr lang="en-US" altLang="ja-JP" i="1">
-                            <a:latin typeface="Cambria Math" panose="02040503050406030204" pitchFamily="18" charset="0"/>
-                          </a:rPr>
-                        </m:ctrlPr>
-                      </m:dPr>
-                      <m:e>
-                        <m:r>
-                          <a:rPr lang="en-US" altLang="ja-JP" i="1">
-                            <a:latin typeface="Cambria Math" panose="02040503050406030204" pitchFamily="18" charset="0"/>
-                          </a:rPr>
-                          <m:t>𝑘</m:t>
-                        </m:r>
-                      </m:e>
-                    </m:d>
-                    <m:r>
-                      <a:rPr lang="en-US" altLang="ja-JP">
-                        <a:latin typeface="Cambria Math" panose="02040503050406030204" pitchFamily="18" charset="0"/>
-                      </a:rPr>
-                      <m:t>: </m:t>
-                    </m:r>
-                  </m:oMath>
-                </a14:m>
-                <a:r>
-                  <a:rPr lang="en-US" altLang="ja-JP"/>
-                  <a:t>Address of the grid to which k belongs</a:t>
-                </a:r>
-                <a:endParaRPr lang="ja-JP" altLang="en-US"/>
-              </a:p>
-            </p:txBody>
-          </p:sp>
-        </mc:Choice>
-        <mc:Fallback>
-          <p:sp>
-            <p:nvSpPr>
-              <p:cNvPr id="3" name="正方形/長方形 2"/>
-              <p:cNvSpPr>
-                <a:spLocks noRot="1" noChangeAspect="1" noMove="1" noResize="1" noEditPoints="1" noAdjustHandles="1" noChangeArrowheads="1" noChangeShapeType="1" noTextEdit="1"/>
-              </p:cNvSpPr>
-              <p:nvPr/>
-            </p:nvSpPr>
-            <p:spPr>
-              <a:xfrm>
-                <a:off x="5791402" y="2079914"/>
-                <a:ext cx="5333319" cy="369332"/>
-              </a:xfrm>
-              <a:prstGeom prst="rect">
-                <a:avLst/>
-              </a:prstGeom>
-              <a:blipFill>
-                <a:blip r:embed="rId3"/>
-                <a:stretch>
-                  <a:fillRect t="-4918" r="-229" b="-27869"/>
-                </a:stretch>
-              </a:blipFill>
-            </p:spPr>
-            <p:txBody>
-              <a:bodyPr/>
-              <a:lstStyle/>
-              <a:p>
-                <a:r>
-                  <a:rPr lang="ja-JP" altLang="en-US">
-                    <a:noFill/>
-                  </a:rPr>
-                  <a:t> </a:t>
-                </a:r>
-              </a:p>
-            </p:txBody>
-          </p:sp>
-        </mc:Fallback>
-      </mc:AlternateContent>
     </p:spTree>
     <p:extLst>
       <p:ext uri="{BB962C8B-B14F-4D97-AF65-F5344CB8AC3E}">
-        <p14:creationId xmlns:p14="http://schemas.microsoft.com/office/powerpoint/2010/main" val="3118675949"/>
-      </p:ext>
-    </p:extLst>
-  </p:cSld>
-  <p:clrMapOvr>
-    <a:masterClrMapping/>
-  </p:clrMapOvr>
-  <p:timing>
-    <p:tnLst>
-      <p:par>
-        <p:cTn id="1" dur="indefinite" restart="never" nodeType="tmRoot"/>
-      </p:par>
-    </p:tnLst>
-  </p:timing>
-</p:sld>
-</file>
-
-<file path=ppt/slides/slide9.xml><?xml version="1.0" encoding="utf-8"?>
-<p:sld xmlns:a="http://schemas.openxmlformats.org/drawingml/2006/main" xmlns:r="http://schemas.openxmlformats.org/officeDocument/2006/relationships" xmlns:p="http://schemas.openxmlformats.org/presentationml/2006/main">
-  <p:cSld>
-    <p:spTree>
-      <p:nvGrpSpPr>
-        <p:cNvPr id="1" name=""/>
-        <p:cNvGrpSpPr/>
-        <p:nvPr/>
-      </p:nvGrpSpPr>
-      <p:grpSpPr>
-        <a:xfrm>
-          <a:off x="0" y="0"/>
-          <a:ext cx="0" cy="0"/>
-          <a:chOff x="0" y="0"/>
-          <a:chExt cx="0" cy="0"/>
-        </a:xfrm>
-      </p:grpSpPr>
-      <p:sp>
-        <p:nvSpPr>
-          <p:cNvPr id="4" name="スライド番号プレースホルダー 3"/>
-          <p:cNvSpPr>
-            <a:spLocks noGrp="1"/>
-          </p:cNvSpPr>
-          <p:nvPr>
-            <p:ph type="sldNum" sz="quarter" idx="12"/>
-          </p:nvPr>
-        </p:nvSpPr>
-        <p:spPr/>
-        <p:txBody>
-          <a:bodyPr/>
-          <a:lstStyle/>
-          <a:p>
-            <a:fld id="{7150E25F-B8C9-4ED1-8626-95CB18EC23DC}" type="slidenum">
-              <a:rPr kumimoji="1" lang="ja-JP" altLang="en-US" smtClean="0"/>
-              <a:t>9</a:t>
-            </a:fld>
-            <a:endParaRPr kumimoji="1" lang="ja-JP" altLang="en-US"/>
-          </a:p>
-        </p:txBody>
-      </p:sp>
-      <p:sp>
-        <p:nvSpPr>
-          <p:cNvPr id="5" name="正方形/長方形 4">
-            <a:extLst>
-              <a:ext uri="{FF2B5EF4-FFF2-40B4-BE49-F238E27FC236}">
-                <a16:creationId xmlns:a16="http://schemas.microsoft.com/office/drawing/2014/main" id="{E5FDB2C6-CC73-4C09-BA37-9683A766E164}"/>
-              </a:ext>
-            </a:extLst>
-          </p:cNvPr>
-          <p:cNvSpPr/>
-          <p:nvPr/>
-        </p:nvSpPr>
-        <p:spPr>
-          <a:xfrm>
-            <a:off x="-1" y="-1"/>
-            <a:ext cx="12192001" cy="1242391"/>
-          </a:xfrm>
-          <a:prstGeom prst="rect">
-            <a:avLst/>
-          </a:prstGeom>
-          <a:solidFill>
-            <a:srgbClr val="00B036">
-              <a:alpha val="72000"/>
-            </a:srgbClr>
-          </a:solidFill>
-          <a:ln>
-            <a:solidFill>
-              <a:schemeClr val="accent1">
-                <a:shade val="50000"/>
-                <a:alpha val="0"/>
-              </a:schemeClr>
-            </a:solidFill>
-          </a:ln>
-        </p:spPr>
-        <p:style>
-          <a:lnRef idx="2">
-            <a:schemeClr val="accent1">
-              <a:shade val="50000"/>
-            </a:schemeClr>
-          </a:lnRef>
-          <a:fillRef idx="1">
-            <a:schemeClr val="accent1"/>
-          </a:fillRef>
-          <a:effectRef idx="0">
-            <a:schemeClr val="accent1"/>
-          </a:effectRef>
-          <a:fontRef idx="minor">
-            <a:schemeClr val="lt1"/>
-          </a:fontRef>
-        </p:style>
-        <p:txBody>
-          <a:bodyPr rtlCol="0" anchor="ctr"/>
-          <a:lstStyle/>
-          <a:p>
-            <a:pPr algn="ctr"/>
-            <a:endParaRPr kumimoji="1" lang="ja-JP" altLang="en-US" dirty="0"/>
-          </a:p>
-        </p:txBody>
-      </p:sp>
-      <p:sp>
-        <p:nvSpPr>
-          <p:cNvPr id="6" name="タイトル 1"/>
-          <p:cNvSpPr>
-            <a:spLocks noGrp="1"/>
-          </p:cNvSpPr>
-          <p:nvPr>
-            <p:ph type="title"/>
-          </p:nvPr>
-        </p:nvSpPr>
-        <p:spPr>
-          <a:xfrm>
-            <a:off x="72887" y="0"/>
-            <a:ext cx="10515600" cy="1325563"/>
-          </a:xfrm>
-        </p:spPr>
-        <p:txBody>
-          <a:bodyPr/>
-          <a:lstStyle/>
-          <a:p>
-            <a:r>
-              <a:rPr kumimoji="1" lang="en-US" altLang="ja-JP" smtClean="0"/>
-              <a:t>Simulation flow</a:t>
-            </a:r>
-            <a:endParaRPr kumimoji="1" lang="ja-JP" altLang="en-US"/>
-          </a:p>
-        </p:txBody>
-      </p:sp>
-    </p:spTree>
-    <p:extLst>
-      <p:ext uri="{BB962C8B-B14F-4D97-AF65-F5344CB8AC3E}">
-        <p14:creationId xmlns:p14="http://schemas.microsoft.com/office/powerpoint/2010/main" val="3424097131"/>
+        <p14:creationId xmlns:p14="http://schemas.microsoft.com/office/powerpoint/2010/main" val="94205701"/>
       </p:ext>
     </p:extLst>
   </p:cSld>

--- a/presentation/kubo_20231129.pptx
+++ b/presentation/kubo_20231129.pptx
@@ -3902,15 +3902,7 @@
           <a:p>
             <a:r>
               <a:rPr kumimoji="1" lang="en-US" altLang="ja-JP" smtClean="0"/>
-              <a:t>Consider </a:t>
-            </a:r>
-            <a:r>
-              <a:rPr kumimoji="1" lang="en-US" altLang="ja-JP" smtClean="0"/>
-              <a:t>Fermi degeneracy </a:t>
-            </a:r>
-            <a:r>
-              <a:rPr kumimoji="1" lang="en-US" altLang="ja-JP" smtClean="0"/>
-              <a:t>effect</a:t>
+              <a:t>Consider Fermi degeneracy effect</a:t>
             </a:r>
             <a:endParaRPr kumimoji="1" lang="ja-JP" altLang="en-US"/>
           </a:p>
@@ -8012,8 +8004,8 @@
           </a:fontRef>
         </p:style>
       </p:cxnSp>
-      <mc:AlternateContent xmlns:mc="http://schemas.openxmlformats.org/markup-compatibility/2006">
-        <mc:Choice xmlns:a14="http://schemas.microsoft.com/office/drawing/2010/main" Requires="a14">
+      <mc:AlternateContent xmlns:mc="http://schemas.openxmlformats.org/markup-compatibility/2006" xmlns:a14="http://schemas.microsoft.com/office/drawing/2010/main">
+        <mc:Choice Requires="a14">
           <p:sp>
             <p:nvSpPr>
               <p:cNvPr id="15" name="テキスト ボックス 14"/>
@@ -8036,6 +8028,7 @@
               </a:bodyPr>
               <a:lstStyle/>
               <a:p>
+                <a:pPr/>
                 <a14:m>
                   <m:oMathPara xmlns:m="http://schemas.openxmlformats.org/officeDocument/2006/math">
                     <m:oMathParaPr>
@@ -8097,7 +8090,7 @@
             </p:txBody>
           </p:sp>
         </mc:Choice>
-        <mc:Fallback>
+        <mc:Fallback xmlns="">
           <p:sp>
             <p:nvSpPr>
               <p:cNvPr id="15" name="テキスト ボックス 14"/>
@@ -8968,8 +8961,8 @@
           </a:p>
         </p:txBody>
       </p:sp>
-      <mc:AlternateContent xmlns:mc="http://schemas.openxmlformats.org/markup-compatibility/2006">
-        <mc:Choice xmlns:a14="http://schemas.microsoft.com/office/drawing/2010/main" Requires="a14">
+      <mc:AlternateContent xmlns:mc="http://schemas.openxmlformats.org/markup-compatibility/2006" xmlns:a14="http://schemas.microsoft.com/office/drawing/2010/main">
+        <mc:Choice Requires="a14">
           <p:sp>
             <p:nvSpPr>
               <p:cNvPr id="28" name="正方形/長方形 27"/>
@@ -8991,6 +8984,7 @@
               </a:bodyPr>
               <a:lstStyle/>
               <a:p>
+                <a:pPr/>
                 <a14:m>
                   <m:oMathPara xmlns:m="http://schemas.openxmlformats.org/officeDocument/2006/math">
                     <m:oMathParaPr>
@@ -9040,7 +9034,7 @@
             </p:txBody>
           </p:sp>
         </mc:Choice>
-        <mc:Fallback>
+        <mc:Fallback xmlns="">
           <p:sp>
             <p:nvSpPr>
               <p:cNvPr id="28" name="正方形/長方形 27"/>
@@ -9079,8 +9073,8 @@
           </p:sp>
         </mc:Fallback>
       </mc:AlternateContent>
-      <mc:AlternateContent xmlns:mc="http://schemas.openxmlformats.org/markup-compatibility/2006">
-        <mc:Choice xmlns:a14="http://schemas.microsoft.com/office/drawing/2010/main" Requires="a14">
+      <mc:AlternateContent xmlns:mc="http://schemas.openxmlformats.org/markup-compatibility/2006" xmlns:a14="http://schemas.microsoft.com/office/drawing/2010/main">
+        <mc:Choice Requires="a14">
           <p:sp>
             <p:nvSpPr>
               <p:cNvPr id="29" name="テキスト ボックス 28"/>
@@ -9124,7 +9118,7 @@
             </p:txBody>
           </p:sp>
         </mc:Choice>
-        <mc:Fallback>
+        <mc:Fallback xmlns="">
           <p:sp>
             <p:nvSpPr>
               <p:cNvPr id="29" name="テキスト ボックス 28"/>
@@ -9163,8 +9157,8 @@
           </p:sp>
         </mc:Fallback>
       </mc:AlternateContent>
-      <mc:AlternateContent xmlns:mc="http://schemas.openxmlformats.org/markup-compatibility/2006">
-        <mc:Choice xmlns:a14="http://schemas.microsoft.com/office/drawing/2010/main" Requires="a14">
+      <mc:AlternateContent xmlns:mc="http://schemas.openxmlformats.org/markup-compatibility/2006" xmlns:a14="http://schemas.microsoft.com/office/drawing/2010/main">
+        <mc:Choice Requires="a14">
           <p:sp>
             <p:nvSpPr>
               <p:cNvPr id="31" name="正方形/長方形 30"/>
@@ -9262,7 +9256,7 @@
             </p:txBody>
           </p:sp>
         </mc:Choice>
-        <mc:Fallback>
+        <mc:Fallback xmlns="">
           <p:sp>
             <p:nvSpPr>
               <p:cNvPr id="31" name="正方形/長方形 30"/>
@@ -9301,8 +9295,8 @@
           </p:sp>
         </mc:Fallback>
       </mc:AlternateContent>
-      <mc:AlternateContent xmlns:mc="http://schemas.openxmlformats.org/markup-compatibility/2006">
-        <mc:Choice xmlns:a14="http://schemas.microsoft.com/office/drawing/2010/main" Requires="a14">
+      <mc:AlternateContent xmlns:mc="http://schemas.openxmlformats.org/markup-compatibility/2006" xmlns:a14="http://schemas.microsoft.com/office/drawing/2010/main">
+        <mc:Choice Requires="a14">
           <p:sp>
             <p:nvSpPr>
               <p:cNvPr id="32" name="テキスト ボックス 31"/>
@@ -9325,6 +9319,7 @@
               </a:bodyPr>
               <a:lstStyle/>
               <a:p>
+                <a:pPr/>
                 <a14:m>
                   <m:oMathPara xmlns:m="http://schemas.openxmlformats.org/officeDocument/2006/math">
                     <m:oMathParaPr>
@@ -9357,7 +9352,7 @@
             </p:txBody>
           </p:sp>
         </mc:Choice>
-        <mc:Fallback>
+        <mc:Fallback xmlns="">
           <p:sp>
             <p:nvSpPr>
               <p:cNvPr id="32" name="テキスト ボックス 31"/>
@@ -9396,8 +9391,8 @@
           </p:sp>
         </mc:Fallback>
       </mc:AlternateContent>
-      <mc:AlternateContent xmlns:mc="http://schemas.openxmlformats.org/markup-compatibility/2006">
-        <mc:Choice xmlns:a14="http://schemas.microsoft.com/office/drawing/2010/main" Requires="a14">
+      <mc:AlternateContent xmlns:mc="http://schemas.openxmlformats.org/markup-compatibility/2006" xmlns:a14="http://schemas.microsoft.com/office/drawing/2010/main">
+        <mc:Choice Requires="a14">
           <p:sp>
             <p:nvSpPr>
               <p:cNvPr id="33" name="テキスト ボックス 32"/>
@@ -9420,6 +9415,7 @@
               </a:bodyPr>
               <a:lstStyle/>
               <a:p>
+                <a:pPr/>
                 <a14:m>
                   <m:oMathPara xmlns:m="http://schemas.openxmlformats.org/officeDocument/2006/math">
                     <m:oMathParaPr>
@@ -9440,7 +9436,7 @@
             </p:txBody>
           </p:sp>
         </mc:Choice>
-        <mc:Fallback>
+        <mc:Fallback xmlns="">
           <p:sp>
             <p:nvSpPr>
               <p:cNvPr id="33" name="テキスト ボックス 32"/>
@@ -9563,8 +9559,8 @@
           </a:p>
         </p:txBody>
       </p:sp>
-      <mc:AlternateContent xmlns:mc="http://schemas.openxmlformats.org/markup-compatibility/2006">
-        <mc:Choice xmlns:a14="http://schemas.microsoft.com/office/drawing/2010/main" Requires="a14">
+      <mc:AlternateContent xmlns:mc="http://schemas.openxmlformats.org/markup-compatibility/2006" xmlns:a14="http://schemas.microsoft.com/office/drawing/2010/main">
+        <mc:Choice Requires="a14">
           <p:sp>
             <p:nvSpPr>
               <p:cNvPr id="37" name="テキスト ボックス 36"/>
@@ -9587,6 +9583,7 @@
               </a:bodyPr>
               <a:lstStyle/>
               <a:p>
+                <a:pPr/>
                 <a14:m>
                   <m:oMathPara xmlns:m="http://schemas.openxmlformats.org/officeDocument/2006/math">
                     <m:oMathParaPr>
@@ -9701,7 +9698,7 @@
             </p:txBody>
           </p:sp>
         </mc:Choice>
-        <mc:Fallback>
+        <mc:Fallback xmlns="">
           <p:sp>
             <p:nvSpPr>
               <p:cNvPr id="37" name="テキスト ボックス 36"/>
@@ -9937,8 +9934,8 @@
           </a:fontRef>
         </p:style>
       </p:cxnSp>
-      <mc:AlternateContent xmlns:mc="http://schemas.openxmlformats.org/markup-compatibility/2006">
-        <mc:Choice xmlns:a14="http://schemas.microsoft.com/office/drawing/2010/main" Requires="a14">
+      <mc:AlternateContent xmlns:mc="http://schemas.openxmlformats.org/markup-compatibility/2006" xmlns:a14="http://schemas.microsoft.com/office/drawing/2010/main">
+        <mc:Choice Requires="a14">
           <p:sp>
             <p:nvSpPr>
               <p:cNvPr id="51" name="正方形/長方形 50"/>
@@ -9960,6 +9957,7 @@
               </a:bodyPr>
               <a:lstStyle/>
               <a:p>
+                <a:pPr/>
                 <a14:m>
                   <m:oMathPara xmlns:m="http://schemas.openxmlformats.org/officeDocument/2006/math">
                     <m:oMathParaPr>
@@ -10009,7 +10007,7 @@
             </p:txBody>
           </p:sp>
         </mc:Choice>
-        <mc:Fallback>
+        <mc:Fallback xmlns="">
           <p:sp>
             <p:nvSpPr>
               <p:cNvPr id="51" name="正方形/長方形 50"/>
@@ -10048,8 +10046,8 @@
           </p:sp>
         </mc:Fallback>
       </mc:AlternateContent>
-      <mc:AlternateContent xmlns:mc="http://schemas.openxmlformats.org/markup-compatibility/2006">
-        <mc:Choice xmlns:a14="http://schemas.microsoft.com/office/drawing/2010/main" Requires="a14">
+      <mc:AlternateContent xmlns:mc="http://schemas.openxmlformats.org/markup-compatibility/2006" xmlns:a14="http://schemas.microsoft.com/office/drawing/2010/main">
+        <mc:Choice Requires="a14">
           <p:sp>
             <p:nvSpPr>
               <p:cNvPr id="52" name="テキスト ボックス 51"/>
@@ -10158,7 +10156,7 @@
             </p:txBody>
           </p:sp>
         </mc:Choice>
-        <mc:Fallback>
+        <mc:Fallback xmlns="">
           <p:sp>
             <p:nvSpPr>
               <p:cNvPr id="52" name="テキスト ボックス 51"/>
@@ -10197,8 +10195,8 @@
           </p:sp>
         </mc:Fallback>
       </mc:AlternateContent>
-      <mc:AlternateContent xmlns:mc="http://schemas.openxmlformats.org/markup-compatibility/2006">
-        <mc:Choice xmlns:a14="http://schemas.microsoft.com/office/drawing/2010/main" Requires="a14">
+      <mc:AlternateContent xmlns:mc="http://schemas.openxmlformats.org/markup-compatibility/2006" xmlns:a14="http://schemas.microsoft.com/office/drawing/2010/main">
+        <mc:Choice Requires="a14">
           <p:sp>
             <p:nvSpPr>
               <p:cNvPr id="53" name="正方形/長方形 52"/>
@@ -10249,7 +10247,7 @@
             </p:txBody>
           </p:sp>
         </mc:Choice>
-        <mc:Fallback>
+        <mc:Fallback xmlns="">
           <p:sp>
             <p:nvSpPr>
               <p:cNvPr id="53" name="正方形/長方形 52"/>
@@ -10288,8 +10286,8 @@
           </p:sp>
         </mc:Fallback>
       </mc:AlternateContent>
-      <mc:AlternateContent xmlns:mc="http://schemas.openxmlformats.org/markup-compatibility/2006">
-        <mc:Choice xmlns:a14="http://schemas.microsoft.com/office/drawing/2010/main" Requires="a14">
+      <mc:AlternateContent xmlns:mc="http://schemas.openxmlformats.org/markup-compatibility/2006" xmlns:a14="http://schemas.microsoft.com/office/drawing/2010/main">
+        <mc:Choice Requires="a14">
           <p:sp>
             <p:nvSpPr>
               <p:cNvPr id="54" name="テキスト ボックス 53"/>
@@ -10312,6 +10310,7 @@
               </a:bodyPr>
               <a:lstStyle/>
               <a:p>
+                <a:pPr/>
                 <a14:m>
                   <m:oMathPara xmlns:m="http://schemas.openxmlformats.org/officeDocument/2006/math">
                     <m:oMathParaPr>
@@ -10332,7 +10331,7 @@
             </p:txBody>
           </p:sp>
         </mc:Choice>
-        <mc:Fallback>
+        <mc:Fallback xmlns="">
           <p:sp>
             <p:nvSpPr>
               <p:cNvPr id="54" name="テキスト ボックス 53"/>
@@ -10455,8 +10454,8 @@
           </a:p>
         </p:txBody>
       </p:sp>
-      <mc:AlternateContent xmlns:mc="http://schemas.openxmlformats.org/markup-compatibility/2006">
-        <mc:Choice xmlns:a14="http://schemas.microsoft.com/office/drawing/2010/main" Requires="a14">
+      <mc:AlternateContent xmlns:mc="http://schemas.openxmlformats.org/markup-compatibility/2006" xmlns:a14="http://schemas.microsoft.com/office/drawing/2010/main">
+        <mc:Choice Requires="a14">
           <p:sp>
             <p:nvSpPr>
               <p:cNvPr id="57" name="テキスト ボックス 56"/>
@@ -10479,6 +10478,7 @@
               </a:bodyPr>
               <a:lstStyle/>
               <a:p>
+                <a:pPr/>
                 <a14:m>
                   <m:oMathPara xmlns:m="http://schemas.openxmlformats.org/officeDocument/2006/math">
                     <m:oMathParaPr>
@@ -10605,7 +10605,7 @@
             </p:txBody>
           </p:sp>
         </mc:Choice>
-        <mc:Fallback>
+        <mc:Fallback xmlns="">
           <p:sp>
             <p:nvSpPr>
               <p:cNvPr id="57" name="テキスト ボックス 56"/>
@@ -10644,8 +10644,8 @@
           </p:sp>
         </mc:Fallback>
       </mc:AlternateContent>
-      <mc:AlternateContent xmlns:mc="http://schemas.openxmlformats.org/markup-compatibility/2006">
-        <mc:Choice xmlns:a14="http://schemas.microsoft.com/office/drawing/2010/main" Requires="a14">
+      <mc:AlternateContent xmlns:mc="http://schemas.openxmlformats.org/markup-compatibility/2006" xmlns:a14="http://schemas.microsoft.com/office/drawing/2010/main">
+        <mc:Choice Requires="a14">
           <p:sp>
             <p:nvSpPr>
               <p:cNvPr id="60" name="正方形/長方形 59"/>
@@ -10700,7 +10700,7 @@
             </p:txBody>
           </p:sp>
         </mc:Choice>
-        <mc:Fallback>
+        <mc:Fallback xmlns="">
           <p:sp>
             <p:nvSpPr>
               <p:cNvPr id="60" name="正方形/長方形 59"/>

--- a/presentation/kubo_20231129.pptx
+++ b/presentation/kubo_20231129.pptx
@@ -12,14 +12,14 @@
     <p:sldId id="257" r:id="rId3"/>
     <p:sldId id="258" r:id="rId4"/>
     <p:sldId id="259" r:id="rId5"/>
-    <p:sldId id="267" r:id="rId6"/>
-    <p:sldId id="260" r:id="rId7"/>
+    <p:sldId id="260" r:id="rId6"/>
+    <p:sldId id="267" r:id="rId7"/>
     <p:sldId id="261" r:id="rId8"/>
     <p:sldId id="262" r:id="rId9"/>
     <p:sldId id="265" r:id="rId10"/>
     <p:sldId id="263" r:id="rId11"/>
-    <p:sldId id="264" r:id="rId12"/>
-    <p:sldId id="266" r:id="rId13"/>
+    <p:sldId id="266" r:id="rId12"/>
+    <p:sldId id="268" r:id="rId13"/>
   </p:sldIdLst>
   <p:sldSz cx="12192000" cy="6858000"/>
   <p:notesSz cx="6858000" cy="9144000"/>
@@ -272,70 +272,69 @@
           <a:p>
             <a:pPr lvl="0"/>
             <a:r>
-              <a:rPr kumimoji="1" lang="ja-JP" altLang="en-US" smtClean="0"/>
+              <a:rPr kumimoji="1" lang="ja-JP" altLang="en-US"/>
               <a:t>マスター テキストの書式設定</a:t>
             </a:r>
           </a:p>
           <a:p>
             <a:pPr lvl="1"/>
             <a:r>
-              <a:rPr kumimoji="1" lang="ja-JP" altLang="en-US" smtClean="0"/>
+              <a:rPr kumimoji="1" lang="ja-JP" altLang="en-US"/>
               <a:t>第 </a:t>
             </a:r>
             <a:r>
-              <a:rPr kumimoji="1" lang="en-US" altLang="ja-JP" smtClean="0"/>
+              <a:rPr kumimoji="1" lang="en-US" altLang="ja-JP"/>
               <a:t>2 </a:t>
             </a:r>
             <a:r>
-              <a:rPr kumimoji="1" lang="ja-JP" altLang="en-US" smtClean="0"/>
+              <a:rPr kumimoji="1" lang="ja-JP" altLang="en-US"/>
               <a:t>レベル</a:t>
             </a:r>
           </a:p>
           <a:p>
             <a:pPr lvl="2"/>
             <a:r>
-              <a:rPr kumimoji="1" lang="ja-JP" altLang="en-US" smtClean="0"/>
+              <a:rPr kumimoji="1" lang="ja-JP" altLang="en-US"/>
               <a:t>第 </a:t>
             </a:r>
             <a:r>
-              <a:rPr kumimoji="1" lang="en-US" altLang="ja-JP" smtClean="0"/>
+              <a:rPr kumimoji="1" lang="en-US" altLang="ja-JP"/>
               <a:t>3 </a:t>
             </a:r>
             <a:r>
-              <a:rPr kumimoji="1" lang="ja-JP" altLang="en-US" smtClean="0"/>
+              <a:rPr kumimoji="1" lang="ja-JP" altLang="en-US"/>
               <a:t>レベル</a:t>
             </a:r>
           </a:p>
           <a:p>
             <a:pPr lvl="3"/>
             <a:r>
-              <a:rPr kumimoji="1" lang="ja-JP" altLang="en-US" smtClean="0"/>
+              <a:rPr kumimoji="1" lang="ja-JP" altLang="en-US"/>
               <a:t>第 </a:t>
             </a:r>
             <a:r>
-              <a:rPr kumimoji="1" lang="en-US" altLang="ja-JP" smtClean="0"/>
+              <a:rPr kumimoji="1" lang="en-US" altLang="ja-JP"/>
               <a:t>4 </a:t>
             </a:r>
             <a:r>
-              <a:rPr kumimoji="1" lang="ja-JP" altLang="en-US" smtClean="0"/>
+              <a:rPr kumimoji="1" lang="ja-JP" altLang="en-US"/>
               <a:t>レベル</a:t>
             </a:r>
           </a:p>
           <a:p>
             <a:pPr lvl="4"/>
             <a:r>
-              <a:rPr kumimoji="1" lang="ja-JP" altLang="en-US" smtClean="0"/>
+              <a:rPr kumimoji="1" lang="ja-JP" altLang="en-US"/>
               <a:t>第 </a:t>
             </a:r>
             <a:r>
-              <a:rPr kumimoji="1" lang="en-US" altLang="ja-JP" smtClean="0"/>
+              <a:rPr kumimoji="1" lang="en-US" altLang="ja-JP"/>
               <a:t>5 </a:t>
             </a:r>
             <a:r>
-              <a:rPr kumimoji="1" lang="ja-JP" altLang="en-US" smtClean="0"/>
+              <a:rPr kumimoji="1" lang="ja-JP" altLang="en-US"/>
               <a:t>レベル</a:t>
             </a:r>
-            <a:endParaRPr kumimoji="1" lang="ja-JP" altLang="en-US"/>
           </a:p>
         </p:txBody>
       </p:sp>
@@ -550,10 +549,9 @@
           </a:lstStyle>
           <a:p>
             <a:r>
-              <a:rPr kumimoji="1" lang="ja-JP" altLang="en-US" smtClean="0"/>
+              <a:rPr kumimoji="1" lang="ja-JP" altLang="en-US"/>
               <a:t>マスター タイトルの書式設定</a:t>
             </a:r>
-            <a:endParaRPr kumimoji="1" lang="ja-JP" altLang="en-US"/>
           </a:p>
         </p:txBody>
       </p:sp>
@@ -615,10 +613,9 @@
           </a:lstStyle>
           <a:p>
             <a:r>
-              <a:rPr kumimoji="1" lang="ja-JP" altLang="en-US" smtClean="0"/>
+              <a:rPr kumimoji="1" lang="ja-JP" altLang="en-US"/>
               <a:t>マスター サブタイトルの書式設定</a:t>
             </a:r>
-            <a:endParaRPr kumimoji="1" lang="ja-JP" altLang="en-US"/>
           </a:p>
         </p:txBody>
       </p:sp>
@@ -716,13 +713,6 @@
   <p:clrMapOvr>
     <a:masterClrMapping/>
   </p:clrMapOvr>
-  <p:timing>
-    <p:tnLst>
-      <p:par>
-        <p:cTn id="1" dur="indefinite" restart="never" nodeType="tmRoot"/>
-      </p:par>
-    </p:tnLst>
-  </p:timing>
 </p:sldLayout>
 </file>
 
@@ -759,10 +749,9 @@
           <a:lstStyle/>
           <a:p>
             <a:r>
-              <a:rPr kumimoji="1" lang="ja-JP" altLang="en-US" smtClean="0"/>
+              <a:rPr kumimoji="1" lang="ja-JP" altLang="en-US"/>
               <a:t>マスター タイトルの書式設定</a:t>
             </a:r>
-            <a:endParaRPr kumimoji="1" lang="ja-JP" altLang="en-US"/>
           </a:p>
         </p:txBody>
       </p:sp>
@@ -783,70 +772,69 @@
           <a:p>
             <a:pPr lvl="0"/>
             <a:r>
-              <a:rPr kumimoji="1" lang="ja-JP" altLang="en-US" smtClean="0"/>
+              <a:rPr kumimoji="1" lang="ja-JP" altLang="en-US"/>
               <a:t>マスター テキストの書式設定</a:t>
             </a:r>
           </a:p>
           <a:p>
             <a:pPr lvl="1"/>
             <a:r>
-              <a:rPr kumimoji="1" lang="ja-JP" altLang="en-US" smtClean="0"/>
+              <a:rPr kumimoji="1" lang="ja-JP" altLang="en-US"/>
               <a:t>第 </a:t>
             </a:r>
             <a:r>
-              <a:rPr kumimoji="1" lang="en-US" altLang="ja-JP" smtClean="0"/>
+              <a:rPr kumimoji="1" lang="en-US" altLang="ja-JP"/>
               <a:t>2 </a:t>
             </a:r>
             <a:r>
-              <a:rPr kumimoji="1" lang="ja-JP" altLang="en-US" smtClean="0"/>
+              <a:rPr kumimoji="1" lang="ja-JP" altLang="en-US"/>
               <a:t>レベル</a:t>
             </a:r>
           </a:p>
           <a:p>
             <a:pPr lvl="2"/>
             <a:r>
-              <a:rPr kumimoji="1" lang="ja-JP" altLang="en-US" smtClean="0"/>
+              <a:rPr kumimoji="1" lang="ja-JP" altLang="en-US"/>
               <a:t>第 </a:t>
             </a:r>
             <a:r>
-              <a:rPr kumimoji="1" lang="en-US" altLang="ja-JP" smtClean="0"/>
+              <a:rPr kumimoji="1" lang="en-US" altLang="ja-JP"/>
               <a:t>3 </a:t>
             </a:r>
             <a:r>
-              <a:rPr kumimoji="1" lang="ja-JP" altLang="en-US" smtClean="0"/>
+              <a:rPr kumimoji="1" lang="ja-JP" altLang="en-US"/>
               <a:t>レベル</a:t>
             </a:r>
           </a:p>
           <a:p>
             <a:pPr lvl="3"/>
             <a:r>
-              <a:rPr kumimoji="1" lang="ja-JP" altLang="en-US" smtClean="0"/>
+              <a:rPr kumimoji="1" lang="ja-JP" altLang="en-US"/>
               <a:t>第 </a:t>
             </a:r>
             <a:r>
-              <a:rPr kumimoji="1" lang="en-US" altLang="ja-JP" smtClean="0"/>
+              <a:rPr kumimoji="1" lang="en-US" altLang="ja-JP"/>
               <a:t>4 </a:t>
             </a:r>
             <a:r>
-              <a:rPr kumimoji="1" lang="ja-JP" altLang="en-US" smtClean="0"/>
+              <a:rPr kumimoji="1" lang="ja-JP" altLang="en-US"/>
               <a:t>レベル</a:t>
             </a:r>
           </a:p>
           <a:p>
             <a:pPr lvl="4"/>
             <a:r>
-              <a:rPr kumimoji="1" lang="ja-JP" altLang="en-US" smtClean="0"/>
+              <a:rPr kumimoji="1" lang="ja-JP" altLang="en-US"/>
               <a:t>第 </a:t>
             </a:r>
             <a:r>
-              <a:rPr kumimoji="1" lang="en-US" altLang="ja-JP" smtClean="0"/>
+              <a:rPr kumimoji="1" lang="en-US" altLang="ja-JP"/>
               <a:t>5 </a:t>
             </a:r>
             <a:r>
-              <a:rPr kumimoji="1" lang="ja-JP" altLang="en-US" smtClean="0"/>
+              <a:rPr kumimoji="1" lang="ja-JP" altLang="en-US"/>
               <a:t>レベル</a:t>
             </a:r>
-            <a:endParaRPr kumimoji="1" lang="ja-JP" altLang="en-US"/>
           </a:p>
         </p:txBody>
       </p:sp>
@@ -966,10 +954,9 @@
           <a:lstStyle/>
           <a:p>
             <a:r>
-              <a:rPr kumimoji="1" lang="ja-JP" altLang="en-US" smtClean="0"/>
+              <a:rPr kumimoji="1" lang="ja-JP" altLang="en-US"/>
               <a:t>マスター タイトルの書式設定</a:t>
             </a:r>
-            <a:endParaRPr kumimoji="1" lang="ja-JP" altLang="en-US"/>
           </a:p>
         </p:txBody>
       </p:sp>
@@ -995,70 +982,69 @@
           <a:p>
             <a:pPr lvl="0"/>
             <a:r>
-              <a:rPr kumimoji="1" lang="ja-JP" altLang="en-US" smtClean="0"/>
+              <a:rPr kumimoji="1" lang="ja-JP" altLang="en-US"/>
               <a:t>マスター テキストの書式設定</a:t>
             </a:r>
           </a:p>
           <a:p>
             <a:pPr lvl="1"/>
             <a:r>
-              <a:rPr kumimoji="1" lang="ja-JP" altLang="en-US" smtClean="0"/>
+              <a:rPr kumimoji="1" lang="ja-JP" altLang="en-US"/>
               <a:t>第 </a:t>
             </a:r>
             <a:r>
-              <a:rPr kumimoji="1" lang="en-US" altLang="ja-JP" smtClean="0"/>
+              <a:rPr kumimoji="1" lang="en-US" altLang="ja-JP"/>
               <a:t>2 </a:t>
             </a:r>
             <a:r>
-              <a:rPr kumimoji="1" lang="ja-JP" altLang="en-US" smtClean="0"/>
+              <a:rPr kumimoji="1" lang="ja-JP" altLang="en-US"/>
               <a:t>レベル</a:t>
             </a:r>
           </a:p>
           <a:p>
             <a:pPr lvl="2"/>
             <a:r>
-              <a:rPr kumimoji="1" lang="ja-JP" altLang="en-US" smtClean="0"/>
+              <a:rPr kumimoji="1" lang="ja-JP" altLang="en-US"/>
               <a:t>第 </a:t>
             </a:r>
             <a:r>
-              <a:rPr kumimoji="1" lang="en-US" altLang="ja-JP" smtClean="0"/>
+              <a:rPr kumimoji="1" lang="en-US" altLang="ja-JP"/>
               <a:t>3 </a:t>
             </a:r>
             <a:r>
-              <a:rPr kumimoji="1" lang="ja-JP" altLang="en-US" smtClean="0"/>
+              <a:rPr kumimoji="1" lang="ja-JP" altLang="en-US"/>
               <a:t>レベル</a:t>
             </a:r>
           </a:p>
           <a:p>
             <a:pPr lvl="3"/>
             <a:r>
-              <a:rPr kumimoji="1" lang="ja-JP" altLang="en-US" smtClean="0"/>
+              <a:rPr kumimoji="1" lang="ja-JP" altLang="en-US"/>
               <a:t>第 </a:t>
             </a:r>
             <a:r>
-              <a:rPr kumimoji="1" lang="en-US" altLang="ja-JP" smtClean="0"/>
+              <a:rPr kumimoji="1" lang="en-US" altLang="ja-JP"/>
               <a:t>4 </a:t>
             </a:r>
             <a:r>
-              <a:rPr kumimoji="1" lang="ja-JP" altLang="en-US" smtClean="0"/>
+              <a:rPr kumimoji="1" lang="ja-JP" altLang="en-US"/>
               <a:t>レベル</a:t>
             </a:r>
           </a:p>
           <a:p>
             <a:pPr lvl="4"/>
             <a:r>
-              <a:rPr kumimoji="1" lang="ja-JP" altLang="en-US" smtClean="0"/>
+              <a:rPr kumimoji="1" lang="ja-JP" altLang="en-US"/>
               <a:t>第 </a:t>
             </a:r>
             <a:r>
-              <a:rPr kumimoji="1" lang="en-US" altLang="ja-JP" smtClean="0"/>
+              <a:rPr kumimoji="1" lang="en-US" altLang="ja-JP"/>
               <a:t>5 </a:t>
             </a:r>
             <a:r>
-              <a:rPr kumimoji="1" lang="ja-JP" altLang="en-US" smtClean="0"/>
+              <a:rPr kumimoji="1" lang="ja-JP" altLang="en-US"/>
               <a:t>レベル</a:t>
             </a:r>
-            <a:endParaRPr kumimoji="1" lang="ja-JP" altLang="en-US"/>
           </a:p>
         </p:txBody>
       </p:sp>
@@ -1173,10 +1159,9 @@
           <a:lstStyle/>
           <a:p>
             <a:r>
-              <a:rPr kumimoji="1" lang="ja-JP" altLang="en-US" smtClean="0"/>
+              <a:rPr kumimoji="1" lang="ja-JP" altLang="en-US"/>
               <a:t>マスター タイトルの書式設定</a:t>
             </a:r>
-            <a:endParaRPr kumimoji="1" lang="ja-JP" altLang="en-US"/>
           </a:p>
         </p:txBody>
       </p:sp>
@@ -1197,70 +1182,69 @@
           <a:p>
             <a:pPr lvl="0"/>
             <a:r>
-              <a:rPr kumimoji="1" lang="ja-JP" altLang="en-US" smtClean="0"/>
+              <a:rPr kumimoji="1" lang="ja-JP" altLang="en-US"/>
               <a:t>マスター テキストの書式設定</a:t>
             </a:r>
           </a:p>
           <a:p>
             <a:pPr lvl="1"/>
             <a:r>
-              <a:rPr kumimoji="1" lang="ja-JP" altLang="en-US" smtClean="0"/>
+              <a:rPr kumimoji="1" lang="ja-JP" altLang="en-US"/>
               <a:t>第 </a:t>
             </a:r>
             <a:r>
-              <a:rPr kumimoji="1" lang="en-US" altLang="ja-JP" smtClean="0"/>
+              <a:rPr kumimoji="1" lang="en-US" altLang="ja-JP"/>
               <a:t>2 </a:t>
             </a:r>
             <a:r>
-              <a:rPr kumimoji="1" lang="ja-JP" altLang="en-US" smtClean="0"/>
+              <a:rPr kumimoji="1" lang="ja-JP" altLang="en-US"/>
               <a:t>レベル</a:t>
             </a:r>
           </a:p>
           <a:p>
             <a:pPr lvl="2"/>
             <a:r>
-              <a:rPr kumimoji="1" lang="ja-JP" altLang="en-US" smtClean="0"/>
+              <a:rPr kumimoji="1" lang="ja-JP" altLang="en-US"/>
               <a:t>第 </a:t>
             </a:r>
             <a:r>
-              <a:rPr kumimoji="1" lang="en-US" altLang="ja-JP" smtClean="0"/>
+              <a:rPr kumimoji="1" lang="en-US" altLang="ja-JP"/>
               <a:t>3 </a:t>
             </a:r>
             <a:r>
-              <a:rPr kumimoji="1" lang="ja-JP" altLang="en-US" smtClean="0"/>
+              <a:rPr kumimoji="1" lang="ja-JP" altLang="en-US"/>
               <a:t>レベル</a:t>
             </a:r>
           </a:p>
           <a:p>
             <a:pPr lvl="3"/>
             <a:r>
-              <a:rPr kumimoji="1" lang="ja-JP" altLang="en-US" smtClean="0"/>
+              <a:rPr kumimoji="1" lang="ja-JP" altLang="en-US"/>
               <a:t>第 </a:t>
             </a:r>
             <a:r>
-              <a:rPr kumimoji="1" lang="en-US" altLang="ja-JP" smtClean="0"/>
+              <a:rPr kumimoji="1" lang="en-US" altLang="ja-JP"/>
               <a:t>4 </a:t>
             </a:r>
             <a:r>
-              <a:rPr kumimoji="1" lang="ja-JP" altLang="en-US" smtClean="0"/>
+              <a:rPr kumimoji="1" lang="ja-JP" altLang="en-US"/>
               <a:t>レベル</a:t>
             </a:r>
           </a:p>
           <a:p>
             <a:pPr lvl="4"/>
             <a:r>
-              <a:rPr kumimoji="1" lang="ja-JP" altLang="en-US" smtClean="0"/>
+              <a:rPr kumimoji="1" lang="ja-JP" altLang="en-US"/>
               <a:t>第 </a:t>
             </a:r>
             <a:r>
-              <a:rPr kumimoji="1" lang="en-US" altLang="ja-JP" smtClean="0"/>
+              <a:rPr kumimoji="1" lang="en-US" altLang="ja-JP"/>
               <a:t>5 </a:t>
             </a:r>
             <a:r>
-              <a:rPr kumimoji="1" lang="ja-JP" altLang="en-US" smtClean="0"/>
+              <a:rPr kumimoji="1" lang="ja-JP" altLang="en-US"/>
               <a:t>レベル</a:t>
             </a:r>
-            <a:endParaRPr kumimoji="1" lang="ja-JP" altLang="en-US"/>
           </a:p>
         </p:txBody>
       </p:sp>
@@ -1384,10 +1368,9 @@
           </a:lstStyle>
           <a:p>
             <a:r>
-              <a:rPr kumimoji="1" lang="ja-JP" altLang="en-US" smtClean="0"/>
+              <a:rPr kumimoji="1" lang="ja-JP" altLang="en-US"/>
               <a:t>マスター タイトルの書式設定</a:t>
             </a:r>
-            <a:endParaRPr kumimoji="1" lang="ja-JP" altLang="en-US"/>
           </a:p>
         </p:txBody>
       </p:sp>
@@ -1504,7 +1487,7 @@
           <a:p>
             <a:pPr lvl="0"/>
             <a:r>
-              <a:rPr kumimoji="1" lang="ja-JP" altLang="en-US" smtClean="0"/>
+              <a:rPr kumimoji="1" lang="ja-JP" altLang="en-US"/>
               <a:t>マスター テキストの書式設定</a:t>
             </a:r>
           </a:p>
@@ -1621,10 +1604,9 @@
           <a:lstStyle/>
           <a:p>
             <a:r>
-              <a:rPr kumimoji="1" lang="ja-JP" altLang="en-US" smtClean="0"/>
+              <a:rPr kumimoji="1" lang="ja-JP" altLang="en-US"/>
               <a:t>マスター タイトルの書式設定</a:t>
             </a:r>
-            <a:endParaRPr kumimoji="1" lang="ja-JP" altLang="en-US"/>
           </a:p>
         </p:txBody>
       </p:sp>
@@ -1650,70 +1632,69 @@
           <a:p>
             <a:pPr lvl="0"/>
             <a:r>
-              <a:rPr kumimoji="1" lang="ja-JP" altLang="en-US" smtClean="0"/>
+              <a:rPr kumimoji="1" lang="ja-JP" altLang="en-US"/>
               <a:t>マスター テキストの書式設定</a:t>
             </a:r>
           </a:p>
           <a:p>
             <a:pPr lvl="1"/>
             <a:r>
-              <a:rPr kumimoji="1" lang="ja-JP" altLang="en-US" smtClean="0"/>
+              <a:rPr kumimoji="1" lang="ja-JP" altLang="en-US"/>
               <a:t>第 </a:t>
             </a:r>
             <a:r>
-              <a:rPr kumimoji="1" lang="en-US" altLang="ja-JP" smtClean="0"/>
+              <a:rPr kumimoji="1" lang="en-US" altLang="ja-JP"/>
               <a:t>2 </a:t>
             </a:r>
             <a:r>
-              <a:rPr kumimoji="1" lang="ja-JP" altLang="en-US" smtClean="0"/>
+              <a:rPr kumimoji="1" lang="ja-JP" altLang="en-US"/>
               <a:t>レベル</a:t>
             </a:r>
           </a:p>
           <a:p>
             <a:pPr lvl="2"/>
             <a:r>
-              <a:rPr kumimoji="1" lang="ja-JP" altLang="en-US" smtClean="0"/>
+              <a:rPr kumimoji="1" lang="ja-JP" altLang="en-US"/>
               <a:t>第 </a:t>
             </a:r>
             <a:r>
-              <a:rPr kumimoji="1" lang="en-US" altLang="ja-JP" smtClean="0"/>
+              <a:rPr kumimoji="1" lang="en-US" altLang="ja-JP"/>
               <a:t>3 </a:t>
             </a:r>
             <a:r>
-              <a:rPr kumimoji="1" lang="ja-JP" altLang="en-US" smtClean="0"/>
+              <a:rPr kumimoji="1" lang="ja-JP" altLang="en-US"/>
               <a:t>レベル</a:t>
             </a:r>
           </a:p>
           <a:p>
             <a:pPr lvl="3"/>
             <a:r>
-              <a:rPr kumimoji="1" lang="ja-JP" altLang="en-US" smtClean="0"/>
+              <a:rPr kumimoji="1" lang="ja-JP" altLang="en-US"/>
               <a:t>第 </a:t>
             </a:r>
             <a:r>
-              <a:rPr kumimoji="1" lang="en-US" altLang="ja-JP" smtClean="0"/>
+              <a:rPr kumimoji="1" lang="en-US" altLang="ja-JP"/>
               <a:t>4 </a:t>
             </a:r>
             <a:r>
-              <a:rPr kumimoji="1" lang="ja-JP" altLang="en-US" smtClean="0"/>
+              <a:rPr kumimoji="1" lang="ja-JP" altLang="en-US"/>
               <a:t>レベル</a:t>
             </a:r>
           </a:p>
           <a:p>
             <a:pPr lvl="4"/>
             <a:r>
-              <a:rPr kumimoji="1" lang="ja-JP" altLang="en-US" smtClean="0"/>
+              <a:rPr kumimoji="1" lang="ja-JP" altLang="en-US"/>
               <a:t>第 </a:t>
             </a:r>
             <a:r>
-              <a:rPr kumimoji="1" lang="en-US" altLang="ja-JP" smtClean="0"/>
+              <a:rPr kumimoji="1" lang="en-US" altLang="ja-JP"/>
               <a:t>5 </a:t>
             </a:r>
             <a:r>
-              <a:rPr kumimoji="1" lang="ja-JP" altLang="en-US" smtClean="0"/>
+              <a:rPr kumimoji="1" lang="ja-JP" altLang="en-US"/>
               <a:t>レベル</a:t>
             </a:r>
-            <a:endParaRPr kumimoji="1" lang="ja-JP" altLang="en-US"/>
           </a:p>
         </p:txBody>
       </p:sp>
@@ -1739,70 +1720,69 @@
           <a:p>
             <a:pPr lvl="0"/>
             <a:r>
-              <a:rPr kumimoji="1" lang="ja-JP" altLang="en-US" smtClean="0"/>
+              <a:rPr kumimoji="1" lang="ja-JP" altLang="en-US"/>
               <a:t>マスター テキストの書式設定</a:t>
             </a:r>
           </a:p>
           <a:p>
             <a:pPr lvl="1"/>
             <a:r>
-              <a:rPr kumimoji="1" lang="ja-JP" altLang="en-US" smtClean="0"/>
+              <a:rPr kumimoji="1" lang="ja-JP" altLang="en-US"/>
               <a:t>第 </a:t>
             </a:r>
             <a:r>
-              <a:rPr kumimoji="1" lang="en-US" altLang="ja-JP" smtClean="0"/>
+              <a:rPr kumimoji="1" lang="en-US" altLang="ja-JP"/>
               <a:t>2 </a:t>
             </a:r>
             <a:r>
-              <a:rPr kumimoji="1" lang="ja-JP" altLang="en-US" smtClean="0"/>
+              <a:rPr kumimoji="1" lang="ja-JP" altLang="en-US"/>
               <a:t>レベル</a:t>
             </a:r>
           </a:p>
           <a:p>
             <a:pPr lvl="2"/>
             <a:r>
-              <a:rPr kumimoji="1" lang="ja-JP" altLang="en-US" smtClean="0"/>
+              <a:rPr kumimoji="1" lang="ja-JP" altLang="en-US"/>
               <a:t>第 </a:t>
             </a:r>
             <a:r>
-              <a:rPr kumimoji="1" lang="en-US" altLang="ja-JP" smtClean="0"/>
+              <a:rPr kumimoji="1" lang="en-US" altLang="ja-JP"/>
               <a:t>3 </a:t>
             </a:r>
             <a:r>
-              <a:rPr kumimoji="1" lang="ja-JP" altLang="en-US" smtClean="0"/>
+              <a:rPr kumimoji="1" lang="ja-JP" altLang="en-US"/>
               <a:t>レベル</a:t>
             </a:r>
           </a:p>
           <a:p>
             <a:pPr lvl="3"/>
             <a:r>
-              <a:rPr kumimoji="1" lang="ja-JP" altLang="en-US" smtClean="0"/>
+              <a:rPr kumimoji="1" lang="ja-JP" altLang="en-US"/>
               <a:t>第 </a:t>
             </a:r>
             <a:r>
-              <a:rPr kumimoji="1" lang="en-US" altLang="ja-JP" smtClean="0"/>
+              <a:rPr kumimoji="1" lang="en-US" altLang="ja-JP"/>
               <a:t>4 </a:t>
             </a:r>
             <a:r>
-              <a:rPr kumimoji="1" lang="ja-JP" altLang="en-US" smtClean="0"/>
+              <a:rPr kumimoji="1" lang="ja-JP" altLang="en-US"/>
               <a:t>レベル</a:t>
             </a:r>
           </a:p>
           <a:p>
             <a:pPr lvl="4"/>
             <a:r>
-              <a:rPr kumimoji="1" lang="ja-JP" altLang="en-US" smtClean="0"/>
+              <a:rPr kumimoji="1" lang="ja-JP" altLang="en-US"/>
               <a:t>第 </a:t>
             </a:r>
             <a:r>
-              <a:rPr kumimoji="1" lang="en-US" altLang="ja-JP" smtClean="0"/>
+              <a:rPr kumimoji="1" lang="en-US" altLang="ja-JP"/>
               <a:t>5 </a:t>
             </a:r>
             <a:r>
-              <a:rPr kumimoji="1" lang="ja-JP" altLang="en-US" smtClean="0"/>
+              <a:rPr kumimoji="1" lang="ja-JP" altLang="en-US"/>
               <a:t>レベル</a:t>
             </a:r>
-            <a:endParaRPr kumimoji="1" lang="ja-JP" altLang="en-US"/>
           </a:p>
         </p:txBody>
       </p:sp>
@@ -1922,10 +1902,9 @@
           <a:lstStyle/>
           <a:p>
             <a:r>
-              <a:rPr kumimoji="1" lang="ja-JP" altLang="en-US" smtClean="0"/>
+              <a:rPr kumimoji="1" lang="ja-JP" altLang="en-US"/>
               <a:t>マスター タイトルの書式設定</a:t>
             </a:r>
-            <a:endParaRPr kumimoji="1" lang="ja-JP" altLang="en-US"/>
           </a:p>
         </p:txBody>
       </p:sp>
@@ -1988,7 +1967,7 @@
           <a:p>
             <a:pPr lvl="0"/>
             <a:r>
-              <a:rPr kumimoji="1" lang="ja-JP" altLang="en-US" smtClean="0"/>
+              <a:rPr kumimoji="1" lang="ja-JP" altLang="en-US"/>
               <a:t>マスター テキストの書式設定</a:t>
             </a:r>
           </a:p>
@@ -2016,70 +1995,69 @@
           <a:p>
             <a:pPr lvl="0"/>
             <a:r>
-              <a:rPr kumimoji="1" lang="ja-JP" altLang="en-US" smtClean="0"/>
+              <a:rPr kumimoji="1" lang="ja-JP" altLang="en-US"/>
               <a:t>マスター テキストの書式設定</a:t>
             </a:r>
           </a:p>
           <a:p>
             <a:pPr lvl="1"/>
             <a:r>
-              <a:rPr kumimoji="1" lang="ja-JP" altLang="en-US" smtClean="0"/>
+              <a:rPr kumimoji="1" lang="ja-JP" altLang="en-US"/>
               <a:t>第 </a:t>
             </a:r>
             <a:r>
-              <a:rPr kumimoji="1" lang="en-US" altLang="ja-JP" smtClean="0"/>
+              <a:rPr kumimoji="1" lang="en-US" altLang="ja-JP"/>
               <a:t>2 </a:t>
             </a:r>
             <a:r>
-              <a:rPr kumimoji="1" lang="ja-JP" altLang="en-US" smtClean="0"/>
+              <a:rPr kumimoji="1" lang="ja-JP" altLang="en-US"/>
               <a:t>レベル</a:t>
             </a:r>
           </a:p>
           <a:p>
             <a:pPr lvl="2"/>
             <a:r>
-              <a:rPr kumimoji="1" lang="ja-JP" altLang="en-US" smtClean="0"/>
+              <a:rPr kumimoji="1" lang="ja-JP" altLang="en-US"/>
               <a:t>第 </a:t>
             </a:r>
             <a:r>
-              <a:rPr kumimoji="1" lang="en-US" altLang="ja-JP" smtClean="0"/>
+              <a:rPr kumimoji="1" lang="en-US" altLang="ja-JP"/>
               <a:t>3 </a:t>
             </a:r>
             <a:r>
-              <a:rPr kumimoji="1" lang="ja-JP" altLang="en-US" smtClean="0"/>
+              <a:rPr kumimoji="1" lang="ja-JP" altLang="en-US"/>
               <a:t>レベル</a:t>
             </a:r>
           </a:p>
           <a:p>
             <a:pPr lvl="3"/>
             <a:r>
-              <a:rPr kumimoji="1" lang="ja-JP" altLang="en-US" smtClean="0"/>
+              <a:rPr kumimoji="1" lang="ja-JP" altLang="en-US"/>
               <a:t>第 </a:t>
             </a:r>
             <a:r>
-              <a:rPr kumimoji="1" lang="en-US" altLang="ja-JP" smtClean="0"/>
+              <a:rPr kumimoji="1" lang="en-US" altLang="ja-JP"/>
               <a:t>4 </a:t>
             </a:r>
             <a:r>
-              <a:rPr kumimoji="1" lang="ja-JP" altLang="en-US" smtClean="0"/>
+              <a:rPr kumimoji="1" lang="ja-JP" altLang="en-US"/>
               <a:t>レベル</a:t>
             </a:r>
           </a:p>
           <a:p>
             <a:pPr lvl="4"/>
             <a:r>
-              <a:rPr kumimoji="1" lang="ja-JP" altLang="en-US" smtClean="0"/>
+              <a:rPr kumimoji="1" lang="ja-JP" altLang="en-US"/>
               <a:t>第 </a:t>
             </a:r>
             <a:r>
-              <a:rPr kumimoji="1" lang="en-US" altLang="ja-JP" smtClean="0"/>
+              <a:rPr kumimoji="1" lang="en-US" altLang="ja-JP"/>
               <a:t>5 </a:t>
             </a:r>
             <a:r>
-              <a:rPr kumimoji="1" lang="ja-JP" altLang="en-US" smtClean="0"/>
+              <a:rPr kumimoji="1" lang="ja-JP" altLang="en-US"/>
               <a:t>レベル</a:t>
             </a:r>
-            <a:endParaRPr kumimoji="1" lang="ja-JP" altLang="en-US"/>
           </a:p>
         </p:txBody>
       </p:sp>
@@ -2142,7 +2120,7 @@
           <a:p>
             <a:pPr lvl="0"/>
             <a:r>
-              <a:rPr kumimoji="1" lang="ja-JP" altLang="en-US" smtClean="0"/>
+              <a:rPr kumimoji="1" lang="ja-JP" altLang="en-US"/>
               <a:t>マスター テキストの書式設定</a:t>
             </a:r>
           </a:p>
@@ -2170,70 +2148,69 @@
           <a:p>
             <a:pPr lvl="0"/>
             <a:r>
-              <a:rPr kumimoji="1" lang="ja-JP" altLang="en-US" smtClean="0"/>
+              <a:rPr kumimoji="1" lang="ja-JP" altLang="en-US"/>
               <a:t>マスター テキストの書式設定</a:t>
             </a:r>
           </a:p>
           <a:p>
             <a:pPr lvl="1"/>
             <a:r>
-              <a:rPr kumimoji="1" lang="ja-JP" altLang="en-US" smtClean="0"/>
+              <a:rPr kumimoji="1" lang="ja-JP" altLang="en-US"/>
               <a:t>第 </a:t>
             </a:r>
             <a:r>
-              <a:rPr kumimoji="1" lang="en-US" altLang="ja-JP" smtClean="0"/>
+              <a:rPr kumimoji="1" lang="en-US" altLang="ja-JP"/>
               <a:t>2 </a:t>
             </a:r>
             <a:r>
-              <a:rPr kumimoji="1" lang="ja-JP" altLang="en-US" smtClean="0"/>
+              <a:rPr kumimoji="1" lang="ja-JP" altLang="en-US"/>
               <a:t>レベル</a:t>
             </a:r>
           </a:p>
           <a:p>
             <a:pPr lvl="2"/>
             <a:r>
-              <a:rPr kumimoji="1" lang="ja-JP" altLang="en-US" smtClean="0"/>
+              <a:rPr kumimoji="1" lang="ja-JP" altLang="en-US"/>
               <a:t>第 </a:t>
             </a:r>
             <a:r>
-              <a:rPr kumimoji="1" lang="en-US" altLang="ja-JP" smtClean="0"/>
+              <a:rPr kumimoji="1" lang="en-US" altLang="ja-JP"/>
               <a:t>3 </a:t>
             </a:r>
             <a:r>
-              <a:rPr kumimoji="1" lang="ja-JP" altLang="en-US" smtClean="0"/>
+              <a:rPr kumimoji="1" lang="ja-JP" altLang="en-US"/>
               <a:t>レベル</a:t>
             </a:r>
           </a:p>
           <a:p>
             <a:pPr lvl="3"/>
             <a:r>
-              <a:rPr kumimoji="1" lang="ja-JP" altLang="en-US" smtClean="0"/>
+              <a:rPr kumimoji="1" lang="ja-JP" altLang="en-US"/>
               <a:t>第 </a:t>
             </a:r>
             <a:r>
-              <a:rPr kumimoji="1" lang="en-US" altLang="ja-JP" smtClean="0"/>
+              <a:rPr kumimoji="1" lang="en-US" altLang="ja-JP"/>
               <a:t>4 </a:t>
             </a:r>
             <a:r>
-              <a:rPr kumimoji="1" lang="ja-JP" altLang="en-US" smtClean="0"/>
+              <a:rPr kumimoji="1" lang="ja-JP" altLang="en-US"/>
               <a:t>レベル</a:t>
             </a:r>
           </a:p>
           <a:p>
             <a:pPr lvl="4"/>
             <a:r>
-              <a:rPr kumimoji="1" lang="ja-JP" altLang="en-US" smtClean="0"/>
+              <a:rPr kumimoji="1" lang="ja-JP" altLang="en-US"/>
               <a:t>第 </a:t>
             </a:r>
             <a:r>
-              <a:rPr kumimoji="1" lang="en-US" altLang="ja-JP" smtClean="0"/>
+              <a:rPr kumimoji="1" lang="en-US" altLang="ja-JP"/>
               <a:t>5 </a:t>
             </a:r>
             <a:r>
-              <a:rPr kumimoji="1" lang="ja-JP" altLang="en-US" smtClean="0"/>
+              <a:rPr kumimoji="1" lang="ja-JP" altLang="en-US"/>
               <a:t>レベル</a:t>
             </a:r>
-            <a:endParaRPr kumimoji="1" lang="ja-JP" altLang="en-US"/>
           </a:p>
         </p:txBody>
       </p:sp>
@@ -2348,10 +2325,9 @@
           <a:lstStyle/>
           <a:p>
             <a:r>
-              <a:rPr kumimoji="1" lang="ja-JP" altLang="en-US" smtClean="0"/>
+              <a:rPr kumimoji="1" lang="ja-JP" altLang="en-US"/>
               <a:t>マスター タイトルの書式設定</a:t>
             </a:r>
-            <a:endParaRPr kumimoji="1" lang="ja-JP" altLang="en-US"/>
           </a:p>
         </p:txBody>
       </p:sp>
@@ -2570,10 +2546,9 @@
           </a:lstStyle>
           <a:p>
             <a:r>
-              <a:rPr kumimoji="1" lang="ja-JP" altLang="en-US" smtClean="0"/>
+              <a:rPr kumimoji="1" lang="ja-JP" altLang="en-US"/>
               <a:t>マスター タイトルの書式設定</a:t>
             </a:r>
-            <a:endParaRPr kumimoji="1" lang="ja-JP" altLang="en-US"/>
           </a:p>
         </p:txBody>
       </p:sp>
@@ -2627,70 +2602,69 @@
           <a:p>
             <a:pPr lvl="0"/>
             <a:r>
-              <a:rPr kumimoji="1" lang="ja-JP" altLang="en-US" smtClean="0"/>
+              <a:rPr kumimoji="1" lang="ja-JP" altLang="en-US"/>
               <a:t>マスター テキストの書式設定</a:t>
             </a:r>
           </a:p>
           <a:p>
             <a:pPr lvl="1"/>
             <a:r>
-              <a:rPr kumimoji="1" lang="ja-JP" altLang="en-US" smtClean="0"/>
+              <a:rPr kumimoji="1" lang="ja-JP" altLang="en-US"/>
               <a:t>第 </a:t>
             </a:r>
             <a:r>
-              <a:rPr kumimoji="1" lang="en-US" altLang="ja-JP" smtClean="0"/>
+              <a:rPr kumimoji="1" lang="en-US" altLang="ja-JP"/>
               <a:t>2 </a:t>
             </a:r>
             <a:r>
-              <a:rPr kumimoji="1" lang="ja-JP" altLang="en-US" smtClean="0"/>
+              <a:rPr kumimoji="1" lang="ja-JP" altLang="en-US"/>
               <a:t>レベル</a:t>
             </a:r>
           </a:p>
           <a:p>
             <a:pPr lvl="2"/>
             <a:r>
-              <a:rPr kumimoji="1" lang="ja-JP" altLang="en-US" smtClean="0"/>
+              <a:rPr kumimoji="1" lang="ja-JP" altLang="en-US"/>
               <a:t>第 </a:t>
             </a:r>
             <a:r>
-              <a:rPr kumimoji="1" lang="en-US" altLang="ja-JP" smtClean="0"/>
+              <a:rPr kumimoji="1" lang="en-US" altLang="ja-JP"/>
               <a:t>3 </a:t>
             </a:r>
             <a:r>
-              <a:rPr kumimoji="1" lang="ja-JP" altLang="en-US" smtClean="0"/>
+              <a:rPr kumimoji="1" lang="ja-JP" altLang="en-US"/>
               <a:t>レベル</a:t>
             </a:r>
           </a:p>
           <a:p>
             <a:pPr lvl="3"/>
             <a:r>
-              <a:rPr kumimoji="1" lang="ja-JP" altLang="en-US" smtClean="0"/>
+              <a:rPr kumimoji="1" lang="ja-JP" altLang="en-US"/>
               <a:t>第 </a:t>
             </a:r>
             <a:r>
-              <a:rPr kumimoji="1" lang="en-US" altLang="ja-JP" smtClean="0"/>
+              <a:rPr kumimoji="1" lang="en-US" altLang="ja-JP"/>
               <a:t>4 </a:t>
             </a:r>
             <a:r>
-              <a:rPr kumimoji="1" lang="ja-JP" altLang="en-US" smtClean="0"/>
+              <a:rPr kumimoji="1" lang="ja-JP" altLang="en-US"/>
               <a:t>レベル</a:t>
             </a:r>
           </a:p>
           <a:p>
             <a:pPr lvl="4"/>
             <a:r>
-              <a:rPr kumimoji="1" lang="ja-JP" altLang="en-US" smtClean="0"/>
+              <a:rPr kumimoji="1" lang="ja-JP" altLang="en-US"/>
               <a:t>第 </a:t>
             </a:r>
             <a:r>
-              <a:rPr kumimoji="1" lang="en-US" altLang="ja-JP" smtClean="0"/>
+              <a:rPr kumimoji="1" lang="en-US" altLang="ja-JP"/>
               <a:t>5 </a:t>
             </a:r>
             <a:r>
-              <a:rPr kumimoji="1" lang="ja-JP" altLang="en-US" smtClean="0"/>
+              <a:rPr kumimoji="1" lang="ja-JP" altLang="en-US"/>
               <a:t>レベル</a:t>
             </a:r>
-            <a:endParaRPr kumimoji="1" lang="ja-JP" altLang="en-US"/>
           </a:p>
         </p:txBody>
       </p:sp>
@@ -2753,7 +2727,7 @@
           <a:p>
             <a:pPr lvl="0"/>
             <a:r>
-              <a:rPr kumimoji="1" lang="ja-JP" altLang="en-US" smtClean="0"/>
+              <a:rPr kumimoji="1" lang="ja-JP" altLang="en-US"/>
               <a:t>マスター テキストの書式設定</a:t>
             </a:r>
           </a:p>
@@ -2879,10 +2853,9 @@
           </a:lstStyle>
           <a:p>
             <a:r>
-              <a:rPr kumimoji="1" lang="ja-JP" altLang="en-US" smtClean="0"/>
+              <a:rPr kumimoji="1" lang="ja-JP" altLang="en-US"/>
               <a:t>マスター タイトルの書式設定</a:t>
             </a:r>
-            <a:endParaRPr kumimoji="1" lang="ja-JP" altLang="en-US"/>
           </a:p>
         </p:txBody>
       </p:sp>
@@ -3006,7 +2979,7 @@
           <a:p>
             <a:pPr lvl="0"/>
             <a:r>
-              <a:rPr kumimoji="1" lang="ja-JP" altLang="en-US" smtClean="0"/>
+              <a:rPr kumimoji="1" lang="ja-JP" altLang="en-US"/>
               <a:t>マスター テキストの書式設定</a:t>
             </a:r>
           </a:p>
@@ -3138,10 +3111,9 @@
           <a:lstStyle/>
           <a:p>
             <a:r>
-              <a:rPr kumimoji="1" lang="ja-JP" altLang="en-US" smtClean="0"/>
+              <a:rPr kumimoji="1" lang="ja-JP" altLang="en-US"/>
               <a:t>マスター タイトルの書式設定</a:t>
             </a:r>
-            <a:endParaRPr kumimoji="1" lang="ja-JP" altLang="en-US"/>
           </a:p>
         </p:txBody>
       </p:sp>
@@ -3172,70 +3144,69 @@
           <a:p>
             <a:pPr lvl="0"/>
             <a:r>
-              <a:rPr kumimoji="1" lang="ja-JP" altLang="en-US" smtClean="0"/>
+              <a:rPr kumimoji="1" lang="ja-JP" altLang="en-US"/>
               <a:t>マスター テキストの書式設定</a:t>
             </a:r>
           </a:p>
           <a:p>
             <a:pPr lvl="1"/>
             <a:r>
-              <a:rPr kumimoji="1" lang="ja-JP" altLang="en-US" smtClean="0"/>
+              <a:rPr kumimoji="1" lang="ja-JP" altLang="en-US"/>
               <a:t>第 </a:t>
             </a:r>
             <a:r>
-              <a:rPr kumimoji="1" lang="en-US" altLang="ja-JP" smtClean="0"/>
+              <a:rPr kumimoji="1" lang="en-US" altLang="ja-JP"/>
               <a:t>2 </a:t>
             </a:r>
             <a:r>
-              <a:rPr kumimoji="1" lang="ja-JP" altLang="en-US" smtClean="0"/>
+              <a:rPr kumimoji="1" lang="ja-JP" altLang="en-US"/>
               <a:t>レベル</a:t>
             </a:r>
           </a:p>
           <a:p>
             <a:pPr lvl="2"/>
             <a:r>
-              <a:rPr kumimoji="1" lang="ja-JP" altLang="en-US" smtClean="0"/>
+              <a:rPr kumimoji="1" lang="ja-JP" altLang="en-US"/>
               <a:t>第 </a:t>
             </a:r>
             <a:r>
-              <a:rPr kumimoji="1" lang="en-US" altLang="ja-JP" smtClean="0"/>
+              <a:rPr kumimoji="1" lang="en-US" altLang="ja-JP"/>
               <a:t>3 </a:t>
             </a:r>
             <a:r>
-              <a:rPr kumimoji="1" lang="ja-JP" altLang="en-US" smtClean="0"/>
+              <a:rPr kumimoji="1" lang="ja-JP" altLang="en-US"/>
               <a:t>レベル</a:t>
             </a:r>
           </a:p>
           <a:p>
             <a:pPr lvl="3"/>
             <a:r>
-              <a:rPr kumimoji="1" lang="ja-JP" altLang="en-US" smtClean="0"/>
+              <a:rPr kumimoji="1" lang="ja-JP" altLang="en-US"/>
               <a:t>第 </a:t>
             </a:r>
             <a:r>
-              <a:rPr kumimoji="1" lang="en-US" altLang="ja-JP" smtClean="0"/>
+              <a:rPr kumimoji="1" lang="en-US" altLang="ja-JP"/>
               <a:t>4 </a:t>
             </a:r>
             <a:r>
-              <a:rPr kumimoji="1" lang="ja-JP" altLang="en-US" smtClean="0"/>
+              <a:rPr kumimoji="1" lang="ja-JP" altLang="en-US"/>
               <a:t>レベル</a:t>
             </a:r>
           </a:p>
           <a:p>
             <a:pPr lvl="4"/>
             <a:r>
-              <a:rPr kumimoji="1" lang="ja-JP" altLang="en-US" smtClean="0"/>
+              <a:rPr kumimoji="1" lang="ja-JP" altLang="en-US"/>
               <a:t>第 </a:t>
             </a:r>
             <a:r>
-              <a:rPr kumimoji="1" lang="en-US" altLang="ja-JP" smtClean="0"/>
+              <a:rPr kumimoji="1" lang="en-US" altLang="ja-JP"/>
               <a:t>5 </a:t>
             </a:r>
             <a:r>
-              <a:rPr kumimoji="1" lang="ja-JP" altLang="en-US" smtClean="0"/>
+              <a:rPr kumimoji="1" lang="ja-JP" altLang="en-US"/>
               <a:t>レベル</a:t>
             </a:r>
-            <a:endParaRPr kumimoji="1" lang="ja-JP" altLang="en-US"/>
           </a:p>
         </p:txBody>
       </p:sp>
@@ -3696,7 +3667,7 @@
           <a:lstStyle/>
           <a:p>
             <a:r>
-              <a:rPr kumimoji="1" lang="en-US" altLang="ja-JP" smtClean="0"/>
+              <a:rPr kumimoji="1" lang="en-US" altLang="ja-JP"/>
               <a:t>Progress Report</a:t>
             </a:r>
             <a:endParaRPr kumimoji="1" lang="ja-JP" altLang="en-US"/>
@@ -3724,13 +3695,13 @@
           <a:lstStyle/>
           <a:p>
             <a:r>
-              <a:rPr kumimoji="1" lang="en-US" altLang="ja-JP" smtClean="0"/>
+              <a:rPr kumimoji="1" lang="en-US" altLang="ja-JP"/>
               <a:t>2023/11/29</a:t>
             </a:r>
           </a:p>
           <a:p>
             <a:r>
-              <a:rPr lang="en-US" altLang="ja-JP" smtClean="0"/>
+              <a:rPr lang="en-US" altLang="ja-JP"/>
               <a:t>B4 Kubo Keito</a:t>
             </a:r>
             <a:endParaRPr kumimoji="1" lang="ja-JP" altLang="en-US"/>
@@ -3771,13 +3742,6 @@
   <p:clrMapOvr>
     <a:masterClrMapping/>
   </p:clrMapOvr>
-  <p:timing>
-    <p:tnLst>
-      <p:par>
-        <p:cTn id="1" dur="indefinite" restart="never" nodeType="tmRoot"/>
-      </p:par>
-    </p:tnLst>
-  </p:timing>
 </p:sld>
 </file>
 
@@ -3901,7 +3865,7 @@
           <a:lstStyle/>
           <a:p>
             <a:r>
-              <a:rPr kumimoji="1" lang="en-US" altLang="ja-JP" smtClean="0"/>
+              <a:rPr kumimoji="1" lang="en-US" altLang="ja-JP"/>
               <a:t>Consider Fermi degeneracy effect</a:t>
             </a:r>
             <a:endParaRPr kumimoji="1" lang="ja-JP" altLang="en-US"/>
@@ -4218,13 +4182,6 @@
   <p:clrMapOvr>
     <a:masterClrMapping/>
   </p:clrMapOvr>
-  <p:timing>
-    <p:tnLst>
-      <p:par>
-        <p:cTn id="1" dur="indefinite" restart="never" nodeType="tmRoot"/>
-      </p:par>
-    </p:tnLst>
-  </p:timing>
 </p:sld>
 </file>
 
@@ -4348,30 +4305,23 @@
           <a:lstStyle/>
           <a:p>
             <a:r>
-              <a:rPr kumimoji="1" lang="en-US" altLang="ja-JP" smtClean="0"/>
-              <a:t>Fermi degeneracy : Simulation </a:t>
-            </a:r>
-            <a:endParaRPr kumimoji="1" lang="ja-JP" altLang="en-US"/>
+              <a:rPr lang="en-US" altLang="ja-JP" dirty="0"/>
+              <a:t>Phonon scattering : Consideration</a:t>
+            </a:r>
+            <a:endParaRPr kumimoji="1" lang="ja-JP" altLang="en-US" dirty="0"/>
           </a:p>
         </p:txBody>
       </p:sp>
     </p:spTree>
     <p:extLst>
       <p:ext uri="{BB962C8B-B14F-4D97-AF65-F5344CB8AC3E}">
-        <p14:creationId xmlns:p14="http://schemas.microsoft.com/office/powerpoint/2010/main" val="3424097131"/>
+        <p14:creationId xmlns:p14="http://schemas.microsoft.com/office/powerpoint/2010/main" val="162317636"/>
       </p:ext>
     </p:extLst>
   </p:cSld>
   <p:clrMapOvr>
     <a:masterClrMapping/>
   </p:clrMapOvr>
-  <p:timing>
-    <p:tnLst>
-      <p:par>
-        <p:cTn id="1" dur="indefinite" restart="never" nodeType="tmRoot"/>
-      </p:par>
-    </p:tnLst>
-  </p:timing>
 </p:sld>
 </file>
 
@@ -4495,30 +4445,80 @@
           <a:lstStyle/>
           <a:p>
             <a:r>
-              <a:rPr kumimoji="1" lang="en-US" altLang="ja-JP" smtClean="0"/>
-              <a:t>Future Plans</a:t>
-            </a:r>
-            <a:endParaRPr kumimoji="1" lang="ja-JP" altLang="en-US"/>
+              <a:rPr kumimoji="1" lang="en-US" altLang="ja-JP" dirty="0"/>
+              <a:t>Near future Plans</a:t>
+            </a:r>
+            <a:endParaRPr kumimoji="1" lang="ja-JP" altLang="en-US" dirty="0"/>
+          </a:p>
+        </p:txBody>
+      </p:sp>
+      <p:sp>
+        <p:nvSpPr>
+          <p:cNvPr id="2" name="テキスト ボックス 1">
+            <a:extLst>
+              <a:ext uri="{FF2B5EF4-FFF2-40B4-BE49-F238E27FC236}">
+                <a16:creationId xmlns:a16="http://schemas.microsoft.com/office/drawing/2014/main" id="{45E6AC3D-7F13-4687-B0BA-72754B6335D4}"/>
+              </a:ext>
+            </a:extLst>
+          </p:cNvPr>
+          <p:cNvSpPr txBox="1"/>
+          <p:nvPr/>
+        </p:nvSpPr>
+        <p:spPr>
+          <a:xfrm>
+            <a:off x="938151" y="1828799"/>
+            <a:ext cx="9214317" cy="1200329"/>
+          </a:xfrm>
+          <a:prstGeom prst="rect">
+            <a:avLst/>
+          </a:prstGeom>
+          <a:noFill/>
+        </p:spPr>
+        <p:txBody>
+          <a:bodyPr wrap="none" rtlCol="0">
+            <a:spAutoFit/>
+          </a:bodyPr>
+          <a:lstStyle/>
+          <a:p>
+            <a:pPr marL="285750" indent="-285750">
+              <a:buFont typeface="Arial" panose="020B0604020202020204" pitchFamily="34" charset="0"/>
+              <a:buChar char="•"/>
+            </a:pPr>
+            <a:r>
+              <a:rPr lang="en-US" altLang="ja-JP" sz="2400" dirty="0"/>
+              <a:t>Implementation of the described Fermi degeneracy effect.</a:t>
+            </a:r>
+          </a:p>
+          <a:p>
+            <a:pPr marL="285750" indent="-285750">
+              <a:buFont typeface="Arial" panose="020B0604020202020204" pitchFamily="34" charset="0"/>
+              <a:buChar char="•"/>
+            </a:pPr>
+            <a:endParaRPr kumimoji="1" lang="en-US" altLang="ja-JP" sz="2400" dirty="0"/>
+          </a:p>
+          <a:p>
+            <a:pPr marL="285750" indent="-285750">
+              <a:buFont typeface="Arial" panose="020B0604020202020204" pitchFamily="34" charset="0"/>
+              <a:buChar char="•"/>
+            </a:pPr>
+            <a:r>
+              <a:rPr lang="en-US" altLang="ja-JP" sz="2400" dirty="0"/>
+              <a:t>Preparation of thesis</a:t>
+            </a:r>
+            <a:endParaRPr kumimoji="1" lang="ja-JP" altLang="en-US" sz="2400" dirty="0"/>
           </a:p>
         </p:txBody>
       </p:sp>
     </p:spTree>
     <p:extLst>
       <p:ext uri="{BB962C8B-B14F-4D97-AF65-F5344CB8AC3E}">
-        <p14:creationId xmlns:p14="http://schemas.microsoft.com/office/powerpoint/2010/main" val="162317636"/>
+        <p14:creationId xmlns:p14="http://schemas.microsoft.com/office/powerpoint/2010/main" val="3751713190"/>
       </p:ext>
     </p:extLst>
   </p:cSld>
   <p:clrMapOvr>
     <a:masterClrMapping/>
   </p:clrMapOvr>
-  <p:timing>
-    <p:tnLst>
-      <p:par>
-        <p:cTn id="1" dur="indefinite" restart="never" nodeType="tmRoot"/>
-      </p:par>
-    </p:tnLst>
-  </p:timing>
 </p:sld>
 </file>
 
@@ -4619,7 +4619,7 @@
           <a:lstStyle/>
           <a:p>
             <a:r>
-              <a:rPr kumimoji="1" lang="en-US" altLang="ja-JP" smtClean="0"/>
+              <a:rPr kumimoji="1" lang="en-US" altLang="ja-JP"/>
               <a:t>Background</a:t>
             </a:r>
             <a:endParaRPr kumimoji="1" lang="ja-JP" altLang="en-US"/>
@@ -4666,18 +4666,14 @@
             </a:r>
             <a:r>
               <a:rPr lang="en-US" altLang="ja-JP" sz="2400"/>
-              <a:t>plays an important role</a:t>
-            </a:r>
-            <a:r>
-              <a:rPr lang="en-US" altLang="ja-JP" sz="2400" smtClean="0"/>
-              <a:t>.</a:t>
+              <a:t>plays an important role.</a:t>
             </a:r>
           </a:p>
           <a:p>
             <a:endParaRPr lang="en-US" altLang="ja-JP" sz="2400"/>
           </a:p>
           <a:p>
-            <a:endParaRPr lang="en-US" altLang="ja-JP" sz="2400" smtClean="0"/>
+            <a:endParaRPr lang="en-US" altLang="ja-JP" sz="2400"/>
           </a:p>
           <a:p>
             <a:pPr marL="0" indent="0">
@@ -4703,15 +4699,7 @@
             </a:r>
             <a:r>
               <a:rPr lang="en-US" altLang="ja-JP" sz="2400"/>
-              <a:t> for a </a:t>
-            </a:r>
-            <a:r>
-              <a:rPr lang="en-US" altLang="ja-JP" sz="2400" smtClean="0"/>
-              <a:t>two-dimensional electron </a:t>
-            </a:r>
-            <a:r>
-              <a:rPr lang="en-US" altLang="ja-JP" sz="2400"/>
-              <a:t>gas that takes </a:t>
+              <a:t> for a two-dimensional electron gas that takes </a:t>
             </a:r>
             <a:r>
               <a:rPr lang="en-US" altLang="ja-JP" sz="2400">
@@ -4809,13 +4797,6 @@
   <p:clrMapOvr>
     <a:masterClrMapping/>
   </p:clrMapOvr>
-  <p:timing>
-    <p:tnLst>
-      <p:par>
-        <p:cTn id="1" dur="indefinite" restart="never" nodeType="tmRoot"/>
-      </p:par>
-    </p:tnLst>
-  </p:timing>
 </p:sld>
 </file>
 
@@ -4857,52 +4838,28 @@
           <a:lstStyle/>
           <a:p>
             <a:r>
-              <a:rPr lang="en-US" altLang="ja-JP" smtClean="0"/>
-              <a:t>Implemented Thermal </a:t>
-            </a:r>
-            <a:r>
-              <a:rPr lang="en-US" altLang="ja-JP"/>
-              <a:t>equilibrium distribution </a:t>
-            </a:r>
-            <a:r>
-              <a:rPr lang="en-US" altLang="ja-JP" smtClean="0"/>
-              <a:t>function</a:t>
-            </a:r>
-          </a:p>
-          <a:p>
-            <a:endParaRPr kumimoji="1" lang="en-US" altLang="ja-JP"/>
-          </a:p>
-          <a:p>
-            <a:r>
-              <a:rPr lang="en-US" altLang="ja-JP" smtClean="0"/>
-              <a:t>Replaced </a:t>
-            </a:r>
-            <a:r>
-              <a:rPr lang="en-US" altLang="ja-JP"/>
-              <a:t>inelastic scattering with phonon </a:t>
-            </a:r>
-            <a:r>
-              <a:rPr lang="en-US" altLang="ja-JP" smtClean="0"/>
-              <a:t>scattering</a:t>
-            </a:r>
-          </a:p>
-          <a:p>
-            <a:endParaRPr lang="en-US" altLang="ja-JP"/>
-          </a:p>
-          <a:p>
-            <a:r>
-              <a:rPr lang="en-US" altLang="ja-JP" smtClean="0"/>
-              <a:t>Introduced </a:t>
-            </a:r>
-            <a:r>
-              <a:rPr lang="en-US" altLang="ja-JP"/>
-              <a:t>Fermi </a:t>
-            </a:r>
-            <a:r>
-              <a:rPr lang="en-US" altLang="ja-JP" smtClean="0"/>
-              <a:t>degeneracy effect</a:t>
-            </a:r>
-            <a:endParaRPr kumimoji="1" lang="ja-JP" altLang="en-US"/>
+              <a:rPr lang="en-US" altLang="ja-JP" dirty="0"/>
+              <a:t>Implemented Thermal equilibrium distribution function</a:t>
+            </a:r>
+          </a:p>
+          <a:p>
+            <a:endParaRPr kumimoji="1" lang="en-US" altLang="ja-JP" dirty="0"/>
+          </a:p>
+          <a:p>
+            <a:r>
+              <a:rPr lang="en-US" altLang="ja-JP" dirty="0"/>
+              <a:t>Replaced inelastic scattering with phonon scattering</a:t>
+            </a:r>
+          </a:p>
+          <a:p>
+            <a:endParaRPr lang="en-US" altLang="ja-JP" dirty="0"/>
+          </a:p>
+          <a:p>
+            <a:r>
+              <a:rPr lang="en-US" altLang="ja-JP" dirty="0"/>
+              <a:t>Considered Fermi degeneracy effect</a:t>
+            </a:r>
+            <a:endParaRPr kumimoji="1" lang="ja-JP" altLang="en-US" dirty="0"/>
           </a:p>
         </p:txBody>
       </p:sp>
@@ -5009,7 +4966,7 @@
           <a:lstStyle/>
           <a:p>
             <a:r>
-              <a:rPr kumimoji="1" lang="en-US" altLang="ja-JP" smtClean="0"/>
+              <a:rPr kumimoji="1" lang="en-US" altLang="ja-JP"/>
               <a:t>Progress</a:t>
             </a:r>
             <a:endParaRPr kumimoji="1" lang="ja-JP" altLang="en-US"/>
@@ -5026,13 +4983,6 @@
   <p:clrMapOvr>
     <a:masterClrMapping/>
   </p:clrMapOvr>
-  <p:timing>
-    <p:tnLst>
-      <p:par>
-        <p:cTn id="1" dur="indefinite" restart="never" nodeType="tmRoot"/>
-      </p:par>
-    </p:tnLst>
-  </p:timing>
 </p:sld>
 </file>
 
@@ -5076,7 +5026,7 @@
           <a:lstStyle/>
           <a:p>
             <a:r>
-              <a:rPr lang="en-US" altLang="ja-JP" sz="2400" smtClean="0"/>
+              <a:rPr lang="en-US" altLang="ja-JP" sz="2400"/>
               <a:t>At Fermi degeneracy, the Fermi energy is greater than the bottom of the conduction band</a:t>
             </a:r>
           </a:p>
@@ -5189,11 +5139,11 @@
               <a:t>Boltzmann </a:t>
             </a:r>
             <a:r>
-              <a:rPr lang="ja-JP" altLang="en-US" smtClean="0"/>
+              <a:rPr lang="ja-JP" altLang="en-US"/>
               <a:t>→</a:t>
             </a:r>
             <a:r>
-              <a:rPr lang="en-US" altLang="ja-JP" smtClean="0"/>
+              <a:rPr lang="en-US" altLang="ja-JP"/>
               <a:t> Fermi-Dirac</a:t>
             </a:r>
             <a:endParaRPr kumimoji="1" lang="ja-JP" altLang="en-US"/>
@@ -5285,7 +5235,7 @@
               <a:lstStyle/>
               <a:p>
                 <a:r>
-                  <a:rPr kumimoji="1" lang="en-US" altLang="ja-JP" sz="2000" smtClean="0"/>
+                  <a:rPr kumimoji="1" lang="en-US" altLang="ja-JP" sz="2000"/>
                   <a:t>No degeneracy : </a:t>
                 </a:r>
                 <a14:m>
@@ -5391,12 +5341,8 @@
               <a:lstStyle/>
               <a:p>
                 <a:r>
-                  <a:rPr lang="en-US" altLang="ja-JP" sz="2000"/>
-                  <a:t>d</a:t>
-                </a:r>
-                <a:r>
-                  <a:rPr lang="en-US" altLang="ja-JP" sz="2000" smtClean="0"/>
-                  <a:t>egeneracy : </a:t>
+                  <a:rPr lang="en-US" altLang="ja-JP" sz="2000" dirty="0"/>
+                  <a:t>degeneracy : </a:t>
                 </a:r>
                 <a14:m>
                   <m:oMath xmlns:m="http://schemas.openxmlformats.org/officeDocument/2006/math">
@@ -5469,7 +5415,7 @@
                     </m:r>
                   </m:oMath>
                 </a14:m>
-                <a:endParaRPr lang="ja-JP" altLang="en-US" sz="2000"/>
+                <a:endParaRPr lang="ja-JP" altLang="en-US" sz="2000" dirty="0"/>
               </a:p>
             </p:txBody>
           </p:sp>
@@ -5523,164 +5469,10 @@
   <p:clrMapOvr>
     <a:masterClrMapping/>
   </p:clrMapOvr>
-  <p:timing>
-    <p:tnLst>
-      <p:par>
-        <p:cTn id="1" dur="indefinite" restart="never" nodeType="tmRoot"/>
-      </p:par>
-    </p:tnLst>
-  </p:timing>
 </p:sld>
 </file>
 
 <file path=ppt/slides/slide5.xml><?xml version="1.0" encoding="utf-8"?>
-<p:sld xmlns:a="http://schemas.openxmlformats.org/drawingml/2006/main" xmlns:r="http://schemas.openxmlformats.org/officeDocument/2006/relationships" xmlns:p="http://schemas.openxmlformats.org/presentationml/2006/main">
-  <p:cSld>
-    <p:spTree>
-      <p:nvGrpSpPr>
-        <p:cNvPr id="1" name=""/>
-        <p:cNvGrpSpPr/>
-        <p:nvPr/>
-      </p:nvGrpSpPr>
-      <p:grpSpPr>
-        <a:xfrm>
-          <a:off x="0" y="0"/>
-          <a:ext cx="0" cy="0"/>
-          <a:chOff x="0" y="0"/>
-          <a:chExt cx="0" cy="0"/>
-        </a:xfrm>
-      </p:grpSpPr>
-      <p:sp>
-        <p:nvSpPr>
-          <p:cNvPr id="4" name="スライド番号プレースホルダー 3"/>
-          <p:cNvSpPr>
-            <a:spLocks noGrp="1"/>
-          </p:cNvSpPr>
-          <p:nvPr>
-            <p:ph type="sldNum" sz="quarter" idx="12"/>
-          </p:nvPr>
-        </p:nvSpPr>
-        <p:spPr/>
-        <p:txBody>
-          <a:bodyPr/>
-          <a:lstStyle/>
-          <a:p>
-            <a:fld id="{7150E25F-B8C9-4ED1-8626-95CB18EC23DC}" type="slidenum">
-              <a:rPr kumimoji="1" lang="ja-JP" altLang="en-US" smtClean="0"/>
-              <a:t>5</a:t>
-            </a:fld>
-            <a:endParaRPr kumimoji="1" lang="ja-JP" altLang="en-US"/>
-          </a:p>
-        </p:txBody>
-      </p:sp>
-      <p:sp>
-        <p:nvSpPr>
-          <p:cNvPr id="5" name="正方形/長方形 4">
-            <a:extLst>
-              <a:ext uri="{FF2B5EF4-FFF2-40B4-BE49-F238E27FC236}">
-                <a16:creationId xmlns:a16="http://schemas.microsoft.com/office/drawing/2014/main" id="{E5FDB2C6-CC73-4C09-BA37-9683A766E164}"/>
-              </a:ext>
-            </a:extLst>
-          </p:cNvPr>
-          <p:cNvSpPr/>
-          <p:nvPr/>
-        </p:nvSpPr>
-        <p:spPr>
-          <a:xfrm>
-            <a:off x="-1" y="-1"/>
-            <a:ext cx="12192001" cy="1242391"/>
-          </a:xfrm>
-          <a:prstGeom prst="rect">
-            <a:avLst/>
-          </a:prstGeom>
-          <a:solidFill>
-            <a:srgbClr val="00B036">
-              <a:alpha val="72000"/>
-            </a:srgbClr>
-          </a:solidFill>
-          <a:ln>
-            <a:solidFill>
-              <a:schemeClr val="accent1">
-                <a:shade val="50000"/>
-                <a:alpha val="0"/>
-              </a:schemeClr>
-            </a:solidFill>
-          </a:ln>
-        </p:spPr>
-        <p:style>
-          <a:lnRef idx="2">
-            <a:schemeClr val="accent1">
-              <a:shade val="50000"/>
-            </a:schemeClr>
-          </a:lnRef>
-          <a:fillRef idx="1">
-            <a:schemeClr val="accent1"/>
-          </a:fillRef>
-          <a:effectRef idx="0">
-            <a:schemeClr val="accent1"/>
-          </a:effectRef>
-          <a:fontRef idx="minor">
-            <a:schemeClr val="lt1"/>
-          </a:fontRef>
-        </p:style>
-        <p:txBody>
-          <a:bodyPr rtlCol="0" anchor="ctr"/>
-          <a:lstStyle/>
-          <a:p>
-            <a:pPr algn="ctr"/>
-            <a:endParaRPr kumimoji="1" lang="ja-JP" altLang="en-US" dirty="0"/>
-          </a:p>
-        </p:txBody>
-      </p:sp>
-      <p:sp>
-        <p:nvSpPr>
-          <p:cNvPr id="6" name="タイトル 1"/>
-          <p:cNvSpPr>
-            <a:spLocks noGrp="1"/>
-          </p:cNvSpPr>
-          <p:nvPr>
-            <p:ph type="title"/>
-          </p:nvPr>
-        </p:nvSpPr>
-        <p:spPr>
-          <a:xfrm>
-            <a:off x="72887" y="0"/>
-            <a:ext cx="10515600" cy="1325563"/>
-          </a:xfrm>
-        </p:spPr>
-        <p:txBody>
-          <a:bodyPr/>
-          <a:lstStyle/>
-          <a:p>
-            <a:r>
-              <a:rPr kumimoji="1" lang="en-US" altLang="ja-JP" smtClean="0"/>
-              <a:t>Fermi-Dirac : Simulation</a:t>
-            </a:r>
-            <a:endParaRPr kumimoji="1" lang="ja-JP" altLang="en-US"/>
-          </a:p>
-        </p:txBody>
-      </p:sp>
-    </p:spTree>
-    <p:extLst>
-      <p:ext uri="{BB962C8B-B14F-4D97-AF65-F5344CB8AC3E}">
-        <p14:creationId xmlns:p14="http://schemas.microsoft.com/office/powerpoint/2010/main" val="295297662"/>
-      </p:ext>
-    </p:extLst>
-  </p:cSld>
-  <p:clrMapOvr>
-    <a:masterClrMapping/>
-  </p:clrMapOvr>
-  <p:timing>
-    <p:tnLst>
-      <p:par>
-        <p:cTn id="1" dur="indefinite" restart="never" nodeType="tmRoot"/>
-      </p:par>
-    </p:tnLst>
-  </p:timing>
-</p:sld>
-</file>
-
-<file path=ppt/slides/slide6.xml><?xml version="1.0" encoding="utf-8"?>
 <p:sld xmlns:a="http://schemas.openxmlformats.org/drawingml/2006/main" xmlns:r="http://schemas.openxmlformats.org/officeDocument/2006/relationships" xmlns:p="http://schemas.openxmlformats.org/presentationml/2006/main">
   <p:cSld>
     <p:spTree>
@@ -5755,11 +5547,7 @@
           <a:p>
             <a:r>
               <a:rPr lang="en-US" altLang="ja-JP" sz="2400"/>
-              <a:t>Electron density is calculated using the Fermi </a:t>
-            </a:r>
-            <a:r>
-              <a:rPr lang="en-US" altLang="ja-JP" sz="2400" smtClean="0"/>
-              <a:t>integral :</a:t>
+              <a:t>Electron density is calculated using the Fermi integral :</a:t>
             </a:r>
             <a:endParaRPr kumimoji="1" lang="ja-JP" altLang="en-US" sz="2400"/>
           </a:p>
@@ -5782,7 +5570,7 @@
           <a:p>
             <a:fld id="{7150E25F-B8C9-4ED1-8626-95CB18EC23DC}" type="slidenum">
               <a:rPr kumimoji="1" lang="ja-JP" altLang="en-US" smtClean="0"/>
-              <a:t>6</a:t>
+              <a:t>5</a:t>
             </a:fld>
             <a:endParaRPr kumimoji="1" lang="ja-JP" altLang="en-US"/>
           </a:p>
@@ -5875,8 +5663,8 @@
           </a:p>
         </p:txBody>
       </p:sp>
-      <mc:AlternateContent xmlns:mc="http://schemas.openxmlformats.org/markup-compatibility/2006" xmlns:a14="http://schemas.microsoft.com/office/drawing/2010/main">
-        <mc:Choice Requires="a14">
+      <mc:AlternateContent xmlns:mc="http://schemas.openxmlformats.org/markup-compatibility/2006">
+        <mc:Choice xmlns:a14="http://schemas.microsoft.com/office/drawing/2010/main" Requires="a14">
           <p:sp>
             <p:nvSpPr>
               <p:cNvPr id="2" name="テキスト ボックス 1"/>
@@ -6022,6 +5810,18 @@
                             <a:rPr kumimoji="1" lang="en-US" altLang="ja-JP" sz="2000" b="0" i="1" smtClean="0">
                               <a:latin typeface="Cambria Math" panose="02040503050406030204" pitchFamily="18" charset="0"/>
                             </a:rPr>
+                            <m:t>𝑑</m:t>
+                          </m:r>
+                          <m:r>
+                            <a:rPr lang="ja-JP" altLang="en-US" sz="2000" i="1">
+                              <a:latin typeface="Cambria Math" panose="02040503050406030204" pitchFamily="18" charset="0"/>
+                            </a:rPr>
+                            <m:t>𝜖</m:t>
+                          </m:r>
+                          <m:r>
+                            <a:rPr kumimoji="1" lang="en-US" altLang="ja-JP" sz="2000" b="0" i="1" smtClean="0">
+                              <a:latin typeface="Cambria Math" panose="02040503050406030204" pitchFamily="18" charset="0"/>
+                            </a:rPr>
                             <m:t>=</m:t>
                           </m:r>
                           <m:r>
@@ -6090,12 +5890,12 @@
                     </m:oMath>
                   </m:oMathPara>
                 </a14:m>
-                <a:endParaRPr kumimoji="1" lang="ja-JP" altLang="en-US" sz="2000"/>
+                <a:endParaRPr kumimoji="1" lang="ja-JP" altLang="en-US" sz="2000" dirty="0"/>
               </a:p>
             </p:txBody>
           </p:sp>
         </mc:Choice>
-        <mc:Fallback xmlns="">
+        <mc:Fallback>
           <p:sp>
             <p:nvSpPr>
               <p:cNvPr id="2" name="テキスト ボックス 1"/>
@@ -6115,7 +5915,7 @@
               <a:blipFill>
                 <a:blip r:embed="rId3"/>
                 <a:stretch>
-                  <a:fillRect r="-334356"/>
+                  <a:fillRect r="-366258"/>
                 </a:stretch>
               </a:blipFill>
             </p:spPr>
@@ -6549,15 +6349,7 @@
                   <a:srgbClr val="FF0000"/>
                 </a:solidFill>
               </a:rPr>
-              <a:t>rejection </a:t>
-            </a:r>
-            <a:r>
-              <a:rPr lang="en-US" altLang="ja-JP" sz="2400" smtClean="0">
-                <a:solidFill>
-                  <a:srgbClr val="FF0000"/>
-                </a:solidFill>
-              </a:rPr>
-              <a:t>sampling</a:t>
+              <a:t>rejection sampling</a:t>
             </a:r>
             <a:endParaRPr kumimoji="1" lang="ja-JP" altLang="en-US" sz="2400">
               <a:solidFill>
@@ -7620,13 +7412,398 @@
   <p:clrMapOvr>
     <a:masterClrMapping/>
   </p:clrMapOvr>
-  <p:timing>
-    <p:tnLst>
-      <p:par>
-        <p:cTn id="1" dur="indefinite" restart="never" nodeType="tmRoot"/>
-      </p:par>
-    </p:tnLst>
-  </p:timing>
+</p:sld>
+</file>
+
+<file path=ppt/slides/slide6.xml><?xml version="1.0" encoding="utf-8"?>
+<p:sld xmlns:a="http://schemas.openxmlformats.org/drawingml/2006/main" xmlns:r="http://schemas.openxmlformats.org/officeDocument/2006/relationships" xmlns:p="http://schemas.openxmlformats.org/presentationml/2006/main">
+  <p:cSld>
+    <p:spTree>
+      <p:nvGrpSpPr>
+        <p:cNvPr id="1" name=""/>
+        <p:cNvGrpSpPr/>
+        <p:nvPr/>
+      </p:nvGrpSpPr>
+      <p:grpSpPr>
+        <a:xfrm>
+          <a:off x="0" y="0"/>
+          <a:ext cx="0" cy="0"/>
+          <a:chOff x="0" y="0"/>
+          <a:chExt cx="0" cy="0"/>
+        </a:xfrm>
+      </p:grpSpPr>
+      <p:pic>
+        <p:nvPicPr>
+          <p:cNvPr id="12" name="図 11">
+            <a:extLst>
+              <a:ext uri="{FF2B5EF4-FFF2-40B4-BE49-F238E27FC236}">
+                <a16:creationId xmlns:a16="http://schemas.microsoft.com/office/drawing/2014/main" id="{C7801FAE-AE77-41A3-B31C-905BFF8CC24D}"/>
+              </a:ext>
+            </a:extLst>
+          </p:cNvPr>
+          <p:cNvPicPr>
+            <a:picLocks noChangeAspect="1"/>
+          </p:cNvPicPr>
+          <p:nvPr/>
+        </p:nvPicPr>
+        <p:blipFill>
+          <a:blip r:embed="rId2">
+            <a:extLst>
+              <a:ext uri="{28A0092B-C50C-407E-A947-70E740481C1C}">
+                <a14:useLocalDpi xmlns:a14="http://schemas.microsoft.com/office/drawing/2010/main" val="0"/>
+              </a:ext>
+            </a:extLst>
+          </a:blip>
+          <a:stretch>
+            <a:fillRect/>
+          </a:stretch>
+        </p:blipFill>
+        <p:spPr>
+          <a:xfrm>
+            <a:off x="8941990" y="4299163"/>
+            <a:ext cx="2571696" cy="2558837"/>
+          </a:xfrm>
+          <a:prstGeom prst="rect">
+            <a:avLst/>
+          </a:prstGeom>
+        </p:spPr>
+      </p:pic>
+      <p:sp>
+        <p:nvSpPr>
+          <p:cNvPr id="4" name="スライド番号プレースホルダー 3"/>
+          <p:cNvSpPr>
+            <a:spLocks noGrp="1"/>
+          </p:cNvSpPr>
+          <p:nvPr>
+            <p:ph type="sldNum" sz="quarter" idx="12"/>
+          </p:nvPr>
+        </p:nvSpPr>
+        <p:spPr/>
+        <p:txBody>
+          <a:bodyPr/>
+          <a:lstStyle/>
+          <a:p>
+            <a:fld id="{7150E25F-B8C9-4ED1-8626-95CB18EC23DC}" type="slidenum">
+              <a:rPr kumimoji="1" lang="ja-JP" altLang="en-US" smtClean="0"/>
+              <a:t>6</a:t>
+            </a:fld>
+            <a:endParaRPr kumimoji="1" lang="ja-JP" altLang="en-US"/>
+          </a:p>
+        </p:txBody>
+      </p:sp>
+      <p:sp>
+        <p:nvSpPr>
+          <p:cNvPr id="5" name="正方形/長方形 4">
+            <a:extLst>
+              <a:ext uri="{FF2B5EF4-FFF2-40B4-BE49-F238E27FC236}">
+                <a16:creationId xmlns:a16="http://schemas.microsoft.com/office/drawing/2014/main" id="{E5FDB2C6-CC73-4C09-BA37-9683A766E164}"/>
+              </a:ext>
+            </a:extLst>
+          </p:cNvPr>
+          <p:cNvSpPr/>
+          <p:nvPr/>
+        </p:nvSpPr>
+        <p:spPr>
+          <a:xfrm>
+            <a:off x="-1" y="-1"/>
+            <a:ext cx="12192001" cy="1242391"/>
+          </a:xfrm>
+          <a:prstGeom prst="rect">
+            <a:avLst/>
+          </a:prstGeom>
+          <a:solidFill>
+            <a:srgbClr val="00B036">
+              <a:alpha val="72000"/>
+            </a:srgbClr>
+          </a:solidFill>
+          <a:ln>
+            <a:solidFill>
+              <a:schemeClr val="accent1">
+                <a:shade val="50000"/>
+                <a:alpha val="0"/>
+              </a:schemeClr>
+            </a:solidFill>
+          </a:ln>
+        </p:spPr>
+        <p:style>
+          <a:lnRef idx="2">
+            <a:schemeClr val="accent1">
+              <a:shade val="50000"/>
+            </a:schemeClr>
+          </a:lnRef>
+          <a:fillRef idx="1">
+            <a:schemeClr val="accent1"/>
+          </a:fillRef>
+          <a:effectRef idx="0">
+            <a:schemeClr val="accent1"/>
+          </a:effectRef>
+          <a:fontRef idx="minor">
+            <a:schemeClr val="lt1"/>
+          </a:fontRef>
+        </p:style>
+        <p:txBody>
+          <a:bodyPr rtlCol="0" anchor="ctr"/>
+          <a:lstStyle/>
+          <a:p>
+            <a:pPr algn="ctr"/>
+            <a:endParaRPr kumimoji="1" lang="ja-JP" altLang="en-US" dirty="0"/>
+          </a:p>
+        </p:txBody>
+      </p:sp>
+      <p:sp>
+        <p:nvSpPr>
+          <p:cNvPr id="6" name="タイトル 1"/>
+          <p:cNvSpPr>
+            <a:spLocks noGrp="1"/>
+          </p:cNvSpPr>
+          <p:nvPr>
+            <p:ph type="title"/>
+          </p:nvPr>
+        </p:nvSpPr>
+        <p:spPr>
+          <a:xfrm>
+            <a:off x="72887" y="0"/>
+            <a:ext cx="10515600" cy="1325563"/>
+          </a:xfrm>
+        </p:spPr>
+        <p:txBody>
+          <a:bodyPr/>
+          <a:lstStyle/>
+          <a:p>
+            <a:r>
+              <a:rPr kumimoji="1" lang="en-US" altLang="ja-JP"/>
+              <a:t>Fermi-Dirac : Simulation</a:t>
+            </a:r>
+            <a:endParaRPr kumimoji="1" lang="ja-JP" altLang="en-US"/>
+          </a:p>
+        </p:txBody>
+      </p:sp>
+      <p:pic>
+        <p:nvPicPr>
+          <p:cNvPr id="3" name="図 2">
+            <a:extLst>
+              <a:ext uri="{FF2B5EF4-FFF2-40B4-BE49-F238E27FC236}">
+                <a16:creationId xmlns:a16="http://schemas.microsoft.com/office/drawing/2014/main" id="{7DAA1A84-0273-4741-A836-B35816D22614}"/>
+              </a:ext>
+            </a:extLst>
+          </p:cNvPr>
+          <p:cNvPicPr>
+            <a:picLocks noChangeAspect="1"/>
+          </p:cNvPicPr>
+          <p:nvPr/>
+        </p:nvPicPr>
+        <p:blipFill>
+          <a:blip r:embed="rId3">
+            <a:extLst>
+              <a:ext uri="{28A0092B-C50C-407E-A947-70E740481C1C}">
+                <a14:useLocalDpi xmlns:a14="http://schemas.microsoft.com/office/drawing/2010/main" val="0"/>
+              </a:ext>
+            </a:extLst>
+          </a:blip>
+          <a:stretch>
+            <a:fillRect/>
+          </a:stretch>
+        </p:blipFill>
+        <p:spPr>
+          <a:xfrm>
+            <a:off x="240855" y="1358220"/>
+            <a:ext cx="5150462" cy="2500138"/>
+          </a:xfrm>
+          <a:prstGeom prst="rect">
+            <a:avLst/>
+          </a:prstGeom>
+        </p:spPr>
+      </p:pic>
+      <p:pic>
+        <p:nvPicPr>
+          <p:cNvPr id="8" name="図 7">
+            <a:extLst>
+              <a:ext uri="{FF2B5EF4-FFF2-40B4-BE49-F238E27FC236}">
+                <a16:creationId xmlns:a16="http://schemas.microsoft.com/office/drawing/2014/main" id="{F7883482-B3F3-4AFF-8FFB-E82C8335BFD2}"/>
+              </a:ext>
+            </a:extLst>
+          </p:cNvPr>
+          <p:cNvPicPr>
+            <a:picLocks noChangeAspect="1"/>
+          </p:cNvPicPr>
+          <p:nvPr/>
+        </p:nvPicPr>
+        <p:blipFill>
+          <a:blip r:embed="rId4">
+            <a:extLst>
+              <a:ext uri="{28A0092B-C50C-407E-A947-70E740481C1C}">
+                <a14:useLocalDpi xmlns:a14="http://schemas.microsoft.com/office/drawing/2010/main" val="0"/>
+              </a:ext>
+            </a:extLst>
+          </a:blip>
+          <a:stretch>
+            <a:fillRect/>
+          </a:stretch>
+        </p:blipFill>
+        <p:spPr>
+          <a:xfrm>
+            <a:off x="6310288" y="1382021"/>
+            <a:ext cx="5043512" cy="2448223"/>
+          </a:xfrm>
+          <a:prstGeom prst="rect">
+            <a:avLst/>
+          </a:prstGeom>
+        </p:spPr>
+      </p:pic>
+      <p:pic>
+        <p:nvPicPr>
+          <p:cNvPr id="10" name="図 9">
+            <a:extLst>
+              <a:ext uri="{FF2B5EF4-FFF2-40B4-BE49-F238E27FC236}">
+                <a16:creationId xmlns:a16="http://schemas.microsoft.com/office/drawing/2014/main" id="{6A47636E-0F4A-481E-9DBD-4FEDAC73712C}"/>
+              </a:ext>
+            </a:extLst>
+          </p:cNvPr>
+          <p:cNvPicPr>
+            <a:picLocks noChangeAspect="1"/>
+          </p:cNvPicPr>
+          <p:nvPr/>
+        </p:nvPicPr>
+        <p:blipFill>
+          <a:blip r:embed="rId5">
+            <a:extLst>
+              <a:ext uri="{28A0092B-C50C-407E-A947-70E740481C1C}">
+                <a14:useLocalDpi xmlns:a14="http://schemas.microsoft.com/office/drawing/2010/main" val="0"/>
+              </a:ext>
+            </a:extLst>
+          </a:blip>
+          <a:stretch>
+            <a:fillRect/>
+          </a:stretch>
+        </p:blipFill>
+        <p:spPr>
+          <a:xfrm>
+            <a:off x="83865" y="4208822"/>
+            <a:ext cx="5464443" cy="2652551"/>
+          </a:xfrm>
+          <a:prstGeom prst="rect">
+            <a:avLst/>
+          </a:prstGeom>
+        </p:spPr>
+      </p:pic>
+      <p:sp>
+        <p:nvSpPr>
+          <p:cNvPr id="11" name="テキスト ボックス 10">
+            <a:extLst>
+              <a:ext uri="{FF2B5EF4-FFF2-40B4-BE49-F238E27FC236}">
+                <a16:creationId xmlns:a16="http://schemas.microsoft.com/office/drawing/2014/main" id="{D9D84BF1-D44A-496D-80A7-BD1C8DBB9DF6}"/>
+              </a:ext>
+            </a:extLst>
+          </p:cNvPr>
+          <p:cNvSpPr txBox="1"/>
+          <p:nvPr/>
+        </p:nvSpPr>
+        <p:spPr>
+          <a:xfrm>
+            <a:off x="7232073" y="5165766"/>
+            <a:ext cx="184731" cy="369332"/>
+          </a:xfrm>
+          <a:prstGeom prst="rect">
+            <a:avLst/>
+          </a:prstGeom>
+          <a:noFill/>
+        </p:spPr>
+        <p:txBody>
+          <a:bodyPr wrap="none" rtlCol="0">
+            <a:spAutoFit/>
+          </a:bodyPr>
+          <a:lstStyle/>
+          <a:p>
+            <a:endParaRPr kumimoji="1" lang="ja-JP" altLang="en-US" dirty="0"/>
+          </a:p>
+        </p:txBody>
+      </p:sp>
+      <p:pic>
+        <p:nvPicPr>
+          <p:cNvPr id="13" name="図 12">
+            <a:extLst>
+              <a:ext uri="{FF2B5EF4-FFF2-40B4-BE49-F238E27FC236}">
+                <a16:creationId xmlns:a16="http://schemas.microsoft.com/office/drawing/2014/main" id="{4F1D7852-8A4C-498E-8AE2-B9557D71939A}"/>
+              </a:ext>
+            </a:extLst>
+          </p:cNvPr>
+          <p:cNvPicPr>
+            <a:picLocks noChangeAspect="1"/>
+          </p:cNvPicPr>
+          <p:nvPr/>
+        </p:nvPicPr>
+        <p:blipFill>
+          <a:blip r:embed="rId6">
+            <a:extLst>
+              <a:ext uri="{28A0092B-C50C-407E-A947-70E740481C1C}">
+                <a14:useLocalDpi xmlns:a14="http://schemas.microsoft.com/office/drawing/2010/main" val="0"/>
+              </a:ext>
+            </a:extLst>
+          </a:blip>
+          <a:stretch>
+            <a:fillRect/>
+          </a:stretch>
+        </p:blipFill>
+        <p:spPr>
+          <a:xfrm>
+            <a:off x="6310288" y="4299163"/>
+            <a:ext cx="2631702" cy="2558837"/>
+          </a:xfrm>
+          <a:prstGeom prst="rect">
+            <a:avLst/>
+          </a:prstGeom>
+        </p:spPr>
+      </p:pic>
+      <p:sp>
+        <p:nvSpPr>
+          <p:cNvPr id="14" name="テキスト ボックス 13">
+            <a:extLst>
+              <a:ext uri="{FF2B5EF4-FFF2-40B4-BE49-F238E27FC236}">
+                <a16:creationId xmlns:a16="http://schemas.microsoft.com/office/drawing/2014/main" id="{4164A7C2-0617-4811-AC5B-1253C2EFB157}"/>
+              </a:ext>
+            </a:extLst>
+          </p:cNvPr>
+          <p:cNvSpPr txBox="1"/>
+          <p:nvPr/>
+        </p:nvSpPr>
+        <p:spPr>
+          <a:xfrm>
+            <a:off x="7901049" y="3925890"/>
+            <a:ext cx="2459328" cy="338554"/>
+          </a:xfrm>
+          <a:prstGeom prst="rect">
+            <a:avLst/>
+          </a:prstGeom>
+          <a:noFill/>
+        </p:spPr>
+        <p:txBody>
+          <a:bodyPr wrap="none" rtlCol="0">
+            <a:spAutoFit/>
+          </a:bodyPr>
+          <a:lstStyle/>
+          <a:p>
+            <a:r>
+              <a:rPr kumimoji="1" lang="ja-JP" altLang="en-US" sz="1600" dirty="0"/>
+              <a:t>↓</a:t>
+            </a:r>
+            <a:r>
+              <a:rPr lang="en-US" altLang="ja-JP" sz="1600" dirty="0"/>
+              <a:t>EMC with Boltzmann</a:t>
+            </a:r>
+            <a:endParaRPr kumimoji="1" lang="ja-JP" altLang="en-US" sz="1600" dirty="0"/>
+          </a:p>
+        </p:txBody>
+      </p:sp>
+    </p:spTree>
+    <p:extLst>
+      <p:ext uri="{BB962C8B-B14F-4D97-AF65-F5344CB8AC3E}">
+        <p14:creationId xmlns:p14="http://schemas.microsoft.com/office/powerpoint/2010/main" val="295297662"/>
+      </p:ext>
+    </p:extLst>
+  </p:cSld>
+  <p:clrMapOvr>
+    <a:masterClrMapping/>
+  </p:clrMapOvr>
 </p:sld>
 </file>
 
@@ -7649,7 +7826,7 @@
       </p:grpSpPr>
       <p:pic>
         <p:nvPicPr>
-          <p:cNvPr id="8" name="図 7"/>
+          <p:cNvPr id="9" name="図 8"/>
           <p:cNvPicPr>
             <a:picLocks noChangeAspect="1"/>
           </p:cNvPicPr>
@@ -7663,13 +7840,49 @@
               </a:ext>
             </a:extLst>
           </a:blip>
-          <a:srcRect l="23307" r="14802" b="6791"/>
+          <a:srcRect l="23959" r="14221"/>
           <a:stretch/>
         </p:blipFill>
         <p:spPr>
           <a:xfrm>
-            <a:off x="4353340" y="1963325"/>
-            <a:ext cx="3830179" cy="4326239"/>
+            <a:off x="8137540" y="1095267"/>
+            <a:ext cx="3717006" cy="4509432"/>
+          </a:xfrm>
+          <a:prstGeom prst="rect">
+            <a:avLst/>
+          </a:prstGeom>
+        </p:spPr>
+      </p:pic>
+      <p:pic>
+        <p:nvPicPr>
+          <p:cNvPr id="10" name="図 9">
+            <a:extLst>
+              <a:ext uri="{FF2B5EF4-FFF2-40B4-BE49-F238E27FC236}">
+                <a16:creationId xmlns:a16="http://schemas.microsoft.com/office/drawing/2014/main" id="{D161FA4A-797C-4851-B451-80E51EBE65B2}"/>
+              </a:ext>
+            </a:extLst>
+          </p:cNvPr>
+          <p:cNvPicPr>
+            <a:picLocks noChangeAspect="1"/>
+          </p:cNvPicPr>
+          <p:nvPr/>
+        </p:nvPicPr>
+        <p:blipFill>
+          <a:blip r:embed="rId3">
+            <a:extLst>
+              <a:ext uri="{28A0092B-C50C-407E-A947-70E740481C1C}">
+                <a14:useLocalDpi xmlns:a14="http://schemas.microsoft.com/office/drawing/2010/main" val="0"/>
+              </a:ext>
+            </a:extLst>
+          </a:blip>
+          <a:stretch>
+            <a:fillRect/>
+          </a:stretch>
+        </p:blipFill>
+        <p:spPr>
+          <a:xfrm>
+            <a:off x="2658737" y="2587156"/>
+            <a:ext cx="2839538" cy="2129654"/>
           </a:xfrm>
           <a:prstGeom prst="rect">
             <a:avLst/>
@@ -7685,7 +7898,7 @@
           <p:nvPr/>
         </p:nvPicPr>
         <p:blipFill rotWithShape="1">
-          <a:blip r:embed="rId3">
+          <a:blip r:embed="rId4">
             <a:extLst>
               <a:ext uri="{28A0092B-C50C-407E-A947-70E740481C1C}">
                 <a14:useLocalDpi xmlns:a14="http://schemas.microsoft.com/office/drawing/2010/main" val="0"/>
@@ -7697,7 +7910,7 @@
         </p:blipFill>
         <p:spPr>
           <a:xfrm>
-            <a:off x="232761" y="1933922"/>
+            <a:off x="232761" y="1119645"/>
             <a:ext cx="3955774" cy="4787552"/>
           </a:xfrm>
           <a:prstGeom prst="rect">
@@ -7705,8 +7918,111 @@
           </a:prstGeom>
         </p:spPr>
       </p:pic>
-      <mc:AlternateContent xmlns:mc="http://schemas.openxmlformats.org/markup-compatibility/2006" xmlns:a14="http://schemas.microsoft.com/office/drawing/2010/main">
-        <mc:Choice Requires="a14">
+      <p:cxnSp>
+        <p:nvCxnSpPr>
+          <p:cNvPr id="13" name="直線矢印コネクタ 12"/>
+          <p:cNvCxnSpPr/>
+          <p:nvPr/>
+        </p:nvCxnSpPr>
+        <p:spPr>
+          <a:xfrm>
+            <a:off x="868037" y="4209751"/>
+            <a:ext cx="1790700" cy="571969"/>
+          </a:xfrm>
+          <a:prstGeom prst="straightConnector1">
+            <a:avLst/>
+          </a:prstGeom>
+          <a:ln w="38100">
+            <a:solidFill>
+              <a:srgbClr val="00B050"/>
+            </a:solidFill>
+            <a:headEnd type="triangle"/>
+            <a:tailEnd type="triangle"/>
+          </a:ln>
+        </p:spPr>
+        <p:style>
+          <a:lnRef idx="1">
+            <a:schemeClr val="accent1"/>
+          </a:lnRef>
+          <a:fillRef idx="0">
+            <a:schemeClr val="accent1"/>
+          </a:fillRef>
+          <a:effectRef idx="0">
+            <a:schemeClr val="accent1"/>
+          </a:effectRef>
+          <a:fontRef idx="minor">
+            <a:schemeClr val="tx1"/>
+          </a:fontRef>
+        </p:style>
+      </p:cxnSp>
+      <p:cxnSp>
+        <p:nvCxnSpPr>
+          <p:cNvPr id="16" name="直線矢印コネクタ 15"/>
+          <p:cNvCxnSpPr/>
+          <p:nvPr/>
+        </p:nvCxnSpPr>
+        <p:spPr>
+          <a:xfrm flipH="1">
+            <a:off x="2087880" y="3951803"/>
+            <a:ext cx="975360" cy="960120"/>
+          </a:xfrm>
+          <a:prstGeom prst="straightConnector1">
+            <a:avLst/>
+          </a:prstGeom>
+          <a:ln w="38100">
+            <a:solidFill>
+              <a:srgbClr val="00B050"/>
+            </a:solidFill>
+            <a:headEnd type="triangle"/>
+            <a:tailEnd type="triangle"/>
+          </a:ln>
+        </p:spPr>
+        <p:style>
+          <a:lnRef idx="1">
+            <a:schemeClr val="accent1"/>
+          </a:lnRef>
+          <a:fillRef idx="0">
+            <a:schemeClr val="accent1"/>
+          </a:fillRef>
+          <a:effectRef idx="0">
+            <a:schemeClr val="accent1"/>
+          </a:effectRef>
+          <a:fontRef idx="minor">
+            <a:schemeClr val="tx1"/>
+          </a:fontRef>
+        </p:style>
+      </p:cxnSp>
+      <p:pic>
+        <p:nvPicPr>
+          <p:cNvPr id="8" name="図 7"/>
+          <p:cNvPicPr>
+            <a:picLocks noChangeAspect="1"/>
+          </p:cNvPicPr>
+          <p:nvPr/>
+        </p:nvPicPr>
+        <p:blipFill rotWithShape="1">
+          <a:blip r:embed="rId5">
+            <a:extLst>
+              <a:ext uri="{28A0092B-C50C-407E-A947-70E740481C1C}">
+                <a14:useLocalDpi xmlns:a14="http://schemas.microsoft.com/office/drawing/2010/main" val="0"/>
+              </a:ext>
+            </a:extLst>
+          </a:blip>
+          <a:srcRect l="23307" r="14802" b="6791"/>
+          <a:stretch/>
+        </p:blipFill>
+        <p:spPr>
+          <a:xfrm>
+            <a:off x="4128564" y="1119645"/>
+            <a:ext cx="3830179" cy="4326239"/>
+          </a:xfrm>
+          <a:prstGeom prst="rect">
+            <a:avLst/>
+          </a:prstGeom>
+        </p:spPr>
+      </p:pic>
+      <mc:AlternateContent xmlns:mc="http://schemas.openxmlformats.org/markup-compatibility/2006">
+        <mc:Choice xmlns:a14="http://schemas.microsoft.com/office/drawing/2010/main" Requires="a14">
           <p:sp>
             <p:nvSpPr>
               <p:cNvPr id="3" name="コンテンツ プレースホルダー 2"/>
@@ -7719,7 +8035,7 @@
             </p:nvSpPr>
             <p:spPr>
               <a:xfrm>
-                <a:off x="232761" y="1506316"/>
+                <a:off x="278224" y="1325563"/>
                 <a:ext cx="10195852" cy="4351338"/>
               </a:xfrm>
             </p:spPr>
@@ -7730,7 +8046,7 @@
               <a:lstStyle/>
               <a:p>
                 <a:r>
-                  <a:rPr kumimoji="1" lang="en-US" altLang="ja-JP" sz="2400" smtClean="0"/>
+                  <a:rPr kumimoji="1" lang="en-US" altLang="ja-JP" sz="2400" dirty="0"/>
                   <a:t>Divide square area with </a:t>
                 </a:r>
                 <a14:m>
@@ -7779,18 +8095,18 @@
                   </m:oMath>
                 </a14:m>
                 <a:r>
-                  <a:rPr kumimoji="1" lang="ja-JP" altLang="en-US" sz="2400" smtClean="0"/>
+                  <a:rPr kumimoji="1" lang="ja-JP" altLang="en-US" sz="2400" dirty="0"/>
                   <a:t> </a:t>
                 </a:r>
                 <a:r>
-                  <a:rPr kumimoji="1" lang="en-US" altLang="ja-JP" sz="2400" smtClean="0"/>
+                  <a:rPr kumimoji="1" lang="en-US" altLang="ja-JP" sz="2400" dirty="0"/>
                   <a:t>on a side into grids</a:t>
                 </a:r>
               </a:p>
             </p:txBody>
           </p:sp>
         </mc:Choice>
-        <mc:Fallback xmlns="">
+        <mc:Fallback>
           <p:sp>
             <p:nvSpPr>
               <p:cNvPr id="3" name="コンテンツ プレースホルダー 2"/>
@@ -7803,13 +8119,13 @@
             </p:nvSpPr>
             <p:spPr>
               <a:xfrm>
-                <a:off x="232761" y="1506316"/>
+                <a:off x="278224" y="1325563"/>
                 <a:ext cx="10195852" cy="4351338"/>
               </a:xfrm>
               <a:blipFill>
-                <a:blip r:embed="rId4"/>
+                <a:blip r:embed="rId6"/>
                 <a:stretch>
-                  <a:fillRect l="-777" t="-1821"/>
+                  <a:fillRect l="-837" t="-1821"/>
                 </a:stretch>
               </a:blipFill>
             </p:spPr>
@@ -7931,81 +8247,15 @@
           <a:lstStyle/>
           <a:p>
             <a:r>
-              <a:rPr lang="en-US" altLang="ja-JP" smtClean="0"/>
+              <a:rPr lang="en-US" altLang="ja-JP"/>
               <a:t>k-space initial distribution</a:t>
             </a:r>
             <a:endParaRPr kumimoji="1" lang="ja-JP" altLang="en-US"/>
           </a:p>
         </p:txBody>
       </p:sp>
-      <p:pic>
-        <p:nvPicPr>
-          <p:cNvPr id="9" name="図 8"/>
-          <p:cNvPicPr>
-            <a:picLocks noChangeAspect="1"/>
-          </p:cNvPicPr>
-          <p:nvPr/>
-        </p:nvPicPr>
-        <p:blipFill rotWithShape="1">
-          <a:blip r:embed="rId5">
-            <a:extLst>
-              <a:ext uri="{28A0092B-C50C-407E-A947-70E740481C1C}">
-                <a14:useLocalDpi xmlns:a14="http://schemas.microsoft.com/office/drawing/2010/main" val="0"/>
-              </a:ext>
-            </a:extLst>
-          </a:blip>
-          <a:srcRect l="23959" r="14221"/>
-          <a:stretch/>
-        </p:blipFill>
-        <p:spPr>
-          <a:xfrm>
-            <a:off x="8196770" y="2050394"/>
-            <a:ext cx="3717006" cy="4509432"/>
-          </a:xfrm>
-          <a:prstGeom prst="rect">
-            <a:avLst/>
-          </a:prstGeom>
-        </p:spPr>
-      </p:pic>
-      <p:cxnSp>
-        <p:nvCxnSpPr>
-          <p:cNvPr id="13" name="直線矢印コネクタ 12"/>
-          <p:cNvCxnSpPr/>
-          <p:nvPr/>
-        </p:nvCxnSpPr>
-        <p:spPr>
-          <a:xfrm>
-            <a:off x="838200" y="5044440"/>
-            <a:ext cx="1790700" cy="571969"/>
-          </a:xfrm>
-          <a:prstGeom prst="straightConnector1">
-            <a:avLst/>
-          </a:prstGeom>
-          <a:ln w="38100">
-            <a:solidFill>
-              <a:srgbClr val="00B050"/>
-            </a:solidFill>
-            <a:headEnd type="triangle"/>
-            <a:tailEnd type="triangle"/>
-          </a:ln>
-        </p:spPr>
-        <p:style>
-          <a:lnRef idx="1">
-            <a:schemeClr val="accent1"/>
-          </a:lnRef>
-          <a:fillRef idx="0">
-            <a:schemeClr val="accent1"/>
-          </a:fillRef>
-          <a:effectRef idx="0">
-            <a:schemeClr val="accent1"/>
-          </a:effectRef>
-          <a:fontRef idx="minor">
-            <a:schemeClr val="tx1"/>
-          </a:fontRef>
-        </p:style>
-      </p:cxnSp>
-      <mc:AlternateContent xmlns:mc="http://schemas.openxmlformats.org/markup-compatibility/2006" xmlns:a14="http://schemas.microsoft.com/office/drawing/2010/main">
-        <mc:Choice Requires="a14">
+      <mc:AlternateContent xmlns:mc="http://schemas.openxmlformats.org/markup-compatibility/2006">
+        <mc:Choice xmlns:a14="http://schemas.microsoft.com/office/drawing/2010/main" Requires="a14">
           <p:sp>
             <p:nvSpPr>
               <p:cNvPr id="15" name="テキスト ボックス 14"/>
@@ -8014,7 +8264,7 @@
             </p:nvSpPr>
             <p:spPr>
               <a:xfrm>
-                <a:off x="1787267" y="4911923"/>
+                <a:off x="1881592" y="4079548"/>
                 <a:ext cx="788293" cy="307777"/>
               </a:xfrm>
               <a:prstGeom prst="rect">
@@ -8081,7 +8331,7 @@
                     </m:oMath>
                   </m:oMathPara>
                 </a14:m>
-                <a:endParaRPr kumimoji="1" lang="ja-JP" altLang="en-US" sz="2000">
+                <a:endParaRPr kumimoji="1" lang="ja-JP" altLang="en-US" sz="2000" dirty="0">
                   <a:solidFill>
                     <a:srgbClr val="00B050"/>
                   </a:solidFill>
@@ -8090,7 +8340,7 @@
             </p:txBody>
           </p:sp>
         </mc:Choice>
-        <mc:Fallback xmlns="">
+        <mc:Fallback>
           <p:sp>
             <p:nvSpPr>
               <p:cNvPr id="15" name="テキスト ボックス 14"/>
@@ -8101,16 +8351,16 @@
             </p:nvSpPr>
             <p:spPr>
               <a:xfrm>
-                <a:off x="1787267" y="4911923"/>
+                <a:off x="1881592" y="4079548"/>
                 <a:ext cx="788293" cy="307777"/>
               </a:xfrm>
               <a:prstGeom prst="rect">
                 <a:avLst/>
               </a:prstGeom>
               <a:blipFill>
-                <a:blip r:embed="rId6"/>
+                <a:blip r:embed="rId7"/>
                 <a:stretch>
-                  <a:fillRect l="-4615" t="-2000" b="-6000"/>
+                  <a:fillRect l="-5426" t="-1961" b="-3922"/>
                 </a:stretch>
               </a:blipFill>
             </p:spPr>
@@ -8129,43 +8379,111 @@
           </p:sp>
         </mc:Fallback>
       </mc:AlternateContent>
-      <p:cxnSp>
-        <p:nvCxnSpPr>
-          <p:cNvPr id="16" name="直線矢印コネクタ 15"/>
-          <p:cNvCxnSpPr/>
+      <p:pic>
+        <p:nvPicPr>
+          <p:cNvPr id="12" name="図 11">
+            <a:extLst>
+              <a:ext uri="{FF2B5EF4-FFF2-40B4-BE49-F238E27FC236}">
+                <a16:creationId xmlns:a16="http://schemas.microsoft.com/office/drawing/2014/main" id="{DDF91A44-6EE9-480A-A9D7-FCB38D48A3EC}"/>
+              </a:ext>
+            </a:extLst>
+          </p:cNvPr>
+          <p:cNvPicPr>
+            <a:picLocks noChangeAspect="1"/>
+          </p:cNvPicPr>
           <p:nvPr/>
-        </p:nvCxnSpPr>
+        </p:nvPicPr>
+        <p:blipFill rotWithShape="1">
+          <a:blip r:embed="rId3" cstate="print">
+            <a:extLst>
+              <a:ext uri="{28A0092B-C50C-407E-A947-70E740481C1C}">
+                <a14:useLocalDpi xmlns:a14="http://schemas.microsoft.com/office/drawing/2010/main" val="0"/>
+              </a:ext>
+            </a:extLst>
+          </a:blip>
+          <a:srcRect l="11367" t="12881" r="10880" b="10259"/>
+          <a:stretch/>
+        </p:blipFill>
         <p:spPr>
-          <a:xfrm flipH="1">
-            <a:off x="2087880" y="4739640"/>
-            <a:ext cx="975360" cy="960120"/>
+          <a:xfrm>
+            <a:off x="8312519" y="5129416"/>
+            <a:ext cx="1901195" cy="1409496"/>
           </a:xfrm>
-          <a:prstGeom prst="straightConnector1">
+          <a:prstGeom prst="rect">
             <a:avLst/>
           </a:prstGeom>
-          <a:ln w="38100">
-            <a:solidFill>
-              <a:srgbClr val="00B050"/>
-            </a:solidFill>
-            <a:headEnd type="triangle"/>
-            <a:tailEnd type="triangle"/>
-          </a:ln>
         </p:spPr>
-        <p:style>
-          <a:lnRef idx="1">
-            <a:schemeClr val="accent1"/>
-          </a:lnRef>
-          <a:fillRef idx="0">
-            <a:schemeClr val="accent1"/>
-          </a:fillRef>
-          <a:effectRef idx="0">
-            <a:schemeClr val="accent1"/>
-          </a:effectRef>
-          <a:fontRef idx="minor">
-            <a:schemeClr val="tx1"/>
-          </a:fontRef>
-        </p:style>
-      </p:cxnSp>
+      </p:pic>
+      <p:pic>
+        <p:nvPicPr>
+          <p:cNvPr id="17" name="図 16">
+            <a:extLst>
+              <a:ext uri="{FF2B5EF4-FFF2-40B4-BE49-F238E27FC236}">
+                <a16:creationId xmlns:a16="http://schemas.microsoft.com/office/drawing/2014/main" id="{B08A2821-B00C-4045-8BEC-A4A4DDD0BE22}"/>
+              </a:ext>
+            </a:extLst>
+          </p:cNvPr>
+          <p:cNvPicPr>
+            <a:picLocks noChangeAspect="1"/>
+          </p:cNvPicPr>
+          <p:nvPr/>
+        </p:nvPicPr>
+        <p:blipFill rotWithShape="1">
+          <a:blip r:embed="rId8" cstate="print">
+            <a:extLst>
+              <a:ext uri="{28A0092B-C50C-407E-A947-70E740481C1C}">
+                <a14:useLocalDpi xmlns:a14="http://schemas.microsoft.com/office/drawing/2010/main" val="0"/>
+              </a:ext>
+            </a:extLst>
+          </a:blip>
+          <a:srcRect l="12110" t="14353" r="12125" b="9077"/>
+          <a:stretch/>
+        </p:blipFill>
+        <p:spPr>
+          <a:xfrm>
+            <a:off x="3838283" y="5186689"/>
+            <a:ext cx="1901195" cy="1441016"/>
+          </a:xfrm>
+          <a:prstGeom prst="rect">
+            <a:avLst/>
+          </a:prstGeom>
+        </p:spPr>
+      </p:pic>
+      <p:pic>
+        <p:nvPicPr>
+          <p:cNvPr id="19" name="図 18">
+            <a:extLst>
+              <a:ext uri="{FF2B5EF4-FFF2-40B4-BE49-F238E27FC236}">
+                <a16:creationId xmlns:a16="http://schemas.microsoft.com/office/drawing/2014/main" id="{E55858C5-3533-48E3-9635-8AF1FA54C8F4}"/>
+              </a:ext>
+            </a:extLst>
+          </p:cNvPr>
+          <p:cNvPicPr>
+            <a:picLocks noChangeAspect="1"/>
+          </p:cNvPicPr>
+          <p:nvPr/>
+        </p:nvPicPr>
+        <p:blipFill rotWithShape="1">
+          <a:blip r:embed="rId9" cstate="print">
+            <a:extLst>
+              <a:ext uri="{28A0092B-C50C-407E-A947-70E740481C1C}">
+                <a14:useLocalDpi xmlns:a14="http://schemas.microsoft.com/office/drawing/2010/main" val="0"/>
+              </a:ext>
+            </a:extLst>
+          </a:blip>
+          <a:srcRect l="12061" t="13851" r="13141" b="10098"/>
+          <a:stretch/>
+        </p:blipFill>
+        <p:spPr>
+          <a:xfrm>
+            <a:off x="99703" y="5295785"/>
+            <a:ext cx="1890618" cy="1441682"/>
+          </a:xfrm>
+          <a:prstGeom prst="rect">
+            <a:avLst/>
+          </a:prstGeom>
+        </p:spPr>
+      </p:pic>
     </p:spTree>
     <p:extLst>
       <p:ext uri="{BB962C8B-B14F-4D97-AF65-F5344CB8AC3E}">
@@ -8176,13 +8494,6 @@
   <p:clrMapOvr>
     <a:masterClrMapping/>
   </p:clrMapOvr>
-  <p:timing>
-    <p:tnLst>
-      <p:par>
-        <p:cTn id="1" dur="indefinite" restart="never" nodeType="tmRoot"/>
-      </p:par>
-    </p:tnLst>
-  </p:timing>
 </p:sld>
 </file>
 
@@ -8228,16 +8539,16 @@
               <a:lstStyle/>
               <a:p>
                 <a:r>
-                  <a:rPr kumimoji="1" lang="en-US" altLang="ja-JP" sz="2400" smtClean="0"/>
+                  <a:rPr kumimoji="1" lang="en-US" altLang="ja-JP" sz="2400"/>
                   <a:t>Lattice vibration disrupts potentials</a:t>
                 </a:r>
               </a:p>
               <a:p>
-                <a:endParaRPr kumimoji="1" lang="en-US" altLang="ja-JP" sz="2400" smtClean="0"/>
+                <a:endParaRPr kumimoji="1" lang="en-US" altLang="ja-JP" sz="2400"/>
               </a:p>
               <a:p>
                 <a:r>
-                  <a:rPr lang="en-US" altLang="ja-JP" sz="2400" smtClean="0"/>
+                  <a:rPr lang="en-US" altLang="ja-JP" sz="2400"/>
                   <a:t>Energy exchange is an integer multiple of </a:t>
                 </a:r>
                 <a14:m>
@@ -8280,7 +8591,7 @@
                   </m:oMath>
                 </a14:m>
                 <a:r>
-                  <a:rPr kumimoji="1" lang="en-US" altLang="ja-JP" sz="2400" smtClean="0"/>
+                  <a:rPr kumimoji="1" lang="en-US" altLang="ja-JP" sz="2400"/>
                   <a:t>(harmonic oscillator)</a:t>
                 </a:r>
               </a:p>
@@ -8289,11 +8600,11 @@
               </a:p>
               <a:p>
                 <a:r>
-                  <a:rPr kumimoji="1" lang="en-US" altLang="ja-JP" sz="2400" smtClean="0"/>
+                  <a:rPr kumimoji="1" lang="en-US" altLang="ja-JP" sz="2400"/>
                   <a:t>The expected number of phonons is calculated using </a:t>
                 </a:r>
                 <a:r>
-                  <a:rPr kumimoji="1" lang="en-US" altLang="ja-JP" sz="2400" smtClean="0">
+                  <a:rPr kumimoji="1" lang="en-US" altLang="ja-JP" sz="2400">
                     <a:solidFill>
                       <a:srgbClr val="FF0000"/>
                     </a:solidFill>
@@ -8301,7 +8612,7 @@
                   <a:t>Bose-Einstein</a:t>
                 </a:r>
                 <a:r>
-                  <a:rPr kumimoji="1" lang="en-US" altLang="ja-JP" sz="2400" smtClean="0"/>
+                  <a:rPr kumimoji="1" lang="en-US" altLang="ja-JP" sz="2400"/>
                   <a:t> statistics:</a:t>
                 </a:r>
               </a:p>
@@ -8455,7 +8766,7 @@
           <a:lstStyle/>
           <a:p>
             <a:r>
-              <a:rPr kumimoji="1" lang="en-US" altLang="ja-JP" smtClean="0"/>
+              <a:rPr kumimoji="1" lang="en-US" altLang="ja-JP"/>
               <a:t>Phonon scattering</a:t>
             </a:r>
             <a:endParaRPr kumimoji="1" lang="ja-JP" altLang="en-US"/>
@@ -10749,13 +11060,6 @@
   <p:clrMapOvr>
     <a:masterClrMapping/>
   </p:clrMapOvr>
-  <p:timing>
-    <p:tnLst>
-      <p:par>
-        <p:cTn id="1" dur="indefinite" restart="never" nodeType="tmRoot"/>
-      </p:par>
-    </p:tnLst>
-  </p:timing>
 </p:sld>
 </file>
 
@@ -10776,6 +11080,78 @@
           <a:chExt cx="0" cy="0"/>
         </a:xfrm>
       </p:grpSpPr>
+      <p:pic>
+        <p:nvPicPr>
+          <p:cNvPr id="3" name="図 2">
+            <a:extLst>
+              <a:ext uri="{FF2B5EF4-FFF2-40B4-BE49-F238E27FC236}">
+                <a16:creationId xmlns:a16="http://schemas.microsoft.com/office/drawing/2014/main" id="{D32E9671-2396-430C-9807-9452C836D8A5}"/>
+              </a:ext>
+            </a:extLst>
+          </p:cNvPr>
+          <p:cNvPicPr>
+            <a:picLocks noChangeAspect="1"/>
+          </p:cNvPicPr>
+          <p:nvPr/>
+        </p:nvPicPr>
+        <p:blipFill>
+          <a:blip r:embed="rId2">
+            <a:extLst>
+              <a:ext uri="{28A0092B-C50C-407E-A947-70E740481C1C}">
+                <a14:useLocalDpi xmlns:a14="http://schemas.microsoft.com/office/drawing/2010/main" val="0"/>
+              </a:ext>
+            </a:extLst>
+          </a:blip>
+          <a:stretch>
+            <a:fillRect/>
+          </a:stretch>
+        </p:blipFill>
+        <p:spPr>
+          <a:xfrm>
+            <a:off x="6095999" y="1213744"/>
+            <a:ext cx="6006097" cy="2915481"/>
+          </a:xfrm>
+          <a:prstGeom prst="rect">
+            <a:avLst/>
+          </a:prstGeom>
+        </p:spPr>
+      </p:pic>
+      <p:pic>
+        <p:nvPicPr>
+          <p:cNvPr id="8" name="図 7">
+            <a:extLst>
+              <a:ext uri="{FF2B5EF4-FFF2-40B4-BE49-F238E27FC236}">
+                <a16:creationId xmlns:a16="http://schemas.microsoft.com/office/drawing/2014/main" id="{1D5D5F46-0C10-497B-8B01-51E2ECEC3855}"/>
+              </a:ext>
+            </a:extLst>
+          </p:cNvPr>
+          <p:cNvPicPr>
+            <a:picLocks noChangeAspect="1"/>
+          </p:cNvPicPr>
+          <p:nvPr/>
+        </p:nvPicPr>
+        <p:blipFill>
+          <a:blip r:embed="rId3">
+            <a:extLst>
+              <a:ext uri="{28A0092B-C50C-407E-A947-70E740481C1C}">
+                <a14:useLocalDpi xmlns:a14="http://schemas.microsoft.com/office/drawing/2010/main" val="0"/>
+              </a:ext>
+            </a:extLst>
+          </a:blip>
+          <a:stretch>
+            <a:fillRect/>
+          </a:stretch>
+        </p:blipFill>
+        <p:spPr>
+          <a:xfrm>
+            <a:off x="213713" y="4067769"/>
+            <a:ext cx="5829149" cy="2829587"/>
+          </a:xfrm>
+          <a:prstGeom prst="rect">
+            <a:avLst/>
+          </a:prstGeom>
+        </p:spPr>
+      </p:pic>
       <p:sp>
         <p:nvSpPr>
           <p:cNvPr id="4" name="スライド番号プレースホルダー 3"/>
@@ -10879,17 +11255,85 @@
           <a:lstStyle/>
           <a:p>
             <a:r>
-              <a:rPr lang="en-US" altLang="ja-JP"/>
-              <a:t>Phonon </a:t>
-            </a:r>
-            <a:r>
-              <a:rPr lang="en-US" altLang="ja-JP" smtClean="0"/>
-              <a:t>scattering : Simulation</a:t>
-            </a:r>
-            <a:endParaRPr kumimoji="1" lang="ja-JP" altLang="en-US"/>
-          </a:p>
-        </p:txBody>
-      </p:sp>
+              <a:rPr lang="en-US" altLang="ja-JP" dirty="0"/>
+              <a:t>Phonon scattering : Simulation</a:t>
+            </a:r>
+            <a:endParaRPr kumimoji="1" lang="ja-JP" altLang="en-US" dirty="0"/>
+          </a:p>
+        </p:txBody>
+      </p:sp>
+      <p:pic>
+        <p:nvPicPr>
+          <p:cNvPr id="10" name="図 9">
+            <a:extLst>
+              <a:ext uri="{FF2B5EF4-FFF2-40B4-BE49-F238E27FC236}">
+                <a16:creationId xmlns:a16="http://schemas.microsoft.com/office/drawing/2014/main" id="{70D53E3E-5CEC-43D6-B22C-8977DC0D994E}"/>
+              </a:ext>
+            </a:extLst>
+          </p:cNvPr>
+          <p:cNvPicPr>
+            <a:picLocks noChangeAspect="1"/>
+          </p:cNvPicPr>
+          <p:nvPr/>
+        </p:nvPicPr>
+        <p:blipFill>
+          <a:blip r:embed="rId4">
+            <a:extLst>
+              <a:ext uri="{28A0092B-C50C-407E-A947-70E740481C1C}">
+                <a14:useLocalDpi xmlns:a14="http://schemas.microsoft.com/office/drawing/2010/main" val="0"/>
+              </a:ext>
+            </a:extLst>
+          </a:blip>
+          <a:stretch>
+            <a:fillRect/>
+          </a:stretch>
+        </p:blipFill>
+        <p:spPr>
+          <a:xfrm>
+            <a:off x="6202272" y="4067769"/>
+            <a:ext cx="5899824" cy="2863894"/>
+          </a:xfrm>
+          <a:prstGeom prst="rect">
+            <a:avLst/>
+          </a:prstGeom>
+        </p:spPr>
+      </p:pic>
+      <p:pic>
+        <p:nvPicPr>
+          <p:cNvPr id="14" name="図 13">
+            <a:extLst>
+              <a:ext uri="{FF2B5EF4-FFF2-40B4-BE49-F238E27FC236}">
+                <a16:creationId xmlns:a16="http://schemas.microsoft.com/office/drawing/2014/main" id="{4F3FFA4A-F288-4498-9E3B-29F7DF5519C7}"/>
+              </a:ext>
+            </a:extLst>
+          </p:cNvPr>
+          <p:cNvPicPr>
+            <a:picLocks noChangeAspect="1"/>
+          </p:cNvPicPr>
+          <p:nvPr/>
+        </p:nvPicPr>
+        <p:blipFill>
+          <a:blip r:embed="rId5" cstate="print">
+            <a:extLst>
+              <a:ext uri="{28A0092B-C50C-407E-A947-70E740481C1C}">
+                <a14:useLocalDpi xmlns:a14="http://schemas.microsoft.com/office/drawing/2010/main" val="0"/>
+              </a:ext>
+            </a:extLst>
+          </a:blip>
+          <a:stretch>
+            <a:fillRect/>
+          </a:stretch>
+        </p:blipFill>
+        <p:spPr>
+          <a:xfrm>
+            <a:off x="412773" y="1325563"/>
+            <a:ext cx="5646278" cy="2742206"/>
+          </a:xfrm>
+          <a:prstGeom prst="rect">
+            <a:avLst/>
+          </a:prstGeom>
+        </p:spPr>
+      </p:pic>
     </p:spTree>
     <p:extLst>
       <p:ext uri="{BB962C8B-B14F-4D97-AF65-F5344CB8AC3E}">
@@ -10900,13 +11344,6 @@
   <p:clrMapOvr>
     <a:masterClrMapping/>
   </p:clrMapOvr>
-  <p:timing>
-    <p:tnLst>
-      <p:par>
-        <p:cTn id="1" dur="indefinite" restart="never" nodeType="tmRoot"/>
-      </p:par>
-    </p:tnLst>
-  </p:timing>
 </p:sld>
 </file>
 

--- a/presentation/kubo_20231129.pptx
+++ b/presentation/kubo_20231129.pptx
@@ -5,7 +5,7 @@
     <p:sldMasterId id="2147483648" r:id="rId1"/>
   </p:sldMasterIdLst>
   <p:notesMasterIdLst>
-    <p:notesMasterId r:id="rId14"/>
+    <p:notesMasterId r:id="rId15"/>
   </p:notesMasterIdLst>
   <p:sldIdLst>
     <p:sldId id="256" r:id="rId2"/>
@@ -17,9 +17,10 @@
     <p:sldId id="261" r:id="rId8"/>
     <p:sldId id="262" r:id="rId9"/>
     <p:sldId id="265" r:id="rId10"/>
-    <p:sldId id="263" r:id="rId11"/>
-    <p:sldId id="266" r:id="rId12"/>
-    <p:sldId id="268" r:id="rId13"/>
+    <p:sldId id="266" r:id="rId11"/>
+    <p:sldId id="269" r:id="rId12"/>
+    <p:sldId id="263" r:id="rId13"/>
+    <p:sldId id="268" r:id="rId14"/>
   </p:sldIdLst>
   <p:sldSz cx="12192000" cy="6858000"/>
   <p:notesSz cx="6858000" cy="9144000"/>
@@ -3865,317 +3866,17 @@
           <a:lstStyle/>
           <a:p>
             <a:r>
-              <a:rPr kumimoji="1" lang="en-US" altLang="ja-JP"/>
-              <a:t>Consider Fermi degeneracy effect</a:t>
-            </a:r>
-            <a:endParaRPr kumimoji="1" lang="ja-JP" altLang="en-US"/>
+              <a:rPr lang="en-US" altLang="ja-JP" dirty="0"/>
+              <a:t>Phonon scattering : Consideration</a:t>
+            </a:r>
+            <a:endParaRPr kumimoji="1" lang="ja-JP" altLang="en-US" dirty="0"/>
           </a:p>
         </p:txBody>
       </p:sp>
-      <p:sp>
-        <p:nvSpPr>
-          <p:cNvPr id="7" name="テキスト ボックス 6"/>
-          <p:cNvSpPr txBox="1"/>
-          <p:nvPr/>
-        </p:nvSpPr>
-        <p:spPr>
-          <a:xfrm>
-            <a:off x="0" y="1470991"/>
-            <a:ext cx="11604010" cy="461665"/>
-          </a:xfrm>
-          <a:prstGeom prst="rect">
-            <a:avLst/>
-          </a:prstGeom>
-          <a:noFill/>
-        </p:spPr>
-        <p:txBody>
-          <a:bodyPr wrap="none" rtlCol="0">
-            <a:spAutoFit/>
-          </a:bodyPr>
-          <a:lstStyle/>
-          <a:p>
-            <a:pPr marL="285750" indent="-285750">
-              <a:buFont typeface="Arial" panose="020B0604020202020204" pitchFamily="34" charset="0"/>
-              <a:buChar char="•"/>
-            </a:pPr>
-            <a:r>
-              <a:rPr lang="en-US" altLang="ja-JP" sz="2400"/>
-              <a:t>Calculate the distribution function from the number of particles in the grid</a:t>
-            </a:r>
-            <a:endParaRPr kumimoji="1" lang="ja-JP" altLang="en-US" sz="2400"/>
-          </a:p>
-        </p:txBody>
-      </p:sp>
-      <mc:AlternateContent xmlns:mc="http://schemas.openxmlformats.org/markup-compatibility/2006" xmlns:a14="http://schemas.microsoft.com/office/drawing/2010/main">
-        <mc:Choice Requires="a14">
-          <p:sp>
-            <p:nvSpPr>
-              <p:cNvPr id="10" name="テキスト ボックス 9"/>
-              <p:cNvSpPr txBox="1"/>
-              <p:nvPr/>
-            </p:nvSpPr>
-            <p:spPr>
-              <a:xfrm>
-                <a:off x="2569264" y="2018134"/>
-                <a:ext cx="2488309" cy="404919"/>
-              </a:xfrm>
-              <a:prstGeom prst="rect">
-                <a:avLst/>
-              </a:prstGeom>
-              <a:noFill/>
-            </p:spPr>
-            <p:txBody>
-              <a:bodyPr wrap="none" lIns="0" tIns="0" rIns="0" bIns="0" rtlCol="0">
-                <a:spAutoFit/>
-              </a:bodyPr>
-              <a:lstStyle/>
-              <a:p>
-                <a:pPr/>
-                <a14:m>
-                  <m:oMathPara xmlns:m="http://schemas.openxmlformats.org/officeDocument/2006/math">
-                    <m:oMathParaPr>
-                      <m:jc m:val="centerGroup"/>
-                    </m:oMathParaPr>
-                    <m:oMath xmlns:m="http://schemas.openxmlformats.org/officeDocument/2006/math">
-                      <m:r>
-                        <a:rPr kumimoji="1" lang="en-US" altLang="ja-JP" sz="2400" b="0" i="1" smtClean="0">
-                          <a:latin typeface="Cambria Math" panose="02040503050406030204" pitchFamily="18" charset="0"/>
-                        </a:rPr>
-                        <m:t>𝑓</m:t>
-                      </m:r>
-                      <m:d>
-                        <m:dPr>
-                          <m:ctrlPr>
-                            <a:rPr kumimoji="1" lang="en-US" altLang="ja-JP" sz="2400" b="0" i="1" smtClean="0">
-                              <a:latin typeface="Cambria Math" panose="02040503050406030204" pitchFamily="18" charset="0"/>
-                            </a:rPr>
-                          </m:ctrlPr>
-                        </m:dPr>
-                        <m:e>
-                          <m:r>
-                            <a:rPr kumimoji="1" lang="en-US" altLang="ja-JP" sz="2400" b="0" i="1" smtClean="0">
-                              <a:latin typeface="Cambria Math" panose="02040503050406030204" pitchFamily="18" charset="0"/>
-                            </a:rPr>
-                            <m:t>𝑘</m:t>
-                          </m:r>
-                        </m:e>
-                      </m:d>
-                      <m:r>
-                        <a:rPr kumimoji="1" lang="en-US" altLang="ja-JP" sz="2400" b="0" i="1" smtClean="0">
-                          <a:latin typeface="Cambria Math" panose="02040503050406030204" pitchFamily="18" charset="0"/>
-                        </a:rPr>
-                        <m:t>= </m:t>
-                      </m:r>
-                      <m:r>
-                        <a:rPr kumimoji="1" lang="ja-JP" altLang="en-US" sz="2400" b="0" i="1" smtClean="0">
-                          <a:latin typeface="Cambria Math" panose="02040503050406030204" pitchFamily="18" charset="0"/>
-                        </a:rPr>
-                        <m:t>𝛼</m:t>
-                      </m:r>
-                      <m:r>
-                        <a:rPr kumimoji="1" lang="ja-JP" altLang="en-US" sz="2400" b="0" i="1" smtClean="0">
-                          <a:latin typeface="Cambria Math" panose="02040503050406030204" pitchFamily="18" charset="0"/>
-                        </a:rPr>
-                        <m:t>∙</m:t>
-                      </m:r>
-                      <m:sSub>
-                        <m:sSubPr>
-                          <m:ctrlPr>
-                            <a:rPr kumimoji="1" lang="en-US" altLang="ja-JP" sz="2400" b="0" i="1" smtClean="0">
-                              <a:latin typeface="Cambria Math" panose="02040503050406030204" pitchFamily="18" charset="0"/>
-                            </a:rPr>
-                          </m:ctrlPr>
-                        </m:sSubPr>
-                        <m:e>
-                          <m:r>
-                            <a:rPr kumimoji="1" lang="en-US" altLang="ja-JP" sz="2400" b="0" i="1" smtClean="0">
-                              <a:latin typeface="Cambria Math" panose="02040503050406030204" pitchFamily="18" charset="0"/>
-                            </a:rPr>
-                            <m:t>𝑐</m:t>
-                          </m:r>
-                        </m:e>
-                        <m:sub>
-                          <m:r>
-                            <a:rPr kumimoji="1" lang="en-US" altLang="ja-JP" sz="2400" b="0" i="1" smtClean="0">
-                              <a:latin typeface="Cambria Math" panose="02040503050406030204" pitchFamily="18" charset="0"/>
-                            </a:rPr>
-                            <m:t>𝑎𝑑𝑟</m:t>
-                          </m:r>
-                          <m:r>
-                            <a:rPr kumimoji="1" lang="en-US" altLang="ja-JP" sz="2400" b="0" i="1" smtClean="0">
-                              <a:latin typeface="Cambria Math" panose="02040503050406030204" pitchFamily="18" charset="0"/>
-                            </a:rPr>
-                            <m:t>(</m:t>
-                          </m:r>
-                          <m:r>
-                            <a:rPr kumimoji="1" lang="en-US" altLang="ja-JP" sz="2400" b="0" i="1" smtClean="0">
-                              <a:latin typeface="Cambria Math" panose="02040503050406030204" pitchFamily="18" charset="0"/>
-                            </a:rPr>
-                            <m:t>𝑘</m:t>
-                          </m:r>
-                          <m:r>
-                            <a:rPr kumimoji="1" lang="en-US" altLang="ja-JP" sz="2400" b="0" i="1" smtClean="0">
-                              <a:latin typeface="Cambria Math" panose="02040503050406030204" pitchFamily="18" charset="0"/>
-                            </a:rPr>
-                            <m:t>)</m:t>
-                          </m:r>
-                        </m:sub>
-                      </m:sSub>
-                    </m:oMath>
-                  </m:oMathPara>
-                </a14:m>
-                <a:endParaRPr kumimoji="1" lang="ja-JP" altLang="en-US" sz="2400"/>
-              </a:p>
-            </p:txBody>
-          </p:sp>
-        </mc:Choice>
-        <mc:Fallback xmlns="">
-          <p:sp>
-            <p:nvSpPr>
-              <p:cNvPr id="10" name="テキスト ボックス 9"/>
-              <p:cNvSpPr txBox="1">
-                <a:spLocks noRot="1" noChangeAspect="1" noMove="1" noResize="1" noEditPoints="1" noAdjustHandles="1" noChangeArrowheads="1" noChangeShapeType="1" noTextEdit="1"/>
-              </p:cNvSpPr>
-              <p:nvPr/>
-            </p:nvSpPr>
-            <p:spPr>
-              <a:xfrm>
-                <a:off x="2569264" y="2018134"/>
-                <a:ext cx="2488309" cy="404919"/>
-              </a:xfrm>
-              <a:prstGeom prst="rect">
-                <a:avLst/>
-              </a:prstGeom>
-              <a:blipFill>
-                <a:blip r:embed="rId2"/>
-                <a:stretch>
-                  <a:fillRect l="-3178" r="-1222" b="-27273"/>
-                </a:stretch>
-              </a:blipFill>
-            </p:spPr>
-            <p:txBody>
-              <a:bodyPr/>
-              <a:lstStyle/>
-              <a:p>
-                <a:r>
-                  <a:rPr lang="ja-JP" altLang="en-US">
-                    <a:noFill/>
-                  </a:rPr>
-                  <a:t> </a:t>
-                </a:r>
-              </a:p>
-            </p:txBody>
-          </p:sp>
-        </mc:Fallback>
-      </mc:AlternateContent>
-      <mc:AlternateContent xmlns:mc="http://schemas.openxmlformats.org/markup-compatibility/2006" xmlns:a14="http://schemas.microsoft.com/office/drawing/2010/main">
-        <mc:Choice Requires="a14">
-          <p:sp>
-            <p:nvSpPr>
-              <p:cNvPr id="3" name="正方形/長方形 2"/>
-              <p:cNvSpPr/>
-              <p:nvPr/>
-            </p:nvSpPr>
-            <p:spPr>
-              <a:xfrm>
-                <a:off x="5791402" y="2079914"/>
-                <a:ext cx="5333319" cy="369332"/>
-              </a:xfrm>
-              <a:prstGeom prst="rect">
-                <a:avLst/>
-              </a:prstGeom>
-            </p:spPr>
-            <p:txBody>
-              <a:bodyPr wrap="none">
-                <a:spAutoFit/>
-              </a:bodyPr>
-              <a:lstStyle/>
-              <a:p>
-                <a14:m>
-                  <m:oMath xmlns:m="http://schemas.openxmlformats.org/officeDocument/2006/math">
-                    <m:r>
-                      <a:rPr lang="en-US" altLang="ja-JP" i="1">
-                        <a:latin typeface="Cambria Math" panose="02040503050406030204" pitchFamily="18" charset="0"/>
-                      </a:rPr>
-                      <m:t>𝑎𝑑𝑟</m:t>
-                    </m:r>
-                    <m:d>
-                      <m:dPr>
-                        <m:ctrlPr>
-                          <a:rPr lang="en-US" altLang="ja-JP" i="1">
-                            <a:latin typeface="Cambria Math" panose="02040503050406030204" pitchFamily="18" charset="0"/>
-                          </a:rPr>
-                        </m:ctrlPr>
-                      </m:dPr>
-                      <m:e>
-                        <m:r>
-                          <a:rPr lang="en-US" altLang="ja-JP" i="1">
-                            <a:latin typeface="Cambria Math" panose="02040503050406030204" pitchFamily="18" charset="0"/>
-                          </a:rPr>
-                          <m:t>𝑘</m:t>
-                        </m:r>
-                      </m:e>
-                    </m:d>
-                    <m:r>
-                      <a:rPr lang="en-US" altLang="ja-JP">
-                        <a:latin typeface="Cambria Math" panose="02040503050406030204" pitchFamily="18" charset="0"/>
-                      </a:rPr>
-                      <m:t>: </m:t>
-                    </m:r>
-                  </m:oMath>
-                </a14:m>
-                <a:r>
-                  <a:rPr lang="en-US" altLang="ja-JP"/>
-                  <a:t>Address of the grid to which k belongs</a:t>
-                </a:r>
-                <a:endParaRPr lang="ja-JP" altLang="en-US"/>
-              </a:p>
-            </p:txBody>
-          </p:sp>
-        </mc:Choice>
-        <mc:Fallback xmlns="">
-          <p:sp>
-            <p:nvSpPr>
-              <p:cNvPr id="3" name="正方形/長方形 2"/>
-              <p:cNvSpPr>
-                <a:spLocks noRot="1" noChangeAspect="1" noMove="1" noResize="1" noEditPoints="1" noAdjustHandles="1" noChangeArrowheads="1" noChangeShapeType="1" noTextEdit="1"/>
-              </p:cNvSpPr>
-              <p:nvPr/>
-            </p:nvSpPr>
-            <p:spPr>
-              <a:xfrm>
-                <a:off x="5791402" y="2079914"/>
-                <a:ext cx="5333319" cy="369332"/>
-              </a:xfrm>
-              <a:prstGeom prst="rect">
-                <a:avLst/>
-              </a:prstGeom>
-              <a:blipFill>
-                <a:blip r:embed="rId3"/>
-                <a:stretch>
-                  <a:fillRect t="-4918" r="-229" b="-27869"/>
-                </a:stretch>
-              </a:blipFill>
-            </p:spPr>
-            <p:txBody>
-              <a:bodyPr/>
-              <a:lstStyle/>
-              <a:p>
-                <a:r>
-                  <a:rPr lang="ja-JP" altLang="en-US">
-                    <a:noFill/>
-                  </a:rPr>
-                  <a:t> </a:t>
-                </a:r>
-              </a:p>
-            </p:txBody>
-          </p:sp>
-        </mc:Fallback>
-      </mc:AlternateContent>
     </p:spTree>
     <p:extLst>
       <p:ext uri="{BB962C8B-B14F-4D97-AF65-F5344CB8AC3E}">
-        <p14:creationId xmlns:p14="http://schemas.microsoft.com/office/powerpoint/2010/main" val="3118675949"/>
+        <p14:creationId xmlns:p14="http://schemas.microsoft.com/office/powerpoint/2010/main" val="162317636"/>
       </p:ext>
     </p:extLst>
   </p:cSld>
@@ -4202,6 +3903,54 @@
           <a:chExt cx="0" cy="0"/>
         </a:xfrm>
       </p:grpSpPr>
+      <p:sp>
+        <p:nvSpPr>
+          <p:cNvPr id="44" name="正方形/長方形 43"/>
+          <p:cNvSpPr/>
+          <p:nvPr/>
+        </p:nvSpPr>
+        <p:spPr>
+          <a:xfrm>
+            <a:off x="1057908" y="1911468"/>
+            <a:ext cx="2048511" cy="782180"/>
+          </a:xfrm>
+          <a:prstGeom prst="rect">
+            <a:avLst/>
+          </a:prstGeom>
+          <a:solidFill>
+            <a:schemeClr val="accent1">
+              <a:alpha val="44000"/>
+            </a:schemeClr>
+          </a:solidFill>
+          <a:ln>
+            <a:noFill/>
+          </a:ln>
+        </p:spPr>
+        <p:style>
+          <a:lnRef idx="2">
+            <a:schemeClr val="accent1">
+              <a:shade val="50000"/>
+            </a:schemeClr>
+          </a:lnRef>
+          <a:fillRef idx="1">
+            <a:schemeClr val="accent1"/>
+          </a:fillRef>
+          <a:effectRef idx="0">
+            <a:schemeClr val="accent1"/>
+          </a:effectRef>
+          <a:fontRef idx="minor">
+            <a:schemeClr val="lt1"/>
+          </a:fontRef>
+        </p:style>
+        <p:txBody>
+          <a:bodyPr rtlCol="0" anchor="ctr"/>
+          <a:lstStyle/>
+          <a:p>
+            <a:pPr algn="ctr"/>
+            <a:endParaRPr kumimoji="1" lang="ja-JP" altLang="en-US"/>
+          </a:p>
+        </p:txBody>
+      </p:sp>
       <p:sp>
         <p:nvSpPr>
           <p:cNvPr id="4" name="スライド番号プレースホルダー 3"/>
@@ -4305,17 +4054,2003 @@
           <a:lstStyle/>
           <a:p>
             <a:r>
-              <a:rPr lang="en-US" altLang="ja-JP" dirty="0"/>
-              <a:t>Phonon scattering : Consideration</a:t>
+              <a:rPr lang="en-US" altLang="ja-JP"/>
+              <a:t>Preparation </a:t>
+            </a:r>
+            <a:r>
+              <a:rPr lang="en-US" altLang="ja-JP"/>
+              <a:t>for </a:t>
+            </a:r>
+            <a:r>
+              <a:rPr lang="en-US" altLang="ja-JP" smtClean="0"/>
+              <a:t>Fermi degeneracy</a:t>
             </a:r>
             <a:endParaRPr kumimoji="1" lang="ja-JP" altLang="en-US" dirty="0"/>
           </a:p>
         </p:txBody>
       </p:sp>
+      <p:sp>
+        <p:nvSpPr>
+          <p:cNvPr id="7" name="テキスト ボックス 6"/>
+          <p:cNvSpPr txBox="1"/>
+          <p:nvPr/>
+        </p:nvSpPr>
+        <p:spPr>
+          <a:xfrm>
+            <a:off x="6163376" y="2214789"/>
+            <a:ext cx="7242313" cy="830997"/>
+          </a:xfrm>
+          <a:prstGeom prst="rect">
+            <a:avLst/>
+          </a:prstGeom>
+          <a:noFill/>
+        </p:spPr>
+        <p:txBody>
+          <a:bodyPr wrap="square" rtlCol="0">
+            <a:spAutoFit/>
+          </a:bodyPr>
+          <a:lstStyle/>
+          <a:p>
+            <a:pPr marL="342900" indent="-342900">
+              <a:buFont typeface="Arial" panose="020B0604020202020204" pitchFamily="34" charset="0"/>
+              <a:buChar char="•"/>
+            </a:pPr>
+            <a:r>
+              <a:rPr lang="en-US" altLang="ja-JP" sz="2400" smtClean="0"/>
+              <a:t>Introducing </a:t>
+            </a:r>
+            <a:r>
+              <a:rPr lang="en-US" altLang="ja-JP" sz="2400" smtClean="0">
+                <a:solidFill>
+                  <a:srgbClr val="FF0000"/>
+                </a:solidFill>
+              </a:rPr>
+              <a:t>self-scattering</a:t>
+            </a:r>
+            <a:r>
+              <a:rPr lang="en-US" altLang="ja-JP" sz="2400" smtClean="0"/>
+              <a:t>, the total scattering probability is constant.</a:t>
+            </a:r>
+            <a:endParaRPr kumimoji="1" lang="ja-JP" altLang="en-US" sz="2400"/>
+          </a:p>
+        </p:txBody>
+      </p:sp>
+      <p:cxnSp>
+        <p:nvCxnSpPr>
+          <p:cNvPr id="3" name="直線矢印コネクタ 2"/>
+          <p:cNvCxnSpPr/>
+          <p:nvPr/>
+        </p:nvCxnSpPr>
+        <p:spPr>
+          <a:xfrm flipH="1" flipV="1">
+            <a:off x="1060450" y="1401233"/>
+            <a:ext cx="1270" cy="2408767"/>
+          </a:xfrm>
+          <a:prstGeom prst="straightConnector1">
+            <a:avLst/>
+          </a:prstGeom>
+          <a:ln w="12700">
+            <a:solidFill>
+              <a:schemeClr val="tx1"/>
+            </a:solidFill>
+            <a:prstDash val="solid"/>
+            <a:tailEnd type="triangle"/>
+          </a:ln>
+        </p:spPr>
+        <p:style>
+          <a:lnRef idx="1">
+            <a:schemeClr val="accent1"/>
+          </a:lnRef>
+          <a:fillRef idx="0">
+            <a:schemeClr val="accent1"/>
+          </a:fillRef>
+          <a:effectRef idx="0">
+            <a:schemeClr val="accent1"/>
+          </a:effectRef>
+          <a:fontRef idx="minor">
+            <a:schemeClr val="tx1"/>
+          </a:fontRef>
+        </p:style>
+      </p:cxnSp>
+      <p:cxnSp>
+        <p:nvCxnSpPr>
+          <p:cNvPr id="15" name="直線矢印コネクタ 14"/>
+          <p:cNvCxnSpPr/>
+          <p:nvPr/>
+        </p:nvCxnSpPr>
+        <p:spPr>
+          <a:xfrm flipV="1">
+            <a:off x="528320" y="3423920"/>
+            <a:ext cx="5074920" cy="5081"/>
+          </a:xfrm>
+          <a:prstGeom prst="straightConnector1">
+            <a:avLst/>
+          </a:prstGeom>
+          <a:ln w="12700">
+            <a:solidFill>
+              <a:schemeClr val="tx1"/>
+            </a:solidFill>
+            <a:tailEnd type="triangle"/>
+          </a:ln>
+        </p:spPr>
+        <p:style>
+          <a:lnRef idx="1">
+            <a:schemeClr val="accent1"/>
+          </a:lnRef>
+          <a:fillRef idx="0">
+            <a:schemeClr val="accent1"/>
+          </a:fillRef>
+          <a:effectRef idx="0">
+            <a:schemeClr val="accent1"/>
+          </a:effectRef>
+          <a:fontRef idx="minor">
+            <a:schemeClr val="tx1"/>
+          </a:fontRef>
+        </p:style>
+      </p:cxnSp>
+      <p:cxnSp>
+        <p:nvCxnSpPr>
+          <p:cNvPr id="20" name="直線コネクタ 19"/>
+          <p:cNvCxnSpPr/>
+          <p:nvPr/>
+        </p:nvCxnSpPr>
+        <p:spPr>
+          <a:xfrm>
+            <a:off x="3108960" y="1496483"/>
+            <a:ext cx="2540" cy="1927437"/>
+          </a:xfrm>
+          <a:prstGeom prst="line">
+            <a:avLst/>
+          </a:prstGeom>
+          <a:ln w="12700">
+            <a:solidFill>
+              <a:schemeClr val="tx1"/>
+            </a:solidFill>
+            <a:prstDash val="sysDot"/>
+          </a:ln>
+        </p:spPr>
+        <p:style>
+          <a:lnRef idx="1">
+            <a:schemeClr val="accent1"/>
+          </a:lnRef>
+          <a:fillRef idx="0">
+            <a:schemeClr val="accent1"/>
+          </a:fillRef>
+          <a:effectRef idx="0">
+            <a:schemeClr val="accent1"/>
+          </a:effectRef>
+          <a:fontRef idx="minor">
+            <a:schemeClr val="tx1"/>
+          </a:fontRef>
+        </p:style>
+      </p:cxnSp>
+      <mc:AlternateContent xmlns:mc="http://schemas.openxmlformats.org/markup-compatibility/2006">
+        <mc:Choice xmlns:a14="http://schemas.microsoft.com/office/drawing/2010/main" Requires="a14">
+          <p:sp>
+            <p:nvSpPr>
+              <p:cNvPr id="25" name="テキスト ボックス 24"/>
+              <p:cNvSpPr txBox="1"/>
+              <p:nvPr/>
+            </p:nvSpPr>
+            <p:spPr>
+              <a:xfrm>
+                <a:off x="753250" y="1325563"/>
+                <a:ext cx="307200" cy="276999"/>
+              </a:xfrm>
+              <a:prstGeom prst="rect">
+                <a:avLst/>
+              </a:prstGeom>
+              <a:noFill/>
+            </p:spPr>
+            <p:txBody>
+              <a:bodyPr wrap="none" lIns="0" tIns="0" rIns="0" bIns="0" rtlCol="0">
+                <a:spAutoFit/>
+              </a:bodyPr>
+              <a:lstStyle/>
+              <a:p>
+                <a14:m>
+                  <m:oMathPara xmlns:m="http://schemas.openxmlformats.org/officeDocument/2006/math">
+                    <m:oMathParaPr>
+                      <m:jc m:val="centerGroup"/>
+                    </m:oMathParaPr>
+                    <m:oMath xmlns:m="http://schemas.openxmlformats.org/officeDocument/2006/math">
+                      <m:r>
+                        <a:rPr kumimoji="1" lang="en-US" altLang="ja-JP" b="0" i="1" smtClean="0">
+                          <a:latin typeface="Cambria Math" panose="02040503050406030204" pitchFamily="18" charset="0"/>
+                        </a:rPr>
+                        <m:t>𝑊</m:t>
+                      </m:r>
+                    </m:oMath>
+                  </m:oMathPara>
+                </a14:m>
+                <a:endParaRPr kumimoji="1" lang="ja-JP" altLang="en-US"/>
+              </a:p>
+            </p:txBody>
+          </p:sp>
+        </mc:Choice>
+        <mc:Fallback>
+          <p:sp>
+            <p:nvSpPr>
+              <p:cNvPr id="25" name="テキスト ボックス 24"/>
+              <p:cNvSpPr txBox="1">
+                <a:spLocks noRot="1" noChangeAspect="1" noMove="1" noResize="1" noEditPoints="1" noAdjustHandles="1" noChangeArrowheads="1" noChangeShapeType="1" noTextEdit="1"/>
+              </p:cNvSpPr>
+              <p:nvPr/>
+            </p:nvSpPr>
+            <p:spPr>
+              <a:xfrm>
+                <a:off x="753250" y="1325563"/>
+                <a:ext cx="307200" cy="276999"/>
+              </a:xfrm>
+              <a:prstGeom prst="rect">
+                <a:avLst/>
+              </a:prstGeom>
+              <a:blipFill>
+                <a:blip r:embed="rId2"/>
+                <a:stretch>
+                  <a:fillRect l="-14000" r="-12000" b="-2174"/>
+                </a:stretch>
+              </a:blipFill>
+            </p:spPr>
+            <p:txBody>
+              <a:bodyPr/>
+              <a:lstStyle/>
+              <a:p>
+                <a:r>
+                  <a:rPr lang="ja-JP" altLang="en-US">
+                    <a:noFill/>
+                  </a:rPr>
+                  <a:t> </a:t>
+                </a:r>
+              </a:p>
+            </p:txBody>
+          </p:sp>
+        </mc:Fallback>
+      </mc:AlternateContent>
+      <mc:AlternateContent xmlns:mc="http://schemas.openxmlformats.org/markup-compatibility/2006">
+        <mc:Choice xmlns:a14="http://schemas.microsoft.com/office/drawing/2010/main" Requires="a14">
+          <p:sp>
+            <p:nvSpPr>
+              <p:cNvPr id="26" name="テキスト ボックス 25"/>
+              <p:cNvSpPr txBox="1"/>
+              <p:nvPr/>
+            </p:nvSpPr>
+            <p:spPr>
+              <a:xfrm>
+                <a:off x="5678582" y="3343275"/>
+                <a:ext cx="231858" cy="276999"/>
+              </a:xfrm>
+              <a:prstGeom prst="rect">
+                <a:avLst/>
+              </a:prstGeom>
+              <a:noFill/>
+            </p:spPr>
+            <p:txBody>
+              <a:bodyPr wrap="none" lIns="0" tIns="0" rIns="0" bIns="0" rtlCol="0">
+                <a:spAutoFit/>
+              </a:bodyPr>
+              <a:lstStyle/>
+              <a:p>
+                <a14:m>
+                  <m:oMathPara xmlns:m="http://schemas.openxmlformats.org/officeDocument/2006/math">
+                    <m:oMathParaPr>
+                      <m:jc m:val="centerGroup"/>
+                    </m:oMathParaPr>
+                    <m:oMath xmlns:m="http://schemas.openxmlformats.org/officeDocument/2006/math">
+                      <m:r>
+                        <a:rPr kumimoji="1" lang="en-US" altLang="ja-JP" b="0" i="1" smtClean="0">
+                          <a:latin typeface="Cambria Math" panose="02040503050406030204" pitchFamily="18" charset="0"/>
+                        </a:rPr>
+                        <m:t>𝐸</m:t>
+                      </m:r>
+                    </m:oMath>
+                  </m:oMathPara>
+                </a14:m>
+                <a:endParaRPr kumimoji="1" lang="ja-JP" altLang="en-US"/>
+              </a:p>
+            </p:txBody>
+          </p:sp>
+        </mc:Choice>
+        <mc:Fallback>
+          <p:sp>
+            <p:nvSpPr>
+              <p:cNvPr id="26" name="テキスト ボックス 25"/>
+              <p:cNvSpPr txBox="1">
+                <a:spLocks noRot="1" noChangeAspect="1" noMove="1" noResize="1" noEditPoints="1" noAdjustHandles="1" noChangeArrowheads="1" noChangeShapeType="1" noTextEdit="1"/>
+              </p:cNvSpPr>
+              <p:nvPr/>
+            </p:nvSpPr>
+            <p:spPr>
+              <a:xfrm>
+                <a:off x="5678582" y="3343275"/>
+                <a:ext cx="231858" cy="276999"/>
+              </a:xfrm>
+              <a:prstGeom prst="rect">
+                <a:avLst/>
+              </a:prstGeom>
+              <a:blipFill>
+                <a:blip r:embed="rId3"/>
+                <a:stretch>
+                  <a:fillRect l="-18421" r="-15789" b="-2174"/>
+                </a:stretch>
+              </a:blipFill>
+            </p:spPr>
+            <p:txBody>
+              <a:bodyPr/>
+              <a:lstStyle/>
+              <a:p>
+                <a:r>
+                  <a:rPr lang="ja-JP" altLang="en-US">
+                    <a:noFill/>
+                  </a:rPr>
+                  <a:t> </a:t>
+                </a:r>
+              </a:p>
+            </p:txBody>
+          </p:sp>
+        </mc:Fallback>
+      </mc:AlternateContent>
+      <mc:AlternateContent xmlns:mc="http://schemas.openxmlformats.org/markup-compatibility/2006">
+        <mc:Choice xmlns:a14="http://schemas.microsoft.com/office/drawing/2010/main" Requires="a14">
+          <p:sp>
+            <p:nvSpPr>
+              <p:cNvPr id="27" name="正方形/長方形 26"/>
+              <p:cNvSpPr/>
+              <p:nvPr/>
+            </p:nvSpPr>
+            <p:spPr>
+              <a:xfrm>
+                <a:off x="2831891" y="3481774"/>
+                <a:ext cx="673518" cy="369332"/>
+              </a:xfrm>
+              <a:prstGeom prst="rect">
+                <a:avLst/>
+              </a:prstGeom>
+            </p:spPr>
+            <p:txBody>
+              <a:bodyPr wrap="none">
+                <a:spAutoFit/>
+              </a:bodyPr>
+              <a:lstStyle/>
+              <a:p>
+                <a:pPr/>
+                <a14:m>
+                  <m:oMathPara xmlns:m="http://schemas.openxmlformats.org/officeDocument/2006/math">
+                    <m:oMathParaPr>
+                      <m:jc m:val="centerGroup"/>
+                    </m:oMathParaPr>
+                    <m:oMath xmlns:m="http://schemas.openxmlformats.org/officeDocument/2006/math">
+                      <m:r>
+                        <a:rPr lang="en-US" altLang="ja-JP" i="1">
+                          <a:latin typeface="Cambria Math" panose="02040503050406030204" pitchFamily="18" charset="0"/>
+                          <a:ea typeface="Cambria Math" panose="02040503050406030204" pitchFamily="18" charset="0"/>
+                        </a:rPr>
+                        <m:t>ℏ</m:t>
+                      </m:r>
+                      <m:sSub>
+                        <m:sSubPr>
+                          <m:ctrlPr>
+                            <a:rPr lang="en-US" altLang="ja-JP" i="1">
+                              <a:latin typeface="Cambria Math" panose="02040503050406030204" pitchFamily="18" charset="0"/>
+                              <a:ea typeface="Cambria Math" panose="02040503050406030204" pitchFamily="18" charset="0"/>
+                            </a:rPr>
+                          </m:ctrlPr>
+                        </m:sSubPr>
+                        <m:e>
+                          <m:r>
+                            <a:rPr lang="ja-JP" altLang="en-US" i="1">
+                              <a:latin typeface="Cambria Math" panose="02040503050406030204" pitchFamily="18" charset="0"/>
+                              <a:ea typeface="Cambria Math" panose="02040503050406030204" pitchFamily="18" charset="0"/>
+                            </a:rPr>
+                            <m:t>𝜔</m:t>
+                          </m:r>
+                        </m:e>
+                        <m:sub>
+                          <m:r>
+                            <a:rPr lang="en-US" altLang="ja-JP" i="1">
+                              <a:latin typeface="Cambria Math" panose="02040503050406030204" pitchFamily="18" charset="0"/>
+                              <a:ea typeface="Cambria Math" panose="02040503050406030204" pitchFamily="18" charset="0"/>
+                            </a:rPr>
+                            <m:t>0</m:t>
+                          </m:r>
+                        </m:sub>
+                      </m:sSub>
+                    </m:oMath>
+                  </m:oMathPara>
+                </a14:m>
+                <a:endParaRPr lang="ja-JP" altLang="en-US"/>
+              </a:p>
+            </p:txBody>
+          </p:sp>
+        </mc:Choice>
+        <mc:Fallback>
+          <p:sp>
+            <p:nvSpPr>
+              <p:cNvPr id="27" name="正方形/長方形 26"/>
+              <p:cNvSpPr>
+                <a:spLocks noRot="1" noChangeAspect="1" noMove="1" noResize="1" noEditPoints="1" noAdjustHandles="1" noChangeArrowheads="1" noChangeShapeType="1" noTextEdit="1"/>
+              </p:cNvSpPr>
+              <p:nvPr/>
+            </p:nvSpPr>
+            <p:spPr>
+              <a:xfrm>
+                <a:off x="2831891" y="3481774"/>
+                <a:ext cx="673518" cy="369332"/>
+              </a:xfrm>
+              <a:prstGeom prst="rect">
+                <a:avLst/>
+              </a:prstGeom>
+              <a:blipFill>
+                <a:blip r:embed="rId4"/>
+                <a:stretch>
+                  <a:fillRect/>
+                </a:stretch>
+              </a:blipFill>
+            </p:spPr>
+            <p:txBody>
+              <a:bodyPr/>
+              <a:lstStyle/>
+              <a:p>
+                <a:r>
+                  <a:rPr lang="ja-JP" altLang="en-US">
+                    <a:noFill/>
+                  </a:rPr>
+                  <a:t> </a:t>
+                </a:r>
+              </a:p>
+            </p:txBody>
+          </p:sp>
+        </mc:Fallback>
+      </mc:AlternateContent>
+      <p:cxnSp>
+        <p:nvCxnSpPr>
+          <p:cNvPr id="29" name="直線コネクタ 28"/>
+          <p:cNvCxnSpPr/>
+          <p:nvPr/>
+        </p:nvCxnSpPr>
+        <p:spPr>
+          <a:xfrm>
+            <a:off x="1060450" y="2698750"/>
+            <a:ext cx="2048510" cy="6350"/>
+          </a:xfrm>
+          <a:prstGeom prst="line">
+            <a:avLst/>
+          </a:prstGeom>
+          <a:ln w="19050">
+            <a:solidFill>
+              <a:srgbClr val="0070C0"/>
+            </a:solidFill>
+          </a:ln>
+        </p:spPr>
+        <p:style>
+          <a:lnRef idx="1">
+            <a:schemeClr val="accent1"/>
+          </a:lnRef>
+          <a:fillRef idx="0">
+            <a:schemeClr val="accent1"/>
+          </a:fillRef>
+          <a:effectRef idx="0">
+            <a:schemeClr val="accent1"/>
+          </a:effectRef>
+          <a:fontRef idx="minor">
+            <a:schemeClr val="tx1"/>
+          </a:fontRef>
+        </p:style>
+      </p:cxnSp>
+      <p:sp>
+        <p:nvSpPr>
+          <p:cNvPr id="32" name="楕円 31"/>
+          <p:cNvSpPr/>
+          <p:nvPr/>
+        </p:nvSpPr>
+        <p:spPr>
+          <a:xfrm>
+            <a:off x="3061704" y="2655887"/>
+            <a:ext cx="94511" cy="98425"/>
+          </a:xfrm>
+          <a:prstGeom prst="ellipse">
+            <a:avLst/>
+          </a:prstGeom>
+          <a:solidFill>
+            <a:schemeClr val="bg1"/>
+          </a:solidFill>
+        </p:spPr>
+        <p:style>
+          <a:lnRef idx="2">
+            <a:schemeClr val="accent1">
+              <a:shade val="50000"/>
+            </a:schemeClr>
+          </a:lnRef>
+          <a:fillRef idx="1">
+            <a:schemeClr val="accent1"/>
+          </a:fillRef>
+          <a:effectRef idx="0">
+            <a:schemeClr val="accent1"/>
+          </a:effectRef>
+          <a:fontRef idx="minor">
+            <a:schemeClr val="lt1"/>
+          </a:fontRef>
+        </p:style>
+        <p:txBody>
+          <a:bodyPr rtlCol="0" anchor="ctr"/>
+          <a:lstStyle/>
+          <a:p>
+            <a:pPr algn="ctr"/>
+            <a:endParaRPr kumimoji="1" lang="ja-JP" altLang="en-US"/>
+          </a:p>
+        </p:txBody>
+      </p:sp>
+      <p:sp>
+        <p:nvSpPr>
+          <p:cNvPr id="33" name="楕円 32"/>
+          <p:cNvSpPr/>
+          <p:nvPr/>
+        </p:nvSpPr>
+        <p:spPr>
+          <a:xfrm>
+            <a:off x="1010654" y="2655887"/>
+            <a:ext cx="94511" cy="98425"/>
+          </a:xfrm>
+          <a:prstGeom prst="ellipse">
+            <a:avLst/>
+          </a:prstGeom>
+          <a:solidFill>
+            <a:srgbClr val="0070C0"/>
+          </a:solidFill>
+        </p:spPr>
+        <p:style>
+          <a:lnRef idx="2">
+            <a:schemeClr val="accent1">
+              <a:shade val="50000"/>
+            </a:schemeClr>
+          </a:lnRef>
+          <a:fillRef idx="1">
+            <a:schemeClr val="accent1"/>
+          </a:fillRef>
+          <a:effectRef idx="0">
+            <a:schemeClr val="accent1"/>
+          </a:effectRef>
+          <a:fontRef idx="minor">
+            <a:schemeClr val="lt1"/>
+          </a:fontRef>
+        </p:style>
+        <p:txBody>
+          <a:bodyPr rtlCol="0" anchor="ctr"/>
+          <a:lstStyle/>
+          <a:p>
+            <a:pPr algn="ctr"/>
+            <a:endParaRPr kumimoji="1" lang="ja-JP" altLang="en-US"/>
+          </a:p>
+        </p:txBody>
+      </p:sp>
+      <p:cxnSp>
+        <p:nvCxnSpPr>
+          <p:cNvPr id="34" name="直線コネクタ 33"/>
+          <p:cNvCxnSpPr/>
+          <p:nvPr/>
+        </p:nvCxnSpPr>
+        <p:spPr>
+          <a:xfrm flipV="1">
+            <a:off x="3108959" y="1904377"/>
+            <a:ext cx="2494281" cy="7091"/>
+          </a:xfrm>
+          <a:prstGeom prst="line">
+            <a:avLst/>
+          </a:prstGeom>
+          <a:ln w="19050">
+            <a:solidFill>
+              <a:srgbClr val="0070C0"/>
+            </a:solidFill>
+          </a:ln>
+        </p:spPr>
+        <p:style>
+          <a:lnRef idx="1">
+            <a:schemeClr val="accent1"/>
+          </a:lnRef>
+          <a:fillRef idx="0">
+            <a:schemeClr val="accent1"/>
+          </a:fillRef>
+          <a:effectRef idx="0">
+            <a:schemeClr val="accent1"/>
+          </a:effectRef>
+          <a:fontRef idx="minor">
+            <a:schemeClr val="tx1"/>
+          </a:fontRef>
+        </p:style>
+      </p:cxnSp>
+      <p:sp>
+        <p:nvSpPr>
+          <p:cNvPr id="36" name="楕円 35"/>
+          <p:cNvSpPr/>
+          <p:nvPr/>
+        </p:nvSpPr>
+        <p:spPr>
+          <a:xfrm>
+            <a:off x="3061704" y="1855164"/>
+            <a:ext cx="94511" cy="98425"/>
+          </a:xfrm>
+          <a:prstGeom prst="ellipse">
+            <a:avLst/>
+          </a:prstGeom>
+          <a:solidFill>
+            <a:srgbClr val="0070C0"/>
+          </a:solidFill>
+        </p:spPr>
+        <p:style>
+          <a:lnRef idx="2">
+            <a:schemeClr val="accent1">
+              <a:shade val="50000"/>
+            </a:schemeClr>
+          </a:lnRef>
+          <a:fillRef idx="1">
+            <a:schemeClr val="accent1"/>
+          </a:fillRef>
+          <a:effectRef idx="0">
+            <a:schemeClr val="accent1"/>
+          </a:effectRef>
+          <a:fontRef idx="minor">
+            <a:schemeClr val="lt1"/>
+          </a:fontRef>
+        </p:style>
+        <p:txBody>
+          <a:bodyPr rtlCol="0" anchor="ctr"/>
+          <a:lstStyle/>
+          <a:p>
+            <a:pPr algn="ctr"/>
+            <a:endParaRPr kumimoji="1" lang="ja-JP" altLang="en-US"/>
+          </a:p>
+        </p:txBody>
+      </p:sp>
+      <p:cxnSp>
+        <p:nvCxnSpPr>
+          <p:cNvPr id="38" name="直線コネクタ 37"/>
+          <p:cNvCxnSpPr/>
+          <p:nvPr/>
+        </p:nvCxnSpPr>
+        <p:spPr>
+          <a:xfrm>
+            <a:off x="1057909" y="1911468"/>
+            <a:ext cx="2041733" cy="1"/>
+          </a:xfrm>
+          <a:prstGeom prst="line">
+            <a:avLst/>
+          </a:prstGeom>
+          <a:ln w="19050">
+            <a:solidFill>
+              <a:srgbClr val="0070C0"/>
+            </a:solidFill>
+            <a:prstDash val="sysDot"/>
+          </a:ln>
+        </p:spPr>
+        <p:style>
+          <a:lnRef idx="1">
+            <a:schemeClr val="accent1"/>
+          </a:lnRef>
+          <a:fillRef idx="0">
+            <a:schemeClr val="accent1"/>
+          </a:fillRef>
+          <a:effectRef idx="0">
+            <a:schemeClr val="accent1"/>
+          </a:effectRef>
+          <a:fontRef idx="minor">
+            <a:schemeClr val="tx1"/>
+          </a:fontRef>
+        </p:style>
+      </p:cxnSp>
+      <mc:AlternateContent xmlns:mc="http://schemas.openxmlformats.org/markup-compatibility/2006">
+        <mc:Choice xmlns:a14="http://schemas.microsoft.com/office/drawing/2010/main" Requires="a14">
+          <p:sp>
+            <p:nvSpPr>
+              <p:cNvPr id="40" name="テキスト ボックス 39"/>
+              <p:cNvSpPr txBox="1"/>
+              <p:nvPr/>
+            </p:nvSpPr>
+            <p:spPr>
+              <a:xfrm>
+                <a:off x="3203471" y="2630288"/>
+                <a:ext cx="1320811" cy="289182"/>
+              </a:xfrm>
+              <a:prstGeom prst="rect">
+                <a:avLst/>
+              </a:prstGeom>
+              <a:noFill/>
+            </p:spPr>
+            <p:txBody>
+              <a:bodyPr wrap="none" lIns="0" tIns="0" rIns="0" bIns="0" rtlCol="0">
+                <a:spAutoFit/>
+              </a:bodyPr>
+              <a:lstStyle/>
+              <a:p>
+                <a14:m>
+                  <m:oMathPara xmlns:m="http://schemas.openxmlformats.org/officeDocument/2006/math">
+                    <m:oMathParaPr>
+                      <m:jc m:val="centerGroup"/>
+                    </m:oMathParaPr>
+                    <m:oMath xmlns:m="http://schemas.openxmlformats.org/officeDocument/2006/math">
+                      <m:sSub>
+                        <m:sSubPr>
+                          <m:ctrlPr>
+                            <a:rPr kumimoji="1" lang="en-US" altLang="ja-JP" i="1" smtClean="0">
+                              <a:latin typeface="Cambria Math" panose="02040503050406030204" pitchFamily="18" charset="0"/>
+                            </a:rPr>
+                          </m:ctrlPr>
+                        </m:sSubPr>
+                        <m:e>
+                          <m:r>
+                            <a:rPr kumimoji="1" lang="en-US" altLang="ja-JP" b="0" i="1" smtClean="0">
+                              <a:latin typeface="Cambria Math" panose="02040503050406030204" pitchFamily="18" charset="0"/>
+                            </a:rPr>
+                            <m:t>𝑊</m:t>
+                          </m:r>
+                        </m:e>
+                        <m:sub>
+                          <m:r>
+                            <a:rPr kumimoji="1" lang="en-US" altLang="ja-JP" b="0" i="1" smtClean="0">
+                              <a:latin typeface="Cambria Math" panose="02040503050406030204" pitchFamily="18" charset="0"/>
+                            </a:rPr>
+                            <m:t>𝑒</m:t>
+                          </m:r>
+                        </m:sub>
+                      </m:sSub>
+                      <m:r>
+                        <a:rPr kumimoji="1" lang="en-US" altLang="ja-JP" b="0" i="1" smtClean="0">
+                          <a:latin typeface="Cambria Math" panose="02040503050406030204" pitchFamily="18" charset="0"/>
+                        </a:rPr>
+                        <m:t>+</m:t>
+                      </m:r>
+                      <m:sSub>
+                        <m:sSubPr>
+                          <m:ctrlPr>
+                            <a:rPr kumimoji="1" lang="en-US" altLang="ja-JP" b="0" i="1" smtClean="0">
+                              <a:latin typeface="Cambria Math" panose="02040503050406030204" pitchFamily="18" charset="0"/>
+                            </a:rPr>
+                          </m:ctrlPr>
+                        </m:sSubPr>
+                        <m:e>
+                          <m:r>
+                            <a:rPr kumimoji="1" lang="en-US" altLang="ja-JP" b="0" i="1" smtClean="0">
+                              <a:latin typeface="Cambria Math" panose="02040503050406030204" pitchFamily="18" charset="0"/>
+                            </a:rPr>
+                            <m:t>𝑊</m:t>
+                          </m:r>
+                        </m:e>
+                        <m:sub>
+                          <m:r>
+                            <a:rPr kumimoji="1" lang="en-US" altLang="ja-JP" b="0" i="1" smtClean="0">
+                              <a:latin typeface="Cambria Math" panose="02040503050406030204" pitchFamily="18" charset="0"/>
+                            </a:rPr>
+                            <m:t>𝑖</m:t>
+                          </m:r>
+                          <m:r>
+                            <a:rPr kumimoji="1" lang="en-US" altLang="ja-JP" b="0" i="1" smtClean="0">
+                              <a:latin typeface="Cambria Math" panose="02040503050406030204" pitchFamily="18" charset="0"/>
+                            </a:rPr>
+                            <m:t>,</m:t>
+                          </m:r>
+                          <m:r>
+                            <a:rPr kumimoji="1" lang="en-US" altLang="ja-JP" b="0" i="1" smtClean="0">
+                              <a:latin typeface="Cambria Math" panose="02040503050406030204" pitchFamily="18" charset="0"/>
+                            </a:rPr>
+                            <m:t>𝑎𝑏𝑠𝑜</m:t>
+                          </m:r>
+                        </m:sub>
+                      </m:sSub>
+                    </m:oMath>
+                  </m:oMathPara>
+                </a14:m>
+                <a:endParaRPr kumimoji="1" lang="ja-JP" altLang="en-US"/>
+              </a:p>
+            </p:txBody>
+          </p:sp>
+        </mc:Choice>
+        <mc:Fallback>
+          <p:sp>
+            <p:nvSpPr>
+              <p:cNvPr id="40" name="テキスト ボックス 39"/>
+              <p:cNvSpPr txBox="1">
+                <a:spLocks noRot="1" noChangeAspect="1" noMove="1" noResize="1" noEditPoints="1" noAdjustHandles="1" noChangeArrowheads="1" noChangeShapeType="1" noTextEdit="1"/>
+              </p:cNvSpPr>
+              <p:nvPr/>
+            </p:nvSpPr>
+            <p:spPr>
+              <a:xfrm>
+                <a:off x="3203471" y="2630288"/>
+                <a:ext cx="1320811" cy="289182"/>
+              </a:xfrm>
+              <a:prstGeom prst="rect">
+                <a:avLst/>
+              </a:prstGeom>
+              <a:blipFill>
+                <a:blip r:embed="rId5"/>
+                <a:stretch>
+                  <a:fillRect l="-3241" r="-926" b="-10417"/>
+                </a:stretch>
+              </a:blipFill>
+            </p:spPr>
+            <p:txBody>
+              <a:bodyPr/>
+              <a:lstStyle/>
+              <a:p>
+                <a:r>
+                  <a:rPr lang="ja-JP" altLang="en-US">
+                    <a:noFill/>
+                  </a:rPr>
+                  <a:t> </a:t>
+                </a:r>
+              </a:p>
+            </p:txBody>
+          </p:sp>
+        </mc:Fallback>
+      </mc:AlternateContent>
+      <mc:AlternateContent xmlns:mc="http://schemas.openxmlformats.org/markup-compatibility/2006">
+        <mc:Choice xmlns:a14="http://schemas.microsoft.com/office/drawing/2010/main" Requires="a14">
+          <p:sp>
+            <p:nvSpPr>
+              <p:cNvPr id="41" name="テキスト ボックス 40"/>
+              <p:cNvSpPr txBox="1"/>
+              <p:nvPr/>
+            </p:nvSpPr>
+            <p:spPr>
+              <a:xfrm>
+                <a:off x="33569" y="2106655"/>
+                <a:ext cx="770404" cy="289182"/>
+              </a:xfrm>
+              <a:prstGeom prst="rect">
+                <a:avLst/>
+              </a:prstGeom>
+              <a:noFill/>
+            </p:spPr>
+            <p:txBody>
+              <a:bodyPr wrap="none" lIns="0" tIns="0" rIns="0" bIns="0" rtlCol="0">
+                <a:spAutoFit/>
+              </a:bodyPr>
+              <a:lstStyle/>
+              <a:p>
+                <a14:m>
+                  <m:oMathPara xmlns:m="http://schemas.openxmlformats.org/officeDocument/2006/math">
+                    <m:oMathParaPr>
+                      <m:jc m:val="centerGroup"/>
+                    </m:oMathParaPr>
+                    <m:oMath xmlns:m="http://schemas.openxmlformats.org/officeDocument/2006/math">
+                      <m:sSub>
+                        <m:sSubPr>
+                          <m:ctrlPr>
+                            <a:rPr kumimoji="1" lang="en-US" altLang="ja-JP" i="1" smtClean="0">
+                              <a:latin typeface="Cambria Math" panose="02040503050406030204" pitchFamily="18" charset="0"/>
+                            </a:rPr>
+                          </m:ctrlPr>
+                        </m:sSubPr>
+                        <m:e>
+                          <m:r>
+                            <a:rPr kumimoji="1" lang="en-US" altLang="ja-JP" b="0" i="1" smtClean="0">
+                              <a:latin typeface="Cambria Math" panose="02040503050406030204" pitchFamily="18" charset="0"/>
+                            </a:rPr>
+                            <m:t>𝑊</m:t>
+                          </m:r>
+                        </m:e>
+                        <m:sub>
+                          <m:r>
+                            <a:rPr kumimoji="1" lang="en-US" altLang="ja-JP" b="0" i="1" smtClean="0">
+                              <a:latin typeface="Cambria Math" panose="02040503050406030204" pitchFamily="18" charset="0"/>
+                            </a:rPr>
+                            <m:t>𝑖</m:t>
+                          </m:r>
+                          <m:r>
+                            <a:rPr kumimoji="1" lang="en-US" altLang="ja-JP" b="0" i="1" smtClean="0">
+                              <a:latin typeface="Cambria Math" panose="02040503050406030204" pitchFamily="18" charset="0"/>
+                            </a:rPr>
+                            <m:t>,</m:t>
+                          </m:r>
+                          <m:r>
+                            <a:rPr kumimoji="1" lang="en-US" altLang="ja-JP" b="0" i="1" smtClean="0">
+                              <a:latin typeface="Cambria Math" panose="02040503050406030204" pitchFamily="18" charset="0"/>
+                            </a:rPr>
+                            <m:t>𝑒𝑚𝑖𝑠</m:t>
+                          </m:r>
+                        </m:sub>
+                      </m:sSub>
+                    </m:oMath>
+                  </m:oMathPara>
+                </a14:m>
+                <a:endParaRPr kumimoji="1" lang="ja-JP" altLang="en-US"/>
+              </a:p>
+            </p:txBody>
+          </p:sp>
+        </mc:Choice>
+        <mc:Fallback>
+          <p:sp>
+            <p:nvSpPr>
+              <p:cNvPr id="41" name="テキスト ボックス 40"/>
+              <p:cNvSpPr txBox="1">
+                <a:spLocks noRot="1" noChangeAspect="1" noMove="1" noResize="1" noEditPoints="1" noAdjustHandles="1" noChangeArrowheads="1" noChangeShapeType="1" noTextEdit="1"/>
+              </p:cNvSpPr>
+              <p:nvPr/>
+            </p:nvSpPr>
+            <p:spPr>
+              <a:xfrm>
+                <a:off x="33569" y="2106655"/>
+                <a:ext cx="770404" cy="289182"/>
+              </a:xfrm>
+              <a:prstGeom prst="rect">
+                <a:avLst/>
+              </a:prstGeom>
+              <a:blipFill>
+                <a:blip r:embed="rId6"/>
+                <a:stretch>
+                  <a:fillRect l="-5556" r="-1587" b="-10638"/>
+                </a:stretch>
+              </a:blipFill>
+            </p:spPr>
+            <p:txBody>
+              <a:bodyPr/>
+              <a:lstStyle/>
+              <a:p>
+                <a:r>
+                  <a:rPr lang="ja-JP" altLang="en-US">
+                    <a:noFill/>
+                  </a:rPr>
+                  <a:t> </a:t>
+                </a:r>
+              </a:p>
+            </p:txBody>
+          </p:sp>
+        </mc:Fallback>
+      </mc:AlternateContent>
+      <p:sp>
+        <p:nvSpPr>
+          <p:cNvPr id="43" name="左中かっこ 42"/>
+          <p:cNvSpPr/>
+          <p:nvPr/>
+        </p:nvSpPr>
+        <p:spPr>
+          <a:xfrm>
+            <a:off x="808632" y="1914996"/>
+            <a:ext cx="155448" cy="778652"/>
+          </a:xfrm>
+          <a:prstGeom prst="leftBrace">
+            <a:avLst/>
+          </a:prstGeom>
+          <a:ln>
+            <a:solidFill>
+              <a:schemeClr val="tx1"/>
+            </a:solidFill>
+          </a:ln>
+        </p:spPr>
+        <p:style>
+          <a:lnRef idx="1">
+            <a:schemeClr val="accent1"/>
+          </a:lnRef>
+          <a:fillRef idx="0">
+            <a:schemeClr val="accent1"/>
+          </a:fillRef>
+          <a:effectRef idx="0">
+            <a:schemeClr val="accent1"/>
+          </a:effectRef>
+          <a:fontRef idx="minor">
+            <a:schemeClr val="tx1"/>
+          </a:fontRef>
+        </p:style>
+        <p:txBody>
+          <a:bodyPr rtlCol="0" anchor="ctr"/>
+          <a:lstStyle/>
+          <a:p>
+            <a:pPr algn="ctr"/>
+            <a:endParaRPr kumimoji="1" lang="ja-JP" altLang="en-US"/>
+          </a:p>
+        </p:txBody>
+      </p:sp>
+      <mc:AlternateContent xmlns:mc="http://schemas.openxmlformats.org/markup-compatibility/2006">
+        <mc:Choice xmlns:a14="http://schemas.microsoft.com/office/drawing/2010/main" Requires="a14">
+          <p:sp>
+            <p:nvSpPr>
+              <p:cNvPr id="45" name="テキスト ボックス 44"/>
+              <p:cNvSpPr txBox="1"/>
+              <p:nvPr/>
+            </p:nvSpPr>
+            <p:spPr>
+              <a:xfrm>
+                <a:off x="1271280" y="2153069"/>
+                <a:ext cx="1669816" cy="276999"/>
+              </a:xfrm>
+              <a:prstGeom prst="rect">
+                <a:avLst/>
+              </a:prstGeom>
+              <a:noFill/>
+            </p:spPr>
+            <p:txBody>
+              <a:bodyPr wrap="none" lIns="0" tIns="0" rIns="0" bIns="0" rtlCol="0">
+                <a:spAutoFit/>
+              </a:bodyPr>
+              <a:lstStyle/>
+              <a:p>
+                <a14:m>
+                  <m:oMathPara xmlns:m="http://schemas.openxmlformats.org/officeDocument/2006/math">
+                    <m:oMathParaPr>
+                      <m:jc m:val="centerGroup"/>
+                    </m:oMathParaPr>
+                    <m:oMath xmlns:m="http://schemas.openxmlformats.org/officeDocument/2006/math">
+                      <m:r>
+                        <a:rPr kumimoji="1" lang="en-US" altLang="ja-JP" b="0" i="1" smtClean="0">
+                          <a:latin typeface="Cambria Math" panose="02040503050406030204" pitchFamily="18" charset="0"/>
+                        </a:rPr>
+                        <m:t>𝑆𝑒𝑙𝑓</m:t>
+                      </m:r>
+                      <m:r>
+                        <a:rPr kumimoji="1" lang="en-US" altLang="ja-JP" b="0" i="1" smtClean="0">
+                          <a:latin typeface="Cambria Math" panose="02040503050406030204" pitchFamily="18" charset="0"/>
+                        </a:rPr>
+                        <m:t> </m:t>
+                      </m:r>
+                      <m:r>
+                        <a:rPr kumimoji="1" lang="en-US" altLang="ja-JP" b="0" i="1" smtClean="0">
+                          <a:latin typeface="Cambria Math" panose="02040503050406030204" pitchFamily="18" charset="0"/>
+                        </a:rPr>
+                        <m:t>𝑠𝑐𝑎𝑡𝑡𝑒𝑟𝑖𝑛𝑔</m:t>
+                      </m:r>
+                    </m:oMath>
+                  </m:oMathPara>
+                </a14:m>
+                <a:endParaRPr kumimoji="1" lang="ja-JP" altLang="en-US"/>
+              </a:p>
+            </p:txBody>
+          </p:sp>
+        </mc:Choice>
+        <mc:Fallback>
+          <p:sp>
+            <p:nvSpPr>
+              <p:cNvPr id="45" name="テキスト ボックス 44"/>
+              <p:cNvSpPr txBox="1">
+                <a:spLocks noRot="1" noChangeAspect="1" noMove="1" noResize="1" noEditPoints="1" noAdjustHandles="1" noChangeArrowheads="1" noChangeShapeType="1" noTextEdit="1"/>
+              </p:cNvSpPr>
+              <p:nvPr/>
+            </p:nvSpPr>
+            <p:spPr>
+              <a:xfrm>
+                <a:off x="1271280" y="2153069"/>
+                <a:ext cx="1669816" cy="276999"/>
+              </a:xfrm>
+              <a:prstGeom prst="rect">
+                <a:avLst/>
+              </a:prstGeom>
+              <a:blipFill>
+                <a:blip r:embed="rId7"/>
+                <a:stretch>
+                  <a:fillRect l="-3663" t="-6522" r="-4029" b="-28261"/>
+                </a:stretch>
+              </a:blipFill>
+            </p:spPr>
+            <p:txBody>
+              <a:bodyPr/>
+              <a:lstStyle/>
+              <a:p>
+                <a:r>
+                  <a:rPr lang="ja-JP" altLang="en-US">
+                    <a:noFill/>
+                  </a:rPr>
+                  <a:t> </a:t>
+                </a:r>
+              </a:p>
+            </p:txBody>
+          </p:sp>
+        </mc:Fallback>
+      </mc:AlternateContent>
+      <p:sp>
+        <p:nvSpPr>
+          <p:cNvPr id="46" name="テキスト ボックス 45"/>
+          <p:cNvSpPr txBox="1"/>
+          <p:nvPr/>
+        </p:nvSpPr>
+        <p:spPr>
+          <a:xfrm>
+            <a:off x="6160168" y="4314445"/>
+            <a:ext cx="6410425" cy="1938992"/>
+          </a:xfrm>
+          <a:prstGeom prst="rect">
+            <a:avLst/>
+          </a:prstGeom>
+          <a:noFill/>
+        </p:spPr>
+        <p:txBody>
+          <a:bodyPr wrap="square" rtlCol="0">
+            <a:spAutoFit/>
+          </a:bodyPr>
+          <a:lstStyle/>
+          <a:p>
+            <a:pPr marL="285750" indent="-285750">
+              <a:buFont typeface="Arial" panose="020B0604020202020204" pitchFamily="34" charset="0"/>
+              <a:buChar char="•"/>
+            </a:pPr>
+            <a:r>
+              <a:rPr kumimoji="1" lang="en-US" altLang="ja-JP" sz="2400" smtClean="0"/>
+              <a:t>Update the distribution function preodically.</a:t>
+            </a:r>
+          </a:p>
+          <a:p>
+            <a:pPr marL="285750" indent="-285750">
+              <a:buFont typeface="Arial" panose="020B0604020202020204" pitchFamily="34" charset="0"/>
+              <a:buChar char="•"/>
+            </a:pPr>
+            <a:endParaRPr lang="en-US" altLang="ja-JP" sz="2400" smtClean="0"/>
+          </a:p>
+          <a:p>
+            <a:pPr marL="285750" indent="-285750">
+              <a:buFont typeface="Arial" panose="020B0604020202020204" pitchFamily="34" charset="0"/>
+              <a:buChar char="•"/>
+            </a:pPr>
+            <a:r>
+              <a:rPr kumimoji="1" lang="en-US" altLang="ja-JP" sz="2400" smtClean="0"/>
+              <a:t>Deterimine whether the electon</a:t>
+            </a:r>
+            <a:r>
+              <a:rPr lang="ja-JP" altLang="en-US" sz="2400" smtClean="0"/>
+              <a:t> </a:t>
+            </a:r>
+            <a:r>
+              <a:rPr lang="en-US" altLang="ja-JP" sz="2400" smtClean="0"/>
+              <a:t>can scatter.</a:t>
+            </a:r>
+            <a:endParaRPr kumimoji="1" lang="en-US" altLang="ja-JP" sz="2400" smtClean="0"/>
+          </a:p>
+        </p:txBody>
+      </p:sp>
+      <p:sp>
+        <p:nvSpPr>
+          <p:cNvPr id="47" name="テキスト ボックス 46"/>
+          <p:cNvSpPr txBox="1"/>
+          <p:nvPr/>
+        </p:nvSpPr>
+        <p:spPr>
+          <a:xfrm>
+            <a:off x="6160168" y="2974206"/>
+            <a:ext cx="65" cy="276999"/>
+          </a:xfrm>
+          <a:prstGeom prst="rect">
+            <a:avLst/>
+          </a:prstGeom>
+          <a:noFill/>
+        </p:spPr>
+        <p:txBody>
+          <a:bodyPr wrap="none" lIns="0" tIns="0" rIns="0" bIns="0" rtlCol="0">
+            <a:spAutoFit/>
+          </a:bodyPr>
+          <a:lstStyle/>
+          <a:p>
+            <a:endParaRPr kumimoji="1" lang="ja-JP" altLang="en-US"/>
+          </a:p>
+        </p:txBody>
+      </p:sp>
+      <p:sp>
+        <p:nvSpPr>
+          <p:cNvPr id="48" name="楕円 47"/>
+          <p:cNvSpPr/>
+          <p:nvPr/>
+        </p:nvSpPr>
+        <p:spPr>
+          <a:xfrm>
+            <a:off x="640912" y="5144014"/>
+            <a:ext cx="603912" cy="625642"/>
+          </a:xfrm>
+          <a:prstGeom prst="ellipse">
+            <a:avLst/>
+          </a:prstGeom>
+          <a:solidFill>
+            <a:schemeClr val="accent1">
+              <a:alpha val="59000"/>
+            </a:schemeClr>
+          </a:solidFill>
+          <a:ln w="28575"/>
+        </p:spPr>
+        <p:style>
+          <a:lnRef idx="2">
+            <a:schemeClr val="accent1">
+              <a:shade val="50000"/>
+            </a:schemeClr>
+          </a:lnRef>
+          <a:fillRef idx="1">
+            <a:schemeClr val="accent1"/>
+          </a:fillRef>
+          <a:effectRef idx="0">
+            <a:schemeClr val="accent1"/>
+          </a:effectRef>
+          <a:fontRef idx="minor">
+            <a:schemeClr val="lt1"/>
+          </a:fontRef>
+        </p:style>
+        <p:txBody>
+          <a:bodyPr rtlCol="0" anchor="ctr"/>
+          <a:lstStyle/>
+          <a:p>
+            <a:pPr algn="ctr"/>
+            <a:endParaRPr kumimoji="1" lang="ja-JP" altLang="en-US"/>
+          </a:p>
+        </p:txBody>
+      </p:sp>
+      <mc:AlternateContent xmlns:mc="http://schemas.openxmlformats.org/markup-compatibility/2006">
+        <mc:Choice xmlns:a14="http://schemas.microsoft.com/office/drawing/2010/main" Requires="a14">
+          <p:sp>
+            <p:nvSpPr>
+              <p:cNvPr id="49" name="テキスト ボックス 48"/>
+              <p:cNvSpPr txBox="1"/>
+              <p:nvPr/>
+            </p:nvSpPr>
+            <p:spPr>
+              <a:xfrm>
+                <a:off x="1759740" y="5327492"/>
+                <a:ext cx="1907895" cy="369332"/>
+              </a:xfrm>
+              <a:prstGeom prst="rect">
+                <a:avLst/>
+              </a:prstGeom>
+              <a:noFill/>
+            </p:spPr>
+            <p:txBody>
+              <a:bodyPr wrap="none" lIns="0" tIns="0" rIns="0" bIns="0" rtlCol="0">
+                <a:spAutoFit/>
+              </a:bodyPr>
+              <a:lstStyle/>
+              <a:p>
+                <a14:m>
+                  <m:oMathPara xmlns:m="http://schemas.openxmlformats.org/officeDocument/2006/math">
+                    <m:oMathParaPr>
+                      <m:jc m:val="centerGroup"/>
+                    </m:oMathParaPr>
+                    <m:oMath xmlns:m="http://schemas.openxmlformats.org/officeDocument/2006/math">
+                      <m:r>
+                        <a:rPr kumimoji="1" lang="en-US" altLang="ja-JP" sz="2400" b="0" i="1" smtClean="0">
+                          <a:latin typeface="Cambria Math" panose="02040503050406030204" pitchFamily="18" charset="0"/>
+                        </a:rPr>
+                        <m:t>𝑟</m:t>
+                      </m:r>
+                      <m:r>
+                        <a:rPr kumimoji="1" lang="en-US" altLang="ja-JP" sz="2400" b="0" i="1" smtClean="0">
+                          <a:latin typeface="Cambria Math" panose="02040503050406030204" pitchFamily="18" charset="0"/>
+                        </a:rPr>
+                        <m:t>&lt;1−</m:t>
+                      </m:r>
+                      <m:r>
+                        <a:rPr kumimoji="1" lang="en-US" altLang="ja-JP" sz="2400" b="0" i="1" smtClean="0">
+                          <a:latin typeface="Cambria Math" panose="02040503050406030204" pitchFamily="18" charset="0"/>
+                        </a:rPr>
+                        <m:t>𝑓</m:t>
+                      </m:r>
+                      <m:r>
+                        <a:rPr kumimoji="1" lang="en-US" altLang="ja-JP" sz="2400" b="0" i="1" smtClean="0">
+                          <a:latin typeface="Cambria Math" panose="02040503050406030204" pitchFamily="18" charset="0"/>
+                        </a:rPr>
+                        <m:t>(</m:t>
+                      </m:r>
+                      <m:sSup>
+                        <m:sSupPr>
+                          <m:ctrlPr>
+                            <a:rPr kumimoji="1" lang="en-US" altLang="ja-JP" sz="2400" b="1" i="1" smtClean="0">
+                              <a:latin typeface="Cambria Math" panose="02040503050406030204" pitchFamily="18" charset="0"/>
+                            </a:rPr>
+                          </m:ctrlPr>
+                        </m:sSupPr>
+                        <m:e>
+                          <m:r>
+                            <a:rPr kumimoji="1" lang="en-US" altLang="ja-JP" sz="2400" b="1" i="1" smtClean="0">
+                              <a:latin typeface="Cambria Math" panose="02040503050406030204" pitchFamily="18" charset="0"/>
+                            </a:rPr>
+                            <m:t>𝒌</m:t>
+                          </m:r>
+                        </m:e>
+                        <m:sup>
+                          <m:r>
+                            <a:rPr kumimoji="1" lang="en-US" altLang="ja-JP" sz="2400" b="1" i="1" smtClean="0">
+                              <a:latin typeface="Cambria Math" panose="02040503050406030204" pitchFamily="18" charset="0"/>
+                            </a:rPr>
+                            <m:t>′</m:t>
+                          </m:r>
+                        </m:sup>
+                      </m:sSup>
+                      <m:r>
+                        <a:rPr kumimoji="1" lang="en-US" altLang="ja-JP" sz="2400" b="0" i="1" smtClean="0">
+                          <a:latin typeface="Cambria Math" panose="02040503050406030204" pitchFamily="18" charset="0"/>
+                        </a:rPr>
+                        <m:t>)</m:t>
+                      </m:r>
+                    </m:oMath>
+                  </m:oMathPara>
+                </a14:m>
+                <a:endParaRPr kumimoji="1" lang="ja-JP" altLang="en-US" sz="2400"/>
+              </a:p>
+            </p:txBody>
+          </p:sp>
+        </mc:Choice>
+        <mc:Fallback>
+          <p:sp>
+            <p:nvSpPr>
+              <p:cNvPr id="49" name="テキスト ボックス 48"/>
+              <p:cNvSpPr txBox="1">
+                <a:spLocks noRot="1" noChangeAspect="1" noMove="1" noResize="1" noEditPoints="1" noAdjustHandles="1" noChangeArrowheads="1" noChangeShapeType="1" noTextEdit="1"/>
+              </p:cNvSpPr>
+              <p:nvPr/>
+            </p:nvSpPr>
+            <p:spPr>
+              <a:xfrm>
+                <a:off x="1759740" y="5327492"/>
+                <a:ext cx="1907895" cy="369332"/>
+              </a:xfrm>
+              <a:prstGeom prst="rect">
+                <a:avLst/>
+              </a:prstGeom>
+              <a:blipFill>
+                <a:blip r:embed="rId8"/>
+                <a:stretch>
+                  <a:fillRect l="-958" t="-4918" r="-4473" b="-27869"/>
+                </a:stretch>
+              </a:blipFill>
+            </p:spPr>
+            <p:txBody>
+              <a:bodyPr/>
+              <a:lstStyle/>
+              <a:p>
+                <a:r>
+                  <a:rPr lang="ja-JP" altLang="en-US">
+                    <a:noFill/>
+                  </a:rPr>
+                  <a:t> </a:t>
+                </a:r>
+              </a:p>
+            </p:txBody>
+          </p:sp>
+        </mc:Fallback>
+      </mc:AlternateContent>
+      <p:sp>
+        <p:nvSpPr>
+          <p:cNvPr id="50" name="正方形/長方形 49"/>
+          <p:cNvSpPr/>
+          <p:nvPr/>
+        </p:nvSpPr>
+        <p:spPr>
+          <a:xfrm>
+            <a:off x="1584018" y="5191537"/>
+            <a:ext cx="2279859" cy="578119"/>
+          </a:xfrm>
+          <a:prstGeom prst="rect">
+            <a:avLst/>
+          </a:prstGeom>
+          <a:noFill/>
+          <a:ln>
+            <a:solidFill>
+              <a:schemeClr val="tx1"/>
+            </a:solidFill>
+          </a:ln>
+        </p:spPr>
+        <p:style>
+          <a:lnRef idx="2">
+            <a:schemeClr val="accent1">
+              <a:shade val="50000"/>
+            </a:schemeClr>
+          </a:lnRef>
+          <a:fillRef idx="1">
+            <a:schemeClr val="accent1"/>
+          </a:fillRef>
+          <a:effectRef idx="0">
+            <a:schemeClr val="accent1"/>
+          </a:effectRef>
+          <a:fontRef idx="minor">
+            <a:schemeClr val="lt1"/>
+          </a:fontRef>
+        </p:style>
+        <p:txBody>
+          <a:bodyPr rtlCol="0" anchor="ctr"/>
+          <a:lstStyle/>
+          <a:p>
+            <a:pPr algn="ctr"/>
+            <a:endParaRPr kumimoji="1" lang="ja-JP" altLang="en-US"/>
+          </a:p>
+        </p:txBody>
+      </p:sp>
+      <p:sp>
+        <p:nvSpPr>
+          <p:cNvPr id="51" name="楕円 50"/>
+          <p:cNvSpPr/>
+          <p:nvPr/>
+        </p:nvSpPr>
+        <p:spPr>
+          <a:xfrm>
+            <a:off x="4907847" y="5974271"/>
+            <a:ext cx="603912" cy="625642"/>
+          </a:xfrm>
+          <a:prstGeom prst="ellipse">
+            <a:avLst/>
+          </a:prstGeom>
+          <a:solidFill>
+            <a:schemeClr val="accent1">
+              <a:alpha val="59000"/>
+            </a:schemeClr>
+          </a:solidFill>
+          <a:ln w="28575"/>
+        </p:spPr>
+        <p:style>
+          <a:lnRef idx="2">
+            <a:schemeClr val="accent1">
+              <a:shade val="50000"/>
+            </a:schemeClr>
+          </a:lnRef>
+          <a:fillRef idx="1">
+            <a:schemeClr val="accent1"/>
+          </a:fillRef>
+          <a:effectRef idx="0">
+            <a:schemeClr val="accent1"/>
+          </a:effectRef>
+          <a:fontRef idx="minor">
+            <a:schemeClr val="lt1"/>
+          </a:fontRef>
+        </p:style>
+        <p:txBody>
+          <a:bodyPr rtlCol="0" anchor="ctr"/>
+          <a:lstStyle/>
+          <a:p>
+            <a:pPr algn="ctr"/>
+            <a:endParaRPr kumimoji="1" lang="ja-JP" altLang="en-US"/>
+          </a:p>
+        </p:txBody>
+      </p:sp>
+      <p:sp>
+        <p:nvSpPr>
+          <p:cNvPr id="52" name="楕円 51"/>
+          <p:cNvSpPr/>
+          <p:nvPr/>
+        </p:nvSpPr>
+        <p:spPr>
+          <a:xfrm>
+            <a:off x="4863350" y="4388815"/>
+            <a:ext cx="603912" cy="625642"/>
+          </a:xfrm>
+          <a:prstGeom prst="ellipse">
+            <a:avLst/>
+          </a:prstGeom>
+          <a:solidFill>
+            <a:srgbClr val="FF0000">
+              <a:alpha val="59000"/>
+            </a:srgbClr>
+          </a:solidFill>
+          <a:ln w="28575">
+            <a:solidFill>
+              <a:srgbClr val="FF0000"/>
+            </a:solidFill>
+          </a:ln>
+        </p:spPr>
+        <p:style>
+          <a:lnRef idx="2">
+            <a:schemeClr val="accent1">
+              <a:shade val="50000"/>
+            </a:schemeClr>
+          </a:lnRef>
+          <a:fillRef idx="1">
+            <a:schemeClr val="accent1"/>
+          </a:fillRef>
+          <a:effectRef idx="0">
+            <a:schemeClr val="accent1"/>
+          </a:effectRef>
+          <a:fontRef idx="minor">
+            <a:schemeClr val="lt1"/>
+          </a:fontRef>
+        </p:style>
+        <p:txBody>
+          <a:bodyPr rtlCol="0" anchor="ctr"/>
+          <a:lstStyle/>
+          <a:p>
+            <a:pPr algn="ctr"/>
+            <a:endParaRPr kumimoji="1" lang="ja-JP" altLang="en-US"/>
+          </a:p>
+        </p:txBody>
+      </p:sp>
+      <p:cxnSp>
+        <p:nvCxnSpPr>
+          <p:cNvPr id="60" name="カギ線コネクタ 59"/>
+          <p:cNvCxnSpPr>
+            <a:stCxn id="50" idx="2"/>
+          </p:cNvCxnSpPr>
+          <p:nvPr/>
+        </p:nvCxnSpPr>
+        <p:spPr>
+          <a:xfrm rot="16200000" flipH="1">
+            <a:off x="3430919" y="5062684"/>
+            <a:ext cx="586512" cy="2000455"/>
+          </a:xfrm>
+          <a:prstGeom prst="bentConnector2">
+            <a:avLst/>
+          </a:prstGeom>
+          <a:ln>
+            <a:solidFill>
+              <a:schemeClr val="tx1"/>
+            </a:solidFill>
+            <a:tailEnd type="triangle"/>
+          </a:ln>
+        </p:spPr>
+        <p:style>
+          <a:lnRef idx="1">
+            <a:schemeClr val="accent1"/>
+          </a:lnRef>
+          <a:fillRef idx="0">
+            <a:schemeClr val="accent1"/>
+          </a:fillRef>
+          <a:effectRef idx="0">
+            <a:schemeClr val="accent1"/>
+          </a:effectRef>
+          <a:fontRef idx="minor">
+            <a:schemeClr val="tx1"/>
+          </a:fontRef>
+        </p:style>
+      </p:cxnSp>
+      <p:cxnSp>
+        <p:nvCxnSpPr>
+          <p:cNvPr id="64" name="カギ線コネクタ 63"/>
+          <p:cNvCxnSpPr>
+            <a:stCxn id="50" idx="0"/>
+          </p:cNvCxnSpPr>
+          <p:nvPr/>
+        </p:nvCxnSpPr>
+        <p:spPr>
+          <a:xfrm rot="5400000" flipH="1" flipV="1">
+            <a:off x="3498821" y="3965956"/>
+            <a:ext cx="450709" cy="2000455"/>
+          </a:xfrm>
+          <a:prstGeom prst="bentConnector2">
+            <a:avLst/>
+          </a:prstGeom>
+          <a:ln>
+            <a:solidFill>
+              <a:schemeClr val="tx1"/>
+            </a:solidFill>
+            <a:tailEnd type="triangle"/>
+          </a:ln>
+        </p:spPr>
+        <p:style>
+          <a:lnRef idx="1">
+            <a:schemeClr val="accent1"/>
+          </a:lnRef>
+          <a:fillRef idx="0">
+            <a:schemeClr val="accent1"/>
+          </a:fillRef>
+          <a:effectRef idx="0">
+            <a:schemeClr val="accent1"/>
+          </a:effectRef>
+          <a:fontRef idx="minor">
+            <a:schemeClr val="tx1"/>
+          </a:fontRef>
+        </p:style>
+      </p:cxnSp>
+      <mc:AlternateContent xmlns:mc="http://schemas.openxmlformats.org/markup-compatibility/2006">
+        <mc:Choice xmlns:a14="http://schemas.microsoft.com/office/drawing/2010/main" Requires="a14">
+          <p:sp>
+            <p:nvSpPr>
+              <p:cNvPr id="66" name="テキスト ボックス 65"/>
+              <p:cNvSpPr txBox="1"/>
+              <p:nvPr/>
+            </p:nvSpPr>
+            <p:spPr>
+              <a:xfrm>
+                <a:off x="3505409" y="4378521"/>
+                <a:ext cx="443968" cy="276999"/>
+              </a:xfrm>
+              <a:prstGeom prst="rect">
+                <a:avLst/>
+              </a:prstGeom>
+              <a:noFill/>
+            </p:spPr>
+            <p:txBody>
+              <a:bodyPr wrap="none" lIns="0" tIns="0" rIns="0" bIns="0" rtlCol="0">
+                <a:spAutoFit/>
+              </a:bodyPr>
+              <a:lstStyle/>
+              <a:p>
+                <a14:m>
+                  <m:oMathPara xmlns:m="http://schemas.openxmlformats.org/officeDocument/2006/math">
+                    <m:oMathParaPr>
+                      <m:jc m:val="centerGroup"/>
+                    </m:oMathParaPr>
+                    <m:oMath xmlns:m="http://schemas.openxmlformats.org/officeDocument/2006/math">
+                      <m:r>
+                        <a:rPr kumimoji="1" lang="en-US" altLang="ja-JP" b="0" i="1" smtClean="0">
+                          <a:latin typeface="Cambria Math" panose="02040503050406030204" pitchFamily="18" charset="0"/>
+                        </a:rPr>
+                        <m:t>𝑌𝑒𝑠</m:t>
+                      </m:r>
+                    </m:oMath>
+                  </m:oMathPara>
+                </a14:m>
+                <a:endParaRPr kumimoji="1" lang="ja-JP" altLang="en-US"/>
+              </a:p>
+            </p:txBody>
+          </p:sp>
+        </mc:Choice>
+        <mc:Fallback>
+          <p:sp>
+            <p:nvSpPr>
+              <p:cNvPr id="66" name="テキスト ボックス 65"/>
+              <p:cNvSpPr txBox="1">
+                <a:spLocks noRot="1" noChangeAspect="1" noMove="1" noResize="1" noEditPoints="1" noAdjustHandles="1" noChangeArrowheads="1" noChangeShapeType="1" noTextEdit="1"/>
+              </p:cNvSpPr>
+              <p:nvPr/>
+            </p:nvSpPr>
+            <p:spPr>
+              <a:xfrm>
+                <a:off x="3505409" y="4378521"/>
+                <a:ext cx="443968" cy="276999"/>
+              </a:xfrm>
+              <a:prstGeom prst="rect">
+                <a:avLst/>
+              </a:prstGeom>
+              <a:blipFill>
+                <a:blip r:embed="rId9"/>
+                <a:stretch>
+                  <a:fillRect l="-8219" r="-9589" b="-2174"/>
+                </a:stretch>
+              </a:blipFill>
+            </p:spPr>
+            <p:txBody>
+              <a:bodyPr/>
+              <a:lstStyle/>
+              <a:p>
+                <a:r>
+                  <a:rPr lang="ja-JP" altLang="en-US">
+                    <a:noFill/>
+                  </a:rPr>
+                  <a:t> </a:t>
+                </a:r>
+              </a:p>
+            </p:txBody>
+          </p:sp>
+        </mc:Fallback>
+      </mc:AlternateContent>
+      <mc:AlternateContent xmlns:mc="http://schemas.openxmlformats.org/markup-compatibility/2006">
+        <mc:Choice xmlns:a14="http://schemas.microsoft.com/office/drawing/2010/main" Requires="a14">
+          <p:sp>
+            <p:nvSpPr>
+              <p:cNvPr id="67" name="テキスト ボックス 66"/>
+              <p:cNvSpPr txBox="1"/>
+              <p:nvPr/>
+            </p:nvSpPr>
+            <p:spPr>
+              <a:xfrm>
+                <a:off x="3536495" y="6400412"/>
+                <a:ext cx="375359" cy="276999"/>
+              </a:xfrm>
+              <a:prstGeom prst="rect">
+                <a:avLst/>
+              </a:prstGeom>
+              <a:noFill/>
+            </p:spPr>
+            <p:txBody>
+              <a:bodyPr wrap="none" lIns="0" tIns="0" rIns="0" bIns="0" rtlCol="0">
+                <a:spAutoFit/>
+              </a:bodyPr>
+              <a:lstStyle/>
+              <a:p>
+                <a14:m>
+                  <m:oMathPara xmlns:m="http://schemas.openxmlformats.org/officeDocument/2006/math">
+                    <m:oMathParaPr>
+                      <m:jc m:val="centerGroup"/>
+                    </m:oMathParaPr>
+                    <m:oMath xmlns:m="http://schemas.openxmlformats.org/officeDocument/2006/math">
+                      <m:r>
+                        <a:rPr kumimoji="1" lang="en-US" altLang="ja-JP" b="0" i="1" smtClean="0">
+                          <a:latin typeface="Cambria Math" panose="02040503050406030204" pitchFamily="18" charset="0"/>
+                        </a:rPr>
+                        <m:t>𝑁𝑜</m:t>
+                      </m:r>
+                    </m:oMath>
+                  </m:oMathPara>
+                </a14:m>
+                <a:endParaRPr kumimoji="1" lang="ja-JP" altLang="en-US"/>
+              </a:p>
+            </p:txBody>
+          </p:sp>
+        </mc:Choice>
+        <mc:Fallback>
+          <p:sp>
+            <p:nvSpPr>
+              <p:cNvPr id="67" name="テキスト ボックス 66"/>
+              <p:cNvSpPr txBox="1">
+                <a:spLocks noRot="1" noChangeAspect="1" noMove="1" noResize="1" noEditPoints="1" noAdjustHandles="1" noChangeArrowheads="1" noChangeShapeType="1" noTextEdit="1"/>
+              </p:cNvSpPr>
+              <p:nvPr/>
+            </p:nvSpPr>
+            <p:spPr>
+              <a:xfrm>
+                <a:off x="3536495" y="6400412"/>
+                <a:ext cx="375359" cy="276999"/>
+              </a:xfrm>
+              <a:prstGeom prst="rect">
+                <a:avLst/>
+              </a:prstGeom>
+              <a:blipFill>
+                <a:blip r:embed="rId10"/>
+                <a:stretch>
+                  <a:fillRect l="-9677" r="-11290" b="-2222"/>
+                </a:stretch>
+              </a:blipFill>
+            </p:spPr>
+            <p:txBody>
+              <a:bodyPr/>
+              <a:lstStyle/>
+              <a:p>
+                <a:r>
+                  <a:rPr lang="ja-JP" altLang="en-US">
+                    <a:noFill/>
+                  </a:rPr>
+                  <a:t> </a:t>
+                </a:r>
+              </a:p>
+            </p:txBody>
+          </p:sp>
+        </mc:Fallback>
+      </mc:AlternateContent>
+      <mc:AlternateContent xmlns:mc="http://schemas.openxmlformats.org/markup-compatibility/2006">
+        <mc:Choice xmlns:a14="http://schemas.microsoft.com/office/drawing/2010/main" Requires="a14">
+          <p:sp>
+            <p:nvSpPr>
+              <p:cNvPr id="68" name="正方形/長方形 67"/>
+              <p:cNvSpPr/>
+              <p:nvPr/>
+            </p:nvSpPr>
+            <p:spPr>
+              <a:xfrm>
+                <a:off x="704662" y="5226002"/>
+                <a:ext cx="476412" cy="461665"/>
+              </a:xfrm>
+              <a:prstGeom prst="rect">
+                <a:avLst/>
+              </a:prstGeom>
+            </p:spPr>
+            <p:txBody>
+              <a:bodyPr wrap="none">
+                <a:spAutoFit/>
+              </a:bodyPr>
+              <a:lstStyle/>
+              <a:p>
+                <a14:m>
+                  <m:oMathPara xmlns:m="http://schemas.openxmlformats.org/officeDocument/2006/math">
+                    <m:oMathParaPr>
+                      <m:jc m:val="centerGroup"/>
+                    </m:oMathParaPr>
+                    <m:oMath xmlns:m="http://schemas.openxmlformats.org/officeDocument/2006/math">
+                      <m:r>
+                        <a:rPr lang="en-US" altLang="ja-JP" sz="2400" b="1" i="1">
+                          <a:latin typeface="Cambria Math" panose="02040503050406030204" pitchFamily="18" charset="0"/>
+                        </a:rPr>
+                        <m:t>𝒌</m:t>
+                      </m:r>
+                    </m:oMath>
+                  </m:oMathPara>
+                </a14:m>
+                <a:endParaRPr lang="ja-JP" altLang="en-US" sz="2400"/>
+              </a:p>
+            </p:txBody>
+          </p:sp>
+        </mc:Choice>
+        <mc:Fallback>
+          <p:sp>
+            <p:nvSpPr>
+              <p:cNvPr id="68" name="正方形/長方形 67"/>
+              <p:cNvSpPr>
+                <a:spLocks noRot="1" noChangeAspect="1" noMove="1" noResize="1" noEditPoints="1" noAdjustHandles="1" noChangeArrowheads="1" noChangeShapeType="1" noTextEdit="1"/>
+              </p:cNvSpPr>
+              <p:nvPr/>
+            </p:nvSpPr>
+            <p:spPr>
+              <a:xfrm>
+                <a:off x="704662" y="5226002"/>
+                <a:ext cx="476412" cy="461665"/>
+              </a:xfrm>
+              <a:prstGeom prst="rect">
+                <a:avLst/>
+              </a:prstGeom>
+              <a:blipFill>
+                <a:blip r:embed="rId11"/>
+                <a:stretch>
+                  <a:fillRect/>
+                </a:stretch>
+              </a:blipFill>
+            </p:spPr>
+            <p:txBody>
+              <a:bodyPr/>
+              <a:lstStyle/>
+              <a:p>
+                <a:r>
+                  <a:rPr lang="ja-JP" altLang="en-US">
+                    <a:noFill/>
+                  </a:rPr>
+                  <a:t> </a:t>
+                </a:r>
+              </a:p>
+            </p:txBody>
+          </p:sp>
+        </mc:Fallback>
+      </mc:AlternateContent>
+      <mc:AlternateContent xmlns:mc="http://schemas.openxmlformats.org/markup-compatibility/2006">
+        <mc:Choice xmlns:a14="http://schemas.microsoft.com/office/drawing/2010/main" Requires="a14">
+          <p:sp>
+            <p:nvSpPr>
+              <p:cNvPr id="69" name="正方形/長方形 68"/>
+              <p:cNvSpPr/>
+              <p:nvPr/>
+            </p:nvSpPr>
+            <p:spPr>
+              <a:xfrm>
+                <a:off x="4965873" y="6077246"/>
+                <a:ext cx="476412" cy="461665"/>
+              </a:xfrm>
+              <a:prstGeom prst="rect">
+                <a:avLst/>
+              </a:prstGeom>
+            </p:spPr>
+            <p:txBody>
+              <a:bodyPr wrap="none">
+                <a:spAutoFit/>
+              </a:bodyPr>
+              <a:lstStyle/>
+              <a:p>
+                <a:pPr/>
+                <a14:m>
+                  <m:oMathPara xmlns:m="http://schemas.openxmlformats.org/officeDocument/2006/math">
+                    <m:oMathParaPr>
+                      <m:jc m:val="centerGroup"/>
+                    </m:oMathParaPr>
+                    <m:oMath xmlns:m="http://schemas.openxmlformats.org/officeDocument/2006/math">
+                      <m:r>
+                        <a:rPr lang="en-US" altLang="ja-JP" sz="2400" b="1" i="1">
+                          <a:latin typeface="Cambria Math" panose="02040503050406030204" pitchFamily="18" charset="0"/>
+                        </a:rPr>
+                        <m:t>𝒌</m:t>
+                      </m:r>
+                    </m:oMath>
+                  </m:oMathPara>
+                </a14:m>
+                <a:endParaRPr lang="ja-JP" altLang="en-US" sz="2400"/>
+              </a:p>
+            </p:txBody>
+          </p:sp>
+        </mc:Choice>
+        <mc:Fallback>
+          <p:sp>
+            <p:nvSpPr>
+              <p:cNvPr id="69" name="正方形/長方形 68"/>
+              <p:cNvSpPr>
+                <a:spLocks noRot="1" noChangeAspect="1" noMove="1" noResize="1" noEditPoints="1" noAdjustHandles="1" noChangeArrowheads="1" noChangeShapeType="1" noTextEdit="1"/>
+              </p:cNvSpPr>
+              <p:nvPr/>
+            </p:nvSpPr>
+            <p:spPr>
+              <a:xfrm>
+                <a:off x="4965873" y="6077246"/>
+                <a:ext cx="476412" cy="461665"/>
+              </a:xfrm>
+              <a:prstGeom prst="rect">
+                <a:avLst/>
+              </a:prstGeom>
+              <a:blipFill>
+                <a:blip r:embed="rId12"/>
+                <a:stretch>
+                  <a:fillRect/>
+                </a:stretch>
+              </a:blipFill>
+            </p:spPr>
+            <p:txBody>
+              <a:bodyPr/>
+              <a:lstStyle/>
+              <a:p>
+                <a:r>
+                  <a:rPr lang="ja-JP" altLang="en-US">
+                    <a:noFill/>
+                  </a:rPr>
+                  <a:t> </a:t>
+                </a:r>
+              </a:p>
+            </p:txBody>
+          </p:sp>
+        </mc:Fallback>
+      </mc:AlternateContent>
+      <mc:AlternateContent xmlns:mc="http://schemas.openxmlformats.org/markup-compatibility/2006">
+        <mc:Choice xmlns:a14="http://schemas.microsoft.com/office/drawing/2010/main" Requires="a14">
+          <p:sp>
+            <p:nvSpPr>
+              <p:cNvPr id="70" name="正方形/長方形 69"/>
+              <p:cNvSpPr/>
+              <p:nvPr/>
+            </p:nvSpPr>
+            <p:spPr>
+              <a:xfrm>
+                <a:off x="4911351" y="4487440"/>
+                <a:ext cx="569323" cy="461665"/>
+              </a:xfrm>
+              <a:prstGeom prst="rect">
+                <a:avLst/>
+              </a:prstGeom>
+            </p:spPr>
+            <p:txBody>
+              <a:bodyPr wrap="none">
+                <a:spAutoFit/>
+              </a:bodyPr>
+              <a:lstStyle/>
+              <a:p>
+                <a14:m>
+                  <m:oMathPara xmlns:m="http://schemas.openxmlformats.org/officeDocument/2006/math">
+                    <m:oMathParaPr>
+                      <m:jc m:val="centerGroup"/>
+                    </m:oMathParaPr>
+                    <m:oMath xmlns:m="http://schemas.openxmlformats.org/officeDocument/2006/math">
+                      <m:sSup>
+                        <m:sSupPr>
+                          <m:ctrlPr>
+                            <a:rPr lang="en-US" altLang="ja-JP" sz="2400" b="1" i="1">
+                              <a:latin typeface="Cambria Math" panose="02040503050406030204" pitchFamily="18" charset="0"/>
+                            </a:rPr>
+                          </m:ctrlPr>
+                        </m:sSupPr>
+                        <m:e>
+                          <m:r>
+                            <a:rPr lang="en-US" altLang="ja-JP" sz="2400" b="1" i="1">
+                              <a:latin typeface="Cambria Math" panose="02040503050406030204" pitchFamily="18" charset="0"/>
+                            </a:rPr>
+                            <m:t>𝒌</m:t>
+                          </m:r>
+                        </m:e>
+                        <m:sup>
+                          <m:r>
+                            <a:rPr lang="en-US" altLang="ja-JP" sz="2400" b="1" i="1">
+                              <a:latin typeface="Cambria Math" panose="02040503050406030204" pitchFamily="18" charset="0"/>
+                            </a:rPr>
+                            <m:t>′</m:t>
+                          </m:r>
+                        </m:sup>
+                      </m:sSup>
+                    </m:oMath>
+                  </m:oMathPara>
+                </a14:m>
+                <a:endParaRPr lang="ja-JP" altLang="en-US" sz="2400"/>
+              </a:p>
+            </p:txBody>
+          </p:sp>
+        </mc:Choice>
+        <mc:Fallback>
+          <p:sp>
+            <p:nvSpPr>
+              <p:cNvPr id="70" name="正方形/長方形 69"/>
+              <p:cNvSpPr>
+                <a:spLocks noRot="1" noChangeAspect="1" noMove="1" noResize="1" noEditPoints="1" noAdjustHandles="1" noChangeArrowheads="1" noChangeShapeType="1" noTextEdit="1"/>
+              </p:cNvSpPr>
+              <p:nvPr/>
+            </p:nvSpPr>
+            <p:spPr>
+              <a:xfrm>
+                <a:off x="4911351" y="4487440"/>
+                <a:ext cx="569323" cy="461665"/>
+              </a:xfrm>
+              <a:prstGeom prst="rect">
+                <a:avLst/>
+              </a:prstGeom>
+              <a:blipFill>
+                <a:blip r:embed="rId13"/>
+                <a:stretch>
+                  <a:fillRect/>
+                </a:stretch>
+              </a:blipFill>
+            </p:spPr>
+            <p:txBody>
+              <a:bodyPr/>
+              <a:lstStyle/>
+              <a:p>
+                <a:r>
+                  <a:rPr lang="ja-JP" altLang="en-US">
+                    <a:noFill/>
+                  </a:rPr>
+                  <a:t> </a:t>
+                </a:r>
+              </a:p>
+            </p:txBody>
+          </p:sp>
+        </mc:Fallback>
+      </mc:AlternateContent>
     </p:spTree>
     <p:extLst>
       <p:ext uri="{BB962C8B-B14F-4D97-AF65-F5344CB8AC3E}">
-        <p14:creationId xmlns:p14="http://schemas.microsoft.com/office/powerpoint/2010/main" val="162317636"/>
+        <p14:creationId xmlns:p14="http://schemas.microsoft.com/office/powerpoint/2010/main" val="3862075588"/>
       </p:ext>
     </p:extLst>
   </p:cSld>
@@ -4360,6 +6095,2362 @@
             <a:fld id="{7150E25F-B8C9-4ED1-8626-95CB18EC23DC}" type="slidenum">
               <a:rPr kumimoji="1" lang="ja-JP" altLang="en-US" smtClean="0"/>
               <a:t>12</a:t>
+            </a:fld>
+            <a:endParaRPr kumimoji="1" lang="ja-JP" altLang="en-US"/>
+          </a:p>
+        </p:txBody>
+      </p:sp>
+      <p:sp>
+        <p:nvSpPr>
+          <p:cNvPr id="5" name="正方形/長方形 4">
+            <a:extLst>
+              <a:ext uri="{FF2B5EF4-FFF2-40B4-BE49-F238E27FC236}">
+                <a16:creationId xmlns:a16="http://schemas.microsoft.com/office/drawing/2014/main" id="{E5FDB2C6-CC73-4C09-BA37-9683A766E164}"/>
+              </a:ext>
+            </a:extLst>
+          </p:cNvPr>
+          <p:cNvSpPr/>
+          <p:nvPr/>
+        </p:nvSpPr>
+        <p:spPr>
+          <a:xfrm>
+            <a:off x="-1" y="-1"/>
+            <a:ext cx="12192001" cy="1242391"/>
+          </a:xfrm>
+          <a:prstGeom prst="rect">
+            <a:avLst/>
+          </a:prstGeom>
+          <a:solidFill>
+            <a:srgbClr val="00B036">
+              <a:alpha val="72000"/>
+            </a:srgbClr>
+          </a:solidFill>
+          <a:ln>
+            <a:solidFill>
+              <a:schemeClr val="accent1">
+                <a:shade val="50000"/>
+                <a:alpha val="0"/>
+              </a:schemeClr>
+            </a:solidFill>
+          </a:ln>
+        </p:spPr>
+        <p:style>
+          <a:lnRef idx="2">
+            <a:schemeClr val="accent1">
+              <a:shade val="50000"/>
+            </a:schemeClr>
+          </a:lnRef>
+          <a:fillRef idx="1">
+            <a:schemeClr val="accent1"/>
+          </a:fillRef>
+          <a:effectRef idx="0">
+            <a:schemeClr val="accent1"/>
+          </a:effectRef>
+          <a:fontRef idx="minor">
+            <a:schemeClr val="lt1"/>
+          </a:fontRef>
+        </p:style>
+        <p:txBody>
+          <a:bodyPr rtlCol="0" anchor="ctr"/>
+          <a:lstStyle/>
+          <a:p>
+            <a:pPr algn="ctr"/>
+            <a:endParaRPr kumimoji="1" lang="ja-JP" altLang="en-US" dirty="0"/>
+          </a:p>
+        </p:txBody>
+      </p:sp>
+      <mc:AlternateContent xmlns:mc="http://schemas.openxmlformats.org/markup-compatibility/2006">
+        <mc:Choice xmlns:a14="http://schemas.microsoft.com/office/drawing/2010/main" Requires="a14">
+          <p:sp>
+            <p:nvSpPr>
+              <p:cNvPr id="6" name="タイトル 1"/>
+              <p:cNvSpPr>
+                <a:spLocks noGrp="1"/>
+              </p:cNvSpPr>
+              <p:nvPr>
+                <p:ph type="title"/>
+              </p:nvPr>
+            </p:nvSpPr>
+            <p:spPr>
+              <a:xfrm>
+                <a:off x="72887" y="0"/>
+                <a:ext cx="10515600" cy="1325563"/>
+              </a:xfrm>
+            </p:spPr>
+            <p:txBody>
+              <a:bodyPr/>
+              <a:lstStyle/>
+              <a:p>
+                <a:r>
+                  <a:rPr kumimoji="1" lang="en-US" altLang="ja-JP" smtClean="0"/>
+                  <a:t>How to lead </a:t>
+                </a:r>
+                <a14:m>
+                  <m:oMath xmlns:m="http://schemas.openxmlformats.org/officeDocument/2006/math">
+                    <m:r>
+                      <a:rPr kumimoji="1" lang="en-US" altLang="ja-JP" b="0" i="1" smtClean="0">
+                        <a:latin typeface="Cambria Math" panose="02040503050406030204" pitchFamily="18" charset="0"/>
+                      </a:rPr>
+                      <m:t>𝑓</m:t>
+                    </m:r>
+                    <m:r>
+                      <a:rPr kumimoji="1" lang="en-US" altLang="ja-JP" b="0" i="1" smtClean="0">
+                        <a:latin typeface="Cambria Math" panose="02040503050406030204" pitchFamily="18" charset="0"/>
+                      </a:rPr>
+                      <m:t>(</m:t>
+                    </m:r>
+                    <m:r>
+                      <a:rPr kumimoji="1" lang="en-US" altLang="ja-JP" b="1" i="1" smtClean="0">
+                        <a:latin typeface="Cambria Math" panose="02040503050406030204" pitchFamily="18" charset="0"/>
+                      </a:rPr>
+                      <m:t>𝒌</m:t>
+                    </m:r>
+                    <m:r>
+                      <a:rPr kumimoji="1" lang="en-US" altLang="ja-JP" b="0" i="1" smtClean="0">
+                        <a:latin typeface="Cambria Math" panose="02040503050406030204" pitchFamily="18" charset="0"/>
+                      </a:rPr>
+                      <m:t>)</m:t>
+                    </m:r>
+                  </m:oMath>
+                </a14:m>
+                <a:endParaRPr kumimoji="1" lang="ja-JP" altLang="en-US"/>
+              </a:p>
+            </p:txBody>
+          </p:sp>
+        </mc:Choice>
+        <mc:Fallback>
+          <p:sp>
+            <p:nvSpPr>
+              <p:cNvPr id="6" name="タイトル 1"/>
+              <p:cNvSpPr>
+                <a:spLocks noGrp="1" noRot="1" noChangeAspect="1" noMove="1" noResize="1" noEditPoints="1" noAdjustHandles="1" noChangeArrowheads="1" noChangeShapeType="1" noTextEdit="1"/>
+              </p:cNvSpPr>
+              <p:nvPr>
+                <p:ph type="title"/>
+              </p:nvPr>
+            </p:nvSpPr>
+            <p:spPr>
+              <a:xfrm>
+                <a:off x="72887" y="0"/>
+                <a:ext cx="10515600" cy="1325563"/>
+              </a:xfrm>
+              <a:blipFill>
+                <a:blip r:embed="rId2"/>
+                <a:stretch>
+                  <a:fillRect l="-2377" b="-922"/>
+                </a:stretch>
+              </a:blipFill>
+            </p:spPr>
+            <p:txBody>
+              <a:bodyPr/>
+              <a:lstStyle/>
+              <a:p>
+                <a:r>
+                  <a:rPr lang="ja-JP" altLang="en-US">
+                    <a:noFill/>
+                  </a:rPr>
+                  <a:t> </a:t>
+                </a:r>
+              </a:p>
+            </p:txBody>
+          </p:sp>
+        </mc:Fallback>
+      </mc:AlternateContent>
+      <p:sp>
+        <p:nvSpPr>
+          <p:cNvPr id="7" name="テキスト ボックス 6"/>
+          <p:cNvSpPr txBox="1"/>
+          <p:nvPr/>
+        </p:nvSpPr>
+        <p:spPr>
+          <a:xfrm>
+            <a:off x="0" y="1470991"/>
+            <a:ext cx="11604010" cy="461665"/>
+          </a:xfrm>
+          <a:prstGeom prst="rect">
+            <a:avLst/>
+          </a:prstGeom>
+          <a:noFill/>
+        </p:spPr>
+        <p:txBody>
+          <a:bodyPr wrap="none" rtlCol="0">
+            <a:spAutoFit/>
+          </a:bodyPr>
+          <a:lstStyle/>
+          <a:p>
+            <a:pPr marL="285750" indent="-285750">
+              <a:buFont typeface="Arial" panose="020B0604020202020204" pitchFamily="34" charset="0"/>
+              <a:buChar char="•"/>
+            </a:pPr>
+            <a:r>
+              <a:rPr lang="en-US" altLang="ja-JP" sz="2400"/>
+              <a:t>Calculate the distribution function from the number of particles in the grid</a:t>
+            </a:r>
+            <a:endParaRPr kumimoji="1" lang="ja-JP" altLang="en-US" sz="2400"/>
+          </a:p>
+        </p:txBody>
+      </p:sp>
+      <mc:AlternateContent xmlns:mc="http://schemas.openxmlformats.org/markup-compatibility/2006">
+        <mc:Choice xmlns:a14="http://schemas.microsoft.com/office/drawing/2010/main" Requires="a14">
+          <p:sp>
+            <p:nvSpPr>
+              <p:cNvPr id="10" name="テキスト ボックス 9"/>
+              <p:cNvSpPr txBox="1"/>
+              <p:nvPr/>
+            </p:nvSpPr>
+            <p:spPr>
+              <a:xfrm>
+                <a:off x="3072634" y="2180602"/>
+                <a:ext cx="2488309" cy="404919"/>
+              </a:xfrm>
+              <a:prstGeom prst="rect">
+                <a:avLst/>
+              </a:prstGeom>
+              <a:noFill/>
+            </p:spPr>
+            <p:txBody>
+              <a:bodyPr wrap="none" lIns="0" tIns="0" rIns="0" bIns="0" rtlCol="0">
+                <a:spAutoFit/>
+              </a:bodyPr>
+              <a:lstStyle/>
+              <a:p>
+                <a:pPr/>
+                <a14:m>
+                  <m:oMathPara xmlns:m="http://schemas.openxmlformats.org/officeDocument/2006/math">
+                    <m:oMathParaPr>
+                      <m:jc m:val="centerGroup"/>
+                    </m:oMathParaPr>
+                    <m:oMath xmlns:m="http://schemas.openxmlformats.org/officeDocument/2006/math">
+                      <m:r>
+                        <a:rPr kumimoji="1" lang="en-US" altLang="ja-JP" sz="2400" b="0" i="1" smtClean="0">
+                          <a:latin typeface="Cambria Math" panose="02040503050406030204" pitchFamily="18" charset="0"/>
+                        </a:rPr>
+                        <m:t>𝑓</m:t>
+                      </m:r>
+                      <m:d>
+                        <m:dPr>
+                          <m:ctrlPr>
+                            <a:rPr kumimoji="1" lang="en-US" altLang="ja-JP" sz="2400" b="0" i="1" smtClean="0">
+                              <a:latin typeface="Cambria Math" panose="02040503050406030204" pitchFamily="18" charset="0"/>
+                            </a:rPr>
+                          </m:ctrlPr>
+                        </m:dPr>
+                        <m:e>
+                          <m:r>
+                            <a:rPr kumimoji="1" lang="en-US" altLang="ja-JP" sz="2400" b="1" i="1" smtClean="0">
+                              <a:latin typeface="Cambria Math" panose="02040503050406030204" pitchFamily="18" charset="0"/>
+                            </a:rPr>
+                            <m:t>𝒌</m:t>
+                          </m:r>
+                        </m:e>
+                      </m:d>
+                      <m:r>
+                        <a:rPr kumimoji="1" lang="en-US" altLang="ja-JP" sz="2400" b="0" i="1" smtClean="0">
+                          <a:latin typeface="Cambria Math" panose="02040503050406030204" pitchFamily="18" charset="0"/>
+                        </a:rPr>
+                        <m:t>= </m:t>
+                      </m:r>
+                      <m:r>
+                        <a:rPr kumimoji="1" lang="ja-JP" altLang="en-US" sz="2400" b="0" i="1" smtClean="0">
+                          <a:latin typeface="Cambria Math" panose="02040503050406030204" pitchFamily="18" charset="0"/>
+                        </a:rPr>
+                        <m:t>𝛼</m:t>
+                      </m:r>
+                      <m:r>
+                        <a:rPr kumimoji="1" lang="ja-JP" altLang="en-US" sz="2400" b="0" i="1" smtClean="0">
+                          <a:latin typeface="Cambria Math" panose="02040503050406030204" pitchFamily="18" charset="0"/>
+                        </a:rPr>
+                        <m:t>∙</m:t>
+                      </m:r>
+                      <m:sSub>
+                        <m:sSubPr>
+                          <m:ctrlPr>
+                            <a:rPr kumimoji="1" lang="en-US" altLang="ja-JP" sz="2400" b="0" i="1" smtClean="0">
+                              <a:latin typeface="Cambria Math" panose="02040503050406030204" pitchFamily="18" charset="0"/>
+                            </a:rPr>
+                          </m:ctrlPr>
+                        </m:sSubPr>
+                        <m:e>
+                          <m:r>
+                            <a:rPr kumimoji="1" lang="en-US" altLang="ja-JP" sz="2400" b="0" i="1" smtClean="0">
+                              <a:latin typeface="Cambria Math" panose="02040503050406030204" pitchFamily="18" charset="0"/>
+                            </a:rPr>
+                            <m:t>𝑐</m:t>
+                          </m:r>
+                        </m:e>
+                        <m:sub>
+                          <m:r>
+                            <a:rPr kumimoji="1" lang="en-US" altLang="ja-JP" sz="2400" b="0" i="1" smtClean="0">
+                              <a:latin typeface="Cambria Math" panose="02040503050406030204" pitchFamily="18" charset="0"/>
+                            </a:rPr>
+                            <m:t>𝑎𝑑𝑟</m:t>
+                          </m:r>
+                          <m:r>
+                            <a:rPr kumimoji="1" lang="en-US" altLang="ja-JP" sz="2400" b="0" i="1" smtClean="0">
+                              <a:latin typeface="Cambria Math" panose="02040503050406030204" pitchFamily="18" charset="0"/>
+                            </a:rPr>
+                            <m:t>(</m:t>
+                          </m:r>
+                          <m:r>
+                            <a:rPr kumimoji="1" lang="en-US" altLang="ja-JP" sz="2400" b="1" i="1" smtClean="0">
+                              <a:latin typeface="Cambria Math" panose="02040503050406030204" pitchFamily="18" charset="0"/>
+                            </a:rPr>
+                            <m:t>𝒌</m:t>
+                          </m:r>
+                          <m:r>
+                            <a:rPr kumimoji="1" lang="en-US" altLang="ja-JP" sz="2400" b="0" i="1" smtClean="0">
+                              <a:latin typeface="Cambria Math" panose="02040503050406030204" pitchFamily="18" charset="0"/>
+                            </a:rPr>
+                            <m:t>)</m:t>
+                          </m:r>
+                        </m:sub>
+                      </m:sSub>
+                    </m:oMath>
+                  </m:oMathPara>
+                </a14:m>
+                <a:endParaRPr kumimoji="1" lang="ja-JP" altLang="en-US" sz="2400"/>
+              </a:p>
+            </p:txBody>
+          </p:sp>
+        </mc:Choice>
+        <mc:Fallback>
+          <p:sp>
+            <p:nvSpPr>
+              <p:cNvPr id="10" name="テキスト ボックス 9"/>
+              <p:cNvSpPr txBox="1">
+                <a:spLocks noRot="1" noChangeAspect="1" noMove="1" noResize="1" noEditPoints="1" noAdjustHandles="1" noChangeArrowheads="1" noChangeShapeType="1" noTextEdit="1"/>
+              </p:cNvSpPr>
+              <p:nvPr/>
+            </p:nvSpPr>
+            <p:spPr>
+              <a:xfrm>
+                <a:off x="3072634" y="2180602"/>
+                <a:ext cx="2488309" cy="404919"/>
+              </a:xfrm>
+              <a:prstGeom prst="rect">
+                <a:avLst/>
+              </a:prstGeom>
+              <a:blipFill>
+                <a:blip r:embed="rId3"/>
+                <a:stretch>
+                  <a:fillRect l="-3186" r="-1471" b="-25758"/>
+                </a:stretch>
+              </a:blipFill>
+            </p:spPr>
+            <p:txBody>
+              <a:bodyPr/>
+              <a:lstStyle/>
+              <a:p>
+                <a:r>
+                  <a:rPr lang="ja-JP" altLang="en-US">
+                    <a:noFill/>
+                  </a:rPr>
+                  <a:t> </a:t>
+                </a:r>
+              </a:p>
+            </p:txBody>
+          </p:sp>
+        </mc:Fallback>
+      </mc:AlternateContent>
+      <mc:AlternateContent xmlns:mc="http://schemas.openxmlformats.org/markup-compatibility/2006">
+        <mc:Choice xmlns:a14="http://schemas.microsoft.com/office/drawing/2010/main" Requires="a14">
+          <p:sp>
+            <p:nvSpPr>
+              <p:cNvPr id="3" name="正方形/長方形 2"/>
+              <p:cNvSpPr/>
+              <p:nvPr/>
+            </p:nvSpPr>
+            <p:spPr>
+              <a:xfrm>
+                <a:off x="6270691" y="2338265"/>
+                <a:ext cx="5333319" cy="369332"/>
+              </a:xfrm>
+              <a:prstGeom prst="rect">
+                <a:avLst/>
+              </a:prstGeom>
+            </p:spPr>
+            <p:txBody>
+              <a:bodyPr wrap="none">
+                <a:spAutoFit/>
+              </a:bodyPr>
+              <a:lstStyle/>
+              <a:p>
+                <a14:m>
+                  <m:oMath xmlns:m="http://schemas.openxmlformats.org/officeDocument/2006/math">
+                    <m:r>
+                      <a:rPr lang="en-US" altLang="ja-JP" i="1">
+                        <a:latin typeface="Cambria Math" panose="02040503050406030204" pitchFamily="18" charset="0"/>
+                      </a:rPr>
+                      <m:t>𝑎𝑑𝑟</m:t>
+                    </m:r>
+                    <m:d>
+                      <m:dPr>
+                        <m:ctrlPr>
+                          <a:rPr lang="en-US" altLang="ja-JP" i="1">
+                            <a:latin typeface="Cambria Math" panose="02040503050406030204" pitchFamily="18" charset="0"/>
+                          </a:rPr>
+                        </m:ctrlPr>
+                      </m:dPr>
+                      <m:e>
+                        <m:r>
+                          <a:rPr lang="en-US" altLang="ja-JP" b="1" i="1">
+                            <a:latin typeface="Cambria Math" panose="02040503050406030204" pitchFamily="18" charset="0"/>
+                          </a:rPr>
+                          <m:t>𝒌</m:t>
+                        </m:r>
+                      </m:e>
+                    </m:d>
+                    <m:r>
+                      <a:rPr lang="en-US" altLang="ja-JP">
+                        <a:latin typeface="Cambria Math" panose="02040503050406030204" pitchFamily="18" charset="0"/>
+                      </a:rPr>
+                      <m:t>: </m:t>
+                    </m:r>
+                  </m:oMath>
+                </a14:m>
+                <a:r>
+                  <a:rPr lang="en-US" altLang="ja-JP"/>
+                  <a:t>Address of the grid to which </a:t>
+                </a:r>
+                <a14:m>
+                  <m:oMath xmlns:m="http://schemas.openxmlformats.org/officeDocument/2006/math">
+                    <m:r>
+                      <a:rPr lang="en-US" altLang="ja-JP" b="1" i="1" smtClean="0">
+                        <a:latin typeface="Cambria Math" panose="02040503050406030204" pitchFamily="18" charset="0"/>
+                      </a:rPr>
+                      <m:t>𝒌</m:t>
+                    </m:r>
+                  </m:oMath>
+                </a14:m>
+                <a:r>
+                  <a:rPr lang="en-US" altLang="ja-JP"/>
+                  <a:t> belongs</a:t>
+                </a:r>
+                <a:endParaRPr lang="ja-JP" altLang="en-US"/>
+              </a:p>
+            </p:txBody>
+          </p:sp>
+        </mc:Choice>
+        <mc:Fallback>
+          <p:sp>
+            <p:nvSpPr>
+              <p:cNvPr id="3" name="正方形/長方形 2"/>
+              <p:cNvSpPr>
+                <a:spLocks noRot="1" noChangeAspect="1" noMove="1" noResize="1" noEditPoints="1" noAdjustHandles="1" noChangeArrowheads="1" noChangeShapeType="1" noTextEdit="1"/>
+              </p:cNvSpPr>
+              <p:nvPr/>
+            </p:nvSpPr>
+            <p:spPr>
+              <a:xfrm>
+                <a:off x="6270691" y="2338265"/>
+                <a:ext cx="5333319" cy="369332"/>
+              </a:xfrm>
+              <a:prstGeom prst="rect">
+                <a:avLst/>
+              </a:prstGeom>
+              <a:blipFill>
+                <a:blip r:embed="rId4"/>
+                <a:stretch>
+                  <a:fillRect t="-6667" r="-571" b="-30000"/>
+                </a:stretch>
+              </a:blipFill>
+            </p:spPr>
+            <p:txBody>
+              <a:bodyPr/>
+              <a:lstStyle/>
+              <a:p>
+                <a:r>
+                  <a:rPr lang="ja-JP" altLang="en-US">
+                    <a:noFill/>
+                  </a:rPr>
+                  <a:t> </a:t>
+                </a:r>
+              </a:p>
+            </p:txBody>
+          </p:sp>
+        </mc:Fallback>
+      </mc:AlternateContent>
+      <mc:AlternateContent xmlns:mc="http://schemas.openxmlformats.org/markup-compatibility/2006">
+        <mc:Choice xmlns:a14="http://schemas.microsoft.com/office/drawing/2010/main" Requires="a14">
+          <p:sp>
+            <p:nvSpPr>
+              <p:cNvPr id="8" name="正方形/長方形 7"/>
+              <p:cNvSpPr/>
+              <p:nvPr/>
+            </p:nvSpPr>
+            <p:spPr>
+              <a:xfrm>
+                <a:off x="264565" y="2673172"/>
+                <a:ext cx="1923604" cy="461665"/>
+              </a:xfrm>
+              <a:prstGeom prst="rect">
+                <a:avLst/>
+              </a:prstGeom>
+            </p:spPr>
+            <p:txBody>
+              <a:bodyPr wrap="none">
+                <a:spAutoFit/>
+              </a:bodyPr>
+              <a:lstStyle/>
+              <a:p>
+                <a:r>
+                  <a:rPr lang="en-US" altLang="ja-JP" sz="2400"/>
+                  <a:t>[Leading </a:t>
+                </a:r>
+                <a14:m>
+                  <m:oMath xmlns:m="http://schemas.openxmlformats.org/officeDocument/2006/math">
+                    <m:r>
+                      <a:rPr lang="ja-JP" altLang="en-US" sz="2400" i="1">
+                        <a:latin typeface="Cambria Math" panose="02040503050406030204" pitchFamily="18" charset="0"/>
+                      </a:rPr>
+                      <m:t>𝛼</m:t>
+                    </m:r>
+                  </m:oMath>
+                </a14:m>
+                <a:r>
+                  <a:rPr lang="en-US" altLang="ja-JP" sz="2400"/>
+                  <a:t>]</a:t>
+                </a:r>
+                <a:endParaRPr lang="ja-JP" altLang="en-US" sz="2400"/>
+              </a:p>
+            </p:txBody>
+          </p:sp>
+        </mc:Choice>
+        <mc:Fallback>
+          <p:sp>
+            <p:nvSpPr>
+              <p:cNvPr id="8" name="正方形/長方形 7"/>
+              <p:cNvSpPr>
+                <a:spLocks noRot="1" noChangeAspect="1" noMove="1" noResize="1" noEditPoints="1" noAdjustHandles="1" noChangeArrowheads="1" noChangeShapeType="1" noTextEdit="1"/>
+              </p:cNvSpPr>
+              <p:nvPr/>
+            </p:nvSpPr>
+            <p:spPr>
+              <a:xfrm>
+                <a:off x="264565" y="2673172"/>
+                <a:ext cx="1923604" cy="461665"/>
+              </a:xfrm>
+              <a:prstGeom prst="rect">
+                <a:avLst/>
+              </a:prstGeom>
+              <a:blipFill>
+                <a:blip r:embed="rId5"/>
+                <a:stretch>
+                  <a:fillRect l="-4747" t="-8000" r="-3797" b="-33333"/>
+                </a:stretch>
+              </a:blipFill>
+            </p:spPr>
+            <p:txBody>
+              <a:bodyPr/>
+              <a:lstStyle/>
+              <a:p>
+                <a:r>
+                  <a:rPr lang="ja-JP" altLang="en-US">
+                    <a:noFill/>
+                  </a:rPr>
+                  <a:t> </a:t>
+                </a:r>
+              </a:p>
+            </p:txBody>
+          </p:sp>
+        </mc:Fallback>
+      </mc:AlternateContent>
+      <mc:AlternateContent xmlns:mc="http://schemas.openxmlformats.org/markup-compatibility/2006">
+        <mc:Choice xmlns:a14="http://schemas.microsoft.com/office/drawing/2010/main" Requires="a14">
+          <p:sp>
+            <p:nvSpPr>
+              <p:cNvPr id="9" name="テキスト ボックス 8"/>
+              <p:cNvSpPr txBox="1"/>
+              <p:nvPr/>
+            </p:nvSpPr>
+            <p:spPr>
+              <a:xfrm>
+                <a:off x="395332" y="3271806"/>
+                <a:ext cx="8542018" cy="807337"/>
+              </a:xfrm>
+              <a:prstGeom prst="rect">
+                <a:avLst/>
+              </a:prstGeom>
+              <a:noFill/>
+            </p:spPr>
+            <p:txBody>
+              <a:bodyPr wrap="none" lIns="0" tIns="0" rIns="0" bIns="0" rtlCol="0">
+                <a:spAutoFit/>
+              </a:bodyPr>
+              <a:lstStyle/>
+              <a:p>
+                <a14:m>
+                  <m:oMathPara xmlns:m="http://schemas.openxmlformats.org/officeDocument/2006/math">
+                    <m:oMathParaPr>
+                      <m:jc m:val="centerGroup"/>
+                    </m:oMathParaPr>
+                    <m:oMath xmlns:m="http://schemas.openxmlformats.org/officeDocument/2006/math">
+                      <m:sSub>
+                        <m:sSubPr>
+                          <m:ctrlPr>
+                            <a:rPr kumimoji="1" lang="en-US" altLang="ja-JP" sz="2000" i="1" smtClean="0">
+                              <a:latin typeface="Cambria Math" panose="02040503050406030204" pitchFamily="18" charset="0"/>
+                            </a:rPr>
+                          </m:ctrlPr>
+                        </m:sSubPr>
+                        <m:e>
+                          <m:r>
+                            <a:rPr kumimoji="1" lang="en-US" altLang="ja-JP" sz="2000" b="0" i="1" smtClean="0">
+                              <a:latin typeface="Cambria Math" panose="02040503050406030204" pitchFamily="18" charset="0"/>
+                            </a:rPr>
+                            <m:t>𝑁</m:t>
+                          </m:r>
+                        </m:e>
+                        <m:sub>
+                          <m:r>
+                            <a:rPr kumimoji="1" lang="en-US" altLang="ja-JP" sz="2000" b="0" i="1" smtClean="0">
+                              <a:latin typeface="Cambria Math" panose="02040503050406030204" pitchFamily="18" charset="0"/>
+                            </a:rPr>
+                            <m:t>𝑒</m:t>
+                          </m:r>
+                        </m:sub>
+                      </m:sSub>
+                      <m:r>
+                        <a:rPr kumimoji="1" lang="en-US" altLang="ja-JP" sz="2000" b="0" i="1" smtClean="0">
+                          <a:latin typeface="Cambria Math" panose="02040503050406030204" pitchFamily="18" charset="0"/>
+                        </a:rPr>
+                        <m:t> = </m:t>
+                      </m:r>
+                      <m:sSub>
+                        <m:sSubPr>
+                          <m:ctrlPr>
+                            <a:rPr kumimoji="1" lang="en-US" altLang="ja-JP" sz="2000" b="0" i="1" smtClean="0">
+                              <a:latin typeface="Cambria Math" panose="02040503050406030204" pitchFamily="18" charset="0"/>
+                            </a:rPr>
+                          </m:ctrlPr>
+                        </m:sSubPr>
+                        <m:e>
+                          <m:r>
+                            <a:rPr kumimoji="1" lang="en-US" altLang="ja-JP" sz="2000" b="0" i="1" smtClean="0">
+                              <a:latin typeface="Cambria Math" panose="02040503050406030204" pitchFamily="18" charset="0"/>
+                            </a:rPr>
+                            <m:t>𝑔</m:t>
+                          </m:r>
+                        </m:e>
+                        <m:sub>
+                          <m:r>
+                            <a:rPr kumimoji="1" lang="en-US" altLang="ja-JP" sz="2000" b="0" i="1" smtClean="0">
+                              <a:latin typeface="Cambria Math" panose="02040503050406030204" pitchFamily="18" charset="0"/>
+                            </a:rPr>
+                            <m:t>𝑠</m:t>
+                          </m:r>
+                        </m:sub>
+                      </m:sSub>
+                      <m:nary>
+                        <m:naryPr>
+                          <m:chr m:val="∑"/>
+                          <m:supHide m:val="on"/>
+                          <m:ctrlPr>
+                            <a:rPr kumimoji="1" lang="en-US" altLang="ja-JP" sz="2000" b="0" i="1" smtClean="0">
+                              <a:latin typeface="Cambria Math" panose="02040503050406030204" pitchFamily="18" charset="0"/>
+                            </a:rPr>
+                          </m:ctrlPr>
+                        </m:naryPr>
+                        <m:sub>
+                          <m:r>
+                            <m:rPr>
+                              <m:brk m:alnAt="7"/>
+                            </m:rPr>
+                            <a:rPr kumimoji="1" lang="en-US" altLang="ja-JP" sz="2000" b="1" i="1" smtClean="0">
+                              <a:latin typeface="Cambria Math" panose="02040503050406030204" pitchFamily="18" charset="0"/>
+                            </a:rPr>
+                            <m:t>𝒌</m:t>
+                          </m:r>
+                        </m:sub>
+                        <m:sup/>
+                        <m:e>
+                          <m:r>
+                            <a:rPr kumimoji="1" lang="en-US" altLang="ja-JP" sz="2000" b="0" i="1" smtClean="0">
+                              <a:latin typeface="Cambria Math" panose="02040503050406030204" pitchFamily="18" charset="0"/>
+                            </a:rPr>
+                            <m:t>𝑓</m:t>
+                          </m:r>
+                          <m:d>
+                            <m:dPr>
+                              <m:ctrlPr>
+                                <a:rPr kumimoji="1" lang="en-US" altLang="ja-JP" sz="2000" b="0" i="1" smtClean="0">
+                                  <a:latin typeface="Cambria Math" panose="02040503050406030204" pitchFamily="18" charset="0"/>
+                                </a:rPr>
+                              </m:ctrlPr>
+                            </m:dPr>
+                            <m:e>
+                              <m:r>
+                                <a:rPr kumimoji="1" lang="en-US" altLang="ja-JP" sz="2000" b="1" i="1" smtClean="0">
+                                  <a:latin typeface="Cambria Math" panose="02040503050406030204" pitchFamily="18" charset="0"/>
+                                </a:rPr>
+                                <m:t>𝒌</m:t>
+                              </m:r>
+                            </m:e>
+                          </m:d>
+                        </m:e>
+                      </m:nary>
+                      <m:r>
+                        <a:rPr kumimoji="1" lang="en-US" altLang="ja-JP" sz="2000" b="0" i="1" smtClean="0">
+                          <a:latin typeface="Cambria Math" panose="02040503050406030204" pitchFamily="18" charset="0"/>
+                        </a:rPr>
+                        <m:t> = </m:t>
+                      </m:r>
+                      <m:sSub>
+                        <m:sSubPr>
+                          <m:ctrlPr>
+                            <a:rPr kumimoji="1" lang="en-US" altLang="ja-JP" sz="2000" b="0" i="1" smtClean="0">
+                              <a:latin typeface="Cambria Math" panose="02040503050406030204" pitchFamily="18" charset="0"/>
+                            </a:rPr>
+                          </m:ctrlPr>
+                        </m:sSubPr>
+                        <m:e>
+                          <m:r>
+                            <a:rPr kumimoji="1" lang="en-US" altLang="ja-JP" sz="2000" b="0" i="1" smtClean="0">
+                              <a:latin typeface="Cambria Math" panose="02040503050406030204" pitchFamily="18" charset="0"/>
+                            </a:rPr>
+                            <m:t>𝑔</m:t>
+                          </m:r>
+                        </m:e>
+                        <m:sub>
+                          <m:r>
+                            <a:rPr kumimoji="1" lang="en-US" altLang="ja-JP" sz="2000" b="0" i="1" smtClean="0">
+                              <a:latin typeface="Cambria Math" panose="02040503050406030204" pitchFamily="18" charset="0"/>
+                            </a:rPr>
+                            <m:t>𝑠</m:t>
+                          </m:r>
+                        </m:sub>
+                      </m:sSub>
+                      <m:nary>
+                        <m:naryPr>
+                          <m:limLoc m:val="undOvr"/>
+                          <m:subHide m:val="on"/>
+                          <m:supHide m:val="on"/>
+                          <m:ctrlPr>
+                            <a:rPr kumimoji="1" lang="en-US" altLang="ja-JP" sz="2000" b="0" i="1" smtClean="0">
+                              <a:latin typeface="Cambria Math" panose="02040503050406030204" pitchFamily="18" charset="0"/>
+                            </a:rPr>
+                          </m:ctrlPr>
+                        </m:naryPr>
+                        <m:sub/>
+                        <m:sup/>
+                        <m:e>
+                          <m:f>
+                            <m:fPr>
+                              <m:ctrlPr>
+                                <a:rPr kumimoji="1" lang="en-US" altLang="ja-JP" sz="2000" b="0" i="1" smtClean="0">
+                                  <a:latin typeface="Cambria Math" panose="02040503050406030204" pitchFamily="18" charset="0"/>
+                                </a:rPr>
+                              </m:ctrlPr>
+                            </m:fPr>
+                            <m:num>
+                              <m:r>
+                                <a:rPr kumimoji="1" lang="en-US" altLang="ja-JP" sz="2000" b="0" i="1" smtClean="0">
+                                  <a:latin typeface="Cambria Math" panose="02040503050406030204" pitchFamily="18" charset="0"/>
+                                </a:rPr>
+                                <m:t>𝑆</m:t>
+                              </m:r>
+                              <m:r>
+                                <a:rPr kumimoji="1" lang="en-US" altLang="ja-JP" sz="2000" b="0" i="1" smtClean="0">
+                                  <a:latin typeface="Cambria Math" panose="02040503050406030204" pitchFamily="18" charset="0"/>
+                                  <a:ea typeface="Cambria Math" panose="02040503050406030204" pitchFamily="18" charset="0"/>
+                                </a:rPr>
+                                <m:t>∙</m:t>
+                              </m:r>
+                              <m:r>
+                                <a:rPr kumimoji="1" lang="en-US" altLang="ja-JP" sz="2000" b="0" i="1" smtClean="0">
+                                  <a:latin typeface="Cambria Math" panose="02040503050406030204" pitchFamily="18" charset="0"/>
+                                  <a:ea typeface="Cambria Math" panose="02040503050406030204" pitchFamily="18" charset="0"/>
+                                </a:rPr>
+                                <m:t>𝑑</m:t>
+                              </m:r>
+                              <m:r>
+                                <a:rPr kumimoji="1" lang="en-US" altLang="ja-JP" sz="2000" b="1" i="1" smtClean="0">
+                                  <a:latin typeface="Cambria Math" panose="02040503050406030204" pitchFamily="18" charset="0"/>
+                                  <a:ea typeface="Cambria Math" panose="02040503050406030204" pitchFamily="18" charset="0"/>
+                                </a:rPr>
+                                <m:t>𝒌</m:t>
+                              </m:r>
+                            </m:num>
+                            <m:den>
+                              <m:sSup>
+                                <m:sSupPr>
+                                  <m:ctrlPr>
+                                    <a:rPr kumimoji="1" lang="en-US" altLang="ja-JP" sz="2000" b="0" i="1" smtClean="0">
+                                      <a:latin typeface="Cambria Math" panose="02040503050406030204" pitchFamily="18" charset="0"/>
+                                    </a:rPr>
+                                  </m:ctrlPr>
+                                </m:sSupPr>
+                                <m:e>
+                                  <m:d>
+                                    <m:dPr>
+                                      <m:ctrlPr>
+                                        <a:rPr kumimoji="1" lang="en-US" altLang="ja-JP" sz="2000" b="0" i="1" smtClean="0">
+                                          <a:latin typeface="Cambria Math" panose="02040503050406030204" pitchFamily="18" charset="0"/>
+                                        </a:rPr>
+                                      </m:ctrlPr>
+                                    </m:dPr>
+                                    <m:e>
+                                      <m:r>
+                                        <a:rPr kumimoji="1" lang="en-US" altLang="ja-JP" sz="2000" b="0" i="1" smtClean="0">
+                                          <a:latin typeface="Cambria Math" panose="02040503050406030204" pitchFamily="18" charset="0"/>
+                                        </a:rPr>
+                                        <m:t>2</m:t>
+                                      </m:r>
+                                      <m:r>
+                                        <a:rPr kumimoji="1" lang="ja-JP" altLang="en-US" sz="2000" b="0" i="1" smtClean="0">
+                                          <a:latin typeface="Cambria Math" panose="02040503050406030204" pitchFamily="18" charset="0"/>
+                                        </a:rPr>
+                                        <m:t>𝜋</m:t>
+                                      </m:r>
+                                    </m:e>
+                                  </m:d>
+                                </m:e>
+                                <m:sup>
+                                  <m:r>
+                                    <a:rPr kumimoji="1" lang="en-US" altLang="ja-JP" sz="2000" b="0" i="1" smtClean="0">
+                                      <a:latin typeface="Cambria Math" panose="02040503050406030204" pitchFamily="18" charset="0"/>
+                                    </a:rPr>
+                                    <m:t>2</m:t>
+                                  </m:r>
+                                </m:sup>
+                              </m:sSup>
+                            </m:den>
+                          </m:f>
+                          <m:r>
+                            <a:rPr kumimoji="1" lang="en-US" altLang="ja-JP" sz="2000" b="0" i="1" smtClean="0">
+                              <a:latin typeface="Cambria Math" panose="02040503050406030204" pitchFamily="18" charset="0"/>
+                            </a:rPr>
+                            <m:t>𝑓</m:t>
+                          </m:r>
+                          <m:d>
+                            <m:dPr>
+                              <m:ctrlPr>
+                                <a:rPr kumimoji="1" lang="en-US" altLang="ja-JP" sz="2000" b="0" i="1" smtClean="0">
+                                  <a:latin typeface="Cambria Math" panose="02040503050406030204" pitchFamily="18" charset="0"/>
+                                </a:rPr>
+                              </m:ctrlPr>
+                            </m:dPr>
+                            <m:e>
+                              <m:r>
+                                <a:rPr kumimoji="1" lang="en-US" altLang="ja-JP" sz="2000" b="1" i="1" smtClean="0">
+                                  <a:latin typeface="Cambria Math" panose="02040503050406030204" pitchFamily="18" charset="0"/>
+                                </a:rPr>
+                                <m:t>𝒌</m:t>
+                              </m:r>
+                            </m:e>
+                          </m:d>
+                          <m:r>
+                            <a:rPr kumimoji="1" lang="en-US" altLang="ja-JP" sz="2000" b="0" i="1" smtClean="0">
+                              <a:latin typeface="Cambria Math" panose="02040503050406030204" pitchFamily="18" charset="0"/>
+                            </a:rPr>
+                            <m:t> = </m:t>
+                          </m:r>
+                        </m:e>
+                      </m:nary>
+                      <m:sSub>
+                        <m:sSubPr>
+                          <m:ctrlPr>
+                            <a:rPr lang="en-US" altLang="ja-JP" sz="2000" i="1">
+                              <a:latin typeface="Cambria Math" panose="02040503050406030204" pitchFamily="18" charset="0"/>
+                            </a:rPr>
+                          </m:ctrlPr>
+                        </m:sSubPr>
+                        <m:e>
+                          <m:r>
+                            <a:rPr lang="en-US" altLang="ja-JP" sz="2000" i="1">
+                              <a:latin typeface="Cambria Math" panose="02040503050406030204" pitchFamily="18" charset="0"/>
+                            </a:rPr>
+                            <m:t>𝑔</m:t>
+                          </m:r>
+                        </m:e>
+                        <m:sub>
+                          <m:r>
+                            <a:rPr lang="en-US" altLang="ja-JP" sz="2000" i="1">
+                              <a:latin typeface="Cambria Math" panose="02040503050406030204" pitchFamily="18" charset="0"/>
+                            </a:rPr>
+                            <m:t>𝑠</m:t>
+                          </m:r>
+                        </m:sub>
+                      </m:sSub>
+                      <m:r>
+                        <a:rPr lang="en-US" altLang="ja-JP" sz="2000" b="0" i="1" smtClean="0">
+                          <a:latin typeface="Cambria Math" panose="02040503050406030204" pitchFamily="18" charset="0"/>
+                        </a:rPr>
+                        <m:t> </m:t>
+                      </m:r>
+                      <m:f>
+                        <m:fPr>
+                          <m:ctrlPr>
+                            <a:rPr lang="en-US" altLang="ja-JP" sz="2000" b="0" i="1" smtClean="0">
+                              <a:latin typeface="Cambria Math" panose="02040503050406030204" pitchFamily="18" charset="0"/>
+                            </a:rPr>
+                          </m:ctrlPr>
+                        </m:fPr>
+                        <m:num>
+                          <m:r>
+                            <a:rPr lang="en-US" altLang="ja-JP" sz="2000" b="0" i="1" smtClean="0">
+                              <a:latin typeface="Cambria Math" panose="02040503050406030204" pitchFamily="18" charset="0"/>
+                            </a:rPr>
+                            <m:t>𝑆</m:t>
+                          </m:r>
+                          <m:r>
+                            <a:rPr lang="en-US" altLang="ja-JP" sz="2000" b="0" i="1" smtClean="0">
+                              <a:latin typeface="Cambria Math" panose="02040503050406030204" pitchFamily="18" charset="0"/>
+                              <a:ea typeface="Cambria Math" panose="02040503050406030204" pitchFamily="18" charset="0"/>
+                            </a:rPr>
+                            <m:t>∙∆</m:t>
+                          </m:r>
+                        </m:num>
+                        <m:den>
+                          <m:sSup>
+                            <m:sSupPr>
+                              <m:ctrlPr>
+                                <a:rPr lang="en-US" altLang="ja-JP" sz="2000" i="1">
+                                  <a:latin typeface="Cambria Math" panose="02040503050406030204" pitchFamily="18" charset="0"/>
+                                </a:rPr>
+                              </m:ctrlPr>
+                            </m:sSupPr>
+                            <m:e>
+                              <m:d>
+                                <m:dPr>
+                                  <m:ctrlPr>
+                                    <a:rPr lang="en-US" altLang="ja-JP" sz="2000" i="1">
+                                      <a:latin typeface="Cambria Math" panose="02040503050406030204" pitchFamily="18" charset="0"/>
+                                    </a:rPr>
+                                  </m:ctrlPr>
+                                </m:dPr>
+                                <m:e>
+                                  <m:r>
+                                    <a:rPr lang="en-US" altLang="ja-JP" sz="2000" i="1">
+                                      <a:latin typeface="Cambria Math" panose="02040503050406030204" pitchFamily="18" charset="0"/>
+                                    </a:rPr>
+                                    <m:t>2</m:t>
+                                  </m:r>
+                                  <m:r>
+                                    <a:rPr lang="ja-JP" altLang="en-US" sz="2000" i="1">
+                                      <a:latin typeface="Cambria Math" panose="02040503050406030204" pitchFamily="18" charset="0"/>
+                                    </a:rPr>
+                                    <m:t>𝜋</m:t>
+                                  </m:r>
+                                </m:e>
+                              </m:d>
+                            </m:e>
+                            <m:sup>
+                              <m:r>
+                                <a:rPr lang="en-US" altLang="ja-JP" sz="2000" i="1">
+                                  <a:latin typeface="Cambria Math" panose="02040503050406030204" pitchFamily="18" charset="0"/>
+                                </a:rPr>
+                                <m:t>2</m:t>
+                              </m:r>
+                            </m:sup>
+                          </m:sSup>
+                        </m:den>
+                      </m:f>
+                      <m:nary>
+                        <m:naryPr>
+                          <m:chr m:val="∑"/>
+                          <m:subHide m:val="on"/>
+                          <m:supHide m:val="on"/>
+                          <m:ctrlPr>
+                            <a:rPr lang="en-US" altLang="ja-JP" sz="2000" b="0" i="1" smtClean="0">
+                              <a:latin typeface="Cambria Math" panose="02040503050406030204" pitchFamily="18" charset="0"/>
+                            </a:rPr>
+                          </m:ctrlPr>
+                        </m:naryPr>
+                        <m:sub/>
+                        <m:sup/>
+                        <m:e>
+                          <m:r>
+                            <a:rPr lang="en-US" altLang="ja-JP" sz="2000" i="1">
+                              <a:latin typeface="Cambria Math" panose="02040503050406030204" pitchFamily="18" charset="0"/>
+                            </a:rPr>
+                            <m:t>𝑓</m:t>
+                          </m:r>
+                          <m:d>
+                            <m:dPr>
+                              <m:ctrlPr>
+                                <a:rPr lang="en-US" altLang="ja-JP" sz="2000" i="1">
+                                  <a:latin typeface="Cambria Math" panose="02040503050406030204" pitchFamily="18" charset="0"/>
+                                </a:rPr>
+                              </m:ctrlPr>
+                            </m:dPr>
+                            <m:e>
+                              <m:r>
+                                <a:rPr lang="en-US" altLang="ja-JP" sz="2000" b="1" i="1">
+                                  <a:latin typeface="Cambria Math" panose="02040503050406030204" pitchFamily="18" charset="0"/>
+                                </a:rPr>
+                                <m:t>𝒌</m:t>
+                              </m:r>
+                            </m:e>
+                          </m:d>
+                        </m:e>
+                      </m:nary>
+                      <m:r>
+                        <a:rPr lang="en-US" altLang="ja-JP" sz="2000" b="0" i="1" smtClean="0">
+                          <a:latin typeface="Cambria Math" panose="02040503050406030204" pitchFamily="18" charset="0"/>
+                        </a:rPr>
+                        <m:t>= </m:t>
+                      </m:r>
+                      <m:sSub>
+                        <m:sSubPr>
+                          <m:ctrlPr>
+                            <a:rPr lang="en-US" altLang="ja-JP" sz="2000" i="1">
+                              <a:latin typeface="Cambria Math" panose="02040503050406030204" pitchFamily="18" charset="0"/>
+                            </a:rPr>
+                          </m:ctrlPr>
+                        </m:sSubPr>
+                        <m:e>
+                          <m:r>
+                            <a:rPr lang="en-US" altLang="ja-JP" sz="2000" i="1">
+                              <a:latin typeface="Cambria Math" panose="02040503050406030204" pitchFamily="18" charset="0"/>
+                            </a:rPr>
+                            <m:t>𝑔</m:t>
+                          </m:r>
+                        </m:e>
+                        <m:sub>
+                          <m:r>
+                            <a:rPr lang="en-US" altLang="ja-JP" sz="2000" i="1">
+                              <a:latin typeface="Cambria Math" panose="02040503050406030204" pitchFamily="18" charset="0"/>
+                            </a:rPr>
+                            <m:t>𝑠</m:t>
+                          </m:r>
+                        </m:sub>
+                      </m:sSub>
+                      <m:f>
+                        <m:fPr>
+                          <m:ctrlPr>
+                            <a:rPr lang="en-US" altLang="ja-JP" sz="2000" b="0" i="1" smtClean="0">
+                              <a:latin typeface="Cambria Math" panose="02040503050406030204" pitchFamily="18" charset="0"/>
+                            </a:rPr>
+                          </m:ctrlPr>
+                        </m:fPr>
+                        <m:num>
+                          <m:r>
+                            <a:rPr lang="en-US" altLang="ja-JP" sz="2000" i="1">
+                              <a:latin typeface="Cambria Math" panose="02040503050406030204" pitchFamily="18" charset="0"/>
+                            </a:rPr>
+                            <m:t>𝑆</m:t>
+                          </m:r>
+                          <m:r>
+                            <a:rPr lang="en-US" altLang="ja-JP" sz="2000" i="1">
+                              <a:latin typeface="Cambria Math" panose="02040503050406030204" pitchFamily="18" charset="0"/>
+                              <a:ea typeface="Cambria Math" panose="02040503050406030204" pitchFamily="18" charset="0"/>
+                            </a:rPr>
+                            <m:t>∙∆</m:t>
+                          </m:r>
+                        </m:num>
+                        <m:den>
+                          <m:sSup>
+                            <m:sSupPr>
+                              <m:ctrlPr>
+                                <a:rPr lang="en-US" altLang="ja-JP" sz="2000" i="1">
+                                  <a:latin typeface="Cambria Math" panose="02040503050406030204" pitchFamily="18" charset="0"/>
+                                </a:rPr>
+                              </m:ctrlPr>
+                            </m:sSupPr>
+                            <m:e>
+                              <m:d>
+                                <m:dPr>
+                                  <m:ctrlPr>
+                                    <a:rPr lang="en-US" altLang="ja-JP" sz="2000" i="1">
+                                      <a:latin typeface="Cambria Math" panose="02040503050406030204" pitchFamily="18" charset="0"/>
+                                    </a:rPr>
+                                  </m:ctrlPr>
+                                </m:dPr>
+                                <m:e>
+                                  <m:r>
+                                    <a:rPr lang="en-US" altLang="ja-JP" sz="2000" i="1">
+                                      <a:latin typeface="Cambria Math" panose="02040503050406030204" pitchFamily="18" charset="0"/>
+                                    </a:rPr>
+                                    <m:t>2</m:t>
+                                  </m:r>
+                                  <m:r>
+                                    <a:rPr lang="ja-JP" altLang="en-US" sz="2000" i="1">
+                                      <a:latin typeface="Cambria Math" panose="02040503050406030204" pitchFamily="18" charset="0"/>
+                                    </a:rPr>
+                                    <m:t>𝜋</m:t>
+                                  </m:r>
+                                </m:e>
+                              </m:d>
+                            </m:e>
+                            <m:sup>
+                              <m:r>
+                                <a:rPr lang="en-US" altLang="ja-JP" sz="2000" i="1">
+                                  <a:latin typeface="Cambria Math" panose="02040503050406030204" pitchFamily="18" charset="0"/>
+                                </a:rPr>
+                                <m:t>2</m:t>
+                              </m:r>
+                            </m:sup>
+                          </m:sSup>
+                        </m:den>
+                      </m:f>
+                      <m:r>
+                        <a:rPr lang="ja-JP" altLang="en-US" sz="2000" b="0" i="1" smtClean="0">
+                          <a:latin typeface="Cambria Math" panose="02040503050406030204" pitchFamily="18" charset="0"/>
+                        </a:rPr>
+                        <m:t>𝛼</m:t>
+                      </m:r>
+                      <m:sSub>
+                        <m:sSubPr>
+                          <m:ctrlPr>
+                            <a:rPr lang="en-US" altLang="ja-JP" sz="2000" b="0" i="1" smtClean="0">
+                              <a:latin typeface="Cambria Math" panose="02040503050406030204" pitchFamily="18" charset="0"/>
+                            </a:rPr>
+                          </m:ctrlPr>
+                        </m:sSubPr>
+                        <m:e>
+                          <m:r>
+                            <a:rPr lang="en-US" altLang="ja-JP" sz="2000" b="0" i="1" smtClean="0">
+                              <a:latin typeface="Cambria Math" panose="02040503050406030204" pitchFamily="18" charset="0"/>
+                            </a:rPr>
+                            <m:t>𝑁</m:t>
+                          </m:r>
+                        </m:e>
+                        <m:sub>
+                          <m:r>
+                            <a:rPr lang="en-US" altLang="ja-JP" sz="2000" b="0" i="1" smtClean="0">
+                              <a:latin typeface="Cambria Math" panose="02040503050406030204" pitchFamily="18" charset="0"/>
+                            </a:rPr>
+                            <m:t>𝑀𝐶</m:t>
+                          </m:r>
+                        </m:sub>
+                      </m:sSub>
+                    </m:oMath>
+                  </m:oMathPara>
+                </a14:m>
+                <a:endParaRPr kumimoji="1" lang="en-US" altLang="ja-JP" sz="2000" smtClean="0"/>
+              </a:p>
+            </p:txBody>
+          </p:sp>
+        </mc:Choice>
+        <mc:Fallback>
+          <p:sp>
+            <p:nvSpPr>
+              <p:cNvPr id="9" name="テキスト ボックス 8"/>
+              <p:cNvSpPr txBox="1">
+                <a:spLocks noRot="1" noChangeAspect="1" noMove="1" noResize="1" noEditPoints="1" noAdjustHandles="1" noChangeArrowheads="1" noChangeShapeType="1" noTextEdit="1"/>
+              </p:cNvSpPr>
+              <p:nvPr/>
+            </p:nvSpPr>
+            <p:spPr>
+              <a:xfrm>
+                <a:off x="395332" y="3271806"/>
+                <a:ext cx="8542018" cy="807337"/>
+              </a:xfrm>
+              <a:prstGeom prst="rect">
+                <a:avLst/>
+              </a:prstGeom>
+              <a:blipFill>
+                <a:blip r:embed="rId6"/>
+                <a:stretch>
+                  <a:fillRect/>
+                </a:stretch>
+              </a:blipFill>
+            </p:spPr>
+            <p:txBody>
+              <a:bodyPr/>
+              <a:lstStyle/>
+              <a:p>
+                <a:r>
+                  <a:rPr lang="ja-JP" altLang="en-US">
+                    <a:noFill/>
+                  </a:rPr>
+                  <a:t> </a:t>
+                </a:r>
+              </a:p>
+            </p:txBody>
+          </p:sp>
+        </mc:Fallback>
+      </mc:AlternateContent>
+      <p:sp>
+        <p:nvSpPr>
+          <p:cNvPr id="11" name="テキスト ボックス 10"/>
+          <p:cNvSpPr txBox="1"/>
+          <p:nvPr/>
+        </p:nvSpPr>
+        <p:spPr>
+          <a:xfrm>
+            <a:off x="5560943" y="2971800"/>
+            <a:ext cx="65" cy="276999"/>
+          </a:xfrm>
+          <a:prstGeom prst="rect">
+            <a:avLst/>
+          </a:prstGeom>
+          <a:noFill/>
+        </p:spPr>
+        <p:txBody>
+          <a:bodyPr wrap="none" lIns="0" tIns="0" rIns="0" bIns="0" rtlCol="0">
+            <a:spAutoFit/>
+          </a:bodyPr>
+          <a:lstStyle/>
+          <a:p>
+            <a:endParaRPr kumimoji="1" lang="ja-JP" altLang="en-US"/>
+          </a:p>
+        </p:txBody>
+      </p:sp>
+      <mc:AlternateContent xmlns:mc="http://schemas.openxmlformats.org/markup-compatibility/2006">
+        <mc:Choice xmlns:a14="http://schemas.microsoft.com/office/drawing/2010/main" Requires="a14">
+          <p:sp>
+            <p:nvSpPr>
+              <p:cNvPr id="12" name="正方形/長方形 11"/>
+              <p:cNvSpPr/>
+              <p:nvPr/>
+            </p:nvSpPr>
+            <p:spPr>
+              <a:xfrm>
+                <a:off x="395332" y="4315593"/>
+                <a:ext cx="4205575" cy="899670"/>
+              </a:xfrm>
+              <a:prstGeom prst="rect">
+                <a:avLst/>
+              </a:prstGeom>
+            </p:spPr>
+            <p:txBody>
+              <a:bodyPr wrap="none">
+                <a:spAutoFit/>
+              </a:bodyPr>
+              <a:lstStyle/>
+              <a:p>
+                <a14:m>
+                  <m:oMathPara xmlns:m="http://schemas.openxmlformats.org/officeDocument/2006/math">
+                    <m:oMathParaPr>
+                      <m:jc m:val="centerGroup"/>
+                    </m:oMathParaPr>
+                    <m:oMath xmlns:m="http://schemas.openxmlformats.org/officeDocument/2006/math">
+                      <m:sSub>
+                        <m:sSubPr>
+                          <m:ctrlPr>
+                            <a:rPr lang="en-US" altLang="ja-JP" sz="2000" i="1" smtClean="0">
+                              <a:latin typeface="Cambria Math" panose="02040503050406030204" pitchFamily="18" charset="0"/>
+                            </a:rPr>
+                          </m:ctrlPr>
+                        </m:sSubPr>
+                        <m:e>
+                          <m:r>
+                            <a:rPr lang="en-US" altLang="ja-JP" sz="2000" b="0" i="1" smtClean="0">
+                              <a:latin typeface="Cambria Math" panose="02040503050406030204" pitchFamily="18" charset="0"/>
+                            </a:rPr>
+                            <m:t>𝑛</m:t>
+                          </m:r>
+                        </m:e>
+                        <m:sub>
+                          <m:r>
+                            <a:rPr lang="en-US" altLang="ja-JP" sz="2000" b="0" i="1" smtClean="0">
+                              <a:latin typeface="Cambria Math" panose="02040503050406030204" pitchFamily="18" charset="0"/>
+                            </a:rPr>
+                            <m:t>𝑒</m:t>
+                          </m:r>
+                        </m:sub>
+                      </m:sSub>
+                      <m:r>
+                        <a:rPr lang="en-US" altLang="ja-JP" sz="2000" b="0" i="1" smtClean="0">
+                          <a:latin typeface="Cambria Math" panose="02040503050406030204" pitchFamily="18" charset="0"/>
+                        </a:rPr>
+                        <m:t>=</m:t>
+                      </m:r>
+                      <m:f>
+                        <m:fPr>
+                          <m:ctrlPr>
+                            <a:rPr lang="en-US" altLang="ja-JP" sz="2000" b="0" i="1" smtClean="0">
+                              <a:latin typeface="Cambria Math" panose="02040503050406030204" pitchFamily="18" charset="0"/>
+                            </a:rPr>
+                          </m:ctrlPr>
+                        </m:fPr>
+                        <m:num>
+                          <m:sSub>
+                            <m:sSubPr>
+                              <m:ctrlPr>
+                                <a:rPr lang="en-US" altLang="ja-JP" sz="2000" b="0" i="1" smtClean="0">
+                                  <a:latin typeface="Cambria Math" panose="02040503050406030204" pitchFamily="18" charset="0"/>
+                                </a:rPr>
+                              </m:ctrlPr>
+                            </m:sSubPr>
+                            <m:e>
+                              <m:r>
+                                <a:rPr lang="en-US" altLang="ja-JP" sz="2000" b="0" i="1" smtClean="0">
+                                  <a:latin typeface="Cambria Math" panose="02040503050406030204" pitchFamily="18" charset="0"/>
+                                </a:rPr>
+                                <m:t>𝑁</m:t>
+                              </m:r>
+                            </m:e>
+                            <m:sub>
+                              <m:r>
+                                <a:rPr lang="en-US" altLang="ja-JP" sz="2000" b="0" i="1" smtClean="0">
+                                  <a:latin typeface="Cambria Math" panose="02040503050406030204" pitchFamily="18" charset="0"/>
+                                </a:rPr>
+                                <m:t>𝑒</m:t>
+                              </m:r>
+                            </m:sub>
+                          </m:sSub>
+                        </m:num>
+                        <m:den>
+                          <m:r>
+                            <a:rPr lang="en-US" altLang="ja-JP" sz="2000" b="0" i="1" smtClean="0">
+                              <a:latin typeface="Cambria Math" panose="02040503050406030204" pitchFamily="18" charset="0"/>
+                            </a:rPr>
+                            <m:t>𝑆</m:t>
+                          </m:r>
+                        </m:den>
+                      </m:f>
+                      <m:r>
+                        <a:rPr lang="en-US" altLang="ja-JP" sz="2000" b="0" i="1" smtClean="0">
+                          <a:latin typeface="Cambria Math" panose="02040503050406030204" pitchFamily="18" charset="0"/>
+                        </a:rPr>
+                        <m:t>=</m:t>
+                      </m:r>
+                      <m:nary>
+                        <m:naryPr>
+                          <m:limLoc m:val="undOvr"/>
+                          <m:subHide m:val="on"/>
+                          <m:supHide m:val="on"/>
+                          <m:ctrlPr>
+                            <a:rPr lang="en-US" altLang="ja-JP" sz="2000" b="0" i="1" smtClean="0">
+                              <a:latin typeface="Cambria Math" panose="02040503050406030204" pitchFamily="18" charset="0"/>
+                            </a:rPr>
+                          </m:ctrlPr>
+                        </m:naryPr>
+                        <m:sub/>
+                        <m:sup/>
+                        <m:e>
+                          <m:r>
+                            <a:rPr lang="en-US" altLang="ja-JP" sz="2000" b="0" i="1" smtClean="0">
+                              <a:latin typeface="Cambria Math" panose="02040503050406030204" pitchFamily="18" charset="0"/>
+                            </a:rPr>
+                            <m:t>𝐷</m:t>
+                          </m:r>
+                          <m:d>
+                            <m:dPr>
+                              <m:ctrlPr>
+                                <a:rPr lang="en-US" altLang="ja-JP" sz="2000" b="0" i="1" smtClean="0">
+                                  <a:latin typeface="Cambria Math" panose="02040503050406030204" pitchFamily="18" charset="0"/>
+                                </a:rPr>
+                              </m:ctrlPr>
+                            </m:dPr>
+                            <m:e>
+                              <m:r>
+                                <a:rPr lang="ja-JP" altLang="en-US" sz="2000" b="0" i="1" smtClean="0">
+                                  <a:latin typeface="Cambria Math" panose="02040503050406030204" pitchFamily="18" charset="0"/>
+                                </a:rPr>
+                                <m:t>𝜀</m:t>
+                              </m:r>
+                            </m:e>
+                          </m:d>
+                          <m:sSub>
+                            <m:sSubPr>
+                              <m:ctrlPr>
+                                <a:rPr lang="en-US" altLang="ja-JP" sz="2000" b="0" i="1" smtClean="0">
+                                  <a:latin typeface="Cambria Math" panose="02040503050406030204" pitchFamily="18" charset="0"/>
+                                </a:rPr>
+                              </m:ctrlPr>
+                            </m:sSubPr>
+                            <m:e>
+                              <m:r>
+                                <a:rPr lang="en-US" altLang="ja-JP" sz="2000" b="0" i="1" smtClean="0">
+                                  <a:latin typeface="Cambria Math" panose="02040503050406030204" pitchFamily="18" charset="0"/>
+                                </a:rPr>
+                                <m:t>𝑓</m:t>
+                              </m:r>
+                            </m:e>
+                            <m:sub>
+                              <m:r>
+                                <a:rPr lang="en-US" altLang="ja-JP" sz="2000" b="0" i="1" smtClean="0">
+                                  <a:latin typeface="Cambria Math" panose="02040503050406030204" pitchFamily="18" charset="0"/>
+                                </a:rPr>
+                                <m:t>𝐹𝐷</m:t>
+                              </m:r>
+                            </m:sub>
+                          </m:sSub>
+                          <m:d>
+                            <m:dPr>
+                              <m:ctrlPr>
+                                <a:rPr lang="en-US" altLang="ja-JP" sz="2000" b="0" i="1" smtClean="0">
+                                  <a:latin typeface="Cambria Math" panose="02040503050406030204" pitchFamily="18" charset="0"/>
+                                </a:rPr>
+                              </m:ctrlPr>
+                            </m:dPr>
+                            <m:e>
+                              <m:r>
+                                <a:rPr lang="ja-JP" altLang="en-US" sz="2000" b="0" i="1" smtClean="0">
+                                  <a:latin typeface="Cambria Math" panose="02040503050406030204" pitchFamily="18" charset="0"/>
+                                </a:rPr>
+                                <m:t>𝜀</m:t>
+                              </m:r>
+                            </m:e>
+                          </m:d>
+                          <m:r>
+                            <a:rPr lang="en-US" altLang="ja-JP" sz="2000" b="0" i="1" smtClean="0">
+                              <a:latin typeface="Cambria Math" panose="02040503050406030204" pitchFamily="18" charset="0"/>
+                            </a:rPr>
+                            <m:t>𝑑</m:t>
+                          </m:r>
+                          <m:r>
+                            <a:rPr lang="ja-JP" altLang="en-US" sz="2000" b="0" i="1" smtClean="0">
+                              <a:latin typeface="Cambria Math" panose="02040503050406030204" pitchFamily="18" charset="0"/>
+                            </a:rPr>
+                            <m:t>𝜀</m:t>
+                          </m:r>
+                        </m:e>
+                      </m:nary>
+                      <m:r>
+                        <a:rPr lang="en-US" altLang="ja-JP" sz="2000" b="0" i="1" smtClean="0">
+                          <a:latin typeface="Cambria Math" panose="02040503050406030204" pitchFamily="18" charset="0"/>
+                        </a:rPr>
+                        <m:t>=</m:t>
+                      </m:r>
+                      <m:r>
+                        <a:rPr lang="en-US" altLang="ja-JP" sz="2000" b="0" i="1" smtClean="0">
+                          <a:latin typeface="Cambria Math" panose="02040503050406030204" pitchFamily="18" charset="0"/>
+                        </a:rPr>
+                        <m:t>𝑐𝑜𝑛𝑠𝑡</m:t>
+                      </m:r>
+                    </m:oMath>
+                  </m:oMathPara>
+                </a14:m>
+                <a:endParaRPr lang="ja-JP" altLang="en-US" sz="2000"/>
+              </a:p>
+            </p:txBody>
+          </p:sp>
+        </mc:Choice>
+        <mc:Fallback>
+          <p:sp>
+            <p:nvSpPr>
+              <p:cNvPr id="12" name="正方形/長方形 11"/>
+              <p:cNvSpPr>
+                <a:spLocks noRot="1" noChangeAspect="1" noMove="1" noResize="1" noEditPoints="1" noAdjustHandles="1" noChangeArrowheads="1" noChangeShapeType="1" noTextEdit="1"/>
+              </p:cNvSpPr>
+              <p:nvPr/>
+            </p:nvSpPr>
+            <p:spPr>
+              <a:xfrm>
+                <a:off x="395332" y="4315593"/>
+                <a:ext cx="4205575" cy="899670"/>
+              </a:xfrm>
+              <a:prstGeom prst="rect">
+                <a:avLst/>
+              </a:prstGeom>
+              <a:blipFill>
+                <a:blip r:embed="rId7"/>
+                <a:stretch>
+                  <a:fillRect/>
+                </a:stretch>
+              </a:blipFill>
+            </p:spPr>
+            <p:txBody>
+              <a:bodyPr/>
+              <a:lstStyle/>
+              <a:p>
+                <a:r>
+                  <a:rPr lang="ja-JP" altLang="en-US">
+                    <a:noFill/>
+                  </a:rPr>
+                  <a:t> </a:t>
+                </a:r>
+              </a:p>
+            </p:txBody>
+          </p:sp>
+        </mc:Fallback>
+      </mc:AlternateContent>
+      <mc:AlternateContent xmlns:mc="http://schemas.openxmlformats.org/markup-compatibility/2006">
+        <mc:Choice xmlns:a14="http://schemas.microsoft.com/office/drawing/2010/main" Requires="a14">
+          <p:sp>
+            <p:nvSpPr>
+              <p:cNvPr id="13" name="テキスト ボックス 12"/>
+              <p:cNvSpPr txBox="1"/>
+              <p:nvPr/>
+            </p:nvSpPr>
+            <p:spPr>
+              <a:xfrm>
+                <a:off x="264565" y="5358912"/>
+                <a:ext cx="2792752" cy="671530"/>
+              </a:xfrm>
+              <a:prstGeom prst="rect">
+                <a:avLst/>
+              </a:prstGeom>
+              <a:noFill/>
+            </p:spPr>
+            <p:txBody>
+              <a:bodyPr wrap="none" lIns="0" tIns="0" rIns="0" bIns="0" rtlCol="0">
+                <a:spAutoFit/>
+              </a:bodyPr>
+              <a:lstStyle/>
+              <a:p>
+                <a14:m>
+                  <m:oMathPara xmlns:m="http://schemas.openxmlformats.org/officeDocument/2006/math">
+                    <m:oMathParaPr>
+                      <m:jc m:val="centerGroup"/>
+                    </m:oMathParaPr>
+                    <m:oMath xmlns:m="http://schemas.openxmlformats.org/officeDocument/2006/math">
+                      <m:r>
+                        <a:rPr kumimoji="1" lang="ja-JP" altLang="en-US" sz="2000" i="1" smtClean="0">
+                          <a:latin typeface="Cambria Math" panose="02040503050406030204" pitchFamily="18" charset="0"/>
+                        </a:rPr>
+                        <m:t>⇒</m:t>
+                      </m:r>
+                      <m:r>
+                        <a:rPr kumimoji="1" lang="en-US" altLang="ja-JP" sz="2000" b="0" i="1" smtClean="0">
+                          <a:latin typeface="Cambria Math" panose="02040503050406030204" pitchFamily="18" charset="0"/>
+                        </a:rPr>
+                        <m:t> </m:t>
+                      </m:r>
+                      <m:r>
+                        <a:rPr kumimoji="1" lang="ja-JP" altLang="en-US" sz="2000" b="0" i="1" smtClean="0">
+                          <a:solidFill>
+                            <a:srgbClr val="FF0000"/>
+                          </a:solidFill>
+                          <a:latin typeface="Cambria Math" panose="02040503050406030204" pitchFamily="18" charset="0"/>
+                        </a:rPr>
+                        <m:t>𝛼</m:t>
+                      </m:r>
+                      <m:r>
+                        <a:rPr kumimoji="1" lang="en-US" altLang="ja-JP" sz="2000" b="0" i="1" smtClean="0">
+                          <a:solidFill>
+                            <a:srgbClr val="FF0000"/>
+                          </a:solidFill>
+                          <a:latin typeface="Cambria Math" panose="02040503050406030204" pitchFamily="18" charset="0"/>
+                        </a:rPr>
+                        <m:t>=</m:t>
+                      </m:r>
+                      <m:f>
+                        <m:fPr>
+                          <m:ctrlPr>
+                            <a:rPr kumimoji="1" lang="en-US" altLang="ja-JP" sz="2000" b="0" i="1" smtClean="0">
+                              <a:latin typeface="Cambria Math" panose="02040503050406030204" pitchFamily="18" charset="0"/>
+                            </a:rPr>
+                          </m:ctrlPr>
+                        </m:fPr>
+                        <m:num>
+                          <m:sSup>
+                            <m:sSupPr>
+                              <m:ctrlPr>
+                                <a:rPr kumimoji="1" lang="en-US" altLang="ja-JP" sz="2000" b="0" i="1" smtClean="0">
+                                  <a:latin typeface="Cambria Math" panose="02040503050406030204" pitchFamily="18" charset="0"/>
+                                </a:rPr>
+                              </m:ctrlPr>
+                            </m:sSupPr>
+                            <m:e>
+                              <m:r>
+                                <a:rPr kumimoji="1" lang="en-US" altLang="ja-JP" sz="2000" b="0" i="1" smtClean="0">
+                                  <a:latin typeface="Cambria Math" panose="02040503050406030204" pitchFamily="18" charset="0"/>
+                                </a:rPr>
+                                <m:t>(2</m:t>
+                              </m:r>
+                              <m:r>
+                                <a:rPr kumimoji="1" lang="ja-JP" altLang="en-US" sz="2000" b="0" i="1" smtClean="0">
+                                  <a:latin typeface="Cambria Math" panose="02040503050406030204" pitchFamily="18" charset="0"/>
+                                </a:rPr>
+                                <m:t>𝜋</m:t>
+                              </m:r>
+                              <m:r>
+                                <a:rPr kumimoji="1" lang="en-US" altLang="ja-JP" sz="2000" b="0" i="1" smtClean="0">
+                                  <a:latin typeface="Cambria Math" panose="02040503050406030204" pitchFamily="18" charset="0"/>
+                                </a:rPr>
+                                <m:t>)</m:t>
+                              </m:r>
+                            </m:e>
+                            <m:sup>
+                              <m:r>
+                                <a:rPr kumimoji="1" lang="en-US" altLang="ja-JP" sz="2000" b="0" i="1" smtClean="0">
+                                  <a:latin typeface="Cambria Math" panose="02040503050406030204" pitchFamily="18" charset="0"/>
+                                </a:rPr>
+                                <m:t>2</m:t>
+                              </m:r>
+                            </m:sup>
+                          </m:sSup>
+                          <m:sSub>
+                            <m:sSubPr>
+                              <m:ctrlPr>
+                                <a:rPr kumimoji="1" lang="en-US" altLang="ja-JP" sz="2000" b="0" i="1" smtClean="0">
+                                  <a:latin typeface="Cambria Math" panose="02040503050406030204" pitchFamily="18" charset="0"/>
+                                </a:rPr>
+                              </m:ctrlPr>
+                            </m:sSubPr>
+                            <m:e>
+                              <m:r>
+                                <a:rPr kumimoji="1" lang="en-US" altLang="ja-JP" sz="2000" b="0" i="1" smtClean="0">
+                                  <a:latin typeface="Cambria Math" panose="02040503050406030204" pitchFamily="18" charset="0"/>
+                                </a:rPr>
+                                <m:t>𝑛</m:t>
+                              </m:r>
+                            </m:e>
+                            <m:sub>
+                              <m:r>
+                                <a:rPr kumimoji="1" lang="en-US" altLang="ja-JP" sz="2000" b="0" i="1" smtClean="0">
+                                  <a:latin typeface="Cambria Math" panose="02040503050406030204" pitchFamily="18" charset="0"/>
+                                </a:rPr>
+                                <m:t>𝑒</m:t>
+                              </m:r>
+                            </m:sub>
+                          </m:sSub>
+                        </m:num>
+                        <m:den>
+                          <m:sSub>
+                            <m:sSubPr>
+                              <m:ctrlPr>
+                                <a:rPr kumimoji="1" lang="en-US" altLang="ja-JP" sz="2000" b="0" i="1" smtClean="0">
+                                  <a:latin typeface="Cambria Math" panose="02040503050406030204" pitchFamily="18" charset="0"/>
+                                </a:rPr>
+                              </m:ctrlPr>
+                            </m:sSubPr>
+                            <m:e>
+                              <m:r>
+                                <a:rPr kumimoji="1" lang="en-US" altLang="ja-JP" sz="2000" b="0" i="1" smtClean="0">
+                                  <a:latin typeface="Cambria Math" panose="02040503050406030204" pitchFamily="18" charset="0"/>
+                                </a:rPr>
+                                <m:t>𝑔</m:t>
+                              </m:r>
+                            </m:e>
+                            <m:sub>
+                              <m:r>
+                                <a:rPr kumimoji="1" lang="en-US" altLang="ja-JP" sz="2000" b="0" i="1" smtClean="0">
+                                  <a:latin typeface="Cambria Math" panose="02040503050406030204" pitchFamily="18" charset="0"/>
+                                </a:rPr>
+                                <m:t>𝑠</m:t>
+                              </m:r>
+                            </m:sub>
+                          </m:sSub>
+                          <m:sSub>
+                            <m:sSubPr>
+                              <m:ctrlPr>
+                                <a:rPr kumimoji="1" lang="en-US" altLang="ja-JP" sz="2000" b="0" i="1" smtClean="0">
+                                  <a:latin typeface="Cambria Math" panose="02040503050406030204" pitchFamily="18" charset="0"/>
+                                </a:rPr>
+                              </m:ctrlPr>
+                            </m:sSubPr>
+                            <m:e>
+                              <m:r>
+                                <a:rPr kumimoji="1" lang="en-US" altLang="ja-JP" sz="2000" b="0" i="1" smtClean="0">
+                                  <a:latin typeface="Cambria Math" panose="02040503050406030204" pitchFamily="18" charset="0"/>
+                                </a:rPr>
+                                <m:t>𝑁</m:t>
+                              </m:r>
+                            </m:e>
+                            <m:sub>
+                              <m:r>
+                                <a:rPr kumimoji="1" lang="en-US" altLang="ja-JP" sz="2000" b="0" i="1" smtClean="0">
+                                  <a:latin typeface="Cambria Math" panose="02040503050406030204" pitchFamily="18" charset="0"/>
+                                </a:rPr>
+                                <m:t>𝑀𝐶</m:t>
+                              </m:r>
+                            </m:sub>
+                          </m:sSub>
+                          <m:r>
+                            <m:rPr>
+                              <m:sty m:val="p"/>
+                            </m:rPr>
+                            <a:rPr kumimoji="1" lang="el-GR" altLang="ja-JP" sz="2000" b="0" i="1" smtClean="0">
+                              <a:latin typeface="Cambria Math" panose="02040503050406030204" pitchFamily="18" charset="0"/>
+                              <a:ea typeface="Cambria Math" panose="02040503050406030204" pitchFamily="18" charset="0"/>
+                            </a:rPr>
+                            <m:t>Δ</m:t>
+                          </m:r>
+                        </m:den>
+                      </m:f>
+                      <m:r>
+                        <a:rPr kumimoji="1" lang="en-US" altLang="ja-JP" sz="2000" b="0" i="1" smtClean="0">
+                          <a:latin typeface="Cambria Math" panose="02040503050406030204" pitchFamily="18" charset="0"/>
+                        </a:rPr>
+                        <m:t>=</m:t>
+                      </m:r>
+                      <m:r>
+                        <a:rPr kumimoji="1" lang="en-US" altLang="ja-JP" sz="2000" b="0" i="1" smtClean="0">
+                          <a:solidFill>
+                            <a:srgbClr val="FF0000"/>
+                          </a:solidFill>
+                          <a:latin typeface="Cambria Math" panose="02040503050406030204" pitchFamily="18" charset="0"/>
+                        </a:rPr>
+                        <m:t>𝑐𝑜𝑛𝑠𝑡</m:t>
+                      </m:r>
+                    </m:oMath>
+                  </m:oMathPara>
+                </a14:m>
+                <a:endParaRPr kumimoji="1" lang="ja-JP" altLang="en-US" sz="2000">
+                  <a:solidFill>
+                    <a:srgbClr val="FF0000"/>
+                  </a:solidFill>
+                </a:endParaRPr>
+              </a:p>
+            </p:txBody>
+          </p:sp>
+        </mc:Choice>
+        <mc:Fallback>
+          <p:sp>
+            <p:nvSpPr>
+              <p:cNvPr id="13" name="テキスト ボックス 12"/>
+              <p:cNvSpPr txBox="1">
+                <a:spLocks noRot="1" noChangeAspect="1" noMove="1" noResize="1" noEditPoints="1" noAdjustHandles="1" noChangeArrowheads="1" noChangeShapeType="1" noTextEdit="1"/>
+              </p:cNvSpPr>
+              <p:nvPr/>
+            </p:nvSpPr>
+            <p:spPr>
+              <a:xfrm>
+                <a:off x="264565" y="5358912"/>
+                <a:ext cx="2792752" cy="671530"/>
+              </a:xfrm>
+              <a:prstGeom prst="rect">
+                <a:avLst/>
+              </a:prstGeom>
+              <a:blipFill>
+                <a:blip r:embed="rId8"/>
+                <a:stretch>
+                  <a:fillRect/>
+                </a:stretch>
+              </a:blipFill>
+            </p:spPr>
+            <p:txBody>
+              <a:bodyPr/>
+              <a:lstStyle/>
+              <a:p>
+                <a:r>
+                  <a:rPr lang="ja-JP" altLang="en-US">
+                    <a:noFill/>
+                  </a:rPr>
+                  <a:t> </a:t>
+                </a:r>
+              </a:p>
+            </p:txBody>
+          </p:sp>
+        </mc:Fallback>
+      </mc:AlternateContent>
+      <p:cxnSp>
+        <p:nvCxnSpPr>
+          <p:cNvPr id="17" name="直線コネクタ 16"/>
+          <p:cNvCxnSpPr/>
+          <p:nvPr/>
+        </p:nvCxnSpPr>
+        <p:spPr>
+          <a:xfrm>
+            <a:off x="6095999" y="4427621"/>
+            <a:ext cx="0" cy="2293854"/>
+          </a:xfrm>
+          <a:prstGeom prst="line">
+            <a:avLst/>
+          </a:prstGeom>
+        </p:spPr>
+        <p:style>
+          <a:lnRef idx="1">
+            <a:schemeClr val="accent1"/>
+          </a:lnRef>
+          <a:fillRef idx="0">
+            <a:schemeClr val="accent1"/>
+          </a:fillRef>
+          <a:effectRef idx="0">
+            <a:schemeClr val="accent1"/>
+          </a:effectRef>
+          <a:fontRef idx="minor">
+            <a:schemeClr val="tx1"/>
+          </a:fontRef>
+        </p:style>
+      </p:cxnSp>
+      <p:cxnSp>
+        <p:nvCxnSpPr>
+          <p:cNvPr id="21" name="直線コネクタ 20"/>
+          <p:cNvCxnSpPr/>
+          <p:nvPr/>
+        </p:nvCxnSpPr>
+        <p:spPr>
+          <a:xfrm>
+            <a:off x="7191675" y="4427621"/>
+            <a:ext cx="0" cy="2293854"/>
+          </a:xfrm>
+          <a:prstGeom prst="line">
+            <a:avLst/>
+          </a:prstGeom>
+        </p:spPr>
+        <p:style>
+          <a:lnRef idx="1">
+            <a:schemeClr val="accent1"/>
+          </a:lnRef>
+          <a:fillRef idx="0">
+            <a:schemeClr val="accent1"/>
+          </a:fillRef>
+          <a:effectRef idx="0">
+            <a:schemeClr val="accent1"/>
+          </a:effectRef>
+          <a:fontRef idx="minor">
+            <a:schemeClr val="tx1"/>
+          </a:fontRef>
+        </p:style>
+      </p:cxnSp>
+      <p:cxnSp>
+        <p:nvCxnSpPr>
+          <p:cNvPr id="22" name="直線コネクタ 21"/>
+          <p:cNvCxnSpPr/>
+          <p:nvPr/>
+        </p:nvCxnSpPr>
+        <p:spPr>
+          <a:xfrm>
+            <a:off x="8279329" y="4427621"/>
+            <a:ext cx="0" cy="2293854"/>
+          </a:xfrm>
+          <a:prstGeom prst="line">
+            <a:avLst/>
+          </a:prstGeom>
+        </p:spPr>
+        <p:style>
+          <a:lnRef idx="1">
+            <a:schemeClr val="accent1"/>
+          </a:lnRef>
+          <a:fillRef idx="0">
+            <a:schemeClr val="accent1"/>
+          </a:fillRef>
+          <a:effectRef idx="0">
+            <a:schemeClr val="accent1"/>
+          </a:effectRef>
+          <a:fontRef idx="minor">
+            <a:schemeClr val="tx1"/>
+          </a:fontRef>
+        </p:style>
+      </p:cxnSp>
+      <p:cxnSp>
+        <p:nvCxnSpPr>
+          <p:cNvPr id="23" name="直線コネクタ 22"/>
+          <p:cNvCxnSpPr/>
+          <p:nvPr/>
+        </p:nvCxnSpPr>
+        <p:spPr>
+          <a:xfrm>
+            <a:off x="9289982" y="4427621"/>
+            <a:ext cx="0" cy="2293854"/>
+          </a:xfrm>
+          <a:prstGeom prst="line">
+            <a:avLst/>
+          </a:prstGeom>
+        </p:spPr>
+        <p:style>
+          <a:lnRef idx="1">
+            <a:schemeClr val="accent1"/>
+          </a:lnRef>
+          <a:fillRef idx="0">
+            <a:schemeClr val="accent1"/>
+          </a:fillRef>
+          <a:effectRef idx="0">
+            <a:schemeClr val="accent1"/>
+          </a:effectRef>
+          <a:fontRef idx="minor">
+            <a:schemeClr val="tx1"/>
+          </a:fontRef>
+        </p:style>
+      </p:cxnSp>
+      <p:cxnSp>
+        <p:nvCxnSpPr>
+          <p:cNvPr id="24" name="直線コネクタ 23"/>
+          <p:cNvCxnSpPr/>
+          <p:nvPr/>
+        </p:nvCxnSpPr>
+        <p:spPr>
+          <a:xfrm>
+            <a:off x="5611559" y="4861393"/>
+            <a:ext cx="4370641" cy="8990"/>
+          </a:xfrm>
+          <a:prstGeom prst="line">
+            <a:avLst/>
+          </a:prstGeom>
+        </p:spPr>
+        <p:style>
+          <a:lnRef idx="1">
+            <a:schemeClr val="accent1"/>
+          </a:lnRef>
+          <a:fillRef idx="0">
+            <a:schemeClr val="accent1"/>
+          </a:fillRef>
+          <a:effectRef idx="0">
+            <a:schemeClr val="accent1"/>
+          </a:effectRef>
+          <a:fontRef idx="minor">
+            <a:schemeClr val="tx1"/>
+          </a:fontRef>
+        </p:style>
+      </p:cxnSp>
+      <p:cxnSp>
+        <p:nvCxnSpPr>
+          <p:cNvPr id="27" name="直線コネクタ 26"/>
+          <p:cNvCxnSpPr/>
+          <p:nvPr/>
+        </p:nvCxnSpPr>
+        <p:spPr>
+          <a:xfrm>
+            <a:off x="5611559" y="6021452"/>
+            <a:ext cx="4370641" cy="8990"/>
+          </a:xfrm>
+          <a:prstGeom prst="line">
+            <a:avLst/>
+          </a:prstGeom>
+        </p:spPr>
+        <p:style>
+          <a:lnRef idx="1">
+            <a:schemeClr val="accent1"/>
+          </a:lnRef>
+          <a:fillRef idx="0">
+            <a:schemeClr val="accent1"/>
+          </a:fillRef>
+          <a:effectRef idx="0">
+            <a:schemeClr val="accent1"/>
+          </a:effectRef>
+          <a:fontRef idx="minor">
+            <a:schemeClr val="tx1"/>
+          </a:fontRef>
+        </p:style>
+      </p:cxnSp>
+      <p:sp>
+        <p:nvSpPr>
+          <p:cNvPr id="28" name="正方形/長方形 27"/>
+          <p:cNvSpPr/>
+          <p:nvPr/>
+        </p:nvSpPr>
+        <p:spPr>
+          <a:xfrm>
+            <a:off x="7191675" y="4870382"/>
+            <a:ext cx="1087654" cy="1151069"/>
+          </a:xfrm>
+          <a:prstGeom prst="rect">
+            <a:avLst/>
+          </a:prstGeom>
+          <a:solidFill>
+            <a:srgbClr val="00B0F0">
+              <a:alpha val="52000"/>
+            </a:srgbClr>
+          </a:solidFill>
+          <a:ln>
+            <a:noFill/>
+          </a:ln>
+        </p:spPr>
+        <p:style>
+          <a:lnRef idx="2">
+            <a:schemeClr val="accent1">
+              <a:shade val="50000"/>
+            </a:schemeClr>
+          </a:lnRef>
+          <a:fillRef idx="1">
+            <a:schemeClr val="accent1"/>
+          </a:fillRef>
+          <a:effectRef idx="0">
+            <a:schemeClr val="accent1"/>
+          </a:effectRef>
+          <a:fontRef idx="minor">
+            <a:schemeClr val="lt1"/>
+          </a:fontRef>
+        </p:style>
+        <p:txBody>
+          <a:bodyPr rtlCol="0" anchor="ctr"/>
+          <a:lstStyle/>
+          <a:p>
+            <a:pPr algn="ctr"/>
+            <a:endParaRPr kumimoji="1" lang="ja-JP" altLang="en-US"/>
+          </a:p>
+        </p:txBody>
+      </p:sp>
+      <p:sp>
+        <p:nvSpPr>
+          <p:cNvPr id="29" name="楕円 28"/>
+          <p:cNvSpPr/>
+          <p:nvPr/>
+        </p:nvSpPr>
+        <p:spPr>
+          <a:xfrm>
+            <a:off x="7904608" y="5011006"/>
+            <a:ext cx="82550" cy="95250"/>
+          </a:xfrm>
+          <a:prstGeom prst="ellipse">
+            <a:avLst/>
+          </a:prstGeom>
+          <a:solidFill>
+            <a:schemeClr val="tx1">
+              <a:lumMod val="95000"/>
+              <a:lumOff val="5000"/>
+            </a:schemeClr>
+          </a:solidFill>
+        </p:spPr>
+        <p:style>
+          <a:lnRef idx="2">
+            <a:schemeClr val="accent1">
+              <a:shade val="50000"/>
+            </a:schemeClr>
+          </a:lnRef>
+          <a:fillRef idx="1">
+            <a:schemeClr val="accent1"/>
+          </a:fillRef>
+          <a:effectRef idx="0">
+            <a:schemeClr val="accent1"/>
+          </a:effectRef>
+          <a:fontRef idx="minor">
+            <a:schemeClr val="lt1"/>
+          </a:fontRef>
+        </p:style>
+        <p:txBody>
+          <a:bodyPr rtlCol="0" anchor="ctr"/>
+          <a:lstStyle/>
+          <a:p>
+            <a:pPr algn="ctr"/>
+            <a:endParaRPr kumimoji="1" lang="ja-JP" altLang="en-US"/>
+          </a:p>
+        </p:txBody>
+      </p:sp>
+      <p:cxnSp>
+        <p:nvCxnSpPr>
+          <p:cNvPr id="38" name="直線矢印コネクタ 37"/>
+          <p:cNvCxnSpPr/>
+          <p:nvPr/>
+        </p:nvCxnSpPr>
+        <p:spPr>
+          <a:xfrm flipH="1">
+            <a:off x="8060247" y="4663640"/>
+            <a:ext cx="877103" cy="344882"/>
+          </a:xfrm>
+          <a:prstGeom prst="straightConnector1">
+            <a:avLst/>
+          </a:prstGeom>
+          <a:ln>
+            <a:solidFill>
+              <a:schemeClr val="tx1">
+                <a:lumMod val="95000"/>
+                <a:lumOff val="5000"/>
+              </a:schemeClr>
+            </a:solidFill>
+            <a:tailEnd type="triangle"/>
+          </a:ln>
+        </p:spPr>
+        <p:style>
+          <a:lnRef idx="1">
+            <a:schemeClr val="accent1"/>
+          </a:lnRef>
+          <a:fillRef idx="0">
+            <a:schemeClr val="accent1"/>
+          </a:fillRef>
+          <a:effectRef idx="0">
+            <a:schemeClr val="accent1"/>
+          </a:effectRef>
+          <a:fontRef idx="minor">
+            <a:schemeClr val="tx1"/>
+          </a:fontRef>
+        </p:style>
+      </p:cxnSp>
+      <mc:AlternateContent xmlns:mc="http://schemas.openxmlformats.org/markup-compatibility/2006">
+        <mc:Choice xmlns:a14="http://schemas.microsoft.com/office/drawing/2010/main" Requires="a14">
+          <p:sp>
+            <p:nvSpPr>
+              <p:cNvPr id="41" name="正方形/長方形 40"/>
+              <p:cNvSpPr/>
+              <p:nvPr/>
+            </p:nvSpPr>
+            <p:spPr>
+              <a:xfrm>
+                <a:off x="7285617" y="5261250"/>
+                <a:ext cx="1022524" cy="369332"/>
+              </a:xfrm>
+              <a:prstGeom prst="rect">
+                <a:avLst/>
+              </a:prstGeom>
+            </p:spPr>
+            <p:txBody>
+              <a:bodyPr wrap="none">
+                <a:spAutoFit/>
+              </a:bodyPr>
+              <a:lstStyle/>
+              <a:p>
+                <a14:m>
+                  <m:oMathPara xmlns:m="http://schemas.openxmlformats.org/officeDocument/2006/math">
+                    <m:oMathParaPr>
+                      <m:jc m:val="centerGroup"/>
+                    </m:oMathParaPr>
+                    <m:oMath xmlns:m="http://schemas.openxmlformats.org/officeDocument/2006/math">
+                      <m:r>
+                        <a:rPr lang="en-US" altLang="ja-JP" i="1">
+                          <a:latin typeface="Cambria Math" panose="02040503050406030204" pitchFamily="18" charset="0"/>
+                        </a:rPr>
+                        <m:t>𝑎𝑑𝑟</m:t>
+                      </m:r>
+                      <m:d>
+                        <m:dPr>
+                          <m:ctrlPr>
+                            <a:rPr lang="en-US" altLang="ja-JP" i="1">
+                              <a:latin typeface="Cambria Math" panose="02040503050406030204" pitchFamily="18" charset="0"/>
+                            </a:rPr>
+                          </m:ctrlPr>
+                        </m:dPr>
+                        <m:e>
+                          <m:r>
+                            <a:rPr lang="en-US" altLang="ja-JP" b="1" i="1">
+                              <a:latin typeface="Cambria Math" panose="02040503050406030204" pitchFamily="18" charset="0"/>
+                            </a:rPr>
+                            <m:t>𝒌</m:t>
+                          </m:r>
+                        </m:e>
+                      </m:d>
+                      <m:r>
+                        <a:rPr lang="en-US" altLang="ja-JP">
+                          <a:latin typeface="Cambria Math" panose="02040503050406030204" pitchFamily="18" charset="0"/>
+                        </a:rPr>
+                        <m:t> </m:t>
+                      </m:r>
+                    </m:oMath>
+                  </m:oMathPara>
+                </a14:m>
+                <a:endParaRPr lang="ja-JP" altLang="en-US"/>
+              </a:p>
+            </p:txBody>
+          </p:sp>
+        </mc:Choice>
+        <mc:Fallback>
+          <p:sp>
+            <p:nvSpPr>
+              <p:cNvPr id="41" name="正方形/長方形 40"/>
+              <p:cNvSpPr>
+                <a:spLocks noRot="1" noChangeAspect="1" noMove="1" noResize="1" noEditPoints="1" noAdjustHandles="1" noChangeArrowheads="1" noChangeShapeType="1" noTextEdit="1"/>
+              </p:cNvSpPr>
+              <p:nvPr/>
+            </p:nvSpPr>
+            <p:spPr>
+              <a:xfrm>
+                <a:off x="7285617" y="5261250"/>
+                <a:ext cx="1022524" cy="369332"/>
+              </a:xfrm>
+              <a:prstGeom prst="rect">
+                <a:avLst/>
+              </a:prstGeom>
+              <a:blipFill>
+                <a:blip r:embed="rId9"/>
+                <a:stretch>
+                  <a:fillRect/>
+                </a:stretch>
+              </a:blipFill>
+            </p:spPr>
+            <p:txBody>
+              <a:bodyPr/>
+              <a:lstStyle/>
+              <a:p>
+                <a:r>
+                  <a:rPr lang="ja-JP" altLang="en-US">
+                    <a:noFill/>
+                  </a:rPr>
+                  <a:t> </a:t>
+                </a:r>
+              </a:p>
+            </p:txBody>
+          </p:sp>
+        </mc:Fallback>
+      </mc:AlternateContent>
+      <mc:AlternateContent xmlns:mc="http://schemas.openxmlformats.org/markup-compatibility/2006">
+        <mc:Choice xmlns:a14="http://schemas.microsoft.com/office/drawing/2010/main" Requires="a14">
+          <p:sp>
+            <p:nvSpPr>
+              <p:cNvPr id="42" name="テキスト ボックス 41"/>
+              <p:cNvSpPr txBox="1"/>
+              <p:nvPr/>
+            </p:nvSpPr>
+            <p:spPr>
+              <a:xfrm>
+                <a:off x="6906125" y="2061265"/>
+                <a:ext cx="2549672" cy="276999"/>
+              </a:xfrm>
+              <a:prstGeom prst="rect">
+                <a:avLst/>
+              </a:prstGeom>
+              <a:noFill/>
+            </p:spPr>
+            <p:txBody>
+              <a:bodyPr wrap="none" lIns="0" tIns="0" rIns="0" bIns="0" rtlCol="0">
+                <a:spAutoFit/>
+              </a:bodyPr>
+              <a:lstStyle/>
+              <a:p>
+                <a14:m>
+                  <m:oMath xmlns:m="http://schemas.openxmlformats.org/officeDocument/2006/math">
+                    <m:r>
+                      <a:rPr kumimoji="1" lang="en-US" altLang="ja-JP" b="0" i="1" smtClean="0">
+                        <a:latin typeface="Cambria Math" panose="02040503050406030204" pitchFamily="18" charset="0"/>
+                      </a:rPr>
+                      <m:t>𝑐</m:t>
+                    </m:r>
+                    <m:r>
+                      <a:rPr kumimoji="1" lang="en-US" altLang="ja-JP" b="0" i="1" smtClean="0">
+                        <a:latin typeface="Cambria Math" panose="02040503050406030204" pitchFamily="18" charset="0"/>
+                      </a:rPr>
+                      <m:t>:</m:t>
+                    </m:r>
+                  </m:oMath>
+                </a14:m>
+                <a:r>
+                  <a:rPr kumimoji="1" lang="ja-JP" altLang="en-US" smtClean="0"/>
+                  <a:t> </a:t>
+                </a:r>
+                <a:r>
+                  <a:rPr lang="en-US" altLang="ja-JP" smtClean="0"/>
+                  <a:t>Number of electrons</a:t>
+                </a:r>
+                <a:endParaRPr kumimoji="1" lang="ja-JP" altLang="en-US"/>
+              </a:p>
+            </p:txBody>
+          </p:sp>
+        </mc:Choice>
+        <mc:Fallback>
+          <p:sp>
+            <p:nvSpPr>
+              <p:cNvPr id="42" name="テキスト ボックス 41"/>
+              <p:cNvSpPr txBox="1">
+                <a:spLocks noRot="1" noChangeAspect="1" noMove="1" noResize="1" noEditPoints="1" noAdjustHandles="1" noChangeArrowheads="1" noChangeShapeType="1" noTextEdit="1"/>
+              </p:cNvSpPr>
+              <p:nvPr/>
+            </p:nvSpPr>
+            <p:spPr>
+              <a:xfrm>
+                <a:off x="6906125" y="2061265"/>
+                <a:ext cx="2549672" cy="276999"/>
+              </a:xfrm>
+              <a:prstGeom prst="rect">
+                <a:avLst/>
+              </a:prstGeom>
+              <a:blipFill>
+                <a:blip r:embed="rId10"/>
+                <a:stretch>
+                  <a:fillRect l="-2392" t="-23913" r="-5024" b="-54348"/>
+                </a:stretch>
+              </a:blipFill>
+            </p:spPr>
+            <p:txBody>
+              <a:bodyPr/>
+              <a:lstStyle/>
+              <a:p>
+                <a:r>
+                  <a:rPr lang="ja-JP" altLang="en-US">
+                    <a:noFill/>
+                  </a:rPr>
+                  <a:t> </a:t>
+                </a:r>
+              </a:p>
+            </p:txBody>
+          </p:sp>
+        </mc:Fallback>
+      </mc:AlternateContent>
+      <mc:AlternateContent xmlns:mc="http://schemas.openxmlformats.org/markup-compatibility/2006">
+        <mc:Choice xmlns:a14="http://schemas.microsoft.com/office/drawing/2010/main" Requires="a14">
+          <p:sp>
+            <p:nvSpPr>
+              <p:cNvPr id="43" name="正方形/長方形 42"/>
+              <p:cNvSpPr/>
+              <p:nvPr/>
+            </p:nvSpPr>
+            <p:spPr>
+              <a:xfrm>
+                <a:off x="8879180" y="4458686"/>
+                <a:ext cx="404278" cy="369332"/>
+              </a:xfrm>
+              <a:prstGeom prst="rect">
+                <a:avLst/>
+              </a:prstGeom>
+            </p:spPr>
+            <p:txBody>
+              <a:bodyPr wrap="none">
+                <a:spAutoFit/>
+              </a:bodyPr>
+              <a:lstStyle/>
+              <a:p>
+                <a14:m>
+                  <m:oMathPara xmlns:m="http://schemas.openxmlformats.org/officeDocument/2006/math">
+                    <m:oMathParaPr>
+                      <m:jc m:val="centerGroup"/>
+                    </m:oMathParaPr>
+                    <m:oMath xmlns:m="http://schemas.openxmlformats.org/officeDocument/2006/math">
+                      <m:r>
+                        <a:rPr lang="en-US" altLang="ja-JP" b="1" i="1">
+                          <a:latin typeface="Cambria Math" panose="02040503050406030204" pitchFamily="18" charset="0"/>
+                        </a:rPr>
+                        <m:t>𝒌</m:t>
+                      </m:r>
+                    </m:oMath>
+                  </m:oMathPara>
+                </a14:m>
+                <a:endParaRPr lang="ja-JP" altLang="en-US"/>
+              </a:p>
+            </p:txBody>
+          </p:sp>
+        </mc:Choice>
+        <mc:Fallback>
+          <p:sp>
+            <p:nvSpPr>
+              <p:cNvPr id="43" name="正方形/長方形 42"/>
+              <p:cNvSpPr>
+                <a:spLocks noRot="1" noChangeAspect="1" noMove="1" noResize="1" noEditPoints="1" noAdjustHandles="1" noChangeArrowheads="1" noChangeShapeType="1" noTextEdit="1"/>
+              </p:cNvSpPr>
+              <p:nvPr/>
+            </p:nvSpPr>
+            <p:spPr>
+              <a:xfrm>
+                <a:off x="8879180" y="4458686"/>
+                <a:ext cx="404278" cy="369332"/>
+              </a:xfrm>
+              <a:prstGeom prst="rect">
+                <a:avLst/>
+              </a:prstGeom>
+              <a:blipFill>
+                <a:blip r:embed="rId11"/>
+                <a:stretch>
+                  <a:fillRect/>
+                </a:stretch>
+              </a:blipFill>
+            </p:spPr>
+            <p:txBody>
+              <a:bodyPr/>
+              <a:lstStyle/>
+              <a:p>
+                <a:r>
+                  <a:rPr lang="ja-JP" altLang="en-US">
+                    <a:noFill/>
+                  </a:rPr>
+                  <a:t> </a:t>
+                </a:r>
+              </a:p>
+            </p:txBody>
+          </p:sp>
+        </mc:Fallback>
+      </mc:AlternateContent>
+    </p:spTree>
+    <p:extLst>
+      <p:ext uri="{BB962C8B-B14F-4D97-AF65-F5344CB8AC3E}">
+        <p14:creationId xmlns:p14="http://schemas.microsoft.com/office/powerpoint/2010/main" val="3118675949"/>
+      </p:ext>
+    </p:extLst>
+  </p:cSld>
+  <p:clrMapOvr>
+    <a:masterClrMapping/>
+  </p:clrMapOvr>
+</p:sld>
+</file>
+
+<file path=ppt/slides/slide13.xml><?xml version="1.0" encoding="utf-8"?>
+<p:sld xmlns:a="http://schemas.openxmlformats.org/drawingml/2006/main" xmlns:r="http://schemas.openxmlformats.org/officeDocument/2006/relationships" xmlns:p="http://schemas.openxmlformats.org/presentationml/2006/main">
+  <p:cSld>
+    <p:spTree>
+      <p:nvGrpSpPr>
+        <p:cNvPr id="1" name=""/>
+        <p:cNvGrpSpPr/>
+        <p:nvPr/>
+      </p:nvGrpSpPr>
+      <p:grpSpPr>
+        <a:xfrm>
+          <a:off x="0" y="0"/>
+          <a:ext cx="0" cy="0"/>
+          <a:chOff x="0" y="0"/>
+          <a:chExt cx="0" cy="0"/>
+        </a:xfrm>
+      </p:grpSpPr>
+      <p:sp>
+        <p:nvSpPr>
+          <p:cNvPr id="4" name="スライド番号プレースホルダー 3"/>
+          <p:cNvSpPr>
+            <a:spLocks noGrp="1"/>
+          </p:cNvSpPr>
+          <p:nvPr>
+            <p:ph type="sldNum" sz="quarter" idx="12"/>
+          </p:nvPr>
+        </p:nvSpPr>
+        <p:spPr/>
+        <p:txBody>
+          <a:bodyPr/>
+          <a:lstStyle/>
+          <a:p>
+            <a:fld id="{7150E25F-B8C9-4ED1-8626-95CB18EC23DC}" type="slidenum">
+              <a:rPr kumimoji="1" lang="ja-JP" altLang="en-US" smtClean="0"/>
+              <a:t>13</a:t>
             </a:fld>
             <a:endParaRPr kumimoji="1" lang="ja-JP" altLang="en-US"/>
           </a:p>
@@ -5663,8 +9754,8 @@
           </a:p>
         </p:txBody>
       </p:sp>
-      <mc:AlternateContent xmlns:mc="http://schemas.openxmlformats.org/markup-compatibility/2006">
-        <mc:Choice xmlns:a14="http://schemas.microsoft.com/office/drawing/2010/main" Requires="a14">
+      <mc:AlternateContent xmlns:mc="http://schemas.openxmlformats.org/markup-compatibility/2006" xmlns:a14="http://schemas.microsoft.com/office/drawing/2010/main">
+        <mc:Choice Requires="a14">
           <p:sp>
             <p:nvSpPr>
               <p:cNvPr id="2" name="テキスト ボックス 1"/>
@@ -5895,7 +9986,7 @@
             </p:txBody>
           </p:sp>
         </mc:Choice>
-        <mc:Fallback>
+        <mc:Fallback xmlns="">
           <p:sp>
             <p:nvSpPr>
               <p:cNvPr id="2" name="テキスト ボックス 1"/>
@@ -8021,8 +12112,8 @@
           </a:prstGeom>
         </p:spPr>
       </p:pic>
-      <mc:AlternateContent xmlns:mc="http://schemas.openxmlformats.org/markup-compatibility/2006">
-        <mc:Choice xmlns:a14="http://schemas.microsoft.com/office/drawing/2010/main" Requires="a14">
+      <mc:AlternateContent xmlns:mc="http://schemas.openxmlformats.org/markup-compatibility/2006" xmlns:a14="http://schemas.microsoft.com/office/drawing/2010/main">
+        <mc:Choice Requires="a14">
           <p:sp>
             <p:nvSpPr>
               <p:cNvPr id="3" name="コンテンツ プレースホルダー 2"/>
@@ -8106,7 +12197,7 @@
             </p:txBody>
           </p:sp>
         </mc:Choice>
-        <mc:Fallback>
+        <mc:Fallback xmlns="">
           <p:sp>
             <p:nvSpPr>
               <p:cNvPr id="3" name="コンテンツ プレースホルダー 2"/>
@@ -8254,8 +12345,8 @@
           </a:p>
         </p:txBody>
       </p:sp>
-      <mc:AlternateContent xmlns:mc="http://schemas.openxmlformats.org/markup-compatibility/2006">
-        <mc:Choice xmlns:a14="http://schemas.microsoft.com/office/drawing/2010/main" Requires="a14">
+      <mc:AlternateContent xmlns:mc="http://schemas.openxmlformats.org/markup-compatibility/2006" xmlns:a14="http://schemas.microsoft.com/office/drawing/2010/main">
+        <mc:Choice Requires="a14">
           <p:sp>
             <p:nvSpPr>
               <p:cNvPr id="15" name="テキスト ボックス 14"/>
@@ -8340,7 +12431,7 @@
             </p:txBody>
           </p:sp>
         </mc:Choice>
-        <mc:Fallback>
+        <mc:Fallback xmlns="">
           <p:sp>
             <p:nvSpPr>
               <p:cNvPr id="15" name="テキスト ボックス 14"/>
@@ -9004,52 +13095,6 @@
           </p:sp>
         </mc:Fallback>
       </mc:AlternateContent>
-      <p:sp>
-        <p:nvSpPr>
-          <p:cNvPr id="9" name="テキスト ボックス 8"/>
-          <p:cNvSpPr txBox="1"/>
-          <p:nvPr/>
-        </p:nvSpPr>
-        <p:spPr>
-          <a:xfrm>
-            <a:off x="5216387" y="5615693"/>
-            <a:ext cx="7242313" cy="830997"/>
-          </a:xfrm>
-          <a:prstGeom prst="rect">
-            <a:avLst/>
-          </a:prstGeom>
-          <a:noFill/>
-        </p:spPr>
-        <p:txBody>
-          <a:bodyPr wrap="square" rtlCol="0">
-            <a:spAutoFit/>
-          </a:bodyPr>
-          <a:lstStyle/>
-          <a:p>
-            <a:pPr marL="342900" indent="-342900">
-              <a:buFont typeface="Arial" panose="020B0604020202020204" pitchFamily="34" charset="0"/>
-              <a:buChar char="•"/>
-            </a:pPr>
-            <a:r>
-              <a:rPr lang="en-US" altLang="ja-JP" sz="2400"/>
-              <a:t>Introducing </a:t>
-            </a:r>
-            <a:r>
-              <a:rPr lang="en-US" altLang="ja-JP" sz="2400">
-                <a:solidFill>
-                  <a:srgbClr val="FF0000"/>
-                </a:solidFill>
-              </a:rPr>
-              <a:t>self-scattering</a:t>
-            </a:r>
-            <a:r>
-              <a:rPr lang="en-US" altLang="ja-JP" sz="2400"/>
-              <a:t>, the total scattering probability is constant.</a:t>
-            </a:r>
-            <a:endParaRPr kumimoji="1" lang="ja-JP" altLang="en-US" sz="2400"/>
-          </a:p>
-        </p:txBody>
-      </p:sp>
       <p:sp>
         <p:nvSpPr>
           <p:cNvPr id="14" name="フリーフォーム 13"/>

--- a/presentation/kubo_20231129.pptx
+++ b/presentation/kubo_20231129.pptx
@@ -5,7 +5,7 @@
     <p:sldMasterId id="2147483648" r:id="rId1"/>
   </p:sldMasterIdLst>
   <p:notesMasterIdLst>
-    <p:notesMasterId r:id="rId15"/>
+    <p:notesMasterId r:id="rId16"/>
   </p:notesMasterIdLst>
   <p:sldIdLst>
     <p:sldId id="256" r:id="rId2"/>
@@ -18,9 +18,10 @@
     <p:sldId id="262" r:id="rId9"/>
     <p:sldId id="265" r:id="rId10"/>
     <p:sldId id="266" r:id="rId11"/>
-    <p:sldId id="269" r:id="rId12"/>
-    <p:sldId id="263" r:id="rId13"/>
-    <p:sldId id="268" r:id="rId14"/>
+    <p:sldId id="270" r:id="rId12"/>
+    <p:sldId id="269" r:id="rId13"/>
+    <p:sldId id="263" r:id="rId14"/>
+    <p:sldId id="268" r:id="rId15"/>
   </p:sldIdLst>
   <p:sldSz cx="12192000" cy="6858000"/>
   <p:notesSz cx="6858000" cy="9144000"/>
@@ -209,7 +210,7 @@
           <a:p>
             <a:fld id="{0128771A-185F-4A7E-885F-A6EE97E33B7C}" type="datetimeFigureOut">
               <a:rPr kumimoji="1" lang="ja-JP" altLang="en-US" smtClean="0"/>
-              <a:t>2023/11/27</a:t>
+              <a:t>2023/11/28</a:t>
             </a:fld>
             <a:endParaRPr kumimoji="1" lang="ja-JP" altLang="en-US"/>
           </a:p>
@@ -646,7 +647,7 @@
           <a:p>
             <a:fld id="{6ABE8D4E-7258-417A-B6F3-8EBF468068A5}" type="datetime1">
               <a:rPr lang="ja-JP" altLang="en-US" smtClean="0"/>
-              <a:t>2023/11/27</a:t>
+              <a:t>2023/11/28</a:t>
             </a:fld>
             <a:endParaRPr lang="ja-JP" altLang="en-US"/>
           </a:p>
@@ -856,7 +857,7 @@
           <a:p>
             <a:fld id="{5F54CE4B-3796-4BF5-BB55-BBEBFEF50CBB}" type="datetime1">
               <a:rPr kumimoji="1" lang="ja-JP" altLang="en-US" smtClean="0"/>
-              <a:t>2023/11/27</a:t>
+              <a:t>2023/11/28</a:t>
             </a:fld>
             <a:endParaRPr kumimoji="1" lang="ja-JP" altLang="en-US"/>
           </a:p>
@@ -1066,7 +1067,7 @@
           <a:p>
             <a:fld id="{67F2E5A7-8044-4762-8DA2-4DFDDEB196F2}" type="datetime1">
               <a:rPr kumimoji="1" lang="ja-JP" altLang="en-US" smtClean="0"/>
-              <a:t>2023/11/27</a:t>
+              <a:t>2023/11/28</a:t>
             </a:fld>
             <a:endParaRPr kumimoji="1" lang="ja-JP" altLang="en-US"/>
           </a:p>
@@ -1266,7 +1267,7 @@
           <a:p>
             <a:fld id="{3EE0AC0E-A657-4687-8521-6B37CBE60475}" type="datetime1">
               <a:rPr kumimoji="1" lang="ja-JP" altLang="en-US" smtClean="0"/>
-              <a:t>2023/11/27</a:t>
+              <a:t>2023/11/28</a:t>
             </a:fld>
             <a:endParaRPr kumimoji="1" lang="ja-JP" altLang="en-US"/>
           </a:p>
@@ -1511,7 +1512,7 @@
           <a:p>
             <a:fld id="{FDDDE4F0-8190-451D-B106-3291633B3B9E}" type="datetime1">
               <a:rPr kumimoji="1" lang="ja-JP" altLang="en-US" smtClean="0"/>
-              <a:t>2023/11/27</a:t>
+              <a:t>2023/11/28</a:t>
             </a:fld>
             <a:endParaRPr kumimoji="1" lang="ja-JP" altLang="en-US"/>
           </a:p>
@@ -1804,7 +1805,7 @@
           <a:p>
             <a:fld id="{633E7E3A-4F32-4D59-A392-1389FEFFFB4E}" type="datetime1">
               <a:rPr kumimoji="1" lang="ja-JP" altLang="en-US" smtClean="0"/>
-              <a:t>2023/11/27</a:t>
+              <a:t>2023/11/28</a:t>
             </a:fld>
             <a:endParaRPr kumimoji="1" lang="ja-JP" altLang="en-US"/>
           </a:p>
@@ -2232,7 +2233,7 @@
           <a:p>
             <a:fld id="{1F4C4689-CC93-4812-8E85-C3F2C70F1C07}" type="datetime1">
               <a:rPr kumimoji="1" lang="ja-JP" altLang="en-US" smtClean="0"/>
-              <a:t>2023/11/27</a:t>
+              <a:t>2023/11/28</a:t>
             </a:fld>
             <a:endParaRPr kumimoji="1" lang="ja-JP" altLang="en-US"/>
           </a:p>
@@ -2349,7 +2350,7 @@
           <a:p>
             <a:fld id="{EE594700-5266-4887-89B0-A48040681036}" type="datetime1">
               <a:rPr kumimoji="1" lang="ja-JP" altLang="en-US" smtClean="0"/>
-              <a:t>2023/11/27</a:t>
+              <a:t>2023/11/28</a:t>
             </a:fld>
             <a:endParaRPr kumimoji="1" lang="ja-JP" altLang="en-US"/>
           </a:p>
@@ -2444,7 +2445,7 @@
           <a:p>
             <a:fld id="{DC592BC9-C83A-4375-ABB2-552FE00592CD}" type="datetime1">
               <a:rPr kumimoji="1" lang="ja-JP" altLang="en-US" smtClean="0"/>
-              <a:t>2023/11/27</a:t>
+              <a:t>2023/11/28</a:t>
             </a:fld>
             <a:endParaRPr kumimoji="1" lang="ja-JP" altLang="en-US"/>
           </a:p>
@@ -2751,7 +2752,7 @@
           <a:p>
             <a:fld id="{9D0A598B-3145-4C47-B0CB-C3AB5EF92870}" type="datetime1">
               <a:rPr kumimoji="1" lang="ja-JP" altLang="en-US" smtClean="0"/>
-              <a:t>2023/11/27</a:t>
+              <a:t>2023/11/28</a:t>
             </a:fld>
             <a:endParaRPr kumimoji="1" lang="ja-JP" altLang="en-US"/>
           </a:p>
@@ -3003,7 +3004,7 @@
           <a:p>
             <a:fld id="{AEA00F4C-F03E-45B0-95F1-52FEE227CF33}" type="datetime1">
               <a:rPr kumimoji="1" lang="ja-JP" altLang="en-US" smtClean="0"/>
-              <a:t>2023/11/27</a:t>
+              <a:t>2023/11/28</a:t>
             </a:fld>
             <a:endParaRPr kumimoji="1" lang="ja-JP" altLang="en-US"/>
           </a:p>
@@ -3246,7 +3247,7 @@
           <a:p>
             <a:fld id="{C633444E-248D-4B74-875A-DE7E1D139756}" type="datetime1">
               <a:rPr kumimoji="1" lang="ja-JP" altLang="en-US" smtClean="0"/>
-              <a:t>2023/11/27</a:t>
+              <a:t>2023/11/28</a:t>
             </a:fld>
             <a:endParaRPr kumimoji="1" lang="ja-JP" altLang="en-US"/>
           </a:p>
@@ -3857,7 +3858,7 @@
         </p:nvSpPr>
         <p:spPr>
           <a:xfrm>
-            <a:off x="72887" y="0"/>
+            <a:off x="72887" y="9625"/>
             <a:ext cx="10515600" cy="1325563"/>
           </a:xfrm>
         </p:spPr>
@@ -3867,12 +3868,740 @@
           <a:p>
             <a:r>
               <a:rPr lang="en-US" altLang="ja-JP" dirty="0"/>
-              <a:t>Phonon scattering : Consideration</a:t>
+              <a:t>Phonon scattering </a:t>
+            </a:r>
+            <a:r>
+              <a:rPr lang="en-US" altLang="ja-JP"/>
+              <a:t>: </a:t>
+            </a:r>
+            <a:r>
+              <a:rPr lang="en-US" altLang="ja-JP" smtClean="0"/>
+              <a:t>Discover</a:t>
             </a:r>
             <a:endParaRPr kumimoji="1" lang="ja-JP" altLang="en-US" dirty="0"/>
           </a:p>
         </p:txBody>
       </p:sp>
+      <p:pic>
+        <p:nvPicPr>
+          <p:cNvPr id="2" name="図 1"/>
+          <p:cNvPicPr>
+            <a:picLocks noChangeAspect="1"/>
+          </p:cNvPicPr>
+          <p:nvPr/>
+        </p:nvPicPr>
+        <p:blipFill rotWithShape="1">
+          <a:blip r:embed="rId2">
+            <a:extLst>
+              <a:ext uri="{28A0092B-C50C-407E-A947-70E740481C1C}">
+                <a14:useLocalDpi xmlns:a14="http://schemas.microsoft.com/office/drawing/2010/main" val="0"/>
+              </a:ext>
+            </a:extLst>
+          </a:blip>
+          <a:srcRect l="52234"/>
+          <a:stretch/>
+        </p:blipFill>
+        <p:spPr>
+          <a:xfrm>
+            <a:off x="327991" y="2736726"/>
+            <a:ext cx="3806687" cy="3984749"/>
+          </a:xfrm>
+          <a:prstGeom prst="rect">
+            <a:avLst/>
+          </a:prstGeom>
+        </p:spPr>
+      </p:pic>
+      <p:pic>
+        <p:nvPicPr>
+          <p:cNvPr id="3" name="図 2"/>
+          <p:cNvPicPr>
+            <a:picLocks noChangeAspect="1"/>
+          </p:cNvPicPr>
+          <p:nvPr/>
+        </p:nvPicPr>
+        <p:blipFill rotWithShape="1">
+          <a:blip r:embed="rId3">
+            <a:extLst>
+              <a:ext uri="{28A0092B-C50C-407E-A947-70E740481C1C}">
+                <a14:useLocalDpi xmlns:a14="http://schemas.microsoft.com/office/drawing/2010/main" val="0"/>
+              </a:ext>
+            </a:extLst>
+          </a:blip>
+          <a:srcRect l="50226"/>
+          <a:stretch/>
+        </p:blipFill>
+        <p:spPr>
+          <a:xfrm>
+            <a:off x="4134678" y="2736726"/>
+            <a:ext cx="4065105" cy="3981510"/>
+          </a:xfrm>
+          <a:prstGeom prst="rect">
+            <a:avLst/>
+          </a:prstGeom>
+        </p:spPr>
+      </p:pic>
+      <p:pic>
+        <p:nvPicPr>
+          <p:cNvPr id="7" name="図 6"/>
+          <p:cNvPicPr>
+            <a:picLocks noChangeAspect="1"/>
+          </p:cNvPicPr>
+          <p:nvPr/>
+        </p:nvPicPr>
+        <p:blipFill rotWithShape="1">
+          <a:blip r:embed="rId4">
+            <a:extLst>
+              <a:ext uri="{28A0092B-C50C-407E-A947-70E740481C1C}">
+                <a14:useLocalDpi xmlns:a14="http://schemas.microsoft.com/office/drawing/2010/main" val="0"/>
+              </a:ext>
+            </a:extLst>
+          </a:blip>
+          <a:srcRect l="51962"/>
+          <a:stretch/>
+        </p:blipFill>
+        <p:spPr>
+          <a:xfrm>
+            <a:off x="8199783" y="2749129"/>
+            <a:ext cx="3813315" cy="3969107"/>
+          </a:xfrm>
+          <a:prstGeom prst="rect">
+            <a:avLst/>
+          </a:prstGeom>
+        </p:spPr>
+      </p:pic>
+      <p:cxnSp>
+        <p:nvCxnSpPr>
+          <p:cNvPr id="9" name="直線矢印コネクタ 8"/>
+          <p:cNvCxnSpPr/>
+          <p:nvPr/>
+        </p:nvCxnSpPr>
+        <p:spPr>
+          <a:xfrm>
+            <a:off x="755374" y="5834270"/>
+            <a:ext cx="218661" cy="188843"/>
+          </a:xfrm>
+          <a:prstGeom prst="straightConnector1">
+            <a:avLst/>
+          </a:prstGeom>
+          <a:ln w="19050">
+            <a:solidFill>
+              <a:srgbClr val="FF0000"/>
+            </a:solidFill>
+            <a:tailEnd type="triangle"/>
+          </a:ln>
+        </p:spPr>
+        <p:style>
+          <a:lnRef idx="1">
+            <a:schemeClr val="accent1"/>
+          </a:lnRef>
+          <a:fillRef idx="0">
+            <a:schemeClr val="accent1"/>
+          </a:fillRef>
+          <a:effectRef idx="0">
+            <a:schemeClr val="accent1"/>
+          </a:effectRef>
+          <a:fontRef idx="minor">
+            <a:schemeClr val="tx1"/>
+          </a:fontRef>
+        </p:style>
+      </p:cxnSp>
+      <p:cxnSp>
+        <p:nvCxnSpPr>
+          <p:cNvPr id="11" name="直線矢印コネクタ 10"/>
+          <p:cNvCxnSpPr/>
+          <p:nvPr/>
+        </p:nvCxnSpPr>
+        <p:spPr>
+          <a:xfrm>
+            <a:off x="4780722" y="5486157"/>
+            <a:ext cx="699924" cy="442534"/>
+          </a:xfrm>
+          <a:prstGeom prst="straightConnector1">
+            <a:avLst/>
+          </a:prstGeom>
+          <a:ln w="19050">
+            <a:solidFill>
+              <a:srgbClr val="FF0000"/>
+            </a:solidFill>
+            <a:tailEnd type="triangle"/>
+          </a:ln>
+        </p:spPr>
+        <p:style>
+          <a:lnRef idx="1">
+            <a:schemeClr val="accent1"/>
+          </a:lnRef>
+          <a:fillRef idx="0">
+            <a:schemeClr val="accent1"/>
+          </a:fillRef>
+          <a:effectRef idx="0">
+            <a:schemeClr val="accent1"/>
+          </a:effectRef>
+          <a:fontRef idx="minor">
+            <a:schemeClr val="tx1"/>
+          </a:fontRef>
+        </p:style>
+      </p:cxnSp>
+      <p:cxnSp>
+        <p:nvCxnSpPr>
+          <p:cNvPr id="13" name="直線矢印コネクタ 12"/>
+          <p:cNvCxnSpPr/>
+          <p:nvPr/>
+        </p:nvCxnSpPr>
+        <p:spPr>
+          <a:xfrm>
+            <a:off x="8614471" y="4396981"/>
+            <a:ext cx="1142007" cy="1437289"/>
+          </a:xfrm>
+          <a:prstGeom prst="straightConnector1">
+            <a:avLst/>
+          </a:prstGeom>
+          <a:ln w="19050">
+            <a:solidFill>
+              <a:srgbClr val="FF0000"/>
+            </a:solidFill>
+            <a:tailEnd type="triangle"/>
+          </a:ln>
+        </p:spPr>
+        <p:style>
+          <a:lnRef idx="1">
+            <a:schemeClr val="accent1"/>
+          </a:lnRef>
+          <a:fillRef idx="0">
+            <a:schemeClr val="accent1"/>
+          </a:fillRef>
+          <a:effectRef idx="0">
+            <a:schemeClr val="accent1"/>
+          </a:effectRef>
+          <a:fontRef idx="minor">
+            <a:schemeClr val="tx1"/>
+          </a:fontRef>
+        </p:style>
+      </p:cxnSp>
+      <mc:AlternateContent xmlns:mc="http://schemas.openxmlformats.org/markup-compatibility/2006">
+        <mc:Choice xmlns:a14="http://schemas.microsoft.com/office/drawing/2010/main" Requires="a14">
+          <p:sp>
+            <p:nvSpPr>
+              <p:cNvPr id="15" name="テキスト ボックス 14"/>
+              <p:cNvSpPr txBox="1"/>
+              <p:nvPr/>
+            </p:nvSpPr>
+            <p:spPr>
+              <a:xfrm>
+                <a:off x="1134621" y="3628724"/>
+                <a:ext cx="1864421" cy="369332"/>
+              </a:xfrm>
+              <a:prstGeom prst="rect">
+                <a:avLst/>
+              </a:prstGeom>
+              <a:noFill/>
+            </p:spPr>
+            <p:txBody>
+              <a:bodyPr wrap="none" lIns="0" tIns="0" rIns="0" bIns="0" rtlCol="0">
+                <a:spAutoFit/>
+              </a:bodyPr>
+              <a:lstStyle/>
+              <a:p>
+                <a14:m>
+                  <m:oMath xmlns:m="http://schemas.openxmlformats.org/officeDocument/2006/math">
+                    <m:sSub>
+                      <m:sSubPr>
+                        <m:ctrlPr>
+                          <a:rPr kumimoji="1" lang="en-US" altLang="ja-JP" sz="2400" i="1" smtClean="0">
+                            <a:latin typeface="Cambria Math" panose="02040503050406030204" pitchFamily="18" charset="0"/>
+                          </a:rPr>
+                        </m:ctrlPr>
+                      </m:sSubPr>
+                      <m:e>
+                        <m:r>
+                          <a:rPr kumimoji="1" lang="en-US" altLang="ja-JP" sz="2400" b="0" i="1" smtClean="0">
+                            <a:latin typeface="Cambria Math" panose="02040503050406030204" pitchFamily="18" charset="0"/>
+                          </a:rPr>
+                          <m:t>𝐸</m:t>
+                        </m:r>
+                      </m:e>
+                      <m:sub>
+                        <m:r>
+                          <a:rPr kumimoji="1" lang="en-US" altLang="ja-JP" sz="2400" b="0" i="1" smtClean="0">
+                            <a:latin typeface="Cambria Math" panose="02040503050406030204" pitchFamily="18" charset="0"/>
+                          </a:rPr>
+                          <m:t>𝐹</m:t>
+                        </m:r>
+                      </m:sub>
+                    </m:sSub>
+                    <m:r>
+                      <a:rPr kumimoji="1" lang="en-US" altLang="ja-JP" sz="2400" b="0" i="1" smtClean="0">
+                        <a:latin typeface="Cambria Math" panose="02040503050406030204" pitchFamily="18" charset="0"/>
+                      </a:rPr>
+                      <m:t>=10</m:t>
+                    </m:r>
+                  </m:oMath>
+                </a14:m>
+                <a:r>
+                  <a:rPr kumimoji="1" lang="en-US" altLang="ja-JP" sz="2400" smtClean="0"/>
+                  <a:t> meV</a:t>
+                </a:r>
+                <a:endParaRPr kumimoji="1" lang="ja-JP" altLang="en-US" sz="2400"/>
+              </a:p>
+            </p:txBody>
+          </p:sp>
+        </mc:Choice>
+        <mc:Fallback>
+          <p:sp>
+            <p:nvSpPr>
+              <p:cNvPr id="15" name="テキスト ボックス 14"/>
+              <p:cNvSpPr txBox="1">
+                <a:spLocks noRot="1" noChangeAspect="1" noMove="1" noResize="1" noEditPoints="1" noAdjustHandles="1" noChangeArrowheads="1" noChangeShapeType="1" noTextEdit="1"/>
+              </p:cNvSpPr>
+              <p:nvPr/>
+            </p:nvSpPr>
+            <p:spPr>
+              <a:xfrm>
+                <a:off x="1134621" y="3628724"/>
+                <a:ext cx="1864421" cy="369332"/>
+              </a:xfrm>
+              <a:prstGeom prst="rect">
+                <a:avLst/>
+              </a:prstGeom>
+              <a:blipFill>
+                <a:blip r:embed="rId5"/>
+                <a:stretch>
+                  <a:fillRect l="-5556" t="-21311" r="-9150" b="-52459"/>
+                </a:stretch>
+              </a:blipFill>
+            </p:spPr>
+            <p:txBody>
+              <a:bodyPr/>
+              <a:lstStyle/>
+              <a:p>
+                <a:r>
+                  <a:rPr lang="ja-JP" altLang="en-US">
+                    <a:noFill/>
+                  </a:rPr>
+                  <a:t> </a:t>
+                </a:r>
+              </a:p>
+            </p:txBody>
+          </p:sp>
+        </mc:Fallback>
+      </mc:AlternateContent>
+      <mc:AlternateContent xmlns:mc="http://schemas.openxmlformats.org/markup-compatibility/2006">
+        <mc:Choice xmlns:a14="http://schemas.microsoft.com/office/drawing/2010/main" Requires="a14">
+          <p:sp>
+            <p:nvSpPr>
+              <p:cNvPr id="16" name="正方形/長方形 15"/>
+              <p:cNvSpPr/>
+              <p:nvPr/>
+            </p:nvSpPr>
+            <p:spPr>
+              <a:xfrm>
+                <a:off x="5015060" y="3606855"/>
+                <a:ext cx="2049087" cy="461665"/>
+              </a:xfrm>
+              <a:prstGeom prst="rect">
+                <a:avLst/>
+              </a:prstGeom>
+            </p:spPr>
+            <p:txBody>
+              <a:bodyPr wrap="none">
+                <a:spAutoFit/>
+              </a:bodyPr>
+              <a:lstStyle/>
+              <a:p>
+                <a14:m>
+                  <m:oMath xmlns:m="http://schemas.openxmlformats.org/officeDocument/2006/math">
+                    <m:sSub>
+                      <m:sSubPr>
+                        <m:ctrlPr>
+                          <a:rPr lang="en-US" altLang="ja-JP" sz="2400" i="1" smtClean="0">
+                            <a:latin typeface="Cambria Math" panose="02040503050406030204" pitchFamily="18" charset="0"/>
+                          </a:rPr>
+                        </m:ctrlPr>
+                      </m:sSubPr>
+                      <m:e>
+                        <m:r>
+                          <a:rPr lang="en-US" altLang="ja-JP" sz="2400" i="1">
+                            <a:latin typeface="Cambria Math" panose="02040503050406030204" pitchFamily="18" charset="0"/>
+                          </a:rPr>
+                          <m:t>𝐸</m:t>
+                        </m:r>
+                      </m:e>
+                      <m:sub>
+                        <m:r>
+                          <a:rPr lang="en-US" altLang="ja-JP" sz="2400" i="1">
+                            <a:latin typeface="Cambria Math" panose="02040503050406030204" pitchFamily="18" charset="0"/>
+                          </a:rPr>
+                          <m:t>𝐹</m:t>
+                        </m:r>
+                      </m:sub>
+                    </m:sSub>
+                    <m:r>
+                      <a:rPr lang="en-US" altLang="ja-JP" sz="2400" i="1">
+                        <a:latin typeface="Cambria Math" panose="02040503050406030204" pitchFamily="18" charset="0"/>
+                      </a:rPr>
+                      <m:t>=</m:t>
+                    </m:r>
+                    <m:r>
+                      <a:rPr lang="en-US" altLang="ja-JP" sz="2400" b="0" i="1" smtClean="0">
+                        <a:latin typeface="Cambria Math" panose="02040503050406030204" pitchFamily="18" charset="0"/>
+                      </a:rPr>
+                      <m:t>2</m:t>
+                    </m:r>
+                    <m:r>
+                      <a:rPr lang="en-US" altLang="ja-JP" sz="2400" i="1">
+                        <a:latin typeface="Cambria Math" panose="02040503050406030204" pitchFamily="18" charset="0"/>
+                      </a:rPr>
+                      <m:t>0</m:t>
+                    </m:r>
+                  </m:oMath>
+                </a14:m>
+                <a:r>
+                  <a:rPr lang="en-US" altLang="ja-JP" sz="2400"/>
+                  <a:t> meV</a:t>
+                </a:r>
+                <a:endParaRPr lang="ja-JP" altLang="en-US" sz="2400"/>
+              </a:p>
+            </p:txBody>
+          </p:sp>
+        </mc:Choice>
+        <mc:Fallback>
+          <p:sp>
+            <p:nvSpPr>
+              <p:cNvPr id="16" name="正方形/長方形 15"/>
+              <p:cNvSpPr>
+                <a:spLocks noRot="1" noChangeAspect="1" noMove="1" noResize="1" noEditPoints="1" noAdjustHandles="1" noChangeArrowheads="1" noChangeShapeType="1" noTextEdit="1"/>
+              </p:cNvSpPr>
+              <p:nvPr/>
+            </p:nvSpPr>
+            <p:spPr>
+              <a:xfrm>
+                <a:off x="5015060" y="3606855"/>
+                <a:ext cx="2049087" cy="461665"/>
+              </a:xfrm>
+              <a:prstGeom prst="rect">
+                <a:avLst/>
+              </a:prstGeom>
+              <a:blipFill>
+                <a:blip r:embed="rId6"/>
+                <a:stretch>
+                  <a:fillRect l="-893" t="-8000" r="-3571" b="-33333"/>
+                </a:stretch>
+              </a:blipFill>
+            </p:spPr>
+            <p:txBody>
+              <a:bodyPr/>
+              <a:lstStyle/>
+              <a:p>
+                <a:r>
+                  <a:rPr lang="ja-JP" altLang="en-US">
+                    <a:noFill/>
+                  </a:rPr>
+                  <a:t> </a:t>
+                </a:r>
+              </a:p>
+            </p:txBody>
+          </p:sp>
+        </mc:Fallback>
+      </mc:AlternateContent>
+      <mc:AlternateContent xmlns:mc="http://schemas.openxmlformats.org/markup-compatibility/2006">
+        <mc:Choice xmlns:a14="http://schemas.microsoft.com/office/drawing/2010/main" Requires="a14">
+          <p:sp>
+            <p:nvSpPr>
+              <p:cNvPr id="17" name="正方形/長方形 16"/>
+              <p:cNvSpPr/>
+              <p:nvPr/>
+            </p:nvSpPr>
+            <p:spPr>
+              <a:xfrm>
+                <a:off x="8731934" y="3454366"/>
+                <a:ext cx="2049087" cy="461665"/>
+              </a:xfrm>
+              <a:prstGeom prst="rect">
+                <a:avLst/>
+              </a:prstGeom>
+            </p:spPr>
+            <p:txBody>
+              <a:bodyPr wrap="none">
+                <a:spAutoFit/>
+              </a:bodyPr>
+              <a:lstStyle/>
+              <a:p>
+                <a14:m>
+                  <m:oMath xmlns:m="http://schemas.openxmlformats.org/officeDocument/2006/math">
+                    <m:sSub>
+                      <m:sSubPr>
+                        <m:ctrlPr>
+                          <a:rPr lang="en-US" altLang="ja-JP" sz="2400" i="1" smtClean="0">
+                            <a:latin typeface="Cambria Math" panose="02040503050406030204" pitchFamily="18" charset="0"/>
+                          </a:rPr>
+                        </m:ctrlPr>
+                      </m:sSubPr>
+                      <m:e>
+                        <m:r>
+                          <a:rPr lang="en-US" altLang="ja-JP" sz="2400" i="1">
+                            <a:latin typeface="Cambria Math" panose="02040503050406030204" pitchFamily="18" charset="0"/>
+                          </a:rPr>
+                          <m:t>𝐸</m:t>
+                        </m:r>
+                      </m:e>
+                      <m:sub>
+                        <m:r>
+                          <a:rPr lang="en-US" altLang="ja-JP" sz="2400" i="1">
+                            <a:latin typeface="Cambria Math" panose="02040503050406030204" pitchFamily="18" charset="0"/>
+                          </a:rPr>
+                          <m:t>𝐹</m:t>
+                        </m:r>
+                      </m:sub>
+                    </m:sSub>
+                    <m:r>
+                      <a:rPr lang="en-US" altLang="ja-JP" sz="2400" i="1">
+                        <a:latin typeface="Cambria Math" panose="02040503050406030204" pitchFamily="18" charset="0"/>
+                      </a:rPr>
+                      <m:t>=</m:t>
+                    </m:r>
+                    <m:r>
+                      <a:rPr lang="en-US" altLang="ja-JP" sz="2400" b="0" i="1" smtClean="0">
+                        <a:latin typeface="Cambria Math" panose="02040503050406030204" pitchFamily="18" charset="0"/>
+                      </a:rPr>
+                      <m:t>3</m:t>
+                    </m:r>
+                    <m:r>
+                      <a:rPr lang="en-US" altLang="ja-JP" sz="2400" i="1">
+                        <a:latin typeface="Cambria Math" panose="02040503050406030204" pitchFamily="18" charset="0"/>
+                      </a:rPr>
+                      <m:t>0</m:t>
+                    </m:r>
+                  </m:oMath>
+                </a14:m>
+                <a:r>
+                  <a:rPr lang="en-US" altLang="ja-JP" sz="2400"/>
+                  <a:t> meV</a:t>
+                </a:r>
+                <a:endParaRPr lang="ja-JP" altLang="en-US" sz="2400"/>
+              </a:p>
+            </p:txBody>
+          </p:sp>
+        </mc:Choice>
+        <mc:Fallback>
+          <p:sp>
+            <p:nvSpPr>
+              <p:cNvPr id="17" name="正方形/長方形 16"/>
+              <p:cNvSpPr>
+                <a:spLocks noRot="1" noChangeAspect="1" noMove="1" noResize="1" noEditPoints="1" noAdjustHandles="1" noChangeArrowheads="1" noChangeShapeType="1" noTextEdit="1"/>
+              </p:cNvSpPr>
+              <p:nvPr/>
+            </p:nvSpPr>
+            <p:spPr>
+              <a:xfrm>
+                <a:off x="8731934" y="3454366"/>
+                <a:ext cx="2049087" cy="461665"/>
+              </a:xfrm>
+              <a:prstGeom prst="rect">
+                <a:avLst/>
+              </a:prstGeom>
+              <a:blipFill>
+                <a:blip r:embed="rId7"/>
+                <a:stretch>
+                  <a:fillRect l="-593" t="-8000" r="-3561" b="-33333"/>
+                </a:stretch>
+              </a:blipFill>
+            </p:spPr>
+            <p:txBody>
+              <a:bodyPr/>
+              <a:lstStyle/>
+              <a:p>
+                <a:r>
+                  <a:rPr lang="ja-JP" altLang="en-US">
+                    <a:noFill/>
+                  </a:rPr>
+                  <a:t> </a:t>
+                </a:r>
+              </a:p>
+            </p:txBody>
+          </p:sp>
+        </mc:Fallback>
+      </mc:AlternateContent>
+      <mc:AlternateContent xmlns:mc="http://schemas.openxmlformats.org/markup-compatibility/2006">
+        <mc:Choice xmlns:a14="http://schemas.microsoft.com/office/drawing/2010/main" Requires="a14">
+          <p:sp>
+            <p:nvSpPr>
+              <p:cNvPr id="18" name="テキスト ボックス 17"/>
+              <p:cNvSpPr txBox="1"/>
+              <p:nvPr/>
+            </p:nvSpPr>
+            <p:spPr>
+              <a:xfrm>
+                <a:off x="408071" y="1697020"/>
+                <a:ext cx="11356605" cy="830997"/>
+              </a:xfrm>
+              <a:prstGeom prst="rect">
+                <a:avLst/>
+              </a:prstGeom>
+              <a:noFill/>
+            </p:spPr>
+            <p:txBody>
+              <a:bodyPr wrap="square" rtlCol="0">
+                <a:spAutoFit/>
+              </a:bodyPr>
+              <a:lstStyle/>
+              <a:p>
+                <a:pPr marL="285750" indent="-285750">
+                  <a:buFont typeface="Arial" panose="020B0604020202020204" pitchFamily="34" charset="0"/>
+                  <a:buChar char="•"/>
+                </a:pPr>
+                <a:r>
+                  <a:rPr lang="en-US" altLang="ja-JP" sz="2400" smtClean="0"/>
+                  <a:t>A slight decrease </a:t>
+                </a:r>
+                <a:r>
+                  <a:rPr lang="en-US" altLang="ja-JP" sz="2400"/>
+                  <a:t>in </a:t>
+                </a:r>
+                <a:r>
+                  <a:rPr lang="en-US" altLang="ja-JP" sz="2400" smtClean="0"/>
+                  <a:t>mean </a:t>
+                </a:r>
+                <a:r>
+                  <a:rPr lang="en-US" altLang="ja-JP" sz="2400"/>
+                  <a:t>energy is observed for a short period of time </a:t>
+                </a:r>
+                <a:r>
+                  <a:rPr lang="en-US" altLang="ja-JP" sz="2400"/>
+                  <a:t>after </a:t>
+                </a:r>
+                <a:r>
+                  <a:rPr lang="en-US" altLang="ja-JP" sz="2400" smtClean="0"/>
+                  <a:t>start-up (seems about </a:t>
+                </a:r>
+                <a14:m>
+                  <m:oMath xmlns:m="http://schemas.openxmlformats.org/officeDocument/2006/math">
+                    <m:r>
+                      <a:rPr lang="en-US" altLang="ja-JP" sz="2400" b="0" i="1" smtClean="0">
+                        <a:latin typeface="Cambria Math" panose="02040503050406030204" pitchFamily="18" charset="0"/>
+                      </a:rPr>
+                      <m:t>0.4</m:t>
+                    </m:r>
+                  </m:oMath>
+                </a14:m>
+                <a:r>
+                  <a:rPr lang="en-US" altLang="ja-JP" sz="2400" smtClean="0"/>
+                  <a:t> ps)</a:t>
+                </a:r>
+                <a:endParaRPr kumimoji="1" lang="ja-JP" altLang="en-US" sz="2400"/>
+              </a:p>
+            </p:txBody>
+          </p:sp>
+        </mc:Choice>
+        <mc:Fallback>
+          <p:sp>
+            <p:nvSpPr>
+              <p:cNvPr id="18" name="テキスト ボックス 17"/>
+              <p:cNvSpPr txBox="1">
+                <a:spLocks noRot="1" noChangeAspect="1" noMove="1" noResize="1" noEditPoints="1" noAdjustHandles="1" noChangeArrowheads="1" noChangeShapeType="1" noTextEdit="1"/>
+              </p:cNvSpPr>
+              <p:nvPr/>
+            </p:nvSpPr>
+            <p:spPr>
+              <a:xfrm>
+                <a:off x="408071" y="1697020"/>
+                <a:ext cx="11356605" cy="830997"/>
+              </a:xfrm>
+              <a:prstGeom prst="rect">
+                <a:avLst/>
+              </a:prstGeom>
+              <a:blipFill>
+                <a:blip r:embed="rId8"/>
+                <a:stretch>
+                  <a:fillRect l="-751" t="-7299" b="-16788"/>
+                </a:stretch>
+              </a:blipFill>
+            </p:spPr>
+            <p:txBody>
+              <a:bodyPr/>
+              <a:lstStyle/>
+              <a:p>
+                <a:r>
+                  <a:rPr lang="ja-JP" altLang="en-US">
+                    <a:noFill/>
+                  </a:rPr>
+                  <a:t> </a:t>
+                </a:r>
+              </a:p>
+            </p:txBody>
+          </p:sp>
+        </mc:Fallback>
+      </mc:AlternateContent>
+      <p:cxnSp>
+        <p:nvCxnSpPr>
+          <p:cNvPr id="20" name="直線矢印コネクタ 19"/>
+          <p:cNvCxnSpPr/>
+          <p:nvPr/>
+        </p:nvCxnSpPr>
+        <p:spPr>
+          <a:xfrm>
+            <a:off x="999791" y="5990121"/>
+            <a:ext cx="803253" cy="7592"/>
+          </a:xfrm>
+          <a:prstGeom prst="straightConnector1">
+            <a:avLst/>
+          </a:prstGeom>
+          <a:ln w="9525">
+            <a:solidFill>
+              <a:srgbClr val="C00000"/>
+            </a:solidFill>
+            <a:tailEnd type="triangle"/>
+          </a:ln>
+        </p:spPr>
+        <p:style>
+          <a:lnRef idx="1">
+            <a:schemeClr val="accent1"/>
+          </a:lnRef>
+          <a:fillRef idx="0">
+            <a:schemeClr val="accent1"/>
+          </a:fillRef>
+          <a:effectRef idx="0">
+            <a:schemeClr val="accent1"/>
+          </a:effectRef>
+          <a:fontRef idx="minor">
+            <a:schemeClr val="tx1"/>
+          </a:fontRef>
+        </p:style>
+      </p:cxnSp>
+      <p:cxnSp>
+        <p:nvCxnSpPr>
+          <p:cNvPr id="22" name="直線矢印コネクタ 21"/>
+          <p:cNvCxnSpPr/>
+          <p:nvPr/>
+        </p:nvCxnSpPr>
+        <p:spPr>
+          <a:xfrm>
+            <a:off x="5535250" y="5921099"/>
+            <a:ext cx="504353" cy="7592"/>
+          </a:xfrm>
+          <a:prstGeom prst="straightConnector1">
+            <a:avLst/>
+          </a:prstGeom>
+          <a:ln w="9525">
+            <a:solidFill>
+              <a:srgbClr val="C00000"/>
+            </a:solidFill>
+            <a:tailEnd type="triangle"/>
+          </a:ln>
+        </p:spPr>
+        <p:style>
+          <a:lnRef idx="1">
+            <a:schemeClr val="accent1"/>
+          </a:lnRef>
+          <a:fillRef idx="0">
+            <a:schemeClr val="accent1"/>
+          </a:fillRef>
+          <a:effectRef idx="0">
+            <a:schemeClr val="accent1"/>
+          </a:effectRef>
+          <a:fontRef idx="minor">
+            <a:schemeClr val="tx1"/>
+          </a:fontRef>
+        </p:style>
+      </p:cxnSp>
     </p:spTree>
     <p:extLst>
       <p:ext uri="{BB962C8B-B14F-4D97-AF65-F5344CB8AC3E}">
@@ -3887,6 +4616,803 @@
 </file>
 
 <file path=ppt/slides/slide11.xml><?xml version="1.0" encoding="utf-8"?>
+<p:sld xmlns:a="http://schemas.openxmlformats.org/drawingml/2006/main" xmlns:r="http://schemas.openxmlformats.org/officeDocument/2006/relationships" xmlns:p="http://schemas.openxmlformats.org/presentationml/2006/main">
+  <p:cSld>
+    <p:spTree>
+      <p:nvGrpSpPr>
+        <p:cNvPr id="1" name=""/>
+        <p:cNvGrpSpPr/>
+        <p:nvPr/>
+      </p:nvGrpSpPr>
+      <p:grpSpPr>
+        <a:xfrm>
+          <a:off x="0" y="0"/>
+          <a:ext cx="0" cy="0"/>
+          <a:chOff x="0" y="0"/>
+          <a:chExt cx="0" cy="0"/>
+        </a:xfrm>
+      </p:grpSpPr>
+      <p:pic>
+        <p:nvPicPr>
+          <p:cNvPr id="3" name="図 2"/>
+          <p:cNvPicPr>
+            <a:picLocks noChangeAspect="1"/>
+          </p:cNvPicPr>
+          <p:nvPr/>
+        </p:nvPicPr>
+        <p:blipFill>
+          <a:blip r:embed="rId2">
+            <a:extLst>
+              <a:ext uri="{28A0092B-C50C-407E-A947-70E740481C1C}">
+                <a14:useLocalDpi xmlns:a14="http://schemas.microsoft.com/office/drawing/2010/main" val="0"/>
+              </a:ext>
+            </a:extLst>
+          </a:blip>
+          <a:stretch>
+            <a:fillRect/>
+          </a:stretch>
+        </p:blipFill>
+        <p:spPr>
+          <a:xfrm>
+            <a:off x="186083" y="959804"/>
+            <a:ext cx="5704578" cy="4278434"/>
+          </a:xfrm>
+          <a:prstGeom prst="rect">
+            <a:avLst/>
+          </a:prstGeom>
+        </p:spPr>
+      </p:pic>
+      <p:sp>
+        <p:nvSpPr>
+          <p:cNvPr id="4" name="スライド番号プレースホルダー 3"/>
+          <p:cNvSpPr>
+            <a:spLocks noGrp="1"/>
+          </p:cNvSpPr>
+          <p:nvPr>
+            <p:ph type="sldNum" sz="quarter" idx="12"/>
+          </p:nvPr>
+        </p:nvSpPr>
+        <p:spPr/>
+        <p:txBody>
+          <a:bodyPr/>
+          <a:lstStyle/>
+          <a:p>
+            <a:fld id="{7150E25F-B8C9-4ED1-8626-95CB18EC23DC}" type="slidenum">
+              <a:rPr kumimoji="1" lang="ja-JP" altLang="en-US" smtClean="0"/>
+              <a:t>11</a:t>
+            </a:fld>
+            <a:endParaRPr kumimoji="1" lang="ja-JP" altLang="en-US"/>
+          </a:p>
+        </p:txBody>
+      </p:sp>
+      <p:sp>
+        <p:nvSpPr>
+          <p:cNvPr id="5" name="正方形/長方形 4">
+            <a:extLst>
+              <a:ext uri="{FF2B5EF4-FFF2-40B4-BE49-F238E27FC236}">
+                <a16:creationId xmlns:a16="http://schemas.microsoft.com/office/drawing/2014/main" id="{E5FDB2C6-CC73-4C09-BA37-9683A766E164}"/>
+              </a:ext>
+            </a:extLst>
+          </p:cNvPr>
+          <p:cNvSpPr/>
+          <p:nvPr/>
+        </p:nvSpPr>
+        <p:spPr>
+          <a:xfrm>
+            <a:off x="-1" y="-1"/>
+            <a:ext cx="12192001" cy="1242391"/>
+          </a:xfrm>
+          <a:prstGeom prst="rect">
+            <a:avLst/>
+          </a:prstGeom>
+          <a:solidFill>
+            <a:srgbClr val="00B036">
+              <a:alpha val="72000"/>
+            </a:srgbClr>
+          </a:solidFill>
+          <a:ln>
+            <a:solidFill>
+              <a:schemeClr val="accent1">
+                <a:shade val="50000"/>
+                <a:alpha val="0"/>
+              </a:schemeClr>
+            </a:solidFill>
+          </a:ln>
+        </p:spPr>
+        <p:style>
+          <a:lnRef idx="2">
+            <a:schemeClr val="accent1">
+              <a:shade val="50000"/>
+            </a:schemeClr>
+          </a:lnRef>
+          <a:fillRef idx="1">
+            <a:schemeClr val="accent1"/>
+          </a:fillRef>
+          <a:effectRef idx="0">
+            <a:schemeClr val="accent1"/>
+          </a:effectRef>
+          <a:fontRef idx="minor">
+            <a:schemeClr val="lt1"/>
+          </a:fontRef>
+        </p:style>
+        <p:txBody>
+          <a:bodyPr rtlCol="0" anchor="ctr"/>
+          <a:lstStyle/>
+          <a:p>
+            <a:pPr algn="ctr"/>
+            <a:endParaRPr kumimoji="1" lang="ja-JP" altLang="en-US" dirty="0"/>
+          </a:p>
+        </p:txBody>
+      </p:sp>
+      <p:sp>
+        <p:nvSpPr>
+          <p:cNvPr id="6" name="タイトル 1"/>
+          <p:cNvSpPr>
+            <a:spLocks noGrp="1"/>
+          </p:cNvSpPr>
+          <p:nvPr>
+            <p:ph type="title"/>
+          </p:nvPr>
+        </p:nvSpPr>
+        <p:spPr>
+          <a:xfrm>
+            <a:off x="72887" y="0"/>
+            <a:ext cx="10515600" cy="1325563"/>
+          </a:xfrm>
+        </p:spPr>
+        <p:txBody>
+          <a:bodyPr/>
+          <a:lstStyle/>
+          <a:p>
+            <a:r>
+              <a:rPr lang="en-US" altLang="ja-JP"/>
+              <a:t>Phonon scattering </a:t>
+            </a:r>
+            <a:r>
+              <a:rPr lang="en-US" altLang="ja-JP"/>
+              <a:t>: </a:t>
+            </a:r>
+            <a:r>
+              <a:rPr lang="en-US" altLang="ja-JP" smtClean="0"/>
+              <a:t>Consideration</a:t>
+            </a:r>
+            <a:endParaRPr kumimoji="1" lang="ja-JP" altLang="en-US" dirty="0"/>
+          </a:p>
+        </p:txBody>
+      </p:sp>
+      <p:sp>
+        <p:nvSpPr>
+          <p:cNvPr id="8" name="正方形/長方形 7"/>
+          <p:cNvSpPr/>
+          <p:nvPr/>
+        </p:nvSpPr>
+        <p:spPr>
+          <a:xfrm>
+            <a:off x="779167" y="5238238"/>
+            <a:ext cx="4973605" cy="646331"/>
+          </a:xfrm>
+          <a:prstGeom prst="rect">
+            <a:avLst/>
+          </a:prstGeom>
+        </p:spPr>
+        <p:txBody>
+          <a:bodyPr wrap="square">
+            <a:spAutoFit/>
+          </a:bodyPr>
+          <a:lstStyle/>
+          <a:p>
+            <a:r>
+              <a:rPr lang="ja-JP" altLang="en-US" smtClean="0">
+                <a:latin typeface="STIX Two Text" pitchFamily="2" charset="0"/>
+              </a:rPr>
+              <a:t>Expected </a:t>
+            </a:r>
+            <a:r>
+              <a:rPr lang="ja-JP" altLang="en-US">
+                <a:latin typeface="STIX Two Text" pitchFamily="2" charset="0"/>
+              </a:rPr>
+              <a:t>value of energy gained by one electron in the Fermi-</a:t>
+            </a:r>
+            <a:r>
+              <a:rPr lang="ja-JP" altLang="en-US">
+                <a:latin typeface="STIX Two Text" pitchFamily="2" charset="0"/>
+              </a:rPr>
+              <a:t>Dirac </a:t>
+            </a:r>
+            <a:r>
+              <a:rPr lang="ja-JP" altLang="en-US" smtClean="0">
+                <a:latin typeface="STIX Two Text" pitchFamily="2" charset="0"/>
+              </a:rPr>
+              <a:t>distribution</a:t>
+            </a:r>
+            <a:endParaRPr lang="ja-JP" altLang="en-US">
+              <a:latin typeface="STIX Two Text" pitchFamily="2" charset="0"/>
+            </a:endParaRPr>
+          </a:p>
+        </p:txBody>
+      </p:sp>
+      <mc:AlternateContent xmlns:mc="http://schemas.openxmlformats.org/markup-compatibility/2006">
+        <mc:Choice xmlns:a14="http://schemas.microsoft.com/office/drawing/2010/main" Requires="a14">
+          <p:sp>
+            <p:nvSpPr>
+              <p:cNvPr id="9" name="正方形/長方形 8"/>
+              <p:cNvSpPr/>
+              <p:nvPr/>
+            </p:nvSpPr>
+            <p:spPr>
+              <a:xfrm>
+                <a:off x="5521693" y="1850261"/>
+                <a:ext cx="6670307" cy="830997"/>
+              </a:xfrm>
+              <a:prstGeom prst="rect">
+                <a:avLst/>
+              </a:prstGeom>
+            </p:spPr>
+            <p:txBody>
+              <a:bodyPr wrap="square">
+                <a:spAutoFit/>
+              </a:bodyPr>
+              <a:lstStyle/>
+              <a:p>
+                <a:pPr marL="342900" indent="-342900">
+                  <a:buFont typeface="Arial" panose="020B0604020202020204" pitchFamily="34" charset="0"/>
+                  <a:buChar char="•"/>
+                </a:pPr>
+                <a:r>
+                  <a:rPr lang="ja-JP" altLang="en-US" sz="2400" smtClean="0"/>
+                  <a:t>electrons tend to lose </a:t>
+                </a:r>
+                <a:r>
+                  <a:rPr lang="ja-JP" altLang="en-US" sz="2400"/>
+                  <a:t>energy </a:t>
+                </a:r>
+                <a:r>
+                  <a:rPr lang="en-US" altLang="ja-JP" sz="2400" smtClean="0"/>
+                  <a:t>at start-up at any </a:t>
+                </a:r>
+                <a14:m>
+                  <m:oMath xmlns:m="http://schemas.openxmlformats.org/officeDocument/2006/math">
+                    <m:sSub>
+                      <m:sSubPr>
+                        <m:ctrlPr>
+                          <a:rPr lang="en-US" altLang="ja-JP" sz="2400" i="1" smtClean="0">
+                            <a:latin typeface="Cambria Math" panose="02040503050406030204" pitchFamily="18" charset="0"/>
+                          </a:rPr>
+                        </m:ctrlPr>
+                      </m:sSubPr>
+                      <m:e>
+                        <m:r>
+                          <a:rPr lang="en-US" altLang="ja-JP" sz="2400" b="0" i="1" smtClean="0">
+                            <a:latin typeface="Cambria Math" panose="02040503050406030204" pitchFamily="18" charset="0"/>
+                          </a:rPr>
+                          <m:t>𝐸</m:t>
+                        </m:r>
+                      </m:e>
+                      <m:sub>
+                        <m:r>
+                          <a:rPr lang="en-US" altLang="ja-JP" sz="2400" b="0" i="1" smtClean="0">
+                            <a:latin typeface="Cambria Math" panose="02040503050406030204" pitchFamily="18" charset="0"/>
+                          </a:rPr>
+                          <m:t>𝐹</m:t>
+                        </m:r>
+                      </m:sub>
+                    </m:sSub>
+                  </m:oMath>
+                </a14:m>
+                <a:endParaRPr lang="ja-JP" altLang="en-US" sz="2400"/>
+              </a:p>
+            </p:txBody>
+          </p:sp>
+        </mc:Choice>
+        <mc:Fallback>
+          <p:sp>
+            <p:nvSpPr>
+              <p:cNvPr id="9" name="正方形/長方形 8"/>
+              <p:cNvSpPr>
+                <a:spLocks noRot="1" noChangeAspect="1" noMove="1" noResize="1" noEditPoints="1" noAdjustHandles="1" noChangeArrowheads="1" noChangeShapeType="1" noTextEdit="1"/>
+              </p:cNvSpPr>
+              <p:nvPr/>
+            </p:nvSpPr>
+            <p:spPr>
+              <a:xfrm>
+                <a:off x="5521693" y="1850261"/>
+                <a:ext cx="6670307" cy="830997"/>
+              </a:xfrm>
+              <a:prstGeom prst="rect">
+                <a:avLst/>
+              </a:prstGeom>
+              <a:blipFill>
+                <a:blip r:embed="rId3"/>
+                <a:stretch>
+                  <a:fillRect l="-1280" t="-7353" r="-1280" b="-17647"/>
+                </a:stretch>
+              </a:blipFill>
+            </p:spPr>
+            <p:txBody>
+              <a:bodyPr/>
+              <a:lstStyle/>
+              <a:p>
+                <a:r>
+                  <a:rPr lang="ja-JP" altLang="en-US">
+                    <a:noFill/>
+                  </a:rPr>
+                  <a:t> </a:t>
+                </a:r>
+              </a:p>
+            </p:txBody>
+          </p:sp>
+        </mc:Fallback>
+      </mc:AlternateContent>
+      <mc:AlternateContent xmlns:mc="http://schemas.openxmlformats.org/markup-compatibility/2006">
+        <mc:Choice xmlns:a14="http://schemas.microsoft.com/office/drawing/2010/main" Requires="a14">
+          <p:sp>
+            <p:nvSpPr>
+              <p:cNvPr id="10" name="テキスト ボックス 9"/>
+              <p:cNvSpPr txBox="1"/>
+              <p:nvPr/>
+            </p:nvSpPr>
+            <p:spPr>
+              <a:xfrm>
+                <a:off x="186083" y="6019018"/>
+                <a:ext cx="6215163" cy="358047"/>
+              </a:xfrm>
+              <a:prstGeom prst="rect">
+                <a:avLst/>
+              </a:prstGeom>
+              <a:noFill/>
+            </p:spPr>
+            <p:txBody>
+              <a:bodyPr wrap="none" lIns="0" tIns="0" rIns="0" bIns="0" rtlCol="0">
+                <a:spAutoFit/>
+              </a:bodyPr>
+              <a:lstStyle/>
+              <a:p>
+                <a14:m>
+                  <m:oMathPara xmlns:m="http://schemas.openxmlformats.org/officeDocument/2006/math">
+                    <m:oMathParaPr>
+                      <m:jc m:val="centerGroup"/>
+                    </m:oMathParaPr>
+                    <m:oMath xmlns:m="http://schemas.openxmlformats.org/officeDocument/2006/math">
+                      <m:sSub>
+                        <m:sSubPr>
+                          <m:ctrlPr>
+                            <a:rPr kumimoji="1" lang="en-US" altLang="ja-JP" sz="2000" i="1" smtClean="0">
+                              <a:latin typeface="Cambria Math" panose="02040503050406030204" pitchFamily="18" charset="0"/>
+                            </a:rPr>
+                          </m:ctrlPr>
+                        </m:sSubPr>
+                        <m:e>
+                          <m:r>
+                            <a:rPr kumimoji="1" lang="en-US" altLang="ja-JP" sz="2000" b="0" i="1" smtClean="0">
+                              <a:latin typeface="Cambria Math" panose="02040503050406030204" pitchFamily="18" charset="0"/>
+                            </a:rPr>
+                            <m:t>𝐸</m:t>
+                          </m:r>
+                        </m:e>
+                        <m:sub>
+                          <m:r>
+                            <a:rPr kumimoji="1" lang="en-US" altLang="ja-JP" sz="2000" b="0" i="1" smtClean="0">
+                              <a:latin typeface="Cambria Math" panose="02040503050406030204" pitchFamily="18" charset="0"/>
+                            </a:rPr>
+                            <m:t>𝑔</m:t>
+                          </m:r>
+                        </m:sub>
+                      </m:sSub>
+                      <m:r>
+                        <a:rPr kumimoji="1" lang="en-US" altLang="ja-JP" sz="2000" b="0" i="1" smtClean="0">
+                          <a:latin typeface="Cambria Math" panose="02040503050406030204" pitchFamily="18" charset="0"/>
+                        </a:rPr>
+                        <m:t>=</m:t>
+                      </m:r>
+                      <m:r>
+                        <a:rPr kumimoji="1" lang="en-US" altLang="ja-JP" sz="2000" b="0" i="1" smtClean="0">
+                          <a:latin typeface="Cambria Math" panose="02040503050406030204" pitchFamily="18" charset="0"/>
+                          <a:ea typeface="Cambria Math" panose="02040503050406030204" pitchFamily="18" charset="0"/>
+                        </a:rPr>
+                        <m:t>∆</m:t>
+                      </m:r>
+                      <m:r>
+                        <a:rPr kumimoji="1" lang="en-US" altLang="ja-JP" sz="2000" b="0" i="1" smtClean="0">
+                          <a:latin typeface="Cambria Math" panose="02040503050406030204" pitchFamily="18" charset="0"/>
+                          <a:ea typeface="Cambria Math" panose="02040503050406030204" pitchFamily="18" charset="0"/>
+                        </a:rPr>
+                        <m:t>𝑡</m:t>
+                      </m:r>
+                      <m:r>
+                        <a:rPr kumimoji="1" lang="en-US" altLang="ja-JP" sz="2000" b="0" i="1" smtClean="0">
+                          <a:latin typeface="Cambria Math" panose="02040503050406030204" pitchFamily="18" charset="0"/>
+                          <a:ea typeface="Cambria Math" panose="02040503050406030204" pitchFamily="18" charset="0"/>
+                        </a:rPr>
+                        <m:t>∙ℏ</m:t>
+                      </m:r>
+                      <m:sSub>
+                        <m:sSubPr>
+                          <m:ctrlPr>
+                            <a:rPr lang="en-US" altLang="ja-JP" sz="2000" i="1">
+                              <a:latin typeface="Cambria Math" panose="02040503050406030204" pitchFamily="18" charset="0"/>
+                              <a:ea typeface="Cambria Math" panose="02040503050406030204" pitchFamily="18" charset="0"/>
+                            </a:rPr>
+                          </m:ctrlPr>
+                        </m:sSubPr>
+                        <m:e>
+                          <m:r>
+                            <a:rPr lang="ja-JP" altLang="en-US" sz="2000" i="1">
+                              <a:latin typeface="Cambria Math" panose="02040503050406030204" pitchFamily="18" charset="0"/>
+                              <a:ea typeface="Cambria Math" panose="02040503050406030204" pitchFamily="18" charset="0"/>
+                            </a:rPr>
+                            <m:t>𝜔</m:t>
+                          </m:r>
+                        </m:e>
+                        <m:sub>
+                          <m:r>
+                            <a:rPr lang="en-US" altLang="ja-JP" sz="2000" i="1">
+                              <a:latin typeface="Cambria Math" panose="02040503050406030204" pitchFamily="18" charset="0"/>
+                              <a:ea typeface="Cambria Math" panose="02040503050406030204" pitchFamily="18" charset="0"/>
+                            </a:rPr>
+                            <m:t>0</m:t>
+                          </m:r>
+                        </m:sub>
+                      </m:sSub>
+                      <m:d>
+                        <m:dPr>
+                          <m:begChr m:val="{"/>
+                          <m:endChr m:val="}"/>
+                          <m:ctrlPr>
+                            <a:rPr lang="en-US" altLang="ja-JP" sz="2000" i="1" smtClean="0">
+                              <a:latin typeface="Cambria Math" panose="02040503050406030204" pitchFamily="18" charset="0"/>
+                              <a:ea typeface="Cambria Math" panose="02040503050406030204" pitchFamily="18" charset="0"/>
+                            </a:rPr>
+                          </m:ctrlPr>
+                        </m:dPr>
+                        <m:e>
+                          <m:sSub>
+                            <m:sSubPr>
+                              <m:ctrlPr>
+                                <a:rPr lang="en-US" altLang="ja-JP" sz="2000" i="1" smtClean="0">
+                                  <a:latin typeface="Cambria Math" panose="02040503050406030204" pitchFamily="18" charset="0"/>
+                                  <a:ea typeface="Cambria Math" panose="02040503050406030204" pitchFamily="18" charset="0"/>
+                                </a:rPr>
+                              </m:ctrlPr>
+                            </m:sSubPr>
+                            <m:e>
+                              <m:r>
+                                <a:rPr lang="en-US" altLang="ja-JP" sz="2000" b="0" i="1" smtClean="0">
+                                  <a:latin typeface="Cambria Math" panose="02040503050406030204" pitchFamily="18" charset="0"/>
+                                  <a:ea typeface="Cambria Math" panose="02040503050406030204" pitchFamily="18" charset="0"/>
+                                </a:rPr>
+                                <m:t>𝑁</m:t>
+                              </m:r>
+                            </m:e>
+                            <m:sub>
+                              <m:r>
+                                <a:rPr lang="en-US" altLang="ja-JP" sz="2000" b="0" i="1" smtClean="0">
+                                  <a:latin typeface="Cambria Math" panose="02040503050406030204" pitchFamily="18" charset="0"/>
+                                  <a:ea typeface="Cambria Math" panose="02040503050406030204" pitchFamily="18" charset="0"/>
+                                </a:rPr>
+                                <m:t>𝐸</m:t>
+                              </m:r>
+                              <m:r>
+                                <a:rPr lang="en-US" altLang="ja-JP" sz="2000" b="0" i="1" smtClean="0">
+                                  <a:latin typeface="Cambria Math" panose="02040503050406030204" pitchFamily="18" charset="0"/>
+                                  <a:ea typeface="Cambria Math" panose="02040503050406030204" pitchFamily="18" charset="0"/>
+                                </a:rPr>
+                                <m:t>≥ℏ</m:t>
+                              </m:r>
+                              <m:sSub>
+                                <m:sSubPr>
+                                  <m:ctrlPr>
+                                    <a:rPr lang="en-US" altLang="ja-JP" sz="2000" i="1">
+                                      <a:latin typeface="Cambria Math" panose="02040503050406030204" pitchFamily="18" charset="0"/>
+                                      <a:ea typeface="Cambria Math" panose="02040503050406030204" pitchFamily="18" charset="0"/>
+                                    </a:rPr>
+                                  </m:ctrlPr>
+                                </m:sSubPr>
+                                <m:e>
+                                  <m:r>
+                                    <a:rPr lang="ja-JP" altLang="en-US" sz="2000" i="1">
+                                      <a:latin typeface="Cambria Math" panose="02040503050406030204" pitchFamily="18" charset="0"/>
+                                      <a:ea typeface="Cambria Math" panose="02040503050406030204" pitchFamily="18" charset="0"/>
+                                    </a:rPr>
+                                    <m:t>𝜔</m:t>
+                                  </m:r>
+                                </m:e>
+                                <m:sub>
+                                  <m:r>
+                                    <a:rPr lang="en-US" altLang="ja-JP" sz="2000" i="1">
+                                      <a:latin typeface="Cambria Math" panose="02040503050406030204" pitchFamily="18" charset="0"/>
+                                      <a:ea typeface="Cambria Math" panose="02040503050406030204" pitchFamily="18" charset="0"/>
+                                    </a:rPr>
+                                    <m:t>0</m:t>
+                                  </m:r>
+                                </m:sub>
+                              </m:sSub>
+                            </m:sub>
+                          </m:sSub>
+                          <m:d>
+                            <m:dPr>
+                              <m:ctrlPr>
+                                <a:rPr lang="en-US" altLang="ja-JP" sz="2000" b="0" i="1" smtClean="0">
+                                  <a:latin typeface="Cambria Math" panose="02040503050406030204" pitchFamily="18" charset="0"/>
+                                  <a:ea typeface="Cambria Math" panose="02040503050406030204" pitchFamily="18" charset="0"/>
+                                </a:rPr>
+                              </m:ctrlPr>
+                            </m:dPr>
+                            <m:e>
+                              <m:sSub>
+                                <m:sSubPr>
+                                  <m:ctrlPr>
+                                    <a:rPr lang="en-US" altLang="ja-JP" sz="2000" b="0" i="1" smtClean="0">
+                                      <a:latin typeface="Cambria Math" panose="02040503050406030204" pitchFamily="18" charset="0"/>
+                                      <a:ea typeface="Cambria Math" panose="02040503050406030204" pitchFamily="18" charset="0"/>
+                                    </a:rPr>
+                                  </m:ctrlPr>
+                                </m:sSubPr>
+                                <m:e>
+                                  <m:r>
+                                    <a:rPr lang="en-US" altLang="ja-JP" sz="2000" b="0" i="1" smtClean="0">
+                                      <a:latin typeface="Cambria Math" panose="02040503050406030204" pitchFamily="18" charset="0"/>
+                                      <a:ea typeface="Cambria Math" panose="02040503050406030204" pitchFamily="18" charset="0"/>
+                                    </a:rPr>
+                                    <m:t>𝑊</m:t>
+                                  </m:r>
+                                </m:e>
+                                <m:sub>
+                                  <m:r>
+                                    <a:rPr lang="en-US" altLang="ja-JP" sz="2000" b="0" i="1" smtClean="0">
+                                      <a:latin typeface="Cambria Math" panose="02040503050406030204" pitchFamily="18" charset="0"/>
+                                      <a:ea typeface="Cambria Math" panose="02040503050406030204" pitchFamily="18" charset="0"/>
+                                    </a:rPr>
+                                    <m:t>𝑖</m:t>
+                                  </m:r>
+                                  <m:r>
+                                    <a:rPr lang="en-US" altLang="ja-JP" sz="2000" b="0" i="1" smtClean="0">
+                                      <a:latin typeface="Cambria Math" panose="02040503050406030204" pitchFamily="18" charset="0"/>
+                                      <a:ea typeface="Cambria Math" panose="02040503050406030204" pitchFamily="18" charset="0"/>
+                                    </a:rPr>
+                                    <m:t>,</m:t>
+                                  </m:r>
+                                  <m:r>
+                                    <a:rPr lang="en-US" altLang="ja-JP" sz="2000" b="0" i="1" smtClean="0">
+                                      <a:latin typeface="Cambria Math" panose="02040503050406030204" pitchFamily="18" charset="0"/>
+                                      <a:ea typeface="Cambria Math" panose="02040503050406030204" pitchFamily="18" charset="0"/>
+                                    </a:rPr>
+                                    <m:t>𝑎𝑏𝑠</m:t>
+                                  </m:r>
+                                </m:sub>
+                              </m:sSub>
+                              <m:r>
+                                <a:rPr lang="en-US" altLang="ja-JP" sz="2000" b="0" i="1" smtClean="0">
+                                  <a:latin typeface="Cambria Math" panose="02040503050406030204" pitchFamily="18" charset="0"/>
+                                  <a:ea typeface="Cambria Math" panose="02040503050406030204" pitchFamily="18" charset="0"/>
+                                </a:rPr>
+                                <m:t>+</m:t>
+                              </m:r>
+                              <m:sSub>
+                                <m:sSubPr>
+                                  <m:ctrlPr>
+                                    <a:rPr lang="en-US" altLang="ja-JP" sz="2000" b="0" i="1" smtClean="0">
+                                      <a:latin typeface="Cambria Math" panose="02040503050406030204" pitchFamily="18" charset="0"/>
+                                      <a:ea typeface="Cambria Math" panose="02040503050406030204" pitchFamily="18" charset="0"/>
+                                    </a:rPr>
+                                  </m:ctrlPr>
+                                </m:sSubPr>
+                                <m:e>
+                                  <m:r>
+                                    <a:rPr lang="en-US" altLang="ja-JP" sz="2000" b="0" i="1" smtClean="0">
+                                      <a:latin typeface="Cambria Math" panose="02040503050406030204" pitchFamily="18" charset="0"/>
+                                      <a:ea typeface="Cambria Math" panose="02040503050406030204" pitchFamily="18" charset="0"/>
+                                    </a:rPr>
+                                    <m:t>𝑊</m:t>
+                                  </m:r>
+                                </m:e>
+                                <m:sub>
+                                  <m:r>
+                                    <a:rPr lang="en-US" altLang="ja-JP" sz="2000" b="0" i="1" smtClean="0">
+                                      <a:latin typeface="Cambria Math" panose="02040503050406030204" pitchFamily="18" charset="0"/>
+                                      <a:ea typeface="Cambria Math" panose="02040503050406030204" pitchFamily="18" charset="0"/>
+                                    </a:rPr>
+                                    <m:t>𝑖</m:t>
+                                  </m:r>
+                                  <m:r>
+                                    <a:rPr lang="en-US" altLang="ja-JP" sz="2000" b="0" i="1" smtClean="0">
+                                      <a:latin typeface="Cambria Math" panose="02040503050406030204" pitchFamily="18" charset="0"/>
+                                      <a:ea typeface="Cambria Math" panose="02040503050406030204" pitchFamily="18" charset="0"/>
+                                    </a:rPr>
+                                    <m:t>,</m:t>
+                                  </m:r>
+                                  <m:r>
+                                    <a:rPr lang="en-US" altLang="ja-JP" sz="2000" b="0" i="1" smtClean="0">
+                                      <a:latin typeface="Cambria Math" panose="02040503050406030204" pitchFamily="18" charset="0"/>
+                                      <a:ea typeface="Cambria Math" panose="02040503050406030204" pitchFamily="18" charset="0"/>
+                                    </a:rPr>
+                                    <m:t>𝑒𝑚𝑖</m:t>
+                                  </m:r>
+                                </m:sub>
+                              </m:sSub>
+                            </m:e>
+                          </m:d>
+                          <m:r>
+                            <a:rPr lang="en-US" altLang="ja-JP" sz="2000" b="0" i="1" smtClean="0">
+                              <a:latin typeface="Cambria Math" panose="02040503050406030204" pitchFamily="18" charset="0"/>
+                              <a:ea typeface="Cambria Math" panose="02040503050406030204" pitchFamily="18" charset="0"/>
+                            </a:rPr>
+                            <m:t>+</m:t>
+                          </m:r>
+                          <m:sSub>
+                            <m:sSubPr>
+                              <m:ctrlPr>
+                                <a:rPr lang="en-US" altLang="ja-JP" sz="2000" i="1">
+                                  <a:latin typeface="Cambria Math" panose="02040503050406030204" pitchFamily="18" charset="0"/>
+                                  <a:ea typeface="Cambria Math" panose="02040503050406030204" pitchFamily="18" charset="0"/>
+                                </a:rPr>
+                              </m:ctrlPr>
+                            </m:sSubPr>
+                            <m:e>
+                              <m:r>
+                                <a:rPr lang="en-US" altLang="ja-JP" sz="2000" i="1">
+                                  <a:latin typeface="Cambria Math" panose="02040503050406030204" pitchFamily="18" charset="0"/>
+                                  <a:ea typeface="Cambria Math" panose="02040503050406030204" pitchFamily="18" charset="0"/>
+                                </a:rPr>
+                                <m:t>𝑁</m:t>
+                              </m:r>
+                            </m:e>
+                            <m:sub>
+                              <m:r>
+                                <a:rPr lang="en-US" altLang="ja-JP" sz="2000" i="1">
+                                  <a:latin typeface="Cambria Math" panose="02040503050406030204" pitchFamily="18" charset="0"/>
+                                  <a:ea typeface="Cambria Math" panose="02040503050406030204" pitchFamily="18" charset="0"/>
+                                </a:rPr>
+                                <m:t>𝐸</m:t>
+                              </m:r>
+                              <m:r>
+                                <a:rPr lang="en-US" altLang="ja-JP" sz="2000" b="0" i="1" smtClean="0">
+                                  <a:latin typeface="Cambria Math" panose="02040503050406030204" pitchFamily="18" charset="0"/>
+                                  <a:ea typeface="Cambria Math" panose="02040503050406030204" pitchFamily="18" charset="0"/>
+                                </a:rPr>
+                                <m:t>&lt;</m:t>
+                              </m:r>
+                              <m:r>
+                                <a:rPr lang="en-US" altLang="ja-JP" sz="2000" i="1">
+                                  <a:latin typeface="Cambria Math" panose="02040503050406030204" pitchFamily="18" charset="0"/>
+                                  <a:ea typeface="Cambria Math" panose="02040503050406030204" pitchFamily="18" charset="0"/>
+                                </a:rPr>
+                                <m:t>ℏ</m:t>
+                              </m:r>
+                              <m:sSub>
+                                <m:sSubPr>
+                                  <m:ctrlPr>
+                                    <a:rPr lang="en-US" altLang="ja-JP" sz="2000" i="1">
+                                      <a:latin typeface="Cambria Math" panose="02040503050406030204" pitchFamily="18" charset="0"/>
+                                      <a:ea typeface="Cambria Math" panose="02040503050406030204" pitchFamily="18" charset="0"/>
+                                    </a:rPr>
+                                  </m:ctrlPr>
+                                </m:sSubPr>
+                                <m:e>
+                                  <m:r>
+                                    <a:rPr lang="ja-JP" altLang="en-US" sz="2000" i="1">
+                                      <a:latin typeface="Cambria Math" panose="02040503050406030204" pitchFamily="18" charset="0"/>
+                                      <a:ea typeface="Cambria Math" panose="02040503050406030204" pitchFamily="18" charset="0"/>
+                                    </a:rPr>
+                                    <m:t>𝜔</m:t>
+                                  </m:r>
+                                </m:e>
+                                <m:sub>
+                                  <m:r>
+                                    <a:rPr lang="en-US" altLang="ja-JP" sz="2000" i="1">
+                                      <a:latin typeface="Cambria Math" panose="02040503050406030204" pitchFamily="18" charset="0"/>
+                                      <a:ea typeface="Cambria Math" panose="02040503050406030204" pitchFamily="18" charset="0"/>
+                                    </a:rPr>
+                                    <m:t>0</m:t>
+                                  </m:r>
+                                </m:sub>
+                              </m:sSub>
+                            </m:sub>
+                          </m:sSub>
+                          <m:sSub>
+                            <m:sSubPr>
+                              <m:ctrlPr>
+                                <a:rPr lang="en-US" altLang="ja-JP" sz="2000" i="1">
+                                  <a:latin typeface="Cambria Math" panose="02040503050406030204" pitchFamily="18" charset="0"/>
+                                  <a:ea typeface="Cambria Math" panose="02040503050406030204" pitchFamily="18" charset="0"/>
+                                </a:rPr>
+                              </m:ctrlPr>
+                            </m:sSubPr>
+                            <m:e>
+                              <m:r>
+                                <a:rPr lang="en-US" altLang="ja-JP" sz="2000" i="1">
+                                  <a:latin typeface="Cambria Math" panose="02040503050406030204" pitchFamily="18" charset="0"/>
+                                  <a:ea typeface="Cambria Math" panose="02040503050406030204" pitchFamily="18" charset="0"/>
+                                </a:rPr>
+                                <m:t>𝑊</m:t>
+                              </m:r>
+                            </m:e>
+                            <m:sub>
+                              <m:r>
+                                <a:rPr lang="en-US" altLang="ja-JP" sz="2000" i="1">
+                                  <a:latin typeface="Cambria Math" panose="02040503050406030204" pitchFamily="18" charset="0"/>
+                                  <a:ea typeface="Cambria Math" panose="02040503050406030204" pitchFamily="18" charset="0"/>
+                                </a:rPr>
+                                <m:t>𝑖</m:t>
+                              </m:r>
+                              <m:r>
+                                <a:rPr lang="en-US" altLang="ja-JP" sz="2000" i="1">
+                                  <a:latin typeface="Cambria Math" panose="02040503050406030204" pitchFamily="18" charset="0"/>
+                                  <a:ea typeface="Cambria Math" panose="02040503050406030204" pitchFamily="18" charset="0"/>
+                                </a:rPr>
+                                <m:t>,</m:t>
+                              </m:r>
+                              <m:r>
+                                <a:rPr lang="en-US" altLang="ja-JP" sz="2000" i="1">
+                                  <a:latin typeface="Cambria Math" panose="02040503050406030204" pitchFamily="18" charset="0"/>
+                                  <a:ea typeface="Cambria Math" panose="02040503050406030204" pitchFamily="18" charset="0"/>
+                                </a:rPr>
+                                <m:t>𝑎𝑏𝑠</m:t>
+                              </m:r>
+                            </m:sub>
+                          </m:sSub>
+                        </m:e>
+                      </m:d>
+                    </m:oMath>
+                  </m:oMathPara>
+                </a14:m>
+                <a:endParaRPr kumimoji="1" lang="ja-JP" altLang="en-US" sz="2000"/>
+              </a:p>
+            </p:txBody>
+          </p:sp>
+        </mc:Choice>
+        <mc:Fallback>
+          <p:sp>
+            <p:nvSpPr>
+              <p:cNvPr id="10" name="テキスト ボックス 9"/>
+              <p:cNvSpPr txBox="1">
+                <a:spLocks noRot="1" noChangeAspect="1" noMove="1" noResize="1" noEditPoints="1" noAdjustHandles="1" noChangeArrowheads="1" noChangeShapeType="1" noTextEdit="1"/>
+              </p:cNvSpPr>
+              <p:nvPr/>
+            </p:nvSpPr>
+            <p:spPr>
+              <a:xfrm>
+                <a:off x="186083" y="6019018"/>
+                <a:ext cx="6215163" cy="358047"/>
+              </a:xfrm>
+              <a:prstGeom prst="rect">
+                <a:avLst/>
+              </a:prstGeom>
+              <a:blipFill>
+                <a:blip r:embed="rId4"/>
+                <a:stretch>
+                  <a:fillRect l="-294" b="-16949"/>
+                </a:stretch>
+              </a:blipFill>
+            </p:spPr>
+            <p:txBody>
+              <a:bodyPr/>
+              <a:lstStyle/>
+              <a:p>
+                <a:r>
+                  <a:rPr lang="ja-JP" altLang="en-US">
+                    <a:noFill/>
+                  </a:rPr>
+                  <a:t> </a:t>
+                </a:r>
+              </a:p>
+            </p:txBody>
+          </p:sp>
+        </mc:Fallback>
+      </mc:AlternateContent>
+    </p:spTree>
+    <p:extLst>
+      <p:ext uri="{BB962C8B-B14F-4D97-AF65-F5344CB8AC3E}">
+        <p14:creationId xmlns:p14="http://schemas.microsoft.com/office/powerpoint/2010/main" val="1252726992"/>
+      </p:ext>
+    </p:extLst>
+  </p:cSld>
+  <p:clrMapOvr>
+    <a:masterClrMapping/>
+  </p:clrMapOvr>
+</p:sld>
+</file>
+
+<file path=ppt/slides/slide12.xml><?xml version="1.0" encoding="utf-8"?>
 <p:sld xmlns:a="http://schemas.openxmlformats.org/drawingml/2006/main" xmlns:r="http://schemas.openxmlformats.org/officeDocument/2006/relationships" xmlns:p="http://schemas.openxmlformats.org/presentationml/2006/main">
   <p:cSld>
     <p:spTree>
@@ -3968,7 +5494,7 @@
           <a:p>
             <a:fld id="{7150E25F-B8C9-4ED1-8626-95CB18EC23DC}" type="slidenum">
               <a:rPr kumimoji="1" lang="ja-JP" altLang="en-US" smtClean="0"/>
-              <a:t>11</a:t>
+              <a:t>12</a:t>
             </a:fld>
             <a:endParaRPr kumimoji="1" lang="ja-JP" altLang="en-US"/>
           </a:p>
@@ -4055,11 +5581,7 @@
           <a:p>
             <a:r>
               <a:rPr lang="en-US" altLang="ja-JP"/>
-              <a:t>Preparation </a:t>
-            </a:r>
-            <a:r>
-              <a:rPr lang="en-US" altLang="ja-JP"/>
-              <a:t>for </a:t>
+              <a:t>Preparation for </a:t>
             </a:r>
             <a:r>
               <a:rPr lang="en-US" altLang="ja-JP" smtClean="0"/>
@@ -4224,8 +5746,8 @@
           </a:fontRef>
         </p:style>
       </p:cxnSp>
-      <mc:AlternateContent xmlns:mc="http://schemas.openxmlformats.org/markup-compatibility/2006">
-        <mc:Choice xmlns:a14="http://schemas.microsoft.com/office/drawing/2010/main" Requires="a14">
+      <mc:AlternateContent xmlns:mc="http://schemas.openxmlformats.org/markup-compatibility/2006" xmlns:a14="http://schemas.microsoft.com/office/drawing/2010/main">
+        <mc:Choice Requires="a14">
           <p:sp>
             <p:nvSpPr>
               <p:cNvPr id="25" name="テキスト ボックス 24"/>
@@ -4248,6 +5770,7 @@
               </a:bodyPr>
               <a:lstStyle/>
               <a:p>
+                <a:pPr/>
                 <a14:m>
                   <m:oMathPara xmlns:m="http://schemas.openxmlformats.org/officeDocument/2006/math">
                     <m:oMathParaPr>
@@ -4268,7 +5791,7 @@
             </p:txBody>
           </p:sp>
         </mc:Choice>
-        <mc:Fallback>
+        <mc:Fallback xmlns="">
           <p:sp>
             <p:nvSpPr>
               <p:cNvPr id="25" name="テキスト ボックス 24"/>
@@ -4307,8 +5830,8 @@
           </p:sp>
         </mc:Fallback>
       </mc:AlternateContent>
-      <mc:AlternateContent xmlns:mc="http://schemas.openxmlformats.org/markup-compatibility/2006">
-        <mc:Choice xmlns:a14="http://schemas.microsoft.com/office/drawing/2010/main" Requires="a14">
+      <mc:AlternateContent xmlns:mc="http://schemas.openxmlformats.org/markup-compatibility/2006" xmlns:a14="http://schemas.microsoft.com/office/drawing/2010/main">
+        <mc:Choice Requires="a14">
           <p:sp>
             <p:nvSpPr>
               <p:cNvPr id="26" name="テキスト ボックス 25"/>
@@ -4331,6 +5854,7 @@
               </a:bodyPr>
               <a:lstStyle/>
               <a:p>
+                <a:pPr/>
                 <a14:m>
                   <m:oMathPara xmlns:m="http://schemas.openxmlformats.org/officeDocument/2006/math">
                     <m:oMathParaPr>
@@ -4351,7 +5875,7 @@
             </p:txBody>
           </p:sp>
         </mc:Choice>
-        <mc:Fallback>
+        <mc:Fallback xmlns="">
           <p:sp>
             <p:nvSpPr>
               <p:cNvPr id="26" name="テキスト ボックス 25"/>
@@ -4390,8 +5914,8 @@
           </p:sp>
         </mc:Fallback>
       </mc:AlternateContent>
-      <mc:AlternateContent xmlns:mc="http://schemas.openxmlformats.org/markup-compatibility/2006">
-        <mc:Choice xmlns:a14="http://schemas.microsoft.com/office/drawing/2010/main" Requires="a14">
+      <mc:AlternateContent xmlns:mc="http://schemas.openxmlformats.org/markup-compatibility/2006" xmlns:a14="http://schemas.microsoft.com/office/drawing/2010/main">
+        <mc:Choice Requires="a14">
           <p:sp>
             <p:nvSpPr>
               <p:cNvPr id="27" name="正方形/長方形 26"/>
@@ -4463,7 +5987,7 @@
             </p:txBody>
           </p:sp>
         </mc:Choice>
-        <mc:Fallback>
+        <mc:Fallback xmlns="">
           <p:sp>
             <p:nvSpPr>
               <p:cNvPr id="27" name="正方形/長方形 26"/>
@@ -4737,8 +6261,8 @@
           </a:fontRef>
         </p:style>
       </p:cxnSp>
-      <mc:AlternateContent xmlns:mc="http://schemas.openxmlformats.org/markup-compatibility/2006">
-        <mc:Choice xmlns:a14="http://schemas.microsoft.com/office/drawing/2010/main" Requires="a14">
+      <mc:AlternateContent xmlns:mc="http://schemas.openxmlformats.org/markup-compatibility/2006" xmlns:a14="http://schemas.microsoft.com/office/drawing/2010/main">
+        <mc:Choice Requires="a14">
           <p:sp>
             <p:nvSpPr>
               <p:cNvPr id="40" name="テキスト ボックス 39"/>
@@ -4761,6 +6285,7 @@
               </a:bodyPr>
               <a:lstStyle/>
               <a:p>
+                <a:pPr/>
                 <a14:m>
                   <m:oMathPara xmlns:m="http://schemas.openxmlformats.org/officeDocument/2006/math">
                     <m:oMathParaPr>
@@ -4843,7 +6368,7 @@
             </p:txBody>
           </p:sp>
         </mc:Choice>
-        <mc:Fallback>
+        <mc:Fallback xmlns="">
           <p:sp>
             <p:nvSpPr>
               <p:cNvPr id="40" name="テキスト ボックス 39"/>
@@ -4882,8 +6407,8 @@
           </p:sp>
         </mc:Fallback>
       </mc:AlternateContent>
-      <mc:AlternateContent xmlns:mc="http://schemas.openxmlformats.org/markup-compatibility/2006">
-        <mc:Choice xmlns:a14="http://schemas.microsoft.com/office/drawing/2010/main" Requires="a14">
+      <mc:AlternateContent xmlns:mc="http://schemas.openxmlformats.org/markup-compatibility/2006" xmlns:a14="http://schemas.microsoft.com/office/drawing/2010/main">
+        <mc:Choice Requires="a14">
           <p:sp>
             <p:nvSpPr>
               <p:cNvPr id="41" name="テキスト ボックス 40"/>
@@ -4906,6 +6431,7 @@
               </a:bodyPr>
               <a:lstStyle/>
               <a:p>
+                <a:pPr/>
                 <a14:m>
                   <m:oMathPara xmlns:m="http://schemas.openxmlformats.org/officeDocument/2006/math">
                     <m:oMathParaPr>
@@ -4957,7 +6483,7 @@
             </p:txBody>
           </p:sp>
         </mc:Choice>
-        <mc:Fallback>
+        <mc:Fallback xmlns="">
           <p:sp>
             <p:nvSpPr>
               <p:cNvPr id="41" name="テキスト ボックス 40"/>
@@ -5039,8 +6565,8 @@
           </a:p>
         </p:txBody>
       </p:sp>
-      <mc:AlternateContent xmlns:mc="http://schemas.openxmlformats.org/markup-compatibility/2006">
-        <mc:Choice xmlns:a14="http://schemas.microsoft.com/office/drawing/2010/main" Requires="a14">
+      <mc:AlternateContent xmlns:mc="http://schemas.openxmlformats.org/markup-compatibility/2006" xmlns:a14="http://schemas.microsoft.com/office/drawing/2010/main">
+        <mc:Choice Requires="a14">
           <p:sp>
             <p:nvSpPr>
               <p:cNvPr id="45" name="テキスト ボックス 44"/>
@@ -5063,6 +6589,7 @@
               </a:bodyPr>
               <a:lstStyle/>
               <a:p>
+                <a:pPr/>
                 <a14:m>
                   <m:oMathPara xmlns:m="http://schemas.openxmlformats.org/officeDocument/2006/math">
                     <m:oMathParaPr>
@@ -5095,7 +6622,7 @@
             </p:txBody>
           </p:sp>
         </mc:Choice>
-        <mc:Fallback>
+        <mc:Fallback xmlns="">
           <p:sp>
             <p:nvSpPr>
               <p:cNvPr id="45" name="テキスト ボックス 44"/>
@@ -5227,7 +6754,7 @@
         </p:nvSpPr>
         <p:spPr>
           <a:xfrm>
-            <a:off x="640912" y="5144014"/>
+            <a:off x="831624" y="5174311"/>
             <a:ext cx="603912" cy="625642"/>
           </a:xfrm>
           <a:prstGeom prst="ellipse">
@@ -5276,7 +6803,7 @@
             <p:spPr>
               <a:xfrm>
                 <a:off x="1759740" y="5327492"/>
-                <a:ext cx="1907895" cy="369332"/>
+                <a:ext cx="2267737" cy="369332"/>
               </a:xfrm>
               <a:prstGeom prst="rect">
                 <a:avLst/>
@@ -5289,6 +6816,7 @@
               </a:bodyPr>
               <a:lstStyle/>
               <a:p>
+                <a:pPr/>
                 <a14:m>
                   <m:oMathPara xmlns:m="http://schemas.openxmlformats.org/officeDocument/2006/math">
                     <m:oMathParaPr>
@@ -5299,7 +6827,7 @@
                         <a:rPr kumimoji="1" lang="en-US" altLang="ja-JP" sz="2400" b="0" i="1" smtClean="0">
                           <a:latin typeface="Cambria Math" panose="02040503050406030204" pitchFamily="18" charset="0"/>
                         </a:rPr>
-                        <m:t>𝑟</m:t>
+                        <m:t>𝑟𝑛𝑑</m:t>
                       </m:r>
                       <m:r>
                         <a:rPr kumimoji="1" lang="en-US" altLang="ja-JP" sz="2400" b="0" i="1" smtClean="0">
@@ -5370,7 +6898,7 @@
             <p:spPr>
               <a:xfrm>
                 <a:off x="1759740" y="5327492"/>
-                <a:ext cx="1907895" cy="369332"/>
+                <a:ext cx="2267737" cy="369332"/>
               </a:xfrm>
               <a:prstGeom prst="rect">
                 <a:avLst/>
@@ -5378,7 +6906,7 @@
               <a:blipFill>
                 <a:blip r:embed="rId8"/>
                 <a:stretch>
-                  <a:fillRect l="-958" t="-4918" r="-4473" b="-27869"/>
+                  <a:fillRect l="-2151" t="-4918" r="-3495" b="-27869"/>
                 </a:stretch>
               </a:blipFill>
             </p:spPr>
@@ -5406,7 +6934,7 @@
         <p:spPr>
           <a:xfrm>
             <a:off x="1584018" y="5191537"/>
-            <a:ext cx="2279859" cy="578119"/>
+            <a:ext cx="2550660" cy="578119"/>
           </a:xfrm>
           <a:prstGeom prst="rect">
             <a:avLst/>
@@ -5549,8 +7077,8 @@
         </p:nvCxnSpPr>
         <p:spPr>
           <a:xfrm rot="16200000" flipH="1">
-            <a:off x="3430919" y="5062684"/>
-            <a:ext cx="586512" cy="2000455"/>
+            <a:off x="3498619" y="5130385"/>
+            <a:ext cx="586512" cy="1865054"/>
           </a:xfrm>
           <a:prstGeom prst="bentConnector2">
             <a:avLst/>
@@ -5587,8 +7115,8 @@
         </p:nvCxnSpPr>
         <p:spPr>
           <a:xfrm rot="5400000" flipH="1" flipV="1">
-            <a:off x="3498821" y="3965956"/>
-            <a:ext cx="450709" cy="2000455"/>
+            <a:off x="3566523" y="4033658"/>
+            <a:ext cx="450705" cy="1865055"/>
           </a:xfrm>
           <a:prstGeom prst="bentConnector2">
             <a:avLst/>
@@ -5615,8 +7143,8 @@
           </a:fontRef>
         </p:style>
       </p:cxnSp>
-      <mc:AlternateContent xmlns:mc="http://schemas.openxmlformats.org/markup-compatibility/2006">
-        <mc:Choice xmlns:a14="http://schemas.microsoft.com/office/drawing/2010/main" Requires="a14">
+      <mc:AlternateContent xmlns:mc="http://schemas.openxmlformats.org/markup-compatibility/2006" xmlns:a14="http://schemas.microsoft.com/office/drawing/2010/main">
+        <mc:Choice Requires="a14">
           <p:sp>
             <p:nvSpPr>
               <p:cNvPr id="66" name="テキスト ボックス 65"/>
@@ -5639,6 +7167,7 @@
               </a:bodyPr>
               <a:lstStyle/>
               <a:p>
+                <a:pPr/>
                 <a14:m>
                   <m:oMathPara xmlns:m="http://schemas.openxmlformats.org/officeDocument/2006/math">
                     <m:oMathParaPr>
@@ -5659,7 +7188,7 @@
             </p:txBody>
           </p:sp>
         </mc:Choice>
-        <mc:Fallback>
+        <mc:Fallback xmlns="">
           <p:sp>
             <p:nvSpPr>
               <p:cNvPr id="66" name="テキスト ボックス 65"/>
@@ -5698,8 +7227,8 @@
           </p:sp>
         </mc:Fallback>
       </mc:AlternateContent>
-      <mc:AlternateContent xmlns:mc="http://schemas.openxmlformats.org/markup-compatibility/2006">
-        <mc:Choice xmlns:a14="http://schemas.microsoft.com/office/drawing/2010/main" Requires="a14">
+      <mc:AlternateContent xmlns:mc="http://schemas.openxmlformats.org/markup-compatibility/2006" xmlns:a14="http://schemas.microsoft.com/office/drawing/2010/main">
+        <mc:Choice Requires="a14">
           <p:sp>
             <p:nvSpPr>
               <p:cNvPr id="67" name="テキスト ボックス 66"/>
@@ -5722,6 +7251,7 @@
               </a:bodyPr>
               <a:lstStyle/>
               <a:p>
+                <a:pPr/>
                 <a14:m>
                   <m:oMathPara xmlns:m="http://schemas.openxmlformats.org/officeDocument/2006/math">
                     <m:oMathParaPr>
@@ -5742,7 +7272,7 @@
             </p:txBody>
           </p:sp>
         </mc:Choice>
-        <mc:Fallback>
+        <mc:Fallback xmlns="">
           <p:sp>
             <p:nvSpPr>
               <p:cNvPr id="67" name="テキスト ボックス 66"/>
@@ -5791,7 +7321,7 @@
             </p:nvSpPr>
             <p:spPr>
               <a:xfrm>
-                <a:off x="704662" y="5226002"/>
+                <a:off x="914641" y="5282829"/>
                 <a:ext cx="476412" cy="461665"/>
               </a:xfrm>
               <a:prstGeom prst="rect">
@@ -5804,6 +7334,7 @@
               </a:bodyPr>
               <a:lstStyle/>
               <a:p>
+                <a:pPr/>
                 <a14:m>
                   <m:oMathPara xmlns:m="http://schemas.openxmlformats.org/officeDocument/2006/math">
                     <m:oMathParaPr>
@@ -5835,7 +7366,7 @@
             </p:nvSpPr>
             <p:spPr>
               <a:xfrm>
-                <a:off x="704662" y="5226002"/>
+                <a:off x="914641" y="5282829"/>
                 <a:ext cx="476412" cy="461665"/>
               </a:xfrm>
               <a:prstGeom prst="rect">
@@ -5863,8 +7394,8 @@
           </p:sp>
         </mc:Fallback>
       </mc:AlternateContent>
-      <mc:AlternateContent xmlns:mc="http://schemas.openxmlformats.org/markup-compatibility/2006">
-        <mc:Choice xmlns:a14="http://schemas.microsoft.com/office/drawing/2010/main" Requires="a14">
+      <mc:AlternateContent xmlns:mc="http://schemas.openxmlformats.org/markup-compatibility/2006" xmlns:a14="http://schemas.microsoft.com/office/drawing/2010/main">
+        <mc:Choice Requires="a14">
           <p:sp>
             <p:nvSpPr>
               <p:cNvPr id="69" name="正方形/長方形 68"/>
@@ -5907,7 +7438,7 @@
             </p:txBody>
           </p:sp>
         </mc:Choice>
-        <mc:Fallback>
+        <mc:Fallback xmlns="">
           <p:sp>
             <p:nvSpPr>
               <p:cNvPr id="69" name="正方形/長方形 68"/>
@@ -5946,8 +7477,8 @@
           </p:sp>
         </mc:Fallback>
       </mc:AlternateContent>
-      <mc:AlternateContent xmlns:mc="http://schemas.openxmlformats.org/markup-compatibility/2006">
-        <mc:Choice xmlns:a14="http://schemas.microsoft.com/office/drawing/2010/main" Requires="a14">
+      <mc:AlternateContent xmlns:mc="http://schemas.openxmlformats.org/markup-compatibility/2006" xmlns:a14="http://schemas.microsoft.com/office/drawing/2010/main">
+        <mc:Choice Requires="a14">
           <p:sp>
             <p:nvSpPr>
               <p:cNvPr id="70" name="正方形/長方形 69"/>
@@ -5969,6 +7500,7 @@
               </a:bodyPr>
               <a:lstStyle/>
               <a:p>
+                <a:pPr/>
                 <a14:m>
                   <m:oMathPara xmlns:m="http://schemas.openxmlformats.org/officeDocument/2006/math">
                     <m:oMathParaPr>
@@ -6008,7 +7540,7 @@
             </p:txBody>
           </p:sp>
         </mc:Choice>
-        <mc:Fallback>
+        <mc:Fallback xmlns="">
           <p:sp>
             <p:nvSpPr>
               <p:cNvPr id="70" name="正方形/長方形 69"/>
@@ -6047,6 +7579,89 @@
           </p:sp>
         </mc:Fallback>
       </mc:AlternateContent>
+      <mc:AlternateContent xmlns:mc="http://schemas.openxmlformats.org/markup-compatibility/2006">
+        <mc:Choice xmlns:a14="http://schemas.microsoft.com/office/drawing/2010/main" Requires="a14">
+          <p:sp>
+            <p:nvSpPr>
+              <p:cNvPr id="13" name="テキスト ボックス 12"/>
+              <p:cNvSpPr txBox="1"/>
+              <p:nvPr/>
+            </p:nvSpPr>
+            <p:spPr>
+              <a:xfrm>
+                <a:off x="777324" y="3455140"/>
+                <a:ext cx="239681" cy="276999"/>
+              </a:xfrm>
+              <a:prstGeom prst="rect">
+                <a:avLst/>
+              </a:prstGeom>
+              <a:noFill/>
+            </p:spPr>
+            <p:txBody>
+              <a:bodyPr wrap="none" lIns="0" tIns="0" rIns="0" bIns="0" rtlCol="0">
+                <a:spAutoFit/>
+              </a:bodyPr>
+              <a:lstStyle/>
+              <a:p>
+                <a14:m>
+                  <m:oMathPara xmlns:m="http://schemas.openxmlformats.org/officeDocument/2006/math">
+                    <m:oMathParaPr>
+                      <m:jc m:val="centerGroup"/>
+                    </m:oMathParaPr>
+                    <m:oMath xmlns:m="http://schemas.openxmlformats.org/officeDocument/2006/math">
+                      <m:r>
+                        <a:rPr kumimoji="1" lang="en-US" altLang="ja-JP" b="0" i="1" smtClean="0">
+                          <a:latin typeface="Cambria Math" panose="02040503050406030204" pitchFamily="18" charset="0"/>
+                        </a:rPr>
+                        <m:t>𝑂</m:t>
+                      </m:r>
+                    </m:oMath>
+                  </m:oMathPara>
+                </a14:m>
+                <a:endParaRPr kumimoji="1" lang="ja-JP" altLang="en-US"/>
+              </a:p>
+            </p:txBody>
+          </p:sp>
+        </mc:Choice>
+        <mc:Fallback>
+          <p:sp>
+            <p:nvSpPr>
+              <p:cNvPr id="13" name="テキスト ボックス 12"/>
+              <p:cNvSpPr txBox="1">
+                <a:spLocks noRot="1" noChangeAspect="1" noMove="1" noResize="1" noEditPoints="1" noAdjustHandles="1" noChangeArrowheads="1" noChangeShapeType="1" noTextEdit="1"/>
+              </p:cNvSpPr>
+              <p:nvPr/>
+            </p:nvSpPr>
+            <p:spPr>
+              <a:xfrm>
+                <a:off x="777324" y="3455140"/>
+                <a:ext cx="239681" cy="276999"/>
+              </a:xfrm>
+              <a:prstGeom prst="rect">
+                <a:avLst/>
+              </a:prstGeom>
+              <a:blipFill>
+                <a:blip r:embed="rId14"/>
+                <a:stretch>
+                  <a:fillRect l="-20513" r="-15385" b="-2222"/>
+                </a:stretch>
+              </a:blipFill>
+            </p:spPr>
+            <p:txBody>
+              <a:bodyPr/>
+              <a:lstStyle/>
+              <a:p>
+                <a:r>
+                  <a:rPr lang="ja-JP" altLang="en-US">
+                    <a:noFill/>
+                  </a:rPr>
+                  <a:t> </a:t>
+                </a:r>
+              </a:p>
+            </p:txBody>
+          </p:sp>
+        </mc:Fallback>
+      </mc:AlternateContent>
     </p:spTree>
     <p:extLst>
       <p:ext uri="{BB962C8B-B14F-4D97-AF65-F5344CB8AC3E}">
@@ -6060,7 +7675,7 @@
 </p:sld>
 </file>
 
-<file path=ppt/slides/slide12.xml><?xml version="1.0" encoding="utf-8"?>
+<file path=ppt/slides/slide13.xml><?xml version="1.0" encoding="utf-8"?>
 <p:sld xmlns:a="http://schemas.openxmlformats.org/drawingml/2006/main" xmlns:r="http://schemas.openxmlformats.org/officeDocument/2006/relationships" xmlns:p="http://schemas.openxmlformats.org/presentationml/2006/main">
   <p:cSld>
     <p:spTree>
@@ -6094,7 +7709,7 @@
           <a:p>
             <a:fld id="{7150E25F-B8C9-4ED1-8626-95CB18EC23DC}" type="slidenum">
               <a:rPr kumimoji="1" lang="ja-JP" altLang="en-US" smtClean="0"/>
-              <a:t>12</a:t>
+              <a:t>13</a:t>
             </a:fld>
             <a:endParaRPr kumimoji="1" lang="ja-JP" altLang="en-US"/>
           </a:p>
@@ -6159,8 +7774,8 @@
           </a:p>
         </p:txBody>
       </p:sp>
-      <mc:AlternateContent xmlns:mc="http://schemas.openxmlformats.org/markup-compatibility/2006">
-        <mc:Choice xmlns:a14="http://schemas.microsoft.com/office/drawing/2010/main" Requires="a14">
+      <mc:AlternateContent xmlns:mc="http://schemas.openxmlformats.org/markup-compatibility/2006" xmlns:a14="http://schemas.microsoft.com/office/drawing/2010/main">
+        <mc:Choice Requires="a14">
           <p:sp>
             <p:nvSpPr>
               <p:cNvPr id="6" name="タイトル 1"/>
@@ -6218,7 +7833,7 @@
             </p:txBody>
           </p:sp>
         </mc:Choice>
-        <mc:Fallback>
+        <mc:Fallback xmlns="">
           <p:sp>
             <p:nvSpPr>
               <p:cNvPr id="6" name="タイトル 1"/>
@@ -6290,8 +7905,8 @@
           </a:p>
         </p:txBody>
       </p:sp>
-      <mc:AlternateContent xmlns:mc="http://schemas.openxmlformats.org/markup-compatibility/2006">
-        <mc:Choice xmlns:a14="http://schemas.microsoft.com/office/drawing/2010/main" Requires="a14">
+      <mc:AlternateContent xmlns:mc="http://schemas.openxmlformats.org/markup-compatibility/2006" xmlns:a14="http://schemas.microsoft.com/office/drawing/2010/main">
+        <mc:Choice Requires="a14">
           <p:sp>
             <p:nvSpPr>
               <p:cNvPr id="10" name="テキスト ボックス 9"/>
@@ -6413,7 +8028,7 @@
             </p:txBody>
           </p:sp>
         </mc:Choice>
-        <mc:Fallback>
+        <mc:Fallback xmlns="">
           <p:sp>
             <p:nvSpPr>
               <p:cNvPr id="10" name="テキスト ボックス 9"/>
@@ -6452,8 +8067,8 @@
           </p:sp>
         </mc:Fallback>
       </mc:AlternateContent>
-      <mc:AlternateContent xmlns:mc="http://schemas.openxmlformats.org/markup-compatibility/2006">
-        <mc:Choice xmlns:a14="http://schemas.microsoft.com/office/drawing/2010/main" Requires="a14">
+      <mc:AlternateContent xmlns:mc="http://schemas.openxmlformats.org/markup-compatibility/2006" xmlns:a14="http://schemas.microsoft.com/office/drawing/2010/main">
+        <mc:Choice Requires="a14">
           <p:sp>
             <p:nvSpPr>
               <p:cNvPr id="3" name="正方形/長方形 2"/>
@@ -6531,7 +8146,7 @@
             </p:txBody>
           </p:sp>
         </mc:Choice>
-        <mc:Fallback>
+        <mc:Fallback xmlns="">
           <p:sp>
             <p:nvSpPr>
               <p:cNvPr id="3" name="正方形/長方形 2"/>
@@ -6570,8 +8185,8 @@
           </p:sp>
         </mc:Fallback>
       </mc:AlternateContent>
-      <mc:AlternateContent xmlns:mc="http://schemas.openxmlformats.org/markup-compatibility/2006">
-        <mc:Choice xmlns:a14="http://schemas.microsoft.com/office/drawing/2010/main" Requires="a14">
+      <mc:AlternateContent xmlns:mc="http://schemas.openxmlformats.org/markup-compatibility/2006" xmlns:a14="http://schemas.microsoft.com/office/drawing/2010/main">
+        <mc:Choice Requires="a14">
           <p:sp>
             <p:nvSpPr>
               <p:cNvPr id="8" name="正方形/長方形 7"/>
@@ -6616,7 +8231,7 @@
             </p:txBody>
           </p:sp>
         </mc:Choice>
-        <mc:Fallback>
+        <mc:Fallback xmlns="">
           <p:sp>
             <p:nvSpPr>
               <p:cNvPr id="8" name="正方形/長方形 7"/>
@@ -6655,8 +8270,8 @@
           </p:sp>
         </mc:Fallback>
       </mc:AlternateContent>
-      <mc:AlternateContent xmlns:mc="http://schemas.openxmlformats.org/markup-compatibility/2006">
-        <mc:Choice xmlns:a14="http://schemas.microsoft.com/office/drawing/2010/main" Requires="a14">
+      <mc:AlternateContent xmlns:mc="http://schemas.openxmlformats.org/markup-compatibility/2006" xmlns:a14="http://schemas.microsoft.com/office/drawing/2010/main">
+        <mc:Choice Requires="a14">
           <p:sp>
             <p:nvSpPr>
               <p:cNvPr id="9" name="テキスト ボックス 8"/>
@@ -6679,6 +8294,7 @@
               </a:bodyPr>
               <a:lstStyle/>
               <a:p>
+                <a:pPr/>
                 <a14:m>
                   <m:oMathPara xmlns:m="http://schemas.openxmlformats.org/officeDocument/2006/math">
                     <m:oMathParaPr>
@@ -7223,7 +8839,7 @@
             </p:txBody>
           </p:sp>
         </mc:Choice>
-        <mc:Fallback>
+        <mc:Fallback xmlns="">
           <p:sp>
             <p:nvSpPr>
               <p:cNvPr id="9" name="テキスト ボックス 8"/>
@@ -7288,8 +8904,8 @@
           </a:p>
         </p:txBody>
       </p:sp>
-      <mc:AlternateContent xmlns:mc="http://schemas.openxmlformats.org/markup-compatibility/2006">
-        <mc:Choice xmlns:a14="http://schemas.microsoft.com/office/drawing/2010/main" Requires="a14">
+      <mc:AlternateContent xmlns:mc="http://schemas.openxmlformats.org/markup-compatibility/2006" xmlns:a14="http://schemas.microsoft.com/office/drawing/2010/main">
+        <mc:Choice Requires="a14">
           <p:sp>
             <p:nvSpPr>
               <p:cNvPr id="12" name="正方形/長方形 11"/>
@@ -7311,6 +8927,7 @@
               </a:bodyPr>
               <a:lstStyle/>
               <a:p>
+                <a:pPr/>
                 <a14:m>
                   <m:oMathPara xmlns:m="http://schemas.openxmlformats.org/officeDocument/2006/math">
                     <m:oMathParaPr>
@@ -7511,7 +9128,7 @@
             </p:txBody>
           </p:sp>
         </mc:Choice>
-        <mc:Fallback>
+        <mc:Fallback xmlns="">
           <p:sp>
             <p:nvSpPr>
               <p:cNvPr id="12" name="正方形/長方形 11"/>
@@ -7550,8 +9167,8 @@
           </p:sp>
         </mc:Fallback>
       </mc:AlternateContent>
-      <mc:AlternateContent xmlns:mc="http://schemas.openxmlformats.org/markup-compatibility/2006">
-        <mc:Choice xmlns:a14="http://schemas.microsoft.com/office/drawing/2010/main" Requires="a14">
+      <mc:AlternateContent xmlns:mc="http://schemas.openxmlformats.org/markup-compatibility/2006" xmlns:a14="http://schemas.microsoft.com/office/drawing/2010/main">
+        <mc:Choice Requires="a14">
           <p:sp>
             <p:nvSpPr>
               <p:cNvPr id="13" name="テキスト ボックス 12"/>
@@ -7574,6 +9191,7 @@
               </a:bodyPr>
               <a:lstStyle/>
               <a:p>
+                <a:pPr/>
                 <a14:m>
                   <m:oMathPara xmlns:m="http://schemas.openxmlformats.org/officeDocument/2006/math">
                     <m:oMathParaPr>
@@ -7772,7 +9390,7 @@
             </p:txBody>
           </p:sp>
         </mc:Choice>
-        <mc:Fallback>
+        <mc:Fallback xmlns="">
           <p:sp>
             <p:nvSpPr>
               <p:cNvPr id="13" name="テキスト ボックス 12"/>
@@ -8124,8 +9742,8 @@
           </a:fontRef>
         </p:style>
       </p:cxnSp>
-      <mc:AlternateContent xmlns:mc="http://schemas.openxmlformats.org/markup-compatibility/2006">
-        <mc:Choice xmlns:a14="http://schemas.microsoft.com/office/drawing/2010/main" Requires="a14">
+      <mc:AlternateContent xmlns:mc="http://schemas.openxmlformats.org/markup-compatibility/2006" xmlns:a14="http://schemas.microsoft.com/office/drawing/2010/main">
+        <mc:Choice Requires="a14">
           <p:sp>
             <p:nvSpPr>
               <p:cNvPr id="41" name="正方形/長方形 40"/>
@@ -8147,6 +9765,7 @@
               </a:bodyPr>
               <a:lstStyle/>
               <a:p>
+                <a:pPr/>
                 <a14:m>
                   <m:oMathPara xmlns:m="http://schemas.openxmlformats.org/officeDocument/2006/math">
                     <m:oMathParaPr>
@@ -8190,7 +9809,7 @@
             </p:txBody>
           </p:sp>
         </mc:Choice>
-        <mc:Fallback>
+        <mc:Fallback xmlns="">
           <p:sp>
             <p:nvSpPr>
               <p:cNvPr id="41" name="正方形/長方形 40"/>
@@ -8229,8 +9848,8 @@
           </p:sp>
         </mc:Fallback>
       </mc:AlternateContent>
-      <mc:AlternateContent xmlns:mc="http://schemas.openxmlformats.org/markup-compatibility/2006">
-        <mc:Choice xmlns:a14="http://schemas.microsoft.com/office/drawing/2010/main" Requires="a14">
+      <mc:AlternateContent xmlns:mc="http://schemas.openxmlformats.org/markup-compatibility/2006" xmlns:a14="http://schemas.microsoft.com/office/drawing/2010/main">
+        <mc:Choice Requires="a14">
           <p:sp>
             <p:nvSpPr>
               <p:cNvPr id="42" name="テキスト ボックス 41"/>
@@ -8282,7 +9901,7 @@
             </p:txBody>
           </p:sp>
         </mc:Choice>
-        <mc:Fallback>
+        <mc:Fallback xmlns="">
           <p:sp>
             <p:nvSpPr>
               <p:cNvPr id="42" name="テキスト ボックス 41"/>
@@ -8321,8 +9940,8 @@
           </p:sp>
         </mc:Fallback>
       </mc:AlternateContent>
-      <mc:AlternateContent xmlns:mc="http://schemas.openxmlformats.org/markup-compatibility/2006">
-        <mc:Choice xmlns:a14="http://schemas.microsoft.com/office/drawing/2010/main" Requires="a14">
+      <mc:AlternateContent xmlns:mc="http://schemas.openxmlformats.org/markup-compatibility/2006" xmlns:a14="http://schemas.microsoft.com/office/drawing/2010/main">
+        <mc:Choice Requires="a14">
           <p:sp>
             <p:nvSpPr>
               <p:cNvPr id="43" name="正方形/長方形 42"/>
@@ -8344,6 +9963,7 @@
               </a:bodyPr>
               <a:lstStyle/>
               <a:p>
+                <a:pPr/>
                 <a14:m>
                   <m:oMathPara xmlns:m="http://schemas.openxmlformats.org/officeDocument/2006/math">
                     <m:oMathParaPr>
@@ -8364,7 +9984,7 @@
             </p:txBody>
           </p:sp>
         </mc:Choice>
-        <mc:Fallback>
+        <mc:Fallback xmlns="">
           <p:sp>
             <p:nvSpPr>
               <p:cNvPr id="43" name="正方形/長方形 42"/>
@@ -8416,7 +10036,7 @@
 </p:sld>
 </file>
 
-<file path=ppt/slides/slide13.xml><?xml version="1.0" encoding="utf-8"?>
+<file path=ppt/slides/slide14.xml><?xml version="1.0" encoding="utf-8"?>
 <p:sld xmlns:a="http://schemas.openxmlformats.org/drawingml/2006/main" xmlns:r="http://schemas.openxmlformats.org/officeDocument/2006/relationships" xmlns:p="http://schemas.openxmlformats.org/presentationml/2006/main">
   <p:cSld>
     <p:spTree>
@@ -8450,7 +10070,7 @@
           <a:p>
             <a:fld id="{7150E25F-B8C9-4ED1-8626-95CB18EC23DC}" type="slidenum">
               <a:rPr kumimoji="1" lang="ja-JP" altLang="en-US" smtClean="0"/>
-              <a:t>13</a:t>
+              <a:t>14</a:t>
             </a:fld>
             <a:endParaRPr kumimoji="1" lang="ja-JP" altLang="en-US"/>
           </a:p>
@@ -9301,8 +10921,8 @@
           </a:prstGeom>
         </p:spPr>
       </p:pic>
-      <mc:AlternateContent xmlns:mc="http://schemas.openxmlformats.org/markup-compatibility/2006" xmlns:a14="http://schemas.microsoft.com/office/drawing/2010/main">
-        <mc:Choice Requires="a14">
+      <mc:AlternateContent xmlns:mc="http://schemas.openxmlformats.org/markup-compatibility/2006">
+        <mc:Choice xmlns:a14="http://schemas.microsoft.com/office/drawing/2010/main" Requires="a14">
           <p:sp>
             <p:nvSpPr>
               <p:cNvPr id="8" name="テキスト ボックス 7"/>
@@ -9311,8 +10931,8 @@
             </p:nvSpPr>
             <p:spPr>
               <a:xfrm>
-                <a:off x="1794240" y="2636682"/>
-                <a:ext cx="3095143" cy="400110"/>
+                <a:off x="1786006" y="2639866"/>
+                <a:ext cx="3787640" cy="400110"/>
               </a:xfrm>
               <a:prstGeom prst="rect">
                 <a:avLst/>
@@ -9326,7 +10946,7 @@
               <a:lstStyle/>
               <a:p>
                 <a:r>
-                  <a:rPr kumimoji="1" lang="en-US" altLang="ja-JP" sz="2000"/>
+                  <a:rPr kumimoji="1" lang="en-US" altLang="ja-JP" sz="2000" smtClean="0"/>
                   <a:t>No degeneracy : </a:t>
                 </a:r>
                 <a14:m>
@@ -9359,17 +10979,28 @@
                     <m:r>
                       <a:rPr lang="en-US" altLang="ja-JP" sz="2000" b="0" i="1" smtClean="0">
                         <a:latin typeface="Cambria Math" panose="02040503050406030204" pitchFamily="18" charset="0"/>
+                        <a:ea typeface="Cambria Math" panose="02040503050406030204" pitchFamily="18" charset="0"/>
                       </a:rPr>
-                      <m:t>&lt;0</m:t>
+                      <m:t>≪</m:t>
+                    </m:r>
+                    <m:r>
+                      <a:rPr lang="en-US" altLang="ja-JP" sz="2000" b="0" i="1" smtClean="0">
+                        <a:latin typeface="Cambria Math" panose="02040503050406030204" pitchFamily="18" charset="0"/>
+                      </a:rPr>
+                      <m:t>0</m:t>
                     </m:r>
                   </m:oMath>
                 </a14:m>
+                <a:r>
+                  <a:rPr kumimoji="1" lang="en-US" altLang="ja-JP" sz="2000" smtClean="0"/>
+                  <a:t> meV</a:t>
+                </a:r>
                 <a:endParaRPr kumimoji="1" lang="ja-JP" altLang="en-US" sz="2000"/>
               </a:p>
             </p:txBody>
           </p:sp>
         </mc:Choice>
-        <mc:Fallback xmlns="">
+        <mc:Fallback>
           <p:sp>
             <p:nvSpPr>
               <p:cNvPr id="8" name="テキスト ボックス 7"/>
@@ -9380,8 +11011,8 @@
             </p:nvSpPr>
             <p:spPr>
               <a:xfrm>
-                <a:off x="1794240" y="2636682"/>
-                <a:ext cx="3095143" cy="400110"/>
+                <a:off x="1786006" y="2639866"/>
+                <a:ext cx="3787640" cy="400110"/>
               </a:xfrm>
               <a:prstGeom prst="rect">
                 <a:avLst/>
@@ -9389,7 +11020,7 @@
               <a:blipFill>
                 <a:blip r:embed="rId4"/>
                 <a:stretch>
-                  <a:fillRect l="-1969" t="-9231" b="-27692"/>
+                  <a:fillRect l="-1771" t="-7576" r="-805" b="-25758"/>
                 </a:stretch>
               </a:blipFill>
             </p:spPr>
@@ -9408,8 +11039,8 @@
           </p:sp>
         </mc:Fallback>
       </mc:AlternateContent>
-      <mc:AlternateContent xmlns:mc="http://schemas.openxmlformats.org/markup-compatibility/2006" xmlns:a14="http://schemas.microsoft.com/office/drawing/2010/main">
-        <mc:Choice Requires="a14">
+      <mc:AlternateContent xmlns:mc="http://schemas.openxmlformats.org/markup-compatibility/2006">
+        <mc:Choice xmlns:a14="http://schemas.microsoft.com/office/drawing/2010/main" Requires="a14">
           <p:sp>
             <p:nvSpPr>
               <p:cNvPr id="9" name="正方形/長方形 8"/>
@@ -9418,8 +11049,8 @@
             </p:nvSpPr>
             <p:spPr>
               <a:xfrm>
-                <a:off x="7098872" y="2631313"/>
-                <a:ext cx="2986587" cy="400110"/>
+                <a:off x="6891227" y="2551184"/>
+                <a:ext cx="3321166" cy="400110"/>
               </a:xfrm>
               <a:prstGeom prst="rect">
                 <a:avLst/>
@@ -9432,7 +11063,7 @@
               <a:lstStyle/>
               <a:p>
                 <a:r>
-                  <a:rPr lang="en-US" altLang="ja-JP" sz="2000" dirty="0"/>
+                  <a:rPr lang="en-US" altLang="ja-JP" sz="2000" dirty="0" smtClean="0"/>
                   <a:t>degeneracy : </a:t>
                 </a:r>
                 <a14:m>
@@ -9463,55 +11094,27 @@
                       </m:sub>
                     </m:sSub>
                     <m:r>
-                      <a:rPr lang="en-US" altLang="ja-JP" sz="2000" i="1" smtClean="0">
-                        <a:latin typeface="Cambria Math" panose="02040503050406030204" pitchFamily="18" charset="0"/>
-                        <a:ea typeface="Cambria Math" panose="02040503050406030204" pitchFamily="18" charset="0"/>
-                      </a:rPr>
-                      <m:t>≫</m:t>
-                    </m:r>
-                    <m:sSub>
-                      <m:sSubPr>
-                        <m:ctrlPr>
-                          <a:rPr lang="en-US" altLang="ja-JP" sz="2000" i="1" smtClean="0">
-                            <a:latin typeface="Cambria Math" panose="02040503050406030204" pitchFamily="18" charset="0"/>
-                            <a:ea typeface="Cambria Math" panose="02040503050406030204" pitchFamily="18" charset="0"/>
-                          </a:rPr>
-                        </m:ctrlPr>
-                      </m:sSubPr>
-                      <m:e>
-                        <m:r>
-                          <a:rPr lang="en-US" altLang="ja-JP" sz="2000" b="0" i="1" smtClean="0">
-                            <a:latin typeface="Cambria Math" panose="02040503050406030204" pitchFamily="18" charset="0"/>
-                            <a:ea typeface="Cambria Math" panose="02040503050406030204" pitchFamily="18" charset="0"/>
-                          </a:rPr>
-                          <m:t>𝑘</m:t>
-                        </m:r>
-                      </m:e>
-                      <m:sub>
-                        <m:r>
-                          <a:rPr lang="en-US" altLang="ja-JP" sz="2000" b="0" i="1" smtClean="0">
-                            <a:latin typeface="Cambria Math" panose="02040503050406030204" pitchFamily="18" charset="0"/>
-                            <a:ea typeface="Cambria Math" panose="02040503050406030204" pitchFamily="18" charset="0"/>
-                          </a:rPr>
-                          <m:t>𝑏</m:t>
-                        </m:r>
-                      </m:sub>
-                    </m:sSub>
-                    <m:r>
                       <a:rPr lang="en-US" altLang="ja-JP" sz="2000" b="0" i="1" smtClean="0">
                         <a:latin typeface="Cambria Math" panose="02040503050406030204" pitchFamily="18" charset="0"/>
-                        <a:ea typeface="Cambria Math" panose="02040503050406030204" pitchFamily="18" charset="0"/>
                       </a:rPr>
-                      <m:t>𝑇</m:t>
+                      <m:t>&gt;0</m:t>
                     </m:r>
                   </m:oMath>
                 </a14:m>
+                <a:r>
+                  <a:rPr lang="ja-JP" altLang="en-US" sz="2000" dirty="0" smtClean="0"/>
+                  <a:t> </a:t>
+                </a:r>
+                <a:r>
+                  <a:rPr lang="en-US" altLang="ja-JP" sz="2000" dirty="0" smtClean="0"/>
+                  <a:t>meV</a:t>
+                </a:r>
                 <a:endParaRPr lang="ja-JP" altLang="en-US" sz="2000" dirty="0"/>
               </a:p>
             </p:txBody>
           </p:sp>
         </mc:Choice>
-        <mc:Fallback xmlns="">
+        <mc:Fallback>
           <p:sp>
             <p:nvSpPr>
               <p:cNvPr id="9" name="正方形/長方形 8"/>
@@ -9522,8 +11125,8 @@
             </p:nvSpPr>
             <p:spPr>
               <a:xfrm>
-                <a:off x="7098872" y="2631313"/>
-                <a:ext cx="2986587" cy="400110"/>
+                <a:off x="6891227" y="2551184"/>
+                <a:ext cx="3321166" cy="400110"/>
               </a:xfrm>
               <a:prstGeom prst="rect">
                 <a:avLst/>
@@ -9531,7 +11134,7 @@
               <a:blipFill>
                 <a:blip r:embed="rId5"/>
                 <a:stretch>
-                  <a:fillRect l="-2249" t="-9231" b="-27692"/>
+                  <a:fillRect l="-1835" t="-9231" r="-1101" b="-27692"/>
                 </a:stretch>
               </a:blipFill>
             </p:spPr>
@@ -12605,8 +14208,8 @@
           <a:chExt cx="0" cy="0"/>
         </a:xfrm>
       </p:grpSpPr>
-      <mc:AlternateContent xmlns:mc="http://schemas.openxmlformats.org/markup-compatibility/2006" xmlns:a14="http://schemas.microsoft.com/office/drawing/2010/main">
-        <mc:Choice Requires="a14">
+      <mc:AlternateContent xmlns:mc="http://schemas.openxmlformats.org/markup-compatibility/2006">
+        <mc:Choice xmlns:a14="http://schemas.microsoft.com/office/drawing/2010/main" Requires="a14">
           <p:sp>
             <p:nvSpPr>
               <p:cNvPr id="3" name="コンテンツ プレースホルダー 2"/>
@@ -12640,12 +14243,23 @@
               <a:p>
                 <a:r>
                   <a:rPr lang="en-US" altLang="ja-JP" sz="2400"/>
-                  <a:t>Energy exchange is an integer multiple of </a:t>
+                  <a:t>Energy exchange is an </a:t>
+                </a:r>
+                <a:r>
+                  <a:rPr lang="en-US" altLang="ja-JP" sz="2400" smtClean="0">
+                    <a:solidFill>
+                      <a:srgbClr val="FF0000"/>
+                    </a:solidFill>
+                  </a:rPr>
+                  <a:t>integer multiple of </a:t>
                 </a:r>
                 <a14:m>
                   <m:oMath xmlns:m="http://schemas.openxmlformats.org/officeDocument/2006/math">
                     <m:r>
                       <a:rPr lang="en-US" altLang="ja-JP" sz="2400" i="1" smtClean="0">
+                        <a:solidFill>
+                          <a:srgbClr val="FF0000"/>
+                        </a:solidFill>
                         <a:latin typeface="Cambria Math" panose="02040503050406030204" pitchFamily="18" charset="0"/>
                         <a:ea typeface="Cambria Math" panose="02040503050406030204" pitchFamily="18" charset="0"/>
                       </a:rPr>
@@ -12655,6 +14269,9 @@
                       <m:sSubPr>
                         <m:ctrlPr>
                           <a:rPr lang="en-US" altLang="ja-JP" sz="2400" i="1" smtClean="0">
+                            <a:solidFill>
+                              <a:srgbClr val="FF0000"/>
+                            </a:solidFill>
                             <a:latin typeface="Cambria Math" panose="02040503050406030204" pitchFamily="18" charset="0"/>
                             <a:ea typeface="Cambria Math" panose="02040503050406030204" pitchFamily="18" charset="0"/>
                           </a:rPr>
@@ -12663,6 +14280,9 @@
                       <m:e>
                         <m:r>
                           <a:rPr lang="ja-JP" altLang="en-US" sz="2400" i="1" smtClean="0">
+                            <a:solidFill>
+                              <a:srgbClr val="FF0000"/>
+                            </a:solidFill>
                             <a:latin typeface="Cambria Math" panose="02040503050406030204" pitchFamily="18" charset="0"/>
                             <a:ea typeface="Cambria Math" panose="02040503050406030204" pitchFamily="18" charset="0"/>
                           </a:rPr>
@@ -12672,6 +14292,9 @@
                       <m:sub>
                         <m:r>
                           <a:rPr lang="en-US" altLang="ja-JP" sz="2400" b="0" i="1" smtClean="0">
+                            <a:solidFill>
+                              <a:srgbClr val="FF0000"/>
+                            </a:solidFill>
                             <a:latin typeface="Cambria Math" panose="02040503050406030204" pitchFamily="18" charset="0"/>
                             <a:ea typeface="Cambria Math" panose="02040503050406030204" pitchFamily="18" charset="0"/>
                           </a:rPr>
@@ -12716,7 +14339,7 @@
             </p:txBody>
           </p:sp>
         </mc:Choice>
-        <mc:Fallback xmlns="">
+        <mc:Fallback>
           <p:sp>
             <p:nvSpPr>
               <p:cNvPr id="3" name="コンテンツ プレースホルダー 2"/>
@@ -12864,8 +14487,8 @@
           </a:p>
         </p:txBody>
       </p:sp>
-      <mc:AlternateContent xmlns:mc="http://schemas.openxmlformats.org/markup-compatibility/2006" xmlns:a14="http://schemas.microsoft.com/office/drawing/2010/main">
-        <mc:Choice Requires="a14">
+      <mc:AlternateContent xmlns:mc="http://schemas.openxmlformats.org/markup-compatibility/2006">
+        <mc:Choice xmlns:a14="http://schemas.microsoft.com/office/drawing/2010/main" Requires="a14">
           <p:sp>
             <p:nvSpPr>
               <p:cNvPr id="8" name="テキスト ボックス 7"/>
@@ -12874,8 +14497,8 @@
             </p:nvSpPr>
             <p:spPr>
               <a:xfrm>
-                <a:off x="7002117" y="4355486"/>
-                <a:ext cx="2653162" cy="878895"/>
+                <a:off x="6537479" y="4399612"/>
+                <a:ext cx="3273910" cy="878895"/>
               </a:xfrm>
               <a:prstGeom prst="rect">
                 <a:avLst/>
@@ -12895,12 +14518,43 @@
                       <m:jc m:val="centerGroup"/>
                     </m:oMathParaPr>
                     <m:oMath xmlns:m="http://schemas.openxmlformats.org/officeDocument/2006/math">
+                      <m:sSub>
+                        <m:sSubPr>
+                          <m:ctrlPr>
+                            <a:rPr lang="en-US" altLang="ja-JP" sz="2000" i="1" smtClean="0">
+                              <a:latin typeface="Cambria Math" panose="02040503050406030204" pitchFamily="18" charset="0"/>
+                            </a:rPr>
+                          </m:ctrlPr>
+                        </m:sSubPr>
+                        <m:e>
+                          <m:r>
+                            <a:rPr lang="en-US" altLang="ja-JP" sz="2000" b="0" i="1" smtClean="0">
+                              <a:latin typeface="Cambria Math" panose="02040503050406030204" pitchFamily="18" charset="0"/>
+                            </a:rPr>
+                            <m:t>𝑁</m:t>
+                          </m:r>
+                        </m:e>
+                        <m:sub>
+                          <m:r>
+                            <a:rPr lang="en-US" altLang="ja-JP" sz="2000" b="0" i="1" smtClean="0">
+                              <a:latin typeface="Cambria Math" panose="02040503050406030204" pitchFamily="18" charset="0"/>
+                            </a:rPr>
+                            <m:t>0</m:t>
+                          </m:r>
+                        </m:sub>
+                      </m:sSub>
+                      <m:r>
+                        <a:rPr lang="en-US" altLang="ja-JP" sz="2000" b="0" i="1" smtClean="0">
+                          <a:latin typeface="Cambria Math" panose="02040503050406030204" pitchFamily="18" charset="0"/>
+                        </a:rPr>
+                        <m:t>=</m:t>
+                      </m:r>
                       <m:d>
                         <m:dPr>
                           <m:begChr m:val="⟨"/>
                           <m:endChr m:val="⟩"/>
                           <m:ctrlPr>
-                            <a:rPr lang="en-US" altLang="ja-JP" sz="2000" i="1">
+                            <a:rPr lang="en-US" altLang="ja-JP" sz="2000" i="1" smtClean="0">
                               <a:latin typeface="Cambria Math" panose="02040503050406030204" pitchFamily="18" charset="0"/>
                             </a:rPr>
                           </m:ctrlPr>
@@ -13056,7 +14710,7 @@
             </p:txBody>
           </p:sp>
         </mc:Choice>
-        <mc:Fallback xmlns="">
+        <mc:Fallback>
           <p:sp>
             <p:nvSpPr>
               <p:cNvPr id="8" name="テキスト ボックス 7"/>
@@ -13067,8 +14721,8 @@
             </p:nvSpPr>
             <p:spPr>
               <a:xfrm>
-                <a:off x="7002117" y="4355486"/>
-                <a:ext cx="2653162" cy="878895"/>
+                <a:off x="6537479" y="4399612"/>
+                <a:ext cx="3273910" cy="878895"/>
               </a:xfrm>
               <a:prstGeom prst="rect">
                 <a:avLst/>
@@ -13651,102 +15305,51 @@
           </p:sp>
         </mc:Fallback>
       </mc:AlternateContent>
-      <mc:AlternateContent xmlns:mc="http://schemas.openxmlformats.org/markup-compatibility/2006" xmlns:a14="http://schemas.microsoft.com/office/drawing/2010/main">
-        <mc:Choice Requires="a14">
-          <p:sp>
-            <p:nvSpPr>
-              <p:cNvPr id="32" name="テキスト ボックス 31"/>
-              <p:cNvSpPr txBox="1"/>
-              <p:nvPr/>
-            </p:nvSpPr>
-            <p:spPr>
-              <a:xfrm>
-                <a:off x="206040" y="1375582"/>
-                <a:ext cx="1588063" cy="369332"/>
-              </a:xfrm>
-              <a:prstGeom prst="rect">
-                <a:avLst/>
-              </a:prstGeom>
-              <a:noFill/>
-            </p:spPr>
-            <p:txBody>
-              <a:bodyPr wrap="none" rtlCol="0">
-                <a:spAutoFit/>
-              </a:bodyPr>
-              <a:lstStyle/>
-              <a:p>
-                <a:pPr/>
-                <a14:m>
-                  <m:oMathPara xmlns:m="http://schemas.openxmlformats.org/officeDocument/2006/math">
-                    <m:oMathParaPr>
-                      <m:jc m:val="centerGroup"/>
-                    </m:oMathParaPr>
-                    <m:oMath xmlns:m="http://schemas.openxmlformats.org/officeDocument/2006/math">
-                      <m:r>
-                        <a:rPr kumimoji="1" lang="en-US" altLang="ja-JP" b="0" i="1" smtClean="0">
-                          <a:latin typeface="Cambria Math" panose="02040503050406030204" pitchFamily="18" charset="0"/>
-                        </a:rPr>
-                        <m:t>[</m:t>
-                      </m:r>
-                      <m:r>
-                        <a:rPr kumimoji="1" lang="en-US" altLang="ja-JP" i="1" smtClean="0">
-                          <a:latin typeface="Cambria Math" panose="02040503050406030204" pitchFamily="18" charset="0"/>
-                        </a:rPr>
-                        <m:t>𝐴𝑏𝑠𝑜𝑟𝑝𝑡𝑖𝑜𝑛</m:t>
-                      </m:r>
-                      <m:r>
-                        <a:rPr kumimoji="1" lang="en-US" altLang="ja-JP" b="0" i="1" smtClean="0">
-                          <a:latin typeface="Cambria Math" panose="02040503050406030204" pitchFamily="18" charset="0"/>
-                        </a:rPr>
-                        <m:t>]</m:t>
-                      </m:r>
-                    </m:oMath>
-                  </m:oMathPara>
-                </a14:m>
-                <a:endParaRPr kumimoji="1" lang="ja-JP" altLang="en-US"/>
-              </a:p>
-            </p:txBody>
-          </p:sp>
-        </mc:Choice>
-        <mc:Fallback xmlns="">
-          <p:sp>
-            <p:nvSpPr>
-              <p:cNvPr id="32" name="テキスト ボックス 31"/>
-              <p:cNvSpPr txBox="1">
-                <a:spLocks noRot="1" noChangeAspect="1" noMove="1" noResize="1" noEditPoints="1" noAdjustHandles="1" noChangeArrowheads="1" noChangeShapeType="1" noTextEdit="1"/>
-              </p:cNvSpPr>
-              <p:nvPr/>
-            </p:nvSpPr>
-            <p:spPr>
-              <a:xfrm>
-                <a:off x="206040" y="1375582"/>
-                <a:ext cx="1588063" cy="369332"/>
-              </a:xfrm>
-              <a:prstGeom prst="rect">
-                <a:avLst/>
-              </a:prstGeom>
-              <a:blipFill>
-                <a:blip r:embed="rId7"/>
-                <a:stretch>
-                  <a:fillRect b="-13333"/>
-                </a:stretch>
-              </a:blipFill>
-            </p:spPr>
-            <p:txBody>
-              <a:bodyPr/>
-              <a:lstStyle/>
-              <a:p>
-                <a:r>
-                  <a:rPr lang="ja-JP" altLang="en-US">
-                    <a:noFill/>
-                  </a:rPr>
-                  <a:t> </a:t>
-                </a:r>
-              </a:p>
-            </p:txBody>
-          </p:sp>
-        </mc:Fallback>
-      </mc:AlternateContent>
+      <p:sp>
+        <p:nvSpPr>
+          <p:cNvPr id="32" name="テキスト ボックス 31"/>
+          <p:cNvSpPr txBox="1"/>
+          <p:nvPr/>
+        </p:nvSpPr>
+        <p:spPr>
+          <a:xfrm>
+            <a:off x="206040" y="1375582"/>
+            <a:ext cx="1588063" cy="369332"/>
+          </a:xfrm>
+          <a:prstGeom prst="rect">
+            <a:avLst/>
+          </a:prstGeom>
+          <a:noFill/>
+        </p:spPr>
+        <p:txBody>
+          <a:bodyPr wrap="none" rtlCol="0">
+            <a:spAutoFit/>
+          </a:bodyPr>
+          <a:lstStyle/>
+          <a:p>
+            <a:pPr/>
+            <a:r>
+              <a:rPr kumimoji="1" lang="en-US" altLang="ja-JP" b="0" i="0" smtClean="0">
+                <a:latin typeface="+mj-lt"/>
+              </a:rPr>
+              <a:t>[</a:t>
+            </a:r>
+            <a:r>
+              <a:rPr kumimoji="1" lang="en-US" altLang="ja-JP" i="0" smtClean="0">
+                <a:latin typeface="+mj-lt"/>
+              </a:rPr>
+              <a:t>Absorption</a:t>
+            </a:r>
+            <a:r>
+              <a:rPr kumimoji="1" lang="en-US" altLang="ja-JP" b="0" i="0" smtClean="0">
+                <a:latin typeface="+mj-lt"/>
+              </a:rPr>
+              <a:t>]</a:t>
+            </a:r>
+            <a:endParaRPr kumimoji="1" lang="ja-JP" altLang="en-US"/>
+          </a:p>
+        </p:txBody>
+      </p:sp>
       <mc:AlternateContent xmlns:mc="http://schemas.openxmlformats.org/markup-compatibility/2006" xmlns:a14="http://schemas.microsoft.com/office/drawing/2010/main">
         <mc:Choice Requires="a14">
           <p:sp>
@@ -15000,101 +16603,50 @@
           </p:sp>
         </mc:Fallback>
       </mc:AlternateContent>
-      <mc:AlternateContent xmlns:mc="http://schemas.openxmlformats.org/markup-compatibility/2006" xmlns:a14="http://schemas.microsoft.com/office/drawing/2010/main">
-        <mc:Choice Requires="a14">
-          <p:sp>
-            <p:nvSpPr>
-              <p:cNvPr id="60" name="正方形/長方形 59"/>
-              <p:cNvSpPr/>
-              <p:nvPr/>
-            </p:nvSpPr>
-            <p:spPr>
-              <a:xfrm>
-                <a:off x="224170" y="4142596"/>
-                <a:ext cx="1384482" cy="369332"/>
-              </a:xfrm>
-              <a:prstGeom prst="rect">
-                <a:avLst/>
-              </a:prstGeom>
-            </p:spPr>
-            <p:txBody>
-              <a:bodyPr wrap="none">
-                <a:spAutoFit/>
-              </a:bodyPr>
-              <a:lstStyle/>
-              <a:p>
-                <a:pPr/>
-                <a14:m>
-                  <m:oMathPara xmlns:m="http://schemas.openxmlformats.org/officeDocument/2006/math">
-                    <m:oMathParaPr>
-                      <m:jc m:val="centerGroup"/>
-                    </m:oMathParaPr>
-                    <m:oMath xmlns:m="http://schemas.openxmlformats.org/officeDocument/2006/math">
-                      <m:r>
-                        <a:rPr lang="en-US" altLang="ja-JP" i="1" smtClean="0">
-                          <a:latin typeface="Cambria Math" panose="02040503050406030204" pitchFamily="18" charset="0"/>
-                        </a:rPr>
-                        <m:t>[</m:t>
-                      </m:r>
-                      <m:r>
-                        <a:rPr lang="en-US" altLang="ja-JP" b="0" i="1" smtClean="0">
-                          <a:latin typeface="Cambria Math" panose="02040503050406030204" pitchFamily="18" charset="0"/>
-                        </a:rPr>
-                        <m:t>𝐸𝑚𝑖𝑠𝑠𝑖𝑜𝑛</m:t>
-                      </m:r>
-                      <m:r>
-                        <a:rPr lang="en-US" altLang="ja-JP" i="1">
-                          <a:latin typeface="Cambria Math" panose="02040503050406030204" pitchFamily="18" charset="0"/>
-                        </a:rPr>
-                        <m:t>]</m:t>
-                      </m:r>
-                    </m:oMath>
-                  </m:oMathPara>
-                </a14:m>
-                <a:endParaRPr lang="ja-JP" altLang="en-US"/>
-              </a:p>
-            </p:txBody>
-          </p:sp>
-        </mc:Choice>
-        <mc:Fallback xmlns="">
-          <p:sp>
-            <p:nvSpPr>
-              <p:cNvPr id="60" name="正方形/長方形 59"/>
-              <p:cNvSpPr>
-                <a:spLocks noRot="1" noChangeAspect="1" noMove="1" noResize="1" noEditPoints="1" noAdjustHandles="1" noChangeArrowheads="1" noChangeShapeType="1" noTextEdit="1"/>
-              </p:cNvSpPr>
-              <p:nvPr/>
-            </p:nvSpPr>
-            <p:spPr>
-              <a:xfrm>
-                <a:off x="224170" y="4142596"/>
-                <a:ext cx="1384482" cy="369332"/>
-              </a:xfrm>
-              <a:prstGeom prst="rect">
-                <a:avLst/>
-              </a:prstGeom>
-              <a:blipFill>
-                <a:blip r:embed="rId15"/>
-                <a:stretch>
-                  <a:fillRect b="-13333"/>
-                </a:stretch>
-              </a:blipFill>
-            </p:spPr>
-            <p:txBody>
-              <a:bodyPr/>
-              <a:lstStyle/>
-              <a:p>
-                <a:r>
-                  <a:rPr lang="ja-JP" altLang="en-US">
-                    <a:noFill/>
-                  </a:rPr>
-                  <a:t> </a:t>
-                </a:r>
-              </a:p>
-            </p:txBody>
-          </p:sp>
-        </mc:Fallback>
-      </mc:AlternateContent>
+      <p:sp>
+        <p:nvSpPr>
+          <p:cNvPr id="60" name="正方形/長方形 59"/>
+          <p:cNvSpPr/>
+          <p:nvPr/>
+        </p:nvSpPr>
+        <p:spPr>
+          <a:xfrm>
+            <a:off x="224170" y="4142596"/>
+            <a:ext cx="1380506" cy="369332"/>
+          </a:xfrm>
+          <a:prstGeom prst="rect">
+            <a:avLst/>
+          </a:prstGeom>
+        </p:spPr>
+        <p:txBody>
+          <a:bodyPr wrap="none">
+            <a:spAutoFit/>
+          </a:bodyPr>
+          <a:lstStyle/>
+          <a:p>
+            <a:pPr/>
+            <a:r>
+              <a:rPr lang="en-US" altLang="ja-JP" i="0" smtClean="0">
+                <a:latin typeface="+mj-lt"/>
+              </a:rPr>
+              <a:t>[</a:t>
+            </a:r>
+            <a:r>
+              <a:rPr lang="en-US" altLang="ja-JP" b="0" i="0" smtClean="0">
+                <a:latin typeface="+mj-lt"/>
+              </a:rPr>
+              <a:t>Emission</a:t>
+            </a:r>
+            <a:r>
+              <a:rPr lang="en-US" altLang="ja-JP" i="0" smtClean="0">
+                <a:latin typeface="+mj-lt"/>
+              </a:rPr>
+              <a:t>]</a:t>
+            </a:r>
+            <a:endParaRPr lang="ja-JP" altLang="en-US"/>
+          </a:p>
+        </p:txBody>
+      </p:sp>
     </p:spTree>
     <p:extLst>
       <p:ext uri="{BB962C8B-B14F-4D97-AF65-F5344CB8AC3E}">

--- a/presentation/kubo_20231129.pptx
+++ b/presentation/kubo_20231129.pptx
@@ -5,7 +5,7 @@
     <p:sldMasterId id="2147483648" r:id="rId1"/>
   </p:sldMasterIdLst>
   <p:notesMasterIdLst>
-    <p:notesMasterId r:id="rId16"/>
+    <p:notesMasterId r:id="rId17"/>
   </p:notesMasterIdLst>
   <p:sldIdLst>
     <p:sldId id="256" r:id="rId2"/>
@@ -19,9 +19,10 @@
     <p:sldId id="265" r:id="rId10"/>
     <p:sldId id="266" r:id="rId11"/>
     <p:sldId id="270" r:id="rId12"/>
-    <p:sldId id="269" r:id="rId13"/>
-    <p:sldId id="263" r:id="rId14"/>
-    <p:sldId id="268" r:id="rId15"/>
+    <p:sldId id="268" r:id="rId13"/>
+    <p:sldId id="269" r:id="rId14"/>
+    <p:sldId id="263" r:id="rId15"/>
+    <p:sldId id="271" r:id="rId16"/>
   </p:sldIdLst>
   <p:sldSz cx="12192000" cy="6858000"/>
   <p:notesSz cx="6858000" cy="9144000"/>
@@ -507,6 +508,90 @@
     </a:lvl9pPr>
   </p:notesStyle>
 </p:notesMaster>
+</file>
+
+<file path=ppt/notesSlides/notesSlide1.xml><?xml version="1.0" encoding="utf-8"?>
+<p:notes xmlns:a="http://schemas.openxmlformats.org/drawingml/2006/main" xmlns:r="http://schemas.openxmlformats.org/officeDocument/2006/relationships" xmlns:p="http://schemas.openxmlformats.org/presentationml/2006/main">
+  <p:cSld>
+    <p:spTree>
+      <p:nvGrpSpPr>
+        <p:cNvPr id="1" name=""/>
+        <p:cNvGrpSpPr/>
+        <p:nvPr/>
+      </p:nvGrpSpPr>
+      <p:grpSpPr>
+        <a:xfrm>
+          <a:off x="0" y="0"/>
+          <a:ext cx="0" cy="0"/>
+          <a:chOff x="0" y="0"/>
+          <a:chExt cx="0" cy="0"/>
+        </a:xfrm>
+      </p:grpSpPr>
+      <p:sp>
+        <p:nvSpPr>
+          <p:cNvPr id="2" name="スライド イメージ プレースホルダー 1"/>
+          <p:cNvSpPr>
+            <a:spLocks noGrp="1" noRot="1" noChangeAspect="1"/>
+          </p:cNvSpPr>
+          <p:nvPr>
+            <p:ph type="sldImg"/>
+          </p:nvPr>
+        </p:nvSpPr>
+        <p:spPr/>
+      </p:sp>
+      <p:sp>
+        <p:nvSpPr>
+          <p:cNvPr id="3" name="ノート プレースホルダー 2"/>
+          <p:cNvSpPr>
+            <a:spLocks noGrp="1"/>
+          </p:cNvSpPr>
+          <p:nvPr>
+            <p:ph type="body" idx="1"/>
+          </p:nvPr>
+        </p:nvSpPr>
+        <p:spPr/>
+        <p:txBody>
+          <a:bodyPr/>
+          <a:lstStyle/>
+          <a:p>
+            <a:endParaRPr kumimoji="1" lang="ja-JP" altLang="en-US"/>
+          </a:p>
+        </p:txBody>
+      </p:sp>
+      <p:sp>
+        <p:nvSpPr>
+          <p:cNvPr id="4" name="スライド番号プレースホルダー 3"/>
+          <p:cNvSpPr>
+            <a:spLocks noGrp="1"/>
+          </p:cNvSpPr>
+          <p:nvPr>
+            <p:ph type="sldNum" sz="quarter" idx="10"/>
+          </p:nvPr>
+        </p:nvSpPr>
+        <p:spPr/>
+        <p:txBody>
+          <a:bodyPr/>
+          <a:lstStyle/>
+          <a:p>
+            <a:fld id="{F893C8CC-E0F2-409A-AFF1-85D6A0823905}" type="slidenum">
+              <a:rPr kumimoji="1" lang="ja-JP" altLang="en-US" smtClean="0"/>
+              <a:t>12</a:t>
+            </a:fld>
+            <a:endParaRPr kumimoji="1" lang="ja-JP" altLang="en-US"/>
+          </a:p>
+        </p:txBody>
+      </p:sp>
+    </p:spTree>
+    <p:extLst>
+      <p:ext uri="{BB962C8B-B14F-4D97-AF65-F5344CB8AC3E}">
+        <p14:creationId xmlns:p14="http://schemas.microsoft.com/office/powerpoint/2010/main" val="337081603"/>
+      </p:ext>
+    </p:extLst>
+  </p:cSld>
+  <p:clrMapOvr>
+    <a:masterClrMapping/>
+  </p:clrMapOvr>
+</p:notes>
 </file>
 
 <file path=ppt/slideLayouts/slideLayout1.xml><?xml version="1.0" encoding="utf-8"?>
@@ -4077,8 +4162,8 @@
           </a:fontRef>
         </p:style>
       </p:cxnSp>
-      <mc:AlternateContent xmlns:mc="http://schemas.openxmlformats.org/markup-compatibility/2006">
-        <mc:Choice xmlns:a14="http://schemas.microsoft.com/office/drawing/2010/main" Requires="a14">
+      <mc:AlternateContent xmlns:mc="http://schemas.openxmlformats.org/markup-compatibility/2006" xmlns:a14="http://schemas.microsoft.com/office/drawing/2010/main">
+        <mc:Choice Requires="a14">
           <p:sp>
             <p:nvSpPr>
               <p:cNvPr id="15" name="テキスト ボックス 14"/>
@@ -4145,7 +4230,7 @@
             </p:txBody>
           </p:sp>
         </mc:Choice>
-        <mc:Fallback>
+        <mc:Fallback xmlns="">
           <p:sp>
             <p:nvSpPr>
               <p:cNvPr id="15" name="テキスト ボックス 14"/>
@@ -4184,8 +4269,8 @@
           </p:sp>
         </mc:Fallback>
       </mc:AlternateContent>
-      <mc:AlternateContent xmlns:mc="http://schemas.openxmlformats.org/markup-compatibility/2006">
-        <mc:Choice xmlns:a14="http://schemas.microsoft.com/office/drawing/2010/main" Requires="a14">
+      <mc:AlternateContent xmlns:mc="http://schemas.openxmlformats.org/markup-compatibility/2006" xmlns:a14="http://schemas.microsoft.com/office/drawing/2010/main">
+        <mc:Choice Requires="a14">
           <p:sp>
             <p:nvSpPr>
               <p:cNvPr id="16" name="正方形/長方形 15"/>
@@ -4263,7 +4348,7 @@
             </p:txBody>
           </p:sp>
         </mc:Choice>
-        <mc:Fallback>
+        <mc:Fallback xmlns="">
           <p:sp>
             <p:nvSpPr>
               <p:cNvPr id="16" name="正方形/長方形 15"/>
@@ -4302,8 +4387,8 @@
           </p:sp>
         </mc:Fallback>
       </mc:AlternateContent>
-      <mc:AlternateContent xmlns:mc="http://schemas.openxmlformats.org/markup-compatibility/2006">
-        <mc:Choice xmlns:a14="http://schemas.microsoft.com/office/drawing/2010/main" Requires="a14">
+      <mc:AlternateContent xmlns:mc="http://schemas.openxmlformats.org/markup-compatibility/2006" xmlns:a14="http://schemas.microsoft.com/office/drawing/2010/main">
+        <mc:Choice Requires="a14">
           <p:sp>
             <p:nvSpPr>
               <p:cNvPr id="17" name="正方形/長方形 16"/>
@@ -4381,7 +4466,7 @@
             </p:txBody>
           </p:sp>
         </mc:Choice>
-        <mc:Fallback>
+        <mc:Fallback xmlns="">
           <p:sp>
             <p:nvSpPr>
               <p:cNvPr id="17" name="正方形/長方形 16"/>
@@ -4420,8 +4505,8 @@
           </p:sp>
         </mc:Fallback>
       </mc:AlternateContent>
-      <mc:AlternateContent xmlns:mc="http://schemas.openxmlformats.org/markup-compatibility/2006">
-        <mc:Choice xmlns:a14="http://schemas.microsoft.com/office/drawing/2010/main" Requires="a14">
+      <mc:AlternateContent xmlns:mc="http://schemas.openxmlformats.org/markup-compatibility/2006" xmlns:a14="http://schemas.microsoft.com/office/drawing/2010/main">
+        <mc:Choice Requires="a14">
           <p:sp>
             <p:nvSpPr>
               <p:cNvPr id="18" name="テキスト ボックス 17"/>
@@ -4462,11 +4547,7 @@
                 </a:r>
                 <a:r>
                   <a:rPr lang="en-US" altLang="ja-JP" sz="2400"/>
-                  <a:t>energy is observed for a short period of time </a:t>
-                </a:r>
-                <a:r>
-                  <a:rPr lang="en-US" altLang="ja-JP" sz="2400"/>
-                  <a:t>after </a:t>
+                  <a:t>energy is observed for a short period of time after </a:t>
                 </a:r>
                 <a:r>
                   <a:rPr lang="en-US" altLang="ja-JP" sz="2400" smtClean="0"/>
@@ -4491,7 +4572,7 @@
             </p:txBody>
           </p:sp>
         </mc:Choice>
-        <mc:Fallback>
+        <mc:Fallback xmlns="">
           <p:sp>
             <p:nvSpPr>
               <p:cNvPr id="18" name="テキスト ボックス 17"/>
@@ -4766,11 +4847,7 @@
           <a:p>
             <a:r>
               <a:rPr lang="en-US" altLang="ja-JP"/>
-              <a:t>Phonon scattering </a:t>
-            </a:r>
-            <a:r>
-              <a:rPr lang="en-US" altLang="ja-JP"/>
-              <a:t>: </a:t>
+              <a:t>Phonon scattering : </a:t>
             </a:r>
             <a:r>
               <a:rPr lang="en-US" altLang="ja-JP" smtClean="0"/>
@@ -4811,13 +4888,7 @@
               <a:rPr lang="ja-JP" altLang="en-US">
                 <a:latin typeface="STIX Two Text" pitchFamily="2" charset="0"/>
               </a:rPr>
-              <a:t>value of energy gained by one electron in the Fermi-</a:t>
-            </a:r>
-            <a:r>
-              <a:rPr lang="ja-JP" altLang="en-US">
-                <a:latin typeface="STIX Two Text" pitchFamily="2" charset="0"/>
-              </a:rPr>
-              <a:t>Dirac </a:t>
+              <a:t>value of energy gained by one electron in the Fermi-Dirac </a:t>
             </a:r>
             <a:r>
               <a:rPr lang="ja-JP" altLang="en-US" smtClean="0">
@@ -4831,8 +4902,8 @@
           </a:p>
         </p:txBody>
       </p:sp>
-      <mc:AlternateContent xmlns:mc="http://schemas.openxmlformats.org/markup-compatibility/2006">
-        <mc:Choice xmlns:a14="http://schemas.microsoft.com/office/drawing/2010/main" Requires="a14">
+      <mc:AlternateContent xmlns:mc="http://schemas.openxmlformats.org/markup-compatibility/2006" xmlns:a14="http://schemas.microsoft.com/office/drawing/2010/main">
+        <mc:Choice Requires="a14">
           <p:sp>
             <p:nvSpPr>
               <p:cNvPr id="9" name="正方形/長方形 8"/>
@@ -4841,8 +4912,8 @@
             </p:nvSpPr>
             <p:spPr>
               <a:xfrm>
-                <a:off x="5521693" y="1850261"/>
-                <a:ext cx="6670307" cy="830997"/>
+                <a:off x="5521693" y="1786695"/>
+                <a:ext cx="6670307" cy="1569660"/>
               </a:xfrm>
               <a:prstGeom prst="rect">
                 <a:avLst/>
@@ -4899,12 +4970,59 @@
                     </m:sSub>
                   </m:oMath>
                 </a14:m>
+                <a:endParaRPr lang="en-US" altLang="ja-JP" sz="2400" smtClean="0"/>
+              </a:p>
+              <a:p>
+                <a:pPr marL="342900" indent="-342900">
+                  <a:buFont typeface="Arial" panose="020B0604020202020204" pitchFamily="34" charset="0"/>
+                  <a:buChar char="•"/>
+                </a:pPr>
+                <a:endParaRPr lang="en-US" altLang="ja-JP" sz="2400"/>
+              </a:p>
+              <a:p>
+                <a:pPr marL="342900" indent="-342900">
+                  <a:buFont typeface="Arial" panose="020B0604020202020204" pitchFamily="34" charset="0"/>
+                  <a:buChar char="•"/>
+                </a:pPr>
+                <a:r>
+                  <a:rPr lang="en-US" altLang="ja-JP" sz="2400"/>
+                  <a:t>Drift speed response </a:t>
+                </a:r>
+                <a:r>
+                  <a:rPr lang="en-US" altLang="ja-JP" sz="2400" smtClean="0"/>
+                  <a:t>time : </a:t>
+                </a:r>
+                <a14:m>
+                  <m:oMath xmlns:m="http://schemas.openxmlformats.org/officeDocument/2006/math">
+                    <m:r>
+                      <a:rPr lang="en-US" altLang="ja-JP" sz="2400" b="0" i="1" smtClean="0">
+                        <a:latin typeface="Cambria Math" panose="02040503050406030204" pitchFamily="18" charset="0"/>
+                      </a:rPr>
+                      <m:t>1.5~2.0</m:t>
+                    </m:r>
+                    <m:r>
+                      <a:rPr lang="en-US" altLang="ja-JP" sz="2400" b="0" i="0" smtClean="0">
+                        <a:latin typeface="Cambria Math" panose="02040503050406030204" pitchFamily="18" charset="0"/>
+                      </a:rPr>
+                      <m:t> </m:t>
+                    </m:r>
+                    <m:r>
+                      <m:rPr>
+                        <m:sty m:val="p"/>
+                      </m:rPr>
+                      <a:rPr lang="en-US" altLang="ja-JP" sz="2400" b="0" i="0" smtClean="0">
+                        <a:latin typeface="Cambria Math" panose="02040503050406030204" pitchFamily="18" charset="0"/>
+                      </a:rPr>
+                      <m:t>ps</m:t>
+                    </m:r>
+                  </m:oMath>
+                </a14:m>
                 <a:endParaRPr lang="ja-JP" altLang="en-US" sz="2400"/>
               </a:p>
             </p:txBody>
           </p:sp>
         </mc:Choice>
-        <mc:Fallback>
+        <mc:Fallback xmlns="">
           <p:sp>
             <p:nvSpPr>
               <p:cNvPr id="9" name="正方形/長方形 8"/>
@@ -4915,8 +5033,8 @@
             </p:nvSpPr>
             <p:spPr>
               <a:xfrm>
-                <a:off x="5521693" y="1850261"/>
-                <a:ext cx="6670307" cy="830997"/>
+                <a:off x="5521693" y="1786695"/>
+                <a:ext cx="6670307" cy="1569660"/>
               </a:xfrm>
               <a:prstGeom prst="rect">
                 <a:avLst/>
@@ -4924,7 +5042,7 @@
               <a:blipFill>
                 <a:blip r:embed="rId3"/>
                 <a:stretch>
-                  <a:fillRect l="-1280" t="-7353" r="-1280" b="-17647"/>
+                  <a:fillRect l="-1280" t="-3876" r="-1280" b="-8527"/>
                 </a:stretch>
               </a:blipFill>
             </p:spPr>
@@ -4943,8 +5061,8 @@
           </p:sp>
         </mc:Fallback>
       </mc:AlternateContent>
-      <mc:AlternateContent xmlns:mc="http://schemas.openxmlformats.org/markup-compatibility/2006">
-        <mc:Choice xmlns:a14="http://schemas.microsoft.com/office/drawing/2010/main" Requires="a14">
+      <mc:AlternateContent xmlns:mc="http://schemas.openxmlformats.org/markup-compatibility/2006" xmlns:a14="http://schemas.microsoft.com/office/drawing/2010/main">
+        <mc:Choice Requires="a14">
           <p:sp>
             <p:nvSpPr>
               <p:cNvPr id="10" name="テキスト ボックス 9"/>
@@ -4967,6 +5085,7 @@
               </a:bodyPr>
               <a:lstStyle/>
               <a:p>
+                <a:pPr/>
                 <a14:m>
                   <m:oMathPara xmlns:m="http://schemas.openxmlformats.org/officeDocument/2006/math">
                     <m:oMathParaPr>
@@ -5185,7 +5304,7 @@
                                   <a:latin typeface="Cambria Math" panose="02040503050406030204" pitchFamily="18" charset="0"/>
                                   <a:ea typeface="Cambria Math" panose="02040503050406030204" pitchFamily="18" charset="0"/>
                                 </a:rPr>
-                                <m:t>+</m:t>
+                                <m:t>−</m:t>
                               </m:r>
                               <m:sSub>
                                 <m:sSubPr>
@@ -5360,7 +5479,7 @@
             </p:txBody>
           </p:sp>
         </mc:Choice>
-        <mc:Fallback>
+        <mc:Fallback xmlns="">
           <p:sp>
             <p:nvSpPr>
               <p:cNvPr id="10" name="テキスト ボックス 9"/>
@@ -5399,6 +5518,83 @@
           </p:sp>
         </mc:Fallback>
       </mc:AlternateContent>
+      <p:pic>
+        <p:nvPicPr>
+          <p:cNvPr id="2" name="図 1"/>
+          <p:cNvPicPr>
+            <a:picLocks noChangeAspect="1"/>
+          </p:cNvPicPr>
+          <p:nvPr/>
+        </p:nvPicPr>
+        <p:blipFill rotWithShape="1">
+          <a:blip r:embed="rId5">
+            <a:extLst>
+              <a:ext uri="{28A0092B-C50C-407E-A947-70E740481C1C}">
+                <a14:useLocalDpi xmlns:a14="http://schemas.microsoft.com/office/drawing/2010/main" val="0"/>
+              </a:ext>
+            </a:extLst>
+          </a:blip>
+          <a:srcRect l="2478" t="23016" r="51290" b="5609"/>
+          <a:stretch/>
+        </p:blipFill>
+        <p:spPr>
+          <a:xfrm>
+            <a:off x="6735488" y="3490567"/>
+            <a:ext cx="3949078" cy="3048345"/>
+          </a:xfrm>
+          <a:prstGeom prst="rect">
+            <a:avLst/>
+          </a:prstGeom>
+        </p:spPr>
+      </p:pic>
+      <p:sp>
+        <p:nvSpPr>
+          <p:cNvPr id="7" name="正方形/長方形 6"/>
+          <p:cNvSpPr/>
+          <p:nvPr/>
+        </p:nvSpPr>
+        <p:spPr>
+          <a:xfrm>
+            <a:off x="8432800" y="3490567"/>
+            <a:ext cx="424046" cy="2865783"/>
+          </a:xfrm>
+          <a:prstGeom prst="rect">
+            <a:avLst/>
+          </a:prstGeom>
+          <a:solidFill>
+            <a:schemeClr val="accent1">
+              <a:alpha val="52000"/>
+            </a:schemeClr>
+          </a:solidFill>
+          <a:ln>
+            <a:noFill/>
+          </a:ln>
+        </p:spPr>
+        <p:style>
+          <a:lnRef idx="2">
+            <a:schemeClr val="accent1">
+              <a:shade val="50000"/>
+            </a:schemeClr>
+          </a:lnRef>
+          <a:fillRef idx="1">
+            <a:schemeClr val="accent1"/>
+          </a:fillRef>
+          <a:effectRef idx="0">
+            <a:schemeClr val="accent1"/>
+          </a:effectRef>
+          <a:fontRef idx="minor">
+            <a:schemeClr val="lt1"/>
+          </a:fontRef>
+        </p:style>
+        <p:txBody>
+          <a:bodyPr rtlCol="0" anchor="ctr"/>
+          <a:lstStyle/>
+          <a:p>
+            <a:pPr algn="ctr"/>
+            <a:endParaRPr kumimoji="1" lang="ja-JP" altLang="en-US"/>
+          </a:p>
+        </p:txBody>
+      </p:sp>
     </p:spTree>
     <p:extLst>
       <p:ext uri="{BB962C8B-B14F-4D97-AF65-F5344CB8AC3E}">
@@ -5413,6 +5609,1186 @@
 </file>
 
 <file path=ppt/slides/slide12.xml><?xml version="1.0" encoding="utf-8"?>
+<p:sld xmlns:a="http://schemas.openxmlformats.org/drawingml/2006/main" xmlns:r="http://schemas.openxmlformats.org/officeDocument/2006/relationships" xmlns:p="http://schemas.openxmlformats.org/presentationml/2006/main">
+  <p:cSld>
+    <p:spTree>
+      <p:nvGrpSpPr>
+        <p:cNvPr id="1" name=""/>
+        <p:cNvGrpSpPr/>
+        <p:nvPr/>
+      </p:nvGrpSpPr>
+      <p:grpSpPr>
+        <a:xfrm>
+          <a:off x="0" y="0"/>
+          <a:ext cx="0" cy="0"/>
+          <a:chOff x="0" y="0"/>
+          <a:chExt cx="0" cy="0"/>
+        </a:xfrm>
+      </p:grpSpPr>
+      <p:sp>
+        <p:nvSpPr>
+          <p:cNvPr id="4" name="スライド番号プレースホルダー 3"/>
+          <p:cNvSpPr>
+            <a:spLocks noGrp="1"/>
+          </p:cNvSpPr>
+          <p:nvPr>
+            <p:ph type="sldNum" sz="quarter" idx="12"/>
+          </p:nvPr>
+        </p:nvSpPr>
+        <p:spPr/>
+        <p:txBody>
+          <a:bodyPr/>
+          <a:lstStyle/>
+          <a:p>
+            <a:fld id="{7150E25F-B8C9-4ED1-8626-95CB18EC23DC}" type="slidenum">
+              <a:rPr kumimoji="1" lang="ja-JP" altLang="en-US" smtClean="0"/>
+              <a:t>12</a:t>
+            </a:fld>
+            <a:endParaRPr kumimoji="1" lang="ja-JP" altLang="en-US"/>
+          </a:p>
+        </p:txBody>
+      </p:sp>
+      <p:sp>
+        <p:nvSpPr>
+          <p:cNvPr id="5" name="正方形/長方形 4">
+            <a:extLst>
+              <a:ext uri="{FF2B5EF4-FFF2-40B4-BE49-F238E27FC236}">
+                <a16:creationId xmlns:a16="http://schemas.microsoft.com/office/drawing/2014/main" id="{E5FDB2C6-CC73-4C09-BA37-9683A766E164}"/>
+              </a:ext>
+            </a:extLst>
+          </p:cNvPr>
+          <p:cNvSpPr/>
+          <p:nvPr/>
+        </p:nvSpPr>
+        <p:spPr>
+          <a:xfrm>
+            <a:off x="-1" y="-1"/>
+            <a:ext cx="12192001" cy="1242391"/>
+          </a:xfrm>
+          <a:prstGeom prst="rect">
+            <a:avLst/>
+          </a:prstGeom>
+          <a:solidFill>
+            <a:srgbClr val="00B036">
+              <a:alpha val="72000"/>
+            </a:srgbClr>
+          </a:solidFill>
+          <a:ln>
+            <a:solidFill>
+              <a:schemeClr val="accent1">
+                <a:shade val="50000"/>
+                <a:alpha val="0"/>
+              </a:schemeClr>
+            </a:solidFill>
+          </a:ln>
+        </p:spPr>
+        <p:style>
+          <a:lnRef idx="2">
+            <a:schemeClr val="accent1">
+              <a:shade val="50000"/>
+            </a:schemeClr>
+          </a:lnRef>
+          <a:fillRef idx="1">
+            <a:schemeClr val="accent1"/>
+          </a:fillRef>
+          <a:effectRef idx="0">
+            <a:schemeClr val="accent1"/>
+          </a:effectRef>
+          <a:fontRef idx="minor">
+            <a:schemeClr val="lt1"/>
+          </a:fontRef>
+        </p:style>
+        <p:txBody>
+          <a:bodyPr rtlCol="0" anchor="ctr"/>
+          <a:lstStyle/>
+          <a:p>
+            <a:pPr algn="ctr"/>
+            <a:endParaRPr kumimoji="1" lang="ja-JP" altLang="en-US" dirty="0"/>
+          </a:p>
+        </p:txBody>
+      </p:sp>
+      <mc:AlternateContent xmlns:mc="http://schemas.openxmlformats.org/markup-compatibility/2006" xmlns:a14="http://schemas.microsoft.com/office/drawing/2010/main">
+        <mc:Choice Requires="a14">
+          <p:sp>
+            <p:nvSpPr>
+              <p:cNvPr id="6" name="タイトル 1"/>
+              <p:cNvSpPr>
+                <a:spLocks noGrp="1"/>
+              </p:cNvSpPr>
+              <p:nvPr>
+                <p:ph type="title"/>
+              </p:nvPr>
+            </p:nvSpPr>
+            <p:spPr>
+              <a:xfrm>
+                <a:off x="72887" y="0"/>
+                <a:ext cx="10515600" cy="1325563"/>
+              </a:xfrm>
+            </p:spPr>
+            <p:txBody>
+              <a:bodyPr/>
+              <a:lstStyle/>
+              <a:p>
+                <a14:m>
+                  <m:oMath xmlns:m="http://schemas.openxmlformats.org/officeDocument/2006/math">
+                    <m:sSub>
+                      <m:sSubPr>
+                        <m:ctrlPr>
+                          <a:rPr kumimoji="1" lang="en-US" altLang="ja-JP" i="1" smtClean="0">
+                            <a:latin typeface="Cambria Math" panose="02040503050406030204" pitchFamily="18" charset="0"/>
+                          </a:rPr>
+                        </m:ctrlPr>
+                      </m:sSubPr>
+                      <m:e>
+                        <m:r>
+                          <a:rPr kumimoji="1" lang="en-US" altLang="ja-JP" b="0" i="1" smtClean="0">
+                            <a:latin typeface="Cambria Math" panose="02040503050406030204" pitchFamily="18" charset="0"/>
+                          </a:rPr>
+                          <m:t>𝐹</m:t>
+                        </m:r>
+                      </m:e>
+                      <m:sub>
+                        <m:r>
+                          <a:rPr kumimoji="1" lang="en-US" altLang="ja-JP" b="0" i="1" smtClean="0">
+                            <a:latin typeface="Cambria Math" panose="02040503050406030204" pitchFamily="18" charset="0"/>
+                          </a:rPr>
+                          <m:t>𝑥</m:t>
+                        </m:r>
+                      </m:sub>
+                    </m:sSub>
+                  </m:oMath>
+                </a14:m>
+                <a:r>
+                  <a:rPr kumimoji="1" lang="ja-JP" altLang="en-US" dirty="0" smtClean="0"/>
+                  <a:t> </a:t>
+                </a:r>
+                <a:r>
+                  <a:rPr kumimoji="1" lang="en-US" altLang="ja-JP" smtClean="0"/>
+                  <a:t>should be ralated</a:t>
+                </a:r>
+                <a:endParaRPr kumimoji="1" lang="ja-JP" altLang="en-US" dirty="0"/>
+              </a:p>
+            </p:txBody>
+          </p:sp>
+        </mc:Choice>
+        <mc:Fallback xmlns="">
+          <p:sp>
+            <p:nvSpPr>
+              <p:cNvPr id="6" name="タイトル 1"/>
+              <p:cNvSpPr>
+                <a:spLocks noGrp="1" noRot="1" noChangeAspect="1" noMove="1" noResize="1" noEditPoints="1" noAdjustHandles="1" noChangeArrowheads="1" noChangeShapeType="1" noTextEdit="1"/>
+              </p:cNvSpPr>
+              <p:nvPr>
+                <p:ph type="title"/>
+              </p:nvPr>
+            </p:nvSpPr>
+            <p:spPr>
+              <a:xfrm>
+                <a:off x="72887" y="0"/>
+                <a:ext cx="10515600" cy="1325563"/>
+              </a:xfrm>
+              <a:blipFill>
+                <a:blip r:embed="rId3"/>
+                <a:stretch>
+                  <a:fillRect b="-922"/>
+                </a:stretch>
+              </a:blipFill>
+            </p:spPr>
+            <p:txBody>
+              <a:bodyPr/>
+              <a:lstStyle/>
+              <a:p>
+                <a:r>
+                  <a:rPr lang="ja-JP" altLang="en-US">
+                    <a:noFill/>
+                  </a:rPr>
+                  <a:t> </a:t>
+                </a:r>
+              </a:p>
+            </p:txBody>
+          </p:sp>
+        </mc:Fallback>
+      </mc:AlternateContent>
+      <p:pic>
+        <p:nvPicPr>
+          <p:cNvPr id="3" name="図 2"/>
+          <p:cNvPicPr>
+            <a:picLocks noChangeAspect="1"/>
+          </p:cNvPicPr>
+          <p:nvPr/>
+        </p:nvPicPr>
+        <p:blipFill rotWithShape="1">
+          <a:blip r:embed="rId4">
+            <a:extLst>
+              <a:ext uri="{28A0092B-C50C-407E-A947-70E740481C1C}">
+                <a14:useLocalDpi xmlns:a14="http://schemas.microsoft.com/office/drawing/2010/main" val="0"/>
+              </a:ext>
+            </a:extLst>
+          </a:blip>
+          <a:srcRect l="50081"/>
+          <a:stretch/>
+        </p:blipFill>
+        <p:spPr>
+          <a:xfrm>
+            <a:off x="6059905" y="3003013"/>
+            <a:ext cx="3003082" cy="3007981"/>
+          </a:xfrm>
+          <a:prstGeom prst="rect">
+            <a:avLst/>
+          </a:prstGeom>
+        </p:spPr>
+      </p:pic>
+      <p:pic>
+        <p:nvPicPr>
+          <p:cNvPr id="8" name="図 7"/>
+          <p:cNvPicPr>
+            <a:picLocks noChangeAspect="1"/>
+          </p:cNvPicPr>
+          <p:nvPr/>
+        </p:nvPicPr>
+        <p:blipFill rotWithShape="1">
+          <a:blip r:embed="rId5">
+            <a:extLst>
+              <a:ext uri="{28A0092B-C50C-407E-A947-70E740481C1C}">
+                <a14:useLocalDpi xmlns:a14="http://schemas.microsoft.com/office/drawing/2010/main" val="0"/>
+              </a:ext>
+            </a:extLst>
+          </a:blip>
+          <a:srcRect l="51962"/>
+          <a:stretch/>
+        </p:blipFill>
+        <p:spPr>
+          <a:xfrm>
+            <a:off x="3149011" y="2966983"/>
+            <a:ext cx="2924530" cy="3044011"/>
+          </a:xfrm>
+          <a:prstGeom prst="rect">
+            <a:avLst/>
+          </a:prstGeom>
+        </p:spPr>
+      </p:pic>
+      <p:pic>
+        <p:nvPicPr>
+          <p:cNvPr id="9" name="図 8"/>
+          <p:cNvPicPr>
+            <a:picLocks noChangeAspect="1"/>
+          </p:cNvPicPr>
+          <p:nvPr/>
+        </p:nvPicPr>
+        <p:blipFill rotWithShape="1">
+          <a:blip r:embed="rId6">
+            <a:extLst>
+              <a:ext uri="{28A0092B-C50C-407E-A947-70E740481C1C}">
+                <a14:useLocalDpi xmlns:a14="http://schemas.microsoft.com/office/drawing/2010/main" val="0"/>
+              </a:ext>
+            </a:extLst>
+          </a:blip>
+          <a:srcRect l="50058"/>
+          <a:stretch/>
+        </p:blipFill>
+        <p:spPr>
+          <a:xfrm>
+            <a:off x="52606" y="2966983"/>
+            <a:ext cx="3096405" cy="3100031"/>
+          </a:xfrm>
+          <a:prstGeom prst="rect">
+            <a:avLst/>
+          </a:prstGeom>
+        </p:spPr>
+      </p:pic>
+      <mc:AlternateContent xmlns:mc="http://schemas.openxmlformats.org/markup-compatibility/2006" xmlns:a14="http://schemas.microsoft.com/office/drawing/2010/main">
+        <mc:Choice Requires="a14">
+          <p:sp>
+            <p:nvSpPr>
+              <p:cNvPr id="11" name="正方形/長方形 10"/>
+              <p:cNvSpPr/>
+              <p:nvPr/>
+            </p:nvSpPr>
+            <p:spPr>
+              <a:xfrm>
+                <a:off x="704328" y="6125517"/>
+                <a:ext cx="2207464" cy="461665"/>
+              </a:xfrm>
+              <a:prstGeom prst="rect">
+                <a:avLst/>
+              </a:prstGeom>
+            </p:spPr>
+            <p:txBody>
+              <a:bodyPr wrap="none">
+                <a:spAutoFit/>
+              </a:bodyPr>
+              <a:lstStyle/>
+              <a:p>
+                <a14:m>
+                  <m:oMath xmlns:m="http://schemas.openxmlformats.org/officeDocument/2006/math">
+                    <m:sSub>
+                      <m:sSubPr>
+                        <m:ctrlPr>
+                          <a:rPr lang="en-US" altLang="ja-JP" sz="2400" i="1" smtClean="0">
+                            <a:latin typeface="Cambria Math" panose="02040503050406030204" pitchFamily="18" charset="0"/>
+                          </a:rPr>
+                        </m:ctrlPr>
+                      </m:sSubPr>
+                      <m:e>
+                        <m:r>
+                          <a:rPr lang="en-US" altLang="ja-JP" sz="2400" i="1">
+                            <a:latin typeface="Cambria Math" panose="02040503050406030204" pitchFamily="18" charset="0"/>
+                          </a:rPr>
+                          <m:t>𝐹</m:t>
+                        </m:r>
+                      </m:e>
+                      <m:sub>
+                        <m:r>
+                          <a:rPr lang="en-US" altLang="ja-JP" sz="2400" i="1">
+                            <a:latin typeface="Cambria Math" panose="02040503050406030204" pitchFamily="18" charset="0"/>
+                          </a:rPr>
+                          <m:t>𝑥</m:t>
+                        </m:r>
+                      </m:sub>
+                    </m:sSub>
+                    <m:r>
+                      <a:rPr lang="en-US" altLang="ja-JP" sz="2400" i="1">
+                        <a:latin typeface="Cambria Math" panose="02040503050406030204" pitchFamily="18" charset="0"/>
+                      </a:rPr>
+                      <m:t>=</m:t>
+                    </m:r>
+                    <m:r>
+                      <a:rPr lang="en-US" altLang="ja-JP" sz="2400" b="0" i="1" smtClean="0">
+                        <a:latin typeface="Cambria Math" panose="02040503050406030204" pitchFamily="18" charset="0"/>
+                      </a:rPr>
+                      <m:t>0.5</m:t>
+                    </m:r>
+                  </m:oMath>
+                </a14:m>
+                <a:r>
+                  <a:rPr lang="en-US" altLang="ja-JP" sz="2400" smtClean="0"/>
+                  <a:t> k</a:t>
+                </a:r>
+                <a:r>
+                  <a:rPr lang="en-US" altLang="ja-JP" sz="2000" smtClean="0"/>
+                  <a:t>V/cm</a:t>
+                </a:r>
+                <a:endParaRPr lang="ja-JP" altLang="en-US" sz="2000"/>
+              </a:p>
+            </p:txBody>
+          </p:sp>
+        </mc:Choice>
+        <mc:Fallback xmlns="">
+          <p:sp>
+            <p:nvSpPr>
+              <p:cNvPr id="11" name="正方形/長方形 10"/>
+              <p:cNvSpPr>
+                <a:spLocks noRot="1" noChangeAspect="1" noMove="1" noResize="1" noEditPoints="1" noAdjustHandles="1" noChangeArrowheads="1" noChangeShapeType="1" noTextEdit="1"/>
+              </p:cNvSpPr>
+              <p:nvPr/>
+            </p:nvSpPr>
+            <p:spPr>
+              <a:xfrm>
+                <a:off x="704328" y="6125517"/>
+                <a:ext cx="2207464" cy="461665"/>
+              </a:xfrm>
+              <a:prstGeom prst="rect">
+                <a:avLst/>
+              </a:prstGeom>
+              <a:blipFill>
+                <a:blip r:embed="rId7"/>
+                <a:stretch>
+                  <a:fillRect l="-829" t="-7895" r="-2210" b="-31579"/>
+                </a:stretch>
+              </a:blipFill>
+            </p:spPr>
+            <p:txBody>
+              <a:bodyPr/>
+              <a:lstStyle/>
+              <a:p>
+                <a:r>
+                  <a:rPr lang="ja-JP" altLang="en-US">
+                    <a:noFill/>
+                  </a:rPr>
+                  <a:t> </a:t>
+                </a:r>
+              </a:p>
+            </p:txBody>
+          </p:sp>
+        </mc:Fallback>
+      </mc:AlternateContent>
+      <mc:AlternateContent xmlns:mc="http://schemas.openxmlformats.org/markup-compatibility/2006" xmlns:a14="http://schemas.microsoft.com/office/drawing/2010/main">
+        <mc:Choice Requires="a14">
+          <p:sp>
+            <p:nvSpPr>
+              <p:cNvPr id="13" name="正方形/長方形 12"/>
+              <p:cNvSpPr/>
+              <p:nvPr/>
+            </p:nvSpPr>
+            <p:spPr>
+              <a:xfrm>
+                <a:off x="3705530" y="6077247"/>
+                <a:ext cx="2207464" cy="461665"/>
+              </a:xfrm>
+              <a:prstGeom prst="rect">
+                <a:avLst/>
+              </a:prstGeom>
+            </p:spPr>
+            <p:txBody>
+              <a:bodyPr wrap="none">
+                <a:spAutoFit/>
+              </a:bodyPr>
+              <a:lstStyle/>
+              <a:p>
+                <a:pPr lvl="0"/>
+                <a14:m>
+                  <m:oMath xmlns:m="http://schemas.openxmlformats.org/officeDocument/2006/math">
+                    <m:sSub>
+                      <m:sSubPr>
+                        <m:ctrlPr>
+                          <a:rPr lang="en-US" altLang="ja-JP" sz="2400" i="1" smtClean="0">
+                            <a:solidFill>
+                              <a:prstClr val="black"/>
+                            </a:solidFill>
+                            <a:latin typeface="Cambria Math" panose="02040503050406030204" pitchFamily="18" charset="0"/>
+                          </a:rPr>
+                        </m:ctrlPr>
+                      </m:sSubPr>
+                      <m:e>
+                        <m:r>
+                          <a:rPr lang="en-US" altLang="ja-JP" sz="2400" i="1">
+                            <a:solidFill>
+                              <a:prstClr val="black"/>
+                            </a:solidFill>
+                            <a:latin typeface="Cambria Math" panose="02040503050406030204" pitchFamily="18" charset="0"/>
+                          </a:rPr>
+                          <m:t>𝐹</m:t>
+                        </m:r>
+                      </m:e>
+                      <m:sub>
+                        <m:r>
+                          <a:rPr lang="en-US" altLang="ja-JP" sz="2400" i="1">
+                            <a:solidFill>
+                              <a:prstClr val="black"/>
+                            </a:solidFill>
+                            <a:latin typeface="Cambria Math" panose="02040503050406030204" pitchFamily="18" charset="0"/>
+                          </a:rPr>
+                          <m:t>𝑥</m:t>
+                        </m:r>
+                      </m:sub>
+                    </m:sSub>
+                    <m:r>
+                      <a:rPr lang="en-US" altLang="ja-JP" sz="2400" i="1">
+                        <a:solidFill>
+                          <a:prstClr val="black"/>
+                        </a:solidFill>
+                        <a:latin typeface="Cambria Math" panose="02040503050406030204" pitchFamily="18" charset="0"/>
+                      </a:rPr>
+                      <m:t>=</m:t>
+                    </m:r>
+                    <m:r>
+                      <a:rPr lang="en-US" altLang="ja-JP" sz="2400" b="0" i="1" smtClean="0">
+                        <a:solidFill>
+                          <a:prstClr val="black"/>
+                        </a:solidFill>
+                        <a:latin typeface="Cambria Math" panose="02040503050406030204" pitchFamily="18" charset="0"/>
+                      </a:rPr>
+                      <m:t>1.0</m:t>
+                    </m:r>
+                  </m:oMath>
+                </a14:m>
+                <a:r>
+                  <a:rPr lang="en-US" altLang="ja-JP" sz="2400">
+                    <a:solidFill>
+                      <a:prstClr val="black"/>
+                    </a:solidFill>
+                  </a:rPr>
+                  <a:t> </a:t>
+                </a:r>
+                <a:r>
+                  <a:rPr lang="en-US" altLang="ja-JP" sz="2400" smtClean="0">
+                    <a:solidFill>
+                      <a:prstClr val="black"/>
+                    </a:solidFill>
+                  </a:rPr>
+                  <a:t>k</a:t>
+                </a:r>
+                <a:r>
+                  <a:rPr lang="en-US" altLang="ja-JP" sz="2000" smtClean="0">
+                    <a:solidFill>
+                      <a:prstClr val="black"/>
+                    </a:solidFill>
+                  </a:rPr>
+                  <a:t>V/cm</a:t>
+                </a:r>
+                <a:endParaRPr lang="ja-JP" altLang="en-US" sz="2000">
+                  <a:solidFill>
+                    <a:prstClr val="black"/>
+                  </a:solidFill>
+                </a:endParaRPr>
+              </a:p>
+            </p:txBody>
+          </p:sp>
+        </mc:Choice>
+        <mc:Fallback xmlns="">
+          <p:sp>
+            <p:nvSpPr>
+              <p:cNvPr id="13" name="正方形/長方形 12"/>
+              <p:cNvSpPr>
+                <a:spLocks noRot="1" noChangeAspect="1" noMove="1" noResize="1" noEditPoints="1" noAdjustHandles="1" noChangeArrowheads="1" noChangeShapeType="1" noTextEdit="1"/>
+              </p:cNvSpPr>
+              <p:nvPr/>
+            </p:nvSpPr>
+            <p:spPr>
+              <a:xfrm>
+                <a:off x="3705530" y="6077247"/>
+                <a:ext cx="2207464" cy="461665"/>
+              </a:xfrm>
+              <a:prstGeom prst="rect">
+                <a:avLst/>
+              </a:prstGeom>
+              <a:blipFill>
+                <a:blip r:embed="rId8"/>
+                <a:stretch>
+                  <a:fillRect l="-829" t="-7895" r="-2210" b="-31579"/>
+                </a:stretch>
+              </a:blipFill>
+            </p:spPr>
+            <p:txBody>
+              <a:bodyPr/>
+              <a:lstStyle/>
+              <a:p>
+                <a:r>
+                  <a:rPr lang="ja-JP" altLang="en-US">
+                    <a:noFill/>
+                  </a:rPr>
+                  <a:t> </a:t>
+                </a:r>
+              </a:p>
+            </p:txBody>
+          </p:sp>
+        </mc:Fallback>
+      </mc:AlternateContent>
+      <mc:AlternateContent xmlns:mc="http://schemas.openxmlformats.org/markup-compatibility/2006" xmlns:a14="http://schemas.microsoft.com/office/drawing/2010/main">
+        <mc:Choice Requires="a14">
+          <p:sp>
+            <p:nvSpPr>
+              <p:cNvPr id="15" name="正方形/長方形 14"/>
+              <p:cNvSpPr/>
+              <p:nvPr/>
+            </p:nvSpPr>
+            <p:spPr>
+              <a:xfrm>
+                <a:off x="9660835" y="6010994"/>
+                <a:ext cx="2207464" cy="461665"/>
+              </a:xfrm>
+              <a:prstGeom prst="rect">
+                <a:avLst/>
+              </a:prstGeom>
+            </p:spPr>
+            <p:txBody>
+              <a:bodyPr wrap="none">
+                <a:spAutoFit/>
+              </a:bodyPr>
+              <a:lstStyle/>
+              <a:p>
+                <a:pPr lvl="0"/>
+                <a14:m>
+                  <m:oMath xmlns:m="http://schemas.openxmlformats.org/officeDocument/2006/math">
+                    <m:sSub>
+                      <m:sSubPr>
+                        <m:ctrlPr>
+                          <a:rPr lang="en-US" altLang="ja-JP" sz="2400" i="1" smtClean="0">
+                            <a:solidFill>
+                              <a:prstClr val="black"/>
+                            </a:solidFill>
+                            <a:latin typeface="Cambria Math" panose="02040503050406030204" pitchFamily="18" charset="0"/>
+                          </a:rPr>
+                        </m:ctrlPr>
+                      </m:sSubPr>
+                      <m:e>
+                        <m:r>
+                          <a:rPr lang="en-US" altLang="ja-JP" sz="2400" i="1">
+                            <a:solidFill>
+                              <a:prstClr val="black"/>
+                            </a:solidFill>
+                            <a:latin typeface="Cambria Math" panose="02040503050406030204" pitchFamily="18" charset="0"/>
+                          </a:rPr>
+                          <m:t>𝐹</m:t>
+                        </m:r>
+                      </m:e>
+                      <m:sub>
+                        <m:r>
+                          <a:rPr lang="en-US" altLang="ja-JP" sz="2400" i="1">
+                            <a:solidFill>
+                              <a:prstClr val="black"/>
+                            </a:solidFill>
+                            <a:latin typeface="Cambria Math" panose="02040503050406030204" pitchFamily="18" charset="0"/>
+                          </a:rPr>
+                          <m:t>𝑥</m:t>
+                        </m:r>
+                      </m:sub>
+                    </m:sSub>
+                    <m:r>
+                      <a:rPr lang="en-US" altLang="ja-JP" sz="2400" i="1">
+                        <a:solidFill>
+                          <a:prstClr val="black"/>
+                        </a:solidFill>
+                        <a:latin typeface="Cambria Math" panose="02040503050406030204" pitchFamily="18" charset="0"/>
+                      </a:rPr>
+                      <m:t>=</m:t>
+                    </m:r>
+                    <m:r>
+                      <a:rPr lang="en-US" altLang="ja-JP" sz="2400" b="0" i="1" smtClean="0">
+                        <a:solidFill>
+                          <a:prstClr val="black"/>
+                        </a:solidFill>
+                        <a:latin typeface="Cambria Math" panose="02040503050406030204" pitchFamily="18" charset="0"/>
+                      </a:rPr>
+                      <m:t>3.0</m:t>
+                    </m:r>
+                  </m:oMath>
+                </a14:m>
+                <a:r>
+                  <a:rPr lang="en-US" altLang="ja-JP" sz="2400">
+                    <a:solidFill>
+                      <a:prstClr val="black"/>
+                    </a:solidFill>
+                  </a:rPr>
+                  <a:t> </a:t>
+                </a:r>
+                <a:r>
+                  <a:rPr lang="en-US" altLang="ja-JP" sz="2400" smtClean="0">
+                    <a:solidFill>
+                      <a:prstClr val="black"/>
+                    </a:solidFill>
+                  </a:rPr>
+                  <a:t>k</a:t>
+                </a:r>
+                <a:r>
+                  <a:rPr lang="en-US" altLang="ja-JP" sz="2000" smtClean="0">
+                    <a:solidFill>
+                      <a:prstClr val="black"/>
+                    </a:solidFill>
+                  </a:rPr>
+                  <a:t>V/cm</a:t>
+                </a:r>
+                <a:endParaRPr lang="ja-JP" altLang="en-US" sz="2000">
+                  <a:solidFill>
+                    <a:prstClr val="black"/>
+                  </a:solidFill>
+                </a:endParaRPr>
+              </a:p>
+            </p:txBody>
+          </p:sp>
+        </mc:Choice>
+        <mc:Fallback xmlns="">
+          <p:sp>
+            <p:nvSpPr>
+              <p:cNvPr id="15" name="正方形/長方形 14"/>
+              <p:cNvSpPr>
+                <a:spLocks noRot="1" noChangeAspect="1" noMove="1" noResize="1" noEditPoints="1" noAdjustHandles="1" noChangeArrowheads="1" noChangeShapeType="1" noTextEdit="1"/>
+              </p:cNvSpPr>
+              <p:nvPr/>
+            </p:nvSpPr>
+            <p:spPr>
+              <a:xfrm>
+                <a:off x="9660835" y="6010994"/>
+                <a:ext cx="2207464" cy="461665"/>
+              </a:xfrm>
+              <a:prstGeom prst="rect">
+                <a:avLst/>
+              </a:prstGeom>
+              <a:blipFill>
+                <a:blip r:embed="rId9"/>
+                <a:stretch>
+                  <a:fillRect l="-829" t="-7895" r="-2210" b="-31579"/>
+                </a:stretch>
+              </a:blipFill>
+            </p:spPr>
+            <p:txBody>
+              <a:bodyPr/>
+              <a:lstStyle/>
+              <a:p>
+                <a:r>
+                  <a:rPr lang="ja-JP" altLang="en-US">
+                    <a:noFill/>
+                  </a:rPr>
+                  <a:t> </a:t>
+                </a:r>
+              </a:p>
+            </p:txBody>
+          </p:sp>
+        </mc:Fallback>
+      </mc:AlternateContent>
+      <mc:AlternateContent xmlns:mc="http://schemas.openxmlformats.org/markup-compatibility/2006" xmlns:a14="http://schemas.microsoft.com/office/drawing/2010/main">
+        <mc:Choice Requires="a14">
+          <p:sp>
+            <p:nvSpPr>
+              <p:cNvPr id="16" name="正方形/長方形 15"/>
+              <p:cNvSpPr/>
+              <p:nvPr/>
+            </p:nvSpPr>
+            <p:spPr>
+              <a:xfrm>
+                <a:off x="6706732" y="6042344"/>
+                <a:ext cx="2207464" cy="461665"/>
+              </a:xfrm>
+              <a:prstGeom prst="rect">
+                <a:avLst/>
+              </a:prstGeom>
+            </p:spPr>
+            <p:txBody>
+              <a:bodyPr wrap="none">
+                <a:spAutoFit/>
+              </a:bodyPr>
+              <a:lstStyle/>
+              <a:p>
+                <a:pPr lvl="0"/>
+                <a14:m>
+                  <m:oMath xmlns:m="http://schemas.openxmlformats.org/officeDocument/2006/math">
+                    <m:sSub>
+                      <m:sSubPr>
+                        <m:ctrlPr>
+                          <a:rPr lang="en-US" altLang="ja-JP" sz="2400" i="1" smtClean="0">
+                            <a:solidFill>
+                              <a:prstClr val="black"/>
+                            </a:solidFill>
+                            <a:latin typeface="Cambria Math" panose="02040503050406030204" pitchFamily="18" charset="0"/>
+                          </a:rPr>
+                        </m:ctrlPr>
+                      </m:sSubPr>
+                      <m:e>
+                        <m:r>
+                          <a:rPr lang="en-US" altLang="ja-JP" sz="2400" i="1">
+                            <a:solidFill>
+                              <a:prstClr val="black"/>
+                            </a:solidFill>
+                            <a:latin typeface="Cambria Math" panose="02040503050406030204" pitchFamily="18" charset="0"/>
+                          </a:rPr>
+                          <m:t>𝐹</m:t>
+                        </m:r>
+                      </m:e>
+                      <m:sub>
+                        <m:r>
+                          <a:rPr lang="en-US" altLang="ja-JP" sz="2400" i="1">
+                            <a:solidFill>
+                              <a:prstClr val="black"/>
+                            </a:solidFill>
+                            <a:latin typeface="Cambria Math" panose="02040503050406030204" pitchFamily="18" charset="0"/>
+                          </a:rPr>
+                          <m:t>𝑥</m:t>
+                        </m:r>
+                      </m:sub>
+                    </m:sSub>
+                    <m:r>
+                      <a:rPr lang="en-US" altLang="ja-JP" sz="2400" i="1">
+                        <a:solidFill>
+                          <a:prstClr val="black"/>
+                        </a:solidFill>
+                        <a:latin typeface="Cambria Math" panose="02040503050406030204" pitchFamily="18" charset="0"/>
+                      </a:rPr>
+                      <m:t>=</m:t>
+                    </m:r>
+                    <m:r>
+                      <a:rPr lang="en-US" altLang="ja-JP" sz="2400" b="0" i="1" smtClean="0">
+                        <a:solidFill>
+                          <a:prstClr val="black"/>
+                        </a:solidFill>
+                        <a:latin typeface="Cambria Math" panose="02040503050406030204" pitchFamily="18" charset="0"/>
+                      </a:rPr>
+                      <m:t>2</m:t>
+                    </m:r>
+                    <m:r>
+                      <a:rPr lang="en-US" altLang="ja-JP" sz="2400" i="1">
+                        <a:solidFill>
+                          <a:prstClr val="black"/>
+                        </a:solidFill>
+                        <a:latin typeface="Cambria Math" panose="02040503050406030204" pitchFamily="18" charset="0"/>
+                      </a:rPr>
+                      <m:t>.0</m:t>
+                    </m:r>
+                  </m:oMath>
+                </a14:m>
+                <a:r>
+                  <a:rPr lang="en-US" altLang="ja-JP" sz="2400">
+                    <a:solidFill>
+                      <a:prstClr val="black"/>
+                    </a:solidFill>
+                  </a:rPr>
+                  <a:t> k</a:t>
+                </a:r>
+                <a:r>
+                  <a:rPr lang="en-US" altLang="ja-JP" sz="2000">
+                    <a:solidFill>
+                      <a:prstClr val="black"/>
+                    </a:solidFill>
+                  </a:rPr>
+                  <a:t>V/cm</a:t>
+                </a:r>
+                <a:endParaRPr lang="ja-JP" altLang="en-US" sz="2000">
+                  <a:solidFill>
+                    <a:prstClr val="black"/>
+                  </a:solidFill>
+                </a:endParaRPr>
+              </a:p>
+            </p:txBody>
+          </p:sp>
+        </mc:Choice>
+        <mc:Fallback xmlns="">
+          <p:sp>
+            <p:nvSpPr>
+              <p:cNvPr id="16" name="正方形/長方形 15"/>
+              <p:cNvSpPr>
+                <a:spLocks noRot="1" noChangeAspect="1" noMove="1" noResize="1" noEditPoints="1" noAdjustHandles="1" noChangeArrowheads="1" noChangeShapeType="1" noTextEdit="1"/>
+              </p:cNvSpPr>
+              <p:nvPr/>
+            </p:nvSpPr>
+            <p:spPr>
+              <a:xfrm>
+                <a:off x="6706732" y="6042344"/>
+                <a:ext cx="2207464" cy="461665"/>
+              </a:xfrm>
+              <a:prstGeom prst="rect">
+                <a:avLst/>
+              </a:prstGeom>
+              <a:blipFill>
+                <a:blip r:embed="rId10"/>
+                <a:stretch>
+                  <a:fillRect l="-552" t="-7895" r="-2486" b="-31579"/>
+                </a:stretch>
+              </a:blipFill>
+            </p:spPr>
+            <p:txBody>
+              <a:bodyPr/>
+              <a:lstStyle/>
+              <a:p>
+                <a:r>
+                  <a:rPr lang="ja-JP" altLang="en-US">
+                    <a:noFill/>
+                  </a:rPr>
+                  <a:t> </a:t>
+                </a:r>
+              </a:p>
+            </p:txBody>
+          </p:sp>
+        </mc:Fallback>
+      </mc:AlternateContent>
+      <p:pic>
+        <p:nvPicPr>
+          <p:cNvPr id="17" name="図 16"/>
+          <p:cNvPicPr>
+            <a:picLocks noChangeAspect="1"/>
+          </p:cNvPicPr>
+          <p:nvPr/>
+        </p:nvPicPr>
+        <p:blipFill rotWithShape="1">
+          <a:blip r:embed="rId11">
+            <a:extLst>
+              <a:ext uri="{28A0092B-C50C-407E-A947-70E740481C1C}">
+                <a14:useLocalDpi xmlns:a14="http://schemas.microsoft.com/office/drawing/2010/main" val="0"/>
+              </a:ext>
+            </a:extLst>
+          </a:blip>
+          <a:srcRect l="50058"/>
+          <a:stretch/>
+        </p:blipFill>
+        <p:spPr>
+          <a:xfrm>
+            <a:off x="9108184" y="2966983"/>
+            <a:ext cx="3000668" cy="3004182"/>
+          </a:xfrm>
+          <a:prstGeom prst="rect">
+            <a:avLst/>
+          </a:prstGeom>
+        </p:spPr>
+      </p:pic>
+      <mc:AlternateContent xmlns:mc="http://schemas.openxmlformats.org/markup-compatibility/2006" xmlns:a14="http://schemas.microsoft.com/office/drawing/2010/main">
+        <mc:Choice Requires="a14">
+          <p:sp>
+            <p:nvSpPr>
+              <p:cNvPr id="18" name="正方形/長方形 17"/>
+              <p:cNvSpPr/>
+              <p:nvPr/>
+            </p:nvSpPr>
+            <p:spPr>
+              <a:xfrm>
+                <a:off x="52606" y="1322230"/>
+                <a:ext cx="11892346" cy="1200329"/>
+              </a:xfrm>
+              <a:prstGeom prst="rect">
+                <a:avLst/>
+              </a:prstGeom>
+            </p:spPr>
+            <p:txBody>
+              <a:bodyPr wrap="square">
+                <a:spAutoFit/>
+              </a:bodyPr>
+              <a:lstStyle/>
+              <a:p>
+                <a:pPr marL="342900" indent="-342900">
+                  <a:buFont typeface="Arial" panose="020B0604020202020204" pitchFamily="34" charset="0"/>
+                  <a:buChar char="•"/>
+                </a:pPr>
+                <a:r>
+                  <a:rPr lang="ja-JP" altLang="en-US" sz="2400" smtClean="0"/>
+                  <a:t>As </a:t>
+                </a:r>
+                <a14:m>
+                  <m:oMath xmlns:m="http://schemas.openxmlformats.org/officeDocument/2006/math">
+                    <m:sSub>
+                      <m:sSubPr>
+                        <m:ctrlPr>
+                          <a:rPr lang="en-US" altLang="ja-JP" sz="2400" i="1">
+                            <a:latin typeface="Cambria Math" panose="02040503050406030204" pitchFamily="18" charset="0"/>
+                          </a:rPr>
+                        </m:ctrlPr>
+                      </m:sSubPr>
+                      <m:e>
+                        <m:r>
+                          <a:rPr lang="en-US" altLang="ja-JP" sz="2400" i="1">
+                            <a:latin typeface="Cambria Math" panose="02040503050406030204" pitchFamily="18" charset="0"/>
+                          </a:rPr>
+                          <m:t>𝐹</m:t>
+                        </m:r>
+                      </m:e>
+                      <m:sub>
+                        <m:r>
+                          <a:rPr lang="en-US" altLang="ja-JP" sz="2400" i="1">
+                            <a:latin typeface="Cambria Math" panose="02040503050406030204" pitchFamily="18" charset="0"/>
+                          </a:rPr>
+                          <m:t>𝑥</m:t>
+                        </m:r>
+                      </m:sub>
+                    </m:sSub>
+                  </m:oMath>
+                </a14:m>
+                <a:r>
+                  <a:rPr lang="ja-JP" altLang="en-US" sz="2400" smtClean="0"/>
+                  <a:t> is </a:t>
+                </a:r>
+                <a:r>
+                  <a:rPr lang="ja-JP" altLang="en-US" sz="2400"/>
+                  <a:t>increased, the decrease time becomes shorter</a:t>
+                </a:r>
+                <a:r>
+                  <a:rPr lang="ja-JP" altLang="en-US" sz="2400" smtClean="0"/>
+                  <a:t>.</a:t>
+                </a:r>
+                <a:endParaRPr lang="en-US" altLang="ja-JP" sz="2400" smtClean="0"/>
+              </a:p>
+              <a:p>
+                <a:pPr marL="342900" indent="-342900">
+                  <a:buFont typeface="Arial" panose="020B0604020202020204" pitchFamily="34" charset="0"/>
+                  <a:buChar char="•"/>
+                </a:pPr>
+                <a:endParaRPr lang="en-US" altLang="ja-JP" sz="2400"/>
+              </a:p>
+              <a:p>
+                <a:pPr marL="342900" indent="-342900">
+                  <a:buFont typeface="Arial" panose="020B0604020202020204" pitchFamily="34" charset="0"/>
+                  <a:buChar char="•"/>
+                </a:pPr>
+                <a:r>
+                  <a:rPr lang="en-US" altLang="ja-JP" sz="2400" smtClean="0"/>
+                  <a:t>Tend to decrease almost disappear as </a:t>
+                </a:r>
+                <a14:m>
+                  <m:oMath xmlns:m="http://schemas.openxmlformats.org/officeDocument/2006/math">
+                    <m:sSub>
+                      <m:sSubPr>
+                        <m:ctrlPr>
+                          <a:rPr lang="en-US" altLang="ja-JP" sz="2400" i="1">
+                            <a:latin typeface="Cambria Math" panose="02040503050406030204" pitchFamily="18" charset="0"/>
+                          </a:rPr>
+                        </m:ctrlPr>
+                      </m:sSubPr>
+                      <m:e>
+                        <m:r>
+                          <a:rPr lang="en-US" altLang="ja-JP" sz="2400" i="1">
+                            <a:latin typeface="Cambria Math" panose="02040503050406030204" pitchFamily="18" charset="0"/>
+                          </a:rPr>
+                          <m:t>𝐹</m:t>
+                        </m:r>
+                      </m:e>
+                      <m:sub>
+                        <m:r>
+                          <a:rPr lang="en-US" altLang="ja-JP" sz="2400" i="1">
+                            <a:latin typeface="Cambria Math" panose="02040503050406030204" pitchFamily="18" charset="0"/>
+                          </a:rPr>
+                          <m:t>𝑥</m:t>
+                        </m:r>
+                      </m:sub>
+                    </m:sSub>
+                    <m:r>
+                      <a:rPr lang="en-US" altLang="ja-JP" sz="2400" b="0" i="0" smtClean="0">
+                        <a:latin typeface="Cambria Math" panose="02040503050406030204" pitchFamily="18" charset="0"/>
+                      </a:rPr>
+                      <m:t>=</m:t>
+                    </m:r>
+                  </m:oMath>
+                </a14:m>
+                <a:r>
+                  <a:rPr lang="en-US" altLang="ja-JP" sz="2400">
+                    <a:solidFill>
+                      <a:prstClr val="black"/>
+                    </a:solidFill>
+                  </a:rPr>
+                  <a:t> </a:t>
+                </a:r>
+                <a14:m>
+                  <m:oMath xmlns:m="http://schemas.openxmlformats.org/officeDocument/2006/math">
+                    <m:r>
+                      <a:rPr lang="en-US" altLang="ja-JP" sz="2400" i="1">
+                        <a:solidFill>
+                          <a:prstClr val="black"/>
+                        </a:solidFill>
+                        <a:latin typeface="Cambria Math" panose="02040503050406030204" pitchFamily="18" charset="0"/>
+                      </a:rPr>
+                      <m:t>3.0</m:t>
+                    </m:r>
+                  </m:oMath>
+                </a14:m>
+                <a:r>
+                  <a:rPr lang="en-US" altLang="ja-JP" sz="2400">
+                    <a:solidFill>
+                      <a:prstClr val="black"/>
+                    </a:solidFill>
+                  </a:rPr>
+                  <a:t> </a:t>
+                </a:r>
+                <a:r>
+                  <a:rPr lang="en-US" altLang="ja-JP" sz="2400" smtClean="0">
+                    <a:solidFill>
+                      <a:prstClr val="black"/>
+                    </a:solidFill>
+                  </a:rPr>
+                  <a:t>k</a:t>
+                </a:r>
+                <a:r>
+                  <a:rPr lang="en-US" altLang="ja-JP" sz="2000" smtClean="0">
+                    <a:solidFill>
+                      <a:prstClr val="black"/>
+                    </a:solidFill>
+                  </a:rPr>
+                  <a:t>V/cm , </a:t>
+                </a:r>
+                <a:r>
+                  <a:rPr lang="en-US" altLang="ja-JP" sz="2400" smtClean="0">
+                    <a:solidFill>
+                      <a:prstClr val="black"/>
+                    </a:solidFill>
+                  </a:rPr>
+                  <a:t>when </a:t>
+                </a:r>
+                <a14:m>
+                  <m:oMath xmlns:m="http://schemas.openxmlformats.org/officeDocument/2006/math">
+                    <m:sSub>
+                      <m:sSubPr>
+                        <m:ctrlPr>
+                          <a:rPr lang="en-US" altLang="ja-JP" sz="2400" i="1" smtClean="0">
+                            <a:solidFill>
+                              <a:prstClr val="black"/>
+                            </a:solidFill>
+                            <a:latin typeface="Cambria Math" panose="02040503050406030204" pitchFamily="18" charset="0"/>
+                          </a:rPr>
+                        </m:ctrlPr>
+                      </m:sSubPr>
+                      <m:e>
+                        <m:r>
+                          <a:rPr lang="en-US" altLang="ja-JP" sz="2400" b="0" i="1" smtClean="0">
+                            <a:solidFill>
+                              <a:prstClr val="black"/>
+                            </a:solidFill>
+                            <a:latin typeface="Cambria Math" panose="02040503050406030204" pitchFamily="18" charset="0"/>
+                          </a:rPr>
+                          <m:t>𝐸</m:t>
+                        </m:r>
+                      </m:e>
+                      <m:sub>
+                        <m:r>
+                          <a:rPr lang="en-US" altLang="ja-JP" sz="2400" b="0" i="1" smtClean="0">
+                            <a:solidFill>
+                              <a:prstClr val="black"/>
+                            </a:solidFill>
+                            <a:latin typeface="Cambria Math" panose="02040503050406030204" pitchFamily="18" charset="0"/>
+                          </a:rPr>
+                          <m:t>𝐹</m:t>
+                        </m:r>
+                      </m:sub>
+                    </m:sSub>
+                    <m:r>
+                      <a:rPr lang="en-US" altLang="ja-JP" sz="2400" b="0" i="1" smtClean="0">
+                        <a:solidFill>
+                          <a:prstClr val="black"/>
+                        </a:solidFill>
+                        <a:latin typeface="Cambria Math" panose="02040503050406030204" pitchFamily="18" charset="0"/>
+                      </a:rPr>
+                      <m:t>=30</m:t>
+                    </m:r>
+                  </m:oMath>
+                </a14:m>
+                <a:r>
+                  <a:rPr lang="ja-JP" altLang="en-US" sz="2400" smtClean="0"/>
+                  <a:t> </a:t>
+                </a:r>
+                <a:r>
+                  <a:rPr lang="en-US" altLang="ja-JP" sz="2000" smtClean="0"/>
+                  <a:t>meV</a:t>
+                </a:r>
+                <a:endParaRPr lang="ja-JP" altLang="en-US" sz="2000"/>
+              </a:p>
+            </p:txBody>
+          </p:sp>
+        </mc:Choice>
+        <mc:Fallback xmlns="">
+          <p:sp>
+            <p:nvSpPr>
+              <p:cNvPr id="18" name="正方形/長方形 17"/>
+              <p:cNvSpPr>
+                <a:spLocks noRot="1" noChangeAspect="1" noMove="1" noResize="1" noEditPoints="1" noAdjustHandles="1" noChangeArrowheads="1" noChangeShapeType="1" noTextEdit="1"/>
+              </p:cNvSpPr>
+              <p:nvPr/>
+            </p:nvSpPr>
+            <p:spPr>
+              <a:xfrm>
+                <a:off x="52606" y="1322230"/>
+                <a:ext cx="11892346" cy="1200329"/>
+              </a:xfrm>
+              <a:prstGeom prst="rect">
+                <a:avLst/>
+              </a:prstGeom>
+              <a:blipFill>
+                <a:blip r:embed="rId12"/>
+                <a:stretch>
+                  <a:fillRect l="-718" t="-4061" b="-11675"/>
+                </a:stretch>
+              </a:blipFill>
+            </p:spPr>
+            <p:txBody>
+              <a:bodyPr/>
+              <a:lstStyle/>
+              <a:p>
+                <a:r>
+                  <a:rPr lang="ja-JP" altLang="en-US">
+                    <a:noFill/>
+                  </a:rPr>
+                  <a:t> </a:t>
+                </a:r>
+              </a:p>
+            </p:txBody>
+          </p:sp>
+        </mc:Fallback>
+      </mc:AlternateContent>
+    </p:spTree>
+    <p:extLst>
+      <p:ext uri="{BB962C8B-B14F-4D97-AF65-F5344CB8AC3E}">
+        <p14:creationId xmlns:p14="http://schemas.microsoft.com/office/powerpoint/2010/main" val="3751713190"/>
+      </p:ext>
+    </p:extLst>
+  </p:cSld>
+  <p:clrMapOvr>
+    <a:masterClrMapping/>
+  </p:clrMapOvr>
+</p:sld>
+</file>
+
+<file path=ppt/slides/slide13.xml><?xml version="1.0" encoding="utf-8"?>
 <p:sld xmlns:a="http://schemas.openxmlformats.org/drawingml/2006/main" xmlns:r="http://schemas.openxmlformats.org/officeDocument/2006/relationships" xmlns:p="http://schemas.openxmlformats.org/presentationml/2006/main">
   <p:cSld>
     <p:spTree>
@@ -5494,7 +6870,7 @@
           <a:p>
             <a:fld id="{7150E25F-B8C9-4ED1-8626-95CB18EC23DC}" type="slidenum">
               <a:rPr kumimoji="1" lang="ja-JP" altLang="en-US" smtClean="0"/>
-              <a:t>12</a:t>
+              <a:t>13</a:t>
             </a:fld>
             <a:endParaRPr kumimoji="1" lang="ja-JP" altLang="en-US"/>
           </a:p>
@@ -6792,8 +8168,8 @@
           </a:p>
         </p:txBody>
       </p:sp>
-      <mc:AlternateContent xmlns:mc="http://schemas.openxmlformats.org/markup-compatibility/2006">
-        <mc:Choice xmlns:a14="http://schemas.microsoft.com/office/drawing/2010/main" Requires="a14">
+      <mc:AlternateContent xmlns:mc="http://schemas.openxmlformats.org/markup-compatibility/2006" xmlns:a14="http://schemas.microsoft.com/office/drawing/2010/main">
+        <mc:Choice Requires="a14">
           <p:sp>
             <p:nvSpPr>
               <p:cNvPr id="49" name="テキスト ボックス 48"/>
@@ -6886,7 +8262,7 @@
             </p:txBody>
           </p:sp>
         </mc:Choice>
-        <mc:Fallback>
+        <mc:Fallback xmlns="">
           <p:sp>
             <p:nvSpPr>
               <p:cNvPr id="49" name="テキスト ボックス 48"/>
@@ -7311,8 +8687,8 @@
           </p:sp>
         </mc:Fallback>
       </mc:AlternateContent>
-      <mc:AlternateContent xmlns:mc="http://schemas.openxmlformats.org/markup-compatibility/2006">
-        <mc:Choice xmlns:a14="http://schemas.microsoft.com/office/drawing/2010/main" Requires="a14">
+      <mc:AlternateContent xmlns:mc="http://schemas.openxmlformats.org/markup-compatibility/2006" xmlns:a14="http://schemas.microsoft.com/office/drawing/2010/main">
+        <mc:Choice Requires="a14">
           <p:sp>
             <p:nvSpPr>
               <p:cNvPr id="68" name="正方形/長方形 67"/>
@@ -7355,7 +8731,7 @@
             </p:txBody>
           </p:sp>
         </mc:Choice>
-        <mc:Fallback>
+        <mc:Fallback xmlns="">
           <p:sp>
             <p:nvSpPr>
               <p:cNvPr id="68" name="正方形/長方形 67"/>
@@ -7579,8 +8955,8 @@
           </p:sp>
         </mc:Fallback>
       </mc:AlternateContent>
-      <mc:AlternateContent xmlns:mc="http://schemas.openxmlformats.org/markup-compatibility/2006">
-        <mc:Choice xmlns:a14="http://schemas.microsoft.com/office/drawing/2010/main" Requires="a14">
+      <mc:AlternateContent xmlns:mc="http://schemas.openxmlformats.org/markup-compatibility/2006" xmlns:a14="http://schemas.microsoft.com/office/drawing/2010/main">
+        <mc:Choice Requires="a14">
           <p:sp>
             <p:nvSpPr>
               <p:cNvPr id="13" name="テキスト ボックス 12"/>
@@ -7603,6 +8979,7 @@
               </a:bodyPr>
               <a:lstStyle/>
               <a:p>
+                <a:pPr/>
                 <a14:m>
                   <m:oMathPara xmlns:m="http://schemas.openxmlformats.org/officeDocument/2006/math">
                     <m:oMathParaPr>
@@ -7623,7 +9000,7 @@
             </p:txBody>
           </p:sp>
         </mc:Choice>
-        <mc:Fallback>
+        <mc:Fallback xmlns="">
           <p:sp>
             <p:nvSpPr>
               <p:cNvPr id="13" name="テキスト ボックス 12"/>
@@ -7675,7 +9052,7 @@
 </p:sld>
 </file>
 
-<file path=ppt/slides/slide13.xml><?xml version="1.0" encoding="utf-8"?>
+<file path=ppt/slides/slide14.xml><?xml version="1.0" encoding="utf-8"?>
 <p:sld xmlns:a="http://schemas.openxmlformats.org/drawingml/2006/main" xmlns:r="http://schemas.openxmlformats.org/officeDocument/2006/relationships" xmlns:p="http://schemas.openxmlformats.org/presentationml/2006/main">
   <p:cSld>
     <p:spTree>
@@ -7709,7 +9086,7 @@
           <a:p>
             <a:fld id="{7150E25F-B8C9-4ED1-8626-95CB18EC23DC}" type="slidenum">
               <a:rPr kumimoji="1" lang="ja-JP" altLang="en-US" smtClean="0"/>
-              <a:t>13</a:t>
+              <a:t>14</a:t>
             </a:fld>
             <a:endParaRPr kumimoji="1" lang="ja-JP" altLang="en-US"/>
           </a:p>
@@ -10036,7 +11413,7 @@
 </p:sld>
 </file>
 
-<file path=ppt/slides/slide14.xml><?xml version="1.0" encoding="utf-8"?>
+<file path=ppt/slides/slide15.xml><?xml version="1.0" encoding="utf-8"?>
 <p:sld xmlns:a="http://schemas.openxmlformats.org/drawingml/2006/main" xmlns:r="http://schemas.openxmlformats.org/officeDocument/2006/relationships" xmlns:p="http://schemas.openxmlformats.org/presentationml/2006/main">
   <p:cSld>
     <p:spTree>
@@ -10070,7 +11447,7 @@
           <a:p>
             <a:fld id="{7150E25F-B8C9-4ED1-8626-95CB18EC23DC}" type="slidenum">
               <a:rPr kumimoji="1" lang="ja-JP" altLang="en-US" smtClean="0"/>
-              <a:t>14</a:t>
+              <a:t>15</a:t>
             </a:fld>
             <a:endParaRPr kumimoji="1" lang="ja-JP" altLang="en-US"/>
           </a:p>
@@ -10223,7 +11600,7 @@
     </p:spTree>
     <p:extLst>
       <p:ext uri="{BB962C8B-B14F-4D97-AF65-F5344CB8AC3E}">
-        <p14:creationId xmlns:p14="http://schemas.microsoft.com/office/powerpoint/2010/main" val="3751713190"/>
+        <p14:creationId xmlns:p14="http://schemas.microsoft.com/office/powerpoint/2010/main" val="4139675812"/>
       </p:ext>
     </p:extLst>
   </p:cSld>
@@ -10921,8 +12298,8 @@
           </a:prstGeom>
         </p:spPr>
       </p:pic>
-      <mc:AlternateContent xmlns:mc="http://schemas.openxmlformats.org/markup-compatibility/2006">
-        <mc:Choice xmlns:a14="http://schemas.microsoft.com/office/drawing/2010/main" Requires="a14">
+      <mc:AlternateContent xmlns:mc="http://schemas.openxmlformats.org/markup-compatibility/2006" xmlns:a14="http://schemas.microsoft.com/office/drawing/2010/main">
+        <mc:Choice Requires="a14">
           <p:sp>
             <p:nvSpPr>
               <p:cNvPr id="8" name="テキスト ボックス 7"/>
@@ -11000,7 +12377,7 @@
             </p:txBody>
           </p:sp>
         </mc:Choice>
-        <mc:Fallback>
+        <mc:Fallback xmlns="">
           <p:sp>
             <p:nvSpPr>
               <p:cNvPr id="8" name="テキスト ボックス 7"/>
@@ -11039,8 +12416,8 @@
           </p:sp>
         </mc:Fallback>
       </mc:AlternateContent>
-      <mc:AlternateContent xmlns:mc="http://schemas.openxmlformats.org/markup-compatibility/2006">
-        <mc:Choice xmlns:a14="http://schemas.microsoft.com/office/drawing/2010/main" Requires="a14">
+      <mc:AlternateContent xmlns:mc="http://schemas.openxmlformats.org/markup-compatibility/2006" xmlns:a14="http://schemas.microsoft.com/office/drawing/2010/main">
+        <mc:Choice Requires="a14">
           <p:sp>
             <p:nvSpPr>
               <p:cNvPr id="9" name="正方形/長方形 8"/>
@@ -11114,7 +12491,7 @@
             </p:txBody>
           </p:sp>
         </mc:Choice>
-        <mc:Fallback>
+        <mc:Fallback xmlns="">
           <p:sp>
             <p:nvSpPr>
               <p:cNvPr id="9" name="正方形/長方形 8"/>
@@ -14208,8 +15585,8 @@
           <a:chExt cx="0" cy="0"/>
         </a:xfrm>
       </p:grpSpPr>
-      <mc:AlternateContent xmlns:mc="http://schemas.openxmlformats.org/markup-compatibility/2006">
-        <mc:Choice xmlns:a14="http://schemas.microsoft.com/office/drawing/2010/main" Requires="a14">
+      <mc:AlternateContent xmlns:mc="http://schemas.openxmlformats.org/markup-compatibility/2006" xmlns:a14="http://schemas.microsoft.com/office/drawing/2010/main">
+        <mc:Choice Requires="a14">
           <p:sp>
             <p:nvSpPr>
               <p:cNvPr id="3" name="コンテンツ プレースホルダー 2"/>
@@ -14339,7 +15716,7 @@
             </p:txBody>
           </p:sp>
         </mc:Choice>
-        <mc:Fallback>
+        <mc:Fallback xmlns="">
           <p:sp>
             <p:nvSpPr>
               <p:cNvPr id="3" name="コンテンツ プレースホルダー 2"/>
@@ -14487,8 +15864,8 @@
           </a:p>
         </p:txBody>
       </p:sp>
-      <mc:AlternateContent xmlns:mc="http://schemas.openxmlformats.org/markup-compatibility/2006">
-        <mc:Choice xmlns:a14="http://schemas.microsoft.com/office/drawing/2010/main" Requires="a14">
+      <mc:AlternateContent xmlns:mc="http://schemas.openxmlformats.org/markup-compatibility/2006" xmlns:a14="http://schemas.microsoft.com/office/drawing/2010/main">
+        <mc:Choice Requires="a14">
           <p:sp>
             <p:nvSpPr>
               <p:cNvPr id="8" name="テキスト ボックス 7"/>
@@ -14710,7 +16087,7 @@
             </p:txBody>
           </p:sp>
         </mc:Choice>
-        <mc:Fallback>
+        <mc:Fallback xmlns="">
           <p:sp>
             <p:nvSpPr>
               <p:cNvPr id="8" name="テキスト ボックス 7"/>
@@ -15327,7 +16704,6 @@
           </a:bodyPr>
           <a:lstStyle/>
           <a:p>
-            <a:pPr/>
             <a:r>
               <a:rPr kumimoji="1" lang="en-US" altLang="ja-JP" b="0" i="0" smtClean="0">
                 <a:latin typeface="+mj-lt"/>
@@ -16624,7 +18000,6 @@
           </a:bodyPr>
           <a:lstStyle/>
           <a:p>
-            <a:pPr/>
             <a:r>
               <a:rPr lang="en-US" altLang="ja-JP" i="0" smtClean="0">
                 <a:latin typeface="+mj-lt"/>

--- a/presentation/kubo_20231129.pptx
+++ b/presentation/kubo_20231129.pptx
@@ -5,7 +5,7 @@
     <p:sldMasterId id="2147483648" r:id="rId1"/>
   </p:sldMasterIdLst>
   <p:notesMasterIdLst>
-    <p:notesMasterId r:id="rId17"/>
+    <p:notesMasterId r:id="rId18"/>
   </p:notesMasterIdLst>
   <p:sldIdLst>
     <p:sldId id="256" r:id="rId2"/>
@@ -20,9 +20,10 @@
     <p:sldId id="266" r:id="rId11"/>
     <p:sldId id="270" r:id="rId12"/>
     <p:sldId id="268" r:id="rId13"/>
-    <p:sldId id="269" r:id="rId14"/>
-    <p:sldId id="263" r:id="rId15"/>
-    <p:sldId id="271" r:id="rId16"/>
+    <p:sldId id="271" r:id="rId14"/>
+    <p:sldId id="269" r:id="rId15"/>
+    <p:sldId id="263" r:id="rId16"/>
+    <p:sldId id="272" r:id="rId17"/>
   </p:sldIdLst>
   <p:sldSz cx="12192000" cy="6858000"/>
   <p:notesSz cx="6858000" cy="9144000"/>
@@ -211,7 +212,7 @@
           <a:p>
             <a:fld id="{0128771A-185F-4A7E-885F-A6EE97E33B7C}" type="datetimeFigureOut">
               <a:rPr kumimoji="1" lang="ja-JP" altLang="en-US" smtClean="0"/>
-              <a:t>2023/11/28</a:t>
+              <a:t>2023/11/29</a:t>
             </a:fld>
             <a:endParaRPr kumimoji="1" lang="ja-JP" altLang="en-US"/>
           </a:p>
@@ -554,6 +555,18 @@
           <a:bodyPr/>
           <a:lstStyle/>
           <a:p>
+            <a:r>
+              <a:rPr kumimoji="1" lang="ja-JP" altLang="en-US" smtClean="0"/>
+              <a:t>・量子コンピュータの実現のために、フェルミ縮退を考慮した</a:t>
+            </a:r>
+            <a:r>
+              <a:rPr kumimoji="1" lang="en-US" altLang="ja-JP" smtClean="0"/>
+              <a:t>2</a:t>
+            </a:r>
+            <a:r>
+              <a:rPr kumimoji="1" lang="ja-JP" altLang="en-US" smtClean="0"/>
+              <a:t>次元電子ガスのモンテカルロ・プログラムを作成することが目的</a:t>
+            </a:r>
             <a:endParaRPr kumimoji="1" lang="ja-JP" altLang="en-US"/>
           </a:p>
         </p:txBody>
@@ -575,6 +588,214 @@
           <a:p>
             <a:fld id="{F893C8CC-E0F2-409A-AFF1-85D6A0823905}" type="slidenum">
               <a:rPr kumimoji="1" lang="ja-JP" altLang="en-US" smtClean="0"/>
+              <a:t>2</a:t>
+            </a:fld>
+            <a:endParaRPr kumimoji="1" lang="ja-JP" altLang="en-US"/>
+          </a:p>
+        </p:txBody>
+      </p:sp>
+    </p:spTree>
+    <p:extLst>
+      <p:ext uri="{BB962C8B-B14F-4D97-AF65-F5344CB8AC3E}">
+        <p14:creationId xmlns:p14="http://schemas.microsoft.com/office/powerpoint/2010/main" val="588106403"/>
+      </p:ext>
+    </p:extLst>
+  </p:cSld>
+  <p:clrMapOvr>
+    <a:masterClrMapping/>
+  </p:clrMapOvr>
+</p:notes>
+</file>
+
+<file path=ppt/notesSlides/notesSlide10.xml><?xml version="1.0" encoding="utf-8"?>
+<p:notes xmlns:a="http://schemas.openxmlformats.org/drawingml/2006/main" xmlns:r="http://schemas.openxmlformats.org/officeDocument/2006/relationships" xmlns:p="http://schemas.openxmlformats.org/presentationml/2006/main">
+  <p:cSld>
+    <p:spTree>
+      <p:nvGrpSpPr>
+        <p:cNvPr id="1" name=""/>
+        <p:cNvGrpSpPr/>
+        <p:nvPr/>
+      </p:nvGrpSpPr>
+      <p:grpSpPr>
+        <a:xfrm>
+          <a:off x="0" y="0"/>
+          <a:ext cx="0" cy="0"/>
+          <a:chOff x="0" y="0"/>
+          <a:chExt cx="0" cy="0"/>
+        </a:xfrm>
+      </p:grpSpPr>
+      <p:sp>
+        <p:nvSpPr>
+          <p:cNvPr id="2" name="スライド イメージ プレースホルダー 1"/>
+          <p:cNvSpPr>
+            <a:spLocks noGrp="1" noRot="1" noChangeAspect="1"/>
+          </p:cNvSpPr>
+          <p:nvPr>
+            <p:ph type="sldImg"/>
+          </p:nvPr>
+        </p:nvSpPr>
+        <p:spPr/>
+      </p:sp>
+      <p:sp>
+        <p:nvSpPr>
+          <p:cNvPr id="3" name="ノート プレースホルダー 2"/>
+          <p:cNvSpPr>
+            <a:spLocks noGrp="1"/>
+          </p:cNvSpPr>
+          <p:nvPr>
+            <p:ph type="body" idx="1"/>
+          </p:nvPr>
+        </p:nvSpPr>
+        <p:spPr/>
+        <p:txBody>
+          <a:bodyPr/>
+          <a:lstStyle/>
+          <a:p>
+            <a:r>
+              <a:rPr kumimoji="1" lang="ja-JP" altLang="en-US" smtClean="0"/>
+              <a:t>まず、そもそもこのプログラムでは、フェルミディラック統計に従う初期の状態において、電子</a:t>
+            </a:r>
+            <a:r>
+              <a:rPr kumimoji="1" lang="en-US" altLang="ja-JP" smtClean="0"/>
+              <a:t>1</a:t>
+            </a:r>
+            <a:r>
+              <a:rPr kumimoji="1" lang="ja-JP" altLang="en-US" smtClean="0"/>
+              <a:t>個が得るエネルギーの期待値が負であることが判明しました。ドリフト速度の応答時間が</a:t>
+            </a:r>
+            <a:r>
+              <a:rPr kumimoji="1" lang="en-US" altLang="ja-JP" smtClean="0"/>
+              <a:t>1.5</a:t>
+            </a:r>
+            <a:r>
+              <a:rPr kumimoji="1" lang="ja-JP" altLang="en-US" smtClean="0"/>
+              <a:t>～</a:t>
+            </a:r>
+            <a:r>
+              <a:rPr kumimoji="1" lang="en-US" altLang="ja-JP" smtClean="0"/>
+              <a:t>2.0 ps</a:t>
+            </a:r>
+            <a:r>
+              <a:rPr kumimoji="1" lang="ja-JP" altLang="en-US" smtClean="0"/>
+              <a:t>であり、減少している時間よりも数倍長いため、この影響が見られたのではないのかと考えました。</a:t>
+            </a:r>
+            <a:endParaRPr kumimoji="1" lang="en-US" altLang="ja-JP" smtClean="0"/>
+          </a:p>
+        </p:txBody>
+      </p:sp>
+      <p:sp>
+        <p:nvSpPr>
+          <p:cNvPr id="4" name="スライド番号プレースホルダー 3"/>
+          <p:cNvSpPr>
+            <a:spLocks noGrp="1"/>
+          </p:cNvSpPr>
+          <p:nvPr>
+            <p:ph type="sldNum" sz="quarter" idx="10"/>
+          </p:nvPr>
+        </p:nvSpPr>
+        <p:spPr/>
+        <p:txBody>
+          <a:bodyPr/>
+          <a:lstStyle/>
+          <a:p>
+            <a:fld id="{F893C8CC-E0F2-409A-AFF1-85D6A0823905}" type="slidenum">
+              <a:rPr kumimoji="1" lang="ja-JP" altLang="en-US" smtClean="0"/>
+              <a:t>11</a:t>
+            </a:fld>
+            <a:endParaRPr kumimoji="1" lang="ja-JP" altLang="en-US"/>
+          </a:p>
+        </p:txBody>
+      </p:sp>
+    </p:spTree>
+    <p:extLst>
+      <p:ext uri="{BB962C8B-B14F-4D97-AF65-F5344CB8AC3E}">
+        <p14:creationId xmlns:p14="http://schemas.microsoft.com/office/powerpoint/2010/main" val="664089794"/>
+      </p:ext>
+    </p:extLst>
+  </p:cSld>
+  <p:clrMapOvr>
+    <a:masterClrMapping/>
+  </p:clrMapOvr>
+</p:notes>
+</file>
+
+<file path=ppt/notesSlides/notesSlide11.xml><?xml version="1.0" encoding="utf-8"?>
+<p:notes xmlns:a="http://schemas.openxmlformats.org/drawingml/2006/main" xmlns:r="http://schemas.openxmlformats.org/officeDocument/2006/relationships" xmlns:p="http://schemas.openxmlformats.org/presentationml/2006/main">
+  <p:cSld>
+    <p:spTree>
+      <p:nvGrpSpPr>
+        <p:cNvPr id="1" name=""/>
+        <p:cNvGrpSpPr/>
+        <p:nvPr/>
+      </p:nvGrpSpPr>
+      <p:grpSpPr>
+        <a:xfrm>
+          <a:off x="0" y="0"/>
+          <a:ext cx="0" cy="0"/>
+          <a:chOff x="0" y="0"/>
+          <a:chExt cx="0" cy="0"/>
+        </a:xfrm>
+      </p:grpSpPr>
+      <p:sp>
+        <p:nvSpPr>
+          <p:cNvPr id="2" name="スライド イメージ プレースホルダー 1"/>
+          <p:cNvSpPr>
+            <a:spLocks noGrp="1" noRot="1" noChangeAspect="1"/>
+          </p:cNvSpPr>
+          <p:nvPr>
+            <p:ph type="sldImg"/>
+          </p:nvPr>
+        </p:nvSpPr>
+        <p:spPr/>
+      </p:sp>
+      <p:sp>
+        <p:nvSpPr>
+          <p:cNvPr id="3" name="ノート プレースホルダー 2"/>
+          <p:cNvSpPr>
+            <a:spLocks noGrp="1"/>
+          </p:cNvSpPr>
+          <p:nvPr>
+            <p:ph type="body" idx="1"/>
+          </p:nvPr>
+        </p:nvSpPr>
+        <p:spPr/>
+        <p:txBody>
+          <a:bodyPr/>
+          <a:lstStyle/>
+          <a:p>
+            <a:r>
+              <a:rPr kumimoji="1" lang="ja-JP" altLang="en-US" smtClean="0"/>
+              <a:t>電界との影響も考えました。電界をあげるにつれてエネルギー減少がみられる時間は少なくなり、</a:t>
+            </a:r>
+            <a:r>
+              <a:rPr kumimoji="1" lang="en-US" altLang="ja-JP" smtClean="0"/>
+              <a:t>3.0kV/cm</a:t>
+            </a:r>
+            <a:r>
+              <a:rPr kumimoji="1" lang="ja-JP" altLang="en-US" smtClean="0"/>
+              <a:t>を超える頃には減少が観察されづらくなっています。しかし、こういったものはあくまでエネルギー減少の観察可能性を変化させるだけで、減少の直接的な原因になっているかは分かりません。</a:t>
+            </a:r>
+            <a:endParaRPr kumimoji="1" lang="ja-JP" altLang="en-US"/>
+          </a:p>
+        </p:txBody>
+      </p:sp>
+      <p:sp>
+        <p:nvSpPr>
+          <p:cNvPr id="4" name="スライド番号プレースホルダー 3"/>
+          <p:cNvSpPr>
+            <a:spLocks noGrp="1"/>
+          </p:cNvSpPr>
+          <p:nvPr>
+            <p:ph type="sldNum" sz="quarter" idx="10"/>
+          </p:nvPr>
+        </p:nvSpPr>
+        <p:spPr/>
+        <p:txBody>
+          <a:bodyPr/>
+          <a:lstStyle/>
+          <a:p>
+            <a:fld id="{F893C8CC-E0F2-409A-AFF1-85D6A0823905}" type="slidenum">
+              <a:rPr kumimoji="1" lang="ja-JP" altLang="en-US" smtClean="0"/>
               <a:t>12</a:t>
             </a:fld>
             <a:endParaRPr kumimoji="1" lang="ja-JP" altLang="en-US"/>
@@ -585,6 +806,1197 @@
     <p:extLst>
       <p:ext uri="{BB962C8B-B14F-4D97-AF65-F5344CB8AC3E}">
         <p14:creationId xmlns:p14="http://schemas.microsoft.com/office/powerpoint/2010/main" val="337081603"/>
+      </p:ext>
+    </p:extLst>
+  </p:cSld>
+  <p:clrMapOvr>
+    <a:masterClrMapping/>
+  </p:clrMapOvr>
+</p:notes>
+</file>
+
+<file path=ppt/notesSlides/notesSlide12.xml><?xml version="1.0" encoding="utf-8"?>
+<p:notes xmlns:a="http://schemas.openxmlformats.org/drawingml/2006/main" xmlns:r="http://schemas.openxmlformats.org/officeDocument/2006/relationships" xmlns:p="http://schemas.openxmlformats.org/presentationml/2006/main">
+  <p:cSld>
+    <p:spTree>
+      <p:nvGrpSpPr>
+        <p:cNvPr id="1" name=""/>
+        <p:cNvGrpSpPr/>
+        <p:nvPr/>
+      </p:nvGrpSpPr>
+      <p:grpSpPr>
+        <a:xfrm>
+          <a:off x="0" y="0"/>
+          <a:ext cx="0" cy="0"/>
+          <a:chOff x="0" y="0"/>
+          <a:chExt cx="0" cy="0"/>
+        </a:xfrm>
+      </p:grpSpPr>
+      <p:sp>
+        <p:nvSpPr>
+          <p:cNvPr id="2" name="スライド イメージ プレースホルダー 1"/>
+          <p:cNvSpPr>
+            <a:spLocks noGrp="1" noRot="1" noChangeAspect="1"/>
+          </p:cNvSpPr>
+          <p:nvPr>
+            <p:ph type="sldImg"/>
+          </p:nvPr>
+        </p:nvSpPr>
+        <p:spPr/>
+      </p:sp>
+      <p:sp>
+        <p:nvSpPr>
+          <p:cNvPr id="3" name="ノート プレースホルダー 2"/>
+          <p:cNvSpPr>
+            <a:spLocks noGrp="1"/>
+          </p:cNvSpPr>
+          <p:nvPr>
+            <p:ph type="body" idx="1"/>
+          </p:nvPr>
+        </p:nvSpPr>
+        <p:spPr/>
+        <p:txBody>
+          <a:bodyPr/>
+          <a:lstStyle/>
+          <a:p>
+            <a:r>
+              <a:rPr kumimoji="1" lang="ja-JP" altLang="en-US" smtClean="0"/>
+              <a:t>考えられる直接的な原因はフェルミ縮退を考慮していないことにあるでしょう。縮退している状態では、低いエネルギー準位には電子が高確率で占有しています。</a:t>
+            </a:r>
+            <a:endParaRPr kumimoji="1" lang="en-US" altLang="ja-JP" smtClean="0"/>
+          </a:p>
+          <a:p>
+            <a:r>
+              <a:rPr kumimoji="1" lang="ja-JP" altLang="en-US" smtClean="0"/>
+              <a:t>そのため、本来電子が低い準位に移動する際、占有されていないことを確認する必要があります。しかし、今回は初期状態でしかフェルミ粒子のふるまいを考慮しておらず、</a:t>
+            </a:r>
+            <a:endParaRPr kumimoji="1" lang="en-US" altLang="ja-JP" smtClean="0"/>
+          </a:p>
+          <a:p>
+            <a:r>
+              <a:rPr kumimoji="1" lang="ja-JP" altLang="en-US" smtClean="0"/>
+              <a:t>電子は自由に他の準位に移動できます。そのため、実際の物理では見られない結果となったと考察されます。ただし、これは縮退効果を含んだプログラムの結果と比較して議論する必要があります。</a:t>
+            </a:r>
+            <a:endParaRPr kumimoji="1" lang="ja-JP" altLang="en-US"/>
+          </a:p>
+        </p:txBody>
+      </p:sp>
+      <p:sp>
+        <p:nvSpPr>
+          <p:cNvPr id="4" name="スライド番号プレースホルダー 3"/>
+          <p:cNvSpPr>
+            <a:spLocks noGrp="1"/>
+          </p:cNvSpPr>
+          <p:nvPr>
+            <p:ph type="sldNum" sz="quarter" idx="10"/>
+          </p:nvPr>
+        </p:nvSpPr>
+        <p:spPr/>
+        <p:txBody>
+          <a:bodyPr/>
+          <a:lstStyle/>
+          <a:p>
+            <a:fld id="{F893C8CC-E0F2-409A-AFF1-85D6A0823905}" type="slidenum">
+              <a:rPr kumimoji="1" lang="ja-JP" altLang="en-US" smtClean="0"/>
+              <a:t>13</a:t>
+            </a:fld>
+            <a:endParaRPr kumimoji="1" lang="ja-JP" altLang="en-US"/>
+          </a:p>
+        </p:txBody>
+      </p:sp>
+    </p:spTree>
+    <p:extLst>
+      <p:ext uri="{BB962C8B-B14F-4D97-AF65-F5344CB8AC3E}">
+        <p14:creationId xmlns:p14="http://schemas.microsoft.com/office/powerpoint/2010/main" val="2476767260"/>
+      </p:ext>
+    </p:extLst>
+  </p:cSld>
+  <p:clrMapOvr>
+    <a:masterClrMapping/>
+  </p:clrMapOvr>
+</p:notes>
+</file>
+
+<file path=ppt/notesSlides/notesSlide13.xml><?xml version="1.0" encoding="utf-8"?>
+<p:notes xmlns:a="http://schemas.openxmlformats.org/drawingml/2006/main" xmlns:r="http://schemas.openxmlformats.org/officeDocument/2006/relationships" xmlns:p="http://schemas.openxmlformats.org/presentationml/2006/main">
+  <p:cSld>
+    <p:spTree>
+      <p:nvGrpSpPr>
+        <p:cNvPr id="1" name=""/>
+        <p:cNvGrpSpPr/>
+        <p:nvPr/>
+      </p:nvGrpSpPr>
+      <p:grpSpPr>
+        <a:xfrm>
+          <a:off x="0" y="0"/>
+          <a:ext cx="0" cy="0"/>
+          <a:chOff x="0" y="0"/>
+          <a:chExt cx="0" cy="0"/>
+        </a:xfrm>
+      </p:grpSpPr>
+      <p:sp>
+        <p:nvSpPr>
+          <p:cNvPr id="2" name="スライド イメージ プレースホルダー 1"/>
+          <p:cNvSpPr>
+            <a:spLocks noGrp="1" noRot="1" noChangeAspect="1"/>
+          </p:cNvSpPr>
+          <p:nvPr>
+            <p:ph type="sldImg"/>
+          </p:nvPr>
+        </p:nvSpPr>
+        <p:spPr/>
+      </p:sp>
+      <p:sp>
+        <p:nvSpPr>
+          <p:cNvPr id="3" name="ノート プレースホルダー 2"/>
+          <p:cNvSpPr>
+            <a:spLocks noGrp="1"/>
+          </p:cNvSpPr>
+          <p:nvPr>
+            <p:ph type="body" idx="1"/>
+          </p:nvPr>
+        </p:nvSpPr>
+        <p:spPr/>
+        <p:txBody>
+          <a:bodyPr/>
+          <a:lstStyle/>
+          <a:p>
+            <a:r>
+              <a:rPr kumimoji="1" lang="ja-JP" altLang="en-US" smtClean="0"/>
+              <a:t>フェルミ縮退の実装にあたって考慮することがいくつかあります。まず、プログラム的に全散乱確率を一定に保ちたいので、</a:t>
+            </a:r>
+            <a:r>
+              <a:rPr kumimoji="1" lang="en-US" altLang="ja-JP" smtClean="0"/>
+              <a:t>h_bar omega_0</a:t>
+            </a:r>
+            <a:r>
+              <a:rPr kumimoji="1" lang="en-US" altLang="ja-JP" baseline="0" smtClean="0"/>
+              <a:t> </a:t>
+            </a:r>
+            <a:r>
+              <a:rPr kumimoji="1" lang="ja-JP" altLang="en-US" baseline="0" smtClean="0"/>
+              <a:t>以下の準位の電子に対して自己散乱というふるまいを導入します。自己散乱では、判定上電子はフォノン放出を行いますが、実際には全く状態は変化しません。続いてフェルミ縮退効果本体を実装します。電子の分布関数を</a:t>
+            </a:r>
+            <a:r>
+              <a:rPr kumimoji="1" lang="en-US" altLang="ja-JP" baseline="0" smtClean="0"/>
+              <a:t>f(k)</a:t>
+            </a:r>
+            <a:r>
+              <a:rPr kumimoji="1" lang="ja-JP" altLang="en-US" baseline="0" smtClean="0"/>
+              <a:t>とします。この分布関数は定期的に更新する必要があります。各時刻で電子は確率的に散乱によってエネルギーが変化します。変化した波数を</a:t>
+            </a:r>
+            <a:r>
+              <a:rPr kumimoji="1" lang="en-US" altLang="ja-JP" baseline="0" smtClean="0"/>
+              <a:t>k’</a:t>
+            </a:r>
+            <a:r>
+              <a:rPr kumimoji="1" lang="ja-JP" altLang="en-US" baseline="0" smtClean="0"/>
+              <a:t>とすると、波数</a:t>
+            </a:r>
+            <a:r>
+              <a:rPr kumimoji="1" lang="en-US" altLang="ja-JP" baseline="0" smtClean="0"/>
+              <a:t>k’</a:t>
+            </a:r>
+            <a:r>
+              <a:rPr kumimoji="1" lang="ja-JP" altLang="en-US" baseline="0" smtClean="0"/>
+              <a:t>の持つ準位が空いている確率は</a:t>
+            </a:r>
+            <a:r>
+              <a:rPr kumimoji="1" lang="en-US" altLang="ja-JP" baseline="0" smtClean="0"/>
+              <a:t>1-f(k’)</a:t>
+            </a:r>
+            <a:r>
+              <a:rPr kumimoji="1" lang="ja-JP" altLang="en-US" baseline="0" smtClean="0"/>
+              <a:t>になります。生成した乱数がこれより大きければ遷移できますが、そうでなければ遷移できず、もとの状態のままとなります。</a:t>
+            </a:r>
+            <a:endParaRPr kumimoji="1" lang="ja-JP" altLang="en-US"/>
+          </a:p>
+        </p:txBody>
+      </p:sp>
+      <p:sp>
+        <p:nvSpPr>
+          <p:cNvPr id="4" name="スライド番号プレースホルダー 3"/>
+          <p:cNvSpPr>
+            <a:spLocks noGrp="1"/>
+          </p:cNvSpPr>
+          <p:nvPr>
+            <p:ph type="sldNum" sz="quarter" idx="10"/>
+          </p:nvPr>
+        </p:nvSpPr>
+        <p:spPr/>
+        <p:txBody>
+          <a:bodyPr/>
+          <a:lstStyle/>
+          <a:p>
+            <a:fld id="{F893C8CC-E0F2-409A-AFF1-85D6A0823905}" type="slidenum">
+              <a:rPr kumimoji="1" lang="ja-JP" altLang="en-US" smtClean="0"/>
+              <a:t>14</a:t>
+            </a:fld>
+            <a:endParaRPr kumimoji="1" lang="ja-JP" altLang="en-US"/>
+          </a:p>
+        </p:txBody>
+      </p:sp>
+    </p:spTree>
+    <p:extLst>
+      <p:ext uri="{BB962C8B-B14F-4D97-AF65-F5344CB8AC3E}">
+        <p14:creationId xmlns:p14="http://schemas.microsoft.com/office/powerpoint/2010/main" val="649806399"/>
+      </p:ext>
+    </p:extLst>
+  </p:cSld>
+  <p:clrMapOvr>
+    <a:masterClrMapping/>
+  </p:clrMapOvr>
+</p:notes>
+</file>
+
+<file path=ppt/notesSlides/notesSlide14.xml><?xml version="1.0" encoding="utf-8"?>
+<p:notes xmlns:a="http://schemas.openxmlformats.org/drawingml/2006/main" xmlns:r="http://schemas.openxmlformats.org/officeDocument/2006/relationships" xmlns:p="http://schemas.openxmlformats.org/presentationml/2006/main">
+  <p:cSld>
+    <p:spTree>
+      <p:nvGrpSpPr>
+        <p:cNvPr id="1" name=""/>
+        <p:cNvGrpSpPr/>
+        <p:nvPr/>
+      </p:nvGrpSpPr>
+      <p:grpSpPr>
+        <a:xfrm>
+          <a:off x="0" y="0"/>
+          <a:ext cx="0" cy="0"/>
+          <a:chOff x="0" y="0"/>
+          <a:chExt cx="0" cy="0"/>
+        </a:xfrm>
+      </p:grpSpPr>
+      <p:sp>
+        <p:nvSpPr>
+          <p:cNvPr id="2" name="スライド イメージ プレースホルダー 1"/>
+          <p:cNvSpPr>
+            <a:spLocks noGrp="1" noRot="1" noChangeAspect="1"/>
+          </p:cNvSpPr>
+          <p:nvPr>
+            <p:ph type="sldImg"/>
+          </p:nvPr>
+        </p:nvSpPr>
+        <p:spPr/>
+      </p:sp>
+      <p:sp>
+        <p:nvSpPr>
+          <p:cNvPr id="3" name="ノート プレースホルダー 2"/>
+          <p:cNvSpPr>
+            <a:spLocks noGrp="1"/>
+          </p:cNvSpPr>
+          <p:nvPr>
+            <p:ph type="body" idx="1"/>
+          </p:nvPr>
+        </p:nvSpPr>
+        <p:spPr/>
+        <p:txBody>
+          <a:bodyPr/>
+          <a:lstStyle/>
+          <a:p>
+            <a:r>
+              <a:rPr kumimoji="1" lang="ja-JP" altLang="en-US" smtClean="0"/>
+              <a:t>分布関数は、波数空間をグリッドに分割したとき、各グリッドに存在する粒子数から求めます。適当なグリッドの大きさを設定したとき、粒子数と分布関数は比例関係にあるはずだからです。その比例係数は、計算によって分布関数によらない、つまり時刻によらない定数であることが導けます。</a:t>
+            </a:r>
+            <a:endParaRPr kumimoji="1" lang="ja-JP" altLang="en-US"/>
+          </a:p>
+        </p:txBody>
+      </p:sp>
+      <p:sp>
+        <p:nvSpPr>
+          <p:cNvPr id="4" name="スライド番号プレースホルダー 3"/>
+          <p:cNvSpPr>
+            <a:spLocks noGrp="1"/>
+          </p:cNvSpPr>
+          <p:nvPr>
+            <p:ph type="sldNum" sz="quarter" idx="10"/>
+          </p:nvPr>
+        </p:nvSpPr>
+        <p:spPr/>
+        <p:txBody>
+          <a:bodyPr/>
+          <a:lstStyle/>
+          <a:p>
+            <a:fld id="{F893C8CC-E0F2-409A-AFF1-85D6A0823905}" type="slidenum">
+              <a:rPr kumimoji="1" lang="ja-JP" altLang="en-US" smtClean="0"/>
+              <a:t>15</a:t>
+            </a:fld>
+            <a:endParaRPr kumimoji="1" lang="ja-JP" altLang="en-US"/>
+          </a:p>
+        </p:txBody>
+      </p:sp>
+    </p:spTree>
+    <p:extLst>
+      <p:ext uri="{BB962C8B-B14F-4D97-AF65-F5344CB8AC3E}">
+        <p14:creationId xmlns:p14="http://schemas.microsoft.com/office/powerpoint/2010/main" val="2240742359"/>
+      </p:ext>
+    </p:extLst>
+  </p:cSld>
+  <p:clrMapOvr>
+    <a:masterClrMapping/>
+  </p:clrMapOvr>
+</p:notes>
+</file>
+
+<file path=ppt/notesSlides/notesSlide15.xml><?xml version="1.0" encoding="utf-8"?>
+<p:notes xmlns:a="http://schemas.openxmlformats.org/drawingml/2006/main" xmlns:r="http://schemas.openxmlformats.org/officeDocument/2006/relationships" xmlns:p="http://schemas.openxmlformats.org/presentationml/2006/main">
+  <p:cSld>
+    <p:spTree>
+      <p:nvGrpSpPr>
+        <p:cNvPr id="1" name=""/>
+        <p:cNvGrpSpPr/>
+        <p:nvPr/>
+      </p:nvGrpSpPr>
+      <p:grpSpPr>
+        <a:xfrm>
+          <a:off x="0" y="0"/>
+          <a:ext cx="0" cy="0"/>
+          <a:chOff x="0" y="0"/>
+          <a:chExt cx="0" cy="0"/>
+        </a:xfrm>
+      </p:grpSpPr>
+      <p:sp>
+        <p:nvSpPr>
+          <p:cNvPr id="2" name="スライド イメージ プレースホルダー 1"/>
+          <p:cNvSpPr>
+            <a:spLocks noGrp="1" noRot="1" noChangeAspect="1"/>
+          </p:cNvSpPr>
+          <p:nvPr>
+            <p:ph type="sldImg"/>
+          </p:nvPr>
+        </p:nvSpPr>
+        <p:spPr/>
+      </p:sp>
+      <p:sp>
+        <p:nvSpPr>
+          <p:cNvPr id="3" name="ノート プレースホルダー 2"/>
+          <p:cNvSpPr>
+            <a:spLocks noGrp="1"/>
+          </p:cNvSpPr>
+          <p:nvPr>
+            <p:ph type="body" idx="1"/>
+          </p:nvPr>
+        </p:nvSpPr>
+        <p:spPr/>
+        <p:txBody>
+          <a:bodyPr/>
+          <a:lstStyle/>
+          <a:p>
+            <a:r>
+              <a:rPr kumimoji="1" lang="ja-JP" altLang="en-US" smtClean="0"/>
+              <a:t>今後はフェルミ縮退効果を実装し、その結果を用いて卒論に取り掛かる予定です。</a:t>
+            </a:r>
+            <a:endParaRPr kumimoji="1" lang="ja-JP" altLang="en-US"/>
+          </a:p>
+        </p:txBody>
+      </p:sp>
+      <p:sp>
+        <p:nvSpPr>
+          <p:cNvPr id="4" name="スライド番号プレースホルダー 3"/>
+          <p:cNvSpPr>
+            <a:spLocks noGrp="1"/>
+          </p:cNvSpPr>
+          <p:nvPr>
+            <p:ph type="sldNum" sz="quarter" idx="10"/>
+          </p:nvPr>
+        </p:nvSpPr>
+        <p:spPr/>
+        <p:txBody>
+          <a:bodyPr/>
+          <a:lstStyle/>
+          <a:p>
+            <a:fld id="{F893C8CC-E0F2-409A-AFF1-85D6A0823905}" type="slidenum">
+              <a:rPr kumimoji="1" lang="ja-JP" altLang="en-US" smtClean="0"/>
+              <a:t>16</a:t>
+            </a:fld>
+            <a:endParaRPr kumimoji="1" lang="ja-JP" altLang="en-US"/>
+          </a:p>
+        </p:txBody>
+      </p:sp>
+    </p:spTree>
+    <p:extLst>
+      <p:ext uri="{BB962C8B-B14F-4D97-AF65-F5344CB8AC3E}">
+        <p14:creationId xmlns:p14="http://schemas.microsoft.com/office/powerpoint/2010/main" val="1048600552"/>
+      </p:ext>
+    </p:extLst>
+  </p:cSld>
+  <p:clrMapOvr>
+    <a:masterClrMapping/>
+  </p:clrMapOvr>
+</p:notes>
+</file>
+
+<file path=ppt/notesSlides/notesSlide2.xml><?xml version="1.0" encoding="utf-8"?>
+<p:notes xmlns:a="http://schemas.openxmlformats.org/drawingml/2006/main" xmlns:r="http://schemas.openxmlformats.org/officeDocument/2006/relationships" xmlns:p="http://schemas.openxmlformats.org/presentationml/2006/main">
+  <p:cSld>
+    <p:spTree>
+      <p:nvGrpSpPr>
+        <p:cNvPr id="1" name=""/>
+        <p:cNvGrpSpPr/>
+        <p:nvPr/>
+      </p:nvGrpSpPr>
+      <p:grpSpPr>
+        <a:xfrm>
+          <a:off x="0" y="0"/>
+          <a:ext cx="0" cy="0"/>
+          <a:chOff x="0" y="0"/>
+          <a:chExt cx="0" cy="0"/>
+        </a:xfrm>
+      </p:grpSpPr>
+      <p:sp>
+        <p:nvSpPr>
+          <p:cNvPr id="2" name="スライド イメージ プレースホルダー 1"/>
+          <p:cNvSpPr>
+            <a:spLocks noGrp="1" noRot="1" noChangeAspect="1"/>
+          </p:cNvSpPr>
+          <p:nvPr>
+            <p:ph type="sldImg"/>
+          </p:nvPr>
+        </p:nvSpPr>
+        <p:spPr/>
+      </p:sp>
+      <p:sp>
+        <p:nvSpPr>
+          <p:cNvPr id="3" name="ノート プレースホルダー 2"/>
+          <p:cNvSpPr>
+            <a:spLocks noGrp="1"/>
+          </p:cNvSpPr>
+          <p:nvPr>
+            <p:ph type="body" idx="1"/>
+          </p:nvPr>
+        </p:nvSpPr>
+        <p:spPr/>
+        <p:txBody>
+          <a:bodyPr/>
+          <a:lstStyle/>
+          <a:p>
+            <a:r>
+              <a:rPr kumimoji="1" lang="ja-JP" altLang="en-US" smtClean="0"/>
+              <a:t>・進捗は、熱平衡分布の実装、フォノン散乱の実装、フェルミ縮退効果の考察</a:t>
+            </a:r>
+            <a:endParaRPr kumimoji="1" lang="ja-JP" altLang="en-US"/>
+          </a:p>
+        </p:txBody>
+      </p:sp>
+      <p:sp>
+        <p:nvSpPr>
+          <p:cNvPr id="4" name="スライド番号プレースホルダー 3"/>
+          <p:cNvSpPr>
+            <a:spLocks noGrp="1"/>
+          </p:cNvSpPr>
+          <p:nvPr>
+            <p:ph type="sldNum" sz="quarter" idx="10"/>
+          </p:nvPr>
+        </p:nvSpPr>
+        <p:spPr/>
+        <p:txBody>
+          <a:bodyPr/>
+          <a:lstStyle/>
+          <a:p>
+            <a:fld id="{F893C8CC-E0F2-409A-AFF1-85D6A0823905}" type="slidenum">
+              <a:rPr kumimoji="1" lang="ja-JP" altLang="en-US" smtClean="0"/>
+              <a:t>3</a:t>
+            </a:fld>
+            <a:endParaRPr kumimoji="1" lang="ja-JP" altLang="en-US"/>
+          </a:p>
+        </p:txBody>
+      </p:sp>
+    </p:spTree>
+    <p:extLst>
+      <p:ext uri="{BB962C8B-B14F-4D97-AF65-F5344CB8AC3E}">
+        <p14:creationId xmlns:p14="http://schemas.microsoft.com/office/powerpoint/2010/main" val="437125001"/>
+      </p:ext>
+    </p:extLst>
+  </p:cSld>
+  <p:clrMapOvr>
+    <a:masterClrMapping/>
+  </p:clrMapOvr>
+</p:notes>
+</file>
+
+<file path=ppt/notesSlides/notesSlide3.xml><?xml version="1.0" encoding="utf-8"?>
+<p:notes xmlns:a="http://schemas.openxmlformats.org/drawingml/2006/main" xmlns:r="http://schemas.openxmlformats.org/officeDocument/2006/relationships" xmlns:p="http://schemas.openxmlformats.org/presentationml/2006/main">
+  <p:cSld>
+    <p:spTree>
+      <p:nvGrpSpPr>
+        <p:cNvPr id="1" name=""/>
+        <p:cNvGrpSpPr/>
+        <p:nvPr/>
+      </p:nvGrpSpPr>
+      <p:grpSpPr>
+        <a:xfrm>
+          <a:off x="0" y="0"/>
+          <a:ext cx="0" cy="0"/>
+          <a:chOff x="0" y="0"/>
+          <a:chExt cx="0" cy="0"/>
+        </a:xfrm>
+      </p:grpSpPr>
+      <p:sp>
+        <p:nvSpPr>
+          <p:cNvPr id="2" name="スライド イメージ プレースホルダー 1"/>
+          <p:cNvSpPr>
+            <a:spLocks noGrp="1" noRot="1" noChangeAspect="1"/>
+          </p:cNvSpPr>
+          <p:nvPr>
+            <p:ph type="sldImg"/>
+          </p:nvPr>
+        </p:nvSpPr>
+        <p:spPr/>
+      </p:sp>
+      <p:sp>
+        <p:nvSpPr>
+          <p:cNvPr id="3" name="ノート プレースホルダー 2"/>
+          <p:cNvSpPr>
+            <a:spLocks noGrp="1"/>
+          </p:cNvSpPr>
+          <p:nvPr>
+            <p:ph type="body" idx="1"/>
+          </p:nvPr>
+        </p:nvSpPr>
+        <p:spPr/>
+        <p:txBody>
+          <a:bodyPr/>
+          <a:lstStyle/>
+          <a:p>
+            <a:r>
+              <a:rPr kumimoji="1" lang="ja-JP" altLang="en-US" smtClean="0"/>
+              <a:t>・縮退の無い一般の状態では、フェルミ準位は伝導帯の底よりも数十</a:t>
+            </a:r>
+            <a:r>
+              <a:rPr kumimoji="1" lang="en-US" altLang="ja-JP" smtClean="0"/>
+              <a:t>meV</a:t>
+            </a:r>
+            <a:r>
+              <a:rPr kumimoji="1" lang="ja-JP" altLang="en-US" smtClean="0"/>
+              <a:t>小さいため、分布関数をボルツマン統計で近似することができました。</a:t>
+            </a:r>
+            <a:endParaRPr kumimoji="1" lang="en-US" altLang="ja-JP" smtClean="0"/>
+          </a:p>
+          <a:p>
+            <a:r>
+              <a:rPr kumimoji="1" lang="ja-JP" altLang="en-US" smtClean="0"/>
+              <a:t>一方、縮退効果を考える状況に置いては、フェルミ準位は伝導体の底よりも上にあるため近似ができず、フェルミディラック統計を導入する必要があります。</a:t>
+            </a:r>
+            <a:endParaRPr kumimoji="1" lang="ja-JP" altLang="en-US"/>
+          </a:p>
+        </p:txBody>
+      </p:sp>
+      <p:sp>
+        <p:nvSpPr>
+          <p:cNvPr id="4" name="スライド番号プレースホルダー 3"/>
+          <p:cNvSpPr>
+            <a:spLocks noGrp="1"/>
+          </p:cNvSpPr>
+          <p:nvPr>
+            <p:ph type="sldNum" sz="quarter" idx="10"/>
+          </p:nvPr>
+        </p:nvSpPr>
+        <p:spPr/>
+        <p:txBody>
+          <a:bodyPr/>
+          <a:lstStyle/>
+          <a:p>
+            <a:fld id="{F893C8CC-E0F2-409A-AFF1-85D6A0823905}" type="slidenum">
+              <a:rPr kumimoji="1" lang="ja-JP" altLang="en-US" smtClean="0"/>
+              <a:t>4</a:t>
+            </a:fld>
+            <a:endParaRPr kumimoji="1" lang="ja-JP" altLang="en-US"/>
+          </a:p>
+        </p:txBody>
+      </p:sp>
+    </p:spTree>
+    <p:extLst>
+      <p:ext uri="{BB962C8B-B14F-4D97-AF65-F5344CB8AC3E}">
+        <p14:creationId xmlns:p14="http://schemas.microsoft.com/office/powerpoint/2010/main" val="3441081659"/>
+      </p:ext>
+    </p:extLst>
+  </p:cSld>
+  <p:clrMapOvr>
+    <a:masterClrMapping/>
+  </p:clrMapOvr>
+</p:notes>
+</file>
+
+<file path=ppt/notesSlides/notesSlide4.xml><?xml version="1.0" encoding="utf-8"?>
+<p:notes xmlns:a="http://schemas.openxmlformats.org/drawingml/2006/main" xmlns:r="http://schemas.openxmlformats.org/officeDocument/2006/relationships" xmlns:p="http://schemas.openxmlformats.org/presentationml/2006/main">
+  <p:cSld>
+    <p:spTree>
+      <p:nvGrpSpPr>
+        <p:cNvPr id="1" name=""/>
+        <p:cNvGrpSpPr/>
+        <p:nvPr/>
+      </p:nvGrpSpPr>
+      <p:grpSpPr>
+        <a:xfrm>
+          <a:off x="0" y="0"/>
+          <a:ext cx="0" cy="0"/>
+          <a:chOff x="0" y="0"/>
+          <a:chExt cx="0" cy="0"/>
+        </a:xfrm>
+      </p:grpSpPr>
+      <p:sp>
+        <p:nvSpPr>
+          <p:cNvPr id="2" name="スライド イメージ プレースホルダー 1"/>
+          <p:cNvSpPr>
+            <a:spLocks noGrp="1" noRot="1" noChangeAspect="1"/>
+          </p:cNvSpPr>
+          <p:nvPr>
+            <p:ph type="sldImg"/>
+          </p:nvPr>
+        </p:nvSpPr>
+        <p:spPr/>
+      </p:sp>
+      <p:sp>
+        <p:nvSpPr>
+          <p:cNvPr id="3" name="ノート プレースホルダー 2"/>
+          <p:cNvSpPr>
+            <a:spLocks noGrp="1"/>
+          </p:cNvSpPr>
+          <p:nvPr>
+            <p:ph type="body" idx="1"/>
+          </p:nvPr>
+        </p:nvSpPr>
+        <p:spPr/>
+        <p:txBody>
+          <a:bodyPr/>
+          <a:lstStyle/>
+          <a:p>
+            <a:r>
+              <a:rPr kumimoji="1" lang="ja-JP" altLang="en-US" smtClean="0"/>
+              <a:t>・フェルミディラック統計に従うエネルギー状態を考えました。全電子密度はフェルミ積分によって計算されます。各電子のエネルギー初期状態は棄却サンプリングという手法により決定されます。</a:t>
+            </a:r>
+            <a:endParaRPr kumimoji="1" lang="en-US" altLang="ja-JP" smtClean="0"/>
+          </a:p>
+          <a:p>
+            <a:r>
+              <a:rPr kumimoji="1" lang="ja-JP" altLang="en-US" smtClean="0"/>
+              <a:t>密度関数とエネルギーそれぞれの最大値が張る空間内でランダムに状態を選択し、それが密度関数より下側の領域に位置すれば採択します。非弾性散乱時にもこの手法を用いてエネルギーを更新します。</a:t>
+            </a:r>
+            <a:endParaRPr kumimoji="1" lang="ja-JP" altLang="en-US"/>
+          </a:p>
+        </p:txBody>
+      </p:sp>
+      <p:sp>
+        <p:nvSpPr>
+          <p:cNvPr id="4" name="スライド番号プレースホルダー 3"/>
+          <p:cNvSpPr>
+            <a:spLocks noGrp="1"/>
+          </p:cNvSpPr>
+          <p:nvPr>
+            <p:ph type="sldNum" sz="quarter" idx="10"/>
+          </p:nvPr>
+        </p:nvSpPr>
+        <p:spPr/>
+        <p:txBody>
+          <a:bodyPr/>
+          <a:lstStyle/>
+          <a:p>
+            <a:fld id="{F893C8CC-E0F2-409A-AFF1-85D6A0823905}" type="slidenum">
+              <a:rPr kumimoji="1" lang="ja-JP" altLang="en-US" smtClean="0"/>
+              <a:t>5</a:t>
+            </a:fld>
+            <a:endParaRPr kumimoji="1" lang="ja-JP" altLang="en-US"/>
+          </a:p>
+        </p:txBody>
+      </p:sp>
+    </p:spTree>
+    <p:extLst>
+      <p:ext uri="{BB962C8B-B14F-4D97-AF65-F5344CB8AC3E}">
+        <p14:creationId xmlns:p14="http://schemas.microsoft.com/office/powerpoint/2010/main" val="3867189410"/>
+      </p:ext>
+    </p:extLst>
+  </p:cSld>
+  <p:clrMapOvr>
+    <a:masterClrMapping/>
+  </p:clrMapOvr>
+</p:notes>
+</file>
+
+<file path=ppt/notesSlides/notesSlide5.xml><?xml version="1.0" encoding="utf-8"?>
+<p:notes xmlns:a="http://schemas.openxmlformats.org/drawingml/2006/main" xmlns:r="http://schemas.openxmlformats.org/officeDocument/2006/relationships" xmlns:p="http://schemas.openxmlformats.org/presentationml/2006/main">
+  <p:cSld>
+    <p:spTree>
+      <p:nvGrpSpPr>
+        <p:cNvPr id="1" name=""/>
+        <p:cNvGrpSpPr/>
+        <p:nvPr/>
+      </p:nvGrpSpPr>
+      <p:grpSpPr>
+        <a:xfrm>
+          <a:off x="0" y="0"/>
+          <a:ext cx="0" cy="0"/>
+          <a:chOff x="0" y="0"/>
+          <a:chExt cx="0" cy="0"/>
+        </a:xfrm>
+      </p:grpSpPr>
+      <p:sp>
+        <p:nvSpPr>
+          <p:cNvPr id="2" name="スライド イメージ プレースホルダー 1"/>
+          <p:cNvSpPr>
+            <a:spLocks noGrp="1" noRot="1" noChangeAspect="1"/>
+          </p:cNvSpPr>
+          <p:nvPr>
+            <p:ph type="sldImg"/>
+          </p:nvPr>
+        </p:nvSpPr>
+        <p:spPr/>
+      </p:sp>
+      <p:sp>
+        <p:nvSpPr>
+          <p:cNvPr id="3" name="ノート プレースホルダー 2"/>
+          <p:cNvSpPr>
+            <a:spLocks noGrp="1"/>
+          </p:cNvSpPr>
+          <p:nvPr>
+            <p:ph type="body" idx="1"/>
+          </p:nvPr>
+        </p:nvSpPr>
+        <p:spPr/>
+        <p:txBody>
+          <a:bodyPr/>
+          <a:lstStyle/>
+          <a:p>
+            <a:r>
+              <a:rPr kumimoji="1" lang="ja-JP" altLang="en-US" smtClean="0"/>
+              <a:t>前回までのアンサンブルモンテカルロシミュレーションにフェルミディラック統計を導入した結果を示します。ボルツマン分布を用いた場合と同様の収束が見られます。</a:t>
+            </a:r>
+            <a:endParaRPr kumimoji="1" lang="ja-JP" altLang="en-US"/>
+          </a:p>
+        </p:txBody>
+      </p:sp>
+      <p:sp>
+        <p:nvSpPr>
+          <p:cNvPr id="4" name="スライド番号プレースホルダー 3"/>
+          <p:cNvSpPr>
+            <a:spLocks noGrp="1"/>
+          </p:cNvSpPr>
+          <p:nvPr>
+            <p:ph type="sldNum" sz="quarter" idx="10"/>
+          </p:nvPr>
+        </p:nvSpPr>
+        <p:spPr/>
+        <p:txBody>
+          <a:bodyPr/>
+          <a:lstStyle/>
+          <a:p>
+            <a:fld id="{F893C8CC-E0F2-409A-AFF1-85D6A0823905}" type="slidenum">
+              <a:rPr kumimoji="1" lang="ja-JP" altLang="en-US" smtClean="0"/>
+              <a:t>6</a:t>
+            </a:fld>
+            <a:endParaRPr kumimoji="1" lang="ja-JP" altLang="en-US"/>
+          </a:p>
+        </p:txBody>
+      </p:sp>
+    </p:spTree>
+    <p:extLst>
+      <p:ext uri="{BB962C8B-B14F-4D97-AF65-F5344CB8AC3E}">
+        <p14:creationId xmlns:p14="http://schemas.microsoft.com/office/powerpoint/2010/main" val="2816761059"/>
+      </p:ext>
+    </p:extLst>
+  </p:cSld>
+  <p:clrMapOvr>
+    <a:masterClrMapping/>
+  </p:clrMapOvr>
+</p:notes>
+</file>
+
+<file path=ppt/notesSlides/notesSlide6.xml><?xml version="1.0" encoding="utf-8"?>
+<p:notes xmlns:a="http://schemas.openxmlformats.org/drawingml/2006/main" xmlns:r="http://schemas.openxmlformats.org/officeDocument/2006/relationships" xmlns:p="http://schemas.openxmlformats.org/presentationml/2006/main">
+  <p:cSld>
+    <p:spTree>
+      <p:nvGrpSpPr>
+        <p:cNvPr id="1" name=""/>
+        <p:cNvGrpSpPr/>
+        <p:nvPr/>
+      </p:nvGrpSpPr>
+      <p:grpSpPr>
+        <a:xfrm>
+          <a:off x="0" y="0"/>
+          <a:ext cx="0" cy="0"/>
+          <a:chOff x="0" y="0"/>
+          <a:chExt cx="0" cy="0"/>
+        </a:xfrm>
+      </p:grpSpPr>
+      <p:sp>
+        <p:nvSpPr>
+          <p:cNvPr id="2" name="スライド イメージ プレースホルダー 1"/>
+          <p:cNvSpPr>
+            <a:spLocks noGrp="1" noRot="1" noChangeAspect="1"/>
+          </p:cNvSpPr>
+          <p:nvPr>
+            <p:ph type="sldImg"/>
+          </p:nvPr>
+        </p:nvSpPr>
+        <p:spPr/>
+      </p:sp>
+      <p:sp>
+        <p:nvSpPr>
+          <p:cNvPr id="3" name="ノート プレースホルダー 2"/>
+          <p:cNvSpPr>
+            <a:spLocks noGrp="1"/>
+          </p:cNvSpPr>
+          <p:nvPr>
+            <p:ph type="body" idx="1"/>
+          </p:nvPr>
+        </p:nvSpPr>
+        <p:spPr/>
+        <p:txBody>
+          <a:bodyPr/>
+          <a:lstStyle/>
+          <a:p>
+            <a:r>
+              <a:rPr kumimoji="1" lang="ja-JP" altLang="en-US" smtClean="0"/>
+              <a:t>波数の初期状態について考えました。波数空間に絶対値が</a:t>
+            </a:r>
+            <a:r>
+              <a:rPr kumimoji="1" lang="en-US" altLang="ja-JP" smtClean="0"/>
+              <a:t>k_x,k_y</a:t>
+            </a:r>
+            <a:r>
+              <a:rPr kumimoji="1" lang="ja-JP" altLang="en-US" smtClean="0"/>
+              <a:t>ともに</a:t>
+            </a:r>
+            <a:r>
+              <a:rPr kumimoji="1" lang="en-US" altLang="ja-JP" smtClean="0"/>
+              <a:t>k_max</a:t>
+            </a:r>
+            <a:r>
+              <a:rPr kumimoji="1" lang="ja-JP" altLang="en-US" smtClean="0"/>
+              <a:t>となる点</a:t>
+            </a:r>
+            <a:r>
+              <a:rPr kumimoji="1" lang="en-US" altLang="ja-JP" smtClean="0"/>
+              <a:t>4</a:t>
+            </a:r>
+            <a:r>
+              <a:rPr kumimoji="1" lang="ja-JP" altLang="en-US" smtClean="0"/>
+              <a:t>つをとり、それらの点が張る空間をグリッドに分割します。さきほどの棄却サンプリングで生成したエネルギーから</a:t>
+            </a:r>
+            <a:r>
+              <a:rPr kumimoji="1" lang="en-US" altLang="ja-JP" smtClean="0"/>
+              <a:t>k_x,k_y</a:t>
+            </a:r>
+            <a:r>
+              <a:rPr kumimoji="1" lang="ja-JP" altLang="en-US" smtClean="0"/>
+              <a:t>を決定し、グリッドに帰属させます。残す情報はグリッドに属している電子の個数のみです。</a:t>
+            </a:r>
+            <a:endParaRPr kumimoji="1" lang="ja-JP" altLang="en-US"/>
+          </a:p>
+        </p:txBody>
+      </p:sp>
+      <p:sp>
+        <p:nvSpPr>
+          <p:cNvPr id="4" name="スライド番号プレースホルダー 3"/>
+          <p:cNvSpPr>
+            <a:spLocks noGrp="1"/>
+          </p:cNvSpPr>
+          <p:nvPr>
+            <p:ph type="sldNum" sz="quarter" idx="10"/>
+          </p:nvPr>
+        </p:nvSpPr>
+        <p:spPr/>
+        <p:txBody>
+          <a:bodyPr/>
+          <a:lstStyle/>
+          <a:p>
+            <a:fld id="{F893C8CC-E0F2-409A-AFF1-85D6A0823905}" type="slidenum">
+              <a:rPr kumimoji="1" lang="ja-JP" altLang="en-US" smtClean="0"/>
+              <a:t>7</a:t>
+            </a:fld>
+            <a:endParaRPr kumimoji="1" lang="ja-JP" altLang="en-US"/>
+          </a:p>
+        </p:txBody>
+      </p:sp>
+    </p:spTree>
+    <p:extLst>
+      <p:ext uri="{BB962C8B-B14F-4D97-AF65-F5344CB8AC3E}">
+        <p14:creationId xmlns:p14="http://schemas.microsoft.com/office/powerpoint/2010/main" val="2957542215"/>
+      </p:ext>
+    </p:extLst>
+  </p:cSld>
+  <p:clrMapOvr>
+    <a:masterClrMapping/>
+  </p:clrMapOvr>
+</p:notes>
+</file>
+
+<file path=ppt/notesSlides/notesSlide7.xml><?xml version="1.0" encoding="utf-8"?>
+<p:notes xmlns:a="http://schemas.openxmlformats.org/drawingml/2006/main" xmlns:r="http://schemas.openxmlformats.org/officeDocument/2006/relationships" xmlns:p="http://schemas.openxmlformats.org/presentationml/2006/main">
+  <p:cSld>
+    <p:spTree>
+      <p:nvGrpSpPr>
+        <p:cNvPr id="1" name=""/>
+        <p:cNvGrpSpPr/>
+        <p:nvPr/>
+      </p:nvGrpSpPr>
+      <p:grpSpPr>
+        <a:xfrm>
+          <a:off x="0" y="0"/>
+          <a:ext cx="0" cy="0"/>
+          <a:chOff x="0" y="0"/>
+          <a:chExt cx="0" cy="0"/>
+        </a:xfrm>
+      </p:grpSpPr>
+      <p:sp>
+        <p:nvSpPr>
+          <p:cNvPr id="2" name="スライド イメージ プレースホルダー 1"/>
+          <p:cNvSpPr>
+            <a:spLocks noGrp="1" noRot="1" noChangeAspect="1"/>
+          </p:cNvSpPr>
+          <p:nvPr>
+            <p:ph type="sldImg"/>
+          </p:nvPr>
+        </p:nvSpPr>
+        <p:spPr/>
+      </p:sp>
+      <p:sp>
+        <p:nvSpPr>
+          <p:cNvPr id="3" name="ノート プレースホルダー 2"/>
+          <p:cNvSpPr>
+            <a:spLocks noGrp="1"/>
+          </p:cNvSpPr>
+          <p:nvPr>
+            <p:ph type="body" idx="1"/>
+          </p:nvPr>
+        </p:nvSpPr>
+        <p:spPr/>
+        <p:txBody>
+          <a:bodyPr/>
+          <a:lstStyle/>
+          <a:p>
+            <a:r>
+              <a:rPr kumimoji="1" lang="ja-JP" altLang="en-US" smtClean="0"/>
+              <a:t>続いて、フォノン散乱を実装しました。結晶の格子振動によってポテンシャルに乱れ、それによって非弾性散乱が引き起こされます。格子振動を記述するのには調和振動子を用い、シュレディンガー方程式を解くことで、エネルギーのやり取りが</a:t>
+            </a:r>
+            <a:r>
+              <a:rPr kumimoji="1" lang="en-US" altLang="ja-JP" smtClean="0"/>
+              <a:t>h_bar omega_zero</a:t>
+            </a:r>
+            <a:r>
+              <a:rPr kumimoji="1" lang="ja-JP" altLang="en-US" smtClean="0"/>
+              <a:t>の整数倍であることが導出されます。電子がエネルギーを吸収するか放出するかで</a:t>
+            </a:r>
+            <a:r>
+              <a:rPr kumimoji="1" lang="en-US" altLang="ja-JP" smtClean="0"/>
+              <a:t>2</a:t>
+            </a:r>
+            <a:r>
+              <a:rPr kumimoji="1" lang="ja-JP" altLang="en-US" smtClean="0"/>
+              <a:t>種類の散乱があります。フォノンの分布にはボーズ・アインシュタイン統計を用います。</a:t>
+            </a:r>
+            <a:endParaRPr kumimoji="1" lang="ja-JP" altLang="en-US"/>
+          </a:p>
+        </p:txBody>
+      </p:sp>
+      <p:sp>
+        <p:nvSpPr>
+          <p:cNvPr id="4" name="スライド番号プレースホルダー 3"/>
+          <p:cNvSpPr>
+            <a:spLocks noGrp="1"/>
+          </p:cNvSpPr>
+          <p:nvPr>
+            <p:ph type="sldNum" sz="quarter" idx="10"/>
+          </p:nvPr>
+        </p:nvSpPr>
+        <p:spPr/>
+        <p:txBody>
+          <a:bodyPr/>
+          <a:lstStyle/>
+          <a:p>
+            <a:fld id="{F893C8CC-E0F2-409A-AFF1-85D6A0823905}" type="slidenum">
+              <a:rPr kumimoji="1" lang="ja-JP" altLang="en-US" smtClean="0"/>
+              <a:t>8</a:t>
+            </a:fld>
+            <a:endParaRPr kumimoji="1" lang="ja-JP" altLang="en-US"/>
+          </a:p>
+        </p:txBody>
+      </p:sp>
+    </p:spTree>
+    <p:extLst>
+      <p:ext uri="{BB962C8B-B14F-4D97-AF65-F5344CB8AC3E}">
+        <p14:creationId xmlns:p14="http://schemas.microsoft.com/office/powerpoint/2010/main" val="4028843455"/>
+      </p:ext>
+    </p:extLst>
+  </p:cSld>
+  <p:clrMapOvr>
+    <a:masterClrMapping/>
+  </p:clrMapOvr>
+</p:notes>
+</file>
+
+<file path=ppt/notesSlides/notesSlide8.xml><?xml version="1.0" encoding="utf-8"?>
+<p:notes xmlns:a="http://schemas.openxmlformats.org/drawingml/2006/main" xmlns:r="http://schemas.openxmlformats.org/officeDocument/2006/relationships" xmlns:p="http://schemas.openxmlformats.org/presentationml/2006/main">
+  <p:cSld>
+    <p:spTree>
+      <p:nvGrpSpPr>
+        <p:cNvPr id="1" name=""/>
+        <p:cNvGrpSpPr/>
+        <p:nvPr/>
+      </p:nvGrpSpPr>
+      <p:grpSpPr>
+        <a:xfrm>
+          <a:off x="0" y="0"/>
+          <a:ext cx="0" cy="0"/>
+          <a:chOff x="0" y="0"/>
+          <a:chExt cx="0" cy="0"/>
+        </a:xfrm>
+      </p:grpSpPr>
+      <p:sp>
+        <p:nvSpPr>
+          <p:cNvPr id="2" name="スライド イメージ プレースホルダー 1"/>
+          <p:cNvSpPr>
+            <a:spLocks noGrp="1" noRot="1" noChangeAspect="1"/>
+          </p:cNvSpPr>
+          <p:nvPr>
+            <p:ph type="sldImg"/>
+          </p:nvPr>
+        </p:nvSpPr>
+        <p:spPr/>
+      </p:sp>
+      <p:sp>
+        <p:nvSpPr>
+          <p:cNvPr id="3" name="ノート プレースホルダー 2"/>
+          <p:cNvSpPr>
+            <a:spLocks noGrp="1"/>
+          </p:cNvSpPr>
+          <p:nvPr>
+            <p:ph type="body" idx="1"/>
+          </p:nvPr>
+        </p:nvSpPr>
+        <p:spPr/>
+        <p:txBody>
+          <a:bodyPr/>
+          <a:lstStyle/>
+          <a:p>
+            <a:r>
+              <a:rPr kumimoji="1" lang="ja-JP" altLang="en-US" smtClean="0"/>
+              <a:t>前回までのアンサンブルモンテカルロシミュレーションの非弾性散乱をフォノン散乱に変えてシミュレーションした結果です。ドリフト速度のグラフにおいて、下の点線は弾性散乱とフォノン吸収のみが起こるとした場合の漸近線、上はそれにフォノン放出も追加したものです。</a:t>
+            </a:r>
+            <a:endParaRPr kumimoji="1" lang="ja-JP" altLang="en-US"/>
+          </a:p>
+        </p:txBody>
+      </p:sp>
+      <p:sp>
+        <p:nvSpPr>
+          <p:cNvPr id="4" name="スライド番号プレースホルダー 3"/>
+          <p:cNvSpPr>
+            <a:spLocks noGrp="1"/>
+          </p:cNvSpPr>
+          <p:nvPr>
+            <p:ph type="sldNum" sz="quarter" idx="10"/>
+          </p:nvPr>
+        </p:nvSpPr>
+        <p:spPr/>
+        <p:txBody>
+          <a:bodyPr/>
+          <a:lstStyle/>
+          <a:p>
+            <a:fld id="{F893C8CC-E0F2-409A-AFF1-85D6A0823905}" type="slidenum">
+              <a:rPr kumimoji="1" lang="ja-JP" altLang="en-US" smtClean="0"/>
+              <a:t>9</a:t>
+            </a:fld>
+            <a:endParaRPr kumimoji="1" lang="ja-JP" altLang="en-US"/>
+          </a:p>
+        </p:txBody>
+      </p:sp>
+    </p:spTree>
+    <p:extLst>
+      <p:ext uri="{BB962C8B-B14F-4D97-AF65-F5344CB8AC3E}">
+        <p14:creationId xmlns:p14="http://schemas.microsoft.com/office/powerpoint/2010/main" val="1778990485"/>
+      </p:ext>
+    </p:extLst>
+  </p:cSld>
+  <p:clrMapOvr>
+    <a:masterClrMapping/>
+  </p:clrMapOvr>
+</p:notes>
+</file>
+
+<file path=ppt/notesSlides/notesSlide9.xml><?xml version="1.0" encoding="utf-8"?>
+<p:notes xmlns:a="http://schemas.openxmlformats.org/drawingml/2006/main" xmlns:r="http://schemas.openxmlformats.org/officeDocument/2006/relationships" xmlns:p="http://schemas.openxmlformats.org/presentationml/2006/main">
+  <p:cSld>
+    <p:spTree>
+      <p:nvGrpSpPr>
+        <p:cNvPr id="1" name=""/>
+        <p:cNvGrpSpPr/>
+        <p:nvPr/>
+      </p:nvGrpSpPr>
+      <p:grpSpPr>
+        <a:xfrm>
+          <a:off x="0" y="0"/>
+          <a:ext cx="0" cy="0"/>
+          <a:chOff x="0" y="0"/>
+          <a:chExt cx="0" cy="0"/>
+        </a:xfrm>
+      </p:grpSpPr>
+      <p:sp>
+        <p:nvSpPr>
+          <p:cNvPr id="2" name="スライド イメージ プレースホルダー 1"/>
+          <p:cNvSpPr>
+            <a:spLocks noGrp="1" noRot="1" noChangeAspect="1"/>
+          </p:cNvSpPr>
+          <p:nvPr>
+            <p:ph type="sldImg"/>
+          </p:nvPr>
+        </p:nvSpPr>
+        <p:spPr/>
+      </p:sp>
+      <p:sp>
+        <p:nvSpPr>
+          <p:cNvPr id="3" name="ノート プレースホルダー 2"/>
+          <p:cNvSpPr>
+            <a:spLocks noGrp="1"/>
+          </p:cNvSpPr>
+          <p:nvPr>
+            <p:ph type="body" idx="1"/>
+          </p:nvPr>
+        </p:nvSpPr>
+        <p:spPr/>
+        <p:txBody>
+          <a:bodyPr/>
+          <a:lstStyle/>
+          <a:p>
+            <a:r>
+              <a:rPr kumimoji="1" lang="ja-JP" altLang="en-US" smtClean="0"/>
+              <a:t>このプログラムにおいて、立ち上がりからわずかの間、平均エネルギーが減少する動きが見られました。そして、その減少傾向はフェルミ準位を大きく設定するほど顕著になりました。</a:t>
+            </a:r>
+            <a:endParaRPr kumimoji="1" lang="en-US" altLang="ja-JP" smtClean="0"/>
+          </a:p>
+          <a:p>
+            <a:r>
+              <a:rPr kumimoji="1" lang="ja-JP" altLang="en-US" smtClean="0"/>
+              <a:t>この傾向は実際の物理的ふるまいと矛盾しており、原因を考えました。</a:t>
+            </a:r>
+            <a:endParaRPr kumimoji="1" lang="en-US" altLang="ja-JP" smtClean="0"/>
+          </a:p>
+        </p:txBody>
+      </p:sp>
+      <p:sp>
+        <p:nvSpPr>
+          <p:cNvPr id="4" name="スライド番号プレースホルダー 3"/>
+          <p:cNvSpPr>
+            <a:spLocks noGrp="1"/>
+          </p:cNvSpPr>
+          <p:nvPr>
+            <p:ph type="sldNum" sz="quarter" idx="10"/>
+          </p:nvPr>
+        </p:nvSpPr>
+        <p:spPr/>
+        <p:txBody>
+          <a:bodyPr/>
+          <a:lstStyle/>
+          <a:p>
+            <a:fld id="{F893C8CC-E0F2-409A-AFF1-85D6A0823905}" type="slidenum">
+              <a:rPr kumimoji="1" lang="ja-JP" altLang="en-US" smtClean="0"/>
+              <a:t>10</a:t>
+            </a:fld>
+            <a:endParaRPr kumimoji="1" lang="ja-JP" altLang="en-US"/>
+          </a:p>
+        </p:txBody>
+      </p:sp>
+    </p:spTree>
+    <p:extLst>
+      <p:ext uri="{BB962C8B-B14F-4D97-AF65-F5344CB8AC3E}">
+        <p14:creationId xmlns:p14="http://schemas.microsoft.com/office/powerpoint/2010/main" val="2447255160"/>
       </p:ext>
     </p:extLst>
   </p:cSld>
@@ -732,7 +2144,7 @@
           <a:p>
             <a:fld id="{6ABE8D4E-7258-417A-B6F3-8EBF468068A5}" type="datetime1">
               <a:rPr lang="ja-JP" altLang="en-US" smtClean="0"/>
-              <a:t>2023/11/28</a:t>
+              <a:t>2023/11/29</a:t>
             </a:fld>
             <a:endParaRPr lang="ja-JP" altLang="en-US"/>
           </a:p>
@@ -942,7 +2354,7 @@
           <a:p>
             <a:fld id="{5F54CE4B-3796-4BF5-BB55-BBEBFEF50CBB}" type="datetime1">
               <a:rPr kumimoji="1" lang="ja-JP" altLang="en-US" smtClean="0"/>
-              <a:t>2023/11/28</a:t>
+              <a:t>2023/11/29</a:t>
             </a:fld>
             <a:endParaRPr kumimoji="1" lang="ja-JP" altLang="en-US"/>
           </a:p>
@@ -1152,7 +2564,7 @@
           <a:p>
             <a:fld id="{67F2E5A7-8044-4762-8DA2-4DFDDEB196F2}" type="datetime1">
               <a:rPr kumimoji="1" lang="ja-JP" altLang="en-US" smtClean="0"/>
-              <a:t>2023/11/28</a:t>
+              <a:t>2023/11/29</a:t>
             </a:fld>
             <a:endParaRPr kumimoji="1" lang="ja-JP" altLang="en-US"/>
           </a:p>
@@ -1352,7 +2764,7 @@
           <a:p>
             <a:fld id="{3EE0AC0E-A657-4687-8521-6B37CBE60475}" type="datetime1">
               <a:rPr kumimoji="1" lang="ja-JP" altLang="en-US" smtClean="0"/>
-              <a:t>2023/11/28</a:t>
+              <a:t>2023/11/29</a:t>
             </a:fld>
             <a:endParaRPr kumimoji="1" lang="ja-JP" altLang="en-US"/>
           </a:p>
@@ -1597,7 +3009,7 @@
           <a:p>
             <a:fld id="{FDDDE4F0-8190-451D-B106-3291633B3B9E}" type="datetime1">
               <a:rPr kumimoji="1" lang="ja-JP" altLang="en-US" smtClean="0"/>
-              <a:t>2023/11/28</a:t>
+              <a:t>2023/11/29</a:t>
             </a:fld>
             <a:endParaRPr kumimoji="1" lang="ja-JP" altLang="en-US"/>
           </a:p>
@@ -1890,7 +3302,7 @@
           <a:p>
             <a:fld id="{633E7E3A-4F32-4D59-A392-1389FEFFFB4E}" type="datetime1">
               <a:rPr kumimoji="1" lang="ja-JP" altLang="en-US" smtClean="0"/>
-              <a:t>2023/11/28</a:t>
+              <a:t>2023/11/29</a:t>
             </a:fld>
             <a:endParaRPr kumimoji="1" lang="ja-JP" altLang="en-US"/>
           </a:p>
@@ -2318,7 +3730,7 @@
           <a:p>
             <a:fld id="{1F4C4689-CC93-4812-8E85-C3F2C70F1C07}" type="datetime1">
               <a:rPr kumimoji="1" lang="ja-JP" altLang="en-US" smtClean="0"/>
-              <a:t>2023/11/28</a:t>
+              <a:t>2023/11/29</a:t>
             </a:fld>
             <a:endParaRPr kumimoji="1" lang="ja-JP" altLang="en-US"/>
           </a:p>
@@ -2435,7 +3847,7 @@
           <a:p>
             <a:fld id="{EE594700-5266-4887-89B0-A48040681036}" type="datetime1">
               <a:rPr kumimoji="1" lang="ja-JP" altLang="en-US" smtClean="0"/>
-              <a:t>2023/11/28</a:t>
+              <a:t>2023/11/29</a:t>
             </a:fld>
             <a:endParaRPr kumimoji="1" lang="ja-JP" altLang="en-US"/>
           </a:p>
@@ -2530,7 +3942,7 @@
           <a:p>
             <a:fld id="{DC592BC9-C83A-4375-ABB2-552FE00592CD}" type="datetime1">
               <a:rPr kumimoji="1" lang="ja-JP" altLang="en-US" smtClean="0"/>
-              <a:t>2023/11/28</a:t>
+              <a:t>2023/11/29</a:t>
             </a:fld>
             <a:endParaRPr kumimoji="1" lang="ja-JP" altLang="en-US"/>
           </a:p>
@@ -2837,7 +4249,7 @@
           <a:p>
             <a:fld id="{9D0A598B-3145-4C47-B0CB-C3AB5EF92870}" type="datetime1">
               <a:rPr kumimoji="1" lang="ja-JP" altLang="en-US" smtClean="0"/>
-              <a:t>2023/11/28</a:t>
+              <a:t>2023/11/29</a:t>
             </a:fld>
             <a:endParaRPr kumimoji="1" lang="ja-JP" altLang="en-US"/>
           </a:p>
@@ -3089,7 +4501,7 @@
           <a:p>
             <a:fld id="{AEA00F4C-F03E-45B0-95F1-52FEE227CF33}" type="datetime1">
               <a:rPr kumimoji="1" lang="ja-JP" altLang="en-US" smtClean="0"/>
-              <a:t>2023/11/28</a:t>
+              <a:t>2023/11/29</a:t>
             </a:fld>
             <a:endParaRPr kumimoji="1" lang="ja-JP" altLang="en-US"/>
           </a:p>
@@ -3332,7 +4744,7 @@
           <a:p>
             <a:fld id="{C633444E-248D-4B74-875A-DE7E1D139756}" type="datetime1">
               <a:rPr kumimoji="1" lang="ja-JP" altLang="en-US" smtClean="0"/>
-              <a:t>2023/11/28</a:t>
+              <a:t>2023/11/29</a:t>
             </a:fld>
             <a:endParaRPr kumimoji="1" lang="ja-JP" altLang="en-US"/>
           </a:p>
@@ -3748,14 +5160,26 @@
             <p:ph type="ctrTitle"/>
           </p:nvPr>
         </p:nvSpPr>
-        <p:spPr/>
+        <p:spPr>
+          <a:xfrm>
+            <a:off x="1524000" y="1717675"/>
+            <a:ext cx="9144000" cy="2387600"/>
+          </a:xfrm>
+        </p:spPr>
         <p:txBody>
           <a:bodyPr/>
           <a:lstStyle/>
           <a:p>
             <a:r>
-              <a:rPr kumimoji="1" lang="en-US" altLang="ja-JP"/>
-              <a:t>Progress Report</a:t>
+              <a:rPr kumimoji="1" lang="en-US" altLang="ja-JP" smtClean="0"/>
+              <a:t>Preparation for </a:t>
+            </a:r>
+            <a:br>
+              <a:rPr kumimoji="1" lang="en-US" altLang="ja-JP" smtClean="0"/>
+            </a:br>
+            <a:r>
+              <a:rPr kumimoji="1" lang="en-US" altLang="ja-JP" smtClean="0"/>
+              <a:t>Fermi Degeneracy</a:t>
             </a:r>
             <a:endParaRPr kumimoji="1" lang="ja-JP" altLang="en-US"/>
           </a:p>
@@ -3773,7 +5197,7 @@
         </p:nvSpPr>
         <p:spPr>
           <a:xfrm>
-            <a:off x="1392381" y="4105275"/>
+            <a:off x="1524000" y="4700588"/>
             <a:ext cx="9144000" cy="1655762"/>
           </a:xfrm>
         </p:spPr>
@@ -3816,6 +5240,36 @@
               <a:t>1</a:t>
             </a:fld>
             <a:endParaRPr lang="ja-JP" altLang="en-US"/>
+          </a:p>
+        </p:txBody>
+      </p:sp>
+      <p:sp>
+        <p:nvSpPr>
+          <p:cNvPr id="5" name="テキスト ボックス 4"/>
+          <p:cNvSpPr txBox="1"/>
+          <p:nvPr/>
+        </p:nvSpPr>
+        <p:spPr>
+          <a:xfrm>
+            <a:off x="4605143" y="599143"/>
+            <a:ext cx="2981714" cy="523220"/>
+          </a:xfrm>
+          <a:prstGeom prst="rect">
+            <a:avLst/>
+          </a:prstGeom>
+          <a:noFill/>
+        </p:spPr>
+        <p:txBody>
+          <a:bodyPr wrap="none" rtlCol="0">
+            <a:spAutoFit/>
+          </a:bodyPr>
+          <a:lstStyle/>
+          <a:p>
+            <a:r>
+              <a:rPr kumimoji="1" lang="en-US" altLang="ja-JP" sz="2800" smtClean="0"/>
+              <a:t>Progress Report</a:t>
+            </a:r>
+            <a:endParaRPr kumimoji="1" lang="ja-JP" altLang="en-US" sz="2800"/>
           </a:p>
         </p:txBody>
       </p:sp>
@@ -3976,7 +5430,7 @@
           <p:nvPr/>
         </p:nvPicPr>
         <p:blipFill rotWithShape="1">
-          <a:blip r:embed="rId2">
+          <a:blip r:embed="rId3">
             <a:extLst>
               <a:ext uri="{28A0092B-C50C-407E-A947-70E740481C1C}">
                 <a14:useLocalDpi xmlns:a14="http://schemas.microsoft.com/office/drawing/2010/main" val="0"/>
@@ -4005,7 +5459,7 @@
           <p:nvPr/>
         </p:nvPicPr>
         <p:blipFill rotWithShape="1">
-          <a:blip r:embed="rId3">
+          <a:blip r:embed="rId4">
             <a:extLst>
               <a:ext uri="{28A0092B-C50C-407E-A947-70E740481C1C}">
                 <a14:useLocalDpi xmlns:a14="http://schemas.microsoft.com/office/drawing/2010/main" val="0"/>
@@ -4034,7 +5488,7 @@
           <p:nvPr/>
         </p:nvPicPr>
         <p:blipFill rotWithShape="1">
-          <a:blip r:embed="rId4">
+          <a:blip r:embed="rId5">
             <a:extLst>
               <a:ext uri="{28A0092B-C50C-407E-A947-70E740481C1C}">
                 <a14:useLocalDpi xmlns:a14="http://schemas.microsoft.com/office/drawing/2010/main" val="0"/>
@@ -4248,7 +5702,7 @@
                 <a:avLst/>
               </a:prstGeom>
               <a:blipFill>
-                <a:blip r:embed="rId5"/>
+                <a:blip r:embed="rId6"/>
                 <a:stretch>
                   <a:fillRect l="-5556" t="-21311" r="-9150" b="-52459"/>
                 </a:stretch>
@@ -4366,7 +5820,7 @@
                 <a:avLst/>
               </a:prstGeom>
               <a:blipFill>
-                <a:blip r:embed="rId6"/>
+                <a:blip r:embed="rId7"/>
                 <a:stretch>
                   <a:fillRect l="-893" t="-8000" r="-3571" b="-33333"/>
                 </a:stretch>
@@ -4484,7 +5938,7 @@
                 <a:avLst/>
               </a:prstGeom>
               <a:blipFill>
-                <a:blip r:embed="rId7"/>
+                <a:blip r:embed="rId8"/>
                 <a:stretch>
                   <a:fillRect l="-593" t="-8000" r="-3561" b="-33333"/>
                 </a:stretch>
@@ -4505,8 +5959,8 @@
           </p:sp>
         </mc:Fallback>
       </mc:AlternateContent>
-      <mc:AlternateContent xmlns:mc="http://schemas.openxmlformats.org/markup-compatibility/2006" xmlns:a14="http://schemas.microsoft.com/office/drawing/2010/main">
-        <mc:Choice Requires="a14">
+      <mc:AlternateContent xmlns:mc="http://schemas.openxmlformats.org/markup-compatibility/2006">
+        <mc:Choice xmlns:a14="http://schemas.microsoft.com/office/drawing/2010/main" Requires="a14">
           <p:sp>
             <p:nvSpPr>
               <p:cNvPr id="18" name="テキスト ボックス 17"/>
@@ -4565,14 +6019,38 @@
                 </a14:m>
                 <a:r>
                   <a:rPr lang="en-US" altLang="ja-JP" sz="2400" smtClean="0"/>
-                  <a:t> ps)</a:t>
+                  <a:t> ps</a:t>
                 </a:r>
-                <a:endParaRPr kumimoji="1" lang="ja-JP" altLang="en-US" sz="2400"/>
+                <a:r>
+                  <a:rPr lang="en-US" altLang="ja-JP" sz="2400" smtClean="0"/>
+                  <a:t>) </a:t>
+                </a:r>
+                <a:r>
+                  <a:rPr lang="ja-JP" altLang="en-US" sz="2400" smtClean="0"/>
+                  <a:t>→</a:t>
+                </a:r>
+                <a:r>
+                  <a:rPr lang="en-US" altLang="ja-JP" sz="2400"/>
+                  <a:t> </a:t>
+                </a:r>
+                <a:r>
+                  <a:rPr lang="en-US" altLang="ja-JP" sz="2400">
+                    <a:solidFill>
+                      <a:srgbClr val="FF0000"/>
+                    </a:solidFill>
+                  </a:rPr>
+                  <a:t>Inconsistent with actual physics</a:t>
+                </a:r>
+                <a:endParaRPr kumimoji="1" lang="ja-JP" altLang="en-US" sz="2400">
+                  <a:solidFill>
+                    <a:srgbClr val="FF0000"/>
+                  </a:solidFill>
+                </a:endParaRPr>
               </a:p>
             </p:txBody>
           </p:sp>
         </mc:Choice>
-        <mc:Fallback xmlns="">
+        <mc:Fallback>
           <p:sp>
             <p:nvSpPr>
               <p:cNvPr id="18" name="テキスト ボックス 17"/>
@@ -4590,7 +6068,7 @@
                 <a:avLst/>
               </a:prstGeom>
               <a:blipFill>
-                <a:blip r:embed="rId8"/>
+                <a:blip r:embed="rId9"/>
                 <a:stretch>
                   <a:fillRect l="-751" t="-7299" b="-16788"/>
                 </a:stretch>
@@ -4722,7 +6200,7 @@
           <p:nvPr/>
         </p:nvPicPr>
         <p:blipFill>
-          <a:blip r:embed="rId2">
+          <a:blip r:embed="rId3">
             <a:extLst>
               <a:ext uri="{28A0092B-C50C-407E-A947-70E740481C1C}">
                 <a14:useLocalDpi xmlns:a14="http://schemas.microsoft.com/office/drawing/2010/main" val="0"/>
@@ -4837,8 +6315,8 @@
         </p:nvSpPr>
         <p:spPr>
           <a:xfrm>
-            <a:off x="72887" y="0"/>
-            <a:ext cx="10515600" cy="1325563"/>
+            <a:off x="72886" y="0"/>
+            <a:ext cx="11706029" cy="1325563"/>
           </a:xfrm>
         </p:spPr>
         <p:txBody>
@@ -4846,12 +6324,12 @@
           <a:lstStyle/>
           <a:p>
             <a:r>
+              <a:rPr lang="ja-JP" altLang="en-US"/>
+              <a:t>electrons tend to lose energy </a:t>
+            </a:r>
+            <a:r>
               <a:rPr lang="en-US" altLang="ja-JP"/>
-              <a:t>Phonon scattering : </a:t>
-            </a:r>
-            <a:r>
-              <a:rPr lang="en-US" altLang="ja-JP" smtClean="0"/>
-              <a:t>Consideration</a:t>
+              <a:t>at start-up</a:t>
             </a:r>
             <a:endParaRPr kumimoji="1" lang="ja-JP" altLang="en-US" dirty="0"/>
           </a:p>
@@ -5040,7 +6518,7 @@
                 <a:avLst/>
               </a:prstGeom>
               <a:blipFill>
-                <a:blip r:embed="rId3"/>
+                <a:blip r:embed="rId4"/>
                 <a:stretch>
                   <a:fillRect l="-1280" t="-3876" r="-1280" b="-8527"/>
                 </a:stretch>
@@ -5497,7 +6975,7 @@
                 <a:avLst/>
               </a:prstGeom>
               <a:blipFill>
-                <a:blip r:embed="rId4"/>
+                <a:blip r:embed="rId5"/>
                 <a:stretch>
                   <a:fillRect l="-294" b="-16949"/>
                 </a:stretch>
@@ -5527,7 +7005,7 @@
           <p:nvPr/>
         </p:nvPicPr>
         <p:blipFill rotWithShape="1">
-          <a:blip r:embed="rId5">
+          <a:blip r:embed="rId6">
             <a:extLst>
               <a:ext uri="{28A0092B-C50C-407E-A947-70E740481C1C}">
                 <a14:useLocalDpi xmlns:a14="http://schemas.microsoft.com/office/drawing/2010/main" val="0"/>
@@ -5707,8 +7185,8 @@
           </a:p>
         </p:txBody>
       </p:sp>
-      <mc:AlternateContent xmlns:mc="http://schemas.openxmlformats.org/markup-compatibility/2006" xmlns:a14="http://schemas.microsoft.com/office/drawing/2010/main">
-        <mc:Choice Requires="a14">
+      <mc:AlternateContent xmlns:mc="http://schemas.openxmlformats.org/markup-compatibility/2006">
+        <mc:Choice xmlns:a14="http://schemas.microsoft.com/office/drawing/2010/main" Requires="a14">
           <p:sp>
             <p:nvSpPr>
               <p:cNvPr id="6" name="タイトル 1"/>
@@ -5729,6 +7207,10 @@
               <a:bodyPr/>
               <a:lstStyle/>
               <a:p>
+                <a:r>
+                  <a:rPr kumimoji="1" lang="en-US" altLang="ja-JP" smtClean="0"/>
+                  <a:t>Relation with </a:t>
+                </a:r>
                 <a14:m>
                   <m:oMath xmlns:m="http://schemas.openxmlformats.org/officeDocument/2006/math">
                     <m:sSub>
@@ -5758,20 +7240,12 @@
                     </m:sSub>
                   </m:oMath>
                 </a14:m>
-                <a:r>
-                  <a:rPr kumimoji="1" lang="ja-JP" altLang="en-US" dirty="0" smtClean="0"/>
-                  <a:t> </a:t>
-                </a:r>
-                <a:r>
-                  <a:rPr kumimoji="1" lang="en-US" altLang="ja-JP" smtClean="0"/>
-                  <a:t>should be ralated</a:t>
-                </a:r>
                 <a:endParaRPr kumimoji="1" lang="ja-JP" altLang="en-US" dirty="0"/>
               </a:p>
             </p:txBody>
           </p:sp>
         </mc:Choice>
-        <mc:Fallback xmlns="">
+        <mc:Fallback>
           <p:sp>
             <p:nvSpPr>
               <p:cNvPr id="6" name="タイトル 1"/>
@@ -5790,7 +7264,7 @@
               <a:blipFill>
                 <a:blip r:embed="rId3"/>
                 <a:stretch>
-                  <a:fillRect b="-922"/>
+                  <a:fillRect l="-2377" b="-922"/>
                 </a:stretch>
               </a:blipFill>
             </p:spPr>
@@ -6807,6 +8281,642 @@
       </p:grpSpPr>
       <p:sp>
         <p:nvSpPr>
+          <p:cNvPr id="4" name="スライド番号プレースホルダー 3"/>
+          <p:cNvSpPr>
+            <a:spLocks noGrp="1"/>
+          </p:cNvSpPr>
+          <p:nvPr>
+            <p:ph type="sldNum" sz="quarter" idx="12"/>
+          </p:nvPr>
+        </p:nvSpPr>
+        <p:spPr/>
+        <p:txBody>
+          <a:bodyPr/>
+          <a:lstStyle/>
+          <a:p>
+            <a:fld id="{7150E25F-B8C9-4ED1-8626-95CB18EC23DC}" type="slidenum">
+              <a:rPr kumimoji="1" lang="ja-JP" altLang="en-US" smtClean="0"/>
+              <a:t>13</a:t>
+            </a:fld>
+            <a:endParaRPr kumimoji="1" lang="ja-JP" altLang="en-US"/>
+          </a:p>
+        </p:txBody>
+      </p:sp>
+      <p:sp>
+        <p:nvSpPr>
+          <p:cNvPr id="5" name="正方形/長方形 4">
+            <a:extLst>
+              <a:ext uri="{FF2B5EF4-FFF2-40B4-BE49-F238E27FC236}">
+                <a16:creationId xmlns:a16="http://schemas.microsoft.com/office/drawing/2014/main" id="{E5FDB2C6-CC73-4C09-BA37-9683A766E164}"/>
+              </a:ext>
+            </a:extLst>
+          </p:cNvPr>
+          <p:cNvSpPr/>
+          <p:nvPr/>
+        </p:nvSpPr>
+        <p:spPr>
+          <a:xfrm>
+            <a:off x="-1" y="-1"/>
+            <a:ext cx="12192001" cy="1242391"/>
+          </a:xfrm>
+          <a:prstGeom prst="rect">
+            <a:avLst/>
+          </a:prstGeom>
+          <a:solidFill>
+            <a:srgbClr val="00B036">
+              <a:alpha val="72000"/>
+            </a:srgbClr>
+          </a:solidFill>
+          <a:ln>
+            <a:solidFill>
+              <a:schemeClr val="accent1">
+                <a:shade val="50000"/>
+                <a:alpha val="0"/>
+              </a:schemeClr>
+            </a:solidFill>
+          </a:ln>
+        </p:spPr>
+        <p:style>
+          <a:lnRef idx="2">
+            <a:schemeClr val="accent1">
+              <a:shade val="50000"/>
+            </a:schemeClr>
+          </a:lnRef>
+          <a:fillRef idx="1">
+            <a:schemeClr val="accent1"/>
+          </a:fillRef>
+          <a:effectRef idx="0">
+            <a:schemeClr val="accent1"/>
+          </a:effectRef>
+          <a:fontRef idx="minor">
+            <a:schemeClr val="lt1"/>
+          </a:fontRef>
+        </p:style>
+        <p:txBody>
+          <a:bodyPr rtlCol="0" anchor="ctr"/>
+          <a:lstStyle/>
+          <a:p>
+            <a:pPr algn="ctr"/>
+            <a:endParaRPr kumimoji="1" lang="ja-JP" altLang="en-US" dirty="0"/>
+          </a:p>
+        </p:txBody>
+      </p:sp>
+      <p:sp>
+        <p:nvSpPr>
+          <p:cNvPr id="6" name="タイトル 1"/>
+          <p:cNvSpPr>
+            <a:spLocks noGrp="1"/>
+          </p:cNvSpPr>
+          <p:nvPr>
+            <p:ph type="title"/>
+          </p:nvPr>
+        </p:nvSpPr>
+        <p:spPr>
+          <a:xfrm>
+            <a:off x="72887" y="0"/>
+            <a:ext cx="10515600" cy="1325563"/>
+          </a:xfrm>
+        </p:spPr>
+        <p:txBody>
+          <a:bodyPr/>
+          <a:lstStyle/>
+          <a:p>
+            <a:r>
+              <a:rPr kumimoji="1" lang="en-US" altLang="ja-JP" smtClean="0"/>
+              <a:t>Relation with no degeneracy</a:t>
+            </a:r>
+            <a:endParaRPr kumimoji="1" lang="ja-JP" altLang="en-US" dirty="0"/>
+          </a:p>
+        </p:txBody>
+      </p:sp>
+      <p:sp>
+        <p:nvSpPr>
+          <p:cNvPr id="2" name="テキスト ボックス 1">
+            <a:extLst>
+              <a:ext uri="{FF2B5EF4-FFF2-40B4-BE49-F238E27FC236}">
+                <a16:creationId xmlns:a16="http://schemas.microsoft.com/office/drawing/2014/main" id="{45E6AC3D-7F13-4687-B0BA-72754B6335D4}"/>
+              </a:ext>
+            </a:extLst>
+          </p:cNvPr>
+          <p:cNvSpPr txBox="1"/>
+          <p:nvPr/>
+        </p:nvSpPr>
+        <p:spPr>
+          <a:xfrm>
+            <a:off x="938151" y="1828799"/>
+            <a:ext cx="10508782" cy="3046988"/>
+          </a:xfrm>
+          <a:prstGeom prst="rect">
+            <a:avLst/>
+          </a:prstGeom>
+          <a:noFill/>
+        </p:spPr>
+        <p:txBody>
+          <a:bodyPr wrap="square" rtlCol="0">
+            <a:spAutoFit/>
+          </a:bodyPr>
+          <a:lstStyle/>
+          <a:p>
+            <a:pPr marL="285750" indent="-285750">
+              <a:buFont typeface="Arial" panose="020B0604020202020204" pitchFamily="34" charset="0"/>
+              <a:buChar char="•"/>
+            </a:pPr>
+            <a:r>
+              <a:rPr lang="en-US" altLang="ja-JP" sz="2400"/>
+              <a:t>Because degeneracy is </a:t>
+            </a:r>
+            <a:r>
+              <a:rPr lang="en-US" altLang="ja-JP" sz="2400"/>
+              <a:t>not </a:t>
+            </a:r>
+            <a:r>
+              <a:rPr lang="en-US" altLang="ja-JP" sz="2400" smtClean="0"/>
+              <a:t>considered, </a:t>
+            </a:r>
+            <a:r>
+              <a:rPr lang="en-US" altLang="ja-JP" sz="2400"/>
+              <a:t>electrons can move to lower levels that should </a:t>
+            </a:r>
+            <a:r>
+              <a:rPr lang="en-US" altLang="ja-JP" sz="2400"/>
+              <a:t>be </a:t>
+            </a:r>
+            <a:r>
+              <a:rPr lang="en-US" altLang="ja-JP" sz="2400" smtClean="0"/>
+              <a:t>occupied.</a:t>
+            </a:r>
+          </a:p>
+          <a:p>
+            <a:pPr marL="285750" indent="-285750">
+              <a:buFont typeface="Arial" panose="020B0604020202020204" pitchFamily="34" charset="0"/>
+              <a:buChar char="•"/>
+            </a:pPr>
+            <a:endParaRPr lang="en-US" altLang="ja-JP" sz="2400" smtClean="0"/>
+          </a:p>
+          <a:p>
+            <a:r>
+              <a:rPr lang="ja-JP" altLang="en-US" sz="2400" smtClean="0"/>
+              <a:t>→</a:t>
+            </a:r>
+            <a:r>
+              <a:rPr lang="en-US" altLang="ja-JP" sz="2400" smtClean="0">
+                <a:solidFill>
+                  <a:srgbClr val="FF0000"/>
+                </a:solidFill>
+              </a:rPr>
+              <a:t>Tend to be distributed at lower energy</a:t>
+            </a:r>
+          </a:p>
+          <a:p>
+            <a:pPr marL="285750" indent="-285750">
+              <a:buFont typeface="Arial" panose="020B0604020202020204" pitchFamily="34" charset="0"/>
+              <a:buChar char="•"/>
+            </a:pPr>
+            <a:endParaRPr kumimoji="1" lang="en-US" altLang="ja-JP" sz="2400" smtClean="0"/>
+          </a:p>
+          <a:p>
+            <a:pPr marL="285750" indent="-285750">
+              <a:buFont typeface="Arial" panose="020B0604020202020204" pitchFamily="34" charset="0"/>
+              <a:buChar char="•"/>
+            </a:pPr>
+            <a:endParaRPr kumimoji="1" lang="en-US" altLang="ja-JP" sz="2400"/>
+          </a:p>
+          <a:p>
+            <a:pPr marL="285750" indent="-285750">
+              <a:buFont typeface="Arial" panose="020B0604020202020204" pitchFamily="34" charset="0"/>
+              <a:buChar char="•"/>
+            </a:pPr>
+            <a:r>
+              <a:rPr lang="en-US" altLang="ja-JP" sz="2400"/>
+              <a:t>Need to compare with </a:t>
+            </a:r>
+            <a:r>
+              <a:rPr lang="en-US" altLang="ja-JP" sz="2400"/>
+              <a:t>programs </a:t>
+            </a:r>
+            <a:endParaRPr lang="en-US" altLang="ja-JP" sz="2400" smtClean="0"/>
+          </a:p>
+          <a:p>
+            <a:r>
+              <a:rPr lang="en-US" altLang="ja-JP" sz="2400" smtClean="0"/>
+              <a:t>that </a:t>
+            </a:r>
+            <a:r>
+              <a:rPr lang="en-US" altLang="ja-JP" sz="2400"/>
+              <a:t>implement Fermi degeneracy</a:t>
+            </a:r>
+            <a:endParaRPr kumimoji="1" lang="en-US" altLang="ja-JP" sz="2400" dirty="0"/>
+          </a:p>
+        </p:txBody>
+      </p:sp>
+      <p:cxnSp>
+        <p:nvCxnSpPr>
+          <p:cNvPr id="7" name="直線コネクタ 6"/>
+          <p:cNvCxnSpPr/>
+          <p:nvPr/>
+        </p:nvCxnSpPr>
+        <p:spPr>
+          <a:xfrm flipH="1">
+            <a:off x="7856621" y="5462196"/>
+            <a:ext cx="1311442" cy="1"/>
+          </a:xfrm>
+          <a:prstGeom prst="line">
+            <a:avLst/>
+          </a:prstGeom>
+          <a:ln w="28575">
+            <a:solidFill>
+              <a:schemeClr val="tx1"/>
+            </a:solidFill>
+          </a:ln>
+        </p:spPr>
+        <p:style>
+          <a:lnRef idx="1">
+            <a:schemeClr val="accent1"/>
+          </a:lnRef>
+          <a:fillRef idx="0">
+            <a:schemeClr val="accent1"/>
+          </a:fillRef>
+          <a:effectRef idx="0">
+            <a:schemeClr val="accent1"/>
+          </a:effectRef>
+          <a:fontRef idx="minor">
+            <a:schemeClr val="tx1"/>
+          </a:fontRef>
+        </p:style>
+      </p:cxnSp>
+      <p:cxnSp>
+        <p:nvCxnSpPr>
+          <p:cNvPr id="11" name="直線コネクタ 10"/>
+          <p:cNvCxnSpPr/>
+          <p:nvPr/>
+        </p:nvCxnSpPr>
+        <p:spPr>
+          <a:xfrm flipH="1">
+            <a:off x="7856621" y="3882048"/>
+            <a:ext cx="1311442" cy="1"/>
+          </a:xfrm>
+          <a:prstGeom prst="line">
+            <a:avLst/>
+          </a:prstGeom>
+          <a:ln w="28575">
+            <a:solidFill>
+              <a:schemeClr val="tx1"/>
+            </a:solidFill>
+          </a:ln>
+        </p:spPr>
+        <p:style>
+          <a:lnRef idx="1">
+            <a:schemeClr val="accent1"/>
+          </a:lnRef>
+          <a:fillRef idx="0">
+            <a:schemeClr val="accent1"/>
+          </a:fillRef>
+          <a:effectRef idx="0">
+            <a:schemeClr val="accent1"/>
+          </a:effectRef>
+          <a:fontRef idx="minor">
+            <a:schemeClr val="tx1"/>
+          </a:fontRef>
+        </p:style>
+      </p:cxnSp>
+      <p:sp>
+        <p:nvSpPr>
+          <p:cNvPr id="12" name="楕円 11"/>
+          <p:cNvSpPr/>
+          <p:nvPr/>
+        </p:nvSpPr>
+        <p:spPr>
+          <a:xfrm>
+            <a:off x="8568844" y="5215346"/>
+            <a:ext cx="501736" cy="493366"/>
+          </a:xfrm>
+          <a:prstGeom prst="ellipse">
+            <a:avLst/>
+          </a:prstGeom>
+          <a:solidFill>
+            <a:schemeClr val="accent1">
+              <a:alpha val="59000"/>
+            </a:schemeClr>
+          </a:solidFill>
+          <a:ln w="28575"/>
+        </p:spPr>
+        <p:style>
+          <a:lnRef idx="2">
+            <a:schemeClr val="accent1">
+              <a:shade val="50000"/>
+            </a:schemeClr>
+          </a:lnRef>
+          <a:fillRef idx="1">
+            <a:schemeClr val="accent1"/>
+          </a:fillRef>
+          <a:effectRef idx="0">
+            <a:schemeClr val="accent1"/>
+          </a:effectRef>
+          <a:fontRef idx="minor">
+            <a:schemeClr val="lt1"/>
+          </a:fontRef>
+        </p:style>
+        <p:txBody>
+          <a:bodyPr rtlCol="0" anchor="ctr"/>
+          <a:lstStyle/>
+          <a:p>
+            <a:pPr algn="ctr"/>
+            <a:endParaRPr kumimoji="1" lang="ja-JP" altLang="en-US"/>
+          </a:p>
+        </p:txBody>
+      </p:sp>
+      <p:sp>
+        <p:nvSpPr>
+          <p:cNvPr id="13" name="楕円 12"/>
+          <p:cNvSpPr/>
+          <p:nvPr/>
+        </p:nvSpPr>
+        <p:spPr>
+          <a:xfrm>
+            <a:off x="7979297" y="5233121"/>
+            <a:ext cx="466871" cy="457816"/>
+          </a:xfrm>
+          <a:prstGeom prst="ellipse">
+            <a:avLst/>
+          </a:prstGeom>
+          <a:solidFill>
+            <a:srgbClr val="FF0000">
+              <a:alpha val="59000"/>
+            </a:srgbClr>
+          </a:solidFill>
+          <a:ln w="28575">
+            <a:solidFill>
+              <a:srgbClr val="FF0000"/>
+            </a:solidFill>
+          </a:ln>
+        </p:spPr>
+        <p:style>
+          <a:lnRef idx="2">
+            <a:schemeClr val="accent1">
+              <a:shade val="50000"/>
+            </a:schemeClr>
+          </a:lnRef>
+          <a:fillRef idx="1">
+            <a:schemeClr val="accent1"/>
+          </a:fillRef>
+          <a:effectRef idx="0">
+            <a:schemeClr val="accent1"/>
+          </a:effectRef>
+          <a:fontRef idx="minor">
+            <a:schemeClr val="lt1"/>
+          </a:fontRef>
+        </p:style>
+        <p:txBody>
+          <a:bodyPr rtlCol="0" anchor="ctr"/>
+          <a:lstStyle/>
+          <a:p>
+            <a:pPr algn="ctr"/>
+            <a:endParaRPr kumimoji="1" lang="ja-JP" altLang="en-US"/>
+          </a:p>
+        </p:txBody>
+      </p:sp>
+      <p:sp>
+        <p:nvSpPr>
+          <p:cNvPr id="14" name="楕円 13"/>
+          <p:cNvSpPr/>
+          <p:nvPr/>
+        </p:nvSpPr>
+        <p:spPr>
+          <a:xfrm>
+            <a:off x="8240912" y="3635365"/>
+            <a:ext cx="501736" cy="493366"/>
+          </a:xfrm>
+          <a:prstGeom prst="ellipse">
+            <a:avLst/>
+          </a:prstGeom>
+          <a:noFill/>
+          <a:ln w="28575">
+            <a:prstDash val="sysDot"/>
+          </a:ln>
+        </p:spPr>
+        <p:style>
+          <a:lnRef idx="2">
+            <a:schemeClr val="accent1">
+              <a:shade val="50000"/>
+            </a:schemeClr>
+          </a:lnRef>
+          <a:fillRef idx="1">
+            <a:schemeClr val="accent1"/>
+          </a:fillRef>
+          <a:effectRef idx="0">
+            <a:schemeClr val="accent1"/>
+          </a:effectRef>
+          <a:fontRef idx="minor">
+            <a:schemeClr val="lt1"/>
+          </a:fontRef>
+        </p:style>
+        <p:txBody>
+          <a:bodyPr rtlCol="0" anchor="ctr"/>
+          <a:lstStyle/>
+          <a:p>
+            <a:pPr algn="ctr"/>
+            <a:endParaRPr kumimoji="1" lang="ja-JP" altLang="en-US"/>
+          </a:p>
+        </p:txBody>
+      </p:sp>
+      <p:sp>
+        <p:nvSpPr>
+          <p:cNvPr id="20" name="フリーフォーム 19"/>
+          <p:cNvSpPr/>
+          <p:nvPr/>
+        </p:nvSpPr>
+        <p:spPr>
+          <a:xfrm>
+            <a:off x="8881533" y="4114801"/>
+            <a:ext cx="784153" cy="1016000"/>
+          </a:xfrm>
+          <a:custGeom>
+            <a:avLst/>
+            <a:gdLst>
+              <a:gd name="connsiteX0" fmla="*/ 0 w 784153"/>
+              <a:gd name="connsiteY0" fmla="*/ 0 h 1075267"/>
+              <a:gd name="connsiteX1" fmla="*/ 778934 w 784153"/>
+              <a:gd name="connsiteY1" fmla="*/ 491067 h 1075267"/>
+              <a:gd name="connsiteX2" fmla="*/ 279400 w 784153"/>
+              <a:gd name="connsiteY2" fmla="*/ 1075267 h 1075267"/>
+            </a:gdLst>
+            <a:ahLst/>
+            <a:cxnLst>
+              <a:cxn ang="0">
+                <a:pos x="connsiteX0" y="connsiteY0"/>
+              </a:cxn>
+              <a:cxn ang="0">
+                <a:pos x="connsiteX1" y="connsiteY1"/>
+              </a:cxn>
+              <a:cxn ang="0">
+                <a:pos x="connsiteX2" y="connsiteY2"/>
+              </a:cxn>
+            </a:cxnLst>
+            <a:rect l="l" t="t" r="r" b="b"/>
+            <a:pathLst>
+              <a:path w="784153" h="1075267">
+                <a:moveTo>
+                  <a:pt x="0" y="0"/>
+                </a:moveTo>
+                <a:cubicBezTo>
+                  <a:pt x="366183" y="155928"/>
+                  <a:pt x="732367" y="311856"/>
+                  <a:pt x="778934" y="491067"/>
+                </a:cubicBezTo>
+                <a:cubicBezTo>
+                  <a:pt x="825501" y="670278"/>
+                  <a:pt x="552450" y="872772"/>
+                  <a:pt x="279400" y="1075267"/>
+                </a:cubicBezTo>
+              </a:path>
+            </a:pathLst>
+          </a:custGeom>
+          <a:noFill/>
+          <a:ln cap="flat">
+            <a:headEnd type="none" w="lg" len="lg"/>
+            <a:tailEnd type="triangle" w="lg" len="lg"/>
+          </a:ln>
+        </p:spPr>
+        <p:style>
+          <a:lnRef idx="2">
+            <a:schemeClr val="accent1">
+              <a:shade val="50000"/>
+            </a:schemeClr>
+          </a:lnRef>
+          <a:fillRef idx="1">
+            <a:schemeClr val="accent1"/>
+          </a:fillRef>
+          <a:effectRef idx="0">
+            <a:schemeClr val="accent1"/>
+          </a:effectRef>
+          <a:fontRef idx="minor">
+            <a:schemeClr val="lt1"/>
+          </a:fontRef>
+        </p:style>
+        <p:txBody>
+          <a:bodyPr rtlCol="0" anchor="ctr"/>
+          <a:lstStyle/>
+          <a:p>
+            <a:pPr algn="ctr"/>
+            <a:endParaRPr kumimoji="1" lang="ja-JP" altLang="en-US"/>
+          </a:p>
+        </p:txBody>
+      </p:sp>
+      <mc:AlternateContent xmlns:mc="http://schemas.openxmlformats.org/markup-compatibility/2006">
+        <mc:Choice xmlns:a14="http://schemas.microsoft.com/office/drawing/2010/main" Requires="a14">
+          <p:sp>
+            <p:nvSpPr>
+              <p:cNvPr id="21" name="テキスト ボックス 20"/>
+              <p:cNvSpPr txBox="1"/>
+              <p:nvPr/>
+            </p:nvSpPr>
+            <p:spPr>
+              <a:xfrm>
+                <a:off x="9665686" y="4449296"/>
+                <a:ext cx="1220014" cy="369332"/>
+              </a:xfrm>
+              <a:prstGeom prst="rect">
+                <a:avLst/>
+              </a:prstGeom>
+              <a:noFill/>
+            </p:spPr>
+            <p:txBody>
+              <a:bodyPr wrap="none" lIns="0" tIns="0" rIns="0" bIns="0" rtlCol="0">
+                <a:spAutoFit/>
+              </a:bodyPr>
+              <a:lstStyle/>
+              <a:p>
+                <a14:m>
+                  <m:oMathPara xmlns:m="http://schemas.openxmlformats.org/officeDocument/2006/math">
+                    <m:oMathParaPr>
+                      <m:jc m:val="centerGroup"/>
+                    </m:oMathParaPr>
+                    <m:oMath xmlns:m="http://schemas.openxmlformats.org/officeDocument/2006/math">
+                      <m:r>
+                        <a:rPr kumimoji="1" lang="en-US" altLang="ja-JP" sz="2400" b="0" i="1" smtClean="0">
+                          <a:latin typeface="Cambria Math" panose="02040503050406030204" pitchFamily="18" charset="0"/>
+                        </a:rPr>
+                        <m:t>𝑒𝑥𝑐𝑢𝑠𝑒𝑑</m:t>
+                      </m:r>
+                    </m:oMath>
+                  </m:oMathPara>
+                </a14:m>
+                <a:endParaRPr kumimoji="1" lang="ja-JP" altLang="en-US" sz="2400"/>
+              </a:p>
+            </p:txBody>
+          </p:sp>
+        </mc:Choice>
+        <mc:Fallback>
+          <p:sp>
+            <p:nvSpPr>
+              <p:cNvPr id="21" name="テキスト ボックス 20"/>
+              <p:cNvSpPr txBox="1">
+                <a:spLocks noRot="1" noChangeAspect="1" noMove="1" noResize="1" noEditPoints="1" noAdjustHandles="1" noChangeArrowheads="1" noChangeShapeType="1" noTextEdit="1"/>
+              </p:cNvSpPr>
+              <p:nvPr/>
+            </p:nvSpPr>
+            <p:spPr>
+              <a:xfrm>
+                <a:off x="9665686" y="4449296"/>
+                <a:ext cx="1220014" cy="369332"/>
+              </a:xfrm>
+              <a:prstGeom prst="rect">
+                <a:avLst/>
+              </a:prstGeom>
+              <a:blipFill>
+                <a:blip r:embed="rId3"/>
+                <a:stretch>
+                  <a:fillRect l="-4500" r="-4000" b="-3333"/>
+                </a:stretch>
+              </a:blipFill>
+            </p:spPr>
+            <p:txBody>
+              <a:bodyPr/>
+              <a:lstStyle/>
+              <a:p>
+                <a:r>
+                  <a:rPr lang="ja-JP" altLang="en-US">
+                    <a:noFill/>
+                  </a:rPr>
+                  <a:t> </a:t>
+                </a:r>
+              </a:p>
+            </p:txBody>
+          </p:sp>
+        </mc:Fallback>
+      </mc:AlternateContent>
+    </p:spTree>
+    <p:extLst>
+      <p:ext uri="{BB962C8B-B14F-4D97-AF65-F5344CB8AC3E}">
+        <p14:creationId xmlns:p14="http://schemas.microsoft.com/office/powerpoint/2010/main" val="4139675812"/>
+      </p:ext>
+    </p:extLst>
+  </p:cSld>
+  <p:clrMapOvr>
+    <a:masterClrMapping/>
+  </p:clrMapOvr>
+</p:sld>
+</file>
+
+<file path=ppt/slides/slide14.xml><?xml version="1.0" encoding="utf-8"?>
+<p:sld xmlns:a="http://schemas.openxmlformats.org/drawingml/2006/main" xmlns:r="http://schemas.openxmlformats.org/officeDocument/2006/relationships" xmlns:p="http://schemas.openxmlformats.org/presentationml/2006/main">
+  <p:cSld>
+    <p:spTree>
+      <p:nvGrpSpPr>
+        <p:cNvPr id="1" name=""/>
+        <p:cNvGrpSpPr/>
+        <p:nvPr/>
+      </p:nvGrpSpPr>
+      <p:grpSpPr>
+        <a:xfrm>
+          <a:off x="0" y="0"/>
+          <a:ext cx="0" cy="0"/>
+          <a:chOff x="0" y="0"/>
+          <a:chExt cx="0" cy="0"/>
+        </a:xfrm>
+      </p:grpSpPr>
+      <p:sp>
+        <p:nvSpPr>
           <p:cNvPr id="44" name="正方形/長方形 43"/>
           <p:cNvSpPr/>
           <p:nvPr/>
@@ -6870,7 +8980,7 @@
           <a:p>
             <a:fld id="{7150E25F-B8C9-4ED1-8626-95CB18EC23DC}" type="slidenum">
               <a:rPr kumimoji="1" lang="ja-JP" altLang="en-US" smtClean="0"/>
-              <a:t>13</a:t>
+              <a:t>14</a:t>
             </a:fld>
             <a:endParaRPr kumimoji="1" lang="ja-JP" altLang="en-US"/>
           </a:p>
@@ -7185,7 +9295,7 @@
                 <a:avLst/>
               </a:prstGeom>
               <a:blipFill>
-                <a:blip r:embed="rId2"/>
+                <a:blip r:embed="rId3"/>
                 <a:stretch>
                   <a:fillRect l="-14000" r="-12000" b="-2174"/>
                 </a:stretch>
@@ -7269,7 +9379,7 @@
                 <a:avLst/>
               </a:prstGeom>
               <a:blipFill>
-                <a:blip r:embed="rId3"/>
+                <a:blip r:embed="rId4"/>
                 <a:stretch>
                   <a:fillRect l="-18421" r="-15789" b="-2174"/>
                 </a:stretch>
@@ -7381,7 +9491,7 @@
                 <a:avLst/>
               </a:prstGeom>
               <a:blipFill>
-                <a:blip r:embed="rId4"/>
+                <a:blip r:embed="rId5"/>
                 <a:stretch>
                   <a:fillRect/>
                 </a:stretch>
@@ -7762,7 +9872,7 @@
                 <a:avLst/>
               </a:prstGeom>
               <a:blipFill>
-                <a:blip r:embed="rId5"/>
+                <a:blip r:embed="rId6"/>
                 <a:stretch>
                   <a:fillRect l="-3241" r="-926" b="-10417"/>
                 </a:stretch>
@@ -7877,7 +9987,7 @@
                 <a:avLst/>
               </a:prstGeom>
               <a:blipFill>
-                <a:blip r:embed="rId6"/>
+                <a:blip r:embed="rId7"/>
                 <a:stretch>
                   <a:fillRect l="-5556" r="-1587" b="-10638"/>
                 </a:stretch>
@@ -8016,7 +10126,7 @@
                 <a:avLst/>
               </a:prstGeom>
               <a:blipFill>
-                <a:blip r:embed="rId7"/>
+                <a:blip r:embed="rId8"/>
                 <a:stretch>
                   <a:fillRect l="-3663" t="-6522" r="-4029" b="-28261"/>
                 </a:stretch>
@@ -8280,7 +10390,7 @@
                 <a:avLst/>
               </a:prstGeom>
               <a:blipFill>
-                <a:blip r:embed="rId8"/>
+                <a:blip r:embed="rId9"/>
                 <a:stretch>
                   <a:fillRect l="-2151" t="-4918" r="-3495" b="-27869"/>
                 </a:stretch>
@@ -8582,7 +10692,7 @@
                 <a:avLst/>
               </a:prstGeom>
               <a:blipFill>
-                <a:blip r:embed="rId9"/>
+                <a:blip r:embed="rId10"/>
                 <a:stretch>
                   <a:fillRect l="-8219" r="-9589" b="-2174"/>
                 </a:stretch>
@@ -8613,7 +10723,7 @@
             </p:nvSpPr>
             <p:spPr>
               <a:xfrm>
-                <a:off x="3536495" y="6400412"/>
+                <a:off x="3494031" y="6032398"/>
                 <a:ext cx="375359" cy="276999"/>
               </a:xfrm>
               <a:prstGeom prst="rect">
@@ -8659,14 +10769,14 @@
             </p:nvSpPr>
             <p:spPr>
               <a:xfrm>
-                <a:off x="3536495" y="6400412"/>
+                <a:off x="3494031" y="6032398"/>
                 <a:ext cx="375359" cy="276999"/>
               </a:xfrm>
               <a:prstGeom prst="rect">
                 <a:avLst/>
               </a:prstGeom>
               <a:blipFill>
-                <a:blip r:embed="rId10"/>
+                <a:blip r:embed="rId11"/>
                 <a:stretch>
                   <a:fillRect l="-9677" r="-11290" b="-2222"/>
                 </a:stretch>
@@ -8749,7 +10859,7 @@
                 <a:avLst/>
               </a:prstGeom>
               <a:blipFill>
-                <a:blip r:embed="rId11"/>
+                <a:blip r:embed="rId12"/>
                 <a:stretch>
                   <a:fillRect/>
                 </a:stretch>
@@ -8832,7 +10942,7 @@
                 <a:avLst/>
               </a:prstGeom>
               <a:blipFill>
-                <a:blip r:embed="rId12"/>
+                <a:blip r:embed="rId13"/>
                 <a:stretch>
                   <a:fillRect/>
                 </a:stretch>
@@ -8934,7 +11044,7 @@
                 <a:avLst/>
               </a:prstGeom>
               <a:blipFill>
-                <a:blip r:embed="rId13"/>
+                <a:blip r:embed="rId14"/>
                 <a:stretch>
                   <a:fillRect/>
                 </a:stretch>
@@ -9018,9 +11128,117 @@
                 <a:avLst/>
               </a:prstGeom>
               <a:blipFill>
-                <a:blip r:embed="rId14"/>
+                <a:blip r:embed="rId15"/>
                 <a:stretch>
                   <a:fillRect l="-20513" r="-15385" b="-2222"/>
+                </a:stretch>
+              </a:blipFill>
+            </p:spPr>
+            <p:txBody>
+              <a:bodyPr/>
+              <a:lstStyle/>
+              <a:p>
+                <a:r>
+                  <a:rPr lang="ja-JP" altLang="en-US">
+                    <a:noFill/>
+                  </a:rPr>
+                  <a:t> </a:t>
+                </a:r>
+              </a:p>
+            </p:txBody>
+          </p:sp>
+        </mc:Fallback>
+      </mc:AlternateContent>
+      <mc:AlternateContent xmlns:mc="http://schemas.openxmlformats.org/markup-compatibility/2006" xmlns:a14="http://schemas.microsoft.com/office/drawing/2010/main">
+        <mc:Choice Requires="a14">
+          <p:sp>
+            <p:nvSpPr>
+              <p:cNvPr id="8" name="正方形/長方形 7"/>
+              <p:cNvSpPr/>
+              <p:nvPr/>
+            </p:nvSpPr>
+            <p:spPr>
+              <a:xfrm>
+                <a:off x="2478296" y="6415247"/>
+                <a:ext cx="2364750" cy="369332"/>
+              </a:xfrm>
+              <a:prstGeom prst="rect">
+                <a:avLst/>
+              </a:prstGeom>
+            </p:spPr>
+            <p:txBody>
+              <a:bodyPr wrap="none">
+                <a:spAutoFit/>
+              </a:bodyPr>
+              <a:lstStyle/>
+              <a:p>
+                <a:pPr/>
+                <a14:m>
+                  <m:oMathPara xmlns:m="http://schemas.openxmlformats.org/officeDocument/2006/math">
+                    <m:oMathParaPr>
+                      <m:jc m:val="centerGroup"/>
+                    </m:oMathParaPr>
+                    <m:oMath xmlns:m="http://schemas.openxmlformats.org/officeDocument/2006/math">
+                      <m:r>
+                        <a:rPr lang="en-US" altLang="ja-JP" b="1" i="1">
+                          <a:solidFill>
+                            <a:srgbClr val="FF0000"/>
+                          </a:solidFill>
+                          <a:latin typeface="Cambria Math" panose="02040503050406030204" pitchFamily="18" charset="0"/>
+                        </a:rPr>
+                        <m:t>𝑭𝒆𝒓𝒎𝒊</m:t>
+                      </m:r>
+                      <m:r>
+                        <a:rPr lang="en-US" altLang="ja-JP" b="1" i="1">
+                          <a:solidFill>
+                            <a:srgbClr val="FF0000"/>
+                          </a:solidFill>
+                          <a:latin typeface="Cambria Math" panose="02040503050406030204" pitchFamily="18" charset="0"/>
+                        </a:rPr>
+                        <m:t> </m:t>
+                      </m:r>
+                      <m:r>
+                        <a:rPr lang="en-US" altLang="ja-JP" b="1" i="1">
+                          <a:solidFill>
+                            <a:srgbClr val="FF0000"/>
+                          </a:solidFill>
+                          <a:latin typeface="Cambria Math" panose="02040503050406030204" pitchFamily="18" charset="0"/>
+                        </a:rPr>
+                        <m:t>𝒅𝒆𝒈𝒆𝒏𝒆𝒓𝒂𝒄𝒚</m:t>
+                      </m:r>
+                    </m:oMath>
+                  </m:oMathPara>
+                </a14:m>
+                <a:endParaRPr lang="ja-JP" altLang="en-US" b="1">
+                  <a:solidFill>
+                    <a:srgbClr val="FF0000"/>
+                  </a:solidFill>
+                </a:endParaRPr>
+              </a:p>
+            </p:txBody>
+          </p:sp>
+        </mc:Choice>
+        <mc:Fallback xmlns="">
+          <p:sp>
+            <p:nvSpPr>
+              <p:cNvPr id="8" name="正方形/長方形 7"/>
+              <p:cNvSpPr>
+                <a:spLocks noRot="1" noChangeAspect="1" noMove="1" noResize="1" noEditPoints="1" noAdjustHandles="1" noChangeArrowheads="1" noChangeShapeType="1" noTextEdit="1"/>
+              </p:cNvSpPr>
+              <p:nvPr/>
+            </p:nvSpPr>
+            <p:spPr>
+              <a:xfrm>
+                <a:off x="2478296" y="6415247"/>
+                <a:ext cx="2364750" cy="369332"/>
+              </a:xfrm>
+              <a:prstGeom prst="rect">
+                <a:avLst/>
+              </a:prstGeom>
+              <a:blipFill>
+                <a:blip r:embed="rId16"/>
+                <a:stretch>
+                  <a:fillRect b="-9836"/>
                 </a:stretch>
               </a:blipFill>
             </p:spPr>
@@ -9052,7 +11270,7 @@
 </p:sld>
 </file>
 
-<file path=ppt/slides/slide14.xml><?xml version="1.0" encoding="utf-8"?>
+<file path=ppt/slides/slide15.xml><?xml version="1.0" encoding="utf-8"?>
 <p:sld xmlns:a="http://schemas.openxmlformats.org/drawingml/2006/main" xmlns:r="http://schemas.openxmlformats.org/officeDocument/2006/relationships" xmlns:p="http://schemas.openxmlformats.org/presentationml/2006/main">
   <p:cSld>
     <p:spTree>
@@ -9086,7 +11304,7 @@
           <a:p>
             <a:fld id="{7150E25F-B8C9-4ED1-8626-95CB18EC23DC}" type="slidenum">
               <a:rPr kumimoji="1" lang="ja-JP" altLang="en-US" smtClean="0"/>
-              <a:t>14</a:t>
+              <a:t>15</a:t>
             </a:fld>
             <a:endParaRPr kumimoji="1" lang="ja-JP" altLang="en-US"/>
           </a:p>
@@ -9227,7 +11445,7 @@
                 <a:ext cx="10515600" cy="1325563"/>
               </a:xfrm>
               <a:blipFill>
-                <a:blip r:embed="rId2"/>
+                <a:blip r:embed="rId3"/>
                 <a:stretch>
                   <a:fillRect l="-2377" b="-922"/>
                 </a:stretch>
@@ -9423,7 +11641,7 @@
                 <a:avLst/>
               </a:prstGeom>
               <a:blipFill>
-                <a:blip r:embed="rId3"/>
+                <a:blip r:embed="rId4"/>
                 <a:stretch>
                   <a:fillRect l="-3186" r="-1471" b="-25758"/>
                 </a:stretch>
@@ -9541,7 +11759,7 @@
                 <a:avLst/>
               </a:prstGeom>
               <a:blipFill>
-                <a:blip r:embed="rId4"/>
+                <a:blip r:embed="rId5"/>
                 <a:stretch>
                   <a:fillRect t="-6667" r="-571" b="-30000"/>
                 </a:stretch>
@@ -9626,7 +11844,7 @@
                 <a:avLst/>
               </a:prstGeom>
               <a:blipFill>
-                <a:blip r:embed="rId5"/>
+                <a:blip r:embed="rId6"/>
                 <a:stretch>
                   <a:fillRect l="-4747" t="-8000" r="-3797" b="-33333"/>
                 </a:stretch>
@@ -10234,7 +12452,7 @@
                 <a:avLst/>
               </a:prstGeom>
               <a:blipFill>
-                <a:blip r:embed="rId6"/>
+                <a:blip r:embed="rId7"/>
                 <a:stretch>
                   <a:fillRect/>
                 </a:stretch>
@@ -10523,7 +12741,7 @@
                 <a:avLst/>
               </a:prstGeom>
               <a:blipFill>
-                <a:blip r:embed="rId7"/>
+                <a:blip r:embed="rId8"/>
                 <a:stretch>
                   <a:fillRect/>
                 </a:stretch>
@@ -10785,7 +13003,7 @@
                 <a:avLst/>
               </a:prstGeom>
               <a:blipFill>
-                <a:blip r:embed="rId8"/>
+                <a:blip r:embed="rId9"/>
                 <a:stretch>
                   <a:fillRect/>
                 </a:stretch>
@@ -11204,7 +13422,7 @@
                 <a:avLst/>
               </a:prstGeom>
               <a:blipFill>
-                <a:blip r:embed="rId9"/>
+                <a:blip r:embed="rId10"/>
                 <a:stretch>
                   <a:fillRect/>
                 </a:stretch>
@@ -11296,7 +13514,7 @@
                 <a:avLst/>
               </a:prstGeom>
               <a:blipFill>
-                <a:blip r:embed="rId10"/>
+                <a:blip r:embed="rId11"/>
                 <a:stretch>
                   <a:fillRect l="-2392" t="-23913" r="-5024" b="-54348"/>
                 </a:stretch>
@@ -11379,7 +13597,7 @@
                 <a:avLst/>
               </a:prstGeom>
               <a:blipFill>
-                <a:blip r:embed="rId11"/>
+                <a:blip r:embed="rId12"/>
                 <a:stretch>
                   <a:fillRect/>
                 </a:stretch>
@@ -11413,7 +13631,7 @@
 </p:sld>
 </file>
 
-<file path=ppt/slides/slide15.xml><?xml version="1.0" encoding="utf-8"?>
+<file path=ppt/slides/slide16.xml><?xml version="1.0" encoding="utf-8"?>
 <p:sld xmlns:a="http://schemas.openxmlformats.org/drawingml/2006/main" xmlns:r="http://schemas.openxmlformats.org/officeDocument/2006/relationships" xmlns:p="http://schemas.openxmlformats.org/presentationml/2006/main">
   <p:cSld>
     <p:spTree>
@@ -11447,7 +13665,7 @@
           <a:p>
             <a:fld id="{7150E25F-B8C9-4ED1-8626-95CB18EC23DC}" type="slidenum">
               <a:rPr kumimoji="1" lang="ja-JP" altLang="en-US" smtClean="0"/>
-              <a:t>15</a:t>
+              <a:t>16</a:t>
             </a:fld>
             <a:endParaRPr kumimoji="1" lang="ja-JP" altLang="en-US"/>
           </a:p>
@@ -11600,7 +13818,7 @@
     </p:spTree>
     <p:extLst>
       <p:ext uri="{BB962C8B-B14F-4D97-AF65-F5344CB8AC3E}">
-        <p14:creationId xmlns:p14="http://schemas.microsoft.com/office/powerpoint/2010/main" val="4139675812"/>
+        <p14:creationId xmlns:p14="http://schemas.microsoft.com/office/powerpoint/2010/main" val="47337918"/>
       </p:ext>
     </p:extLst>
   </p:cSld>
@@ -11747,59 +13965,67 @@
             <a:r>
               <a:rPr lang="en-US" altLang="ja-JP" sz="2400">
                 <a:solidFill>
-                  <a:srgbClr val="FF0000"/>
+                  <a:srgbClr val="0070C0"/>
                 </a:solidFill>
               </a:rPr>
-              <a:t>Pauli exclusion principle </a:t>
-            </a:r>
-            <a:r>
-              <a:rPr lang="en-US" altLang="ja-JP" sz="2400"/>
-              <a:t>plays an important role.</a:t>
-            </a:r>
-          </a:p>
-          <a:p>
-            <a:endParaRPr lang="en-US" altLang="ja-JP" sz="2400"/>
-          </a:p>
-          <a:p>
-            <a:endParaRPr lang="en-US" altLang="ja-JP" sz="2400"/>
-          </a:p>
-          <a:p>
-            <a:pPr marL="0" indent="0">
-              <a:buNone/>
-            </a:pPr>
-            <a:r>
-              <a:rPr lang="en-US" altLang="ja-JP" sz="2400" b="1"/>
-              <a:t>Goal</a:t>
-            </a:r>
-            <a:r>
-              <a:rPr lang="en-US" altLang="ja-JP" sz="2400"/>
-              <a:t> : </a:t>
-            </a:r>
-          </a:p>
-          <a:p>
+              <a:t>Pauli exclusion principle</a:t>
+            </a:r>
             <a:r>
               <a:rPr lang="en-US" altLang="ja-JP" sz="2400">
                 <a:solidFill>
                   <a:srgbClr val="FF0000"/>
                 </a:solidFill>
               </a:rPr>
-              <a:t>Create a Monte Carlo program</a:t>
+              <a:t> </a:t>
             </a:r>
             <a:r>
               <a:rPr lang="en-US" altLang="ja-JP" sz="2400"/>
-              <a:t> for a two-dimensional electron gas that takes </a:t>
-            </a:r>
+              <a:t>plays an important role.</a:t>
+            </a:r>
+          </a:p>
+          <a:p>
+            <a:endParaRPr lang="en-US" altLang="ja-JP" sz="2400"/>
+          </a:p>
+          <a:p>
+            <a:endParaRPr lang="en-US" altLang="ja-JP" sz="2400"/>
+          </a:p>
+          <a:p>
+            <a:pPr marL="0" indent="0">
+              <a:buNone/>
+            </a:pPr>
+            <a:r>
+              <a:rPr lang="en-US" altLang="ja-JP" sz="2400" b="1"/>
+              <a:t>Goal</a:t>
+            </a:r>
+            <a:r>
+              <a:rPr lang="en-US" altLang="ja-JP" sz="2400"/>
+              <a:t> : </a:t>
+            </a:r>
+          </a:p>
+          <a:p>
             <a:r>
               <a:rPr lang="en-US" altLang="ja-JP" sz="2400">
                 <a:solidFill>
-                  <a:srgbClr val="FF0000"/>
+                  <a:srgbClr val="0070C0"/>
                 </a:solidFill>
               </a:rPr>
-              <a:t>degeneracy</a:t>
+              <a:t>Create a Monte Carlo program </a:t>
             </a:r>
             <a:r>
               <a:rPr lang="en-US" altLang="ja-JP" sz="2400"/>
-              <a:t> into account.</a:t>
+              <a:t>for a two-dimensional electron gas that takes </a:t>
+            </a:r>
+            <a:r>
+              <a:rPr lang="en-US" altLang="ja-JP" sz="2400" smtClean="0">
+                <a:solidFill>
+                  <a:srgbClr val="0070C0"/>
+                </a:solidFill>
+              </a:rPr>
+              <a:t>Fermi degeneracy </a:t>
+            </a:r>
+            <a:r>
+              <a:rPr lang="en-US" altLang="ja-JP" sz="2400"/>
+              <a:t>into account.</a:t>
             </a:r>
             <a:endParaRPr lang="ja-JP" altLang="en-US" sz="2400"/>
           </a:p>
@@ -12247,7 +14473,7 @@
           <p:nvPr/>
         </p:nvPicPr>
         <p:blipFill>
-          <a:blip r:embed="rId2">
+          <a:blip r:embed="rId3">
             <a:extLst>
               <a:ext uri="{28A0092B-C50C-407E-A947-70E740481C1C}">
                 <a14:useLocalDpi xmlns:a14="http://schemas.microsoft.com/office/drawing/2010/main" val="0"/>
@@ -12277,7 +14503,7 @@
           <p:nvPr/>
         </p:nvPicPr>
         <p:blipFill>
-          <a:blip r:embed="rId3">
+          <a:blip r:embed="rId4">
             <a:extLst>
               <a:ext uri="{28A0092B-C50C-407E-A947-70E740481C1C}">
                 <a14:useLocalDpi xmlns:a14="http://schemas.microsoft.com/office/drawing/2010/main" val="0"/>
@@ -12298,8 +14524,8 @@
           </a:prstGeom>
         </p:spPr>
       </p:pic>
-      <mc:AlternateContent xmlns:mc="http://schemas.openxmlformats.org/markup-compatibility/2006" xmlns:a14="http://schemas.microsoft.com/office/drawing/2010/main">
-        <mc:Choice Requires="a14">
+      <mc:AlternateContent xmlns:mc="http://schemas.openxmlformats.org/markup-compatibility/2006">
+        <mc:Choice xmlns:a14="http://schemas.microsoft.com/office/drawing/2010/main" Requires="a14">
           <p:sp>
             <p:nvSpPr>
               <p:cNvPr id="8" name="テキスト ボックス 7"/>
@@ -12308,7 +14534,7 @@
             </p:nvSpPr>
             <p:spPr>
               <a:xfrm>
-                <a:off x="1786006" y="2639866"/>
+                <a:off x="1428197" y="2639866"/>
                 <a:ext cx="3787640" cy="400110"/>
               </a:xfrm>
               <a:prstGeom prst="rect">
@@ -12377,7 +14603,7 @@
             </p:txBody>
           </p:sp>
         </mc:Choice>
-        <mc:Fallback xmlns="">
+        <mc:Fallback>
           <p:sp>
             <p:nvSpPr>
               <p:cNvPr id="8" name="テキスト ボックス 7"/>
@@ -12388,16 +14614,16 @@
             </p:nvSpPr>
             <p:spPr>
               <a:xfrm>
-                <a:off x="1786006" y="2639866"/>
+                <a:off x="1428197" y="2639866"/>
                 <a:ext cx="3787640" cy="400110"/>
               </a:xfrm>
               <a:prstGeom prst="rect">
                 <a:avLst/>
               </a:prstGeom>
               <a:blipFill>
-                <a:blip r:embed="rId4"/>
+                <a:blip r:embed="rId5"/>
                 <a:stretch>
-                  <a:fillRect l="-1771" t="-7576" r="-805" b="-25758"/>
+                  <a:fillRect l="-1608" t="-7576" r="-804" b="-25758"/>
                 </a:stretch>
               </a:blipFill>
             </p:spPr>
@@ -12416,8 +14642,8 @@
           </p:sp>
         </mc:Fallback>
       </mc:AlternateContent>
-      <mc:AlternateContent xmlns:mc="http://schemas.openxmlformats.org/markup-compatibility/2006" xmlns:a14="http://schemas.microsoft.com/office/drawing/2010/main">
-        <mc:Choice Requires="a14">
+      <mc:AlternateContent xmlns:mc="http://schemas.openxmlformats.org/markup-compatibility/2006">
+        <mc:Choice xmlns:a14="http://schemas.microsoft.com/office/drawing/2010/main" Requires="a14">
           <p:sp>
             <p:nvSpPr>
               <p:cNvPr id="9" name="正方形/長方形 8"/>
@@ -12426,8 +14652,8 @@
             </p:nvSpPr>
             <p:spPr>
               <a:xfrm>
-                <a:off x="6891227" y="2551184"/>
-                <a:ext cx="3321166" cy="400110"/>
+                <a:off x="5963628" y="2639866"/>
+                <a:ext cx="6228372" cy="400110"/>
               </a:xfrm>
               <a:prstGeom prst="rect">
                 <a:avLst/>
@@ -12483,15 +14709,119 @@
                   <a:t> </a:t>
                 </a:r>
                 <a:r>
-                  <a:rPr lang="en-US" altLang="ja-JP" sz="2000" dirty="0" smtClean="0"/>
+                  <a:rPr lang="en-US" altLang="ja-JP" sz="2000" smtClean="0"/>
                   <a:t>meV</a:t>
+                </a:r>
+                <a:r>
+                  <a:rPr lang="ja-JP" altLang="en-US" sz="2000"/>
+                  <a:t> </a:t>
+                </a:r>
+                <a:r>
+                  <a:rPr lang="en-US" altLang="ja-JP" sz="2000" smtClean="0"/>
+                  <a:t>(</a:t>
+                </a:r>
+                <a14:m>
+                  <m:oMath xmlns:m="http://schemas.openxmlformats.org/officeDocument/2006/math">
+                    <m:sSub>
+                      <m:sSubPr>
+                        <m:ctrlPr>
+                          <a:rPr lang="en-US" altLang="ja-JP" sz="2000" i="1" smtClean="0">
+                            <a:latin typeface="Cambria Math" panose="02040503050406030204" pitchFamily="18" charset="0"/>
+                          </a:rPr>
+                        </m:ctrlPr>
+                      </m:sSubPr>
+                      <m:e>
+                        <m:r>
+                          <a:rPr lang="en-US" altLang="ja-JP" sz="2000" b="0" i="1" smtClean="0">
+                            <a:latin typeface="Cambria Math" panose="02040503050406030204" pitchFamily="18" charset="0"/>
+                          </a:rPr>
+                          <m:t>𝐸</m:t>
+                        </m:r>
+                      </m:e>
+                      <m:sub>
+                        <m:r>
+                          <a:rPr lang="en-US" altLang="ja-JP" sz="2000" b="0" i="1" smtClean="0">
+                            <a:latin typeface="Cambria Math" panose="02040503050406030204" pitchFamily="18" charset="0"/>
+                          </a:rPr>
+                          <m:t>𝐹</m:t>
+                        </m:r>
+                      </m:sub>
+                    </m:sSub>
+                    <m:r>
+                      <a:rPr lang="en-US" altLang="ja-JP" sz="2000" i="1" smtClean="0">
+                        <a:latin typeface="Cambria Math" panose="02040503050406030204" pitchFamily="18" charset="0"/>
+                        <a:ea typeface="Cambria Math" panose="02040503050406030204" pitchFamily="18" charset="0"/>
+                      </a:rPr>
+                      <m:t>≫</m:t>
+                    </m:r>
+                    <m:sSub>
+                      <m:sSubPr>
+                        <m:ctrlPr>
+                          <a:rPr lang="en-US" altLang="ja-JP" sz="2000" i="1" smtClean="0">
+                            <a:latin typeface="Cambria Math" panose="02040503050406030204" pitchFamily="18" charset="0"/>
+                            <a:ea typeface="Cambria Math" panose="02040503050406030204" pitchFamily="18" charset="0"/>
+                          </a:rPr>
+                        </m:ctrlPr>
+                      </m:sSubPr>
+                      <m:e>
+                        <m:r>
+                          <a:rPr lang="en-US" altLang="ja-JP" sz="2000" b="0" i="1" smtClean="0">
+                            <a:latin typeface="Cambria Math" panose="02040503050406030204" pitchFamily="18" charset="0"/>
+                            <a:ea typeface="Cambria Math" panose="02040503050406030204" pitchFamily="18" charset="0"/>
+                          </a:rPr>
+                          <m:t>𝑘</m:t>
+                        </m:r>
+                      </m:e>
+                      <m:sub>
+                        <m:r>
+                          <a:rPr lang="en-US" altLang="ja-JP" sz="2000" b="0" i="1" smtClean="0">
+                            <a:latin typeface="Cambria Math" panose="02040503050406030204" pitchFamily="18" charset="0"/>
+                            <a:ea typeface="Cambria Math" panose="02040503050406030204" pitchFamily="18" charset="0"/>
+                          </a:rPr>
+                          <m:t>𝑏</m:t>
+                        </m:r>
+                      </m:sub>
+                    </m:sSub>
+                    <m:r>
+                      <a:rPr lang="en-US" altLang="ja-JP" sz="2000" b="0" i="1" smtClean="0">
+                        <a:latin typeface="Cambria Math" panose="02040503050406030204" pitchFamily="18" charset="0"/>
+                        <a:ea typeface="Cambria Math" panose="02040503050406030204" pitchFamily="18" charset="0"/>
+                      </a:rPr>
+                      <m:t>𝑇</m:t>
+                    </m:r>
+                    <m:r>
+                      <a:rPr lang="en-US" altLang="ja-JP" sz="2000" b="0" i="1" smtClean="0">
+                        <a:latin typeface="Cambria Math" panose="02040503050406030204" pitchFamily="18" charset="0"/>
+                        <a:ea typeface="Cambria Math" panose="02040503050406030204" pitchFamily="18" charset="0"/>
+                      </a:rPr>
+                      <m:t> @ </m:t>
+                    </m:r>
+                    <m:r>
+                      <a:rPr lang="en-US" altLang="ja-JP" sz="2000" b="0" i="1" smtClean="0">
+                        <a:latin typeface="Cambria Math" panose="02040503050406030204" pitchFamily="18" charset="0"/>
+                        <a:ea typeface="Cambria Math" panose="02040503050406030204" pitchFamily="18" charset="0"/>
+                      </a:rPr>
+                      <m:t>𝑇</m:t>
+                    </m:r>
+                    <m:r>
+                      <a:rPr lang="en-US" altLang="ja-JP" sz="2000" b="0" i="1" smtClean="0">
+                        <a:latin typeface="Cambria Math" panose="02040503050406030204" pitchFamily="18" charset="0"/>
+                        <a:ea typeface="Cambria Math" panose="02040503050406030204" pitchFamily="18" charset="0"/>
+                      </a:rPr>
+                      <m:t>=300</m:t>
+                    </m:r>
+                  </m:oMath>
+                </a14:m>
+                <a:r>
+                  <a:rPr lang="en-US" altLang="ja-JP" sz="2000" smtClean="0"/>
+                  <a:t> K)</a:t>
                 </a:r>
                 <a:endParaRPr lang="ja-JP" altLang="en-US" sz="2000" dirty="0"/>
               </a:p>
             </p:txBody>
           </p:sp>
         </mc:Choice>
-        <mc:Fallback xmlns="">
+        <mc:Fallback>
           <p:sp>
             <p:nvSpPr>
               <p:cNvPr id="9" name="正方形/長方形 8"/>
@@ -12502,16 +14832,16 @@
             </p:nvSpPr>
             <p:spPr>
               <a:xfrm>
-                <a:off x="6891227" y="2551184"/>
-                <a:ext cx="3321166" cy="400110"/>
+                <a:off x="5963628" y="2639866"/>
+                <a:ext cx="6228372" cy="400110"/>
               </a:xfrm>
               <a:prstGeom prst="rect">
                 <a:avLst/>
               </a:prstGeom>
               <a:blipFill>
-                <a:blip r:embed="rId5"/>
+                <a:blip r:embed="rId6"/>
                 <a:stretch>
-                  <a:fillRect l="-1835" t="-9231" r="-1101" b="-27692"/>
+                  <a:fillRect l="-978" t="-7576" r="-98" b="-25758"/>
                 </a:stretch>
               </a:blipFill>
             </p:spPr>
@@ -12569,7 +14899,7 @@
           <p:nvPr/>
         </p:nvPicPr>
         <p:blipFill rotWithShape="1">
-          <a:blip r:embed="rId2">
+          <a:blip r:embed="rId3">
             <a:extLst>
               <a:ext uri="{28A0092B-C50C-407E-A947-70E740481C1C}">
                 <a14:useLocalDpi xmlns:a14="http://schemas.microsoft.com/office/drawing/2010/main" val="0"/>
@@ -12727,8 +15057,12 @@
           <a:lstStyle/>
           <a:p>
             <a:r>
+              <a:rPr lang="en-US" altLang="ja-JP" smtClean="0"/>
+              <a:t>Energy </a:t>
+            </a:r>
+            <a:r>
               <a:rPr lang="en-US" altLang="ja-JP"/>
-              <a:t>Energy initial state</a:t>
+              <a:t>state</a:t>
             </a:r>
             <a:endParaRPr kumimoji="1" lang="ja-JP" altLang="en-US"/>
           </a:p>
@@ -12984,7 +15318,7 @@
                 <a:avLst/>
               </a:prstGeom>
               <a:blipFill>
-                <a:blip r:embed="rId3"/>
+                <a:blip r:embed="rId4"/>
                 <a:stretch>
                   <a:fillRect r="-366258"/>
                 </a:stretch>
@@ -13155,7 +15489,7 @@
                 <a:avLst/>
               </a:prstGeom>
               <a:blipFill>
-                <a:blip r:embed="rId4"/>
+                <a:blip r:embed="rId5"/>
                 <a:stretch>
                   <a:fillRect/>
                 </a:stretch>
@@ -13363,7 +15697,7 @@
                 <a:avLst/>
               </a:prstGeom>
               <a:blipFill>
-                <a:blip r:embed="rId5"/>
+                <a:blip r:embed="rId6"/>
                 <a:stretch>
                   <a:fillRect/>
                 </a:stretch>
@@ -13493,7 +15827,7 @@
                 <a:avLst/>
               </a:prstGeom>
               <a:blipFill>
-                <a:blip r:embed="rId6"/>
+                <a:blip r:embed="rId7"/>
                 <a:stretch>
                   <a:fillRect l="-15909" r="-13636"/>
                 </a:stretch>
@@ -13596,7 +15930,7 @@
                 <a:avLst/>
               </a:prstGeom>
               <a:blipFill>
-                <a:blip r:embed="rId7"/>
+                <a:blip r:embed="rId8"/>
                 <a:stretch>
                   <a:fillRect l="-6542" b="-6000"/>
                 </a:stretch>
@@ -13698,7 +16032,7 @@
                 <a:avLst/>
               </a:prstGeom>
               <a:blipFill>
-                <a:blip r:embed="rId8"/>
+                <a:blip r:embed="rId9"/>
                 <a:stretch>
                   <a:fillRect/>
                 </a:stretch>
@@ -13782,7 +16116,7 @@
                 <a:avLst/>
               </a:prstGeom>
               <a:blipFill>
-                <a:blip r:embed="rId9"/>
+                <a:blip r:embed="rId10"/>
                 <a:stretch>
                   <a:fillRect l="-9032" t="-5000" r="-9032" b="-30000"/>
                 </a:stretch>
@@ -13865,7 +16199,7 @@
                 <a:avLst/>
               </a:prstGeom>
               <a:blipFill>
-                <a:blip r:embed="rId10"/>
+                <a:blip r:embed="rId11"/>
                 <a:stretch>
                   <a:fillRect b="-13333"/>
                 </a:stretch>
@@ -14020,7 +16354,7 @@
                 <a:avLst/>
               </a:prstGeom>
               <a:blipFill>
-                <a:blip r:embed="rId11"/>
+                <a:blip r:embed="rId12"/>
                 <a:stretch>
                   <a:fillRect l="-1967" t="-6522" r="-3279" b="-28261"/>
                 </a:stretch>
@@ -14518,7 +16852,7 @@
           <p:nvPr/>
         </p:nvPicPr>
         <p:blipFill>
-          <a:blip r:embed="rId2">
+          <a:blip r:embed="rId3">
             <a:extLst>
               <a:ext uri="{28A0092B-C50C-407E-A947-70E740481C1C}">
                 <a14:useLocalDpi xmlns:a14="http://schemas.microsoft.com/office/drawing/2010/main" val="0"/>
@@ -14664,7 +16998,7 @@
           <p:nvPr/>
         </p:nvPicPr>
         <p:blipFill>
-          <a:blip r:embed="rId3">
+          <a:blip r:embed="rId4">
             <a:extLst>
               <a:ext uri="{28A0092B-C50C-407E-A947-70E740481C1C}">
                 <a14:useLocalDpi xmlns:a14="http://schemas.microsoft.com/office/drawing/2010/main" val="0"/>
@@ -14700,7 +17034,7 @@
           <p:nvPr/>
         </p:nvPicPr>
         <p:blipFill>
-          <a:blip r:embed="rId4">
+          <a:blip r:embed="rId5">
             <a:extLst>
               <a:ext uri="{28A0092B-C50C-407E-A947-70E740481C1C}">
                 <a14:useLocalDpi xmlns:a14="http://schemas.microsoft.com/office/drawing/2010/main" val="0"/>
@@ -14736,7 +17070,7 @@
           <p:nvPr/>
         </p:nvPicPr>
         <p:blipFill>
-          <a:blip r:embed="rId5">
+          <a:blip r:embed="rId6">
             <a:extLst>
               <a:ext uri="{28A0092B-C50C-407E-A947-70E740481C1C}">
                 <a14:useLocalDpi xmlns:a14="http://schemas.microsoft.com/office/drawing/2010/main" val="0"/>
@@ -14804,7 +17138,7 @@
           <p:nvPr/>
         </p:nvPicPr>
         <p:blipFill>
-          <a:blip r:embed="rId6">
+          <a:blip r:embed="rId7">
             <a:extLst>
               <a:ext uri="{28A0092B-C50C-407E-A947-70E740481C1C}">
                 <a14:useLocalDpi xmlns:a14="http://schemas.microsoft.com/office/drawing/2010/main" val="0"/>
@@ -14904,7 +17238,7 @@
           <p:nvPr/>
         </p:nvPicPr>
         <p:blipFill rotWithShape="1">
-          <a:blip r:embed="rId2">
+          <a:blip r:embed="rId3">
             <a:extLst>
               <a:ext uri="{28A0092B-C50C-407E-A947-70E740481C1C}">
                 <a14:useLocalDpi xmlns:a14="http://schemas.microsoft.com/office/drawing/2010/main" val="0"/>
@@ -14939,7 +17273,7 @@
           <p:nvPr/>
         </p:nvPicPr>
         <p:blipFill>
-          <a:blip r:embed="rId3">
+          <a:blip r:embed="rId4">
             <a:extLst>
               <a:ext uri="{28A0092B-C50C-407E-A947-70E740481C1C}">
                 <a14:useLocalDpi xmlns:a14="http://schemas.microsoft.com/office/drawing/2010/main" val="0"/>
@@ -14969,7 +17303,7 @@
           <p:nvPr/>
         </p:nvPicPr>
         <p:blipFill rotWithShape="1">
-          <a:blip r:embed="rId4">
+          <a:blip r:embed="rId5">
             <a:extLst>
               <a:ext uri="{28A0092B-C50C-407E-A947-70E740481C1C}">
                 <a14:useLocalDpi xmlns:a14="http://schemas.microsoft.com/office/drawing/2010/main" val="0"/>
@@ -15072,7 +17406,7 @@
           <p:nvPr/>
         </p:nvPicPr>
         <p:blipFill rotWithShape="1">
-          <a:blip r:embed="rId5">
+          <a:blip r:embed="rId6">
             <a:extLst>
               <a:ext uri="{28A0092B-C50C-407E-A947-70E740481C1C}">
                 <a14:useLocalDpi xmlns:a14="http://schemas.microsoft.com/office/drawing/2010/main" val="0"/>
@@ -15194,7 +17528,7 @@
                 <a:ext cx="10195852" cy="4351338"/>
               </a:xfrm>
               <a:blipFill>
-                <a:blip r:embed="rId6"/>
+                <a:blip r:embed="rId7"/>
                 <a:stretch>
                   <a:fillRect l="-837" t="-1821"/>
                 </a:stretch>
@@ -15429,7 +17763,7 @@
                 <a:avLst/>
               </a:prstGeom>
               <a:blipFill>
-                <a:blip r:embed="rId7"/>
+                <a:blip r:embed="rId8"/>
                 <a:stretch>
                   <a:fillRect l="-5426" t="-1961" b="-3922"/>
                 </a:stretch>
@@ -15465,7 +17799,7 @@
           <p:nvPr/>
         </p:nvPicPr>
         <p:blipFill rotWithShape="1">
-          <a:blip r:embed="rId3" cstate="print">
+          <a:blip r:embed="rId4" cstate="print">
             <a:extLst>
               <a:ext uri="{28A0092B-C50C-407E-A947-70E740481C1C}">
                 <a14:useLocalDpi xmlns:a14="http://schemas.microsoft.com/office/drawing/2010/main" val="0"/>
@@ -15500,7 +17834,7 @@
           <p:nvPr/>
         </p:nvPicPr>
         <p:blipFill rotWithShape="1">
-          <a:blip r:embed="rId8" cstate="print">
+          <a:blip r:embed="rId9" cstate="print">
             <a:extLst>
               <a:ext uri="{28A0092B-C50C-407E-A947-70E740481C1C}">
                 <a14:useLocalDpi xmlns:a14="http://schemas.microsoft.com/office/drawing/2010/main" val="0"/>
@@ -15535,7 +17869,7 @@
           <p:nvPr/>
         </p:nvPicPr>
         <p:blipFill rotWithShape="1">
-          <a:blip r:embed="rId9" cstate="print">
+          <a:blip r:embed="rId10" cstate="print">
             <a:extLst>
               <a:ext uri="{28A0092B-C50C-407E-A947-70E740481C1C}">
                 <a14:useLocalDpi xmlns:a14="http://schemas.microsoft.com/office/drawing/2010/main" val="0"/>
@@ -15733,7 +18067,7 @@
                 <a:ext cx="6788426" cy="4351338"/>
               </a:xfrm>
               <a:blipFill>
-                <a:blip r:embed="rId2"/>
+                <a:blip r:embed="rId3"/>
                 <a:stretch>
                   <a:fillRect l="-1258" t="-1961" r="-180"/>
                 </a:stretch>
@@ -16105,7 +18439,7 @@
                 <a:avLst/>
               </a:prstGeom>
               <a:blipFill>
-                <a:blip r:embed="rId3"/>
+                <a:blip r:embed="rId4"/>
                 <a:stretch>
                   <a:fillRect/>
                 </a:stretch>
@@ -16439,7 +18773,7 @@
                 <a:avLst/>
               </a:prstGeom>
               <a:blipFill>
-                <a:blip r:embed="rId4"/>
+                <a:blip r:embed="rId5"/>
                 <a:stretch>
                   <a:fillRect/>
                 </a:stretch>
@@ -16523,7 +18857,7 @@
                 <a:avLst/>
               </a:prstGeom>
               <a:blipFill>
-                <a:blip r:embed="rId5"/>
+                <a:blip r:embed="rId6"/>
                 <a:stretch>
                   <a:fillRect l="-34211" b="-2222"/>
                 </a:stretch>
@@ -16661,7 +18995,7 @@
                 <a:avLst/>
               </a:prstGeom>
               <a:blipFill>
-                <a:blip r:embed="rId6"/>
+                <a:blip r:embed="rId7"/>
                 <a:stretch>
                   <a:fillRect/>
                 </a:stretch>
@@ -18067,7 +20401,7 @@
           <p:nvPr/>
         </p:nvPicPr>
         <p:blipFill>
-          <a:blip r:embed="rId2">
+          <a:blip r:embed="rId3">
             <a:extLst>
               <a:ext uri="{28A0092B-C50C-407E-A947-70E740481C1C}">
                 <a14:useLocalDpi xmlns:a14="http://schemas.microsoft.com/office/drawing/2010/main" val="0"/>
@@ -18080,7 +20414,7 @@
         </p:blipFill>
         <p:spPr>
           <a:xfrm>
-            <a:off x="6095999" y="1213744"/>
+            <a:off x="125238" y="1238926"/>
             <a:ext cx="6006097" cy="2915481"/>
           </a:xfrm>
           <a:prstGeom prst="rect">
@@ -18103,7 +20437,7 @@
           <p:nvPr/>
         </p:nvPicPr>
         <p:blipFill>
-          <a:blip r:embed="rId3">
+          <a:blip r:embed="rId4">
             <a:extLst>
               <a:ext uri="{28A0092B-C50C-407E-A947-70E740481C1C}">
                 <a14:useLocalDpi xmlns:a14="http://schemas.microsoft.com/office/drawing/2010/main" val="0"/>
@@ -18116,7 +20450,7 @@
         </p:blipFill>
         <p:spPr>
           <a:xfrm>
-            <a:off x="213713" y="4067769"/>
+            <a:off x="6131335" y="1281872"/>
             <a:ext cx="5829149" cy="2829587"/>
           </a:xfrm>
           <a:prstGeom prst="rect">
@@ -18249,7 +20583,7 @@
           <p:nvPr/>
         </p:nvPicPr>
         <p:blipFill>
-          <a:blip r:embed="rId4">
+          <a:blip r:embed="rId5">
             <a:extLst>
               <a:ext uri="{28A0092B-C50C-407E-A947-70E740481C1C}">
                 <a14:useLocalDpi xmlns:a14="http://schemas.microsoft.com/office/drawing/2010/main" val="0"/>
@@ -18262,44 +20596,8 @@
         </p:blipFill>
         <p:spPr>
           <a:xfrm>
-            <a:off x="6202272" y="4067769"/>
+            <a:off x="2811372" y="4111459"/>
             <a:ext cx="5899824" cy="2863894"/>
-          </a:xfrm>
-          <a:prstGeom prst="rect">
-            <a:avLst/>
-          </a:prstGeom>
-        </p:spPr>
-      </p:pic>
-      <p:pic>
-        <p:nvPicPr>
-          <p:cNvPr id="14" name="図 13">
-            <a:extLst>
-              <a:ext uri="{FF2B5EF4-FFF2-40B4-BE49-F238E27FC236}">
-                <a16:creationId xmlns:a16="http://schemas.microsoft.com/office/drawing/2014/main" id="{4F3FFA4A-F288-4498-9E3B-29F7DF5519C7}"/>
-              </a:ext>
-            </a:extLst>
-          </p:cNvPr>
-          <p:cNvPicPr>
-            <a:picLocks noChangeAspect="1"/>
-          </p:cNvPicPr>
-          <p:nvPr/>
-        </p:nvPicPr>
-        <p:blipFill>
-          <a:blip r:embed="rId5" cstate="print">
-            <a:extLst>
-              <a:ext uri="{28A0092B-C50C-407E-A947-70E740481C1C}">
-                <a14:useLocalDpi xmlns:a14="http://schemas.microsoft.com/office/drawing/2010/main" val="0"/>
-              </a:ext>
-            </a:extLst>
-          </a:blip>
-          <a:stretch>
-            <a:fillRect/>
-          </a:stretch>
-        </p:blipFill>
-        <p:spPr>
-          <a:xfrm>
-            <a:off x="412773" y="1325563"/>
-            <a:ext cx="5646278" cy="2742206"/>
           </a:xfrm>
           <a:prstGeom prst="rect">
             <a:avLst/>
